--- a/outputs/04_outputs_figures/figure4-raw.pptx
+++ b/outputs/04_outputs_figures/figure4-raw.pptx
@@ -10,6 +10,7 @@
     <p:sldId id="258" r:id="rId4"/>
     <p:sldId id="259" r:id="rId5"/>
     <p:sldId id="260" r:id="rId6"/>
+    <p:sldId id="261" r:id="rId7"/>
   </p:sldIdLst>
   <p:sldSz cx="10698163" cy="7562850"/>
   <p:notesSz cx="6858000" cy="9144000"/>
@@ -308,7 +309,7 @@
           <a:p>
             <a:fld id="{6BA5D40C-A8DC-479A-A5D3-E7B4936A184B}" type="datetimeFigureOut">
               <a:rPr lang="en-GB" smtClean="0"/>
-              <a:t>02/05/2023</a:t>
+              <a:t>03/05/2023</a:t>
             </a:fld>
             <a:endParaRPr lang="en-GB"/>
           </a:p>
@@ -478,7 +479,7 @@
           <a:p>
             <a:fld id="{6BA5D40C-A8DC-479A-A5D3-E7B4936A184B}" type="datetimeFigureOut">
               <a:rPr lang="en-GB" smtClean="0"/>
-              <a:t>02/05/2023</a:t>
+              <a:t>03/05/2023</a:t>
             </a:fld>
             <a:endParaRPr lang="en-GB"/>
           </a:p>
@@ -658,7 +659,7 @@
           <a:p>
             <a:fld id="{6BA5D40C-A8DC-479A-A5D3-E7B4936A184B}" type="datetimeFigureOut">
               <a:rPr lang="en-GB" smtClean="0"/>
-              <a:t>02/05/2023</a:t>
+              <a:t>03/05/2023</a:t>
             </a:fld>
             <a:endParaRPr lang="en-GB"/>
           </a:p>
@@ -828,7 +829,7 @@
           <a:p>
             <a:fld id="{6BA5D40C-A8DC-479A-A5D3-E7B4936A184B}" type="datetimeFigureOut">
               <a:rPr lang="en-GB" smtClean="0"/>
-              <a:t>02/05/2023</a:t>
+              <a:t>03/05/2023</a:t>
             </a:fld>
             <a:endParaRPr lang="en-GB"/>
           </a:p>
@@ -1074,7 +1075,7 @@
           <a:p>
             <a:fld id="{6BA5D40C-A8DC-479A-A5D3-E7B4936A184B}" type="datetimeFigureOut">
               <a:rPr lang="en-GB" smtClean="0"/>
-              <a:t>02/05/2023</a:t>
+              <a:t>03/05/2023</a:t>
             </a:fld>
             <a:endParaRPr lang="en-GB"/>
           </a:p>
@@ -1362,7 +1363,7 @@
           <a:p>
             <a:fld id="{6BA5D40C-A8DC-479A-A5D3-E7B4936A184B}" type="datetimeFigureOut">
               <a:rPr lang="en-GB" smtClean="0"/>
-              <a:t>02/05/2023</a:t>
+              <a:t>03/05/2023</a:t>
             </a:fld>
             <a:endParaRPr lang="en-GB"/>
           </a:p>
@@ -1789,7 +1790,7 @@
           <a:p>
             <a:fld id="{6BA5D40C-A8DC-479A-A5D3-E7B4936A184B}" type="datetimeFigureOut">
               <a:rPr lang="en-GB" smtClean="0"/>
-              <a:t>02/05/2023</a:t>
+              <a:t>03/05/2023</a:t>
             </a:fld>
             <a:endParaRPr lang="en-GB"/>
           </a:p>
@@ -1907,7 +1908,7 @@
           <a:p>
             <a:fld id="{6BA5D40C-A8DC-479A-A5D3-E7B4936A184B}" type="datetimeFigureOut">
               <a:rPr lang="en-GB" smtClean="0"/>
-              <a:t>02/05/2023</a:t>
+              <a:t>03/05/2023</a:t>
             </a:fld>
             <a:endParaRPr lang="en-GB"/>
           </a:p>
@@ -2002,7 +2003,7 @@
           <a:p>
             <a:fld id="{6BA5D40C-A8DC-479A-A5D3-E7B4936A184B}" type="datetimeFigureOut">
               <a:rPr lang="en-GB" smtClean="0"/>
-              <a:t>02/05/2023</a:t>
+              <a:t>03/05/2023</a:t>
             </a:fld>
             <a:endParaRPr lang="en-GB"/>
           </a:p>
@@ -2279,7 +2280,7 @@
           <a:p>
             <a:fld id="{6BA5D40C-A8DC-479A-A5D3-E7B4936A184B}" type="datetimeFigureOut">
               <a:rPr lang="en-GB" smtClean="0"/>
-              <a:t>02/05/2023</a:t>
+              <a:t>03/05/2023</a:t>
             </a:fld>
             <a:endParaRPr lang="en-GB"/>
           </a:p>
@@ -2532,7 +2533,7 @@
           <a:p>
             <a:fld id="{6BA5D40C-A8DC-479A-A5D3-E7B4936A184B}" type="datetimeFigureOut">
               <a:rPr lang="en-GB" smtClean="0"/>
-              <a:t>02/05/2023</a:t>
+              <a:t>03/05/2023</a:t>
             </a:fld>
             <a:endParaRPr lang="en-GB"/>
           </a:p>
@@ -2745,7 +2746,7 @@
           <a:p>
             <a:fld id="{6BA5D40C-A8DC-479A-A5D3-E7B4936A184B}" type="datetimeFigureOut">
               <a:rPr lang="en-GB" smtClean="0"/>
-              <a:t>02/05/2023</a:t>
+              <a:t>03/05/2023</a:t>
             </a:fld>
             <a:endParaRPr lang="en-GB"/>
           </a:p>
@@ -12879,6 +12880,1963 @@
 </p:sld>
 </file>
 
+<file path=ppt/slides/slide6.xml><?xml version="1.0" encoding="utf-8"?>
+<p:sld xmlns:a="http://schemas.openxmlformats.org/drawingml/2006/main" xmlns:r="http://schemas.openxmlformats.org/officeDocument/2006/relationships" xmlns:p="http://schemas.openxmlformats.org/presentationml/2006/main">
+  <p:cSld>
+    <p:spTree>
+      <p:nvGrpSpPr>
+        <p:cNvPr id="1" name=""/>
+        <p:cNvGrpSpPr/>
+        <p:nvPr/>
+      </p:nvGrpSpPr>
+      <p:grpSpPr>
+        <a:xfrm>
+          <a:off x="0" y="0"/>
+          <a:ext cx="0" cy="0"/>
+          <a:chOff x="0" y="0"/>
+          <a:chExt cx="0" cy="0"/>
+        </a:xfrm>
+      </p:grpSpPr>
+      <p:grpSp>
+        <p:nvGrpSpPr>
+          <p:cNvPr id="5" name="Groupe 4">
+            <a:extLst>
+              <a:ext uri="{FF2B5EF4-FFF2-40B4-BE49-F238E27FC236}">
+                <a16:creationId xmlns:a16="http://schemas.microsoft.com/office/drawing/2014/main" id="{62F78762-7842-3ABC-26DC-0219C00C21A9}"/>
+              </a:ext>
+            </a:extLst>
+          </p:cNvPr>
+          <p:cNvGrpSpPr/>
+          <p:nvPr/>
+        </p:nvGrpSpPr>
+        <p:grpSpPr>
+          <a:xfrm>
+            <a:off x="0" y="326456"/>
+            <a:ext cx="10698163" cy="7578756"/>
+            <a:chOff x="0" y="326456"/>
+            <a:chExt cx="10698163" cy="7578756"/>
+          </a:xfrm>
+        </p:grpSpPr>
+        <p:pic>
+          <p:nvPicPr>
+            <p:cNvPr id="134" name="Image 133">
+              <a:extLst>
+                <a:ext uri="{FF2B5EF4-FFF2-40B4-BE49-F238E27FC236}">
+                  <a16:creationId xmlns:a16="http://schemas.microsoft.com/office/drawing/2014/main" id="{AB659585-A11A-3AD5-27D3-65D2B3441321}"/>
+                </a:ext>
+              </a:extLst>
+            </p:cNvPr>
+            <p:cNvPicPr>
+              <a:picLocks noChangeAspect="1"/>
+            </p:cNvPicPr>
+            <p:nvPr/>
+          </p:nvPicPr>
+          <p:blipFill>
+            <a:blip r:embed="rId2"/>
+            <a:stretch>
+              <a:fillRect/>
+            </a:stretch>
+          </p:blipFill>
+          <p:spPr>
+            <a:xfrm>
+              <a:off x="558235" y="455762"/>
+              <a:ext cx="4630380" cy="3589377"/>
+            </a:xfrm>
+            <a:prstGeom prst="rect">
+              <a:avLst/>
+            </a:prstGeom>
+          </p:spPr>
+        </p:pic>
+        <p:grpSp>
+          <p:nvGrpSpPr>
+            <p:cNvPr id="383" name="Group 41">
+              <a:extLst>
+                <a:ext uri="{FF2B5EF4-FFF2-40B4-BE49-F238E27FC236}">
+                  <a16:creationId xmlns:a16="http://schemas.microsoft.com/office/drawing/2014/main" id="{E7607B3F-5AA2-9760-B9E9-A0269988A089}"/>
+                </a:ext>
+              </a:extLst>
+            </p:cNvPr>
+            <p:cNvGrpSpPr/>
+            <p:nvPr/>
+          </p:nvGrpSpPr>
+          <p:grpSpPr>
+            <a:xfrm>
+              <a:off x="2627054" y="4171412"/>
+              <a:ext cx="5424566" cy="339380"/>
+              <a:chOff x="3776750" y="6036589"/>
+              <a:chExt cx="3705052" cy="308527"/>
+            </a:xfrm>
+          </p:grpSpPr>
+          <p:sp>
+            <p:nvSpPr>
+              <p:cNvPr id="384" name="rc34">
+                <a:extLst>
+                  <a:ext uri="{FF2B5EF4-FFF2-40B4-BE49-F238E27FC236}">
+                    <a16:creationId xmlns:a16="http://schemas.microsoft.com/office/drawing/2014/main" id="{3CB7D48F-4591-7F0F-965A-F6B0302925E1}"/>
+                  </a:ext>
+                </a:extLst>
+              </p:cNvPr>
+              <p:cNvSpPr/>
+              <p:nvPr/>
+            </p:nvSpPr>
+            <p:spPr>
+              <a:xfrm>
+                <a:off x="3844504" y="6036589"/>
+                <a:ext cx="359491" cy="105151"/>
+              </a:xfrm>
+              <a:prstGeom prst="rect">
+                <a:avLst/>
+              </a:prstGeom>
+              <a:solidFill>
+                <a:srgbClr val="67001F">
+                  <a:alpha val="100000"/>
+                </a:srgbClr>
+              </a:solidFill>
+              <a:ln w="9525" cap="rnd">
+                <a:solidFill>
+                  <a:srgbClr val="67001F">
+                    <a:alpha val="100000"/>
+                  </a:srgbClr>
+                </a:solidFill>
+                <a:prstDash val="solid"/>
+                <a:round/>
+              </a:ln>
+            </p:spPr>
+            <p:txBody>
+              <a:bodyPr/>
+              <a:lstStyle/>
+              <a:p>
+                <a:endParaRPr/>
+              </a:p>
+            </p:txBody>
+          </p:sp>
+          <p:sp>
+            <p:nvSpPr>
+              <p:cNvPr id="385" name="rc35">
+                <a:extLst>
+                  <a:ext uri="{FF2B5EF4-FFF2-40B4-BE49-F238E27FC236}">
+                    <a16:creationId xmlns:a16="http://schemas.microsoft.com/office/drawing/2014/main" id="{0FF0C3A0-B135-8F9A-777B-89412ED59509}"/>
+                  </a:ext>
+                </a:extLst>
+              </p:cNvPr>
+              <p:cNvSpPr/>
+              <p:nvPr/>
+            </p:nvSpPr>
+            <p:spPr>
+              <a:xfrm>
+                <a:off x="4203996" y="6036589"/>
+                <a:ext cx="359491" cy="105151"/>
+              </a:xfrm>
+              <a:prstGeom prst="rect">
+                <a:avLst/>
+              </a:prstGeom>
+              <a:solidFill>
+                <a:srgbClr val="B51F2E">
+                  <a:alpha val="100000"/>
+                </a:srgbClr>
+              </a:solidFill>
+              <a:ln w="9525" cap="rnd">
+                <a:solidFill>
+                  <a:srgbClr val="B51F2E">
+                    <a:alpha val="100000"/>
+                  </a:srgbClr>
+                </a:solidFill>
+                <a:prstDash val="solid"/>
+                <a:round/>
+              </a:ln>
+            </p:spPr>
+            <p:txBody>
+              <a:bodyPr/>
+              <a:lstStyle/>
+              <a:p>
+                <a:endParaRPr/>
+              </a:p>
+            </p:txBody>
+          </p:sp>
+          <p:sp>
+            <p:nvSpPr>
+              <p:cNvPr id="386" name="rc36">
+                <a:extLst>
+                  <a:ext uri="{FF2B5EF4-FFF2-40B4-BE49-F238E27FC236}">
+                    <a16:creationId xmlns:a16="http://schemas.microsoft.com/office/drawing/2014/main" id="{77A9023F-D23B-00E0-5C80-7332FEBCD97D}"/>
+                  </a:ext>
+                </a:extLst>
+              </p:cNvPr>
+              <p:cNvSpPr/>
+              <p:nvPr/>
+            </p:nvSpPr>
+            <p:spPr>
+              <a:xfrm>
+                <a:off x="4563488" y="6036589"/>
+                <a:ext cx="359491" cy="105151"/>
+              </a:xfrm>
+              <a:prstGeom prst="rect">
+                <a:avLst/>
+              </a:prstGeom>
+              <a:solidFill>
+                <a:srgbClr val="DC6F58">
+                  <a:alpha val="100000"/>
+                </a:srgbClr>
+              </a:solidFill>
+              <a:ln w="9525" cap="rnd">
+                <a:solidFill>
+                  <a:srgbClr val="DC6F58">
+                    <a:alpha val="100000"/>
+                  </a:srgbClr>
+                </a:solidFill>
+                <a:prstDash val="solid"/>
+                <a:round/>
+              </a:ln>
+            </p:spPr>
+            <p:txBody>
+              <a:bodyPr/>
+              <a:lstStyle/>
+              <a:p>
+                <a:endParaRPr/>
+              </a:p>
+            </p:txBody>
+          </p:sp>
+          <p:sp>
+            <p:nvSpPr>
+              <p:cNvPr id="387" name="rc37">
+                <a:extLst>
+                  <a:ext uri="{FF2B5EF4-FFF2-40B4-BE49-F238E27FC236}">
+                    <a16:creationId xmlns:a16="http://schemas.microsoft.com/office/drawing/2014/main" id="{253AEE2C-76F7-46A3-A2A8-A46FB17D06B2}"/>
+                  </a:ext>
+                </a:extLst>
+              </p:cNvPr>
+              <p:cNvSpPr/>
+              <p:nvPr/>
+            </p:nvSpPr>
+            <p:spPr>
+              <a:xfrm>
+                <a:off x="4922980" y="6036589"/>
+                <a:ext cx="359491" cy="105151"/>
+              </a:xfrm>
+              <a:prstGeom prst="rect">
+                <a:avLst/>
+              </a:prstGeom>
+              <a:solidFill>
+                <a:srgbClr val="F7B698">
+                  <a:alpha val="100000"/>
+                </a:srgbClr>
+              </a:solidFill>
+              <a:ln w="9525" cap="rnd">
+                <a:solidFill>
+                  <a:srgbClr val="F7B698">
+                    <a:alpha val="100000"/>
+                  </a:srgbClr>
+                </a:solidFill>
+                <a:prstDash val="solid"/>
+                <a:round/>
+              </a:ln>
+            </p:spPr>
+            <p:txBody>
+              <a:bodyPr/>
+              <a:lstStyle/>
+              <a:p>
+                <a:endParaRPr/>
+              </a:p>
+            </p:txBody>
+          </p:sp>
+          <p:sp>
+            <p:nvSpPr>
+              <p:cNvPr id="388" name="rc38">
+                <a:extLst>
+                  <a:ext uri="{FF2B5EF4-FFF2-40B4-BE49-F238E27FC236}">
+                    <a16:creationId xmlns:a16="http://schemas.microsoft.com/office/drawing/2014/main" id="{8EB7237C-5497-C75E-E003-8FBC29AA5EB3}"/>
+                  </a:ext>
+                </a:extLst>
+              </p:cNvPr>
+              <p:cNvSpPr/>
+              <p:nvPr/>
+            </p:nvSpPr>
+            <p:spPr>
+              <a:xfrm>
+                <a:off x="5282472" y="6036589"/>
+                <a:ext cx="359491" cy="105151"/>
+              </a:xfrm>
+              <a:prstGeom prst="rect">
+                <a:avLst/>
+              </a:prstGeom>
+              <a:solidFill>
+                <a:srgbClr val="FDEBDF">
+                  <a:alpha val="100000"/>
+                </a:srgbClr>
+              </a:solidFill>
+              <a:ln w="9525" cap="rnd">
+                <a:solidFill>
+                  <a:srgbClr val="FDEBDF">
+                    <a:alpha val="100000"/>
+                  </a:srgbClr>
+                </a:solidFill>
+                <a:prstDash val="solid"/>
+                <a:round/>
+              </a:ln>
+            </p:spPr>
+            <p:txBody>
+              <a:bodyPr/>
+              <a:lstStyle/>
+              <a:p>
+                <a:endParaRPr/>
+              </a:p>
+            </p:txBody>
+          </p:sp>
+          <p:sp>
+            <p:nvSpPr>
+              <p:cNvPr id="389" name="rc39">
+                <a:extLst>
+                  <a:ext uri="{FF2B5EF4-FFF2-40B4-BE49-F238E27FC236}">
+                    <a16:creationId xmlns:a16="http://schemas.microsoft.com/office/drawing/2014/main" id="{B0014424-585F-DE26-1E46-2C732C525A37}"/>
+                  </a:ext>
+                </a:extLst>
+              </p:cNvPr>
+              <p:cNvSpPr/>
+              <p:nvPr/>
+            </p:nvSpPr>
+            <p:spPr>
+              <a:xfrm>
+                <a:off x="5641964" y="6036589"/>
+                <a:ext cx="359491" cy="105151"/>
+              </a:xfrm>
+              <a:prstGeom prst="rect">
+                <a:avLst/>
+              </a:prstGeom>
+              <a:solidFill>
+                <a:srgbClr val="E5F0F6">
+                  <a:alpha val="100000"/>
+                </a:srgbClr>
+              </a:solidFill>
+              <a:ln w="9525" cap="rnd">
+                <a:solidFill>
+                  <a:srgbClr val="E5F0F6">
+                    <a:alpha val="100000"/>
+                  </a:srgbClr>
+                </a:solidFill>
+                <a:prstDash val="solid"/>
+                <a:round/>
+              </a:ln>
+            </p:spPr>
+            <p:txBody>
+              <a:bodyPr/>
+              <a:lstStyle/>
+              <a:p>
+                <a:endParaRPr/>
+              </a:p>
+            </p:txBody>
+          </p:sp>
+          <p:sp>
+            <p:nvSpPr>
+              <p:cNvPr id="390" name="rc40">
+                <a:extLst>
+                  <a:ext uri="{FF2B5EF4-FFF2-40B4-BE49-F238E27FC236}">
+                    <a16:creationId xmlns:a16="http://schemas.microsoft.com/office/drawing/2014/main" id="{CA17F5A0-A45D-AC41-4DD2-A6CCCB5A1872}"/>
+                  </a:ext>
+                </a:extLst>
+              </p:cNvPr>
+              <p:cNvSpPr/>
+              <p:nvPr/>
+            </p:nvSpPr>
+            <p:spPr>
+              <a:xfrm>
+                <a:off x="6001456" y="6036589"/>
+                <a:ext cx="359491" cy="105151"/>
+              </a:xfrm>
+              <a:prstGeom prst="rect">
+                <a:avLst/>
+              </a:prstGeom>
+              <a:solidFill>
+                <a:srgbClr val="A7CFE4">
+                  <a:alpha val="100000"/>
+                </a:srgbClr>
+              </a:solidFill>
+              <a:ln w="9525" cap="rnd">
+                <a:solidFill>
+                  <a:srgbClr val="A7CFE4">
+                    <a:alpha val="100000"/>
+                  </a:srgbClr>
+                </a:solidFill>
+                <a:prstDash val="solid"/>
+                <a:round/>
+              </a:ln>
+            </p:spPr>
+            <p:txBody>
+              <a:bodyPr/>
+              <a:lstStyle/>
+              <a:p>
+                <a:endParaRPr/>
+              </a:p>
+            </p:txBody>
+          </p:sp>
+          <p:sp>
+            <p:nvSpPr>
+              <p:cNvPr id="391" name="rc41">
+                <a:extLst>
+                  <a:ext uri="{FF2B5EF4-FFF2-40B4-BE49-F238E27FC236}">
+                    <a16:creationId xmlns:a16="http://schemas.microsoft.com/office/drawing/2014/main" id="{3C8DF9F8-789B-C3CF-1BF8-E52A3BB6BB4C}"/>
+                  </a:ext>
+                </a:extLst>
+              </p:cNvPr>
+              <p:cNvSpPr/>
+              <p:nvPr/>
+            </p:nvSpPr>
+            <p:spPr>
+              <a:xfrm>
+                <a:off x="6360948" y="6036589"/>
+                <a:ext cx="359491" cy="105151"/>
+              </a:xfrm>
+              <a:prstGeom prst="rect">
+                <a:avLst/>
+              </a:prstGeom>
+              <a:solidFill>
+                <a:srgbClr val="549EC9">
+                  <a:alpha val="100000"/>
+                </a:srgbClr>
+              </a:solidFill>
+              <a:ln w="9525" cap="rnd">
+                <a:solidFill>
+                  <a:srgbClr val="549EC9">
+                    <a:alpha val="100000"/>
+                  </a:srgbClr>
+                </a:solidFill>
+                <a:prstDash val="solid"/>
+                <a:round/>
+              </a:ln>
+            </p:spPr>
+            <p:txBody>
+              <a:bodyPr/>
+              <a:lstStyle/>
+              <a:p>
+                <a:endParaRPr/>
+              </a:p>
+            </p:txBody>
+          </p:sp>
+          <p:sp>
+            <p:nvSpPr>
+              <p:cNvPr id="392" name="rc42">
+                <a:extLst>
+                  <a:ext uri="{FF2B5EF4-FFF2-40B4-BE49-F238E27FC236}">
+                    <a16:creationId xmlns:a16="http://schemas.microsoft.com/office/drawing/2014/main" id="{681CCA30-59F3-4A86-B13A-32C6D07FFED2}"/>
+                  </a:ext>
+                </a:extLst>
+              </p:cNvPr>
+              <p:cNvSpPr/>
+              <p:nvPr/>
+            </p:nvSpPr>
+            <p:spPr>
+              <a:xfrm>
+                <a:off x="6720440" y="6036589"/>
+                <a:ext cx="359491" cy="105151"/>
+              </a:xfrm>
+              <a:prstGeom prst="rect">
+                <a:avLst/>
+              </a:prstGeom>
+              <a:solidFill>
+                <a:srgbClr val="246BAE">
+                  <a:alpha val="100000"/>
+                </a:srgbClr>
+              </a:solidFill>
+              <a:ln w="9525" cap="rnd">
+                <a:solidFill>
+                  <a:srgbClr val="246BAE">
+                    <a:alpha val="100000"/>
+                  </a:srgbClr>
+                </a:solidFill>
+                <a:prstDash val="solid"/>
+                <a:round/>
+              </a:ln>
+            </p:spPr>
+            <p:txBody>
+              <a:bodyPr/>
+              <a:lstStyle/>
+              <a:p>
+                <a:endParaRPr/>
+              </a:p>
+            </p:txBody>
+          </p:sp>
+          <p:sp>
+            <p:nvSpPr>
+              <p:cNvPr id="393" name="rc43">
+                <a:extLst>
+                  <a:ext uri="{FF2B5EF4-FFF2-40B4-BE49-F238E27FC236}">
+                    <a16:creationId xmlns:a16="http://schemas.microsoft.com/office/drawing/2014/main" id="{83245330-E4F6-B603-63E1-78FF2B0C5484}"/>
+                  </a:ext>
+                </a:extLst>
+              </p:cNvPr>
+              <p:cNvSpPr/>
+              <p:nvPr/>
+            </p:nvSpPr>
+            <p:spPr>
+              <a:xfrm>
+                <a:off x="7079932" y="6036589"/>
+                <a:ext cx="359491" cy="105151"/>
+              </a:xfrm>
+              <a:prstGeom prst="rect">
+                <a:avLst/>
+              </a:prstGeom>
+              <a:solidFill>
+                <a:srgbClr val="053061">
+                  <a:alpha val="100000"/>
+                </a:srgbClr>
+              </a:solidFill>
+              <a:ln w="9525" cap="rnd">
+                <a:solidFill>
+                  <a:srgbClr val="053061">
+                    <a:alpha val="100000"/>
+                  </a:srgbClr>
+                </a:solidFill>
+                <a:prstDash val="solid"/>
+                <a:round/>
+              </a:ln>
+            </p:spPr>
+            <p:txBody>
+              <a:bodyPr/>
+              <a:lstStyle/>
+              <a:p>
+                <a:endParaRPr/>
+              </a:p>
+            </p:txBody>
+          </p:sp>
+          <p:sp>
+            <p:nvSpPr>
+              <p:cNvPr id="394" name="rc44">
+                <a:extLst>
+                  <a:ext uri="{FF2B5EF4-FFF2-40B4-BE49-F238E27FC236}">
+                    <a16:creationId xmlns:a16="http://schemas.microsoft.com/office/drawing/2014/main" id="{B7DA36F3-A5B9-555E-7F24-7ACE44E571AB}"/>
+                  </a:ext>
+                </a:extLst>
+              </p:cNvPr>
+              <p:cNvSpPr/>
+              <p:nvPr/>
+            </p:nvSpPr>
+            <p:spPr>
+              <a:xfrm>
+                <a:off x="3844504" y="6036589"/>
+                <a:ext cx="3594919" cy="105151"/>
+              </a:xfrm>
+              <a:prstGeom prst="rect">
+                <a:avLst/>
+              </a:prstGeom>
+              <a:ln w="9525" cap="rnd">
+                <a:solidFill>
+                  <a:srgbClr val="000000">
+                    <a:alpha val="100000"/>
+                  </a:srgbClr>
+                </a:solidFill>
+                <a:prstDash val="solid"/>
+                <a:round/>
+              </a:ln>
+            </p:spPr>
+            <p:txBody>
+              <a:bodyPr/>
+              <a:lstStyle/>
+              <a:p>
+                <a:endParaRPr/>
+              </a:p>
+            </p:txBody>
+          </p:sp>
+          <p:sp>
+            <p:nvSpPr>
+              <p:cNvPr id="395" name="pl45">
+                <a:extLst>
+                  <a:ext uri="{FF2B5EF4-FFF2-40B4-BE49-F238E27FC236}">
+                    <a16:creationId xmlns:a16="http://schemas.microsoft.com/office/drawing/2014/main" id="{EB2182A0-E235-1312-863E-AFEB10F8821B}"/>
+                  </a:ext>
+                </a:extLst>
+              </p:cNvPr>
+              <p:cNvSpPr/>
+              <p:nvPr/>
+            </p:nvSpPr>
+            <p:spPr>
+              <a:xfrm>
+                <a:off x="3844504" y="6141741"/>
+                <a:ext cx="0" cy="21030"/>
+              </a:xfrm>
+              <a:custGeom>
+                <a:avLst/>
+                <a:gdLst/>
+                <a:ahLst/>
+                <a:cxnLst/>
+                <a:rect l="0" t="0" r="0" b="0"/>
+                <a:pathLst>
+                  <a:path h="21030">
+                    <a:moveTo>
+                      <a:pt x="0" y="0"/>
+                    </a:moveTo>
+                    <a:lnTo>
+                      <a:pt x="0" y="21030"/>
+                    </a:lnTo>
+                  </a:path>
+                </a:pathLst>
+              </a:custGeom>
+              <a:ln w="9525" cap="rnd">
+                <a:solidFill>
+                  <a:srgbClr val="000000">
+                    <a:alpha val="100000"/>
+                  </a:srgbClr>
+                </a:solidFill>
+                <a:prstDash val="solid"/>
+                <a:round/>
+              </a:ln>
+            </p:spPr>
+            <p:txBody>
+              <a:bodyPr/>
+              <a:lstStyle/>
+              <a:p>
+                <a:endParaRPr/>
+              </a:p>
+            </p:txBody>
+          </p:sp>
+          <p:sp>
+            <p:nvSpPr>
+              <p:cNvPr id="396" name="pl46">
+                <a:extLst>
+                  <a:ext uri="{FF2B5EF4-FFF2-40B4-BE49-F238E27FC236}">
+                    <a16:creationId xmlns:a16="http://schemas.microsoft.com/office/drawing/2014/main" id="{691A6EB0-810B-04D8-1083-95EFD0311582}"/>
+                  </a:ext>
+                </a:extLst>
+              </p:cNvPr>
+              <p:cNvSpPr/>
+              <p:nvPr/>
+            </p:nvSpPr>
+            <p:spPr>
+              <a:xfrm>
+                <a:off x="4203996" y="6141741"/>
+                <a:ext cx="0" cy="21030"/>
+              </a:xfrm>
+              <a:custGeom>
+                <a:avLst/>
+                <a:gdLst/>
+                <a:ahLst/>
+                <a:cxnLst/>
+                <a:rect l="0" t="0" r="0" b="0"/>
+                <a:pathLst>
+                  <a:path h="21030">
+                    <a:moveTo>
+                      <a:pt x="0" y="0"/>
+                    </a:moveTo>
+                    <a:lnTo>
+                      <a:pt x="0" y="21030"/>
+                    </a:lnTo>
+                  </a:path>
+                </a:pathLst>
+              </a:custGeom>
+              <a:ln w="9525" cap="rnd">
+                <a:solidFill>
+                  <a:srgbClr val="000000">
+                    <a:alpha val="100000"/>
+                  </a:srgbClr>
+                </a:solidFill>
+                <a:prstDash val="solid"/>
+                <a:round/>
+              </a:ln>
+            </p:spPr>
+            <p:txBody>
+              <a:bodyPr/>
+              <a:lstStyle/>
+              <a:p>
+                <a:endParaRPr/>
+              </a:p>
+            </p:txBody>
+          </p:sp>
+          <p:sp>
+            <p:nvSpPr>
+              <p:cNvPr id="397" name="pl47">
+                <a:extLst>
+                  <a:ext uri="{FF2B5EF4-FFF2-40B4-BE49-F238E27FC236}">
+                    <a16:creationId xmlns:a16="http://schemas.microsoft.com/office/drawing/2014/main" id="{D4B7E6B1-6BB9-93AA-78E8-5FB277A4B426}"/>
+                  </a:ext>
+                </a:extLst>
+              </p:cNvPr>
+              <p:cNvSpPr/>
+              <p:nvPr/>
+            </p:nvSpPr>
+            <p:spPr>
+              <a:xfrm>
+                <a:off x="4563488" y="6141741"/>
+                <a:ext cx="0" cy="21030"/>
+              </a:xfrm>
+              <a:custGeom>
+                <a:avLst/>
+                <a:gdLst/>
+                <a:ahLst/>
+                <a:cxnLst/>
+                <a:rect l="0" t="0" r="0" b="0"/>
+                <a:pathLst>
+                  <a:path h="21030">
+                    <a:moveTo>
+                      <a:pt x="0" y="0"/>
+                    </a:moveTo>
+                    <a:lnTo>
+                      <a:pt x="0" y="21030"/>
+                    </a:lnTo>
+                  </a:path>
+                </a:pathLst>
+              </a:custGeom>
+              <a:ln w="9525" cap="rnd">
+                <a:solidFill>
+                  <a:srgbClr val="000000">
+                    <a:alpha val="100000"/>
+                  </a:srgbClr>
+                </a:solidFill>
+                <a:prstDash val="solid"/>
+                <a:round/>
+              </a:ln>
+            </p:spPr>
+            <p:txBody>
+              <a:bodyPr/>
+              <a:lstStyle/>
+              <a:p>
+                <a:endParaRPr/>
+              </a:p>
+            </p:txBody>
+          </p:sp>
+          <p:sp>
+            <p:nvSpPr>
+              <p:cNvPr id="398" name="pl48">
+                <a:extLst>
+                  <a:ext uri="{FF2B5EF4-FFF2-40B4-BE49-F238E27FC236}">
+                    <a16:creationId xmlns:a16="http://schemas.microsoft.com/office/drawing/2014/main" id="{69ACCA75-2D7A-B342-68F6-68098EC4230D}"/>
+                  </a:ext>
+                </a:extLst>
+              </p:cNvPr>
+              <p:cNvSpPr/>
+              <p:nvPr/>
+            </p:nvSpPr>
+            <p:spPr>
+              <a:xfrm>
+                <a:off x="4922980" y="6141741"/>
+                <a:ext cx="0" cy="21030"/>
+              </a:xfrm>
+              <a:custGeom>
+                <a:avLst/>
+                <a:gdLst/>
+                <a:ahLst/>
+                <a:cxnLst/>
+                <a:rect l="0" t="0" r="0" b="0"/>
+                <a:pathLst>
+                  <a:path h="21030">
+                    <a:moveTo>
+                      <a:pt x="0" y="0"/>
+                    </a:moveTo>
+                    <a:lnTo>
+                      <a:pt x="0" y="21030"/>
+                    </a:lnTo>
+                  </a:path>
+                </a:pathLst>
+              </a:custGeom>
+              <a:ln w="9525" cap="rnd">
+                <a:solidFill>
+                  <a:srgbClr val="000000">
+                    <a:alpha val="100000"/>
+                  </a:srgbClr>
+                </a:solidFill>
+                <a:prstDash val="solid"/>
+                <a:round/>
+              </a:ln>
+            </p:spPr>
+            <p:txBody>
+              <a:bodyPr/>
+              <a:lstStyle/>
+              <a:p>
+                <a:endParaRPr/>
+              </a:p>
+            </p:txBody>
+          </p:sp>
+          <p:sp>
+            <p:nvSpPr>
+              <p:cNvPr id="399" name="pl49">
+                <a:extLst>
+                  <a:ext uri="{FF2B5EF4-FFF2-40B4-BE49-F238E27FC236}">
+                    <a16:creationId xmlns:a16="http://schemas.microsoft.com/office/drawing/2014/main" id="{8B58C62F-5EDC-9E5E-3CAB-9B8114EDDE03}"/>
+                  </a:ext>
+                </a:extLst>
+              </p:cNvPr>
+              <p:cNvSpPr/>
+              <p:nvPr/>
+            </p:nvSpPr>
+            <p:spPr>
+              <a:xfrm>
+                <a:off x="5282472" y="6141741"/>
+                <a:ext cx="0" cy="21030"/>
+              </a:xfrm>
+              <a:custGeom>
+                <a:avLst/>
+                <a:gdLst/>
+                <a:ahLst/>
+                <a:cxnLst/>
+                <a:rect l="0" t="0" r="0" b="0"/>
+                <a:pathLst>
+                  <a:path h="21030">
+                    <a:moveTo>
+                      <a:pt x="0" y="0"/>
+                    </a:moveTo>
+                    <a:lnTo>
+                      <a:pt x="0" y="21030"/>
+                    </a:lnTo>
+                  </a:path>
+                </a:pathLst>
+              </a:custGeom>
+              <a:ln w="9525" cap="rnd">
+                <a:solidFill>
+                  <a:srgbClr val="000000">
+                    <a:alpha val="100000"/>
+                  </a:srgbClr>
+                </a:solidFill>
+                <a:prstDash val="solid"/>
+                <a:round/>
+              </a:ln>
+            </p:spPr>
+            <p:txBody>
+              <a:bodyPr/>
+              <a:lstStyle/>
+              <a:p>
+                <a:endParaRPr/>
+              </a:p>
+            </p:txBody>
+          </p:sp>
+          <p:sp>
+            <p:nvSpPr>
+              <p:cNvPr id="400" name="pl50">
+                <a:extLst>
+                  <a:ext uri="{FF2B5EF4-FFF2-40B4-BE49-F238E27FC236}">
+                    <a16:creationId xmlns:a16="http://schemas.microsoft.com/office/drawing/2014/main" id="{3CE39697-06F0-5599-26F8-14354370B21E}"/>
+                  </a:ext>
+                </a:extLst>
+              </p:cNvPr>
+              <p:cNvSpPr/>
+              <p:nvPr/>
+            </p:nvSpPr>
+            <p:spPr>
+              <a:xfrm>
+                <a:off x="5641964" y="6141741"/>
+                <a:ext cx="0" cy="21030"/>
+              </a:xfrm>
+              <a:custGeom>
+                <a:avLst/>
+                <a:gdLst/>
+                <a:ahLst/>
+                <a:cxnLst/>
+                <a:rect l="0" t="0" r="0" b="0"/>
+                <a:pathLst>
+                  <a:path h="21030">
+                    <a:moveTo>
+                      <a:pt x="0" y="0"/>
+                    </a:moveTo>
+                    <a:lnTo>
+                      <a:pt x="0" y="21030"/>
+                    </a:lnTo>
+                  </a:path>
+                </a:pathLst>
+              </a:custGeom>
+              <a:ln w="9525" cap="rnd">
+                <a:solidFill>
+                  <a:srgbClr val="000000">
+                    <a:alpha val="100000"/>
+                  </a:srgbClr>
+                </a:solidFill>
+                <a:prstDash val="solid"/>
+                <a:round/>
+              </a:ln>
+            </p:spPr>
+            <p:txBody>
+              <a:bodyPr/>
+              <a:lstStyle/>
+              <a:p>
+                <a:endParaRPr/>
+              </a:p>
+            </p:txBody>
+          </p:sp>
+          <p:sp>
+            <p:nvSpPr>
+              <p:cNvPr id="401" name="pl51">
+                <a:extLst>
+                  <a:ext uri="{FF2B5EF4-FFF2-40B4-BE49-F238E27FC236}">
+                    <a16:creationId xmlns:a16="http://schemas.microsoft.com/office/drawing/2014/main" id="{9344A17C-FA2E-0121-6625-6BE37FAE8536}"/>
+                  </a:ext>
+                </a:extLst>
+              </p:cNvPr>
+              <p:cNvSpPr/>
+              <p:nvPr/>
+            </p:nvSpPr>
+            <p:spPr>
+              <a:xfrm>
+                <a:off x="6001456" y="6141741"/>
+                <a:ext cx="0" cy="21030"/>
+              </a:xfrm>
+              <a:custGeom>
+                <a:avLst/>
+                <a:gdLst/>
+                <a:ahLst/>
+                <a:cxnLst/>
+                <a:rect l="0" t="0" r="0" b="0"/>
+                <a:pathLst>
+                  <a:path h="21030">
+                    <a:moveTo>
+                      <a:pt x="0" y="0"/>
+                    </a:moveTo>
+                    <a:lnTo>
+                      <a:pt x="0" y="21030"/>
+                    </a:lnTo>
+                  </a:path>
+                </a:pathLst>
+              </a:custGeom>
+              <a:ln w="9525" cap="rnd">
+                <a:solidFill>
+                  <a:srgbClr val="000000">
+                    <a:alpha val="100000"/>
+                  </a:srgbClr>
+                </a:solidFill>
+                <a:prstDash val="solid"/>
+                <a:round/>
+              </a:ln>
+            </p:spPr>
+            <p:txBody>
+              <a:bodyPr/>
+              <a:lstStyle/>
+              <a:p>
+                <a:endParaRPr/>
+              </a:p>
+            </p:txBody>
+          </p:sp>
+          <p:sp>
+            <p:nvSpPr>
+              <p:cNvPr id="402" name="pl52">
+                <a:extLst>
+                  <a:ext uri="{FF2B5EF4-FFF2-40B4-BE49-F238E27FC236}">
+                    <a16:creationId xmlns:a16="http://schemas.microsoft.com/office/drawing/2014/main" id="{1B4B6A84-9C8D-BE43-E6E6-4277D5F4919E}"/>
+                  </a:ext>
+                </a:extLst>
+              </p:cNvPr>
+              <p:cNvSpPr/>
+              <p:nvPr/>
+            </p:nvSpPr>
+            <p:spPr>
+              <a:xfrm>
+                <a:off x="6360948" y="6141741"/>
+                <a:ext cx="0" cy="21030"/>
+              </a:xfrm>
+              <a:custGeom>
+                <a:avLst/>
+                <a:gdLst/>
+                <a:ahLst/>
+                <a:cxnLst/>
+                <a:rect l="0" t="0" r="0" b="0"/>
+                <a:pathLst>
+                  <a:path h="21030">
+                    <a:moveTo>
+                      <a:pt x="0" y="0"/>
+                    </a:moveTo>
+                    <a:lnTo>
+                      <a:pt x="0" y="21030"/>
+                    </a:lnTo>
+                  </a:path>
+                </a:pathLst>
+              </a:custGeom>
+              <a:ln w="9525" cap="rnd">
+                <a:solidFill>
+                  <a:srgbClr val="000000">
+                    <a:alpha val="100000"/>
+                  </a:srgbClr>
+                </a:solidFill>
+                <a:prstDash val="solid"/>
+                <a:round/>
+              </a:ln>
+            </p:spPr>
+            <p:txBody>
+              <a:bodyPr/>
+              <a:lstStyle/>
+              <a:p>
+                <a:endParaRPr/>
+              </a:p>
+            </p:txBody>
+          </p:sp>
+          <p:sp>
+            <p:nvSpPr>
+              <p:cNvPr id="403" name="pl53">
+                <a:extLst>
+                  <a:ext uri="{FF2B5EF4-FFF2-40B4-BE49-F238E27FC236}">
+                    <a16:creationId xmlns:a16="http://schemas.microsoft.com/office/drawing/2014/main" id="{377E4D0E-4A97-3689-22A0-37A9DBA15926}"/>
+                  </a:ext>
+                </a:extLst>
+              </p:cNvPr>
+              <p:cNvSpPr/>
+              <p:nvPr/>
+            </p:nvSpPr>
+            <p:spPr>
+              <a:xfrm>
+                <a:off x="6720440" y="6141741"/>
+                <a:ext cx="0" cy="21030"/>
+              </a:xfrm>
+              <a:custGeom>
+                <a:avLst/>
+                <a:gdLst/>
+                <a:ahLst/>
+                <a:cxnLst/>
+                <a:rect l="0" t="0" r="0" b="0"/>
+                <a:pathLst>
+                  <a:path h="21030">
+                    <a:moveTo>
+                      <a:pt x="0" y="0"/>
+                    </a:moveTo>
+                    <a:lnTo>
+                      <a:pt x="0" y="21030"/>
+                    </a:lnTo>
+                  </a:path>
+                </a:pathLst>
+              </a:custGeom>
+              <a:ln w="9525" cap="rnd">
+                <a:solidFill>
+                  <a:srgbClr val="000000">
+                    <a:alpha val="100000"/>
+                  </a:srgbClr>
+                </a:solidFill>
+                <a:prstDash val="solid"/>
+                <a:round/>
+              </a:ln>
+            </p:spPr>
+            <p:txBody>
+              <a:bodyPr/>
+              <a:lstStyle/>
+              <a:p>
+                <a:endParaRPr/>
+              </a:p>
+            </p:txBody>
+          </p:sp>
+          <p:sp>
+            <p:nvSpPr>
+              <p:cNvPr id="404" name="pl54">
+                <a:extLst>
+                  <a:ext uri="{FF2B5EF4-FFF2-40B4-BE49-F238E27FC236}">
+                    <a16:creationId xmlns:a16="http://schemas.microsoft.com/office/drawing/2014/main" id="{29DE93B4-307A-081B-9E6B-10806F029BDB}"/>
+                  </a:ext>
+                </a:extLst>
+              </p:cNvPr>
+              <p:cNvSpPr/>
+              <p:nvPr/>
+            </p:nvSpPr>
+            <p:spPr>
+              <a:xfrm>
+                <a:off x="7079932" y="6141741"/>
+                <a:ext cx="0" cy="21030"/>
+              </a:xfrm>
+              <a:custGeom>
+                <a:avLst/>
+                <a:gdLst/>
+                <a:ahLst/>
+                <a:cxnLst/>
+                <a:rect l="0" t="0" r="0" b="0"/>
+                <a:pathLst>
+                  <a:path h="21030">
+                    <a:moveTo>
+                      <a:pt x="0" y="0"/>
+                    </a:moveTo>
+                    <a:lnTo>
+                      <a:pt x="0" y="21030"/>
+                    </a:lnTo>
+                  </a:path>
+                </a:pathLst>
+              </a:custGeom>
+              <a:ln w="9525" cap="rnd">
+                <a:solidFill>
+                  <a:srgbClr val="000000">
+                    <a:alpha val="100000"/>
+                  </a:srgbClr>
+                </a:solidFill>
+                <a:prstDash val="solid"/>
+                <a:round/>
+              </a:ln>
+            </p:spPr>
+            <p:txBody>
+              <a:bodyPr/>
+              <a:lstStyle/>
+              <a:p>
+                <a:endParaRPr/>
+              </a:p>
+            </p:txBody>
+          </p:sp>
+          <p:sp>
+            <p:nvSpPr>
+              <p:cNvPr id="405" name="pl55">
+                <a:extLst>
+                  <a:ext uri="{FF2B5EF4-FFF2-40B4-BE49-F238E27FC236}">
+                    <a16:creationId xmlns:a16="http://schemas.microsoft.com/office/drawing/2014/main" id="{14985401-87CD-2E9F-C99B-9BF0E48D4E5D}"/>
+                  </a:ext>
+                </a:extLst>
+              </p:cNvPr>
+              <p:cNvSpPr/>
+              <p:nvPr/>
+            </p:nvSpPr>
+            <p:spPr>
+              <a:xfrm>
+                <a:off x="7439423" y="6141741"/>
+                <a:ext cx="0" cy="21030"/>
+              </a:xfrm>
+              <a:custGeom>
+                <a:avLst/>
+                <a:gdLst/>
+                <a:ahLst/>
+                <a:cxnLst/>
+                <a:rect l="0" t="0" r="0" b="0"/>
+                <a:pathLst>
+                  <a:path h="21030">
+                    <a:moveTo>
+                      <a:pt x="0" y="0"/>
+                    </a:moveTo>
+                    <a:lnTo>
+                      <a:pt x="0" y="21030"/>
+                    </a:lnTo>
+                  </a:path>
+                </a:pathLst>
+              </a:custGeom>
+              <a:ln w="9525" cap="rnd">
+                <a:solidFill>
+                  <a:srgbClr val="000000">
+                    <a:alpha val="100000"/>
+                  </a:srgbClr>
+                </a:solidFill>
+                <a:prstDash val="solid"/>
+                <a:round/>
+              </a:ln>
+            </p:spPr>
+            <p:txBody>
+              <a:bodyPr/>
+              <a:lstStyle/>
+              <a:p>
+                <a:endParaRPr/>
+              </a:p>
+            </p:txBody>
+          </p:sp>
+          <p:sp>
+            <p:nvSpPr>
+              <p:cNvPr id="406" name="tx56">
+                <a:extLst>
+                  <a:ext uri="{FF2B5EF4-FFF2-40B4-BE49-F238E27FC236}">
+                    <a16:creationId xmlns:a16="http://schemas.microsoft.com/office/drawing/2014/main" id="{D2D1ACE7-7C7C-B11B-D201-D73859477662}"/>
+                  </a:ext>
+                </a:extLst>
+              </p:cNvPr>
+              <p:cNvSpPr/>
+              <p:nvPr/>
+            </p:nvSpPr>
+            <p:spPr>
+              <a:xfrm>
+                <a:off x="3776750" y="6235579"/>
+                <a:ext cx="135508" cy="109537"/>
+              </a:xfrm>
+              <a:prstGeom prst="rect">
+                <a:avLst/>
+              </a:prstGeom>
+              <a:noFill/>
+            </p:spPr>
+            <p:txBody>
+              <a:bodyPr wrap="none" lIns="0" tIns="0" rIns="0" bIns="0" anchor="ctr" anchorCtr="1"/>
+              <a:lstStyle/>
+              <a:p>
+                <a:pPr marL="0" marR="0" indent="0" algn="l">
+                  <a:lnSpc>
+                    <a:spcPts val="1200"/>
+                  </a:lnSpc>
+                  <a:spcBef>
+                    <a:spcPts val="0"/>
+                  </a:spcBef>
+                  <a:spcAft>
+                    <a:spcPts val="0"/>
+                  </a:spcAft>
+                </a:pPr>
+                <a:r>
+                  <a:rPr sz="1200">
+                    <a:solidFill>
+                      <a:srgbClr val="000000">
+                        <a:alpha val="100000"/>
+                      </a:srgbClr>
+                    </a:solidFill>
+                    <a:latin typeface="Arial"/>
+                    <a:cs typeface="Arial"/>
+                  </a:rPr>
+                  <a:t>-1</a:t>
+                </a:r>
+              </a:p>
+            </p:txBody>
+          </p:sp>
+          <p:sp>
+            <p:nvSpPr>
+              <p:cNvPr id="407" name="tx57">
+                <a:extLst>
+                  <a:ext uri="{FF2B5EF4-FFF2-40B4-BE49-F238E27FC236}">
+                    <a16:creationId xmlns:a16="http://schemas.microsoft.com/office/drawing/2014/main" id="{BC17F825-E5D0-B635-98C6-964C072C5E11}"/>
+                  </a:ext>
+                </a:extLst>
+              </p:cNvPr>
+              <p:cNvSpPr/>
+              <p:nvPr/>
+            </p:nvSpPr>
+            <p:spPr>
+              <a:xfrm>
+                <a:off x="4072692" y="6233719"/>
+                <a:ext cx="262607" cy="111397"/>
+              </a:xfrm>
+              <a:prstGeom prst="rect">
+                <a:avLst/>
+              </a:prstGeom>
+              <a:noFill/>
+            </p:spPr>
+            <p:txBody>
+              <a:bodyPr wrap="none" lIns="0" tIns="0" rIns="0" bIns="0" anchor="ctr" anchorCtr="1"/>
+              <a:lstStyle/>
+              <a:p>
+                <a:pPr marL="0" marR="0" indent="0" algn="l">
+                  <a:lnSpc>
+                    <a:spcPts val="1200"/>
+                  </a:lnSpc>
+                  <a:spcBef>
+                    <a:spcPts val="0"/>
+                  </a:spcBef>
+                  <a:spcAft>
+                    <a:spcPts val="0"/>
+                  </a:spcAft>
+                </a:pPr>
+                <a:r>
+                  <a:rPr sz="1200">
+                    <a:solidFill>
+                      <a:srgbClr val="000000">
+                        <a:alpha val="100000"/>
+                      </a:srgbClr>
+                    </a:solidFill>
+                    <a:latin typeface="Arial"/>
+                    <a:cs typeface="Arial"/>
+                  </a:rPr>
+                  <a:t>-0.8</a:t>
+                </a:r>
+              </a:p>
+            </p:txBody>
+          </p:sp>
+          <p:sp>
+            <p:nvSpPr>
+              <p:cNvPr id="408" name="tx58">
+                <a:extLst>
+                  <a:ext uri="{FF2B5EF4-FFF2-40B4-BE49-F238E27FC236}">
+                    <a16:creationId xmlns:a16="http://schemas.microsoft.com/office/drawing/2014/main" id="{036D2692-24F2-C3A9-91AA-4D163E804EA8}"/>
+                  </a:ext>
+                </a:extLst>
+              </p:cNvPr>
+              <p:cNvSpPr/>
+              <p:nvPr/>
+            </p:nvSpPr>
+            <p:spPr>
+              <a:xfrm>
+                <a:off x="4432184" y="6233719"/>
+                <a:ext cx="262607" cy="111397"/>
+              </a:xfrm>
+              <a:prstGeom prst="rect">
+                <a:avLst/>
+              </a:prstGeom>
+              <a:noFill/>
+            </p:spPr>
+            <p:txBody>
+              <a:bodyPr wrap="none" lIns="0" tIns="0" rIns="0" bIns="0" anchor="ctr" anchorCtr="1"/>
+              <a:lstStyle/>
+              <a:p>
+                <a:pPr marL="0" marR="0" indent="0" algn="l">
+                  <a:lnSpc>
+                    <a:spcPts val="1200"/>
+                  </a:lnSpc>
+                  <a:spcBef>
+                    <a:spcPts val="0"/>
+                  </a:spcBef>
+                  <a:spcAft>
+                    <a:spcPts val="0"/>
+                  </a:spcAft>
+                </a:pPr>
+                <a:r>
+                  <a:rPr sz="1200">
+                    <a:solidFill>
+                      <a:srgbClr val="000000">
+                        <a:alpha val="100000"/>
+                      </a:srgbClr>
+                    </a:solidFill>
+                    <a:latin typeface="Arial"/>
+                    <a:cs typeface="Arial"/>
+                  </a:rPr>
+                  <a:t>-0.6</a:t>
+                </a:r>
+              </a:p>
+            </p:txBody>
+          </p:sp>
+          <p:sp>
+            <p:nvSpPr>
+              <p:cNvPr id="409" name="tx59">
+                <a:extLst>
+                  <a:ext uri="{FF2B5EF4-FFF2-40B4-BE49-F238E27FC236}">
+                    <a16:creationId xmlns:a16="http://schemas.microsoft.com/office/drawing/2014/main" id="{0D9D5DB4-0D40-B6B0-0D49-3AF27C71AFD5}"/>
+                  </a:ext>
+                </a:extLst>
+              </p:cNvPr>
+              <p:cNvSpPr/>
+              <p:nvPr/>
+            </p:nvSpPr>
+            <p:spPr>
+              <a:xfrm>
+                <a:off x="4791676" y="6233719"/>
+                <a:ext cx="262607" cy="111397"/>
+              </a:xfrm>
+              <a:prstGeom prst="rect">
+                <a:avLst/>
+              </a:prstGeom>
+              <a:noFill/>
+            </p:spPr>
+            <p:txBody>
+              <a:bodyPr wrap="none" lIns="0" tIns="0" rIns="0" bIns="0" anchor="ctr" anchorCtr="1"/>
+              <a:lstStyle/>
+              <a:p>
+                <a:pPr marL="0" marR="0" indent="0" algn="l">
+                  <a:lnSpc>
+                    <a:spcPts val="1200"/>
+                  </a:lnSpc>
+                  <a:spcBef>
+                    <a:spcPts val="0"/>
+                  </a:spcBef>
+                  <a:spcAft>
+                    <a:spcPts val="0"/>
+                  </a:spcAft>
+                </a:pPr>
+                <a:r>
+                  <a:rPr sz="1200">
+                    <a:solidFill>
+                      <a:srgbClr val="000000">
+                        <a:alpha val="100000"/>
+                      </a:srgbClr>
+                    </a:solidFill>
+                    <a:latin typeface="Arial"/>
+                    <a:cs typeface="Arial"/>
+                  </a:rPr>
+                  <a:t>-0.4</a:t>
+                </a:r>
+              </a:p>
+            </p:txBody>
+          </p:sp>
+          <p:sp>
+            <p:nvSpPr>
+              <p:cNvPr id="410" name="tx60">
+                <a:extLst>
+                  <a:ext uri="{FF2B5EF4-FFF2-40B4-BE49-F238E27FC236}">
+                    <a16:creationId xmlns:a16="http://schemas.microsoft.com/office/drawing/2014/main" id="{3CD597E0-EA6E-0A61-CAF7-3FD2BFD889C9}"/>
+                  </a:ext>
+                </a:extLst>
+              </p:cNvPr>
+              <p:cNvSpPr/>
+              <p:nvPr/>
+            </p:nvSpPr>
+            <p:spPr>
+              <a:xfrm>
+                <a:off x="5151168" y="6233719"/>
+                <a:ext cx="262607" cy="111397"/>
+              </a:xfrm>
+              <a:prstGeom prst="rect">
+                <a:avLst/>
+              </a:prstGeom>
+              <a:noFill/>
+            </p:spPr>
+            <p:txBody>
+              <a:bodyPr wrap="none" lIns="0" tIns="0" rIns="0" bIns="0" anchor="ctr" anchorCtr="1"/>
+              <a:lstStyle/>
+              <a:p>
+                <a:pPr marL="0" marR="0" indent="0" algn="l">
+                  <a:lnSpc>
+                    <a:spcPts val="1200"/>
+                  </a:lnSpc>
+                  <a:spcBef>
+                    <a:spcPts val="0"/>
+                  </a:spcBef>
+                  <a:spcAft>
+                    <a:spcPts val="0"/>
+                  </a:spcAft>
+                </a:pPr>
+                <a:r>
+                  <a:rPr sz="1200">
+                    <a:solidFill>
+                      <a:srgbClr val="000000">
+                        <a:alpha val="100000"/>
+                      </a:srgbClr>
+                    </a:solidFill>
+                    <a:latin typeface="Arial"/>
+                    <a:cs typeface="Arial"/>
+                  </a:rPr>
+                  <a:t>-0.2</a:t>
+                </a:r>
+              </a:p>
+            </p:txBody>
+          </p:sp>
+          <p:sp>
+            <p:nvSpPr>
+              <p:cNvPr id="411" name="tx61">
+                <a:extLst>
+                  <a:ext uri="{FF2B5EF4-FFF2-40B4-BE49-F238E27FC236}">
+                    <a16:creationId xmlns:a16="http://schemas.microsoft.com/office/drawing/2014/main" id="{ADB4FD37-F28C-EF68-EAE5-FCD561E70C03}"/>
+                  </a:ext>
+                </a:extLst>
+              </p:cNvPr>
+              <p:cNvSpPr/>
+              <p:nvPr/>
+            </p:nvSpPr>
+            <p:spPr>
+              <a:xfrm>
+                <a:off x="5599585" y="6233719"/>
+                <a:ext cx="84757" cy="111397"/>
+              </a:xfrm>
+              <a:prstGeom prst="rect">
+                <a:avLst/>
+              </a:prstGeom>
+              <a:noFill/>
+            </p:spPr>
+            <p:txBody>
+              <a:bodyPr wrap="none" lIns="0" tIns="0" rIns="0" bIns="0" anchor="ctr" anchorCtr="1"/>
+              <a:lstStyle/>
+              <a:p>
+                <a:pPr marL="0" marR="0" indent="0" algn="l">
+                  <a:lnSpc>
+                    <a:spcPts val="1200"/>
+                  </a:lnSpc>
+                  <a:spcBef>
+                    <a:spcPts val="0"/>
+                  </a:spcBef>
+                  <a:spcAft>
+                    <a:spcPts val="0"/>
+                  </a:spcAft>
+                </a:pPr>
+                <a:r>
+                  <a:rPr sz="1200">
+                    <a:solidFill>
+                      <a:srgbClr val="000000">
+                        <a:alpha val="100000"/>
+                      </a:srgbClr>
+                    </a:solidFill>
+                    <a:latin typeface="Arial"/>
+                    <a:cs typeface="Arial"/>
+                  </a:rPr>
+                  <a:t>0</a:t>
+                </a:r>
+              </a:p>
+            </p:txBody>
+          </p:sp>
+          <p:sp>
+            <p:nvSpPr>
+              <p:cNvPr id="412" name="tx62">
+                <a:extLst>
+                  <a:ext uri="{FF2B5EF4-FFF2-40B4-BE49-F238E27FC236}">
+                    <a16:creationId xmlns:a16="http://schemas.microsoft.com/office/drawing/2014/main" id="{E226569A-EF4B-AB4A-61BF-0DAF517990E7}"/>
+                  </a:ext>
+                </a:extLst>
+              </p:cNvPr>
+              <p:cNvSpPr/>
+              <p:nvPr/>
+            </p:nvSpPr>
+            <p:spPr>
+              <a:xfrm>
+                <a:off x="5895527" y="6233719"/>
+                <a:ext cx="211856" cy="111397"/>
+              </a:xfrm>
+              <a:prstGeom prst="rect">
+                <a:avLst/>
+              </a:prstGeom>
+              <a:noFill/>
+            </p:spPr>
+            <p:txBody>
+              <a:bodyPr wrap="none" lIns="0" tIns="0" rIns="0" bIns="0" anchor="ctr" anchorCtr="1"/>
+              <a:lstStyle/>
+              <a:p>
+                <a:pPr marL="0" marR="0" indent="0" algn="l">
+                  <a:lnSpc>
+                    <a:spcPts val="1200"/>
+                  </a:lnSpc>
+                  <a:spcBef>
+                    <a:spcPts val="0"/>
+                  </a:spcBef>
+                  <a:spcAft>
+                    <a:spcPts val="0"/>
+                  </a:spcAft>
+                </a:pPr>
+                <a:r>
+                  <a:rPr sz="1200">
+                    <a:solidFill>
+                      <a:srgbClr val="000000">
+                        <a:alpha val="100000"/>
+                      </a:srgbClr>
+                    </a:solidFill>
+                    <a:latin typeface="Arial"/>
+                    <a:cs typeface="Arial"/>
+                  </a:rPr>
+                  <a:t>0.2</a:t>
+                </a:r>
+              </a:p>
+            </p:txBody>
+          </p:sp>
+          <p:sp>
+            <p:nvSpPr>
+              <p:cNvPr id="413" name="tx63">
+                <a:extLst>
+                  <a:ext uri="{FF2B5EF4-FFF2-40B4-BE49-F238E27FC236}">
+                    <a16:creationId xmlns:a16="http://schemas.microsoft.com/office/drawing/2014/main" id="{CD7157CC-3AE1-E5DF-268A-5F3D96852320}"/>
+                  </a:ext>
+                </a:extLst>
+              </p:cNvPr>
+              <p:cNvSpPr/>
+              <p:nvPr/>
+            </p:nvSpPr>
+            <p:spPr>
+              <a:xfrm>
+                <a:off x="6255019" y="6233719"/>
+                <a:ext cx="211856" cy="111397"/>
+              </a:xfrm>
+              <a:prstGeom prst="rect">
+                <a:avLst/>
+              </a:prstGeom>
+              <a:noFill/>
+            </p:spPr>
+            <p:txBody>
+              <a:bodyPr wrap="none" lIns="0" tIns="0" rIns="0" bIns="0" anchor="ctr" anchorCtr="1"/>
+              <a:lstStyle/>
+              <a:p>
+                <a:pPr marL="0" marR="0" indent="0" algn="l">
+                  <a:lnSpc>
+                    <a:spcPts val="1200"/>
+                  </a:lnSpc>
+                  <a:spcBef>
+                    <a:spcPts val="0"/>
+                  </a:spcBef>
+                  <a:spcAft>
+                    <a:spcPts val="0"/>
+                  </a:spcAft>
+                </a:pPr>
+                <a:r>
+                  <a:rPr sz="1200">
+                    <a:solidFill>
+                      <a:srgbClr val="000000">
+                        <a:alpha val="100000"/>
+                      </a:srgbClr>
+                    </a:solidFill>
+                    <a:latin typeface="Arial"/>
+                    <a:cs typeface="Arial"/>
+                  </a:rPr>
+                  <a:t>0.4</a:t>
+                </a:r>
+              </a:p>
+            </p:txBody>
+          </p:sp>
+          <p:sp>
+            <p:nvSpPr>
+              <p:cNvPr id="414" name="tx64">
+                <a:extLst>
+                  <a:ext uri="{FF2B5EF4-FFF2-40B4-BE49-F238E27FC236}">
+                    <a16:creationId xmlns:a16="http://schemas.microsoft.com/office/drawing/2014/main" id="{ECA0C6F0-CF11-D6D0-56D6-CF89A5ADC85E}"/>
+                  </a:ext>
+                </a:extLst>
+              </p:cNvPr>
+              <p:cNvSpPr/>
+              <p:nvPr/>
+            </p:nvSpPr>
+            <p:spPr>
+              <a:xfrm>
+                <a:off x="6614511" y="6233719"/>
+                <a:ext cx="211856" cy="111397"/>
+              </a:xfrm>
+              <a:prstGeom prst="rect">
+                <a:avLst/>
+              </a:prstGeom>
+              <a:noFill/>
+            </p:spPr>
+            <p:txBody>
+              <a:bodyPr wrap="none" lIns="0" tIns="0" rIns="0" bIns="0" anchor="ctr" anchorCtr="1"/>
+              <a:lstStyle/>
+              <a:p>
+                <a:pPr marL="0" marR="0" indent="0" algn="l">
+                  <a:lnSpc>
+                    <a:spcPts val="1200"/>
+                  </a:lnSpc>
+                  <a:spcBef>
+                    <a:spcPts val="0"/>
+                  </a:spcBef>
+                  <a:spcAft>
+                    <a:spcPts val="0"/>
+                  </a:spcAft>
+                </a:pPr>
+                <a:r>
+                  <a:rPr sz="1200">
+                    <a:solidFill>
+                      <a:srgbClr val="000000">
+                        <a:alpha val="100000"/>
+                      </a:srgbClr>
+                    </a:solidFill>
+                    <a:latin typeface="Arial"/>
+                    <a:cs typeface="Arial"/>
+                  </a:rPr>
+                  <a:t>0.6</a:t>
+                </a:r>
+              </a:p>
+            </p:txBody>
+          </p:sp>
+          <p:sp>
+            <p:nvSpPr>
+              <p:cNvPr id="415" name="tx65">
+                <a:extLst>
+                  <a:ext uri="{FF2B5EF4-FFF2-40B4-BE49-F238E27FC236}">
+                    <a16:creationId xmlns:a16="http://schemas.microsoft.com/office/drawing/2014/main" id="{F20D7672-BD78-FFC8-2877-8854BF28A8E3}"/>
+                  </a:ext>
+                </a:extLst>
+              </p:cNvPr>
+              <p:cNvSpPr/>
+              <p:nvPr/>
+            </p:nvSpPr>
+            <p:spPr>
+              <a:xfrm>
+                <a:off x="6974003" y="6233719"/>
+                <a:ext cx="211856" cy="111397"/>
+              </a:xfrm>
+              <a:prstGeom prst="rect">
+                <a:avLst/>
+              </a:prstGeom>
+              <a:noFill/>
+            </p:spPr>
+            <p:txBody>
+              <a:bodyPr wrap="none" lIns="0" tIns="0" rIns="0" bIns="0" anchor="ctr" anchorCtr="1"/>
+              <a:lstStyle/>
+              <a:p>
+                <a:pPr marL="0" marR="0" indent="0" algn="l">
+                  <a:lnSpc>
+                    <a:spcPts val="1200"/>
+                  </a:lnSpc>
+                  <a:spcBef>
+                    <a:spcPts val="0"/>
+                  </a:spcBef>
+                  <a:spcAft>
+                    <a:spcPts val="0"/>
+                  </a:spcAft>
+                </a:pPr>
+                <a:r>
+                  <a:rPr sz="1200">
+                    <a:solidFill>
+                      <a:srgbClr val="000000">
+                        <a:alpha val="100000"/>
+                      </a:srgbClr>
+                    </a:solidFill>
+                    <a:latin typeface="Arial"/>
+                    <a:cs typeface="Arial"/>
+                  </a:rPr>
+                  <a:t>0.8</a:t>
+                </a:r>
+              </a:p>
+            </p:txBody>
+          </p:sp>
+          <p:sp>
+            <p:nvSpPr>
+              <p:cNvPr id="416" name="tx66">
+                <a:extLst>
+                  <a:ext uri="{FF2B5EF4-FFF2-40B4-BE49-F238E27FC236}">
+                    <a16:creationId xmlns:a16="http://schemas.microsoft.com/office/drawing/2014/main" id="{1D53DC12-D98D-E2EC-F537-19D86F31CFA7}"/>
+                  </a:ext>
+                </a:extLst>
+              </p:cNvPr>
+              <p:cNvSpPr/>
+              <p:nvPr/>
+            </p:nvSpPr>
+            <p:spPr>
+              <a:xfrm>
+                <a:off x="7397045" y="6235579"/>
+                <a:ext cx="84757" cy="109537"/>
+              </a:xfrm>
+              <a:prstGeom prst="rect">
+                <a:avLst/>
+              </a:prstGeom>
+              <a:noFill/>
+            </p:spPr>
+            <p:txBody>
+              <a:bodyPr wrap="none" lIns="0" tIns="0" rIns="0" bIns="0" anchor="ctr" anchorCtr="1"/>
+              <a:lstStyle/>
+              <a:p>
+                <a:pPr marL="0" marR="0" indent="0" algn="l">
+                  <a:lnSpc>
+                    <a:spcPts val="1200"/>
+                  </a:lnSpc>
+                  <a:spcBef>
+                    <a:spcPts val="0"/>
+                  </a:spcBef>
+                  <a:spcAft>
+                    <a:spcPts val="0"/>
+                  </a:spcAft>
+                </a:pPr>
+                <a:r>
+                  <a:rPr sz="1200">
+                    <a:solidFill>
+                      <a:srgbClr val="000000">
+                        <a:alpha val="100000"/>
+                      </a:srgbClr>
+                    </a:solidFill>
+                    <a:latin typeface="Arial"/>
+                    <a:cs typeface="Arial"/>
+                  </a:rPr>
+                  <a:t>1</a:t>
+                </a:r>
+              </a:p>
+            </p:txBody>
+          </p:sp>
+        </p:grpSp>
+        <p:sp>
+          <p:nvSpPr>
+            <p:cNvPr id="418" name="tx71">
+              <a:extLst>
+                <a:ext uri="{FF2B5EF4-FFF2-40B4-BE49-F238E27FC236}">
+                  <a16:creationId xmlns:a16="http://schemas.microsoft.com/office/drawing/2014/main" id="{B4E896CA-F92E-57B5-C15A-683922E151F4}"/>
+                </a:ext>
+              </a:extLst>
+            </p:cNvPr>
+            <p:cNvSpPr/>
+            <p:nvPr/>
+          </p:nvSpPr>
+          <p:spPr>
+            <a:xfrm>
+              <a:off x="782623" y="326976"/>
+              <a:ext cx="772685" cy="167253"/>
+            </a:xfrm>
+            <a:prstGeom prst="rect">
+              <a:avLst/>
+            </a:prstGeom>
+            <a:noFill/>
+          </p:spPr>
+          <p:txBody>
+            <a:bodyPr wrap="none" lIns="0" tIns="0" rIns="0" bIns="0" anchor="ctr" anchorCtr="1"/>
+            <a:lstStyle/>
+            <a:p>
+              <a:pPr marL="0" marR="0" indent="0" algn="l">
+                <a:lnSpc>
+                  <a:spcPts val="1439"/>
+                </a:lnSpc>
+                <a:spcBef>
+                  <a:spcPts val="0"/>
+                </a:spcBef>
+                <a:spcAft>
+                  <a:spcPts val="0"/>
+                </a:spcAft>
+              </a:pPr>
+              <a:r>
+                <a:rPr lang="en-CA" sz="1500" b="1" dirty="0">
+                  <a:solidFill>
+                    <a:srgbClr val="000000">
+                      <a:alpha val="100000"/>
+                    </a:srgbClr>
+                  </a:solidFill>
+                  <a:latin typeface="Arial"/>
+                  <a:cs typeface="Arial"/>
+                </a:rPr>
+                <a:t>A) Novice</a:t>
+              </a:r>
+              <a:endParaRPr sz="1500" b="1" dirty="0">
+                <a:solidFill>
+                  <a:srgbClr val="000000">
+                    <a:alpha val="100000"/>
+                  </a:srgbClr>
+                </a:solidFill>
+                <a:latin typeface="Arial"/>
+                <a:cs typeface="Arial"/>
+              </a:endParaRPr>
+            </a:p>
+          </p:txBody>
+        </p:sp>
+        <p:sp>
+          <p:nvSpPr>
+            <p:cNvPr id="420" name="tx71">
+              <a:extLst>
+                <a:ext uri="{FF2B5EF4-FFF2-40B4-BE49-F238E27FC236}">
+                  <a16:creationId xmlns:a16="http://schemas.microsoft.com/office/drawing/2014/main" id="{5F2799AA-15CD-74D1-B589-D2327EB746DB}"/>
+                </a:ext>
+              </a:extLst>
+            </p:cNvPr>
+            <p:cNvSpPr/>
+            <p:nvPr/>
+          </p:nvSpPr>
+          <p:spPr>
+            <a:xfrm>
+              <a:off x="5681116" y="326456"/>
+              <a:ext cx="772685" cy="167253"/>
+            </a:xfrm>
+            <a:prstGeom prst="rect">
+              <a:avLst/>
+            </a:prstGeom>
+            <a:noFill/>
+          </p:spPr>
+          <p:txBody>
+            <a:bodyPr wrap="none" lIns="0" tIns="0" rIns="0" bIns="0" anchor="ctr" anchorCtr="1"/>
+            <a:lstStyle/>
+            <a:p>
+              <a:pPr marL="0" marR="0" indent="0" algn="l">
+                <a:lnSpc>
+                  <a:spcPts val="1439"/>
+                </a:lnSpc>
+                <a:spcBef>
+                  <a:spcPts val="0"/>
+                </a:spcBef>
+                <a:spcAft>
+                  <a:spcPts val="0"/>
+                </a:spcAft>
+              </a:pPr>
+              <a:r>
+                <a:rPr lang="en-CA" sz="1500" b="1" dirty="0">
+                  <a:solidFill>
+                    <a:srgbClr val="000000">
+                      <a:alpha val="100000"/>
+                    </a:srgbClr>
+                  </a:solidFill>
+                  <a:latin typeface="Arial"/>
+                  <a:cs typeface="Arial"/>
+                </a:rPr>
+                <a:t>B) Advanced</a:t>
+              </a:r>
+              <a:endParaRPr sz="1500" b="1" dirty="0">
+                <a:solidFill>
+                  <a:srgbClr val="000000">
+                    <a:alpha val="100000"/>
+                  </a:srgbClr>
+                </a:solidFill>
+                <a:latin typeface="Arial"/>
+                <a:cs typeface="Arial"/>
+              </a:endParaRPr>
+            </a:p>
+          </p:txBody>
+        </p:sp>
+        <p:sp>
+          <p:nvSpPr>
+            <p:cNvPr id="4" name="tx71">
+              <a:extLst>
+                <a:ext uri="{FF2B5EF4-FFF2-40B4-BE49-F238E27FC236}">
+                  <a16:creationId xmlns:a16="http://schemas.microsoft.com/office/drawing/2014/main" id="{61B07D51-1801-6201-2E6D-59218A343DC6}"/>
+                </a:ext>
+              </a:extLst>
+            </p:cNvPr>
+            <p:cNvSpPr/>
+            <p:nvPr/>
+          </p:nvSpPr>
+          <p:spPr>
+            <a:xfrm>
+              <a:off x="1385787" y="4661780"/>
+              <a:ext cx="772685" cy="167253"/>
+            </a:xfrm>
+            <a:prstGeom prst="rect">
+              <a:avLst/>
+            </a:prstGeom>
+            <a:noFill/>
+          </p:spPr>
+          <p:txBody>
+            <a:bodyPr wrap="none" lIns="0" tIns="0" rIns="0" bIns="0" anchor="ctr" anchorCtr="1"/>
+            <a:lstStyle/>
+            <a:p>
+              <a:pPr marL="0" marR="0" indent="0" algn="l">
+                <a:lnSpc>
+                  <a:spcPts val="1439"/>
+                </a:lnSpc>
+                <a:spcBef>
+                  <a:spcPts val="0"/>
+                </a:spcBef>
+                <a:spcAft>
+                  <a:spcPts val="0"/>
+                </a:spcAft>
+              </a:pPr>
+              <a:r>
+                <a:rPr lang="en-CA" sz="1500" b="1" dirty="0">
+                  <a:solidFill>
+                    <a:srgbClr val="000000">
+                      <a:alpha val="100000"/>
+                    </a:srgbClr>
+                  </a:solidFill>
+                  <a:latin typeface="Arial"/>
+                  <a:cs typeface="Arial"/>
+                </a:rPr>
+                <a:t>C) Advanced vs novice</a:t>
+              </a:r>
+              <a:endParaRPr sz="1500" b="1" dirty="0">
+                <a:solidFill>
+                  <a:srgbClr val="000000">
+                    <a:alpha val="100000"/>
+                  </a:srgbClr>
+                </a:solidFill>
+                <a:latin typeface="Arial"/>
+                <a:cs typeface="Arial"/>
+              </a:endParaRPr>
+            </a:p>
+          </p:txBody>
+        </p:sp>
+        <p:pic>
+          <p:nvPicPr>
+            <p:cNvPr id="57" name="Image 56">
+              <a:extLst>
+                <a:ext uri="{FF2B5EF4-FFF2-40B4-BE49-F238E27FC236}">
+                  <a16:creationId xmlns:a16="http://schemas.microsoft.com/office/drawing/2014/main" id="{6508EE38-A0D7-ABB6-6AD0-20F51ABCA678}"/>
+                </a:ext>
+              </a:extLst>
+            </p:cNvPr>
+            <p:cNvPicPr>
+              <a:picLocks noChangeAspect="1"/>
+            </p:cNvPicPr>
+            <p:nvPr/>
+          </p:nvPicPr>
+          <p:blipFill>
+            <a:blip r:embed="rId3"/>
+            <a:stretch>
+              <a:fillRect/>
+            </a:stretch>
+          </p:blipFill>
+          <p:spPr>
+            <a:xfrm>
+              <a:off x="5374179" y="459128"/>
+              <a:ext cx="4630380" cy="3589377"/>
+            </a:xfrm>
+            <a:prstGeom prst="rect">
+              <a:avLst/>
+            </a:prstGeom>
+          </p:spPr>
+        </p:pic>
+        <p:pic>
+          <p:nvPicPr>
+            <p:cNvPr id="3" name="Image 2" descr="Une image contenant graphique">
+              <a:extLst>
+                <a:ext uri="{FF2B5EF4-FFF2-40B4-BE49-F238E27FC236}">
+                  <a16:creationId xmlns:a16="http://schemas.microsoft.com/office/drawing/2014/main" id="{377C0133-D7EC-4ABC-921D-4C9D668DE31B}"/>
+                </a:ext>
+              </a:extLst>
+            </p:cNvPr>
+            <p:cNvPicPr>
+              <a:picLocks noChangeAspect="1"/>
+            </p:cNvPicPr>
+            <p:nvPr/>
+          </p:nvPicPr>
+          <p:blipFill>
+            <a:blip r:embed="rId4"/>
+            <a:stretch>
+              <a:fillRect/>
+            </a:stretch>
+          </p:blipFill>
+          <p:spPr>
+            <a:xfrm>
+              <a:off x="0" y="4848225"/>
+              <a:ext cx="10698163" cy="3056987"/>
+            </a:xfrm>
+            <a:prstGeom prst="rect">
+              <a:avLst/>
+            </a:prstGeom>
+          </p:spPr>
+        </p:pic>
+      </p:grpSp>
+    </p:spTree>
+    <p:extLst>
+      <p:ext uri="{BB962C8B-B14F-4D97-AF65-F5344CB8AC3E}">
+        <p14:creationId xmlns:p14="http://schemas.microsoft.com/office/powerpoint/2010/main" val="3551211903"/>
+      </p:ext>
+    </p:extLst>
+  </p:cSld>
+  <p:clrMapOvr>
+    <a:masterClrMapping/>
+  </p:clrMapOvr>
+</p:sld>
+</file>
+
 <file path=ppt/theme/theme1.xml><?xml version="1.0" encoding="utf-8"?>
 <a:theme xmlns:a="http://schemas.openxmlformats.org/drawingml/2006/main" name="Office Theme">
   <a:themeElements>

--- a/outputs/04_outputs_figures/figure4-raw.pptx
+++ b/outputs/04_outputs_figures/figure4-raw.pptx
@@ -9,8 +9,7 @@
     <p:sldId id="257" r:id="rId3"/>
     <p:sldId id="258" r:id="rId4"/>
     <p:sldId id="259" r:id="rId5"/>
-    <p:sldId id="260" r:id="rId6"/>
-    <p:sldId id="261" r:id="rId7"/>
+    <p:sldId id="261" r:id="rId6"/>
   </p:sldIdLst>
   <p:sldSz cx="10698163" cy="7562850"/>
   <p:notesSz cx="6858000" cy="9144000"/>
@@ -117,7 +116,7 @@
             <a:srgbClr val="A4A3A4"/>
           </p15:clr>
         </p15:guide>
-        <p15:guide id="2" pos="3370" userDrawn="1">
+        <p15:guide id="2" pos="442" userDrawn="1">
           <p15:clr>
             <a:srgbClr val="A4A3A4"/>
           </p15:clr>
@@ -309,7 +308,7 @@
           <a:p>
             <a:fld id="{6BA5D40C-A8DC-479A-A5D3-E7B4936A184B}" type="datetimeFigureOut">
               <a:rPr lang="en-GB" smtClean="0"/>
-              <a:t>03/05/2023</a:t>
+              <a:t>05/05/2023</a:t>
             </a:fld>
             <a:endParaRPr lang="en-GB"/>
           </a:p>
@@ -479,7 +478,7 @@
           <a:p>
             <a:fld id="{6BA5D40C-A8DC-479A-A5D3-E7B4936A184B}" type="datetimeFigureOut">
               <a:rPr lang="en-GB" smtClean="0"/>
-              <a:t>03/05/2023</a:t>
+              <a:t>05/05/2023</a:t>
             </a:fld>
             <a:endParaRPr lang="en-GB"/>
           </a:p>
@@ -659,7 +658,7 @@
           <a:p>
             <a:fld id="{6BA5D40C-A8DC-479A-A5D3-E7B4936A184B}" type="datetimeFigureOut">
               <a:rPr lang="en-GB" smtClean="0"/>
-              <a:t>03/05/2023</a:t>
+              <a:t>05/05/2023</a:t>
             </a:fld>
             <a:endParaRPr lang="en-GB"/>
           </a:p>
@@ -829,7 +828,7 @@
           <a:p>
             <a:fld id="{6BA5D40C-A8DC-479A-A5D3-E7B4936A184B}" type="datetimeFigureOut">
               <a:rPr lang="en-GB" smtClean="0"/>
-              <a:t>03/05/2023</a:t>
+              <a:t>05/05/2023</a:t>
             </a:fld>
             <a:endParaRPr lang="en-GB"/>
           </a:p>
@@ -1075,7 +1074,7 @@
           <a:p>
             <a:fld id="{6BA5D40C-A8DC-479A-A5D3-E7B4936A184B}" type="datetimeFigureOut">
               <a:rPr lang="en-GB" smtClean="0"/>
-              <a:t>03/05/2023</a:t>
+              <a:t>05/05/2023</a:t>
             </a:fld>
             <a:endParaRPr lang="en-GB"/>
           </a:p>
@@ -1363,7 +1362,7 @@
           <a:p>
             <a:fld id="{6BA5D40C-A8DC-479A-A5D3-E7B4936A184B}" type="datetimeFigureOut">
               <a:rPr lang="en-GB" smtClean="0"/>
-              <a:t>03/05/2023</a:t>
+              <a:t>05/05/2023</a:t>
             </a:fld>
             <a:endParaRPr lang="en-GB"/>
           </a:p>
@@ -1790,7 +1789,7 @@
           <a:p>
             <a:fld id="{6BA5D40C-A8DC-479A-A5D3-E7B4936A184B}" type="datetimeFigureOut">
               <a:rPr lang="en-GB" smtClean="0"/>
-              <a:t>03/05/2023</a:t>
+              <a:t>05/05/2023</a:t>
             </a:fld>
             <a:endParaRPr lang="en-GB"/>
           </a:p>
@@ -1908,7 +1907,7 @@
           <a:p>
             <a:fld id="{6BA5D40C-A8DC-479A-A5D3-E7B4936A184B}" type="datetimeFigureOut">
               <a:rPr lang="en-GB" smtClean="0"/>
-              <a:t>03/05/2023</a:t>
+              <a:t>05/05/2023</a:t>
             </a:fld>
             <a:endParaRPr lang="en-GB"/>
           </a:p>
@@ -2003,7 +2002,7 @@
           <a:p>
             <a:fld id="{6BA5D40C-A8DC-479A-A5D3-E7B4936A184B}" type="datetimeFigureOut">
               <a:rPr lang="en-GB" smtClean="0"/>
-              <a:t>03/05/2023</a:t>
+              <a:t>05/05/2023</a:t>
             </a:fld>
             <a:endParaRPr lang="en-GB"/>
           </a:p>
@@ -2280,7 +2279,7 @@
           <a:p>
             <a:fld id="{6BA5D40C-A8DC-479A-A5D3-E7B4936A184B}" type="datetimeFigureOut">
               <a:rPr lang="en-GB" smtClean="0"/>
-              <a:t>03/05/2023</a:t>
+              <a:t>05/05/2023</a:t>
             </a:fld>
             <a:endParaRPr lang="en-GB"/>
           </a:p>
@@ -2533,7 +2532,7 @@
           <a:p>
             <a:fld id="{6BA5D40C-A8DC-479A-A5D3-E7B4936A184B}" type="datetimeFigureOut">
               <a:rPr lang="en-GB" smtClean="0"/>
-              <a:t>03/05/2023</a:t>
+              <a:t>05/05/2023</a:t>
             </a:fld>
             <a:endParaRPr lang="en-GB"/>
           </a:p>
@@ -2746,7 +2745,7 @@
           <a:p>
             <a:fld id="{6BA5D40C-A8DC-479A-A5D3-E7B4936A184B}" type="datetimeFigureOut">
               <a:rPr lang="en-GB" smtClean="0"/>
-              <a:t>03/05/2023</a:t>
+              <a:t>05/05/2023</a:t>
             </a:fld>
             <a:endParaRPr lang="en-GB"/>
           </a:p>
@@ -4392,7 +4391,7 @@
                 </a:spcAft>
               </a:pPr>
               <a:r>
-                <a:rPr sz="1800" b="1">
+                <a:rPr sz="1800" b="1" dirty="0">
                   <a:solidFill>
                     <a:srgbClr val="000000">
                       <a:alpha val="100000"/>
@@ -4401,8 +4400,29 @@
                   <a:latin typeface="Arial"/>
                   <a:cs typeface="Arial"/>
                 </a:rPr>
-                <a:t>-0.14</a:t>
+                <a:t>-0.1</a:t>
               </a:r>
+              <a:r>
+                <a:rPr lang="en-CA" sz="1800" b="1" dirty="0">
+                  <a:solidFill>
+                    <a:srgbClr val="000000">
+                      <a:alpha val="100000"/>
+                    </a:srgbClr>
+                  </a:solidFill>
+                  <a:latin typeface="Arial"/>
+                  <a:cs typeface="Arial"/>
+                </a:rPr>
+                <a:t>3</a:t>
+              </a:r>
+              <a:endParaRPr sz="1800" b="1" dirty="0">
+                <a:solidFill>
+                  <a:srgbClr val="000000">
+                    <a:alpha val="100000"/>
+                  </a:srgbClr>
+                </a:solidFill>
+                <a:latin typeface="Arial"/>
+                <a:cs typeface="Arial"/>
+              </a:endParaRPr>
             </a:p>
           </p:txBody>
         </p:sp>
@@ -6301,7 +6321,7 @@
                 </a:spcAft>
               </a:pPr>
               <a:r>
-                <a:rPr sz="1800" b="1">
+                <a:rPr sz="1800" b="1" dirty="0">
                   <a:solidFill>
                     <a:srgbClr val="000000">
                       <a:alpha val="100000"/>
@@ -6310,8 +6330,29 @@
                   <a:latin typeface="Arial"/>
                   <a:cs typeface="Arial"/>
                 </a:rPr>
-                <a:t>-0.37</a:t>
+                <a:t>-0.3</a:t>
               </a:r>
+              <a:r>
+                <a:rPr lang="en-CA" sz="1800" b="1" dirty="0">
+                  <a:solidFill>
+                    <a:srgbClr val="000000">
+                      <a:alpha val="100000"/>
+                    </a:srgbClr>
+                  </a:solidFill>
+                  <a:latin typeface="Arial"/>
+                  <a:cs typeface="Arial"/>
+                </a:rPr>
+                <a:t>6</a:t>
+              </a:r>
+              <a:endParaRPr sz="1800" b="1" dirty="0">
+                <a:solidFill>
+                  <a:srgbClr val="000000">
+                    <a:alpha val="100000"/>
+                  </a:srgbClr>
+                </a:solidFill>
+                <a:latin typeface="Arial"/>
+                <a:cs typeface="Arial"/>
+              </a:endParaRPr>
             </a:p>
           </p:txBody>
         </p:sp>
@@ -6485,7 +6526,7 @@
                 </a:spcAft>
               </a:pPr>
               <a:r>
-                <a:rPr sz="1800" b="1">
+                <a:rPr sz="1800" b="1" dirty="0">
                   <a:solidFill>
                     <a:srgbClr val="000000">
                       <a:alpha val="100000"/>
@@ -6494,8 +6535,29 @@
                   <a:latin typeface="Arial"/>
                   <a:cs typeface="Arial"/>
                 </a:rPr>
-                <a:t>-0.07</a:t>
+                <a:t>-0.0</a:t>
               </a:r>
+              <a:r>
+                <a:rPr lang="en-CA" sz="1800" b="1" dirty="0">
+                  <a:solidFill>
+                    <a:srgbClr val="000000">
+                      <a:alpha val="100000"/>
+                    </a:srgbClr>
+                  </a:solidFill>
+                  <a:latin typeface="Arial"/>
+                  <a:cs typeface="Arial"/>
+                </a:rPr>
+                <a:t>6</a:t>
+              </a:r>
+              <a:endParaRPr sz="1800" b="1" dirty="0">
+                <a:solidFill>
+                  <a:srgbClr val="000000">
+                    <a:alpha val="100000"/>
+                  </a:srgbClr>
+                </a:solidFill>
+                <a:latin typeface="Arial"/>
+                <a:cs typeface="Arial"/>
+              </a:endParaRPr>
             </a:p>
           </p:txBody>
         </p:sp>
@@ -6623,7 +6685,7 @@
                 </a:spcAft>
               </a:pPr>
               <a:r>
-                <a:rPr sz="1800" b="1">
+                <a:rPr sz="1800" b="1" dirty="0">
                   <a:solidFill>
                     <a:srgbClr val="000000">
                       <a:alpha val="100000"/>
@@ -6632,8 +6694,29 @@
                   <a:latin typeface="Arial"/>
                   <a:cs typeface="Arial"/>
                 </a:rPr>
-                <a:t>0.29</a:t>
+                <a:t>0.</a:t>
               </a:r>
+              <a:r>
+                <a:rPr lang="en-CA" sz="1800" b="1" dirty="0">
+                  <a:solidFill>
+                    <a:srgbClr val="000000">
+                      <a:alpha val="100000"/>
+                    </a:srgbClr>
+                  </a:solidFill>
+                  <a:latin typeface="Arial"/>
+                  <a:cs typeface="Arial"/>
+                </a:rPr>
+                <a:t>30</a:t>
+              </a:r>
+              <a:endParaRPr sz="1800" b="1" dirty="0">
+                <a:solidFill>
+                  <a:srgbClr val="000000">
+                    <a:alpha val="100000"/>
+                  </a:srgbClr>
+                </a:solidFill>
+                <a:latin typeface="Arial"/>
+                <a:cs typeface="Arial"/>
+              </a:endParaRPr>
             </a:p>
           </p:txBody>
         </p:sp>
@@ -8189,7 +8272,7 @@
                 </a:spcAft>
               </a:pPr>
               <a:r>
-                <a:rPr sz="1800" b="1">
+                <a:rPr sz="1800" b="1" dirty="0">
                   <a:solidFill>
                     <a:srgbClr val="000000">
                       <a:alpha val="100000"/>
@@ -8198,8 +8281,29 @@
                   <a:latin typeface="Arial"/>
                   <a:cs typeface="Arial"/>
                 </a:rPr>
-                <a:t>0.28</a:t>
+                <a:t>0.2</a:t>
               </a:r>
+              <a:r>
+                <a:rPr lang="en-CA" sz="1800" b="1" dirty="0">
+                  <a:solidFill>
+                    <a:srgbClr val="000000">
+                      <a:alpha val="100000"/>
+                    </a:srgbClr>
+                  </a:solidFill>
+                  <a:latin typeface="Arial"/>
+                  <a:cs typeface="Arial"/>
+                </a:rPr>
+                <a:t>7</a:t>
+              </a:r>
+              <a:endParaRPr sz="1800" b="1" dirty="0">
+                <a:solidFill>
+                  <a:srgbClr val="000000">
+                    <a:alpha val="100000"/>
+                  </a:srgbClr>
+                </a:solidFill>
+                <a:latin typeface="Arial"/>
+                <a:cs typeface="Arial"/>
+              </a:endParaRPr>
             </a:p>
           </p:txBody>
         </p:sp>
@@ -10943,10 +11047,10 @@
       </p:grpSpPr>
       <p:grpSp>
         <p:nvGrpSpPr>
-          <p:cNvPr id="58" name="Groupe 57">
+          <p:cNvPr id="433" name="Groupe 432">
             <a:extLst>
               <a:ext uri="{FF2B5EF4-FFF2-40B4-BE49-F238E27FC236}">
-                <a16:creationId xmlns:a16="http://schemas.microsoft.com/office/drawing/2014/main" id="{805E3EE8-ECB5-B7ED-0F91-D848D1390326}"/>
+                <a16:creationId xmlns:a16="http://schemas.microsoft.com/office/drawing/2014/main" id="{D91C6FAE-B17E-4FFA-A817-B522ACFB2261}"/>
               </a:ext>
             </a:extLst>
           </p:cNvPr>
@@ -10955,42 +11059,12 @@
         </p:nvGrpSpPr>
         <p:grpSpPr>
           <a:xfrm>
-            <a:off x="468898" y="317469"/>
-            <a:ext cx="9725603" cy="7202350"/>
-            <a:chOff x="468898" y="317469"/>
-            <a:chExt cx="9725603" cy="7202350"/>
+            <a:off x="0" y="326456"/>
+            <a:ext cx="10698163" cy="7578756"/>
+            <a:chOff x="0" y="326456"/>
+            <a:chExt cx="10698163" cy="7578756"/>
           </a:xfrm>
         </p:grpSpPr>
-        <p:pic>
-          <p:nvPicPr>
-            <p:cNvPr id="134" name="Image 133">
-              <a:extLst>
-                <a:ext uri="{FF2B5EF4-FFF2-40B4-BE49-F238E27FC236}">
-                  <a16:creationId xmlns:a16="http://schemas.microsoft.com/office/drawing/2014/main" id="{AB659585-A11A-3AD5-27D3-65D2B3441321}"/>
-                </a:ext>
-              </a:extLst>
-            </p:cNvPr>
-            <p:cNvPicPr>
-              <a:picLocks noChangeAspect="1"/>
-            </p:cNvPicPr>
-            <p:nvPr/>
-          </p:nvPicPr>
-          <p:blipFill>
-            <a:blip r:embed="rId2"/>
-            <a:stretch>
-              <a:fillRect/>
-            </a:stretch>
-          </p:blipFill>
-          <p:spPr>
-            <a:xfrm>
-              <a:off x="558235" y="446775"/>
-              <a:ext cx="4630380" cy="3589377"/>
-            </a:xfrm>
-            <a:prstGeom prst="rect">
-              <a:avLst/>
-            </a:prstGeom>
-          </p:spPr>
-        </p:pic>
         <p:grpSp>
           <p:nvGrpSpPr>
             <p:cNvPr id="383" name="Group 41">
@@ -11005,7 +11079,7 @@
           </p:nvGrpSpPr>
           <p:grpSpPr>
             <a:xfrm>
-              <a:off x="2627054" y="4162425"/>
+              <a:off x="2627054" y="4171412"/>
               <a:ext cx="5424566" cy="339380"/>
               <a:chOff x="3776750" y="6036589"/>
               <a:chExt cx="3705052" cy="308527"/>
@@ -12638,7 +12712,7 @@
           </p:nvSpPr>
           <p:spPr>
             <a:xfrm>
-              <a:off x="621253" y="317989"/>
+              <a:off x="782623" y="326976"/>
               <a:ext cx="772685" cy="167253"/>
             </a:xfrm>
             <a:prstGeom prst="rect">
@@ -12671,7 +12745,7 @@
                   <a:latin typeface="Arial"/>
                   <a:cs typeface="Arial"/>
                 </a:rPr>
-                <a:t>A) Novices</a:t>
+                <a:t>A) Novice</a:t>
               </a:r>
               <a:endParaRPr sz="1500" b="1" dirty="0">
                 <a:solidFill>
@@ -12699,7 +12773,7 @@
           </p:nvSpPr>
           <p:spPr>
             <a:xfrm>
-              <a:off x="5519746" y="317469"/>
+              <a:off x="5681116" y="326456"/>
               <a:ext cx="772685" cy="167253"/>
             </a:xfrm>
             <a:prstGeom prst="rect">
@@ -12760,1963 +12834,7 @@
           </p:nvSpPr>
           <p:spPr>
             <a:xfrm>
-              <a:off x="1224417" y="4652793"/>
-              <a:ext cx="772685" cy="167253"/>
-            </a:xfrm>
-            <a:prstGeom prst="rect">
-              <a:avLst/>
-            </a:prstGeom>
-            <a:noFill/>
-          </p:spPr>
-          <p:txBody>
-            <a:bodyPr wrap="none" lIns="0" tIns="0" rIns="0" bIns="0" anchor="ctr" anchorCtr="1"/>
-            <a:lstStyle/>
-            <a:p>
-              <a:pPr marL="0" marR="0" indent="0" algn="l">
-                <a:lnSpc>
-                  <a:spcPts val="1439"/>
-                </a:lnSpc>
-                <a:spcBef>
-                  <a:spcPts val="0"/>
-                </a:spcBef>
-                <a:spcAft>
-                  <a:spcPts val="0"/>
-                </a:spcAft>
-              </a:pPr>
-              <a:r>
-                <a:rPr lang="en-CA" sz="1500" b="1" dirty="0">
-                  <a:solidFill>
-                    <a:srgbClr val="000000">
-                      <a:alpha val="100000"/>
-                    </a:srgbClr>
-                  </a:solidFill>
-                  <a:latin typeface="Arial"/>
-                  <a:cs typeface="Arial"/>
-                </a:rPr>
-                <a:t>C) Novices vs Advanced</a:t>
-              </a:r>
-              <a:endParaRPr sz="1500" b="1" dirty="0">
-                <a:solidFill>
-                  <a:srgbClr val="000000">
-                    <a:alpha val="100000"/>
-                  </a:srgbClr>
-                </a:solidFill>
-                <a:latin typeface="Arial"/>
-                <a:cs typeface="Arial"/>
-              </a:endParaRPr>
-            </a:p>
-          </p:txBody>
-        </p:sp>
-        <p:pic>
-          <p:nvPicPr>
-            <p:cNvPr id="6" name="Image 5" descr="Une image contenant ciel&#10;&#10;Description générée automatiquement">
-              <a:extLst>
-                <a:ext uri="{FF2B5EF4-FFF2-40B4-BE49-F238E27FC236}">
-                  <a16:creationId xmlns:a16="http://schemas.microsoft.com/office/drawing/2014/main" id="{6ADA7406-0CFE-B86E-62E6-E64E66C3CA9E}"/>
-                </a:ext>
-              </a:extLst>
-            </p:cNvPr>
-            <p:cNvPicPr>
-              <a:picLocks noChangeAspect="1"/>
-            </p:cNvPicPr>
-            <p:nvPr/>
-          </p:nvPicPr>
-          <p:blipFill rotWithShape="1">
-            <a:blip r:embed="rId3"/>
-            <a:srcRect b="3770"/>
-            <a:stretch/>
-          </p:blipFill>
-          <p:spPr>
-            <a:xfrm>
-              <a:off x="468898" y="4845515"/>
-              <a:ext cx="9725603" cy="2674304"/>
-            </a:xfrm>
-            <a:prstGeom prst="rect">
-              <a:avLst/>
-            </a:prstGeom>
-          </p:spPr>
-        </p:pic>
-        <p:pic>
-          <p:nvPicPr>
-            <p:cNvPr id="57" name="Image 56">
-              <a:extLst>
-                <a:ext uri="{FF2B5EF4-FFF2-40B4-BE49-F238E27FC236}">
-                  <a16:creationId xmlns:a16="http://schemas.microsoft.com/office/drawing/2014/main" id="{6508EE38-A0D7-ABB6-6AD0-20F51ABCA678}"/>
-                </a:ext>
-              </a:extLst>
-            </p:cNvPr>
-            <p:cNvPicPr>
-              <a:picLocks noChangeAspect="1"/>
-            </p:cNvPicPr>
-            <p:nvPr/>
-          </p:nvPicPr>
-          <p:blipFill>
-            <a:blip r:embed="rId4"/>
-            <a:stretch>
-              <a:fillRect/>
-            </a:stretch>
-          </p:blipFill>
-          <p:spPr>
-            <a:xfrm>
-              <a:off x="5374179" y="450141"/>
-              <a:ext cx="4630380" cy="3589377"/>
-            </a:xfrm>
-            <a:prstGeom prst="rect">
-              <a:avLst/>
-            </a:prstGeom>
-          </p:spPr>
-        </p:pic>
-      </p:grpSp>
-    </p:spTree>
-    <p:extLst>
-      <p:ext uri="{BB962C8B-B14F-4D97-AF65-F5344CB8AC3E}">
-        <p14:creationId xmlns:p14="http://schemas.microsoft.com/office/powerpoint/2010/main" val="4070586743"/>
-      </p:ext>
-    </p:extLst>
-  </p:cSld>
-  <p:clrMapOvr>
-    <a:masterClrMapping/>
-  </p:clrMapOvr>
-</p:sld>
-</file>
-
-<file path=ppt/slides/slide6.xml><?xml version="1.0" encoding="utf-8"?>
-<p:sld xmlns:a="http://schemas.openxmlformats.org/drawingml/2006/main" xmlns:r="http://schemas.openxmlformats.org/officeDocument/2006/relationships" xmlns:p="http://schemas.openxmlformats.org/presentationml/2006/main">
-  <p:cSld>
-    <p:spTree>
-      <p:nvGrpSpPr>
-        <p:cNvPr id="1" name=""/>
-        <p:cNvGrpSpPr/>
-        <p:nvPr/>
-      </p:nvGrpSpPr>
-      <p:grpSpPr>
-        <a:xfrm>
-          <a:off x="0" y="0"/>
-          <a:ext cx="0" cy="0"/>
-          <a:chOff x="0" y="0"/>
-          <a:chExt cx="0" cy="0"/>
-        </a:xfrm>
-      </p:grpSpPr>
-      <p:grpSp>
-        <p:nvGrpSpPr>
-          <p:cNvPr id="5" name="Groupe 4">
-            <a:extLst>
-              <a:ext uri="{FF2B5EF4-FFF2-40B4-BE49-F238E27FC236}">
-                <a16:creationId xmlns:a16="http://schemas.microsoft.com/office/drawing/2014/main" id="{62F78762-7842-3ABC-26DC-0219C00C21A9}"/>
-              </a:ext>
-            </a:extLst>
-          </p:cNvPr>
-          <p:cNvGrpSpPr/>
-          <p:nvPr/>
-        </p:nvGrpSpPr>
-        <p:grpSpPr>
-          <a:xfrm>
-            <a:off x="0" y="326456"/>
-            <a:ext cx="10698163" cy="7578756"/>
-            <a:chOff x="0" y="326456"/>
-            <a:chExt cx="10698163" cy="7578756"/>
-          </a:xfrm>
-        </p:grpSpPr>
-        <p:pic>
-          <p:nvPicPr>
-            <p:cNvPr id="134" name="Image 133">
-              <a:extLst>
-                <a:ext uri="{FF2B5EF4-FFF2-40B4-BE49-F238E27FC236}">
-                  <a16:creationId xmlns:a16="http://schemas.microsoft.com/office/drawing/2014/main" id="{AB659585-A11A-3AD5-27D3-65D2B3441321}"/>
-                </a:ext>
-              </a:extLst>
-            </p:cNvPr>
-            <p:cNvPicPr>
-              <a:picLocks noChangeAspect="1"/>
-            </p:cNvPicPr>
-            <p:nvPr/>
-          </p:nvPicPr>
-          <p:blipFill>
-            <a:blip r:embed="rId2"/>
-            <a:stretch>
-              <a:fillRect/>
-            </a:stretch>
-          </p:blipFill>
-          <p:spPr>
-            <a:xfrm>
-              <a:off x="558235" y="455762"/>
-              <a:ext cx="4630380" cy="3589377"/>
-            </a:xfrm>
-            <a:prstGeom prst="rect">
-              <a:avLst/>
-            </a:prstGeom>
-          </p:spPr>
-        </p:pic>
-        <p:grpSp>
-          <p:nvGrpSpPr>
-            <p:cNvPr id="383" name="Group 41">
-              <a:extLst>
-                <a:ext uri="{FF2B5EF4-FFF2-40B4-BE49-F238E27FC236}">
-                  <a16:creationId xmlns:a16="http://schemas.microsoft.com/office/drawing/2014/main" id="{E7607B3F-5AA2-9760-B9E9-A0269988A089}"/>
-                </a:ext>
-              </a:extLst>
-            </p:cNvPr>
-            <p:cNvGrpSpPr/>
-            <p:nvPr/>
-          </p:nvGrpSpPr>
-          <p:grpSpPr>
-            <a:xfrm>
-              <a:off x="2627054" y="4171412"/>
-              <a:ext cx="5424566" cy="339380"/>
-              <a:chOff x="3776750" y="6036589"/>
-              <a:chExt cx="3705052" cy="308527"/>
-            </a:xfrm>
-          </p:grpSpPr>
-          <p:sp>
-            <p:nvSpPr>
-              <p:cNvPr id="384" name="rc34">
-                <a:extLst>
-                  <a:ext uri="{FF2B5EF4-FFF2-40B4-BE49-F238E27FC236}">
-                    <a16:creationId xmlns:a16="http://schemas.microsoft.com/office/drawing/2014/main" id="{3CB7D48F-4591-7F0F-965A-F6B0302925E1}"/>
-                  </a:ext>
-                </a:extLst>
-              </p:cNvPr>
-              <p:cNvSpPr/>
-              <p:nvPr/>
-            </p:nvSpPr>
-            <p:spPr>
-              <a:xfrm>
-                <a:off x="3844504" y="6036589"/>
-                <a:ext cx="359491" cy="105151"/>
-              </a:xfrm>
-              <a:prstGeom prst="rect">
-                <a:avLst/>
-              </a:prstGeom>
-              <a:solidFill>
-                <a:srgbClr val="67001F">
-                  <a:alpha val="100000"/>
-                </a:srgbClr>
-              </a:solidFill>
-              <a:ln w="9525" cap="rnd">
-                <a:solidFill>
-                  <a:srgbClr val="67001F">
-                    <a:alpha val="100000"/>
-                  </a:srgbClr>
-                </a:solidFill>
-                <a:prstDash val="solid"/>
-                <a:round/>
-              </a:ln>
-            </p:spPr>
-            <p:txBody>
-              <a:bodyPr/>
-              <a:lstStyle/>
-              <a:p>
-                <a:endParaRPr/>
-              </a:p>
-            </p:txBody>
-          </p:sp>
-          <p:sp>
-            <p:nvSpPr>
-              <p:cNvPr id="385" name="rc35">
-                <a:extLst>
-                  <a:ext uri="{FF2B5EF4-FFF2-40B4-BE49-F238E27FC236}">
-                    <a16:creationId xmlns:a16="http://schemas.microsoft.com/office/drawing/2014/main" id="{0FF0C3A0-B135-8F9A-777B-89412ED59509}"/>
-                  </a:ext>
-                </a:extLst>
-              </p:cNvPr>
-              <p:cNvSpPr/>
-              <p:nvPr/>
-            </p:nvSpPr>
-            <p:spPr>
-              <a:xfrm>
-                <a:off x="4203996" y="6036589"/>
-                <a:ext cx="359491" cy="105151"/>
-              </a:xfrm>
-              <a:prstGeom prst="rect">
-                <a:avLst/>
-              </a:prstGeom>
-              <a:solidFill>
-                <a:srgbClr val="B51F2E">
-                  <a:alpha val="100000"/>
-                </a:srgbClr>
-              </a:solidFill>
-              <a:ln w="9525" cap="rnd">
-                <a:solidFill>
-                  <a:srgbClr val="B51F2E">
-                    <a:alpha val="100000"/>
-                  </a:srgbClr>
-                </a:solidFill>
-                <a:prstDash val="solid"/>
-                <a:round/>
-              </a:ln>
-            </p:spPr>
-            <p:txBody>
-              <a:bodyPr/>
-              <a:lstStyle/>
-              <a:p>
-                <a:endParaRPr/>
-              </a:p>
-            </p:txBody>
-          </p:sp>
-          <p:sp>
-            <p:nvSpPr>
-              <p:cNvPr id="386" name="rc36">
-                <a:extLst>
-                  <a:ext uri="{FF2B5EF4-FFF2-40B4-BE49-F238E27FC236}">
-                    <a16:creationId xmlns:a16="http://schemas.microsoft.com/office/drawing/2014/main" id="{77A9023F-D23B-00E0-5C80-7332FEBCD97D}"/>
-                  </a:ext>
-                </a:extLst>
-              </p:cNvPr>
-              <p:cNvSpPr/>
-              <p:nvPr/>
-            </p:nvSpPr>
-            <p:spPr>
-              <a:xfrm>
-                <a:off x="4563488" y="6036589"/>
-                <a:ext cx="359491" cy="105151"/>
-              </a:xfrm>
-              <a:prstGeom prst="rect">
-                <a:avLst/>
-              </a:prstGeom>
-              <a:solidFill>
-                <a:srgbClr val="DC6F58">
-                  <a:alpha val="100000"/>
-                </a:srgbClr>
-              </a:solidFill>
-              <a:ln w="9525" cap="rnd">
-                <a:solidFill>
-                  <a:srgbClr val="DC6F58">
-                    <a:alpha val="100000"/>
-                  </a:srgbClr>
-                </a:solidFill>
-                <a:prstDash val="solid"/>
-                <a:round/>
-              </a:ln>
-            </p:spPr>
-            <p:txBody>
-              <a:bodyPr/>
-              <a:lstStyle/>
-              <a:p>
-                <a:endParaRPr/>
-              </a:p>
-            </p:txBody>
-          </p:sp>
-          <p:sp>
-            <p:nvSpPr>
-              <p:cNvPr id="387" name="rc37">
-                <a:extLst>
-                  <a:ext uri="{FF2B5EF4-FFF2-40B4-BE49-F238E27FC236}">
-                    <a16:creationId xmlns:a16="http://schemas.microsoft.com/office/drawing/2014/main" id="{253AEE2C-76F7-46A3-A2A8-A46FB17D06B2}"/>
-                  </a:ext>
-                </a:extLst>
-              </p:cNvPr>
-              <p:cNvSpPr/>
-              <p:nvPr/>
-            </p:nvSpPr>
-            <p:spPr>
-              <a:xfrm>
-                <a:off x="4922980" y="6036589"/>
-                <a:ext cx="359491" cy="105151"/>
-              </a:xfrm>
-              <a:prstGeom prst="rect">
-                <a:avLst/>
-              </a:prstGeom>
-              <a:solidFill>
-                <a:srgbClr val="F7B698">
-                  <a:alpha val="100000"/>
-                </a:srgbClr>
-              </a:solidFill>
-              <a:ln w="9525" cap="rnd">
-                <a:solidFill>
-                  <a:srgbClr val="F7B698">
-                    <a:alpha val="100000"/>
-                  </a:srgbClr>
-                </a:solidFill>
-                <a:prstDash val="solid"/>
-                <a:round/>
-              </a:ln>
-            </p:spPr>
-            <p:txBody>
-              <a:bodyPr/>
-              <a:lstStyle/>
-              <a:p>
-                <a:endParaRPr/>
-              </a:p>
-            </p:txBody>
-          </p:sp>
-          <p:sp>
-            <p:nvSpPr>
-              <p:cNvPr id="388" name="rc38">
-                <a:extLst>
-                  <a:ext uri="{FF2B5EF4-FFF2-40B4-BE49-F238E27FC236}">
-                    <a16:creationId xmlns:a16="http://schemas.microsoft.com/office/drawing/2014/main" id="{8EB7237C-5497-C75E-E003-8FBC29AA5EB3}"/>
-                  </a:ext>
-                </a:extLst>
-              </p:cNvPr>
-              <p:cNvSpPr/>
-              <p:nvPr/>
-            </p:nvSpPr>
-            <p:spPr>
-              <a:xfrm>
-                <a:off x="5282472" y="6036589"/>
-                <a:ext cx="359491" cy="105151"/>
-              </a:xfrm>
-              <a:prstGeom prst="rect">
-                <a:avLst/>
-              </a:prstGeom>
-              <a:solidFill>
-                <a:srgbClr val="FDEBDF">
-                  <a:alpha val="100000"/>
-                </a:srgbClr>
-              </a:solidFill>
-              <a:ln w="9525" cap="rnd">
-                <a:solidFill>
-                  <a:srgbClr val="FDEBDF">
-                    <a:alpha val="100000"/>
-                  </a:srgbClr>
-                </a:solidFill>
-                <a:prstDash val="solid"/>
-                <a:round/>
-              </a:ln>
-            </p:spPr>
-            <p:txBody>
-              <a:bodyPr/>
-              <a:lstStyle/>
-              <a:p>
-                <a:endParaRPr/>
-              </a:p>
-            </p:txBody>
-          </p:sp>
-          <p:sp>
-            <p:nvSpPr>
-              <p:cNvPr id="389" name="rc39">
-                <a:extLst>
-                  <a:ext uri="{FF2B5EF4-FFF2-40B4-BE49-F238E27FC236}">
-                    <a16:creationId xmlns:a16="http://schemas.microsoft.com/office/drawing/2014/main" id="{B0014424-585F-DE26-1E46-2C732C525A37}"/>
-                  </a:ext>
-                </a:extLst>
-              </p:cNvPr>
-              <p:cNvSpPr/>
-              <p:nvPr/>
-            </p:nvSpPr>
-            <p:spPr>
-              <a:xfrm>
-                <a:off x="5641964" y="6036589"/>
-                <a:ext cx="359491" cy="105151"/>
-              </a:xfrm>
-              <a:prstGeom prst="rect">
-                <a:avLst/>
-              </a:prstGeom>
-              <a:solidFill>
-                <a:srgbClr val="E5F0F6">
-                  <a:alpha val="100000"/>
-                </a:srgbClr>
-              </a:solidFill>
-              <a:ln w="9525" cap="rnd">
-                <a:solidFill>
-                  <a:srgbClr val="E5F0F6">
-                    <a:alpha val="100000"/>
-                  </a:srgbClr>
-                </a:solidFill>
-                <a:prstDash val="solid"/>
-                <a:round/>
-              </a:ln>
-            </p:spPr>
-            <p:txBody>
-              <a:bodyPr/>
-              <a:lstStyle/>
-              <a:p>
-                <a:endParaRPr/>
-              </a:p>
-            </p:txBody>
-          </p:sp>
-          <p:sp>
-            <p:nvSpPr>
-              <p:cNvPr id="390" name="rc40">
-                <a:extLst>
-                  <a:ext uri="{FF2B5EF4-FFF2-40B4-BE49-F238E27FC236}">
-                    <a16:creationId xmlns:a16="http://schemas.microsoft.com/office/drawing/2014/main" id="{CA17F5A0-A45D-AC41-4DD2-A6CCCB5A1872}"/>
-                  </a:ext>
-                </a:extLst>
-              </p:cNvPr>
-              <p:cNvSpPr/>
-              <p:nvPr/>
-            </p:nvSpPr>
-            <p:spPr>
-              <a:xfrm>
-                <a:off x="6001456" y="6036589"/>
-                <a:ext cx="359491" cy="105151"/>
-              </a:xfrm>
-              <a:prstGeom prst="rect">
-                <a:avLst/>
-              </a:prstGeom>
-              <a:solidFill>
-                <a:srgbClr val="A7CFE4">
-                  <a:alpha val="100000"/>
-                </a:srgbClr>
-              </a:solidFill>
-              <a:ln w="9525" cap="rnd">
-                <a:solidFill>
-                  <a:srgbClr val="A7CFE4">
-                    <a:alpha val="100000"/>
-                  </a:srgbClr>
-                </a:solidFill>
-                <a:prstDash val="solid"/>
-                <a:round/>
-              </a:ln>
-            </p:spPr>
-            <p:txBody>
-              <a:bodyPr/>
-              <a:lstStyle/>
-              <a:p>
-                <a:endParaRPr/>
-              </a:p>
-            </p:txBody>
-          </p:sp>
-          <p:sp>
-            <p:nvSpPr>
-              <p:cNvPr id="391" name="rc41">
-                <a:extLst>
-                  <a:ext uri="{FF2B5EF4-FFF2-40B4-BE49-F238E27FC236}">
-                    <a16:creationId xmlns:a16="http://schemas.microsoft.com/office/drawing/2014/main" id="{3C8DF9F8-789B-C3CF-1BF8-E52A3BB6BB4C}"/>
-                  </a:ext>
-                </a:extLst>
-              </p:cNvPr>
-              <p:cNvSpPr/>
-              <p:nvPr/>
-            </p:nvSpPr>
-            <p:spPr>
-              <a:xfrm>
-                <a:off x="6360948" y="6036589"/>
-                <a:ext cx="359491" cy="105151"/>
-              </a:xfrm>
-              <a:prstGeom prst="rect">
-                <a:avLst/>
-              </a:prstGeom>
-              <a:solidFill>
-                <a:srgbClr val="549EC9">
-                  <a:alpha val="100000"/>
-                </a:srgbClr>
-              </a:solidFill>
-              <a:ln w="9525" cap="rnd">
-                <a:solidFill>
-                  <a:srgbClr val="549EC9">
-                    <a:alpha val="100000"/>
-                  </a:srgbClr>
-                </a:solidFill>
-                <a:prstDash val="solid"/>
-                <a:round/>
-              </a:ln>
-            </p:spPr>
-            <p:txBody>
-              <a:bodyPr/>
-              <a:lstStyle/>
-              <a:p>
-                <a:endParaRPr/>
-              </a:p>
-            </p:txBody>
-          </p:sp>
-          <p:sp>
-            <p:nvSpPr>
-              <p:cNvPr id="392" name="rc42">
-                <a:extLst>
-                  <a:ext uri="{FF2B5EF4-FFF2-40B4-BE49-F238E27FC236}">
-                    <a16:creationId xmlns:a16="http://schemas.microsoft.com/office/drawing/2014/main" id="{681CCA30-59F3-4A86-B13A-32C6D07FFED2}"/>
-                  </a:ext>
-                </a:extLst>
-              </p:cNvPr>
-              <p:cNvSpPr/>
-              <p:nvPr/>
-            </p:nvSpPr>
-            <p:spPr>
-              <a:xfrm>
-                <a:off x="6720440" y="6036589"/>
-                <a:ext cx="359491" cy="105151"/>
-              </a:xfrm>
-              <a:prstGeom prst="rect">
-                <a:avLst/>
-              </a:prstGeom>
-              <a:solidFill>
-                <a:srgbClr val="246BAE">
-                  <a:alpha val="100000"/>
-                </a:srgbClr>
-              </a:solidFill>
-              <a:ln w="9525" cap="rnd">
-                <a:solidFill>
-                  <a:srgbClr val="246BAE">
-                    <a:alpha val="100000"/>
-                  </a:srgbClr>
-                </a:solidFill>
-                <a:prstDash val="solid"/>
-                <a:round/>
-              </a:ln>
-            </p:spPr>
-            <p:txBody>
-              <a:bodyPr/>
-              <a:lstStyle/>
-              <a:p>
-                <a:endParaRPr/>
-              </a:p>
-            </p:txBody>
-          </p:sp>
-          <p:sp>
-            <p:nvSpPr>
-              <p:cNvPr id="393" name="rc43">
-                <a:extLst>
-                  <a:ext uri="{FF2B5EF4-FFF2-40B4-BE49-F238E27FC236}">
-                    <a16:creationId xmlns:a16="http://schemas.microsoft.com/office/drawing/2014/main" id="{83245330-E4F6-B603-63E1-78FF2B0C5484}"/>
-                  </a:ext>
-                </a:extLst>
-              </p:cNvPr>
-              <p:cNvSpPr/>
-              <p:nvPr/>
-            </p:nvSpPr>
-            <p:spPr>
-              <a:xfrm>
-                <a:off x="7079932" y="6036589"/>
-                <a:ext cx="359491" cy="105151"/>
-              </a:xfrm>
-              <a:prstGeom prst="rect">
-                <a:avLst/>
-              </a:prstGeom>
-              <a:solidFill>
-                <a:srgbClr val="053061">
-                  <a:alpha val="100000"/>
-                </a:srgbClr>
-              </a:solidFill>
-              <a:ln w="9525" cap="rnd">
-                <a:solidFill>
-                  <a:srgbClr val="053061">
-                    <a:alpha val="100000"/>
-                  </a:srgbClr>
-                </a:solidFill>
-                <a:prstDash val="solid"/>
-                <a:round/>
-              </a:ln>
-            </p:spPr>
-            <p:txBody>
-              <a:bodyPr/>
-              <a:lstStyle/>
-              <a:p>
-                <a:endParaRPr/>
-              </a:p>
-            </p:txBody>
-          </p:sp>
-          <p:sp>
-            <p:nvSpPr>
-              <p:cNvPr id="394" name="rc44">
-                <a:extLst>
-                  <a:ext uri="{FF2B5EF4-FFF2-40B4-BE49-F238E27FC236}">
-                    <a16:creationId xmlns:a16="http://schemas.microsoft.com/office/drawing/2014/main" id="{B7DA36F3-A5B9-555E-7F24-7ACE44E571AB}"/>
-                  </a:ext>
-                </a:extLst>
-              </p:cNvPr>
-              <p:cNvSpPr/>
-              <p:nvPr/>
-            </p:nvSpPr>
-            <p:spPr>
-              <a:xfrm>
-                <a:off x="3844504" y="6036589"/>
-                <a:ext cx="3594919" cy="105151"/>
-              </a:xfrm>
-              <a:prstGeom prst="rect">
-                <a:avLst/>
-              </a:prstGeom>
-              <a:ln w="9525" cap="rnd">
-                <a:solidFill>
-                  <a:srgbClr val="000000">
-                    <a:alpha val="100000"/>
-                  </a:srgbClr>
-                </a:solidFill>
-                <a:prstDash val="solid"/>
-                <a:round/>
-              </a:ln>
-            </p:spPr>
-            <p:txBody>
-              <a:bodyPr/>
-              <a:lstStyle/>
-              <a:p>
-                <a:endParaRPr/>
-              </a:p>
-            </p:txBody>
-          </p:sp>
-          <p:sp>
-            <p:nvSpPr>
-              <p:cNvPr id="395" name="pl45">
-                <a:extLst>
-                  <a:ext uri="{FF2B5EF4-FFF2-40B4-BE49-F238E27FC236}">
-                    <a16:creationId xmlns:a16="http://schemas.microsoft.com/office/drawing/2014/main" id="{EB2182A0-E235-1312-863E-AFEB10F8821B}"/>
-                  </a:ext>
-                </a:extLst>
-              </p:cNvPr>
-              <p:cNvSpPr/>
-              <p:nvPr/>
-            </p:nvSpPr>
-            <p:spPr>
-              <a:xfrm>
-                <a:off x="3844504" y="6141741"/>
-                <a:ext cx="0" cy="21030"/>
-              </a:xfrm>
-              <a:custGeom>
-                <a:avLst/>
-                <a:gdLst/>
-                <a:ahLst/>
-                <a:cxnLst/>
-                <a:rect l="0" t="0" r="0" b="0"/>
-                <a:pathLst>
-                  <a:path h="21030">
-                    <a:moveTo>
-                      <a:pt x="0" y="0"/>
-                    </a:moveTo>
-                    <a:lnTo>
-                      <a:pt x="0" y="21030"/>
-                    </a:lnTo>
-                  </a:path>
-                </a:pathLst>
-              </a:custGeom>
-              <a:ln w="9525" cap="rnd">
-                <a:solidFill>
-                  <a:srgbClr val="000000">
-                    <a:alpha val="100000"/>
-                  </a:srgbClr>
-                </a:solidFill>
-                <a:prstDash val="solid"/>
-                <a:round/>
-              </a:ln>
-            </p:spPr>
-            <p:txBody>
-              <a:bodyPr/>
-              <a:lstStyle/>
-              <a:p>
-                <a:endParaRPr/>
-              </a:p>
-            </p:txBody>
-          </p:sp>
-          <p:sp>
-            <p:nvSpPr>
-              <p:cNvPr id="396" name="pl46">
-                <a:extLst>
-                  <a:ext uri="{FF2B5EF4-FFF2-40B4-BE49-F238E27FC236}">
-                    <a16:creationId xmlns:a16="http://schemas.microsoft.com/office/drawing/2014/main" id="{691A6EB0-810B-04D8-1083-95EFD0311582}"/>
-                  </a:ext>
-                </a:extLst>
-              </p:cNvPr>
-              <p:cNvSpPr/>
-              <p:nvPr/>
-            </p:nvSpPr>
-            <p:spPr>
-              <a:xfrm>
-                <a:off x="4203996" y="6141741"/>
-                <a:ext cx="0" cy="21030"/>
-              </a:xfrm>
-              <a:custGeom>
-                <a:avLst/>
-                <a:gdLst/>
-                <a:ahLst/>
-                <a:cxnLst/>
-                <a:rect l="0" t="0" r="0" b="0"/>
-                <a:pathLst>
-                  <a:path h="21030">
-                    <a:moveTo>
-                      <a:pt x="0" y="0"/>
-                    </a:moveTo>
-                    <a:lnTo>
-                      <a:pt x="0" y="21030"/>
-                    </a:lnTo>
-                  </a:path>
-                </a:pathLst>
-              </a:custGeom>
-              <a:ln w="9525" cap="rnd">
-                <a:solidFill>
-                  <a:srgbClr val="000000">
-                    <a:alpha val="100000"/>
-                  </a:srgbClr>
-                </a:solidFill>
-                <a:prstDash val="solid"/>
-                <a:round/>
-              </a:ln>
-            </p:spPr>
-            <p:txBody>
-              <a:bodyPr/>
-              <a:lstStyle/>
-              <a:p>
-                <a:endParaRPr/>
-              </a:p>
-            </p:txBody>
-          </p:sp>
-          <p:sp>
-            <p:nvSpPr>
-              <p:cNvPr id="397" name="pl47">
-                <a:extLst>
-                  <a:ext uri="{FF2B5EF4-FFF2-40B4-BE49-F238E27FC236}">
-                    <a16:creationId xmlns:a16="http://schemas.microsoft.com/office/drawing/2014/main" id="{D4B7E6B1-6BB9-93AA-78E8-5FB277A4B426}"/>
-                  </a:ext>
-                </a:extLst>
-              </p:cNvPr>
-              <p:cNvSpPr/>
-              <p:nvPr/>
-            </p:nvSpPr>
-            <p:spPr>
-              <a:xfrm>
-                <a:off x="4563488" y="6141741"/>
-                <a:ext cx="0" cy="21030"/>
-              </a:xfrm>
-              <a:custGeom>
-                <a:avLst/>
-                <a:gdLst/>
-                <a:ahLst/>
-                <a:cxnLst/>
-                <a:rect l="0" t="0" r="0" b="0"/>
-                <a:pathLst>
-                  <a:path h="21030">
-                    <a:moveTo>
-                      <a:pt x="0" y="0"/>
-                    </a:moveTo>
-                    <a:lnTo>
-                      <a:pt x="0" y="21030"/>
-                    </a:lnTo>
-                  </a:path>
-                </a:pathLst>
-              </a:custGeom>
-              <a:ln w="9525" cap="rnd">
-                <a:solidFill>
-                  <a:srgbClr val="000000">
-                    <a:alpha val="100000"/>
-                  </a:srgbClr>
-                </a:solidFill>
-                <a:prstDash val="solid"/>
-                <a:round/>
-              </a:ln>
-            </p:spPr>
-            <p:txBody>
-              <a:bodyPr/>
-              <a:lstStyle/>
-              <a:p>
-                <a:endParaRPr/>
-              </a:p>
-            </p:txBody>
-          </p:sp>
-          <p:sp>
-            <p:nvSpPr>
-              <p:cNvPr id="398" name="pl48">
-                <a:extLst>
-                  <a:ext uri="{FF2B5EF4-FFF2-40B4-BE49-F238E27FC236}">
-                    <a16:creationId xmlns:a16="http://schemas.microsoft.com/office/drawing/2014/main" id="{69ACCA75-2D7A-B342-68F6-68098EC4230D}"/>
-                  </a:ext>
-                </a:extLst>
-              </p:cNvPr>
-              <p:cNvSpPr/>
-              <p:nvPr/>
-            </p:nvSpPr>
-            <p:spPr>
-              <a:xfrm>
-                <a:off x="4922980" y="6141741"/>
-                <a:ext cx="0" cy="21030"/>
-              </a:xfrm>
-              <a:custGeom>
-                <a:avLst/>
-                <a:gdLst/>
-                <a:ahLst/>
-                <a:cxnLst/>
-                <a:rect l="0" t="0" r="0" b="0"/>
-                <a:pathLst>
-                  <a:path h="21030">
-                    <a:moveTo>
-                      <a:pt x="0" y="0"/>
-                    </a:moveTo>
-                    <a:lnTo>
-                      <a:pt x="0" y="21030"/>
-                    </a:lnTo>
-                  </a:path>
-                </a:pathLst>
-              </a:custGeom>
-              <a:ln w="9525" cap="rnd">
-                <a:solidFill>
-                  <a:srgbClr val="000000">
-                    <a:alpha val="100000"/>
-                  </a:srgbClr>
-                </a:solidFill>
-                <a:prstDash val="solid"/>
-                <a:round/>
-              </a:ln>
-            </p:spPr>
-            <p:txBody>
-              <a:bodyPr/>
-              <a:lstStyle/>
-              <a:p>
-                <a:endParaRPr/>
-              </a:p>
-            </p:txBody>
-          </p:sp>
-          <p:sp>
-            <p:nvSpPr>
-              <p:cNvPr id="399" name="pl49">
-                <a:extLst>
-                  <a:ext uri="{FF2B5EF4-FFF2-40B4-BE49-F238E27FC236}">
-                    <a16:creationId xmlns:a16="http://schemas.microsoft.com/office/drawing/2014/main" id="{8B58C62F-5EDC-9E5E-3CAB-9B8114EDDE03}"/>
-                  </a:ext>
-                </a:extLst>
-              </p:cNvPr>
-              <p:cNvSpPr/>
-              <p:nvPr/>
-            </p:nvSpPr>
-            <p:spPr>
-              <a:xfrm>
-                <a:off x="5282472" y="6141741"/>
-                <a:ext cx="0" cy="21030"/>
-              </a:xfrm>
-              <a:custGeom>
-                <a:avLst/>
-                <a:gdLst/>
-                <a:ahLst/>
-                <a:cxnLst/>
-                <a:rect l="0" t="0" r="0" b="0"/>
-                <a:pathLst>
-                  <a:path h="21030">
-                    <a:moveTo>
-                      <a:pt x="0" y="0"/>
-                    </a:moveTo>
-                    <a:lnTo>
-                      <a:pt x="0" y="21030"/>
-                    </a:lnTo>
-                  </a:path>
-                </a:pathLst>
-              </a:custGeom>
-              <a:ln w="9525" cap="rnd">
-                <a:solidFill>
-                  <a:srgbClr val="000000">
-                    <a:alpha val="100000"/>
-                  </a:srgbClr>
-                </a:solidFill>
-                <a:prstDash val="solid"/>
-                <a:round/>
-              </a:ln>
-            </p:spPr>
-            <p:txBody>
-              <a:bodyPr/>
-              <a:lstStyle/>
-              <a:p>
-                <a:endParaRPr/>
-              </a:p>
-            </p:txBody>
-          </p:sp>
-          <p:sp>
-            <p:nvSpPr>
-              <p:cNvPr id="400" name="pl50">
-                <a:extLst>
-                  <a:ext uri="{FF2B5EF4-FFF2-40B4-BE49-F238E27FC236}">
-                    <a16:creationId xmlns:a16="http://schemas.microsoft.com/office/drawing/2014/main" id="{3CE39697-06F0-5599-26F8-14354370B21E}"/>
-                  </a:ext>
-                </a:extLst>
-              </p:cNvPr>
-              <p:cNvSpPr/>
-              <p:nvPr/>
-            </p:nvSpPr>
-            <p:spPr>
-              <a:xfrm>
-                <a:off x="5641964" y="6141741"/>
-                <a:ext cx="0" cy="21030"/>
-              </a:xfrm>
-              <a:custGeom>
-                <a:avLst/>
-                <a:gdLst/>
-                <a:ahLst/>
-                <a:cxnLst/>
-                <a:rect l="0" t="0" r="0" b="0"/>
-                <a:pathLst>
-                  <a:path h="21030">
-                    <a:moveTo>
-                      <a:pt x="0" y="0"/>
-                    </a:moveTo>
-                    <a:lnTo>
-                      <a:pt x="0" y="21030"/>
-                    </a:lnTo>
-                  </a:path>
-                </a:pathLst>
-              </a:custGeom>
-              <a:ln w="9525" cap="rnd">
-                <a:solidFill>
-                  <a:srgbClr val="000000">
-                    <a:alpha val="100000"/>
-                  </a:srgbClr>
-                </a:solidFill>
-                <a:prstDash val="solid"/>
-                <a:round/>
-              </a:ln>
-            </p:spPr>
-            <p:txBody>
-              <a:bodyPr/>
-              <a:lstStyle/>
-              <a:p>
-                <a:endParaRPr/>
-              </a:p>
-            </p:txBody>
-          </p:sp>
-          <p:sp>
-            <p:nvSpPr>
-              <p:cNvPr id="401" name="pl51">
-                <a:extLst>
-                  <a:ext uri="{FF2B5EF4-FFF2-40B4-BE49-F238E27FC236}">
-                    <a16:creationId xmlns:a16="http://schemas.microsoft.com/office/drawing/2014/main" id="{9344A17C-FA2E-0121-6625-6BE37FAE8536}"/>
-                  </a:ext>
-                </a:extLst>
-              </p:cNvPr>
-              <p:cNvSpPr/>
-              <p:nvPr/>
-            </p:nvSpPr>
-            <p:spPr>
-              <a:xfrm>
-                <a:off x="6001456" y="6141741"/>
-                <a:ext cx="0" cy="21030"/>
-              </a:xfrm>
-              <a:custGeom>
-                <a:avLst/>
-                <a:gdLst/>
-                <a:ahLst/>
-                <a:cxnLst/>
-                <a:rect l="0" t="0" r="0" b="0"/>
-                <a:pathLst>
-                  <a:path h="21030">
-                    <a:moveTo>
-                      <a:pt x="0" y="0"/>
-                    </a:moveTo>
-                    <a:lnTo>
-                      <a:pt x="0" y="21030"/>
-                    </a:lnTo>
-                  </a:path>
-                </a:pathLst>
-              </a:custGeom>
-              <a:ln w="9525" cap="rnd">
-                <a:solidFill>
-                  <a:srgbClr val="000000">
-                    <a:alpha val="100000"/>
-                  </a:srgbClr>
-                </a:solidFill>
-                <a:prstDash val="solid"/>
-                <a:round/>
-              </a:ln>
-            </p:spPr>
-            <p:txBody>
-              <a:bodyPr/>
-              <a:lstStyle/>
-              <a:p>
-                <a:endParaRPr/>
-              </a:p>
-            </p:txBody>
-          </p:sp>
-          <p:sp>
-            <p:nvSpPr>
-              <p:cNvPr id="402" name="pl52">
-                <a:extLst>
-                  <a:ext uri="{FF2B5EF4-FFF2-40B4-BE49-F238E27FC236}">
-                    <a16:creationId xmlns:a16="http://schemas.microsoft.com/office/drawing/2014/main" id="{1B4B6A84-9C8D-BE43-E6E6-4277D5F4919E}"/>
-                  </a:ext>
-                </a:extLst>
-              </p:cNvPr>
-              <p:cNvSpPr/>
-              <p:nvPr/>
-            </p:nvSpPr>
-            <p:spPr>
-              <a:xfrm>
-                <a:off x="6360948" y="6141741"/>
-                <a:ext cx="0" cy="21030"/>
-              </a:xfrm>
-              <a:custGeom>
-                <a:avLst/>
-                <a:gdLst/>
-                <a:ahLst/>
-                <a:cxnLst/>
-                <a:rect l="0" t="0" r="0" b="0"/>
-                <a:pathLst>
-                  <a:path h="21030">
-                    <a:moveTo>
-                      <a:pt x="0" y="0"/>
-                    </a:moveTo>
-                    <a:lnTo>
-                      <a:pt x="0" y="21030"/>
-                    </a:lnTo>
-                  </a:path>
-                </a:pathLst>
-              </a:custGeom>
-              <a:ln w="9525" cap="rnd">
-                <a:solidFill>
-                  <a:srgbClr val="000000">
-                    <a:alpha val="100000"/>
-                  </a:srgbClr>
-                </a:solidFill>
-                <a:prstDash val="solid"/>
-                <a:round/>
-              </a:ln>
-            </p:spPr>
-            <p:txBody>
-              <a:bodyPr/>
-              <a:lstStyle/>
-              <a:p>
-                <a:endParaRPr/>
-              </a:p>
-            </p:txBody>
-          </p:sp>
-          <p:sp>
-            <p:nvSpPr>
-              <p:cNvPr id="403" name="pl53">
-                <a:extLst>
-                  <a:ext uri="{FF2B5EF4-FFF2-40B4-BE49-F238E27FC236}">
-                    <a16:creationId xmlns:a16="http://schemas.microsoft.com/office/drawing/2014/main" id="{377E4D0E-4A97-3689-22A0-37A9DBA15926}"/>
-                  </a:ext>
-                </a:extLst>
-              </p:cNvPr>
-              <p:cNvSpPr/>
-              <p:nvPr/>
-            </p:nvSpPr>
-            <p:spPr>
-              <a:xfrm>
-                <a:off x="6720440" y="6141741"/>
-                <a:ext cx="0" cy="21030"/>
-              </a:xfrm>
-              <a:custGeom>
-                <a:avLst/>
-                <a:gdLst/>
-                <a:ahLst/>
-                <a:cxnLst/>
-                <a:rect l="0" t="0" r="0" b="0"/>
-                <a:pathLst>
-                  <a:path h="21030">
-                    <a:moveTo>
-                      <a:pt x="0" y="0"/>
-                    </a:moveTo>
-                    <a:lnTo>
-                      <a:pt x="0" y="21030"/>
-                    </a:lnTo>
-                  </a:path>
-                </a:pathLst>
-              </a:custGeom>
-              <a:ln w="9525" cap="rnd">
-                <a:solidFill>
-                  <a:srgbClr val="000000">
-                    <a:alpha val="100000"/>
-                  </a:srgbClr>
-                </a:solidFill>
-                <a:prstDash val="solid"/>
-                <a:round/>
-              </a:ln>
-            </p:spPr>
-            <p:txBody>
-              <a:bodyPr/>
-              <a:lstStyle/>
-              <a:p>
-                <a:endParaRPr/>
-              </a:p>
-            </p:txBody>
-          </p:sp>
-          <p:sp>
-            <p:nvSpPr>
-              <p:cNvPr id="404" name="pl54">
-                <a:extLst>
-                  <a:ext uri="{FF2B5EF4-FFF2-40B4-BE49-F238E27FC236}">
-                    <a16:creationId xmlns:a16="http://schemas.microsoft.com/office/drawing/2014/main" id="{29DE93B4-307A-081B-9E6B-10806F029BDB}"/>
-                  </a:ext>
-                </a:extLst>
-              </p:cNvPr>
-              <p:cNvSpPr/>
-              <p:nvPr/>
-            </p:nvSpPr>
-            <p:spPr>
-              <a:xfrm>
-                <a:off x="7079932" y="6141741"/>
-                <a:ext cx="0" cy="21030"/>
-              </a:xfrm>
-              <a:custGeom>
-                <a:avLst/>
-                <a:gdLst/>
-                <a:ahLst/>
-                <a:cxnLst/>
-                <a:rect l="0" t="0" r="0" b="0"/>
-                <a:pathLst>
-                  <a:path h="21030">
-                    <a:moveTo>
-                      <a:pt x="0" y="0"/>
-                    </a:moveTo>
-                    <a:lnTo>
-                      <a:pt x="0" y="21030"/>
-                    </a:lnTo>
-                  </a:path>
-                </a:pathLst>
-              </a:custGeom>
-              <a:ln w="9525" cap="rnd">
-                <a:solidFill>
-                  <a:srgbClr val="000000">
-                    <a:alpha val="100000"/>
-                  </a:srgbClr>
-                </a:solidFill>
-                <a:prstDash val="solid"/>
-                <a:round/>
-              </a:ln>
-            </p:spPr>
-            <p:txBody>
-              <a:bodyPr/>
-              <a:lstStyle/>
-              <a:p>
-                <a:endParaRPr/>
-              </a:p>
-            </p:txBody>
-          </p:sp>
-          <p:sp>
-            <p:nvSpPr>
-              <p:cNvPr id="405" name="pl55">
-                <a:extLst>
-                  <a:ext uri="{FF2B5EF4-FFF2-40B4-BE49-F238E27FC236}">
-                    <a16:creationId xmlns:a16="http://schemas.microsoft.com/office/drawing/2014/main" id="{14985401-87CD-2E9F-C99B-9BF0E48D4E5D}"/>
-                  </a:ext>
-                </a:extLst>
-              </p:cNvPr>
-              <p:cNvSpPr/>
-              <p:nvPr/>
-            </p:nvSpPr>
-            <p:spPr>
-              <a:xfrm>
-                <a:off x="7439423" y="6141741"/>
-                <a:ext cx="0" cy="21030"/>
-              </a:xfrm>
-              <a:custGeom>
-                <a:avLst/>
-                <a:gdLst/>
-                <a:ahLst/>
-                <a:cxnLst/>
-                <a:rect l="0" t="0" r="0" b="0"/>
-                <a:pathLst>
-                  <a:path h="21030">
-                    <a:moveTo>
-                      <a:pt x="0" y="0"/>
-                    </a:moveTo>
-                    <a:lnTo>
-                      <a:pt x="0" y="21030"/>
-                    </a:lnTo>
-                  </a:path>
-                </a:pathLst>
-              </a:custGeom>
-              <a:ln w="9525" cap="rnd">
-                <a:solidFill>
-                  <a:srgbClr val="000000">
-                    <a:alpha val="100000"/>
-                  </a:srgbClr>
-                </a:solidFill>
-                <a:prstDash val="solid"/>
-                <a:round/>
-              </a:ln>
-            </p:spPr>
-            <p:txBody>
-              <a:bodyPr/>
-              <a:lstStyle/>
-              <a:p>
-                <a:endParaRPr/>
-              </a:p>
-            </p:txBody>
-          </p:sp>
-          <p:sp>
-            <p:nvSpPr>
-              <p:cNvPr id="406" name="tx56">
-                <a:extLst>
-                  <a:ext uri="{FF2B5EF4-FFF2-40B4-BE49-F238E27FC236}">
-                    <a16:creationId xmlns:a16="http://schemas.microsoft.com/office/drawing/2014/main" id="{D2D1ACE7-7C7C-B11B-D201-D73859477662}"/>
-                  </a:ext>
-                </a:extLst>
-              </p:cNvPr>
-              <p:cNvSpPr/>
-              <p:nvPr/>
-            </p:nvSpPr>
-            <p:spPr>
-              <a:xfrm>
-                <a:off x="3776750" y="6235579"/>
-                <a:ext cx="135508" cy="109537"/>
-              </a:xfrm>
-              <a:prstGeom prst="rect">
-                <a:avLst/>
-              </a:prstGeom>
-              <a:noFill/>
-            </p:spPr>
-            <p:txBody>
-              <a:bodyPr wrap="none" lIns="0" tIns="0" rIns="0" bIns="0" anchor="ctr" anchorCtr="1"/>
-              <a:lstStyle/>
-              <a:p>
-                <a:pPr marL="0" marR="0" indent="0" algn="l">
-                  <a:lnSpc>
-                    <a:spcPts val="1200"/>
-                  </a:lnSpc>
-                  <a:spcBef>
-                    <a:spcPts val="0"/>
-                  </a:spcBef>
-                  <a:spcAft>
-                    <a:spcPts val="0"/>
-                  </a:spcAft>
-                </a:pPr>
-                <a:r>
-                  <a:rPr sz="1200">
-                    <a:solidFill>
-                      <a:srgbClr val="000000">
-                        <a:alpha val="100000"/>
-                      </a:srgbClr>
-                    </a:solidFill>
-                    <a:latin typeface="Arial"/>
-                    <a:cs typeface="Arial"/>
-                  </a:rPr>
-                  <a:t>-1</a:t>
-                </a:r>
-              </a:p>
-            </p:txBody>
-          </p:sp>
-          <p:sp>
-            <p:nvSpPr>
-              <p:cNvPr id="407" name="tx57">
-                <a:extLst>
-                  <a:ext uri="{FF2B5EF4-FFF2-40B4-BE49-F238E27FC236}">
-                    <a16:creationId xmlns:a16="http://schemas.microsoft.com/office/drawing/2014/main" id="{BC17F825-E5D0-B635-98C6-964C072C5E11}"/>
-                  </a:ext>
-                </a:extLst>
-              </p:cNvPr>
-              <p:cNvSpPr/>
-              <p:nvPr/>
-            </p:nvSpPr>
-            <p:spPr>
-              <a:xfrm>
-                <a:off x="4072692" y="6233719"/>
-                <a:ext cx="262607" cy="111397"/>
-              </a:xfrm>
-              <a:prstGeom prst="rect">
-                <a:avLst/>
-              </a:prstGeom>
-              <a:noFill/>
-            </p:spPr>
-            <p:txBody>
-              <a:bodyPr wrap="none" lIns="0" tIns="0" rIns="0" bIns="0" anchor="ctr" anchorCtr="1"/>
-              <a:lstStyle/>
-              <a:p>
-                <a:pPr marL="0" marR="0" indent="0" algn="l">
-                  <a:lnSpc>
-                    <a:spcPts val="1200"/>
-                  </a:lnSpc>
-                  <a:spcBef>
-                    <a:spcPts val="0"/>
-                  </a:spcBef>
-                  <a:spcAft>
-                    <a:spcPts val="0"/>
-                  </a:spcAft>
-                </a:pPr>
-                <a:r>
-                  <a:rPr sz="1200">
-                    <a:solidFill>
-                      <a:srgbClr val="000000">
-                        <a:alpha val="100000"/>
-                      </a:srgbClr>
-                    </a:solidFill>
-                    <a:latin typeface="Arial"/>
-                    <a:cs typeface="Arial"/>
-                  </a:rPr>
-                  <a:t>-0.8</a:t>
-                </a:r>
-              </a:p>
-            </p:txBody>
-          </p:sp>
-          <p:sp>
-            <p:nvSpPr>
-              <p:cNvPr id="408" name="tx58">
-                <a:extLst>
-                  <a:ext uri="{FF2B5EF4-FFF2-40B4-BE49-F238E27FC236}">
-                    <a16:creationId xmlns:a16="http://schemas.microsoft.com/office/drawing/2014/main" id="{036D2692-24F2-C3A9-91AA-4D163E804EA8}"/>
-                  </a:ext>
-                </a:extLst>
-              </p:cNvPr>
-              <p:cNvSpPr/>
-              <p:nvPr/>
-            </p:nvSpPr>
-            <p:spPr>
-              <a:xfrm>
-                <a:off x="4432184" y="6233719"/>
-                <a:ext cx="262607" cy="111397"/>
-              </a:xfrm>
-              <a:prstGeom prst="rect">
-                <a:avLst/>
-              </a:prstGeom>
-              <a:noFill/>
-            </p:spPr>
-            <p:txBody>
-              <a:bodyPr wrap="none" lIns="0" tIns="0" rIns="0" bIns="0" anchor="ctr" anchorCtr="1"/>
-              <a:lstStyle/>
-              <a:p>
-                <a:pPr marL="0" marR="0" indent="0" algn="l">
-                  <a:lnSpc>
-                    <a:spcPts val="1200"/>
-                  </a:lnSpc>
-                  <a:spcBef>
-                    <a:spcPts val="0"/>
-                  </a:spcBef>
-                  <a:spcAft>
-                    <a:spcPts val="0"/>
-                  </a:spcAft>
-                </a:pPr>
-                <a:r>
-                  <a:rPr sz="1200">
-                    <a:solidFill>
-                      <a:srgbClr val="000000">
-                        <a:alpha val="100000"/>
-                      </a:srgbClr>
-                    </a:solidFill>
-                    <a:latin typeface="Arial"/>
-                    <a:cs typeface="Arial"/>
-                  </a:rPr>
-                  <a:t>-0.6</a:t>
-                </a:r>
-              </a:p>
-            </p:txBody>
-          </p:sp>
-          <p:sp>
-            <p:nvSpPr>
-              <p:cNvPr id="409" name="tx59">
-                <a:extLst>
-                  <a:ext uri="{FF2B5EF4-FFF2-40B4-BE49-F238E27FC236}">
-                    <a16:creationId xmlns:a16="http://schemas.microsoft.com/office/drawing/2014/main" id="{0D9D5DB4-0D40-B6B0-0D49-3AF27C71AFD5}"/>
-                  </a:ext>
-                </a:extLst>
-              </p:cNvPr>
-              <p:cNvSpPr/>
-              <p:nvPr/>
-            </p:nvSpPr>
-            <p:spPr>
-              <a:xfrm>
-                <a:off x="4791676" y="6233719"/>
-                <a:ext cx="262607" cy="111397"/>
-              </a:xfrm>
-              <a:prstGeom prst="rect">
-                <a:avLst/>
-              </a:prstGeom>
-              <a:noFill/>
-            </p:spPr>
-            <p:txBody>
-              <a:bodyPr wrap="none" lIns="0" tIns="0" rIns="0" bIns="0" anchor="ctr" anchorCtr="1"/>
-              <a:lstStyle/>
-              <a:p>
-                <a:pPr marL="0" marR="0" indent="0" algn="l">
-                  <a:lnSpc>
-                    <a:spcPts val="1200"/>
-                  </a:lnSpc>
-                  <a:spcBef>
-                    <a:spcPts val="0"/>
-                  </a:spcBef>
-                  <a:spcAft>
-                    <a:spcPts val="0"/>
-                  </a:spcAft>
-                </a:pPr>
-                <a:r>
-                  <a:rPr sz="1200">
-                    <a:solidFill>
-                      <a:srgbClr val="000000">
-                        <a:alpha val="100000"/>
-                      </a:srgbClr>
-                    </a:solidFill>
-                    <a:latin typeface="Arial"/>
-                    <a:cs typeface="Arial"/>
-                  </a:rPr>
-                  <a:t>-0.4</a:t>
-                </a:r>
-              </a:p>
-            </p:txBody>
-          </p:sp>
-          <p:sp>
-            <p:nvSpPr>
-              <p:cNvPr id="410" name="tx60">
-                <a:extLst>
-                  <a:ext uri="{FF2B5EF4-FFF2-40B4-BE49-F238E27FC236}">
-                    <a16:creationId xmlns:a16="http://schemas.microsoft.com/office/drawing/2014/main" id="{3CD597E0-EA6E-0A61-CAF7-3FD2BFD889C9}"/>
-                  </a:ext>
-                </a:extLst>
-              </p:cNvPr>
-              <p:cNvSpPr/>
-              <p:nvPr/>
-            </p:nvSpPr>
-            <p:spPr>
-              <a:xfrm>
-                <a:off x="5151168" y="6233719"/>
-                <a:ext cx="262607" cy="111397"/>
-              </a:xfrm>
-              <a:prstGeom prst="rect">
-                <a:avLst/>
-              </a:prstGeom>
-              <a:noFill/>
-            </p:spPr>
-            <p:txBody>
-              <a:bodyPr wrap="none" lIns="0" tIns="0" rIns="0" bIns="0" anchor="ctr" anchorCtr="1"/>
-              <a:lstStyle/>
-              <a:p>
-                <a:pPr marL="0" marR="0" indent="0" algn="l">
-                  <a:lnSpc>
-                    <a:spcPts val="1200"/>
-                  </a:lnSpc>
-                  <a:spcBef>
-                    <a:spcPts val="0"/>
-                  </a:spcBef>
-                  <a:spcAft>
-                    <a:spcPts val="0"/>
-                  </a:spcAft>
-                </a:pPr>
-                <a:r>
-                  <a:rPr sz="1200">
-                    <a:solidFill>
-                      <a:srgbClr val="000000">
-                        <a:alpha val="100000"/>
-                      </a:srgbClr>
-                    </a:solidFill>
-                    <a:latin typeface="Arial"/>
-                    <a:cs typeface="Arial"/>
-                  </a:rPr>
-                  <a:t>-0.2</a:t>
-                </a:r>
-              </a:p>
-            </p:txBody>
-          </p:sp>
-          <p:sp>
-            <p:nvSpPr>
-              <p:cNvPr id="411" name="tx61">
-                <a:extLst>
-                  <a:ext uri="{FF2B5EF4-FFF2-40B4-BE49-F238E27FC236}">
-                    <a16:creationId xmlns:a16="http://schemas.microsoft.com/office/drawing/2014/main" id="{ADB4FD37-F28C-EF68-EAE5-FCD561E70C03}"/>
-                  </a:ext>
-                </a:extLst>
-              </p:cNvPr>
-              <p:cNvSpPr/>
-              <p:nvPr/>
-            </p:nvSpPr>
-            <p:spPr>
-              <a:xfrm>
-                <a:off x="5599585" y="6233719"/>
-                <a:ext cx="84757" cy="111397"/>
-              </a:xfrm>
-              <a:prstGeom prst="rect">
-                <a:avLst/>
-              </a:prstGeom>
-              <a:noFill/>
-            </p:spPr>
-            <p:txBody>
-              <a:bodyPr wrap="none" lIns="0" tIns="0" rIns="0" bIns="0" anchor="ctr" anchorCtr="1"/>
-              <a:lstStyle/>
-              <a:p>
-                <a:pPr marL="0" marR="0" indent="0" algn="l">
-                  <a:lnSpc>
-                    <a:spcPts val="1200"/>
-                  </a:lnSpc>
-                  <a:spcBef>
-                    <a:spcPts val="0"/>
-                  </a:spcBef>
-                  <a:spcAft>
-                    <a:spcPts val="0"/>
-                  </a:spcAft>
-                </a:pPr>
-                <a:r>
-                  <a:rPr sz="1200">
-                    <a:solidFill>
-                      <a:srgbClr val="000000">
-                        <a:alpha val="100000"/>
-                      </a:srgbClr>
-                    </a:solidFill>
-                    <a:latin typeface="Arial"/>
-                    <a:cs typeface="Arial"/>
-                  </a:rPr>
-                  <a:t>0</a:t>
-                </a:r>
-              </a:p>
-            </p:txBody>
-          </p:sp>
-          <p:sp>
-            <p:nvSpPr>
-              <p:cNvPr id="412" name="tx62">
-                <a:extLst>
-                  <a:ext uri="{FF2B5EF4-FFF2-40B4-BE49-F238E27FC236}">
-                    <a16:creationId xmlns:a16="http://schemas.microsoft.com/office/drawing/2014/main" id="{E226569A-EF4B-AB4A-61BF-0DAF517990E7}"/>
-                  </a:ext>
-                </a:extLst>
-              </p:cNvPr>
-              <p:cNvSpPr/>
-              <p:nvPr/>
-            </p:nvSpPr>
-            <p:spPr>
-              <a:xfrm>
-                <a:off x="5895527" y="6233719"/>
-                <a:ext cx="211856" cy="111397"/>
-              </a:xfrm>
-              <a:prstGeom prst="rect">
-                <a:avLst/>
-              </a:prstGeom>
-              <a:noFill/>
-            </p:spPr>
-            <p:txBody>
-              <a:bodyPr wrap="none" lIns="0" tIns="0" rIns="0" bIns="0" anchor="ctr" anchorCtr="1"/>
-              <a:lstStyle/>
-              <a:p>
-                <a:pPr marL="0" marR="0" indent="0" algn="l">
-                  <a:lnSpc>
-                    <a:spcPts val="1200"/>
-                  </a:lnSpc>
-                  <a:spcBef>
-                    <a:spcPts val="0"/>
-                  </a:spcBef>
-                  <a:spcAft>
-                    <a:spcPts val="0"/>
-                  </a:spcAft>
-                </a:pPr>
-                <a:r>
-                  <a:rPr sz="1200">
-                    <a:solidFill>
-                      <a:srgbClr val="000000">
-                        <a:alpha val="100000"/>
-                      </a:srgbClr>
-                    </a:solidFill>
-                    <a:latin typeface="Arial"/>
-                    <a:cs typeface="Arial"/>
-                  </a:rPr>
-                  <a:t>0.2</a:t>
-                </a:r>
-              </a:p>
-            </p:txBody>
-          </p:sp>
-          <p:sp>
-            <p:nvSpPr>
-              <p:cNvPr id="413" name="tx63">
-                <a:extLst>
-                  <a:ext uri="{FF2B5EF4-FFF2-40B4-BE49-F238E27FC236}">
-                    <a16:creationId xmlns:a16="http://schemas.microsoft.com/office/drawing/2014/main" id="{CD7157CC-3AE1-E5DF-268A-5F3D96852320}"/>
-                  </a:ext>
-                </a:extLst>
-              </p:cNvPr>
-              <p:cNvSpPr/>
-              <p:nvPr/>
-            </p:nvSpPr>
-            <p:spPr>
-              <a:xfrm>
-                <a:off x="6255019" y="6233719"/>
-                <a:ext cx="211856" cy="111397"/>
-              </a:xfrm>
-              <a:prstGeom prst="rect">
-                <a:avLst/>
-              </a:prstGeom>
-              <a:noFill/>
-            </p:spPr>
-            <p:txBody>
-              <a:bodyPr wrap="none" lIns="0" tIns="0" rIns="0" bIns="0" anchor="ctr" anchorCtr="1"/>
-              <a:lstStyle/>
-              <a:p>
-                <a:pPr marL="0" marR="0" indent="0" algn="l">
-                  <a:lnSpc>
-                    <a:spcPts val="1200"/>
-                  </a:lnSpc>
-                  <a:spcBef>
-                    <a:spcPts val="0"/>
-                  </a:spcBef>
-                  <a:spcAft>
-                    <a:spcPts val="0"/>
-                  </a:spcAft>
-                </a:pPr>
-                <a:r>
-                  <a:rPr sz="1200">
-                    <a:solidFill>
-                      <a:srgbClr val="000000">
-                        <a:alpha val="100000"/>
-                      </a:srgbClr>
-                    </a:solidFill>
-                    <a:latin typeface="Arial"/>
-                    <a:cs typeface="Arial"/>
-                  </a:rPr>
-                  <a:t>0.4</a:t>
-                </a:r>
-              </a:p>
-            </p:txBody>
-          </p:sp>
-          <p:sp>
-            <p:nvSpPr>
-              <p:cNvPr id="414" name="tx64">
-                <a:extLst>
-                  <a:ext uri="{FF2B5EF4-FFF2-40B4-BE49-F238E27FC236}">
-                    <a16:creationId xmlns:a16="http://schemas.microsoft.com/office/drawing/2014/main" id="{ECA0C6F0-CF11-D6D0-56D6-CF89A5ADC85E}"/>
-                  </a:ext>
-                </a:extLst>
-              </p:cNvPr>
-              <p:cNvSpPr/>
-              <p:nvPr/>
-            </p:nvSpPr>
-            <p:spPr>
-              <a:xfrm>
-                <a:off x="6614511" y="6233719"/>
-                <a:ext cx="211856" cy="111397"/>
-              </a:xfrm>
-              <a:prstGeom prst="rect">
-                <a:avLst/>
-              </a:prstGeom>
-              <a:noFill/>
-            </p:spPr>
-            <p:txBody>
-              <a:bodyPr wrap="none" lIns="0" tIns="0" rIns="0" bIns="0" anchor="ctr" anchorCtr="1"/>
-              <a:lstStyle/>
-              <a:p>
-                <a:pPr marL="0" marR="0" indent="0" algn="l">
-                  <a:lnSpc>
-                    <a:spcPts val="1200"/>
-                  </a:lnSpc>
-                  <a:spcBef>
-                    <a:spcPts val="0"/>
-                  </a:spcBef>
-                  <a:spcAft>
-                    <a:spcPts val="0"/>
-                  </a:spcAft>
-                </a:pPr>
-                <a:r>
-                  <a:rPr sz="1200">
-                    <a:solidFill>
-                      <a:srgbClr val="000000">
-                        <a:alpha val="100000"/>
-                      </a:srgbClr>
-                    </a:solidFill>
-                    <a:latin typeface="Arial"/>
-                    <a:cs typeface="Arial"/>
-                  </a:rPr>
-                  <a:t>0.6</a:t>
-                </a:r>
-              </a:p>
-            </p:txBody>
-          </p:sp>
-          <p:sp>
-            <p:nvSpPr>
-              <p:cNvPr id="415" name="tx65">
-                <a:extLst>
-                  <a:ext uri="{FF2B5EF4-FFF2-40B4-BE49-F238E27FC236}">
-                    <a16:creationId xmlns:a16="http://schemas.microsoft.com/office/drawing/2014/main" id="{F20D7672-BD78-FFC8-2877-8854BF28A8E3}"/>
-                  </a:ext>
-                </a:extLst>
-              </p:cNvPr>
-              <p:cNvSpPr/>
-              <p:nvPr/>
-            </p:nvSpPr>
-            <p:spPr>
-              <a:xfrm>
-                <a:off x="6974003" y="6233719"/>
-                <a:ext cx="211856" cy="111397"/>
-              </a:xfrm>
-              <a:prstGeom prst="rect">
-                <a:avLst/>
-              </a:prstGeom>
-              <a:noFill/>
-            </p:spPr>
-            <p:txBody>
-              <a:bodyPr wrap="none" lIns="0" tIns="0" rIns="0" bIns="0" anchor="ctr" anchorCtr="1"/>
-              <a:lstStyle/>
-              <a:p>
-                <a:pPr marL="0" marR="0" indent="0" algn="l">
-                  <a:lnSpc>
-                    <a:spcPts val="1200"/>
-                  </a:lnSpc>
-                  <a:spcBef>
-                    <a:spcPts val="0"/>
-                  </a:spcBef>
-                  <a:spcAft>
-                    <a:spcPts val="0"/>
-                  </a:spcAft>
-                </a:pPr>
-                <a:r>
-                  <a:rPr sz="1200">
-                    <a:solidFill>
-                      <a:srgbClr val="000000">
-                        <a:alpha val="100000"/>
-                      </a:srgbClr>
-                    </a:solidFill>
-                    <a:latin typeface="Arial"/>
-                    <a:cs typeface="Arial"/>
-                  </a:rPr>
-                  <a:t>0.8</a:t>
-                </a:r>
-              </a:p>
-            </p:txBody>
-          </p:sp>
-          <p:sp>
-            <p:nvSpPr>
-              <p:cNvPr id="416" name="tx66">
-                <a:extLst>
-                  <a:ext uri="{FF2B5EF4-FFF2-40B4-BE49-F238E27FC236}">
-                    <a16:creationId xmlns:a16="http://schemas.microsoft.com/office/drawing/2014/main" id="{1D53DC12-D98D-E2EC-F537-19D86F31CFA7}"/>
-                  </a:ext>
-                </a:extLst>
-              </p:cNvPr>
-              <p:cNvSpPr/>
-              <p:nvPr/>
-            </p:nvSpPr>
-            <p:spPr>
-              <a:xfrm>
-                <a:off x="7397045" y="6235579"/>
-                <a:ext cx="84757" cy="109537"/>
-              </a:xfrm>
-              <a:prstGeom prst="rect">
-                <a:avLst/>
-              </a:prstGeom>
-              <a:noFill/>
-            </p:spPr>
-            <p:txBody>
-              <a:bodyPr wrap="none" lIns="0" tIns="0" rIns="0" bIns="0" anchor="ctr" anchorCtr="1"/>
-              <a:lstStyle/>
-              <a:p>
-                <a:pPr marL="0" marR="0" indent="0" algn="l">
-                  <a:lnSpc>
-                    <a:spcPts val="1200"/>
-                  </a:lnSpc>
-                  <a:spcBef>
-                    <a:spcPts val="0"/>
-                  </a:spcBef>
-                  <a:spcAft>
-                    <a:spcPts val="0"/>
-                  </a:spcAft>
-                </a:pPr>
-                <a:r>
-                  <a:rPr sz="1200">
-                    <a:solidFill>
-                      <a:srgbClr val="000000">
-                        <a:alpha val="100000"/>
-                      </a:srgbClr>
-                    </a:solidFill>
-                    <a:latin typeface="Arial"/>
-                    <a:cs typeface="Arial"/>
-                  </a:rPr>
-                  <a:t>1</a:t>
-                </a:r>
-              </a:p>
-            </p:txBody>
-          </p:sp>
-        </p:grpSp>
-        <p:sp>
-          <p:nvSpPr>
-            <p:cNvPr id="418" name="tx71">
-              <a:extLst>
-                <a:ext uri="{FF2B5EF4-FFF2-40B4-BE49-F238E27FC236}">
-                  <a16:creationId xmlns:a16="http://schemas.microsoft.com/office/drawing/2014/main" id="{B4E896CA-F92E-57B5-C15A-683922E151F4}"/>
-                </a:ext>
-              </a:extLst>
-            </p:cNvPr>
-            <p:cNvSpPr/>
-            <p:nvPr/>
-          </p:nvSpPr>
-          <p:spPr>
-            <a:xfrm>
-              <a:off x="782623" y="326976"/>
-              <a:ext cx="772685" cy="167253"/>
-            </a:xfrm>
-            <a:prstGeom prst="rect">
-              <a:avLst/>
-            </a:prstGeom>
-            <a:noFill/>
-          </p:spPr>
-          <p:txBody>
-            <a:bodyPr wrap="none" lIns="0" tIns="0" rIns="0" bIns="0" anchor="ctr" anchorCtr="1"/>
-            <a:lstStyle/>
-            <a:p>
-              <a:pPr marL="0" marR="0" indent="0" algn="l">
-                <a:lnSpc>
-                  <a:spcPts val="1439"/>
-                </a:lnSpc>
-                <a:spcBef>
-                  <a:spcPts val="0"/>
-                </a:spcBef>
-                <a:spcAft>
-                  <a:spcPts val="0"/>
-                </a:spcAft>
-              </a:pPr>
-              <a:r>
-                <a:rPr lang="en-CA" sz="1500" b="1" dirty="0">
-                  <a:solidFill>
-                    <a:srgbClr val="000000">
-                      <a:alpha val="100000"/>
-                    </a:srgbClr>
-                  </a:solidFill>
-                  <a:latin typeface="Arial"/>
-                  <a:cs typeface="Arial"/>
-                </a:rPr>
-                <a:t>A) Novice</a:t>
-              </a:r>
-              <a:endParaRPr sz="1500" b="1" dirty="0">
-                <a:solidFill>
-                  <a:srgbClr val="000000">
-                    <a:alpha val="100000"/>
-                  </a:srgbClr>
-                </a:solidFill>
-                <a:latin typeface="Arial"/>
-                <a:cs typeface="Arial"/>
-              </a:endParaRPr>
-            </a:p>
-          </p:txBody>
-        </p:sp>
-        <p:sp>
-          <p:nvSpPr>
-            <p:cNvPr id="420" name="tx71">
-              <a:extLst>
-                <a:ext uri="{FF2B5EF4-FFF2-40B4-BE49-F238E27FC236}">
-                  <a16:creationId xmlns:a16="http://schemas.microsoft.com/office/drawing/2014/main" id="{5F2799AA-15CD-74D1-B589-D2327EB746DB}"/>
-                </a:ext>
-              </a:extLst>
-            </p:cNvPr>
-            <p:cNvSpPr/>
-            <p:nvPr/>
-          </p:nvSpPr>
-          <p:spPr>
-            <a:xfrm>
-              <a:off x="5681116" y="326456"/>
-              <a:ext cx="772685" cy="167253"/>
-            </a:xfrm>
-            <a:prstGeom prst="rect">
-              <a:avLst/>
-            </a:prstGeom>
-            <a:noFill/>
-          </p:spPr>
-          <p:txBody>
-            <a:bodyPr wrap="none" lIns="0" tIns="0" rIns="0" bIns="0" anchor="ctr" anchorCtr="1"/>
-            <a:lstStyle/>
-            <a:p>
-              <a:pPr marL="0" marR="0" indent="0" algn="l">
-                <a:lnSpc>
-                  <a:spcPts val="1439"/>
-                </a:lnSpc>
-                <a:spcBef>
-                  <a:spcPts val="0"/>
-                </a:spcBef>
-                <a:spcAft>
-                  <a:spcPts val="0"/>
-                </a:spcAft>
-              </a:pPr>
-              <a:r>
-                <a:rPr lang="en-CA" sz="1500" b="1" dirty="0">
-                  <a:solidFill>
-                    <a:srgbClr val="000000">
-                      <a:alpha val="100000"/>
-                    </a:srgbClr>
-                  </a:solidFill>
-                  <a:latin typeface="Arial"/>
-                  <a:cs typeface="Arial"/>
-                </a:rPr>
-                <a:t>B) Advanced</a:t>
-              </a:r>
-              <a:endParaRPr sz="1500" b="1" dirty="0">
-                <a:solidFill>
-                  <a:srgbClr val="000000">
-                    <a:alpha val="100000"/>
-                  </a:srgbClr>
-                </a:solidFill>
-                <a:latin typeface="Arial"/>
-                <a:cs typeface="Arial"/>
-              </a:endParaRPr>
-            </a:p>
-          </p:txBody>
-        </p:sp>
-        <p:sp>
-          <p:nvSpPr>
-            <p:cNvPr id="4" name="tx71">
-              <a:extLst>
-                <a:ext uri="{FF2B5EF4-FFF2-40B4-BE49-F238E27FC236}">
-                  <a16:creationId xmlns:a16="http://schemas.microsoft.com/office/drawing/2014/main" id="{61B07D51-1801-6201-2E6D-59218A343DC6}"/>
-                </a:ext>
-              </a:extLst>
-            </p:cNvPr>
-            <p:cNvSpPr/>
-            <p:nvPr/>
-          </p:nvSpPr>
-          <p:spPr>
-            <a:xfrm>
-              <a:off x="1385787" y="4661780"/>
+              <a:off x="1364271" y="4661780"/>
               <a:ext cx="772685" cy="167253"/>
             </a:xfrm>
             <a:prstGeom prst="rect">
@@ -14765,36 +12883,6 @@
         </p:sp>
         <p:pic>
           <p:nvPicPr>
-            <p:cNvPr id="57" name="Image 56">
-              <a:extLst>
-                <a:ext uri="{FF2B5EF4-FFF2-40B4-BE49-F238E27FC236}">
-                  <a16:creationId xmlns:a16="http://schemas.microsoft.com/office/drawing/2014/main" id="{6508EE38-A0D7-ABB6-6AD0-20F51ABCA678}"/>
-                </a:ext>
-              </a:extLst>
-            </p:cNvPr>
-            <p:cNvPicPr>
-              <a:picLocks noChangeAspect="1"/>
-            </p:cNvPicPr>
-            <p:nvPr/>
-          </p:nvPicPr>
-          <p:blipFill>
-            <a:blip r:embed="rId3"/>
-            <a:stretch>
-              <a:fillRect/>
-            </a:stretch>
-          </p:blipFill>
-          <p:spPr>
-            <a:xfrm>
-              <a:off x="5374179" y="459128"/>
-              <a:ext cx="4630380" cy="3589377"/>
-            </a:xfrm>
-            <a:prstGeom prst="rect">
-              <a:avLst/>
-            </a:prstGeom>
-          </p:spPr>
-        </p:pic>
-        <p:pic>
-          <p:nvPicPr>
             <p:cNvPr id="3" name="Image 2" descr="Une image contenant graphique">
               <a:extLst>
                 <a:ext uri="{FF2B5EF4-FFF2-40B4-BE49-F238E27FC236}">
@@ -14808,6 +12896,66 @@
             <p:nvPr/>
           </p:nvPicPr>
           <p:blipFill>
+            <a:blip r:embed="rId2"/>
+            <a:stretch>
+              <a:fillRect/>
+            </a:stretch>
+          </p:blipFill>
+          <p:spPr>
+            <a:xfrm>
+              <a:off x="0" y="4848225"/>
+              <a:ext cx="10698163" cy="3056987"/>
+            </a:xfrm>
+            <a:prstGeom prst="rect">
+              <a:avLst/>
+            </a:prstGeom>
+          </p:spPr>
+        </p:pic>
+        <p:pic>
+          <p:nvPicPr>
+            <p:cNvPr id="169" name="Image 168">
+              <a:extLst>
+                <a:ext uri="{FF2B5EF4-FFF2-40B4-BE49-F238E27FC236}">
+                  <a16:creationId xmlns:a16="http://schemas.microsoft.com/office/drawing/2014/main" id="{5B837E85-5C1E-67E5-22B1-4876A7363681}"/>
+                </a:ext>
+              </a:extLst>
+            </p:cNvPr>
+            <p:cNvPicPr>
+              <a:picLocks noChangeAspect="1"/>
+            </p:cNvPicPr>
+            <p:nvPr/>
+          </p:nvPicPr>
+          <p:blipFill>
+            <a:blip r:embed="rId3"/>
+            <a:stretch>
+              <a:fillRect/>
+            </a:stretch>
+          </p:blipFill>
+          <p:spPr>
+            <a:xfrm>
+              <a:off x="5425281" y="509551"/>
+              <a:ext cx="4630380" cy="3589377"/>
+            </a:xfrm>
+            <a:prstGeom prst="rect">
+              <a:avLst/>
+            </a:prstGeom>
+          </p:spPr>
+        </p:pic>
+        <p:pic>
+          <p:nvPicPr>
+            <p:cNvPr id="432" name="Image 431">
+              <a:extLst>
+                <a:ext uri="{FF2B5EF4-FFF2-40B4-BE49-F238E27FC236}">
+                  <a16:creationId xmlns:a16="http://schemas.microsoft.com/office/drawing/2014/main" id="{412C88DC-C9AB-72E2-3536-C1D229378E66}"/>
+                </a:ext>
+              </a:extLst>
+            </p:cNvPr>
+            <p:cNvPicPr>
+              <a:picLocks noChangeAspect="1"/>
+            </p:cNvPicPr>
+            <p:nvPr/>
+          </p:nvPicPr>
+          <p:blipFill>
             <a:blip r:embed="rId4"/>
             <a:stretch>
               <a:fillRect/>
@@ -14815,8 +12963,8 @@
           </p:blipFill>
           <p:spPr>
             <a:xfrm>
-              <a:off x="0" y="4848225"/>
-              <a:ext cx="10698163" cy="3056987"/>
+              <a:off x="642501" y="509551"/>
+              <a:ext cx="4630380" cy="3589377"/>
             </a:xfrm>
             <a:prstGeom prst="rect">
               <a:avLst/>

--- a/outputs/04_outputs_figures/figure4-raw.pptx
+++ b/outputs/04_outputs_figures/figure4-raw.pptx
@@ -9,7 +9,7 @@
     <p:sldId id="257" r:id="rId3"/>
     <p:sldId id="258" r:id="rId4"/>
     <p:sldId id="259" r:id="rId5"/>
-    <p:sldId id="261" r:id="rId6"/>
+    <p:sldId id="262" r:id="rId6"/>
   </p:sldIdLst>
   <p:sldSz cx="10698163" cy="7562850"/>
   <p:notesSz cx="6858000" cy="9144000"/>
@@ -308,7 +308,7 @@
           <a:p>
             <a:fld id="{6BA5D40C-A8DC-479A-A5D3-E7B4936A184B}" type="datetimeFigureOut">
               <a:rPr lang="en-GB" smtClean="0"/>
-              <a:t>05/05/2023</a:t>
+              <a:t>09/05/2023</a:t>
             </a:fld>
             <a:endParaRPr lang="en-GB"/>
           </a:p>
@@ -478,7 +478,7 @@
           <a:p>
             <a:fld id="{6BA5D40C-A8DC-479A-A5D3-E7B4936A184B}" type="datetimeFigureOut">
               <a:rPr lang="en-GB" smtClean="0"/>
-              <a:t>05/05/2023</a:t>
+              <a:t>09/05/2023</a:t>
             </a:fld>
             <a:endParaRPr lang="en-GB"/>
           </a:p>
@@ -658,7 +658,7 @@
           <a:p>
             <a:fld id="{6BA5D40C-A8DC-479A-A5D3-E7B4936A184B}" type="datetimeFigureOut">
               <a:rPr lang="en-GB" smtClean="0"/>
-              <a:t>05/05/2023</a:t>
+              <a:t>09/05/2023</a:t>
             </a:fld>
             <a:endParaRPr lang="en-GB"/>
           </a:p>
@@ -828,7 +828,7 @@
           <a:p>
             <a:fld id="{6BA5D40C-A8DC-479A-A5D3-E7B4936A184B}" type="datetimeFigureOut">
               <a:rPr lang="en-GB" smtClean="0"/>
-              <a:t>05/05/2023</a:t>
+              <a:t>09/05/2023</a:t>
             </a:fld>
             <a:endParaRPr lang="en-GB"/>
           </a:p>
@@ -1074,7 +1074,7 @@
           <a:p>
             <a:fld id="{6BA5D40C-A8DC-479A-A5D3-E7B4936A184B}" type="datetimeFigureOut">
               <a:rPr lang="en-GB" smtClean="0"/>
-              <a:t>05/05/2023</a:t>
+              <a:t>09/05/2023</a:t>
             </a:fld>
             <a:endParaRPr lang="en-GB"/>
           </a:p>
@@ -1362,7 +1362,7 @@
           <a:p>
             <a:fld id="{6BA5D40C-A8DC-479A-A5D3-E7B4936A184B}" type="datetimeFigureOut">
               <a:rPr lang="en-GB" smtClean="0"/>
-              <a:t>05/05/2023</a:t>
+              <a:t>09/05/2023</a:t>
             </a:fld>
             <a:endParaRPr lang="en-GB"/>
           </a:p>
@@ -1789,7 +1789,7 @@
           <a:p>
             <a:fld id="{6BA5D40C-A8DC-479A-A5D3-E7B4936A184B}" type="datetimeFigureOut">
               <a:rPr lang="en-GB" smtClean="0"/>
-              <a:t>05/05/2023</a:t>
+              <a:t>09/05/2023</a:t>
             </a:fld>
             <a:endParaRPr lang="en-GB"/>
           </a:p>
@@ -1907,7 +1907,7 @@
           <a:p>
             <a:fld id="{6BA5D40C-A8DC-479A-A5D3-E7B4936A184B}" type="datetimeFigureOut">
               <a:rPr lang="en-GB" smtClean="0"/>
-              <a:t>05/05/2023</a:t>
+              <a:t>09/05/2023</a:t>
             </a:fld>
             <a:endParaRPr lang="en-GB"/>
           </a:p>
@@ -2002,7 +2002,7 @@
           <a:p>
             <a:fld id="{6BA5D40C-A8DC-479A-A5D3-E7B4936A184B}" type="datetimeFigureOut">
               <a:rPr lang="en-GB" smtClean="0"/>
-              <a:t>05/05/2023</a:t>
+              <a:t>09/05/2023</a:t>
             </a:fld>
             <a:endParaRPr lang="en-GB"/>
           </a:p>
@@ -2279,7 +2279,7 @@
           <a:p>
             <a:fld id="{6BA5D40C-A8DC-479A-A5D3-E7B4936A184B}" type="datetimeFigureOut">
               <a:rPr lang="en-GB" smtClean="0"/>
-              <a:t>05/05/2023</a:t>
+              <a:t>09/05/2023</a:t>
             </a:fld>
             <a:endParaRPr lang="en-GB"/>
           </a:p>
@@ -2532,7 +2532,7 @@
           <a:p>
             <a:fld id="{6BA5D40C-A8DC-479A-A5D3-E7B4936A184B}" type="datetimeFigureOut">
               <a:rPr lang="en-GB" smtClean="0"/>
-              <a:t>05/05/2023</a:t>
+              <a:t>09/05/2023</a:t>
             </a:fld>
             <a:endParaRPr lang="en-GB"/>
           </a:p>
@@ -2745,7 +2745,7 @@
           <a:p>
             <a:fld id="{6BA5D40C-A8DC-479A-A5D3-E7B4936A184B}" type="datetimeFigureOut">
               <a:rPr lang="en-GB" smtClean="0"/>
-              <a:t>05/05/2023</a:t>
+              <a:t>09/05/2023</a:t>
             </a:fld>
             <a:endParaRPr lang="en-GB"/>
           </a:p>
@@ -11047,10 +11047,10 @@
       </p:grpSpPr>
       <p:grpSp>
         <p:nvGrpSpPr>
-          <p:cNvPr id="433" name="Groupe 432">
+          <p:cNvPr id="6" name="Groupe 5">
             <a:extLst>
               <a:ext uri="{FF2B5EF4-FFF2-40B4-BE49-F238E27FC236}">
-                <a16:creationId xmlns:a16="http://schemas.microsoft.com/office/drawing/2014/main" id="{D91C6FAE-B17E-4FFA-A817-B522ACFB2261}"/>
+                <a16:creationId xmlns:a16="http://schemas.microsoft.com/office/drawing/2014/main" id="{5AB9FF24-7EA3-1DDA-F494-50CF91C7D8E6}"/>
               </a:ext>
             </a:extLst>
           </p:cNvPr>
@@ -11060,9 +11060,9 @@
         <p:grpSpPr>
           <a:xfrm>
             <a:off x="0" y="326456"/>
-            <a:ext cx="10698163" cy="7578756"/>
+            <a:ext cx="10698163" cy="7569769"/>
             <a:chOff x="0" y="326456"/>
-            <a:chExt cx="10698163" cy="7578756"/>
+            <a:chExt cx="10698163" cy="7569769"/>
           </a:xfrm>
         </p:grpSpPr>
         <p:grpSp>
@@ -12883,36 +12883,6 @@
         </p:sp>
         <p:pic>
           <p:nvPicPr>
-            <p:cNvPr id="3" name="Image 2" descr="Une image contenant graphique">
-              <a:extLst>
-                <a:ext uri="{FF2B5EF4-FFF2-40B4-BE49-F238E27FC236}">
-                  <a16:creationId xmlns:a16="http://schemas.microsoft.com/office/drawing/2014/main" id="{377C0133-D7EC-4ABC-921D-4C9D668DE31B}"/>
-                </a:ext>
-              </a:extLst>
-            </p:cNvPr>
-            <p:cNvPicPr>
-              <a:picLocks noChangeAspect="1"/>
-            </p:cNvPicPr>
-            <p:nvPr/>
-          </p:nvPicPr>
-          <p:blipFill>
-            <a:blip r:embed="rId2"/>
-            <a:stretch>
-              <a:fillRect/>
-            </a:stretch>
-          </p:blipFill>
-          <p:spPr>
-            <a:xfrm>
-              <a:off x="0" y="4848225"/>
-              <a:ext cx="10698163" cy="3056987"/>
-            </a:xfrm>
-            <a:prstGeom prst="rect">
-              <a:avLst/>
-            </a:prstGeom>
-          </p:spPr>
-        </p:pic>
-        <p:pic>
-          <p:nvPicPr>
             <p:cNvPr id="169" name="Image 168">
               <a:extLst>
                 <a:ext uri="{FF2B5EF4-FFF2-40B4-BE49-F238E27FC236}">
@@ -12926,7 +12896,7 @@
             <p:nvPr/>
           </p:nvPicPr>
           <p:blipFill>
-            <a:blip r:embed="rId3"/>
+            <a:blip r:embed="rId2"/>
             <a:stretch>
               <a:fillRect/>
             </a:stretch>
@@ -12956,6 +12926,36 @@
             <p:nvPr/>
           </p:nvPicPr>
           <p:blipFill>
+            <a:blip r:embed="rId3"/>
+            <a:stretch>
+              <a:fillRect/>
+            </a:stretch>
+          </p:blipFill>
+          <p:spPr>
+            <a:xfrm>
+              <a:off x="642501" y="509551"/>
+              <a:ext cx="4630380" cy="3589377"/>
+            </a:xfrm>
+            <a:prstGeom prst="rect">
+              <a:avLst/>
+            </a:prstGeom>
+          </p:spPr>
+        </p:pic>
+        <p:pic>
+          <p:nvPicPr>
+            <p:cNvPr id="5" name="Image 4" descr="Une image contenant graphique&#10;&#10;Description générée automatiquement">
+              <a:extLst>
+                <a:ext uri="{FF2B5EF4-FFF2-40B4-BE49-F238E27FC236}">
+                  <a16:creationId xmlns:a16="http://schemas.microsoft.com/office/drawing/2014/main" id="{173D04B8-E7BA-A75E-B393-88946EBF0862}"/>
+                </a:ext>
+              </a:extLst>
+            </p:cNvPr>
+            <p:cNvPicPr>
+              <a:picLocks noChangeAspect="1"/>
+            </p:cNvPicPr>
+            <p:nvPr/>
+          </p:nvPicPr>
+          <p:blipFill>
             <a:blip r:embed="rId4"/>
             <a:stretch>
               <a:fillRect/>
@@ -12963,8 +12963,8 @@
           </p:blipFill>
           <p:spPr>
             <a:xfrm>
-              <a:off x="642501" y="509551"/>
-              <a:ext cx="4630380" cy="3589377"/>
+              <a:off x="0" y="4839238"/>
+              <a:ext cx="10698163" cy="3056987"/>
             </a:xfrm>
             <a:prstGeom prst="rect">
               <a:avLst/>
@@ -12975,7 +12975,7 @@
     </p:spTree>
     <p:extLst>
       <p:ext uri="{BB962C8B-B14F-4D97-AF65-F5344CB8AC3E}">
-        <p14:creationId xmlns:p14="http://schemas.microsoft.com/office/powerpoint/2010/main" val="3551211903"/>
+        <p14:creationId xmlns:p14="http://schemas.microsoft.com/office/powerpoint/2010/main" val="2351815363"/>
       </p:ext>
     </p:extLst>
   </p:cSld>

--- a/outputs/04_outputs_figures/figure4-raw.pptx
+++ b/outputs/04_outputs_figures/figure4-raw.pptx
@@ -9,7 +9,7 @@
     <p:sldId id="257" r:id="rId3"/>
     <p:sldId id="258" r:id="rId4"/>
     <p:sldId id="259" r:id="rId5"/>
-    <p:sldId id="262" r:id="rId6"/>
+    <p:sldId id="263" r:id="rId6"/>
   </p:sldIdLst>
   <p:sldSz cx="10698163" cy="7562850"/>
   <p:notesSz cx="6858000" cy="9144000"/>
@@ -308,7 +308,7 @@
           <a:p>
             <a:fld id="{6BA5D40C-A8DC-479A-A5D3-E7B4936A184B}" type="datetimeFigureOut">
               <a:rPr lang="en-GB" smtClean="0"/>
-              <a:t>09/05/2023</a:t>
+              <a:t>29/05/2023</a:t>
             </a:fld>
             <a:endParaRPr lang="en-GB"/>
           </a:p>
@@ -478,7 +478,7 @@
           <a:p>
             <a:fld id="{6BA5D40C-A8DC-479A-A5D3-E7B4936A184B}" type="datetimeFigureOut">
               <a:rPr lang="en-GB" smtClean="0"/>
-              <a:t>09/05/2023</a:t>
+              <a:t>29/05/2023</a:t>
             </a:fld>
             <a:endParaRPr lang="en-GB"/>
           </a:p>
@@ -658,7 +658,7 @@
           <a:p>
             <a:fld id="{6BA5D40C-A8DC-479A-A5D3-E7B4936A184B}" type="datetimeFigureOut">
               <a:rPr lang="en-GB" smtClean="0"/>
-              <a:t>09/05/2023</a:t>
+              <a:t>29/05/2023</a:t>
             </a:fld>
             <a:endParaRPr lang="en-GB"/>
           </a:p>
@@ -828,7 +828,7 @@
           <a:p>
             <a:fld id="{6BA5D40C-A8DC-479A-A5D3-E7B4936A184B}" type="datetimeFigureOut">
               <a:rPr lang="en-GB" smtClean="0"/>
-              <a:t>09/05/2023</a:t>
+              <a:t>29/05/2023</a:t>
             </a:fld>
             <a:endParaRPr lang="en-GB"/>
           </a:p>
@@ -1074,7 +1074,7 @@
           <a:p>
             <a:fld id="{6BA5D40C-A8DC-479A-A5D3-E7B4936A184B}" type="datetimeFigureOut">
               <a:rPr lang="en-GB" smtClean="0"/>
-              <a:t>09/05/2023</a:t>
+              <a:t>29/05/2023</a:t>
             </a:fld>
             <a:endParaRPr lang="en-GB"/>
           </a:p>
@@ -1362,7 +1362,7 @@
           <a:p>
             <a:fld id="{6BA5D40C-A8DC-479A-A5D3-E7B4936A184B}" type="datetimeFigureOut">
               <a:rPr lang="en-GB" smtClean="0"/>
-              <a:t>09/05/2023</a:t>
+              <a:t>29/05/2023</a:t>
             </a:fld>
             <a:endParaRPr lang="en-GB"/>
           </a:p>
@@ -1789,7 +1789,7 @@
           <a:p>
             <a:fld id="{6BA5D40C-A8DC-479A-A5D3-E7B4936A184B}" type="datetimeFigureOut">
               <a:rPr lang="en-GB" smtClean="0"/>
-              <a:t>09/05/2023</a:t>
+              <a:t>29/05/2023</a:t>
             </a:fld>
             <a:endParaRPr lang="en-GB"/>
           </a:p>
@@ -1907,7 +1907,7 @@
           <a:p>
             <a:fld id="{6BA5D40C-A8DC-479A-A5D3-E7B4936A184B}" type="datetimeFigureOut">
               <a:rPr lang="en-GB" smtClean="0"/>
-              <a:t>09/05/2023</a:t>
+              <a:t>29/05/2023</a:t>
             </a:fld>
             <a:endParaRPr lang="en-GB"/>
           </a:p>
@@ -2002,7 +2002,7 @@
           <a:p>
             <a:fld id="{6BA5D40C-A8DC-479A-A5D3-E7B4936A184B}" type="datetimeFigureOut">
               <a:rPr lang="en-GB" smtClean="0"/>
-              <a:t>09/05/2023</a:t>
+              <a:t>29/05/2023</a:t>
             </a:fld>
             <a:endParaRPr lang="en-GB"/>
           </a:p>
@@ -2279,7 +2279,7 @@
           <a:p>
             <a:fld id="{6BA5D40C-A8DC-479A-A5D3-E7B4936A184B}" type="datetimeFigureOut">
               <a:rPr lang="en-GB" smtClean="0"/>
-              <a:t>09/05/2023</a:t>
+              <a:t>29/05/2023</a:t>
             </a:fld>
             <a:endParaRPr lang="en-GB"/>
           </a:p>
@@ -2532,7 +2532,7 @@
           <a:p>
             <a:fld id="{6BA5D40C-A8DC-479A-A5D3-E7B4936A184B}" type="datetimeFigureOut">
               <a:rPr lang="en-GB" smtClean="0"/>
-              <a:t>09/05/2023</a:t>
+              <a:t>29/05/2023</a:t>
             </a:fld>
             <a:endParaRPr lang="en-GB"/>
           </a:p>
@@ -2745,7 +2745,7 @@
           <a:p>
             <a:fld id="{6BA5D40C-A8DC-479A-A5D3-E7B4936A184B}" type="datetimeFigureOut">
               <a:rPr lang="en-GB" smtClean="0"/>
-              <a:t>09/05/2023</a:t>
+              <a:t>29/05/2023</a:t>
             </a:fld>
             <a:endParaRPr lang="en-GB"/>
           </a:p>
@@ -4333,7 +4333,7 @@
                   <a:latin typeface="Arial"/>
                   <a:cs typeface="Arial"/>
                 </a:rPr>
-                <a:t>-0.3</a:t>
+                <a:t>-0.</a:t>
               </a:r>
               <a:r>
                 <a:rPr lang="en-CA" sz="1800" b="1" dirty="0">
@@ -4345,7 +4345,7 @@
                   <a:latin typeface="Arial"/>
                   <a:cs typeface="Arial"/>
                 </a:rPr>
-                <a:t>0</a:t>
+                <a:t>29</a:t>
               </a:r>
               <a:endParaRPr sz="1800" b="1" dirty="0">
                 <a:solidFill>
@@ -4642,7 +4642,7 @@
                 </a:spcAft>
               </a:pPr>
               <a:r>
-                <a:rPr sz="1800" b="1">
+                <a:rPr sz="1800" b="1" dirty="0">
                   <a:solidFill>
                     <a:srgbClr val="000000">
                       <a:alpha val="100000"/>
@@ -4651,8 +4651,29 @@
                   <a:latin typeface="Arial"/>
                   <a:cs typeface="Arial"/>
                 </a:rPr>
-                <a:t>-0.43</a:t>
+                <a:t>-0.4</a:t>
               </a:r>
+              <a:r>
+                <a:rPr lang="en-CA" sz="1800" b="1" dirty="0">
+                  <a:solidFill>
+                    <a:srgbClr val="000000">
+                      <a:alpha val="100000"/>
+                    </a:srgbClr>
+                  </a:solidFill>
+                  <a:latin typeface="Arial"/>
+                  <a:cs typeface="Arial"/>
+                </a:rPr>
+                <a:t>2</a:t>
+              </a:r>
+              <a:endParaRPr sz="1800" b="1" dirty="0">
+                <a:solidFill>
+                  <a:srgbClr val="000000">
+                    <a:alpha val="100000"/>
+                  </a:srgbClr>
+                </a:solidFill>
+                <a:latin typeface="Arial"/>
+                <a:cs typeface="Arial"/>
+              </a:endParaRPr>
             </a:p>
           </p:txBody>
         </p:sp>
@@ -4688,7 +4709,7 @@
                 </a:spcAft>
               </a:pPr>
               <a:r>
-                <a:rPr sz="1800" b="1">
+                <a:rPr sz="1800" b="1" dirty="0">
                   <a:solidFill>
                     <a:srgbClr val="000000">
                       <a:alpha val="100000"/>
@@ -4697,8 +4718,29 @@
                   <a:latin typeface="Arial"/>
                   <a:cs typeface="Arial"/>
                 </a:rPr>
-                <a:t>0.36</a:t>
+                <a:t>0.3</a:t>
               </a:r>
+              <a:r>
+                <a:rPr lang="en-CA" sz="1800" b="1" dirty="0">
+                  <a:solidFill>
+                    <a:srgbClr val="000000">
+                      <a:alpha val="100000"/>
+                    </a:srgbClr>
+                  </a:solidFill>
+                  <a:latin typeface="Arial"/>
+                  <a:cs typeface="Arial"/>
+                </a:rPr>
+                <a:t>4</a:t>
+              </a:r>
+              <a:endParaRPr sz="1800" b="1" dirty="0">
+                <a:solidFill>
+                  <a:srgbClr val="000000">
+                    <a:alpha val="100000"/>
+                  </a:srgbClr>
+                </a:solidFill>
+                <a:latin typeface="Arial"/>
+                <a:cs typeface="Arial"/>
+              </a:endParaRPr>
             </a:p>
           </p:txBody>
         </p:sp>
@@ -6434,7 +6476,7 @@
                 </a:spcAft>
               </a:pPr>
               <a:r>
-                <a:rPr sz="1800" b="1">
+                <a:rPr sz="1800" b="1" dirty="0">
                   <a:solidFill>
                     <a:srgbClr val="000000">
                       <a:alpha val="100000"/>
@@ -6443,8 +6485,29 @@
                   <a:latin typeface="Arial"/>
                   <a:cs typeface="Arial"/>
                 </a:rPr>
-                <a:t>-0.15</a:t>
+                <a:t>-0.1</a:t>
               </a:r>
+              <a:r>
+                <a:rPr lang="en-CA" sz="1800" b="1" dirty="0">
+                  <a:solidFill>
+                    <a:srgbClr val="000000">
+                      <a:alpha val="100000"/>
+                    </a:srgbClr>
+                  </a:solidFill>
+                  <a:latin typeface="Arial"/>
+                  <a:cs typeface="Arial"/>
+                </a:rPr>
+                <a:t>4</a:t>
+              </a:r>
+              <a:endParaRPr sz="1800" b="1" dirty="0">
+                <a:solidFill>
+                  <a:srgbClr val="000000">
+                    <a:alpha val="100000"/>
+                  </a:srgbClr>
+                </a:solidFill>
+                <a:latin typeface="Arial"/>
+                <a:cs typeface="Arial"/>
+              </a:endParaRPr>
             </a:p>
           </p:txBody>
         </p:sp>
@@ -6547,7 +6610,7 @@
                   <a:latin typeface="Arial"/>
                   <a:cs typeface="Arial"/>
                 </a:rPr>
-                <a:t>6</a:t>
+                <a:t>7</a:t>
               </a:r>
               <a:endParaRPr sz="1800" b="1" dirty="0">
                 <a:solidFill>
@@ -6593,7 +6656,7 @@
                 </a:spcAft>
               </a:pPr>
               <a:r>
-                <a:rPr sz="1800" b="1">
+                <a:rPr sz="1800" b="1" dirty="0">
                   <a:solidFill>
                     <a:srgbClr val="000000">
                       <a:alpha val="100000"/>
@@ -6602,8 +6665,29 @@
                   <a:latin typeface="Arial"/>
                   <a:cs typeface="Arial"/>
                 </a:rPr>
-                <a:t>-0.49</a:t>
+                <a:t>-0.4</a:t>
               </a:r>
+              <a:r>
+                <a:rPr lang="en-CA" sz="1800" b="1" dirty="0">
+                  <a:solidFill>
+                    <a:srgbClr val="000000">
+                      <a:alpha val="100000"/>
+                    </a:srgbClr>
+                  </a:solidFill>
+                  <a:latin typeface="Arial"/>
+                  <a:cs typeface="Arial"/>
+                </a:rPr>
+                <a:t>7</a:t>
+              </a:r>
+              <a:endParaRPr sz="1800" b="1" dirty="0">
+                <a:solidFill>
+                  <a:srgbClr val="000000">
+                    <a:alpha val="100000"/>
+                  </a:srgbClr>
+                </a:solidFill>
+                <a:latin typeface="Arial"/>
+                <a:cs typeface="Arial"/>
+              </a:endParaRPr>
             </a:p>
           </p:txBody>
         </p:sp>
@@ -6639,7 +6723,7 @@
                 </a:spcAft>
               </a:pPr>
               <a:r>
-                <a:rPr sz="1800" b="1">
+                <a:rPr sz="1800" b="1" dirty="0">
                   <a:solidFill>
                     <a:srgbClr val="000000">
                       <a:alpha val="100000"/>
@@ -6648,8 +6732,29 @@
                   <a:latin typeface="Arial"/>
                   <a:cs typeface="Arial"/>
                 </a:rPr>
-                <a:t>-0.38</a:t>
+                <a:t>-0.3</a:t>
               </a:r>
+              <a:r>
+                <a:rPr lang="en-CA" sz="1800" b="1" dirty="0">
+                  <a:solidFill>
+                    <a:srgbClr val="000000">
+                      <a:alpha val="100000"/>
+                    </a:srgbClr>
+                  </a:solidFill>
+                  <a:latin typeface="Arial"/>
+                  <a:cs typeface="Arial"/>
+                </a:rPr>
+                <a:t>9</a:t>
+              </a:r>
+              <a:endParaRPr sz="1800" b="1" dirty="0">
+                <a:solidFill>
+                  <a:srgbClr val="000000">
+                    <a:alpha val="100000"/>
+                  </a:srgbClr>
+                </a:solidFill>
+                <a:latin typeface="Arial"/>
+                <a:cs typeface="Arial"/>
+              </a:endParaRPr>
             </a:p>
           </p:txBody>
         </p:sp>
@@ -6706,7 +6811,7 @@
                   <a:latin typeface="Arial"/>
                   <a:cs typeface="Arial"/>
                 </a:rPr>
-                <a:t>30</a:t>
+                <a:t>28</a:t>
               </a:r>
               <a:endParaRPr sz="1800" b="1" dirty="0">
                 <a:solidFill>
@@ -8293,7 +8398,7 @@
                   <a:latin typeface="Arial"/>
                   <a:cs typeface="Arial"/>
                 </a:rPr>
-                <a:t>7</a:t>
+                <a:t>6</a:t>
               </a:r>
               <a:endParaRPr sz="1800" b="1" dirty="0">
                 <a:solidFill>
@@ -8339,7 +8444,7 @@
                 </a:spcAft>
               </a:pPr>
               <a:r>
-                <a:rPr sz="1800" b="1">
+                <a:rPr sz="1800" b="1" dirty="0">
                   <a:solidFill>
                     <a:srgbClr val="000000">
                       <a:alpha val="100000"/>
@@ -8348,8 +8453,29 @@
                   <a:latin typeface="Arial"/>
                   <a:cs typeface="Arial"/>
                 </a:rPr>
-                <a:t>-0.39</a:t>
+                <a:t>-0.3</a:t>
               </a:r>
+              <a:r>
+                <a:rPr lang="en-CA" sz="1800" b="1" dirty="0">
+                  <a:solidFill>
+                    <a:srgbClr val="000000">
+                      <a:alpha val="100000"/>
+                    </a:srgbClr>
+                  </a:solidFill>
+                  <a:latin typeface="Arial"/>
+                  <a:cs typeface="Arial"/>
+                </a:rPr>
+                <a:t>8</a:t>
+              </a:r>
+              <a:endParaRPr sz="1800" b="1" dirty="0">
+                <a:solidFill>
+                  <a:srgbClr val="000000">
+                    <a:alpha val="100000"/>
+                  </a:srgbClr>
+                </a:solidFill>
+                <a:latin typeface="Arial"/>
+                <a:cs typeface="Arial"/>
+              </a:endParaRPr>
             </a:p>
           </p:txBody>
         </p:sp>
@@ -8385,7 +8511,7 @@
                 </a:spcAft>
               </a:pPr>
               <a:r>
-                <a:rPr sz="1800" b="1">
+                <a:rPr sz="1800" b="1" dirty="0">
                   <a:solidFill>
                     <a:srgbClr val="000000">
                       <a:alpha val="100000"/>
@@ -8394,8 +8520,29 @@
                   <a:latin typeface="Arial"/>
                   <a:cs typeface="Arial"/>
                 </a:rPr>
-                <a:t>-0.08</a:t>
+                <a:t>-0.0</a:t>
               </a:r>
+              <a:r>
+                <a:rPr lang="en-CA" sz="1800" b="1" dirty="0">
+                  <a:solidFill>
+                    <a:srgbClr val="000000">
+                      <a:alpha val="100000"/>
+                    </a:srgbClr>
+                  </a:solidFill>
+                  <a:latin typeface="Arial"/>
+                  <a:cs typeface="Arial"/>
+                </a:rPr>
+                <a:t>7</a:t>
+              </a:r>
+              <a:endParaRPr sz="1800" b="1" dirty="0">
+                <a:solidFill>
+                  <a:srgbClr val="000000">
+                    <a:alpha val="100000"/>
+                  </a:srgbClr>
+                </a:solidFill>
+                <a:latin typeface="Arial"/>
+                <a:cs typeface="Arial"/>
+              </a:endParaRPr>
             </a:p>
           </p:txBody>
         </p:sp>
@@ -8431,7 +8578,7 @@
                 </a:spcAft>
               </a:pPr>
               <a:r>
-                <a:rPr sz="1800" b="1">
+                <a:rPr sz="1800" b="1" dirty="0">
                   <a:solidFill>
                     <a:srgbClr val="000000">
                       <a:alpha val="100000"/>
@@ -8440,8 +8587,29 @@
                   <a:latin typeface="Arial"/>
                   <a:cs typeface="Arial"/>
                 </a:rPr>
-                <a:t>-0.18</a:t>
+                <a:t>-0.1</a:t>
               </a:r>
+              <a:r>
+                <a:rPr lang="en-CA" sz="1800" b="1" dirty="0">
+                  <a:solidFill>
+                    <a:srgbClr val="000000">
+                      <a:alpha val="100000"/>
+                    </a:srgbClr>
+                  </a:solidFill>
+                  <a:latin typeface="Arial"/>
+                  <a:cs typeface="Arial"/>
+                </a:rPr>
+                <a:t>6</a:t>
+              </a:r>
+              <a:endParaRPr sz="1800" b="1" dirty="0">
+                <a:solidFill>
+                  <a:srgbClr val="000000">
+                    <a:alpha val="100000"/>
+                  </a:srgbClr>
+                </a:solidFill>
+                <a:latin typeface="Arial"/>
+                <a:cs typeface="Arial"/>
+              </a:endParaRPr>
             </a:p>
           </p:txBody>
         </p:sp>
@@ -8477,7 +8645,7 @@
                 </a:spcAft>
               </a:pPr>
               <a:r>
-                <a:rPr sz="1800" b="1">
+                <a:rPr sz="1800" b="1" dirty="0">
                   <a:solidFill>
                     <a:srgbClr val="000000">
                       <a:alpha val="100000"/>
@@ -8486,8 +8654,29 @@
                   <a:latin typeface="Arial"/>
                   <a:cs typeface="Arial"/>
                 </a:rPr>
-                <a:t>0.33</a:t>
+                <a:t>0.3</a:t>
               </a:r>
+              <a:r>
+                <a:rPr lang="en-CA" sz="1800" b="1" dirty="0">
+                  <a:solidFill>
+                    <a:srgbClr val="000000">
+                      <a:alpha val="100000"/>
+                    </a:srgbClr>
+                  </a:solidFill>
+                  <a:latin typeface="Arial"/>
+                  <a:cs typeface="Arial"/>
+                </a:rPr>
+                <a:t>4</a:t>
+              </a:r>
+              <a:endParaRPr sz="1800" b="1" dirty="0">
+                <a:solidFill>
+                  <a:srgbClr val="000000">
+                    <a:alpha val="100000"/>
+                  </a:srgbClr>
+                </a:solidFill>
+                <a:latin typeface="Arial"/>
+                <a:cs typeface="Arial"/>
+              </a:endParaRPr>
             </a:p>
           </p:txBody>
         </p:sp>
@@ -8523,7 +8712,7 @@
                 </a:spcAft>
               </a:pPr>
               <a:r>
-                <a:rPr sz="1800" b="1">
+                <a:rPr sz="1800" b="1" dirty="0">
                   <a:solidFill>
                     <a:srgbClr val="000000">
                       <a:alpha val="100000"/>
@@ -8532,8 +8721,29 @@
                   <a:latin typeface="Arial"/>
                   <a:cs typeface="Arial"/>
                 </a:rPr>
-                <a:t>-0.11</a:t>
+                <a:t>-0.1</a:t>
               </a:r>
+              <a:r>
+                <a:rPr lang="en-CA" sz="1800" b="1" dirty="0">
+                  <a:solidFill>
+                    <a:srgbClr val="000000">
+                      <a:alpha val="100000"/>
+                    </a:srgbClr>
+                  </a:solidFill>
+                  <a:latin typeface="Arial"/>
+                  <a:cs typeface="Arial"/>
+                </a:rPr>
+                <a:t>2</a:t>
+              </a:r>
+              <a:endParaRPr sz="1800" b="1" dirty="0">
+                <a:solidFill>
+                  <a:srgbClr val="000000">
+                    <a:alpha val="100000"/>
+                  </a:srgbClr>
+                </a:solidFill>
+                <a:latin typeface="Arial"/>
+                <a:cs typeface="Arial"/>
+              </a:endParaRPr>
             </a:p>
           </p:txBody>
         </p:sp>
@@ -8569,7 +8779,7 @@
                 </a:spcAft>
               </a:pPr>
               <a:r>
-                <a:rPr sz="1800" b="1">
+                <a:rPr sz="1800" b="1" dirty="0">
                   <a:solidFill>
                     <a:srgbClr val="000000">
                       <a:alpha val="100000"/>
@@ -8578,8 +8788,29 @@
                   <a:latin typeface="Arial"/>
                   <a:cs typeface="Arial"/>
                 </a:rPr>
-                <a:t>-0.59</a:t>
+                <a:t>-0.5</a:t>
               </a:r>
+              <a:r>
+                <a:rPr lang="en-CA" sz="1800" b="1" dirty="0">
+                  <a:solidFill>
+                    <a:srgbClr val="000000">
+                      <a:alpha val="100000"/>
+                    </a:srgbClr>
+                  </a:solidFill>
+                  <a:latin typeface="Arial"/>
+                  <a:cs typeface="Arial"/>
+                </a:rPr>
+                <a:t>7</a:t>
+              </a:r>
+              <a:endParaRPr sz="1800" b="1" dirty="0">
+                <a:solidFill>
+                  <a:srgbClr val="000000">
+                    <a:alpha val="100000"/>
+                  </a:srgbClr>
+                </a:solidFill>
+                <a:latin typeface="Arial"/>
+                <a:cs typeface="Arial"/>
+              </a:endParaRPr>
             </a:p>
           </p:txBody>
         </p:sp>
@@ -8615,7 +8846,7 @@
                 </a:spcAft>
               </a:pPr>
               <a:r>
-                <a:rPr sz="1800" b="1">
+                <a:rPr sz="1800" b="1" dirty="0">
                   <a:solidFill>
                     <a:srgbClr val="000000">
                       <a:alpha val="100000"/>
@@ -8624,8 +8855,29 @@
                   <a:latin typeface="Arial"/>
                   <a:cs typeface="Arial"/>
                 </a:rPr>
-                <a:t>-0.41</a:t>
+                <a:t>-0.4</a:t>
               </a:r>
+              <a:r>
+                <a:rPr lang="en-CA" sz="1800" b="1" dirty="0">
+                  <a:solidFill>
+                    <a:srgbClr val="000000">
+                      <a:alpha val="100000"/>
+                    </a:srgbClr>
+                  </a:solidFill>
+                  <a:latin typeface="Arial"/>
+                  <a:cs typeface="Arial"/>
+                </a:rPr>
+                <a:t>3</a:t>
+              </a:r>
+              <a:endParaRPr sz="1800" b="1" dirty="0">
+                <a:solidFill>
+                  <a:srgbClr val="000000">
+                    <a:alpha val="100000"/>
+                  </a:srgbClr>
+                </a:solidFill>
+                <a:latin typeface="Arial"/>
+                <a:cs typeface="Arial"/>
+              </a:endParaRPr>
             </a:p>
           </p:txBody>
         </p:sp>
@@ -8661,7 +8913,7 @@
                 </a:spcAft>
               </a:pPr>
               <a:r>
-                <a:rPr sz="1800" b="1">
+                <a:rPr sz="1800" b="1" dirty="0">
                   <a:solidFill>
                     <a:srgbClr val="000000">
                       <a:alpha val="100000"/>
@@ -8670,8 +8922,29 @@
                   <a:latin typeface="Arial"/>
                   <a:cs typeface="Arial"/>
                 </a:rPr>
-                <a:t>0.29</a:t>
+                <a:t>0.2</a:t>
               </a:r>
+              <a:r>
+                <a:rPr lang="en-CA" sz="1800" b="1" dirty="0">
+                  <a:solidFill>
+                    <a:srgbClr val="000000">
+                      <a:alpha val="100000"/>
+                    </a:srgbClr>
+                  </a:solidFill>
+                  <a:latin typeface="Arial"/>
+                  <a:cs typeface="Arial"/>
+                </a:rPr>
+                <a:t>8</a:t>
+              </a:r>
+              <a:endParaRPr sz="1800" b="1" dirty="0">
+                <a:solidFill>
+                  <a:srgbClr val="000000">
+                    <a:alpha val="100000"/>
+                  </a:srgbClr>
+                </a:solidFill>
+                <a:latin typeface="Arial"/>
+                <a:cs typeface="Arial"/>
+              </a:endParaRPr>
             </a:p>
           </p:txBody>
         </p:sp>
@@ -11047,10 +11320,10 @@
       </p:grpSpPr>
       <p:grpSp>
         <p:nvGrpSpPr>
-          <p:cNvPr id="6" name="Groupe 5">
+          <p:cNvPr id="436" name="Groupe 435">
             <a:extLst>
               <a:ext uri="{FF2B5EF4-FFF2-40B4-BE49-F238E27FC236}">
-                <a16:creationId xmlns:a16="http://schemas.microsoft.com/office/drawing/2014/main" id="{5AB9FF24-7EA3-1DDA-F494-50CF91C7D8E6}"/>
+                <a16:creationId xmlns:a16="http://schemas.microsoft.com/office/drawing/2014/main" id="{FBEEB81D-406E-2847-9C6D-08FAAF286F6A}"/>
               </a:ext>
             </a:extLst>
           </p:cNvPr>
@@ -11060,11 +11333,71 @@
         <p:grpSpPr>
           <a:xfrm>
             <a:off x="0" y="326456"/>
-            <a:ext cx="10698163" cy="7569769"/>
+            <a:ext cx="10698163" cy="7576055"/>
             <a:chOff x="0" y="326456"/>
-            <a:chExt cx="10698163" cy="7569769"/>
+            <a:chExt cx="10698163" cy="7576055"/>
           </a:xfrm>
         </p:grpSpPr>
+        <p:pic>
+          <p:nvPicPr>
+            <p:cNvPr id="433" name="Image 432">
+              <a:extLst>
+                <a:ext uri="{FF2B5EF4-FFF2-40B4-BE49-F238E27FC236}">
+                  <a16:creationId xmlns:a16="http://schemas.microsoft.com/office/drawing/2014/main" id="{06F32A87-2240-3F1D-CAC3-82824889A025}"/>
+                </a:ext>
+              </a:extLst>
+            </p:cNvPr>
+            <p:cNvPicPr>
+              <a:picLocks noChangeAspect="1"/>
+            </p:cNvPicPr>
+            <p:nvPr/>
+          </p:nvPicPr>
+          <p:blipFill>
+            <a:blip r:embed="rId2"/>
+            <a:stretch>
+              <a:fillRect/>
+            </a:stretch>
+          </p:blipFill>
+          <p:spPr>
+            <a:xfrm>
+              <a:off x="5432733" y="501946"/>
+              <a:ext cx="4630380" cy="3589377"/>
+            </a:xfrm>
+            <a:prstGeom prst="rect">
+              <a:avLst/>
+            </a:prstGeom>
+          </p:spPr>
+        </p:pic>
+        <p:pic>
+          <p:nvPicPr>
+            <p:cNvPr id="167" name="Image 166">
+              <a:extLst>
+                <a:ext uri="{FF2B5EF4-FFF2-40B4-BE49-F238E27FC236}">
+                  <a16:creationId xmlns:a16="http://schemas.microsoft.com/office/drawing/2014/main" id="{5BB2EC24-D486-819E-84A9-4019DE8F67A2}"/>
+                </a:ext>
+              </a:extLst>
+            </p:cNvPr>
+            <p:cNvPicPr>
+              <a:picLocks noChangeAspect="1"/>
+            </p:cNvPicPr>
+            <p:nvPr/>
+          </p:nvPicPr>
+          <p:blipFill>
+            <a:blip r:embed="rId3"/>
+            <a:stretch>
+              <a:fillRect/>
+            </a:stretch>
+          </p:blipFill>
+          <p:spPr>
+            <a:xfrm>
+              <a:off x="636992" y="508998"/>
+              <a:ext cx="4630380" cy="3589377"/>
+            </a:xfrm>
+            <a:prstGeom prst="rect">
+              <a:avLst/>
+            </a:prstGeom>
+          </p:spPr>
+        </p:pic>
         <p:grpSp>
           <p:nvGrpSpPr>
             <p:cNvPr id="383" name="Group 41">
@@ -12712,7 +13045,7 @@
           </p:nvSpPr>
           <p:spPr>
             <a:xfrm>
-              <a:off x="782623" y="326976"/>
+              <a:off x="761107" y="326976"/>
               <a:ext cx="772685" cy="167253"/>
             </a:xfrm>
             <a:prstGeom prst="rect">
@@ -12883,70 +13216,10 @@
         </p:sp>
         <p:pic>
           <p:nvPicPr>
-            <p:cNvPr id="169" name="Image 168">
+            <p:cNvPr id="435" name="Image 434" descr="Une image contenant texte, ligne, diagramme, Police&#10;&#10;Description générée automatiquement">
               <a:extLst>
                 <a:ext uri="{FF2B5EF4-FFF2-40B4-BE49-F238E27FC236}">
-                  <a16:creationId xmlns:a16="http://schemas.microsoft.com/office/drawing/2014/main" id="{5B837E85-5C1E-67E5-22B1-4876A7363681}"/>
-                </a:ext>
-              </a:extLst>
-            </p:cNvPr>
-            <p:cNvPicPr>
-              <a:picLocks noChangeAspect="1"/>
-            </p:cNvPicPr>
-            <p:nvPr/>
-          </p:nvPicPr>
-          <p:blipFill>
-            <a:blip r:embed="rId2"/>
-            <a:stretch>
-              <a:fillRect/>
-            </a:stretch>
-          </p:blipFill>
-          <p:spPr>
-            <a:xfrm>
-              <a:off x="5425281" y="509551"/>
-              <a:ext cx="4630380" cy="3589377"/>
-            </a:xfrm>
-            <a:prstGeom prst="rect">
-              <a:avLst/>
-            </a:prstGeom>
-          </p:spPr>
-        </p:pic>
-        <p:pic>
-          <p:nvPicPr>
-            <p:cNvPr id="432" name="Image 431">
-              <a:extLst>
-                <a:ext uri="{FF2B5EF4-FFF2-40B4-BE49-F238E27FC236}">
-                  <a16:creationId xmlns:a16="http://schemas.microsoft.com/office/drawing/2014/main" id="{412C88DC-C9AB-72E2-3536-C1D229378E66}"/>
-                </a:ext>
-              </a:extLst>
-            </p:cNvPr>
-            <p:cNvPicPr>
-              <a:picLocks noChangeAspect="1"/>
-            </p:cNvPicPr>
-            <p:nvPr/>
-          </p:nvPicPr>
-          <p:blipFill>
-            <a:blip r:embed="rId3"/>
-            <a:stretch>
-              <a:fillRect/>
-            </a:stretch>
-          </p:blipFill>
-          <p:spPr>
-            <a:xfrm>
-              <a:off x="642501" y="509551"/>
-              <a:ext cx="4630380" cy="3589377"/>
-            </a:xfrm>
-            <a:prstGeom prst="rect">
-              <a:avLst/>
-            </a:prstGeom>
-          </p:spPr>
-        </p:pic>
-        <p:pic>
-          <p:nvPicPr>
-            <p:cNvPr id="5" name="Image 4" descr="Une image contenant graphique&#10;&#10;Description générée automatiquement">
-              <a:extLst>
-                <a:ext uri="{FF2B5EF4-FFF2-40B4-BE49-F238E27FC236}">
-                  <a16:creationId xmlns:a16="http://schemas.microsoft.com/office/drawing/2014/main" id="{173D04B8-E7BA-A75E-B393-88946EBF0862}"/>
+                  <a16:creationId xmlns:a16="http://schemas.microsoft.com/office/drawing/2014/main" id="{EA04F709-F4D2-D700-9934-D8688868B884}"/>
                 </a:ext>
               </a:extLst>
             </p:cNvPr>
@@ -12963,7 +13236,7 @@
           </p:blipFill>
           <p:spPr>
             <a:xfrm>
-              <a:off x="0" y="4839238"/>
+              <a:off x="0" y="4845524"/>
               <a:ext cx="10698163" cy="3056987"/>
             </a:xfrm>
             <a:prstGeom prst="rect">
@@ -12975,7 +13248,7 @@
     </p:spTree>
     <p:extLst>
       <p:ext uri="{BB962C8B-B14F-4D97-AF65-F5344CB8AC3E}">
-        <p14:creationId xmlns:p14="http://schemas.microsoft.com/office/powerpoint/2010/main" val="2351815363"/>
+        <p14:creationId xmlns:p14="http://schemas.microsoft.com/office/powerpoint/2010/main" val="1440051717"/>
       </p:ext>
     </p:extLst>
   </p:cSld>

--- a/outputs/04_outputs_figures/figure4-raw.pptx
+++ b/outputs/04_outputs_figures/figure4-raw.pptx
@@ -8,8 +8,8 @@
     <p:sldId id="256" r:id="rId2"/>
     <p:sldId id="257" r:id="rId3"/>
     <p:sldId id="258" r:id="rId4"/>
-    <p:sldId id="259" r:id="rId5"/>
-    <p:sldId id="263" r:id="rId6"/>
+    <p:sldId id="263" r:id="rId5"/>
+    <p:sldId id="259" r:id="rId6"/>
   </p:sldIdLst>
   <p:sldSz cx="10698163" cy="7562850"/>
   <p:notesSz cx="6858000" cy="9144000"/>
@@ -308,7 +308,7 @@
           <a:p>
             <a:fld id="{6BA5D40C-A8DC-479A-A5D3-E7B4936A184B}" type="datetimeFigureOut">
               <a:rPr lang="en-GB" smtClean="0"/>
-              <a:t>29/05/2023</a:t>
+              <a:t>31/05/2023</a:t>
             </a:fld>
             <a:endParaRPr lang="en-GB"/>
           </a:p>
@@ -478,7 +478,7 @@
           <a:p>
             <a:fld id="{6BA5D40C-A8DC-479A-A5D3-E7B4936A184B}" type="datetimeFigureOut">
               <a:rPr lang="en-GB" smtClean="0"/>
-              <a:t>29/05/2023</a:t>
+              <a:t>31/05/2023</a:t>
             </a:fld>
             <a:endParaRPr lang="en-GB"/>
           </a:p>
@@ -658,7 +658,7 @@
           <a:p>
             <a:fld id="{6BA5D40C-A8DC-479A-A5D3-E7B4936A184B}" type="datetimeFigureOut">
               <a:rPr lang="en-GB" smtClean="0"/>
-              <a:t>29/05/2023</a:t>
+              <a:t>31/05/2023</a:t>
             </a:fld>
             <a:endParaRPr lang="en-GB"/>
           </a:p>
@@ -828,7 +828,7 @@
           <a:p>
             <a:fld id="{6BA5D40C-A8DC-479A-A5D3-E7B4936A184B}" type="datetimeFigureOut">
               <a:rPr lang="en-GB" smtClean="0"/>
-              <a:t>29/05/2023</a:t>
+              <a:t>31/05/2023</a:t>
             </a:fld>
             <a:endParaRPr lang="en-GB"/>
           </a:p>
@@ -1074,7 +1074,7 @@
           <a:p>
             <a:fld id="{6BA5D40C-A8DC-479A-A5D3-E7B4936A184B}" type="datetimeFigureOut">
               <a:rPr lang="en-GB" smtClean="0"/>
-              <a:t>29/05/2023</a:t>
+              <a:t>31/05/2023</a:t>
             </a:fld>
             <a:endParaRPr lang="en-GB"/>
           </a:p>
@@ -1362,7 +1362,7 @@
           <a:p>
             <a:fld id="{6BA5D40C-A8DC-479A-A5D3-E7B4936A184B}" type="datetimeFigureOut">
               <a:rPr lang="en-GB" smtClean="0"/>
-              <a:t>29/05/2023</a:t>
+              <a:t>31/05/2023</a:t>
             </a:fld>
             <a:endParaRPr lang="en-GB"/>
           </a:p>
@@ -1789,7 +1789,7 @@
           <a:p>
             <a:fld id="{6BA5D40C-A8DC-479A-A5D3-E7B4936A184B}" type="datetimeFigureOut">
               <a:rPr lang="en-GB" smtClean="0"/>
-              <a:t>29/05/2023</a:t>
+              <a:t>31/05/2023</a:t>
             </a:fld>
             <a:endParaRPr lang="en-GB"/>
           </a:p>
@@ -1907,7 +1907,7 @@
           <a:p>
             <a:fld id="{6BA5D40C-A8DC-479A-A5D3-E7B4936A184B}" type="datetimeFigureOut">
               <a:rPr lang="en-GB" smtClean="0"/>
-              <a:t>29/05/2023</a:t>
+              <a:t>31/05/2023</a:t>
             </a:fld>
             <a:endParaRPr lang="en-GB"/>
           </a:p>
@@ -2002,7 +2002,7 @@
           <a:p>
             <a:fld id="{6BA5D40C-A8DC-479A-A5D3-E7B4936A184B}" type="datetimeFigureOut">
               <a:rPr lang="en-GB" smtClean="0"/>
-              <a:t>29/05/2023</a:t>
+              <a:t>31/05/2023</a:t>
             </a:fld>
             <a:endParaRPr lang="en-GB"/>
           </a:p>
@@ -2279,7 +2279,7 @@
           <a:p>
             <a:fld id="{6BA5D40C-A8DC-479A-A5D3-E7B4936A184B}" type="datetimeFigureOut">
               <a:rPr lang="en-GB" smtClean="0"/>
-              <a:t>29/05/2023</a:t>
+              <a:t>31/05/2023</a:t>
             </a:fld>
             <a:endParaRPr lang="en-GB"/>
           </a:p>
@@ -2532,7 +2532,7 @@
           <a:p>
             <a:fld id="{6BA5D40C-A8DC-479A-A5D3-E7B4936A184B}" type="datetimeFigureOut">
               <a:rPr lang="en-GB" smtClean="0"/>
-              <a:t>29/05/2023</a:t>
+              <a:t>31/05/2023</a:t>
             </a:fld>
             <a:endParaRPr lang="en-GB"/>
           </a:p>
@@ -2745,7 +2745,7 @@
           <a:p>
             <a:fld id="{6BA5D40C-A8DC-479A-A5D3-E7B4936A184B}" type="datetimeFigureOut">
               <a:rPr lang="en-GB" smtClean="0"/>
-              <a:t>29/05/2023</a:t>
+              <a:t>31/05/2023</a:t>
             </a:fld>
             <a:endParaRPr lang="en-GB"/>
           </a:p>
@@ -3122,10 +3122,10 @@
       </p:grpSpPr>
       <p:grpSp>
         <p:nvGrpSpPr>
-          <p:cNvPr id="88" name="Groupe 87">
+          <p:cNvPr id="149" name="Groupe 148">
             <a:extLst>
               <a:ext uri="{FF2B5EF4-FFF2-40B4-BE49-F238E27FC236}">
-                <a16:creationId xmlns:a16="http://schemas.microsoft.com/office/drawing/2014/main" id="{02B12AC4-AD8A-7DFE-0D92-59A33359D5BE}"/>
+                <a16:creationId xmlns:a16="http://schemas.microsoft.com/office/drawing/2014/main" id="{A0A8EB50-CBCB-47F2-4724-716CA8201E5E}"/>
               </a:ext>
             </a:extLst>
           </p:cNvPr>
@@ -3142,7 +3142,13 @@
         </p:grpSpPr>
         <p:sp>
           <p:nvSpPr>
-            <p:cNvPr id="4" name="rc4"/>
+            <p:cNvPr id="150" name="rc4">
+              <a:extLst>
+                <a:ext uri="{FF2B5EF4-FFF2-40B4-BE49-F238E27FC236}">
+                  <a16:creationId xmlns:a16="http://schemas.microsoft.com/office/drawing/2014/main" id="{DA55FD76-A124-BC5E-4D56-B9B58ACA7099}"/>
+                </a:ext>
+              </a:extLst>
+            </p:cNvPr>
             <p:cNvSpPr/>
             <p:nvPr/>
           </p:nvSpPr>
@@ -3179,7 +3185,13 @@
         </p:sp>
         <p:sp>
           <p:nvSpPr>
-            <p:cNvPr id="5" name="rc5"/>
+            <p:cNvPr id="151" name="rc5">
+              <a:extLst>
+                <a:ext uri="{FF2B5EF4-FFF2-40B4-BE49-F238E27FC236}">
+                  <a16:creationId xmlns:a16="http://schemas.microsoft.com/office/drawing/2014/main" id="{4A8A9CE3-385D-D75B-9D41-C4744F423E7B}"/>
+                </a:ext>
+              </a:extLst>
+            </p:cNvPr>
             <p:cNvSpPr/>
             <p:nvPr/>
           </p:nvSpPr>
@@ -3216,7 +3228,13 @@
         </p:sp>
         <p:sp>
           <p:nvSpPr>
-            <p:cNvPr id="6" name="rc6"/>
+            <p:cNvPr id="152" name="rc6">
+              <a:extLst>
+                <a:ext uri="{FF2B5EF4-FFF2-40B4-BE49-F238E27FC236}">
+                  <a16:creationId xmlns:a16="http://schemas.microsoft.com/office/drawing/2014/main" id="{6CF27160-4663-602D-0753-32F785A2F1BF}"/>
+                </a:ext>
+              </a:extLst>
+            </p:cNvPr>
             <p:cNvSpPr/>
             <p:nvPr/>
           </p:nvSpPr>
@@ -3253,7 +3271,13 @@
         </p:sp>
         <p:sp>
           <p:nvSpPr>
-            <p:cNvPr id="7" name="rc7"/>
+            <p:cNvPr id="153" name="rc7">
+              <a:extLst>
+                <a:ext uri="{FF2B5EF4-FFF2-40B4-BE49-F238E27FC236}">
+                  <a16:creationId xmlns:a16="http://schemas.microsoft.com/office/drawing/2014/main" id="{F85D5EC1-86F4-0E9C-1CF5-A3E385D3D046}"/>
+                </a:ext>
+              </a:extLst>
+            </p:cNvPr>
             <p:cNvSpPr/>
             <p:nvPr/>
           </p:nvSpPr>
@@ -3290,7 +3314,13 @@
         </p:sp>
         <p:sp>
           <p:nvSpPr>
-            <p:cNvPr id="8" name="rc8"/>
+            <p:cNvPr id="154" name="rc8">
+              <a:extLst>
+                <a:ext uri="{FF2B5EF4-FFF2-40B4-BE49-F238E27FC236}">
+                  <a16:creationId xmlns:a16="http://schemas.microsoft.com/office/drawing/2014/main" id="{2B4E8365-2B81-40B0-9A07-A83DD422946A}"/>
+                </a:ext>
+              </a:extLst>
+            </p:cNvPr>
             <p:cNvSpPr/>
             <p:nvPr/>
           </p:nvSpPr>
@@ -3327,7 +3357,13 @@
         </p:sp>
         <p:sp>
           <p:nvSpPr>
-            <p:cNvPr id="9" name="rc9"/>
+            <p:cNvPr id="155" name="rc9">
+              <a:extLst>
+                <a:ext uri="{FF2B5EF4-FFF2-40B4-BE49-F238E27FC236}">
+                  <a16:creationId xmlns:a16="http://schemas.microsoft.com/office/drawing/2014/main" id="{55BE86B8-341A-3850-E35C-42E18A3D8128}"/>
+                </a:ext>
+              </a:extLst>
+            </p:cNvPr>
             <p:cNvSpPr/>
             <p:nvPr/>
           </p:nvSpPr>
@@ -3364,7 +3400,13 @@
         </p:sp>
         <p:sp>
           <p:nvSpPr>
-            <p:cNvPr id="10" name="rc10"/>
+            <p:cNvPr id="156" name="rc10">
+              <a:extLst>
+                <a:ext uri="{FF2B5EF4-FFF2-40B4-BE49-F238E27FC236}">
+                  <a16:creationId xmlns:a16="http://schemas.microsoft.com/office/drawing/2014/main" id="{527A271C-8CA5-D872-C30F-27003CD438E0}"/>
+                </a:ext>
+              </a:extLst>
+            </p:cNvPr>
             <p:cNvSpPr/>
             <p:nvPr/>
           </p:nvSpPr>
@@ -3401,7 +3443,13 @@
         </p:sp>
         <p:sp>
           <p:nvSpPr>
-            <p:cNvPr id="11" name="rc11"/>
+            <p:cNvPr id="157" name="rc11">
+              <a:extLst>
+                <a:ext uri="{FF2B5EF4-FFF2-40B4-BE49-F238E27FC236}">
+                  <a16:creationId xmlns:a16="http://schemas.microsoft.com/office/drawing/2014/main" id="{D5EEE9EE-D113-DC9F-DA15-377DF00E83F2}"/>
+                </a:ext>
+              </a:extLst>
+            </p:cNvPr>
             <p:cNvSpPr/>
             <p:nvPr/>
           </p:nvSpPr>
@@ -3438,7 +3486,13 @@
         </p:sp>
         <p:sp>
           <p:nvSpPr>
-            <p:cNvPr id="12" name="rc12"/>
+            <p:cNvPr id="158" name="rc12">
+              <a:extLst>
+                <a:ext uri="{FF2B5EF4-FFF2-40B4-BE49-F238E27FC236}">
+                  <a16:creationId xmlns:a16="http://schemas.microsoft.com/office/drawing/2014/main" id="{3D957287-1304-8ADB-9929-E0F6587A409B}"/>
+                </a:ext>
+              </a:extLst>
+            </p:cNvPr>
             <p:cNvSpPr/>
             <p:nvPr/>
           </p:nvSpPr>
@@ -3475,7 +3529,13 @@
         </p:sp>
         <p:sp>
           <p:nvSpPr>
-            <p:cNvPr id="13" name="rc13"/>
+            <p:cNvPr id="159" name="rc13">
+              <a:extLst>
+                <a:ext uri="{FF2B5EF4-FFF2-40B4-BE49-F238E27FC236}">
+                  <a16:creationId xmlns:a16="http://schemas.microsoft.com/office/drawing/2014/main" id="{AB1CCBCC-DB68-0050-1F40-6969DE60F3C1}"/>
+                </a:ext>
+              </a:extLst>
+            </p:cNvPr>
             <p:cNvSpPr/>
             <p:nvPr/>
           </p:nvSpPr>
@@ -3512,14 +3572,20 @@
         </p:sp>
         <p:sp>
           <p:nvSpPr>
-            <p:cNvPr id="14" name="pt14"/>
-            <p:cNvSpPr/>
-            <p:nvPr/>
-          </p:nvSpPr>
-          <p:spPr>
-            <a:xfrm>
-              <a:off x="3686488" y="2101803"/>
-              <a:ext cx="708945" cy="708945"/>
+            <p:cNvPr id="160" name="pt14">
+              <a:extLst>
+                <a:ext uri="{FF2B5EF4-FFF2-40B4-BE49-F238E27FC236}">
+                  <a16:creationId xmlns:a16="http://schemas.microsoft.com/office/drawing/2014/main" id="{9AAFD478-9E52-BC72-D043-7FD0F49FD8BF}"/>
+                </a:ext>
+              </a:extLst>
+            </p:cNvPr>
+            <p:cNvSpPr/>
+            <p:nvPr/>
+          </p:nvSpPr>
+          <p:spPr>
+            <a:xfrm>
+              <a:off x="3685801" y="2101117"/>
+              <a:ext cx="710317" cy="710317"/>
             </a:xfrm>
             <a:prstGeom prst="ellipse">
               <a:avLst/>
@@ -3549,14 +3615,20 @@
         </p:sp>
         <p:sp>
           <p:nvSpPr>
-            <p:cNvPr id="15" name="pt15"/>
-            <p:cNvSpPr/>
-            <p:nvPr/>
-          </p:nvSpPr>
-          <p:spPr>
-            <a:xfrm>
-              <a:off x="3806656" y="3224155"/>
-              <a:ext cx="468607" cy="468607"/>
+            <p:cNvPr id="161" name="pt15">
+              <a:extLst>
+                <a:ext uri="{FF2B5EF4-FFF2-40B4-BE49-F238E27FC236}">
+                  <a16:creationId xmlns:a16="http://schemas.microsoft.com/office/drawing/2014/main" id="{9658942A-1C5F-7C36-8C1B-631C8515EFA0}"/>
+                </a:ext>
+              </a:extLst>
+            </p:cNvPr>
+            <p:cNvSpPr/>
+            <p:nvPr/>
+          </p:nvSpPr>
+          <p:spPr>
+            <a:xfrm>
+              <a:off x="3806433" y="3223931"/>
+              <a:ext cx="469055" cy="469055"/>
             </a:xfrm>
             <a:prstGeom prst="ellipse">
               <a:avLst/>
@@ -3586,14 +3658,20 @@
         </p:sp>
         <p:sp>
           <p:nvSpPr>
-            <p:cNvPr id="16" name="pt16"/>
-            <p:cNvSpPr/>
-            <p:nvPr/>
-          </p:nvSpPr>
-          <p:spPr>
-            <a:xfrm>
-              <a:off x="3792773" y="4212453"/>
-              <a:ext cx="496375" cy="496375"/>
+            <p:cNvPr id="162" name="pt16">
+              <a:extLst>
+                <a:ext uri="{FF2B5EF4-FFF2-40B4-BE49-F238E27FC236}">
+                  <a16:creationId xmlns:a16="http://schemas.microsoft.com/office/drawing/2014/main" id="{E72D7E79-E4D1-1C75-891B-DC6F7507E2EC}"/>
+                </a:ext>
+              </a:extLst>
+            </p:cNvPr>
+            <p:cNvSpPr/>
+            <p:nvPr/>
+          </p:nvSpPr>
+          <p:spPr>
+            <a:xfrm>
+              <a:off x="3795251" y="4214932"/>
+              <a:ext cx="491417" cy="491417"/>
             </a:xfrm>
             <a:prstGeom prst="ellipse">
               <a:avLst/>
@@ -3623,14 +3701,20 @@
         </p:sp>
         <p:sp>
           <p:nvSpPr>
-            <p:cNvPr id="17" name="pt17"/>
-            <p:cNvSpPr/>
-            <p:nvPr/>
-          </p:nvSpPr>
-          <p:spPr>
-            <a:xfrm>
-              <a:off x="3875045" y="5296908"/>
-              <a:ext cx="331830" cy="331830"/>
+            <p:cNvPr id="163" name="pt17">
+              <a:extLst>
+                <a:ext uri="{FF2B5EF4-FFF2-40B4-BE49-F238E27FC236}">
+                  <a16:creationId xmlns:a16="http://schemas.microsoft.com/office/drawing/2014/main" id="{F0FE6503-A69D-95CB-35DC-A87BC111BBD2}"/>
+                </a:ext>
+              </a:extLst>
+            </p:cNvPr>
+            <p:cNvSpPr/>
+            <p:nvPr/>
+          </p:nvSpPr>
+          <p:spPr>
+            <a:xfrm>
+              <a:off x="3897575" y="5319438"/>
+              <a:ext cx="286770" cy="286770"/>
             </a:xfrm>
             <a:prstGeom prst="ellipse">
               <a:avLst/>
@@ -3660,14 +3744,20 @@
         </p:sp>
         <p:sp>
           <p:nvSpPr>
-            <p:cNvPr id="18" name="pt18"/>
-            <p:cNvSpPr/>
-            <p:nvPr/>
-          </p:nvSpPr>
-          <p:spPr>
-            <a:xfrm>
-              <a:off x="4999868" y="3415184"/>
-              <a:ext cx="86549" cy="86549"/>
+            <p:cNvPr id="164" name="pt18">
+              <a:extLst>
+                <a:ext uri="{FF2B5EF4-FFF2-40B4-BE49-F238E27FC236}">
+                  <a16:creationId xmlns:a16="http://schemas.microsoft.com/office/drawing/2014/main" id="{72D00C83-EA7C-269C-811B-845239279C00}"/>
+                </a:ext>
+              </a:extLst>
+            </p:cNvPr>
+            <p:cNvSpPr/>
+            <p:nvPr/>
+          </p:nvSpPr>
+          <p:spPr>
+            <a:xfrm>
+              <a:off x="4988066" y="3403382"/>
+              <a:ext cx="110152" cy="110152"/>
             </a:xfrm>
             <a:prstGeom prst="ellipse">
               <a:avLst/>
@@ -3697,14 +3787,20 @@
         </p:sp>
         <p:sp>
           <p:nvSpPr>
-            <p:cNvPr id="19" name="pt19"/>
-            <p:cNvSpPr/>
-            <p:nvPr/>
-          </p:nvSpPr>
-          <p:spPr>
-            <a:xfrm>
-              <a:off x="4812002" y="4229500"/>
-              <a:ext cx="462281" cy="462281"/>
+            <p:cNvPr id="165" name="pt19">
+              <a:extLst>
+                <a:ext uri="{FF2B5EF4-FFF2-40B4-BE49-F238E27FC236}">
+                  <a16:creationId xmlns:a16="http://schemas.microsoft.com/office/drawing/2014/main" id="{D14B327D-9EAC-C1C4-3D93-44289086DA31}"/>
+                </a:ext>
+              </a:extLst>
+            </p:cNvPr>
+            <p:cNvSpPr/>
+            <p:nvPr/>
+          </p:nvSpPr>
+          <p:spPr>
+            <a:xfrm>
+              <a:off x="4810087" y="4227585"/>
+              <a:ext cx="466111" cy="466111"/>
             </a:xfrm>
             <a:prstGeom prst="ellipse">
               <a:avLst/>
@@ -3734,14 +3830,20 @@
         </p:sp>
         <p:sp>
           <p:nvSpPr>
-            <p:cNvPr id="20" name="pt20"/>
-            <p:cNvSpPr/>
-            <p:nvPr/>
-          </p:nvSpPr>
-          <p:spPr>
-            <a:xfrm>
-              <a:off x="4867991" y="5287672"/>
-              <a:ext cx="350304" cy="350304"/>
+            <p:cNvPr id="166" name="pt20">
+              <a:extLst>
+                <a:ext uri="{FF2B5EF4-FFF2-40B4-BE49-F238E27FC236}">
+                  <a16:creationId xmlns:a16="http://schemas.microsoft.com/office/drawing/2014/main" id="{5B2AB273-75EA-7736-AD4D-6786317CDCA0}"/>
+                </a:ext>
+              </a:extLst>
+            </p:cNvPr>
+            <p:cNvSpPr/>
+            <p:nvPr/>
+          </p:nvSpPr>
+          <p:spPr>
+            <a:xfrm>
+              <a:off x="4852860" y="5272541"/>
+              <a:ext cx="380564" cy="380564"/>
             </a:xfrm>
             <a:prstGeom prst="ellipse">
               <a:avLst/>
@@ -3771,14 +3873,20 @@
         </p:sp>
         <p:sp>
           <p:nvSpPr>
-            <p:cNvPr id="21" name="pt21"/>
-            <p:cNvSpPr/>
-            <p:nvPr/>
-          </p:nvSpPr>
-          <p:spPr>
-            <a:xfrm>
-              <a:off x="5737594" y="4152910"/>
-              <a:ext cx="615462" cy="615462"/>
+            <p:cNvPr id="167" name="pt21">
+              <a:extLst>
+                <a:ext uri="{FF2B5EF4-FFF2-40B4-BE49-F238E27FC236}">
+                  <a16:creationId xmlns:a16="http://schemas.microsoft.com/office/drawing/2014/main" id="{0F3EFB1C-042F-B188-96C7-FEC830A1FDDE}"/>
+                </a:ext>
+              </a:extLst>
+            </p:cNvPr>
+            <p:cNvSpPr/>
+            <p:nvPr/>
+          </p:nvSpPr>
+          <p:spPr>
+            <a:xfrm>
+              <a:off x="5738088" y="4153404"/>
+              <a:ext cx="614474" cy="614474"/>
             </a:xfrm>
             <a:prstGeom prst="ellipse">
               <a:avLst/>
@@ -3808,14 +3916,20 @@
         </p:sp>
         <p:sp>
           <p:nvSpPr>
-            <p:cNvPr id="22" name="pt22"/>
-            <p:cNvSpPr/>
-            <p:nvPr/>
-          </p:nvSpPr>
-          <p:spPr>
-            <a:xfrm>
-              <a:off x="5748673" y="5166171"/>
-              <a:ext cx="593304" cy="593304"/>
+            <p:cNvPr id="168" name="pt22">
+              <a:extLst>
+                <a:ext uri="{FF2B5EF4-FFF2-40B4-BE49-F238E27FC236}">
+                  <a16:creationId xmlns:a16="http://schemas.microsoft.com/office/drawing/2014/main" id="{32B38FF5-E163-957C-742B-5C3281365015}"/>
+                </a:ext>
+              </a:extLst>
+            </p:cNvPr>
+            <p:cNvSpPr/>
+            <p:nvPr/>
+          </p:nvSpPr>
+          <p:spPr>
+            <a:xfrm>
+              <a:off x="5743675" y="5161173"/>
+              <a:ext cx="603300" cy="603300"/>
             </a:xfrm>
             <a:prstGeom prst="ellipse">
               <a:avLst/>
@@ -3845,14 +3959,20 @@
         </p:sp>
         <p:sp>
           <p:nvSpPr>
-            <p:cNvPr id="23" name="pt23"/>
-            <p:cNvSpPr/>
-            <p:nvPr/>
-          </p:nvSpPr>
-          <p:spPr>
-            <a:xfrm>
-              <a:off x="6775202" y="5190518"/>
-              <a:ext cx="544612" cy="544612"/>
+            <p:cNvPr id="169" name="pt23">
+              <a:extLst>
+                <a:ext uri="{FF2B5EF4-FFF2-40B4-BE49-F238E27FC236}">
+                  <a16:creationId xmlns:a16="http://schemas.microsoft.com/office/drawing/2014/main" id="{4F609DA2-5053-E9AF-89C2-137A5CF4CB13}"/>
+                </a:ext>
+              </a:extLst>
+            </p:cNvPr>
+            <p:cNvSpPr/>
+            <p:nvPr/>
+          </p:nvSpPr>
+          <p:spPr>
+            <a:xfrm>
+              <a:off x="6775592" y="5190908"/>
+              <a:ext cx="543831" cy="543831"/>
             </a:xfrm>
             <a:prstGeom prst="ellipse">
               <a:avLst/>
@@ -3882,7 +4002,13 @@
         </p:sp>
         <p:sp>
           <p:nvSpPr>
-            <p:cNvPr id="24" name="rc24"/>
+            <p:cNvPr id="170" name="rc24">
+              <a:extLst>
+                <a:ext uri="{FF2B5EF4-FFF2-40B4-BE49-F238E27FC236}">
+                  <a16:creationId xmlns:a16="http://schemas.microsoft.com/office/drawing/2014/main" id="{0C9D1F47-61A1-6AC0-FA5B-C841C00EB65F}"/>
+                </a:ext>
+              </a:extLst>
+            </p:cNvPr>
             <p:cNvSpPr/>
             <p:nvPr/>
           </p:nvSpPr>
@@ -3914,7 +4040,13 @@
         </p:sp>
         <p:sp>
           <p:nvSpPr>
-            <p:cNvPr id="25" name="rc25"/>
+            <p:cNvPr id="171" name="rc25">
+              <a:extLst>
+                <a:ext uri="{FF2B5EF4-FFF2-40B4-BE49-F238E27FC236}">
+                  <a16:creationId xmlns:a16="http://schemas.microsoft.com/office/drawing/2014/main" id="{8294391B-2425-0801-4F24-FED5542B2E80}"/>
+                </a:ext>
+              </a:extLst>
+            </p:cNvPr>
             <p:cNvSpPr/>
             <p:nvPr/>
           </p:nvSpPr>
@@ -3946,7 +4078,13 @@
         </p:sp>
         <p:sp>
           <p:nvSpPr>
-            <p:cNvPr id="26" name="rc26"/>
+            <p:cNvPr id="172" name="rc26">
+              <a:extLst>
+                <a:ext uri="{FF2B5EF4-FFF2-40B4-BE49-F238E27FC236}">
+                  <a16:creationId xmlns:a16="http://schemas.microsoft.com/office/drawing/2014/main" id="{A9B66897-28D9-0918-E42F-77EAD4C8A412}"/>
+                </a:ext>
+              </a:extLst>
+            </p:cNvPr>
             <p:cNvSpPr/>
             <p:nvPr/>
           </p:nvSpPr>
@@ -3978,7 +4116,13 @@
         </p:sp>
         <p:sp>
           <p:nvSpPr>
-            <p:cNvPr id="27" name="rc27"/>
+            <p:cNvPr id="173" name="rc27">
+              <a:extLst>
+                <a:ext uri="{FF2B5EF4-FFF2-40B4-BE49-F238E27FC236}">
+                  <a16:creationId xmlns:a16="http://schemas.microsoft.com/office/drawing/2014/main" id="{62BCB153-EB4A-A688-7E2C-D1178F51E466}"/>
+                </a:ext>
+              </a:extLst>
+            </p:cNvPr>
             <p:cNvSpPr/>
             <p:nvPr/>
           </p:nvSpPr>
@@ -4010,7 +4154,13 @@
         </p:sp>
         <p:sp>
           <p:nvSpPr>
-            <p:cNvPr id="28" name="rc28"/>
+            <p:cNvPr id="174" name="rc28">
+              <a:extLst>
+                <a:ext uri="{FF2B5EF4-FFF2-40B4-BE49-F238E27FC236}">
+                  <a16:creationId xmlns:a16="http://schemas.microsoft.com/office/drawing/2014/main" id="{36A0B099-6BBF-30BB-2212-0C930685D447}"/>
+                </a:ext>
+              </a:extLst>
+            </p:cNvPr>
             <p:cNvSpPr/>
             <p:nvPr/>
           </p:nvSpPr>
@@ -4042,7 +4192,13 @@
         </p:sp>
         <p:sp>
           <p:nvSpPr>
-            <p:cNvPr id="29" name="rc29"/>
+            <p:cNvPr id="175" name="rc29">
+              <a:extLst>
+                <a:ext uri="{FF2B5EF4-FFF2-40B4-BE49-F238E27FC236}">
+                  <a16:creationId xmlns:a16="http://schemas.microsoft.com/office/drawing/2014/main" id="{199C2398-C471-D58F-7139-5943267155B2}"/>
+                </a:ext>
+              </a:extLst>
+            </p:cNvPr>
             <p:cNvSpPr/>
             <p:nvPr/>
           </p:nvSpPr>
@@ -4074,7 +4230,13 @@
         </p:sp>
         <p:sp>
           <p:nvSpPr>
-            <p:cNvPr id="30" name="rc30"/>
+            <p:cNvPr id="176" name="rc30">
+              <a:extLst>
+                <a:ext uri="{FF2B5EF4-FFF2-40B4-BE49-F238E27FC236}">
+                  <a16:creationId xmlns:a16="http://schemas.microsoft.com/office/drawing/2014/main" id="{A2B3D72F-8AAC-23C8-0496-AFC674DCEE81}"/>
+                </a:ext>
+              </a:extLst>
+            </p:cNvPr>
             <p:cNvSpPr/>
             <p:nvPr/>
           </p:nvSpPr>
@@ -4106,7 +4268,13 @@
         </p:sp>
         <p:sp>
           <p:nvSpPr>
-            <p:cNvPr id="31" name="rc31"/>
+            <p:cNvPr id="177" name="rc31">
+              <a:extLst>
+                <a:ext uri="{FF2B5EF4-FFF2-40B4-BE49-F238E27FC236}">
+                  <a16:creationId xmlns:a16="http://schemas.microsoft.com/office/drawing/2014/main" id="{0EE9D1C3-9970-5BB3-DE1D-CBD0FC9B68B5}"/>
+                </a:ext>
+              </a:extLst>
+            </p:cNvPr>
             <p:cNvSpPr/>
             <p:nvPr/>
           </p:nvSpPr>
@@ -4138,7 +4306,13 @@
         </p:sp>
         <p:sp>
           <p:nvSpPr>
-            <p:cNvPr id="32" name="rc32"/>
+            <p:cNvPr id="178" name="rc32">
+              <a:extLst>
+                <a:ext uri="{FF2B5EF4-FFF2-40B4-BE49-F238E27FC236}">
+                  <a16:creationId xmlns:a16="http://schemas.microsoft.com/office/drawing/2014/main" id="{213EA5B8-BAEF-65AF-471B-416D3FC0916A}"/>
+                </a:ext>
+              </a:extLst>
+            </p:cNvPr>
             <p:cNvSpPr/>
             <p:nvPr/>
           </p:nvSpPr>
@@ -4170,7 +4344,13 @@
         </p:sp>
         <p:sp>
           <p:nvSpPr>
-            <p:cNvPr id="33" name="rc33"/>
+            <p:cNvPr id="179" name="rc33">
+              <a:extLst>
+                <a:ext uri="{FF2B5EF4-FFF2-40B4-BE49-F238E27FC236}">
+                  <a16:creationId xmlns:a16="http://schemas.microsoft.com/office/drawing/2014/main" id="{F9C1C553-A443-48A7-95C7-B1ACC186348E}"/>
+                </a:ext>
+              </a:extLst>
+            </p:cNvPr>
             <p:cNvSpPr/>
             <p:nvPr/>
           </p:nvSpPr>
@@ -4202,7 +4382,13 @@
         </p:sp>
         <p:sp>
           <p:nvSpPr>
-            <p:cNvPr id="34" name="tx34"/>
+            <p:cNvPr id="180" name="tx34">
+              <a:extLst>
+                <a:ext uri="{FF2B5EF4-FFF2-40B4-BE49-F238E27FC236}">
+                  <a16:creationId xmlns:a16="http://schemas.microsoft.com/office/drawing/2014/main" id="{FCB03BB0-A50C-28B7-113E-516A3F1A9C70}"/>
+                </a:ext>
+              </a:extLst>
+            </p:cNvPr>
             <p:cNvSpPr/>
             <p:nvPr/>
           </p:nvSpPr>
@@ -4248,7 +4434,13 @@
         </p:sp>
         <p:sp>
           <p:nvSpPr>
-            <p:cNvPr id="35" name="tx35"/>
+            <p:cNvPr id="181" name="tx35">
+              <a:extLst>
+                <a:ext uri="{FF2B5EF4-FFF2-40B4-BE49-F238E27FC236}">
+                  <a16:creationId xmlns:a16="http://schemas.microsoft.com/office/drawing/2014/main" id="{4A397A11-4636-C634-76E5-C4A1046C94FA}"/>
+                </a:ext>
+              </a:extLst>
+            </p:cNvPr>
             <p:cNvSpPr/>
             <p:nvPr/>
           </p:nvSpPr>
@@ -4294,7 +4486,13 @@
         </p:sp>
         <p:sp>
           <p:nvSpPr>
-            <p:cNvPr id="36" name="tx36"/>
+            <p:cNvPr id="182" name="tx36">
+              <a:extLst>
+                <a:ext uri="{FF2B5EF4-FFF2-40B4-BE49-F238E27FC236}">
+                  <a16:creationId xmlns:a16="http://schemas.microsoft.com/office/drawing/2014/main" id="{838FB4E9-236D-7BFA-482F-394392F5523B}"/>
+                </a:ext>
+              </a:extLst>
+            </p:cNvPr>
             <p:cNvSpPr/>
             <p:nvPr/>
           </p:nvSpPr>
@@ -4324,7 +4522,7 @@
                 </a:spcAft>
               </a:pPr>
               <a:r>
-                <a:rPr sz="1800" b="1" dirty="0">
+                <a:rPr sz="1800" b="1">
                   <a:solidFill>
                     <a:srgbClr val="000000">
                       <a:alpha val="100000"/>
@@ -4333,42 +4531,27 @@
                   <a:latin typeface="Arial"/>
                   <a:cs typeface="Arial"/>
                 </a:rPr>
-                <a:t>-0.</a:t>
+                <a:t>-0.3</a:t>
               </a:r>
-              <a:r>
-                <a:rPr lang="en-CA" sz="1800" b="1" dirty="0">
-                  <a:solidFill>
-                    <a:srgbClr val="000000">
-                      <a:alpha val="100000"/>
-                    </a:srgbClr>
-                  </a:solidFill>
-                  <a:latin typeface="Arial"/>
-                  <a:cs typeface="Arial"/>
-                </a:rPr>
-                <a:t>29</a:t>
-              </a:r>
-              <a:endParaRPr sz="1800" b="1" dirty="0">
-                <a:solidFill>
-                  <a:srgbClr val="000000">
-                    <a:alpha val="100000"/>
-                  </a:srgbClr>
-                </a:solidFill>
-                <a:latin typeface="Arial"/>
-                <a:cs typeface="Arial"/>
-              </a:endParaRPr>
-            </a:p>
-          </p:txBody>
-        </p:sp>
-        <p:sp>
-          <p:nvSpPr>
-            <p:cNvPr id="37" name="tx37"/>
-            <p:cNvSpPr/>
-            <p:nvPr/>
-          </p:nvSpPr>
-          <p:spPr>
-            <a:xfrm>
-              <a:off x="3780437" y="5376485"/>
-              <a:ext cx="521047" cy="167096"/>
+            </a:p>
+          </p:txBody>
+        </p:sp>
+        <p:sp>
+          <p:nvSpPr>
+            <p:cNvPr id="183" name="tx37">
+              <a:extLst>
+                <a:ext uri="{FF2B5EF4-FFF2-40B4-BE49-F238E27FC236}">
+                  <a16:creationId xmlns:a16="http://schemas.microsoft.com/office/drawing/2014/main" id="{D4C4B6E5-285B-6D4B-5034-68277F206878}"/>
+                </a:ext>
+              </a:extLst>
+            </p:cNvPr>
+            <p:cNvSpPr/>
+            <p:nvPr/>
+          </p:nvSpPr>
+          <p:spPr>
+            <a:xfrm>
+              <a:off x="3844005" y="5376485"/>
+              <a:ext cx="393910" cy="167096"/>
             </a:xfrm>
             <a:prstGeom prst="rect">
               <a:avLst/>
@@ -4391,7 +4574,7 @@
                 </a:spcAft>
               </a:pPr>
               <a:r>
-                <a:rPr sz="1800" b="1" dirty="0">
+                <a:rPr sz="1800" b="1">
                   <a:solidFill>
                     <a:srgbClr val="000000">
                       <a:alpha val="100000"/>
@@ -4402,33 +4585,18 @@
                 </a:rPr>
                 <a:t>-0.1</a:t>
               </a:r>
-              <a:r>
-                <a:rPr lang="en-CA" sz="1800" b="1" dirty="0">
-                  <a:solidFill>
-                    <a:srgbClr val="000000">
-                      <a:alpha val="100000"/>
-                    </a:srgbClr>
-                  </a:solidFill>
-                  <a:latin typeface="Arial"/>
-                  <a:cs typeface="Arial"/>
-                </a:rPr>
-                <a:t>3</a:t>
-              </a:r>
-              <a:endParaRPr sz="1800" b="1" dirty="0">
-                <a:solidFill>
-                  <a:srgbClr val="000000">
-                    <a:alpha val="100000"/>
-                  </a:srgbClr>
-                </a:solidFill>
-                <a:latin typeface="Arial"/>
-                <a:cs typeface="Arial"/>
-              </a:endParaRPr>
-            </a:p>
-          </p:txBody>
-        </p:sp>
-        <p:sp>
-          <p:nvSpPr>
-            <p:cNvPr id="38" name="tx38"/>
+            </a:p>
+          </p:txBody>
+        </p:sp>
+        <p:sp>
+          <p:nvSpPr>
+            <p:cNvPr id="184" name="tx38">
+              <a:extLst>
+                <a:ext uri="{FF2B5EF4-FFF2-40B4-BE49-F238E27FC236}">
+                  <a16:creationId xmlns:a16="http://schemas.microsoft.com/office/drawing/2014/main" id="{5C441622-1D2E-746B-A6E1-70C8A76AED70}"/>
+                </a:ext>
+              </a:extLst>
+            </p:cNvPr>
             <p:cNvSpPr/>
             <p:nvPr/>
           </p:nvSpPr>
@@ -4474,7 +4642,13 @@
         </p:sp>
         <p:sp>
           <p:nvSpPr>
-            <p:cNvPr id="39" name="tx39"/>
+            <p:cNvPr id="185" name="tx39">
+              <a:extLst>
+                <a:ext uri="{FF2B5EF4-FFF2-40B4-BE49-F238E27FC236}">
+                  <a16:creationId xmlns:a16="http://schemas.microsoft.com/office/drawing/2014/main" id="{DEC12665-FD6C-0620-16EC-9BF4572EFCEF}"/>
+                </a:ext>
+              </a:extLst>
+            </p:cNvPr>
             <p:cNvSpPr/>
             <p:nvPr/>
           </p:nvSpPr>
@@ -4513,21 +4687,27 @@
                   <a:latin typeface="Arial"/>
                   <a:cs typeface="Arial"/>
                 </a:rPr>
-                <a:t>0.26</a:t>
+                <a:t>0.27</a:t>
               </a:r>
             </a:p>
           </p:txBody>
         </p:sp>
         <p:sp>
           <p:nvSpPr>
-            <p:cNvPr id="40" name="tx40"/>
-            <p:cNvSpPr/>
-            <p:nvPr/>
-          </p:nvSpPr>
-          <p:spPr>
-            <a:xfrm>
-              <a:off x="4782619" y="5376485"/>
-              <a:ext cx="521047" cy="167096"/>
+            <p:cNvPr id="186" name="tx40">
+              <a:extLst>
+                <a:ext uri="{FF2B5EF4-FFF2-40B4-BE49-F238E27FC236}">
+                  <a16:creationId xmlns:a16="http://schemas.microsoft.com/office/drawing/2014/main" id="{CC08D9A6-2E27-FE42-A895-476A04A4040D}"/>
+                </a:ext>
+              </a:extLst>
+            </p:cNvPr>
+            <p:cNvSpPr/>
+            <p:nvPr/>
+          </p:nvSpPr>
+          <p:spPr>
+            <a:xfrm>
+              <a:off x="4782619" y="5376317"/>
+              <a:ext cx="521047" cy="167208"/>
             </a:xfrm>
             <a:prstGeom prst="rect">
               <a:avLst/>
@@ -4559,14 +4739,20 @@
                   <a:latin typeface="Arial"/>
                   <a:cs typeface="Arial"/>
                 </a:rPr>
-                <a:t>-0.15</a:t>
+                <a:t>-0.18</a:t>
               </a:r>
             </a:p>
           </p:txBody>
         </p:sp>
         <p:sp>
           <p:nvSpPr>
-            <p:cNvPr id="41" name="tx41"/>
+            <p:cNvPr id="187" name="tx41">
+              <a:extLst>
+                <a:ext uri="{FF2B5EF4-FFF2-40B4-BE49-F238E27FC236}">
+                  <a16:creationId xmlns:a16="http://schemas.microsoft.com/office/drawing/2014/main" id="{F4FB13FC-2AA2-715F-1C7B-5F190B5B553C}"/>
+                </a:ext>
+              </a:extLst>
+            </p:cNvPr>
             <p:cNvSpPr/>
             <p:nvPr/>
           </p:nvSpPr>
@@ -4605,14 +4791,20 @@
                   <a:latin typeface="Arial"/>
                   <a:cs typeface="Arial"/>
                 </a:rPr>
-                <a:t>-0.47</a:t>
+                <a:t>-0.46</a:t>
               </a:r>
             </a:p>
           </p:txBody>
         </p:sp>
         <p:sp>
           <p:nvSpPr>
-            <p:cNvPr id="42" name="tx42"/>
+            <p:cNvPr id="188" name="tx42">
+              <a:extLst>
+                <a:ext uri="{FF2B5EF4-FFF2-40B4-BE49-F238E27FC236}">
+                  <a16:creationId xmlns:a16="http://schemas.microsoft.com/office/drawing/2014/main" id="{BA19C897-DF87-5372-293B-0B2D1D7D2A11}"/>
+                </a:ext>
+              </a:extLst>
+            </p:cNvPr>
             <p:cNvSpPr/>
             <p:nvPr/>
           </p:nvSpPr>
@@ -4642,7 +4834,7 @@
                 </a:spcAft>
               </a:pPr>
               <a:r>
-                <a:rPr sz="1800" b="1" dirty="0">
+                <a:rPr sz="1800" b="1">
                   <a:solidFill>
                     <a:srgbClr val="000000">
                       <a:alpha val="100000"/>
@@ -4651,35 +4843,20 @@
                   <a:latin typeface="Arial"/>
                   <a:cs typeface="Arial"/>
                 </a:rPr>
-                <a:t>-0.4</a:t>
+                <a:t>-0.45</a:t>
               </a:r>
-              <a:r>
-                <a:rPr lang="en-CA" sz="1800" b="1" dirty="0">
-                  <a:solidFill>
-                    <a:srgbClr val="000000">
-                      <a:alpha val="100000"/>
-                    </a:srgbClr>
-                  </a:solidFill>
-                  <a:latin typeface="Arial"/>
-                  <a:cs typeface="Arial"/>
-                </a:rPr>
-                <a:t>2</a:t>
-              </a:r>
-              <a:endParaRPr sz="1800" b="1" dirty="0">
-                <a:solidFill>
-                  <a:srgbClr val="000000">
-                    <a:alpha val="100000"/>
-                  </a:srgbClr>
-                </a:solidFill>
-                <a:latin typeface="Arial"/>
-                <a:cs typeface="Arial"/>
-              </a:endParaRPr>
-            </a:p>
-          </p:txBody>
-        </p:sp>
-        <p:sp>
-          <p:nvSpPr>
-            <p:cNvPr id="43" name="tx43"/>
+            </a:p>
+          </p:txBody>
+        </p:sp>
+        <p:sp>
+          <p:nvSpPr>
+            <p:cNvPr id="189" name="tx43">
+              <a:extLst>
+                <a:ext uri="{FF2B5EF4-FFF2-40B4-BE49-F238E27FC236}">
+                  <a16:creationId xmlns:a16="http://schemas.microsoft.com/office/drawing/2014/main" id="{8332DE10-6DAE-4B51-C0BB-E20E05B837E8}"/>
+                </a:ext>
+              </a:extLst>
+            </p:cNvPr>
             <p:cNvSpPr/>
             <p:nvPr/>
           </p:nvSpPr>
@@ -4709,7 +4886,7 @@
                 </a:spcAft>
               </a:pPr>
               <a:r>
-                <a:rPr sz="1800" b="1" dirty="0">
+                <a:rPr sz="1800" b="1">
                   <a:solidFill>
                     <a:srgbClr val="000000">
                       <a:alpha val="100000"/>
@@ -4718,35 +4895,20 @@
                   <a:latin typeface="Arial"/>
                   <a:cs typeface="Arial"/>
                 </a:rPr>
-                <a:t>0.3</a:t>
+                <a:t>0.36</a:t>
               </a:r>
-              <a:r>
-                <a:rPr lang="en-CA" sz="1800" b="1" dirty="0">
-                  <a:solidFill>
-                    <a:srgbClr val="000000">
-                      <a:alpha val="100000"/>
-                    </a:srgbClr>
-                  </a:solidFill>
-                  <a:latin typeface="Arial"/>
-                  <a:cs typeface="Arial"/>
-                </a:rPr>
-                <a:t>4</a:t>
-              </a:r>
-              <a:endParaRPr sz="1800" b="1" dirty="0">
-                <a:solidFill>
-                  <a:srgbClr val="000000">
-                    <a:alpha val="100000"/>
-                  </a:srgbClr>
-                </a:solidFill>
-                <a:latin typeface="Arial"/>
-                <a:cs typeface="Arial"/>
-              </a:endParaRPr>
-            </a:p>
-          </p:txBody>
-        </p:sp>
-        <p:sp>
-          <p:nvSpPr>
-            <p:cNvPr id="77" name="tx77"/>
+            </a:p>
+          </p:txBody>
+        </p:sp>
+        <p:sp>
+          <p:nvSpPr>
+            <p:cNvPr id="190" name="tx77">
+              <a:extLst>
+                <a:ext uri="{FF2B5EF4-FFF2-40B4-BE49-F238E27FC236}">
+                  <a16:creationId xmlns:a16="http://schemas.microsoft.com/office/drawing/2014/main" id="{15BAD0C0-4839-21E0-CCAF-B10C50511BF5}"/>
+                </a:ext>
+              </a:extLst>
+            </p:cNvPr>
             <p:cNvSpPr/>
             <p:nvPr/>
           </p:nvSpPr>
@@ -4792,7 +4954,13 @@
         </p:sp>
         <p:sp>
           <p:nvSpPr>
-            <p:cNvPr id="78" name="tx78"/>
+            <p:cNvPr id="191" name="tx78">
+              <a:extLst>
+                <a:ext uri="{FF2B5EF4-FFF2-40B4-BE49-F238E27FC236}">
+                  <a16:creationId xmlns:a16="http://schemas.microsoft.com/office/drawing/2014/main" id="{5BDD2316-95D7-03B4-6CBC-45E4C7B67219}"/>
+                </a:ext>
+              </a:extLst>
+            </p:cNvPr>
             <p:cNvSpPr/>
             <p:nvPr/>
           </p:nvSpPr>
@@ -4838,7 +5006,13 @@
         </p:sp>
         <p:sp>
           <p:nvSpPr>
-            <p:cNvPr id="79" name="tx79"/>
+            <p:cNvPr id="192" name="tx79">
+              <a:extLst>
+                <a:ext uri="{FF2B5EF4-FFF2-40B4-BE49-F238E27FC236}">
+                  <a16:creationId xmlns:a16="http://schemas.microsoft.com/office/drawing/2014/main" id="{0C8207E1-2C9A-3CF1-D008-1B32427E7EC1}"/>
+                </a:ext>
+              </a:extLst>
+            </p:cNvPr>
             <p:cNvSpPr/>
             <p:nvPr/>
           </p:nvSpPr>
@@ -4884,7 +5058,13 @@
         </p:sp>
         <p:sp>
           <p:nvSpPr>
-            <p:cNvPr id="80" name="tx80"/>
+            <p:cNvPr id="193" name="tx80">
+              <a:extLst>
+                <a:ext uri="{FF2B5EF4-FFF2-40B4-BE49-F238E27FC236}">
+                  <a16:creationId xmlns:a16="http://schemas.microsoft.com/office/drawing/2014/main" id="{479CAB3B-086B-6485-9DA3-C9EBABD15241}"/>
+                </a:ext>
+              </a:extLst>
+            </p:cNvPr>
             <p:cNvSpPr/>
             <p:nvPr/>
           </p:nvSpPr>
@@ -4930,7 +5110,13 @@
         </p:sp>
         <p:sp>
           <p:nvSpPr>
-            <p:cNvPr id="81" name="tx81"/>
+            <p:cNvPr id="194" name="tx81">
+              <a:extLst>
+                <a:ext uri="{FF2B5EF4-FFF2-40B4-BE49-F238E27FC236}">
+                  <a16:creationId xmlns:a16="http://schemas.microsoft.com/office/drawing/2014/main" id="{EE9654B4-BE63-0D98-0474-90615FD686B9}"/>
+                </a:ext>
+              </a:extLst>
+            </p:cNvPr>
             <p:cNvSpPr/>
             <p:nvPr/>
           </p:nvSpPr>
@@ -4976,7 +5162,13 @@
         </p:sp>
         <p:sp>
           <p:nvSpPr>
-            <p:cNvPr id="82" name="tx82"/>
+            <p:cNvPr id="195" name="tx82">
+              <a:extLst>
+                <a:ext uri="{FF2B5EF4-FFF2-40B4-BE49-F238E27FC236}">
+                  <a16:creationId xmlns:a16="http://schemas.microsoft.com/office/drawing/2014/main" id="{64BABC5C-3EC2-3D83-B6C0-02FE7A5710A1}"/>
+                </a:ext>
+              </a:extLst>
+            </p:cNvPr>
             <p:cNvSpPr/>
             <p:nvPr/>
           </p:nvSpPr>
@@ -5022,7 +5214,13 @@
         </p:sp>
         <p:sp>
           <p:nvSpPr>
-            <p:cNvPr id="83" name="tx83"/>
+            <p:cNvPr id="196" name="tx83">
+              <a:extLst>
+                <a:ext uri="{FF2B5EF4-FFF2-40B4-BE49-F238E27FC236}">
+                  <a16:creationId xmlns:a16="http://schemas.microsoft.com/office/drawing/2014/main" id="{B46EF047-1D39-26B1-25C2-CA65D345143F}"/>
+                </a:ext>
+              </a:extLst>
+            </p:cNvPr>
             <p:cNvSpPr/>
             <p:nvPr/>
           </p:nvSpPr>
@@ -5052,7 +5250,7 @@
                 </a:spcAft>
               </a:pPr>
               <a:r>
-                <a:rPr sz="1800" dirty="0">
+                <a:rPr sz="1800">
                   <a:solidFill>
                     <a:srgbClr val="000000">
                       <a:alpha val="100000"/>
@@ -5068,7 +5266,13 @@
         </p:sp>
         <p:sp>
           <p:nvSpPr>
-            <p:cNvPr id="84" name="tx84"/>
+            <p:cNvPr id="197" name="tx84">
+              <a:extLst>
+                <a:ext uri="{FF2B5EF4-FFF2-40B4-BE49-F238E27FC236}">
+                  <a16:creationId xmlns:a16="http://schemas.microsoft.com/office/drawing/2014/main" id="{6E9DF8B6-958A-7742-CDBB-C54E4A0EB4B7}"/>
+                </a:ext>
+              </a:extLst>
+            </p:cNvPr>
             <p:cNvSpPr/>
             <p:nvPr/>
           </p:nvSpPr>
@@ -7221,10 +7425,10 @@
       </p:grpSpPr>
       <p:grpSp>
         <p:nvGrpSpPr>
-          <p:cNvPr id="85" name="Groupe 84">
+          <p:cNvPr id="2" name="Groupe 1">
             <a:extLst>
               <a:ext uri="{FF2B5EF4-FFF2-40B4-BE49-F238E27FC236}">
-                <a16:creationId xmlns:a16="http://schemas.microsoft.com/office/drawing/2014/main" id="{0A4971F1-7487-12FF-ED9D-B22882ACB22D}"/>
+                <a16:creationId xmlns:a16="http://schemas.microsoft.com/office/drawing/2014/main" id="{32FE325B-DF1E-6B2D-00EC-FC506ACA5D49}"/>
               </a:ext>
             </a:extLst>
           </p:cNvPr>
@@ -7241,7 +7445,13 @@
         </p:grpSpPr>
         <p:sp>
           <p:nvSpPr>
-            <p:cNvPr id="4" name="rc4"/>
+            <p:cNvPr id="3" name="rc4">
+              <a:extLst>
+                <a:ext uri="{FF2B5EF4-FFF2-40B4-BE49-F238E27FC236}">
+                  <a16:creationId xmlns:a16="http://schemas.microsoft.com/office/drawing/2014/main" id="{B0F867B1-490B-5CA9-4D46-A78FFB468AA7}"/>
+                </a:ext>
+              </a:extLst>
+            </p:cNvPr>
             <p:cNvSpPr/>
             <p:nvPr/>
           </p:nvSpPr>
@@ -7278,7 +7488,13 @@
         </p:sp>
         <p:sp>
           <p:nvSpPr>
-            <p:cNvPr id="5" name="rc5"/>
+            <p:cNvPr id="44" name="rc5">
+              <a:extLst>
+                <a:ext uri="{FF2B5EF4-FFF2-40B4-BE49-F238E27FC236}">
+                  <a16:creationId xmlns:a16="http://schemas.microsoft.com/office/drawing/2014/main" id="{9432113A-D50F-CDDF-A277-122A55A8D98E}"/>
+                </a:ext>
+              </a:extLst>
+            </p:cNvPr>
             <p:cNvSpPr/>
             <p:nvPr/>
           </p:nvSpPr>
@@ -7315,7 +7531,13 @@
         </p:sp>
         <p:sp>
           <p:nvSpPr>
-            <p:cNvPr id="6" name="rc6"/>
+            <p:cNvPr id="45" name="rc6">
+              <a:extLst>
+                <a:ext uri="{FF2B5EF4-FFF2-40B4-BE49-F238E27FC236}">
+                  <a16:creationId xmlns:a16="http://schemas.microsoft.com/office/drawing/2014/main" id="{38DF5AE3-2553-088E-FAF3-AAE65008F348}"/>
+                </a:ext>
+              </a:extLst>
+            </p:cNvPr>
             <p:cNvSpPr/>
             <p:nvPr/>
           </p:nvSpPr>
@@ -7352,7 +7574,13 @@
         </p:sp>
         <p:sp>
           <p:nvSpPr>
-            <p:cNvPr id="7" name="rc7"/>
+            <p:cNvPr id="46" name="rc7">
+              <a:extLst>
+                <a:ext uri="{FF2B5EF4-FFF2-40B4-BE49-F238E27FC236}">
+                  <a16:creationId xmlns:a16="http://schemas.microsoft.com/office/drawing/2014/main" id="{217D16AC-CB97-DD92-C7C2-7E9FEC3C25BA}"/>
+                </a:ext>
+              </a:extLst>
+            </p:cNvPr>
             <p:cNvSpPr/>
             <p:nvPr/>
           </p:nvSpPr>
@@ -7389,7 +7617,13 @@
         </p:sp>
         <p:sp>
           <p:nvSpPr>
-            <p:cNvPr id="8" name="rc8"/>
+            <p:cNvPr id="47" name="rc8">
+              <a:extLst>
+                <a:ext uri="{FF2B5EF4-FFF2-40B4-BE49-F238E27FC236}">
+                  <a16:creationId xmlns:a16="http://schemas.microsoft.com/office/drawing/2014/main" id="{A901E559-D4C2-5A2B-66A7-6C088988B018}"/>
+                </a:ext>
+              </a:extLst>
+            </p:cNvPr>
             <p:cNvSpPr/>
             <p:nvPr/>
           </p:nvSpPr>
@@ -7426,7 +7660,13 @@
         </p:sp>
         <p:sp>
           <p:nvSpPr>
-            <p:cNvPr id="9" name="rc9"/>
+            <p:cNvPr id="48" name="rc9">
+              <a:extLst>
+                <a:ext uri="{FF2B5EF4-FFF2-40B4-BE49-F238E27FC236}">
+                  <a16:creationId xmlns:a16="http://schemas.microsoft.com/office/drawing/2014/main" id="{6724D27C-C2AC-08D9-973A-AA61D796759A}"/>
+                </a:ext>
+              </a:extLst>
+            </p:cNvPr>
             <p:cNvSpPr/>
             <p:nvPr/>
           </p:nvSpPr>
@@ -7463,7 +7703,13 @@
         </p:sp>
         <p:sp>
           <p:nvSpPr>
-            <p:cNvPr id="10" name="rc10"/>
+            <p:cNvPr id="49" name="rc10">
+              <a:extLst>
+                <a:ext uri="{FF2B5EF4-FFF2-40B4-BE49-F238E27FC236}">
+                  <a16:creationId xmlns:a16="http://schemas.microsoft.com/office/drawing/2014/main" id="{2A604371-6CF8-F1D8-A1C3-7FE0715112A0}"/>
+                </a:ext>
+              </a:extLst>
+            </p:cNvPr>
             <p:cNvSpPr/>
             <p:nvPr/>
           </p:nvSpPr>
@@ -7500,7 +7746,13 @@
         </p:sp>
         <p:sp>
           <p:nvSpPr>
-            <p:cNvPr id="11" name="rc11"/>
+            <p:cNvPr id="50" name="rc11">
+              <a:extLst>
+                <a:ext uri="{FF2B5EF4-FFF2-40B4-BE49-F238E27FC236}">
+                  <a16:creationId xmlns:a16="http://schemas.microsoft.com/office/drawing/2014/main" id="{27D0A839-F52C-D6D7-C54D-9B52D75AB645}"/>
+                </a:ext>
+              </a:extLst>
+            </p:cNvPr>
             <p:cNvSpPr/>
             <p:nvPr/>
           </p:nvSpPr>
@@ -7537,7 +7789,13 @@
         </p:sp>
         <p:sp>
           <p:nvSpPr>
-            <p:cNvPr id="12" name="rc12"/>
+            <p:cNvPr id="51" name="rc12">
+              <a:extLst>
+                <a:ext uri="{FF2B5EF4-FFF2-40B4-BE49-F238E27FC236}">
+                  <a16:creationId xmlns:a16="http://schemas.microsoft.com/office/drawing/2014/main" id="{D5EB32D3-1A28-11FD-7935-633A350A85FB}"/>
+                </a:ext>
+              </a:extLst>
+            </p:cNvPr>
             <p:cNvSpPr/>
             <p:nvPr/>
           </p:nvSpPr>
@@ -7574,7 +7832,13 @@
         </p:sp>
         <p:sp>
           <p:nvSpPr>
-            <p:cNvPr id="13" name="rc13"/>
+            <p:cNvPr id="52" name="rc13">
+              <a:extLst>
+                <a:ext uri="{FF2B5EF4-FFF2-40B4-BE49-F238E27FC236}">
+                  <a16:creationId xmlns:a16="http://schemas.microsoft.com/office/drawing/2014/main" id="{BAF63FB5-A174-A3B4-86FB-CF0A59AAE486}"/>
+                </a:ext>
+              </a:extLst>
+            </p:cNvPr>
             <p:cNvSpPr/>
             <p:nvPr/>
           </p:nvSpPr>
@@ -7611,14 +7875,20 @@
         </p:sp>
         <p:sp>
           <p:nvSpPr>
-            <p:cNvPr id="14" name="pt14"/>
-            <p:cNvSpPr/>
-            <p:nvPr/>
-          </p:nvSpPr>
-          <p:spPr>
-            <a:xfrm>
-              <a:off x="3642974" y="2058290"/>
-              <a:ext cx="795972" cy="795972"/>
+            <p:cNvPr id="53" name="pt14">
+              <a:extLst>
+                <a:ext uri="{FF2B5EF4-FFF2-40B4-BE49-F238E27FC236}">
+                  <a16:creationId xmlns:a16="http://schemas.microsoft.com/office/drawing/2014/main" id="{5B2D3D62-EAFB-56F2-A3CB-2AF292F636BF}"/>
+                </a:ext>
+              </a:extLst>
+            </p:cNvPr>
+            <p:cNvSpPr/>
+            <p:nvPr/>
+          </p:nvSpPr>
+          <p:spPr>
+            <a:xfrm>
+              <a:off x="3643133" y="2058449"/>
+              <a:ext cx="795653" cy="795653"/>
             </a:xfrm>
             <a:prstGeom prst="ellipse">
               <a:avLst/>
@@ -7648,14 +7918,20 @@
         </p:sp>
         <p:sp>
           <p:nvSpPr>
-            <p:cNvPr id="15" name="pt15"/>
-            <p:cNvSpPr/>
-            <p:nvPr/>
-          </p:nvSpPr>
-          <p:spPr>
-            <a:xfrm>
-              <a:off x="3803707" y="3221206"/>
-              <a:ext cx="474506" cy="474506"/>
+            <p:cNvPr id="54" name="pt15">
+              <a:extLst>
+                <a:ext uri="{FF2B5EF4-FFF2-40B4-BE49-F238E27FC236}">
+                  <a16:creationId xmlns:a16="http://schemas.microsoft.com/office/drawing/2014/main" id="{53E519CB-D4AC-616B-EAE5-5A64E3A5B652}"/>
+                </a:ext>
+              </a:extLst>
+            </p:cNvPr>
+            <p:cNvSpPr/>
+            <p:nvPr/>
+          </p:nvSpPr>
+          <p:spPr>
+            <a:xfrm>
+              <a:off x="3808991" y="3226489"/>
+              <a:ext cx="463938" cy="463938"/>
             </a:xfrm>
             <a:prstGeom prst="ellipse">
               <a:avLst/>
@@ -7685,14 +7961,20 @@
         </p:sp>
         <p:sp>
           <p:nvSpPr>
-            <p:cNvPr id="16" name="pt16"/>
-            <p:cNvSpPr/>
-            <p:nvPr/>
-          </p:nvSpPr>
-          <p:spPr>
-            <a:xfrm>
-              <a:off x="3760850" y="4180531"/>
-              <a:ext cx="560220" cy="560220"/>
+            <p:cNvPr id="55" name="pt16">
+              <a:extLst>
+                <a:ext uri="{FF2B5EF4-FFF2-40B4-BE49-F238E27FC236}">
+                  <a16:creationId xmlns:a16="http://schemas.microsoft.com/office/drawing/2014/main" id="{BDC09F34-246C-24FB-E453-CDBD8AB7A9EE}"/>
+                </a:ext>
+              </a:extLst>
+            </p:cNvPr>
+            <p:cNvSpPr/>
+            <p:nvPr/>
+          </p:nvSpPr>
+          <p:spPr>
+            <a:xfrm>
+              <a:off x="3759299" y="4178979"/>
+              <a:ext cx="563323" cy="563323"/>
             </a:xfrm>
             <a:prstGeom prst="ellipse">
               <a:avLst/>
@@ -7722,14 +8004,63 @@
         </p:sp>
         <p:sp>
           <p:nvSpPr>
-            <p:cNvPr id="17" name="pt17"/>
-            <p:cNvSpPr/>
-            <p:nvPr/>
-          </p:nvSpPr>
-          <p:spPr>
-            <a:xfrm>
-              <a:off x="3914085" y="5335948"/>
-              <a:ext cx="253751" cy="253751"/>
+            <p:cNvPr id="56" name="pt17">
+              <a:extLst>
+                <a:ext uri="{FF2B5EF4-FFF2-40B4-BE49-F238E27FC236}">
+                  <a16:creationId xmlns:a16="http://schemas.microsoft.com/office/drawing/2014/main" id="{FBF18FC2-B1BD-8EFC-CE5F-E7EEF38404B3}"/>
+                </a:ext>
+              </a:extLst>
+            </p:cNvPr>
+            <p:cNvSpPr/>
+            <p:nvPr/>
+          </p:nvSpPr>
+          <p:spPr>
+            <a:xfrm>
+              <a:off x="3941281" y="5363144"/>
+              <a:ext cx="199358" cy="199358"/>
+            </a:xfrm>
+            <a:prstGeom prst="ellipse">
+              <a:avLst/>
+            </a:prstGeom>
+            <a:solidFill>
+              <a:srgbClr val="E5F0F6">
+                <a:alpha val="100000"/>
+              </a:srgbClr>
+            </a:solidFill>
+            <a:ln w="9525" cap="rnd">
+              <a:solidFill>
+                <a:srgbClr val="E5F0F6">
+                  <a:alpha val="100000"/>
+                </a:srgbClr>
+              </a:solidFill>
+              <a:prstDash val="solid"/>
+              <a:round/>
+            </a:ln>
+          </p:spPr>
+          <p:txBody>
+            <a:bodyPr/>
+            <a:lstStyle/>
+            <a:p>
+              <a:endParaRPr/>
+            </a:p>
+          </p:txBody>
+        </p:sp>
+        <p:sp>
+          <p:nvSpPr>
+            <p:cNvPr id="57" name="pt18">
+              <a:extLst>
+                <a:ext uri="{FF2B5EF4-FFF2-40B4-BE49-F238E27FC236}">
+                  <a16:creationId xmlns:a16="http://schemas.microsoft.com/office/drawing/2014/main" id="{BB0545CA-60CE-C66C-C1A3-08725700328E}"/>
+                </a:ext>
+              </a:extLst>
+            </p:cNvPr>
+            <p:cNvSpPr/>
+            <p:nvPr/>
+          </p:nvSpPr>
+          <p:spPr>
+            <a:xfrm>
+              <a:off x="4861224" y="3276539"/>
+              <a:ext cx="363838" cy="363838"/>
             </a:xfrm>
             <a:prstGeom prst="ellipse">
               <a:avLst/>
@@ -7759,51 +8090,20 @@
         </p:sp>
         <p:sp>
           <p:nvSpPr>
-            <p:cNvPr id="18" name="pt18"/>
-            <p:cNvSpPr/>
-            <p:nvPr/>
-          </p:nvSpPr>
-          <p:spPr>
-            <a:xfrm>
-              <a:off x="4852380" y="3267696"/>
-              <a:ext cx="381524" cy="381524"/>
-            </a:xfrm>
-            <a:prstGeom prst="ellipse">
-              <a:avLst/>
-            </a:prstGeom>
-            <a:solidFill>
-              <a:srgbClr val="FDEBDF">
-                <a:alpha val="100000"/>
-              </a:srgbClr>
-            </a:solidFill>
-            <a:ln w="9525" cap="rnd">
-              <a:solidFill>
-                <a:srgbClr val="FDEBDF">
-                  <a:alpha val="100000"/>
-                </a:srgbClr>
-              </a:solidFill>
-              <a:prstDash val="solid"/>
-              <a:round/>
-            </a:ln>
-          </p:spPr>
-          <p:txBody>
-            <a:bodyPr/>
-            <a:lstStyle/>
-            <a:p>
-              <a:endParaRPr/>
-            </a:p>
-          </p:txBody>
-        </p:sp>
-        <p:sp>
-          <p:nvSpPr>
-            <p:cNvPr id="19" name="pt19"/>
-            <p:cNvSpPr/>
-            <p:nvPr/>
-          </p:nvSpPr>
-          <p:spPr>
-            <a:xfrm>
-              <a:off x="4782239" y="4199737"/>
-              <a:ext cx="521807" cy="521807"/>
+            <p:cNvPr id="58" name="pt19">
+              <a:extLst>
+                <a:ext uri="{FF2B5EF4-FFF2-40B4-BE49-F238E27FC236}">
+                  <a16:creationId xmlns:a16="http://schemas.microsoft.com/office/drawing/2014/main" id="{7C027F5A-F045-A101-5CF1-DBE52D094456}"/>
+                </a:ext>
+              </a:extLst>
+            </p:cNvPr>
+            <p:cNvSpPr/>
+            <p:nvPr/>
+          </p:nvSpPr>
+          <p:spPr>
+            <a:xfrm>
+              <a:off x="4779776" y="4197274"/>
+              <a:ext cx="526734" cy="526734"/>
             </a:xfrm>
             <a:prstGeom prst="ellipse">
               <a:avLst/>
@@ -7833,26 +8133,32 @@
         </p:sp>
         <p:sp>
           <p:nvSpPr>
-            <p:cNvPr id="20" name="pt20"/>
-            <p:cNvSpPr/>
-            <p:nvPr/>
-          </p:nvSpPr>
-          <p:spPr>
-            <a:xfrm>
-              <a:off x="4892798" y="5312479"/>
-              <a:ext cx="300689" cy="300689"/>
+            <p:cNvPr id="59" name="pt20">
+              <a:extLst>
+                <a:ext uri="{FF2B5EF4-FFF2-40B4-BE49-F238E27FC236}">
+                  <a16:creationId xmlns:a16="http://schemas.microsoft.com/office/drawing/2014/main" id="{6F5F073A-4A13-E0A2-816C-6EB4108AC7B2}"/>
+                </a:ext>
+              </a:extLst>
+            </p:cNvPr>
+            <p:cNvSpPr/>
+            <p:nvPr/>
+          </p:nvSpPr>
+          <p:spPr>
+            <a:xfrm>
+              <a:off x="4822262" y="5241943"/>
+              <a:ext cx="441761" cy="441761"/>
             </a:xfrm>
             <a:prstGeom prst="ellipse">
               <a:avLst/>
             </a:prstGeom>
             <a:solidFill>
-              <a:srgbClr val="FDEBDF">
+              <a:srgbClr val="F7B698">
                 <a:alpha val="100000"/>
               </a:srgbClr>
             </a:solidFill>
             <a:ln w="9525" cap="rnd">
               <a:solidFill>
-                <a:srgbClr val="FDEBDF">
+                <a:srgbClr val="F7B698">
                   <a:alpha val="100000"/>
                 </a:srgbClr>
               </a:solidFill>
@@ -7870,14 +8176,20 @@
         </p:sp>
         <p:sp>
           <p:nvSpPr>
-            <p:cNvPr id="21" name="pt21"/>
-            <p:cNvSpPr/>
-            <p:nvPr/>
-          </p:nvSpPr>
-          <p:spPr>
-            <a:xfrm>
-              <a:off x="5699258" y="4114574"/>
-              <a:ext cx="692134" cy="692134"/>
+            <p:cNvPr id="60" name="pt21">
+              <a:extLst>
+                <a:ext uri="{FF2B5EF4-FFF2-40B4-BE49-F238E27FC236}">
+                  <a16:creationId xmlns:a16="http://schemas.microsoft.com/office/drawing/2014/main" id="{FE4912EE-0C87-0BDB-30B1-9A356D39C74E}"/>
+                </a:ext>
+              </a:extLst>
+            </p:cNvPr>
+            <p:cNvSpPr/>
+            <p:nvPr/>
+          </p:nvSpPr>
+          <p:spPr>
+            <a:xfrm>
+              <a:off x="5703215" y="4118531"/>
+              <a:ext cx="684220" cy="684220"/>
             </a:xfrm>
             <a:prstGeom prst="ellipse">
               <a:avLst/>
@@ -7907,14 +8219,20 @@
         </p:sp>
         <p:sp>
           <p:nvSpPr>
-            <p:cNvPr id="22" name="pt22"/>
-            <p:cNvSpPr/>
-            <p:nvPr/>
-          </p:nvSpPr>
-          <p:spPr>
-            <a:xfrm>
-              <a:off x="5755345" y="5172843"/>
-              <a:ext cx="579960" cy="579960"/>
+            <p:cNvPr id="61" name="pt22">
+              <a:extLst>
+                <a:ext uri="{FF2B5EF4-FFF2-40B4-BE49-F238E27FC236}">
+                  <a16:creationId xmlns:a16="http://schemas.microsoft.com/office/drawing/2014/main" id="{FB012BC9-22C6-E907-4E36-8FCE9C9059F1}"/>
+                </a:ext>
+              </a:extLst>
+            </p:cNvPr>
+            <p:cNvSpPr/>
+            <p:nvPr/>
+          </p:nvSpPr>
+          <p:spPr>
+            <a:xfrm>
+              <a:off x="5733976" y="5151474"/>
+              <a:ext cx="622698" cy="622698"/>
             </a:xfrm>
             <a:prstGeom prst="ellipse">
               <a:avLst/>
@@ -7944,14 +8262,20 @@
         </p:sp>
         <p:sp>
           <p:nvSpPr>
-            <p:cNvPr id="23" name="pt23"/>
-            <p:cNvSpPr/>
-            <p:nvPr/>
-          </p:nvSpPr>
-          <p:spPr>
-            <a:xfrm>
-              <a:off x="6803433" y="5218749"/>
-              <a:ext cx="488148" cy="488148"/>
+            <p:cNvPr id="62" name="pt23">
+              <a:extLst>
+                <a:ext uri="{FF2B5EF4-FFF2-40B4-BE49-F238E27FC236}">
+                  <a16:creationId xmlns:a16="http://schemas.microsoft.com/office/drawing/2014/main" id="{1D2E7CDD-7934-475E-9CED-704DB5C61853}"/>
+                </a:ext>
+              </a:extLst>
+            </p:cNvPr>
+            <p:cNvSpPr/>
+            <p:nvPr/>
+          </p:nvSpPr>
+          <p:spPr>
+            <a:xfrm>
+              <a:off x="6818275" y="5233591"/>
+              <a:ext cx="458465" cy="458465"/>
             </a:xfrm>
             <a:prstGeom prst="ellipse">
               <a:avLst/>
@@ -7981,7 +8305,13 @@
         </p:sp>
         <p:sp>
           <p:nvSpPr>
-            <p:cNvPr id="24" name="rc24"/>
+            <p:cNvPr id="63" name="rc24">
+              <a:extLst>
+                <a:ext uri="{FF2B5EF4-FFF2-40B4-BE49-F238E27FC236}">
+                  <a16:creationId xmlns:a16="http://schemas.microsoft.com/office/drawing/2014/main" id="{BE84C303-69FD-F249-EDCF-31528EE29332}"/>
+                </a:ext>
+              </a:extLst>
+            </p:cNvPr>
             <p:cNvSpPr/>
             <p:nvPr/>
           </p:nvSpPr>
@@ -8013,7 +8343,13 @@
         </p:sp>
         <p:sp>
           <p:nvSpPr>
-            <p:cNvPr id="25" name="rc25"/>
+            <p:cNvPr id="64" name="rc25">
+              <a:extLst>
+                <a:ext uri="{FF2B5EF4-FFF2-40B4-BE49-F238E27FC236}">
+                  <a16:creationId xmlns:a16="http://schemas.microsoft.com/office/drawing/2014/main" id="{9322BB68-9C04-9FE8-DEF0-2ECD6F1AE1C0}"/>
+                </a:ext>
+              </a:extLst>
+            </p:cNvPr>
             <p:cNvSpPr/>
             <p:nvPr/>
           </p:nvSpPr>
@@ -8045,7 +8381,13 @@
         </p:sp>
         <p:sp>
           <p:nvSpPr>
-            <p:cNvPr id="26" name="rc26"/>
+            <p:cNvPr id="65" name="rc26">
+              <a:extLst>
+                <a:ext uri="{FF2B5EF4-FFF2-40B4-BE49-F238E27FC236}">
+                  <a16:creationId xmlns:a16="http://schemas.microsoft.com/office/drawing/2014/main" id="{18C2E0E3-D1D6-3BF1-E459-279EF6E987D2}"/>
+                </a:ext>
+              </a:extLst>
+            </p:cNvPr>
             <p:cNvSpPr/>
             <p:nvPr/>
           </p:nvSpPr>
@@ -8077,7 +8419,13 @@
         </p:sp>
         <p:sp>
           <p:nvSpPr>
-            <p:cNvPr id="27" name="rc27"/>
+            <p:cNvPr id="66" name="rc27">
+              <a:extLst>
+                <a:ext uri="{FF2B5EF4-FFF2-40B4-BE49-F238E27FC236}">
+                  <a16:creationId xmlns:a16="http://schemas.microsoft.com/office/drawing/2014/main" id="{AF13CF3E-D798-2125-EB7C-3AAE27A3B224}"/>
+                </a:ext>
+              </a:extLst>
+            </p:cNvPr>
             <p:cNvSpPr/>
             <p:nvPr/>
           </p:nvSpPr>
@@ -8109,7 +8457,13 @@
         </p:sp>
         <p:sp>
           <p:nvSpPr>
-            <p:cNvPr id="28" name="rc28"/>
+            <p:cNvPr id="67" name="rc28">
+              <a:extLst>
+                <a:ext uri="{FF2B5EF4-FFF2-40B4-BE49-F238E27FC236}">
+                  <a16:creationId xmlns:a16="http://schemas.microsoft.com/office/drawing/2014/main" id="{98CACCD8-0F81-A390-A67F-761DDE4D3254}"/>
+                </a:ext>
+              </a:extLst>
+            </p:cNvPr>
             <p:cNvSpPr/>
             <p:nvPr/>
           </p:nvSpPr>
@@ -8141,7 +8495,13 @@
         </p:sp>
         <p:sp>
           <p:nvSpPr>
-            <p:cNvPr id="29" name="rc29"/>
+            <p:cNvPr id="68" name="rc29">
+              <a:extLst>
+                <a:ext uri="{FF2B5EF4-FFF2-40B4-BE49-F238E27FC236}">
+                  <a16:creationId xmlns:a16="http://schemas.microsoft.com/office/drawing/2014/main" id="{EC6D4B8A-E86E-2617-455A-397255093F84}"/>
+                </a:ext>
+              </a:extLst>
+            </p:cNvPr>
             <p:cNvSpPr/>
             <p:nvPr/>
           </p:nvSpPr>
@@ -8173,7 +8533,13 @@
         </p:sp>
         <p:sp>
           <p:nvSpPr>
-            <p:cNvPr id="30" name="rc30"/>
+            <p:cNvPr id="69" name="rc30">
+              <a:extLst>
+                <a:ext uri="{FF2B5EF4-FFF2-40B4-BE49-F238E27FC236}">
+                  <a16:creationId xmlns:a16="http://schemas.microsoft.com/office/drawing/2014/main" id="{842DCB59-6DB5-9E1D-6E85-D018A70D30C6}"/>
+                </a:ext>
+              </a:extLst>
+            </p:cNvPr>
             <p:cNvSpPr/>
             <p:nvPr/>
           </p:nvSpPr>
@@ -8205,7 +8571,13 @@
         </p:sp>
         <p:sp>
           <p:nvSpPr>
-            <p:cNvPr id="31" name="rc31"/>
+            <p:cNvPr id="70" name="rc31">
+              <a:extLst>
+                <a:ext uri="{FF2B5EF4-FFF2-40B4-BE49-F238E27FC236}">
+                  <a16:creationId xmlns:a16="http://schemas.microsoft.com/office/drawing/2014/main" id="{18D04C29-0097-9889-5521-EC1A7D01FD3D}"/>
+                </a:ext>
+              </a:extLst>
+            </p:cNvPr>
             <p:cNvSpPr/>
             <p:nvPr/>
           </p:nvSpPr>
@@ -8237,7 +8609,13 @@
         </p:sp>
         <p:sp>
           <p:nvSpPr>
-            <p:cNvPr id="32" name="rc32"/>
+            <p:cNvPr id="71" name="rc32">
+              <a:extLst>
+                <a:ext uri="{FF2B5EF4-FFF2-40B4-BE49-F238E27FC236}">
+                  <a16:creationId xmlns:a16="http://schemas.microsoft.com/office/drawing/2014/main" id="{81CCFB9F-2C22-6C73-F8FC-A885B28C8E75}"/>
+                </a:ext>
+              </a:extLst>
+            </p:cNvPr>
             <p:cNvSpPr/>
             <p:nvPr/>
           </p:nvSpPr>
@@ -8269,7 +8647,13 @@
         </p:sp>
         <p:sp>
           <p:nvSpPr>
-            <p:cNvPr id="33" name="rc33"/>
+            <p:cNvPr id="72" name="rc33">
+              <a:extLst>
+                <a:ext uri="{FF2B5EF4-FFF2-40B4-BE49-F238E27FC236}">
+                  <a16:creationId xmlns:a16="http://schemas.microsoft.com/office/drawing/2014/main" id="{3A0733A0-2FCC-5D84-077D-E0C72A324326}"/>
+                </a:ext>
+              </a:extLst>
+            </p:cNvPr>
             <p:cNvSpPr/>
             <p:nvPr/>
           </p:nvSpPr>
@@ -8301,7 +8685,13 @@
         </p:sp>
         <p:sp>
           <p:nvSpPr>
-            <p:cNvPr id="34" name="tx34"/>
+            <p:cNvPr id="73" name="tx34">
+              <a:extLst>
+                <a:ext uri="{FF2B5EF4-FFF2-40B4-BE49-F238E27FC236}">
+                  <a16:creationId xmlns:a16="http://schemas.microsoft.com/office/drawing/2014/main" id="{663CC362-C468-4851-D7DF-B23F2EE3F734}"/>
+                </a:ext>
+              </a:extLst>
+            </p:cNvPr>
             <p:cNvSpPr/>
             <p:nvPr/>
           </p:nvSpPr>
@@ -8347,14 +8737,20 @@
         </p:sp>
         <p:sp>
           <p:nvSpPr>
-            <p:cNvPr id="35" name="tx35"/>
-            <p:cNvSpPr/>
-            <p:nvPr/>
-          </p:nvSpPr>
-          <p:spPr>
-            <a:xfrm>
-              <a:off x="3818499" y="3371952"/>
-              <a:ext cx="444921" cy="167208"/>
+            <p:cNvPr id="74" name="tx35">
+              <a:extLst>
+                <a:ext uri="{FF2B5EF4-FFF2-40B4-BE49-F238E27FC236}">
+                  <a16:creationId xmlns:a16="http://schemas.microsoft.com/office/drawing/2014/main" id="{FB064727-14D9-55D7-C583-AB64E89D78EE}"/>
+                </a:ext>
+              </a:extLst>
+            </p:cNvPr>
+            <p:cNvSpPr/>
+            <p:nvPr/>
+          </p:nvSpPr>
+          <p:spPr>
+            <a:xfrm>
+              <a:off x="3818499" y="3372120"/>
+              <a:ext cx="444921" cy="167096"/>
             </a:xfrm>
             <a:prstGeom prst="rect">
               <a:avLst/>
@@ -8377,7 +8773,7 @@
                 </a:spcAft>
               </a:pPr>
               <a:r>
-                <a:rPr sz="1800" b="1" dirty="0">
+                <a:rPr sz="1800" b="1">
                   <a:solidFill>
                     <a:srgbClr val="000000">
                       <a:alpha val="100000"/>
@@ -8386,35 +8782,20 @@
                   <a:latin typeface="Arial"/>
                   <a:cs typeface="Arial"/>
                 </a:rPr>
-                <a:t>0.2</a:t>
+                <a:t>0.26</a:t>
               </a:r>
-              <a:r>
-                <a:rPr lang="en-CA" sz="1800" b="1" dirty="0">
-                  <a:solidFill>
-                    <a:srgbClr val="000000">
-                      <a:alpha val="100000"/>
-                    </a:srgbClr>
-                  </a:solidFill>
-                  <a:latin typeface="Arial"/>
-                  <a:cs typeface="Arial"/>
-                </a:rPr>
-                <a:t>6</a:t>
-              </a:r>
-              <a:endParaRPr sz="1800" b="1" dirty="0">
-                <a:solidFill>
-                  <a:srgbClr val="000000">
-                    <a:alpha val="100000"/>
-                  </a:srgbClr>
-                </a:solidFill>
-                <a:latin typeface="Arial"/>
-                <a:cs typeface="Arial"/>
-              </a:endParaRPr>
-            </a:p>
-          </p:txBody>
-        </p:sp>
-        <p:sp>
-          <p:nvSpPr>
-            <p:cNvPr id="36" name="tx36"/>
+            </a:p>
+          </p:txBody>
+        </p:sp>
+        <p:sp>
+          <p:nvSpPr>
+            <p:cNvPr id="75" name="tx36">
+              <a:extLst>
+                <a:ext uri="{FF2B5EF4-FFF2-40B4-BE49-F238E27FC236}">
+                  <a16:creationId xmlns:a16="http://schemas.microsoft.com/office/drawing/2014/main" id="{FEEB4C7B-4F2B-8302-ECE7-7EF775C9D465}"/>
+                </a:ext>
+              </a:extLst>
+            </p:cNvPr>
             <p:cNvSpPr/>
             <p:nvPr/>
           </p:nvSpPr>
@@ -8444,7 +8825,7 @@
                 </a:spcAft>
               </a:pPr>
               <a:r>
-                <a:rPr sz="1800" b="1" dirty="0">
+                <a:rPr sz="1800" b="1">
                   <a:solidFill>
                     <a:srgbClr val="000000">
                       <a:alpha val="100000"/>
@@ -8453,42 +8834,27 @@
                   <a:latin typeface="Arial"/>
                   <a:cs typeface="Arial"/>
                 </a:rPr>
-                <a:t>-0.3</a:t>
+                <a:t>-0.39</a:t>
               </a:r>
-              <a:r>
-                <a:rPr lang="en-CA" sz="1800" b="1" dirty="0">
-                  <a:solidFill>
-                    <a:srgbClr val="000000">
-                      <a:alpha val="100000"/>
-                    </a:srgbClr>
-                  </a:solidFill>
-                  <a:latin typeface="Arial"/>
-                  <a:cs typeface="Arial"/>
-                </a:rPr>
-                <a:t>8</a:t>
-              </a:r>
-              <a:endParaRPr sz="1800" b="1" dirty="0">
-                <a:solidFill>
-                  <a:srgbClr val="000000">
-                    <a:alpha val="100000"/>
-                  </a:srgbClr>
-                </a:solidFill>
-                <a:latin typeface="Arial"/>
-                <a:cs typeface="Arial"/>
-              </a:endParaRPr>
-            </a:p>
-          </p:txBody>
-        </p:sp>
-        <p:sp>
-          <p:nvSpPr>
-            <p:cNvPr id="37" name="tx37"/>
-            <p:cNvSpPr/>
-            <p:nvPr/>
-          </p:nvSpPr>
-          <p:spPr>
-            <a:xfrm>
-              <a:off x="3780437" y="5376317"/>
-              <a:ext cx="521047" cy="167208"/>
+            </a:p>
+          </p:txBody>
+        </p:sp>
+        <p:sp>
+          <p:nvSpPr>
+            <p:cNvPr id="76" name="tx37">
+              <a:extLst>
+                <a:ext uri="{FF2B5EF4-FFF2-40B4-BE49-F238E27FC236}">
+                  <a16:creationId xmlns:a16="http://schemas.microsoft.com/office/drawing/2014/main" id="{7410421D-D374-4C37-79C6-74DEF2F51344}"/>
+                </a:ext>
+              </a:extLst>
+            </p:cNvPr>
+            <p:cNvSpPr/>
+            <p:nvPr/>
+          </p:nvSpPr>
+          <p:spPr>
+            <a:xfrm>
+              <a:off x="3818499" y="5376485"/>
+              <a:ext cx="444921" cy="167096"/>
             </a:xfrm>
             <a:prstGeom prst="rect">
               <a:avLst/>
@@ -8511,7 +8877,7 @@
                 </a:spcAft>
               </a:pPr>
               <a:r>
-                <a:rPr sz="1800" b="1" dirty="0">
+                <a:rPr sz="1800" b="1">
                   <a:solidFill>
                     <a:srgbClr val="000000">
                       <a:alpha val="100000"/>
@@ -8520,42 +8886,27 @@
                   <a:latin typeface="Arial"/>
                   <a:cs typeface="Arial"/>
                 </a:rPr>
-                <a:t>-0.0</a:t>
+                <a:t>0.05</a:t>
               </a:r>
-              <a:r>
-                <a:rPr lang="en-CA" sz="1800" b="1" dirty="0">
-                  <a:solidFill>
-                    <a:srgbClr val="000000">
-                      <a:alpha val="100000"/>
-                    </a:srgbClr>
-                  </a:solidFill>
-                  <a:latin typeface="Arial"/>
-                  <a:cs typeface="Arial"/>
-                </a:rPr>
-                <a:t>7</a:t>
-              </a:r>
-              <a:endParaRPr sz="1800" b="1" dirty="0">
-                <a:solidFill>
-                  <a:srgbClr val="000000">
-                    <a:alpha val="100000"/>
-                  </a:srgbClr>
-                </a:solidFill>
-                <a:latin typeface="Arial"/>
-                <a:cs typeface="Arial"/>
-              </a:endParaRPr>
-            </a:p>
-          </p:txBody>
-        </p:sp>
-        <p:sp>
-          <p:nvSpPr>
-            <p:cNvPr id="38" name="tx38"/>
-            <p:cNvSpPr/>
-            <p:nvPr/>
-          </p:nvSpPr>
-          <p:spPr>
-            <a:xfrm>
-              <a:off x="4782619" y="3371952"/>
-              <a:ext cx="521047" cy="167208"/>
+            </a:p>
+          </p:txBody>
+        </p:sp>
+        <p:sp>
+          <p:nvSpPr>
+            <p:cNvPr id="86" name="tx38">
+              <a:extLst>
+                <a:ext uri="{FF2B5EF4-FFF2-40B4-BE49-F238E27FC236}">
+                  <a16:creationId xmlns:a16="http://schemas.microsoft.com/office/drawing/2014/main" id="{EC66674C-089F-BD81-C2F8-6EC44B25084B}"/>
+                </a:ext>
+              </a:extLst>
+            </p:cNvPr>
+            <p:cNvSpPr/>
+            <p:nvPr/>
+          </p:nvSpPr>
+          <p:spPr>
+            <a:xfrm>
+              <a:off x="4782619" y="3372120"/>
+              <a:ext cx="521047" cy="167096"/>
             </a:xfrm>
             <a:prstGeom prst="rect">
               <a:avLst/>
@@ -8578,7 +8929,7 @@
                 </a:spcAft>
               </a:pPr>
               <a:r>
-                <a:rPr sz="1800" b="1" dirty="0">
+                <a:rPr sz="1800" b="1">
                   <a:solidFill>
                     <a:srgbClr val="000000">
                       <a:alpha val="100000"/>
@@ -8587,35 +8938,20 @@
                   <a:latin typeface="Arial"/>
                   <a:cs typeface="Arial"/>
                 </a:rPr>
-                <a:t>-0.1</a:t>
+                <a:t>-0.16</a:t>
               </a:r>
-              <a:r>
-                <a:rPr lang="en-CA" sz="1800" b="1" dirty="0">
-                  <a:solidFill>
-                    <a:srgbClr val="000000">
-                      <a:alpha val="100000"/>
-                    </a:srgbClr>
-                  </a:solidFill>
-                  <a:latin typeface="Arial"/>
-                  <a:cs typeface="Arial"/>
-                </a:rPr>
-                <a:t>6</a:t>
-              </a:r>
-              <a:endParaRPr sz="1800" b="1" dirty="0">
-                <a:solidFill>
-                  <a:srgbClr val="000000">
-                    <a:alpha val="100000"/>
-                  </a:srgbClr>
-                </a:solidFill>
-                <a:latin typeface="Arial"/>
-                <a:cs typeface="Arial"/>
-              </a:endParaRPr>
-            </a:p>
-          </p:txBody>
-        </p:sp>
-        <p:sp>
-          <p:nvSpPr>
-            <p:cNvPr id="39" name="tx39"/>
+            </a:p>
+          </p:txBody>
+        </p:sp>
+        <p:sp>
+          <p:nvSpPr>
+            <p:cNvPr id="87" name="tx39">
+              <a:extLst>
+                <a:ext uri="{FF2B5EF4-FFF2-40B4-BE49-F238E27FC236}">
+                  <a16:creationId xmlns:a16="http://schemas.microsoft.com/office/drawing/2014/main" id="{95C9AFCD-5E86-11D0-6634-B4FDB9A24A0B}"/>
+                </a:ext>
+              </a:extLst>
+            </p:cNvPr>
             <p:cNvSpPr/>
             <p:nvPr/>
           </p:nvSpPr>
@@ -8645,7 +8981,7 @@
                 </a:spcAft>
               </a:pPr>
               <a:r>
-                <a:rPr sz="1800" b="1" dirty="0">
+                <a:rPr sz="1800" b="1">
                   <a:solidFill>
                     <a:srgbClr val="000000">
                       <a:alpha val="100000"/>
@@ -8654,35 +8990,20 @@
                   <a:latin typeface="Arial"/>
                   <a:cs typeface="Arial"/>
                 </a:rPr>
-                <a:t>0.3</a:t>
+                <a:t>0.34</a:t>
               </a:r>
-              <a:r>
-                <a:rPr lang="en-CA" sz="1800" b="1" dirty="0">
-                  <a:solidFill>
-                    <a:srgbClr val="000000">
-                      <a:alpha val="100000"/>
-                    </a:srgbClr>
-                  </a:solidFill>
-                  <a:latin typeface="Arial"/>
-                  <a:cs typeface="Arial"/>
-                </a:rPr>
-                <a:t>4</a:t>
-              </a:r>
-              <a:endParaRPr sz="1800" b="1" dirty="0">
-                <a:solidFill>
-                  <a:srgbClr val="000000">
-                    <a:alpha val="100000"/>
-                  </a:srgbClr>
-                </a:solidFill>
-                <a:latin typeface="Arial"/>
-                <a:cs typeface="Arial"/>
-              </a:endParaRPr>
-            </a:p>
-          </p:txBody>
-        </p:sp>
-        <p:sp>
-          <p:nvSpPr>
-            <p:cNvPr id="40" name="tx40"/>
+            </a:p>
+          </p:txBody>
+        </p:sp>
+        <p:sp>
+          <p:nvSpPr>
+            <p:cNvPr id="88" name="tx40">
+              <a:extLst>
+                <a:ext uri="{FF2B5EF4-FFF2-40B4-BE49-F238E27FC236}">
+                  <a16:creationId xmlns:a16="http://schemas.microsoft.com/office/drawing/2014/main" id="{34B7AE00-E86F-0C1A-1335-586430801467}"/>
+                </a:ext>
+              </a:extLst>
+            </p:cNvPr>
             <p:cNvSpPr/>
             <p:nvPr/>
           </p:nvSpPr>
@@ -8712,7 +9033,7 @@
                 </a:spcAft>
               </a:pPr>
               <a:r>
-                <a:rPr sz="1800" b="1" dirty="0">
+                <a:rPr sz="1800" b="1">
                   <a:solidFill>
                     <a:srgbClr val="000000">
                       <a:alpha val="100000"/>
@@ -8721,35 +9042,20 @@
                   <a:latin typeface="Arial"/>
                   <a:cs typeface="Arial"/>
                 </a:rPr>
-                <a:t>-0.1</a:t>
+                <a:t>-0.24</a:t>
               </a:r>
-              <a:r>
-                <a:rPr lang="en-CA" sz="1800" b="1" dirty="0">
-                  <a:solidFill>
-                    <a:srgbClr val="000000">
-                      <a:alpha val="100000"/>
-                    </a:srgbClr>
-                  </a:solidFill>
-                  <a:latin typeface="Arial"/>
-                  <a:cs typeface="Arial"/>
-                </a:rPr>
-                <a:t>2</a:t>
-              </a:r>
-              <a:endParaRPr sz="1800" b="1" dirty="0">
-                <a:solidFill>
-                  <a:srgbClr val="000000">
-                    <a:alpha val="100000"/>
-                  </a:srgbClr>
-                </a:solidFill>
-                <a:latin typeface="Arial"/>
-                <a:cs typeface="Arial"/>
-              </a:endParaRPr>
-            </a:p>
-          </p:txBody>
-        </p:sp>
-        <p:sp>
-          <p:nvSpPr>
-            <p:cNvPr id="41" name="tx41"/>
+            </a:p>
+          </p:txBody>
+        </p:sp>
+        <p:sp>
+          <p:nvSpPr>
+            <p:cNvPr id="89" name="tx41">
+              <a:extLst>
+                <a:ext uri="{FF2B5EF4-FFF2-40B4-BE49-F238E27FC236}">
+                  <a16:creationId xmlns:a16="http://schemas.microsoft.com/office/drawing/2014/main" id="{3AA6766C-E1F0-699D-2FD6-52A48FEA3A85}"/>
+                </a:ext>
+              </a:extLst>
+            </p:cNvPr>
             <p:cNvSpPr/>
             <p:nvPr/>
           </p:nvSpPr>
@@ -8779,7 +9085,7 @@
                 </a:spcAft>
               </a:pPr>
               <a:r>
-                <a:rPr sz="1800" b="1" dirty="0">
+                <a:rPr sz="1800" b="1">
                   <a:solidFill>
                     <a:srgbClr val="000000">
                       <a:alpha val="100000"/>
@@ -8788,42 +9094,27 @@
                   <a:latin typeface="Arial"/>
                   <a:cs typeface="Arial"/>
                 </a:rPr>
-                <a:t>-0.5</a:t>
+                <a:t>-0.58</a:t>
               </a:r>
-              <a:r>
-                <a:rPr lang="en-CA" sz="1800" b="1" dirty="0">
-                  <a:solidFill>
-                    <a:srgbClr val="000000">
-                      <a:alpha val="100000"/>
-                    </a:srgbClr>
-                  </a:solidFill>
-                  <a:latin typeface="Arial"/>
-                  <a:cs typeface="Arial"/>
-                </a:rPr>
-                <a:t>7</a:t>
-              </a:r>
-              <a:endParaRPr sz="1800" b="1" dirty="0">
-                <a:solidFill>
-                  <a:srgbClr val="000000">
-                    <a:alpha val="100000"/>
-                  </a:srgbClr>
-                </a:solidFill>
-                <a:latin typeface="Arial"/>
-                <a:cs typeface="Arial"/>
-              </a:endParaRPr>
-            </a:p>
-          </p:txBody>
-        </p:sp>
-        <p:sp>
-          <p:nvSpPr>
-            <p:cNvPr id="42" name="tx42"/>
-            <p:cNvSpPr/>
-            <p:nvPr/>
-          </p:nvSpPr>
-          <p:spPr>
-            <a:xfrm>
-              <a:off x="5784802" y="5376485"/>
-              <a:ext cx="521047" cy="167096"/>
+            </a:p>
+          </p:txBody>
+        </p:sp>
+        <p:sp>
+          <p:nvSpPr>
+            <p:cNvPr id="90" name="tx42">
+              <a:extLst>
+                <a:ext uri="{FF2B5EF4-FFF2-40B4-BE49-F238E27FC236}">
+                  <a16:creationId xmlns:a16="http://schemas.microsoft.com/office/drawing/2014/main" id="{C0304BCA-83CD-EC32-437B-9B7CE541D589}"/>
+                </a:ext>
+              </a:extLst>
+            </p:cNvPr>
+            <p:cNvSpPr/>
+            <p:nvPr/>
+          </p:nvSpPr>
+          <p:spPr>
+            <a:xfrm>
+              <a:off x="5784802" y="5376317"/>
+              <a:ext cx="521047" cy="167208"/>
             </a:xfrm>
             <a:prstGeom prst="rect">
               <a:avLst/>
@@ -8846,7 +9137,7 @@
                 </a:spcAft>
               </a:pPr>
               <a:r>
-                <a:rPr sz="1800" b="1" dirty="0">
+                <a:rPr sz="1800" b="1">
                   <a:solidFill>
                     <a:srgbClr val="000000">
                       <a:alpha val="100000"/>
@@ -8855,42 +9146,27 @@
                   <a:latin typeface="Arial"/>
                   <a:cs typeface="Arial"/>
                 </a:rPr>
-                <a:t>-0.4</a:t>
+                <a:t>-0.48</a:t>
               </a:r>
-              <a:r>
-                <a:rPr lang="en-CA" sz="1800" b="1" dirty="0">
-                  <a:solidFill>
-                    <a:srgbClr val="000000">
-                      <a:alpha val="100000"/>
-                    </a:srgbClr>
-                  </a:solidFill>
-                  <a:latin typeface="Arial"/>
-                  <a:cs typeface="Arial"/>
-                </a:rPr>
-                <a:t>3</a:t>
-              </a:r>
-              <a:endParaRPr sz="1800" b="1" dirty="0">
-                <a:solidFill>
-                  <a:srgbClr val="000000">
-                    <a:alpha val="100000"/>
-                  </a:srgbClr>
-                </a:solidFill>
-                <a:latin typeface="Arial"/>
-                <a:cs typeface="Arial"/>
-              </a:endParaRPr>
-            </a:p>
-          </p:txBody>
-        </p:sp>
-        <p:sp>
-          <p:nvSpPr>
-            <p:cNvPr id="43" name="tx43"/>
-            <p:cNvSpPr/>
-            <p:nvPr/>
-          </p:nvSpPr>
-          <p:spPr>
-            <a:xfrm>
-              <a:off x="6825047" y="5376317"/>
-              <a:ext cx="444921" cy="167208"/>
+            </a:p>
+          </p:txBody>
+        </p:sp>
+        <p:sp>
+          <p:nvSpPr>
+            <p:cNvPr id="91" name="tx43">
+              <a:extLst>
+                <a:ext uri="{FF2B5EF4-FFF2-40B4-BE49-F238E27FC236}">
+                  <a16:creationId xmlns:a16="http://schemas.microsoft.com/office/drawing/2014/main" id="{A17806C8-4D79-3277-4966-9BEE12BFCEE0}"/>
+                </a:ext>
+              </a:extLst>
+            </p:cNvPr>
+            <p:cNvSpPr/>
+            <p:nvPr/>
+          </p:nvSpPr>
+          <p:spPr>
+            <a:xfrm>
+              <a:off x="6825047" y="5376485"/>
+              <a:ext cx="444921" cy="167096"/>
             </a:xfrm>
             <a:prstGeom prst="rect">
               <a:avLst/>
@@ -8913,7 +9189,7 @@
                 </a:spcAft>
               </a:pPr>
               <a:r>
-                <a:rPr sz="1800" b="1" dirty="0">
+                <a:rPr sz="1800" b="1">
                   <a:solidFill>
                     <a:srgbClr val="000000">
                       <a:alpha val="100000"/>
@@ -8922,35 +9198,20 @@
                   <a:latin typeface="Arial"/>
                   <a:cs typeface="Arial"/>
                 </a:rPr>
-                <a:t>0.2</a:t>
+                <a:t>0.26</a:t>
               </a:r>
-              <a:r>
-                <a:rPr lang="en-CA" sz="1800" b="1" dirty="0">
-                  <a:solidFill>
-                    <a:srgbClr val="000000">
-                      <a:alpha val="100000"/>
-                    </a:srgbClr>
-                  </a:solidFill>
-                  <a:latin typeface="Arial"/>
-                  <a:cs typeface="Arial"/>
-                </a:rPr>
-                <a:t>8</a:t>
-              </a:r>
-              <a:endParaRPr sz="1800" b="1" dirty="0">
-                <a:solidFill>
-                  <a:srgbClr val="000000">
-                    <a:alpha val="100000"/>
-                  </a:srgbClr>
-                </a:solidFill>
-                <a:latin typeface="Arial"/>
-                <a:cs typeface="Arial"/>
-              </a:endParaRPr>
-            </a:p>
-          </p:txBody>
-        </p:sp>
-        <p:sp>
-          <p:nvSpPr>
-            <p:cNvPr id="77" name="tx77"/>
+            </a:p>
+          </p:txBody>
+        </p:sp>
+        <p:sp>
+          <p:nvSpPr>
+            <p:cNvPr id="92" name="tx77">
+              <a:extLst>
+                <a:ext uri="{FF2B5EF4-FFF2-40B4-BE49-F238E27FC236}">
+                  <a16:creationId xmlns:a16="http://schemas.microsoft.com/office/drawing/2014/main" id="{CB1BD280-0ADA-F7DA-394A-E449AF76EAA9}"/>
+                </a:ext>
+              </a:extLst>
+            </p:cNvPr>
             <p:cNvSpPr/>
             <p:nvPr/>
           </p:nvSpPr>
@@ -8996,7 +9257,13 @@
         </p:sp>
         <p:sp>
           <p:nvSpPr>
-            <p:cNvPr id="78" name="tx78"/>
+            <p:cNvPr id="93" name="tx78">
+              <a:extLst>
+                <a:ext uri="{FF2B5EF4-FFF2-40B4-BE49-F238E27FC236}">
+                  <a16:creationId xmlns:a16="http://schemas.microsoft.com/office/drawing/2014/main" id="{B0475758-0BDE-D470-FE70-510A6BF4F027}"/>
+                </a:ext>
+              </a:extLst>
+            </p:cNvPr>
             <p:cNvSpPr/>
             <p:nvPr/>
           </p:nvSpPr>
@@ -9042,7 +9309,13 @@
         </p:sp>
         <p:sp>
           <p:nvSpPr>
-            <p:cNvPr id="79" name="tx79"/>
+            <p:cNvPr id="94" name="tx79">
+              <a:extLst>
+                <a:ext uri="{FF2B5EF4-FFF2-40B4-BE49-F238E27FC236}">
+                  <a16:creationId xmlns:a16="http://schemas.microsoft.com/office/drawing/2014/main" id="{AF1E99F7-63C0-823D-AA7F-572B8410B7D9}"/>
+                </a:ext>
+              </a:extLst>
+            </p:cNvPr>
             <p:cNvSpPr/>
             <p:nvPr/>
           </p:nvSpPr>
@@ -9088,7 +9361,13 @@
         </p:sp>
         <p:sp>
           <p:nvSpPr>
-            <p:cNvPr id="80" name="tx80"/>
+            <p:cNvPr id="95" name="tx80">
+              <a:extLst>
+                <a:ext uri="{FF2B5EF4-FFF2-40B4-BE49-F238E27FC236}">
+                  <a16:creationId xmlns:a16="http://schemas.microsoft.com/office/drawing/2014/main" id="{EF9601C3-CCA8-507F-9F04-0DF8FE44457C}"/>
+                </a:ext>
+              </a:extLst>
+            </p:cNvPr>
             <p:cNvSpPr/>
             <p:nvPr/>
           </p:nvSpPr>
@@ -9134,7 +9413,13 @@
         </p:sp>
         <p:sp>
           <p:nvSpPr>
-            <p:cNvPr id="81" name="tx81"/>
+            <p:cNvPr id="96" name="tx81">
+              <a:extLst>
+                <a:ext uri="{FF2B5EF4-FFF2-40B4-BE49-F238E27FC236}">
+                  <a16:creationId xmlns:a16="http://schemas.microsoft.com/office/drawing/2014/main" id="{B6940946-A290-EEFA-9F3C-B80C1A363AA2}"/>
+                </a:ext>
+              </a:extLst>
+            </p:cNvPr>
             <p:cNvSpPr/>
             <p:nvPr/>
           </p:nvSpPr>
@@ -9180,7 +9465,13 @@
         </p:sp>
         <p:sp>
           <p:nvSpPr>
-            <p:cNvPr id="82" name="tx82"/>
+            <p:cNvPr id="97" name="tx82">
+              <a:extLst>
+                <a:ext uri="{FF2B5EF4-FFF2-40B4-BE49-F238E27FC236}">
+                  <a16:creationId xmlns:a16="http://schemas.microsoft.com/office/drawing/2014/main" id="{17D6A255-0F17-5130-0647-D4E9CF15468C}"/>
+                </a:ext>
+              </a:extLst>
+            </p:cNvPr>
             <p:cNvSpPr/>
             <p:nvPr/>
           </p:nvSpPr>
@@ -9226,7 +9517,13 @@
         </p:sp>
         <p:sp>
           <p:nvSpPr>
-            <p:cNvPr id="83" name="tx83"/>
+            <p:cNvPr id="98" name="tx83">
+              <a:extLst>
+                <a:ext uri="{FF2B5EF4-FFF2-40B4-BE49-F238E27FC236}">
+                  <a16:creationId xmlns:a16="http://schemas.microsoft.com/office/drawing/2014/main" id="{B66200D5-09DF-C5C5-7357-DC867B1A8A90}"/>
+                </a:ext>
+              </a:extLst>
+            </p:cNvPr>
             <p:cNvSpPr/>
             <p:nvPr/>
           </p:nvSpPr>
@@ -9272,7 +9569,13 @@
         </p:sp>
         <p:sp>
           <p:nvSpPr>
-            <p:cNvPr id="84" name="tx84"/>
+            <p:cNvPr id="99" name="tx84">
+              <a:extLst>
+                <a:ext uri="{FF2B5EF4-FFF2-40B4-BE49-F238E27FC236}">
+                  <a16:creationId xmlns:a16="http://schemas.microsoft.com/office/drawing/2014/main" id="{D5338D86-79C4-1B45-9806-965C5C6A19A9}"/>
+                </a:ext>
+              </a:extLst>
+            </p:cNvPr>
             <p:cNvSpPr/>
             <p:nvPr/>
           </p:nvSpPr>
@@ -9327,6 +9630,1963 @@
 
 <file path=ppt/slides/slide4.xml><?xml version="1.0" encoding="utf-8"?>
 <p:sld xmlns:a="http://schemas.openxmlformats.org/drawingml/2006/main" xmlns:r="http://schemas.openxmlformats.org/officeDocument/2006/relationships" xmlns:p="http://schemas.openxmlformats.org/presentationml/2006/main">
+  <p:cSld>
+    <p:spTree>
+      <p:nvGrpSpPr>
+        <p:cNvPr id="1" name=""/>
+        <p:cNvGrpSpPr/>
+        <p:nvPr/>
+      </p:nvGrpSpPr>
+      <p:grpSpPr>
+        <a:xfrm>
+          <a:off x="0" y="0"/>
+          <a:ext cx="0" cy="0"/>
+          <a:chOff x="0" y="0"/>
+          <a:chExt cx="0" cy="0"/>
+        </a:xfrm>
+      </p:grpSpPr>
+      <p:grpSp>
+        <p:nvGrpSpPr>
+          <p:cNvPr id="439" name="Groupe 438">
+            <a:extLst>
+              <a:ext uri="{FF2B5EF4-FFF2-40B4-BE49-F238E27FC236}">
+                <a16:creationId xmlns:a16="http://schemas.microsoft.com/office/drawing/2014/main" id="{684993DD-1259-50FE-AFD8-7635F215123A}"/>
+              </a:ext>
+            </a:extLst>
+          </p:cNvPr>
+          <p:cNvGrpSpPr/>
+          <p:nvPr/>
+        </p:nvGrpSpPr>
+        <p:grpSpPr>
+          <a:xfrm>
+            <a:off x="-1" y="326456"/>
+            <a:ext cx="10698163" cy="7595453"/>
+            <a:chOff x="-1" y="326456"/>
+            <a:chExt cx="10698163" cy="7595453"/>
+          </a:xfrm>
+        </p:grpSpPr>
+        <p:pic>
+          <p:nvPicPr>
+            <p:cNvPr id="437" name="Image 436">
+              <a:extLst>
+                <a:ext uri="{FF2B5EF4-FFF2-40B4-BE49-F238E27FC236}">
+                  <a16:creationId xmlns:a16="http://schemas.microsoft.com/office/drawing/2014/main" id="{A2804E31-230B-A013-8265-D344C4824C56}"/>
+                </a:ext>
+              </a:extLst>
+            </p:cNvPr>
+            <p:cNvPicPr>
+              <a:picLocks noChangeAspect="1"/>
+            </p:cNvPicPr>
+            <p:nvPr/>
+          </p:nvPicPr>
+          <p:blipFill>
+            <a:blip r:embed="rId2"/>
+            <a:stretch>
+              <a:fillRect/>
+            </a:stretch>
+          </p:blipFill>
+          <p:spPr>
+            <a:xfrm>
+              <a:off x="635050" y="498330"/>
+              <a:ext cx="4630380" cy="3589377"/>
+            </a:xfrm>
+            <a:prstGeom prst="rect">
+              <a:avLst/>
+            </a:prstGeom>
+          </p:spPr>
+        </p:pic>
+        <p:pic>
+          <p:nvPicPr>
+            <p:cNvPr id="171" name="Image 170" descr="Une image contenant texte, ligne, diagramme, Police&#10;&#10;Description générée automatiquement">
+              <a:extLst>
+                <a:ext uri="{FF2B5EF4-FFF2-40B4-BE49-F238E27FC236}">
+                  <a16:creationId xmlns:a16="http://schemas.microsoft.com/office/drawing/2014/main" id="{E713BCDD-8B3A-732F-B29E-54771C9BA02E}"/>
+                </a:ext>
+              </a:extLst>
+            </p:cNvPr>
+            <p:cNvPicPr>
+              <a:picLocks noChangeAspect="1"/>
+            </p:cNvPicPr>
+            <p:nvPr/>
+          </p:nvPicPr>
+          <p:blipFill>
+            <a:blip r:embed="rId3"/>
+            <a:stretch>
+              <a:fillRect/>
+            </a:stretch>
+          </p:blipFill>
+          <p:spPr>
+            <a:xfrm>
+              <a:off x="-1" y="4864922"/>
+              <a:ext cx="10698163" cy="3056987"/>
+            </a:xfrm>
+            <a:prstGeom prst="rect">
+              <a:avLst/>
+            </a:prstGeom>
+          </p:spPr>
+        </p:pic>
+        <p:pic>
+          <p:nvPicPr>
+            <p:cNvPr id="166" name="Image 165">
+              <a:extLst>
+                <a:ext uri="{FF2B5EF4-FFF2-40B4-BE49-F238E27FC236}">
+                  <a16:creationId xmlns:a16="http://schemas.microsoft.com/office/drawing/2014/main" id="{859980EF-B08E-48AD-3944-6F258CB337DB}"/>
+                </a:ext>
+              </a:extLst>
+            </p:cNvPr>
+            <p:cNvPicPr>
+              <a:picLocks noChangeAspect="1"/>
+            </p:cNvPicPr>
+            <p:nvPr/>
+          </p:nvPicPr>
+          <p:blipFill>
+            <a:blip r:embed="rId4"/>
+            <a:stretch>
+              <a:fillRect/>
+            </a:stretch>
+          </p:blipFill>
+          <p:spPr>
+            <a:xfrm>
+              <a:off x="5432733" y="497597"/>
+              <a:ext cx="4630380" cy="3589377"/>
+            </a:xfrm>
+            <a:prstGeom prst="rect">
+              <a:avLst/>
+            </a:prstGeom>
+          </p:spPr>
+        </p:pic>
+        <p:grpSp>
+          <p:nvGrpSpPr>
+            <p:cNvPr id="383" name="Group 41">
+              <a:extLst>
+                <a:ext uri="{FF2B5EF4-FFF2-40B4-BE49-F238E27FC236}">
+                  <a16:creationId xmlns:a16="http://schemas.microsoft.com/office/drawing/2014/main" id="{E7607B3F-5AA2-9760-B9E9-A0269988A089}"/>
+                </a:ext>
+              </a:extLst>
+            </p:cNvPr>
+            <p:cNvGrpSpPr/>
+            <p:nvPr/>
+          </p:nvGrpSpPr>
+          <p:grpSpPr>
+            <a:xfrm>
+              <a:off x="2627054" y="4171412"/>
+              <a:ext cx="5424566" cy="339380"/>
+              <a:chOff x="3776750" y="6036589"/>
+              <a:chExt cx="3705052" cy="308527"/>
+            </a:xfrm>
+          </p:grpSpPr>
+          <p:sp>
+            <p:nvSpPr>
+              <p:cNvPr id="384" name="rc34">
+                <a:extLst>
+                  <a:ext uri="{FF2B5EF4-FFF2-40B4-BE49-F238E27FC236}">
+                    <a16:creationId xmlns:a16="http://schemas.microsoft.com/office/drawing/2014/main" id="{3CB7D48F-4591-7F0F-965A-F6B0302925E1}"/>
+                  </a:ext>
+                </a:extLst>
+              </p:cNvPr>
+              <p:cNvSpPr/>
+              <p:nvPr/>
+            </p:nvSpPr>
+            <p:spPr>
+              <a:xfrm>
+                <a:off x="3844504" y="6036589"/>
+                <a:ext cx="359491" cy="105151"/>
+              </a:xfrm>
+              <a:prstGeom prst="rect">
+                <a:avLst/>
+              </a:prstGeom>
+              <a:solidFill>
+                <a:srgbClr val="67001F">
+                  <a:alpha val="100000"/>
+                </a:srgbClr>
+              </a:solidFill>
+              <a:ln w="9525" cap="rnd">
+                <a:solidFill>
+                  <a:srgbClr val="67001F">
+                    <a:alpha val="100000"/>
+                  </a:srgbClr>
+                </a:solidFill>
+                <a:prstDash val="solid"/>
+                <a:round/>
+              </a:ln>
+            </p:spPr>
+            <p:txBody>
+              <a:bodyPr/>
+              <a:lstStyle/>
+              <a:p>
+                <a:endParaRPr/>
+              </a:p>
+            </p:txBody>
+          </p:sp>
+          <p:sp>
+            <p:nvSpPr>
+              <p:cNvPr id="385" name="rc35">
+                <a:extLst>
+                  <a:ext uri="{FF2B5EF4-FFF2-40B4-BE49-F238E27FC236}">
+                    <a16:creationId xmlns:a16="http://schemas.microsoft.com/office/drawing/2014/main" id="{0FF0C3A0-B135-8F9A-777B-89412ED59509}"/>
+                  </a:ext>
+                </a:extLst>
+              </p:cNvPr>
+              <p:cNvSpPr/>
+              <p:nvPr/>
+            </p:nvSpPr>
+            <p:spPr>
+              <a:xfrm>
+                <a:off x="4203996" y="6036589"/>
+                <a:ext cx="359491" cy="105151"/>
+              </a:xfrm>
+              <a:prstGeom prst="rect">
+                <a:avLst/>
+              </a:prstGeom>
+              <a:solidFill>
+                <a:srgbClr val="B51F2E">
+                  <a:alpha val="100000"/>
+                </a:srgbClr>
+              </a:solidFill>
+              <a:ln w="9525" cap="rnd">
+                <a:solidFill>
+                  <a:srgbClr val="B51F2E">
+                    <a:alpha val="100000"/>
+                  </a:srgbClr>
+                </a:solidFill>
+                <a:prstDash val="solid"/>
+                <a:round/>
+              </a:ln>
+            </p:spPr>
+            <p:txBody>
+              <a:bodyPr/>
+              <a:lstStyle/>
+              <a:p>
+                <a:endParaRPr/>
+              </a:p>
+            </p:txBody>
+          </p:sp>
+          <p:sp>
+            <p:nvSpPr>
+              <p:cNvPr id="386" name="rc36">
+                <a:extLst>
+                  <a:ext uri="{FF2B5EF4-FFF2-40B4-BE49-F238E27FC236}">
+                    <a16:creationId xmlns:a16="http://schemas.microsoft.com/office/drawing/2014/main" id="{77A9023F-D23B-00E0-5C80-7332FEBCD97D}"/>
+                  </a:ext>
+                </a:extLst>
+              </p:cNvPr>
+              <p:cNvSpPr/>
+              <p:nvPr/>
+            </p:nvSpPr>
+            <p:spPr>
+              <a:xfrm>
+                <a:off x="4563488" y="6036589"/>
+                <a:ext cx="359491" cy="105151"/>
+              </a:xfrm>
+              <a:prstGeom prst="rect">
+                <a:avLst/>
+              </a:prstGeom>
+              <a:solidFill>
+                <a:srgbClr val="DC6F58">
+                  <a:alpha val="100000"/>
+                </a:srgbClr>
+              </a:solidFill>
+              <a:ln w="9525" cap="rnd">
+                <a:solidFill>
+                  <a:srgbClr val="DC6F58">
+                    <a:alpha val="100000"/>
+                  </a:srgbClr>
+                </a:solidFill>
+                <a:prstDash val="solid"/>
+                <a:round/>
+              </a:ln>
+            </p:spPr>
+            <p:txBody>
+              <a:bodyPr/>
+              <a:lstStyle/>
+              <a:p>
+                <a:endParaRPr/>
+              </a:p>
+            </p:txBody>
+          </p:sp>
+          <p:sp>
+            <p:nvSpPr>
+              <p:cNvPr id="387" name="rc37">
+                <a:extLst>
+                  <a:ext uri="{FF2B5EF4-FFF2-40B4-BE49-F238E27FC236}">
+                    <a16:creationId xmlns:a16="http://schemas.microsoft.com/office/drawing/2014/main" id="{253AEE2C-76F7-46A3-A2A8-A46FB17D06B2}"/>
+                  </a:ext>
+                </a:extLst>
+              </p:cNvPr>
+              <p:cNvSpPr/>
+              <p:nvPr/>
+            </p:nvSpPr>
+            <p:spPr>
+              <a:xfrm>
+                <a:off x="4922980" y="6036589"/>
+                <a:ext cx="359491" cy="105151"/>
+              </a:xfrm>
+              <a:prstGeom prst="rect">
+                <a:avLst/>
+              </a:prstGeom>
+              <a:solidFill>
+                <a:srgbClr val="F7B698">
+                  <a:alpha val="100000"/>
+                </a:srgbClr>
+              </a:solidFill>
+              <a:ln w="9525" cap="rnd">
+                <a:solidFill>
+                  <a:srgbClr val="F7B698">
+                    <a:alpha val="100000"/>
+                  </a:srgbClr>
+                </a:solidFill>
+                <a:prstDash val="solid"/>
+                <a:round/>
+              </a:ln>
+            </p:spPr>
+            <p:txBody>
+              <a:bodyPr/>
+              <a:lstStyle/>
+              <a:p>
+                <a:endParaRPr/>
+              </a:p>
+            </p:txBody>
+          </p:sp>
+          <p:sp>
+            <p:nvSpPr>
+              <p:cNvPr id="388" name="rc38">
+                <a:extLst>
+                  <a:ext uri="{FF2B5EF4-FFF2-40B4-BE49-F238E27FC236}">
+                    <a16:creationId xmlns:a16="http://schemas.microsoft.com/office/drawing/2014/main" id="{8EB7237C-5497-C75E-E003-8FBC29AA5EB3}"/>
+                  </a:ext>
+                </a:extLst>
+              </p:cNvPr>
+              <p:cNvSpPr/>
+              <p:nvPr/>
+            </p:nvSpPr>
+            <p:spPr>
+              <a:xfrm>
+                <a:off x="5282472" y="6036589"/>
+                <a:ext cx="359491" cy="105151"/>
+              </a:xfrm>
+              <a:prstGeom prst="rect">
+                <a:avLst/>
+              </a:prstGeom>
+              <a:solidFill>
+                <a:srgbClr val="FDEBDF">
+                  <a:alpha val="100000"/>
+                </a:srgbClr>
+              </a:solidFill>
+              <a:ln w="9525" cap="rnd">
+                <a:solidFill>
+                  <a:srgbClr val="FDEBDF">
+                    <a:alpha val="100000"/>
+                  </a:srgbClr>
+                </a:solidFill>
+                <a:prstDash val="solid"/>
+                <a:round/>
+              </a:ln>
+            </p:spPr>
+            <p:txBody>
+              <a:bodyPr/>
+              <a:lstStyle/>
+              <a:p>
+                <a:endParaRPr/>
+              </a:p>
+            </p:txBody>
+          </p:sp>
+          <p:sp>
+            <p:nvSpPr>
+              <p:cNvPr id="389" name="rc39">
+                <a:extLst>
+                  <a:ext uri="{FF2B5EF4-FFF2-40B4-BE49-F238E27FC236}">
+                    <a16:creationId xmlns:a16="http://schemas.microsoft.com/office/drawing/2014/main" id="{B0014424-585F-DE26-1E46-2C732C525A37}"/>
+                  </a:ext>
+                </a:extLst>
+              </p:cNvPr>
+              <p:cNvSpPr/>
+              <p:nvPr/>
+            </p:nvSpPr>
+            <p:spPr>
+              <a:xfrm>
+                <a:off x="5641964" y="6036589"/>
+                <a:ext cx="359491" cy="105151"/>
+              </a:xfrm>
+              <a:prstGeom prst="rect">
+                <a:avLst/>
+              </a:prstGeom>
+              <a:solidFill>
+                <a:srgbClr val="E5F0F6">
+                  <a:alpha val="100000"/>
+                </a:srgbClr>
+              </a:solidFill>
+              <a:ln w="9525" cap="rnd">
+                <a:solidFill>
+                  <a:srgbClr val="E5F0F6">
+                    <a:alpha val="100000"/>
+                  </a:srgbClr>
+                </a:solidFill>
+                <a:prstDash val="solid"/>
+                <a:round/>
+              </a:ln>
+            </p:spPr>
+            <p:txBody>
+              <a:bodyPr/>
+              <a:lstStyle/>
+              <a:p>
+                <a:endParaRPr/>
+              </a:p>
+            </p:txBody>
+          </p:sp>
+          <p:sp>
+            <p:nvSpPr>
+              <p:cNvPr id="390" name="rc40">
+                <a:extLst>
+                  <a:ext uri="{FF2B5EF4-FFF2-40B4-BE49-F238E27FC236}">
+                    <a16:creationId xmlns:a16="http://schemas.microsoft.com/office/drawing/2014/main" id="{CA17F5A0-A45D-AC41-4DD2-A6CCCB5A1872}"/>
+                  </a:ext>
+                </a:extLst>
+              </p:cNvPr>
+              <p:cNvSpPr/>
+              <p:nvPr/>
+            </p:nvSpPr>
+            <p:spPr>
+              <a:xfrm>
+                <a:off x="6001456" y="6036589"/>
+                <a:ext cx="359491" cy="105151"/>
+              </a:xfrm>
+              <a:prstGeom prst="rect">
+                <a:avLst/>
+              </a:prstGeom>
+              <a:solidFill>
+                <a:srgbClr val="A7CFE4">
+                  <a:alpha val="100000"/>
+                </a:srgbClr>
+              </a:solidFill>
+              <a:ln w="9525" cap="rnd">
+                <a:solidFill>
+                  <a:srgbClr val="A7CFE4">
+                    <a:alpha val="100000"/>
+                  </a:srgbClr>
+                </a:solidFill>
+                <a:prstDash val="solid"/>
+                <a:round/>
+              </a:ln>
+            </p:spPr>
+            <p:txBody>
+              <a:bodyPr/>
+              <a:lstStyle/>
+              <a:p>
+                <a:endParaRPr/>
+              </a:p>
+            </p:txBody>
+          </p:sp>
+          <p:sp>
+            <p:nvSpPr>
+              <p:cNvPr id="391" name="rc41">
+                <a:extLst>
+                  <a:ext uri="{FF2B5EF4-FFF2-40B4-BE49-F238E27FC236}">
+                    <a16:creationId xmlns:a16="http://schemas.microsoft.com/office/drawing/2014/main" id="{3C8DF9F8-789B-C3CF-1BF8-E52A3BB6BB4C}"/>
+                  </a:ext>
+                </a:extLst>
+              </p:cNvPr>
+              <p:cNvSpPr/>
+              <p:nvPr/>
+            </p:nvSpPr>
+            <p:spPr>
+              <a:xfrm>
+                <a:off x="6360948" y="6036589"/>
+                <a:ext cx="359491" cy="105151"/>
+              </a:xfrm>
+              <a:prstGeom prst="rect">
+                <a:avLst/>
+              </a:prstGeom>
+              <a:solidFill>
+                <a:srgbClr val="549EC9">
+                  <a:alpha val="100000"/>
+                </a:srgbClr>
+              </a:solidFill>
+              <a:ln w="9525" cap="rnd">
+                <a:solidFill>
+                  <a:srgbClr val="549EC9">
+                    <a:alpha val="100000"/>
+                  </a:srgbClr>
+                </a:solidFill>
+                <a:prstDash val="solid"/>
+                <a:round/>
+              </a:ln>
+            </p:spPr>
+            <p:txBody>
+              <a:bodyPr/>
+              <a:lstStyle/>
+              <a:p>
+                <a:endParaRPr/>
+              </a:p>
+            </p:txBody>
+          </p:sp>
+          <p:sp>
+            <p:nvSpPr>
+              <p:cNvPr id="392" name="rc42">
+                <a:extLst>
+                  <a:ext uri="{FF2B5EF4-FFF2-40B4-BE49-F238E27FC236}">
+                    <a16:creationId xmlns:a16="http://schemas.microsoft.com/office/drawing/2014/main" id="{681CCA30-59F3-4A86-B13A-32C6D07FFED2}"/>
+                  </a:ext>
+                </a:extLst>
+              </p:cNvPr>
+              <p:cNvSpPr/>
+              <p:nvPr/>
+            </p:nvSpPr>
+            <p:spPr>
+              <a:xfrm>
+                <a:off x="6720440" y="6036589"/>
+                <a:ext cx="359491" cy="105151"/>
+              </a:xfrm>
+              <a:prstGeom prst="rect">
+                <a:avLst/>
+              </a:prstGeom>
+              <a:solidFill>
+                <a:srgbClr val="246BAE">
+                  <a:alpha val="100000"/>
+                </a:srgbClr>
+              </a:solidFill>
+              <a:ln w="9525" cap="rnd">
+                <a:solidFill>
+                  <a:srgbClr val="246BAE">
+                    <a:alpha val="100000"/>
+                  </a:srgbClr>
+                </a:solidFill>
+                <a:prstDash val="solid"/>
+                <a:round/>
+              </a:ln>
+            </p:spPr>
+            <p:txBody>
+              <a:bodyPr/>
+              <a:lstStyle/>
+              <a:p>
+                <a:endParaRPr/>
+              </a:p>
+            </p:txBody>
+          </p:sp>
+          <p:sp>
+            <p:nvSpPr>
+              <p:cNvPr id="393" name="rc43">
+                <a:extLst>
+                  <a:ext uri="{FF2B5EF4-FFF2-40B4-BE49-F238E27FC236}">
+                    <a16:creationId xmlns:a16="http://schemas.microsoft.com/office/drawing/2014/main" id="{83245330-E4F6-B603-63E1-78FF2B0C5484}"/>
+                  </a:ext>
+                </a:extLst>
+              </p:cNvPr>
+              <p:cNvSpPr/>
+              <p:nvPr/>
+            </p:nvSpPr>
+            <p:spPr>
+              <a:xfrm>
+                <a:off x="7079932" y="6036589"/>
+                <a:ext cx="359491" cy="105151"/>
+              </a:xfrm>
+              <a:prstGeom prst="rect">
+                <a:avLst/>
+              </a:prstGeom>
+              <a:solidFill>
+                <a:srgbClr val="053061">
+                  <a:alpha val="100000"/>
+                </a:srgbClr>
+              </a:solidFill>
+              <a:ln w="9525" cap="rnd">
+                <a:solidFill>
+                  <a:srgbClr val="053061">
+                    <a:alpha val="100000"/>
+                  </a:srgbClr>
+                </a:solidFill>
+                <a:prstDash val="solid"/>
+                <a:round/>
+              </a:ln>
+            </p:spPr>
+            <p:txBody>
+              <a:bodyPr/>
+              <a:lstStyle/>
+              <a:p>
+                <a:endParaRPr/>
+              </a:p>
+            </p:txBody>
+          </p:sp>
+          <p:sp>
+            <p:nvSpPr>
+              <p:cNvPr id="394" name="rc44">
+                <a:extLst>
+                  <a:ext uri="{FF2B5EF4-FFF2-40B4-BE49-F238E27FC236}">
+                    <a16:creationId xmlns:a16="http://schemas.microsoft.com/office/drawing/2014/main" id="{B7DA36F3-A5B9-555E-7F24-7ACE44E571AB}"/>
+                  </a:ext>
+                </a:extLst>
+              </p:cNvPr>
+              <p:cNvSpPr/>
+              <p:nvPr/>
+            </p:nvSpPr>
+            <p:spPr>
+              <a:xfrm>
+                <a:off x="3844504" y="6036589"/>
+                <a:ext cx="3594919" cy="105151"/>
+              </a:xfrm>
+              <a:prstGeom prst="rect">
+                <a:avLst/>
+              </a:prstGeom>
+              <a:ln w="9525" cap="rnd">
+                <a:solidFill>
+                  <a:srgbClr val="000000">
+                    <a:alpha val="100000"/>
+                  </a:srgbClr>
+                </a:solidFill>
+                <a:prstDash val="solid"/>
+                <a:round/>
+              </a:ln>
+            </p:spPr>
+            <p:txBody>
+              <a:bodyPr/>
+              <a:lstStyle/>
+              <a:p>
+                <a:endParaRPr/>
+              </a:p>
+            </p:txBody>
+          </p:sp>
+          <p:sp>
+            <p:nvSpPr>
+              <p:cNvPr id="395" name="pl45">
+                <a:extLst>
+                  <a:ext uri="{FF2B5EF4-FFF2-40B4-BE49-F238E27FC236}">
+                    <a16:creationId xmlns:a16="http://schemas.microsoft.com/office/drawing/2014/main" id="{EB2182A0-E235-1312-863E-AFEB10F8821B}"/>
+                  </a:ext>
+                </a:extLst>
+              </p:cNvPr>
+              <p:cNvSpPr/>
+              <p:nvPr/>
+            </p:nvSpPr>
+            <p:spPr>
+              <a:xfrm>
+                <a:off x="3844504" y="6141741"/>
+                <a:ext cx="0" cy="21030"/>
+              </a:xfrm>
+              <a:custGeom>
+                <a:avLst/>
+                <a:gdLst/>
+                <a:ahLst/>
+                <a:cxnLst/>
+                <a:rect l="0" t="0" r="0" b="0"/>
+                <a:pathLst>
+                  <a:path h="21030">
+                    <a:moveTo>
+                      <a:pt x="0" y="0"/>
+                    </a:moveTo>
+                    <a:lnTo>
+                      <a:pt x="0" y="21030"/>
+                    </a:lnTo>
+                  </a:path>
+                </a:pathLst>
+              </a:custGeom>
+              <a:ln w="9525" cap="rnd">
+                <a:solidFill>
+                  <a:srgbClr val="000000">
+                    <a:alpha val="100000"/>
+                  </a:srgbClr>
+                </a:solidFill>
+                <a:prstDash val="solid"/>
+                <a:round/>
+              </a:ln>
+            </p:spPr>
+            <p:txBody>
+              <a:bodyPr/>
+              <a:lstStyle/>
+              <a:p>
+                <a:endParaRPr/>
+              </a:p>
+            </p:txBody>
+          </p:sp>
+          <p:sp>
+            <p:nvSpPr>
+              <p:cNvPr id="396" name="pl46">
+                <a:extLst>
+                  <a:ext uri="{FF2B5EF4-FFF2-40B4-BE49-F238E27FC236}">
+                    <a16:creationId xmlns:a16="http://schemas.microsoft.com/office/drawing/2014/main" id="{691A6EB0-810B-04D8-1083-95EFD0311582}"/>
+                  </a:ext>
+                </a:extLst>
+              </p:cNvPr>
+              <p:cNvSpPr/>
+              <p:nvPr/>
+            </p:nvSpPr>
+            <p:spPr>
+              <a:xfrm>
+                <a:off x="4203996" y="6141741"/>
+                <a:ext cx="0" cy="21030"/>
+              </a:xfrm>
+              <a:custGeom>
+                <a:avLst/>
+                <a:gdLst/>
+                <a:ahLst/>
+                <a:cxnLst/>
+                <a:rect l="0" t="0" r="0" b="0"/>
+                <a:pathLst>
+                  <a:path h="21030">
+                    <a:moveTo>
+                      <a:pt x="0" y="0"/>
+                    </a:moveTo>
+                    <a:lnTo>
+                      <a:pt x="0" y="21030"/>
+                    </a:lnTo>
+                  </a:path>
+                </a:pathLst>
+              </a:custGeom>
+              <a:ln w="9525" cap="rnd">
+                <a:solidFill>
+                  <a:srgbClr val="000000">
+                    <a:alpha val="100000"/>
+                  </a:srgbClr>
+                </a:solidFill>
+                <a:prstDash val="solid"/>
+                <a:round/>
+              </a:ln>
+            </p:spPr>
+            <p:txBody>
+              <a:bodyPr/>
+              <a:lstStyle/>
+              <a:p>
+                <a:endParaRPr/>
+              </a:p>
+            </p:txBody>
+          </p:sp>
+          <p:sp>
+            <p:nvSpPr>
+              <p:cNvPr id="397" name="pl47">
+                <a:extLst>
+                  <a:ext uri="{FF2B5EF4-FFF2-40B4-BE49-F238E27FC236}">
+                    <a16:creationId xmlns:a16="http://schemas.microsoft.com/office/drawing/2014/main" id="{D4B7E6B1-6BB9-93AA-78E8-5FB277A4B426}"/>
+                  </a:ext>
+                </a:extLst>
+              </p:cNvPr>
+              <p:cNvSpPr/>
+              <p:nvPr/>
+            </p:nvSpPr>
+            <p:spPr>
+              <a:xfrm>
+                <a:off x="4563488" y="6141741"/>
+                <a:ext cx="0" cy="21030"/>
+              </a:xfrm>
+              <a:custGeom>
+                <a:avLst/>
+                <a:gdLst/>
+                <a:ahLst/>
+                <a:cxnLst/>
+                <a:rect l="0" t="0" r="0" b="0"/>
+                <a:pathLst>
+                  <a:path h="21030">
+                    <a:moveTo>
+                      <a:pt x="0" y="0"/>
+                    </a:moveTo>
+                    <a:lnTo>
+                      <a:pt x="0" y="21030"/>
+                    </a:lnTo>
+                  </a:path>
+                </a:pathLst>
+              </a:custGeom>
+              <a:ln w="9525" cap="rnd">
+                <a:solidFill>
+                  <a:srgbClr val="000000">
+                    <a:alpha val="100000"/>
+                  </a:srgbClr>
+                </a:solidFill>
+                <a:prstDash val="solid"/>
+                <a:round/>
+              </a:ln>
+            </p:spPr>
+            <p:txBody>
+              <a:bodyPr/>
+              <a:lstStyle/>
+              <a:p>
+                <a:endParaRPr/>
+              </a:p>
+            </p:txBody>
+          </p:sp>
+          <p:sp>
+            <p:nvSpPr>
+              <p:cNvPr id="398" name="pl48">
+                <a:extLst>
+                  <a:ext uri="{FF2B5EF4-FFF2-40B4-BE49-F238E27FC236}">
+                    <a16:creationId xmlns:a16="http://schemas.microsoft.com/office/drawing/2014/main" id="{69ACCA75-2D7A-B342-68F6-68098EC4230D}"/>
+                  </a:ext>
+                </a:extLst>
+              </p:cNvPr>
+              <p:cNvSpPr/>
+              <p:nvPr/>
+            </p:nvSpPr>
+            <p:spPr>
+              <a:xfrm>
+                <a:off x="4922980" y="6141741"/>
+                <a:ext cx="0" cy="21030"/>
+              </a:xfrm>
+              <a:custGeom>
+                <a:avLst/>
+                <a:gdLst/>
+                <a:ahLst/>
+                <a:cxnLst/>
+                <a:rect l="0" t="0" r="0" b="0"/>
+                <a:pathLst>
+                  <a:path h="21030">
+                    <a:moveTo>
+                      <a:pt x="0" y="0"/>
+                    </a:moveTo>
+                    <a:lnTo>
+                      <a:pt x="0" y="21030"/>
+                    </a:lnTo>
+                  </a:path>
+                </a:pathLst>
+              </a:custGeom>
+              <a:ln w="9525" cap="rnd">
+                <a:solidFill>
+                  <a:srgbClr val="000000">
+                    <a:alpha val="100000"/>
+                  </a:srgbClr>
+                </a:solidFill>
+                <a:prstDash val="solid"/>
+                <a:round/>
+              </a:ln>
+            </p:spPr>
+            <p:txBody>
+              <a:bodyPr/>
+              <a:lstStyle/>
+              <a:p>
+                <a:endParaRPr/>
+              </a:p>
+            </p:txBody>
+          </p:sp>
+          <p:sp>
+            <p:nvSpPr>
+              <p:cNvPr id="399" name="pl49">
+                <a:extLst>
+                  <a:ext uri="{FF2B5EF4-FFF2-40B4-BE49-F238E27FC236}">
+                    <a16:creationId xmlns:a16="http://schemas.microsoft.com/office/drawing/2014/main" id="{8B58C62F-5EDC-9E5E-3CAB-9B8114EDDE03}"/>
+                  </a:ext>
+                </a:extLst>
+              </p:cNvPr>
+              <p:cNvSpPr/>
+              <p:nvPr/>
+            </p:nvSpPr>
+            <p:spPr>
+              <a:xfrm>
+                <a:off x="5282472" y="6141741"/>
+                <a:ext cx="0" cy="21030"/>
+              </a:xfrm>
+              <a:custGeom>
+                <a:avLst/>
+                <a:gdLst/>
+                <a:ahLst/>
+                <a:cxnLst/>
+                <a:rect l="0" t="0" r="0" b="0"/>
+                <a:pathLst>
+                  <a:path h="21030">
+                    <a:moveTo>
+                      <a:pt x="0" y="0"/>
+                    </a:moveTo>
+                    <a:lnTo>
+                      <a:pt x="0" y="21030"/>
+                    </a:lnTo>
+                  </a:path>
+                </a:pathLst>
+              </a:custGeom>
+              <a:ln w="9525" cap="rnd">
+                <a:solidFill>
+                  <a:srgbClr val="000000">
+                    <a:alpha val="100000"/>
+                  </a:srgbClr>
+                </a:solidFill>
+                <a:prstDash val="solid"/>
+                <a:round/>
+              </a:ln>
+            </p:spPr>
+            <p:txBody>
+              <a:bodyPr/>
+              <a:lstStyle/>
+              <a:p>
+                <a:endParaRPr/>
+              </a:p>
+            </p:txBody>
+          </p:sp>
+          <p:sp>
+            <p:nvSpPr>
+              <p:cNvPr id="400" name="pl50">
+                <a:extLst>
+                  <a:ext uri="{FF2B5EF4-FFF2-40B4-BE49-F238E27FC236}">
+                    <a16:creationId xmlns:a16="http://schemas.microsoft.com/office/drawing/2014/main" id="{3CE39697-06F0-5599-26F8-14354370B21E}"/>
+                  </a:ext>
+                </a:extLst>
+              </p:cNvPr>
+              <p:cNvSpPr/>
+              <p:nvPr/>
+            </p:nvSpPr>
+            <p:spPr>
+              <a:xfrm>
+                <a:off x="5641964" y="6141741"/>
+                <a:ext cx="0" cy="21030"/>
+              </a:xfrm>
+              <a:custGeom>
+                <a:avLst/>
+                <a:gdLst/>
+                <a:ahLst/>
+                <a:cxnLst/>
+                <a:rect l="0" t="0" r="0" b="0"/>
+                <a:pathLst>
+                  <a:path h="21030">
+                    <a:moveTo>
+                      <a:pt x="0" y="0"/>
+                    </a:moveTo>
+                    <a:lnTo>
+                      <a:pt x="0" y="21030"/>
+                    </a:lnTo>
+                  </a:path>
+                </a:pathLst>
+              </a:custGeom>
+              <a:ln w="9525" cap="rnd">
+                <a:solidFill>
+                  <a:srgbClr val="000000">
+                    <a:alpha val="100000"/>
+                  </a:srgbClr>
+                </a:solidFill>
+                <a:prstDash val="solid"/>
+                <a:round/>
+              </a:ln>
+            </p:spPr>
+            <p:txBody>
+              <a:bodyPr/>
+              <a:lstStyle/>
+              <a:p>
+                <a:endParaRPr/>
+              </a:p>
+            </p:txBody>
+          </p:sp>
+          <p:sp>
+            <p:nvSpPr>
+              <p:cNvPr id="401" name="pl51">
+                <a:extLst>
+                  <a:ext uri="{FF2B5EF4-FFF2-40B4-BE49-F238E27FC236}">
+                    <a16:creationId xmlns:a16="http://schemas.microsoft.com/office/drawing/2014/main" id="{9344A17C-FA2E-0121-6625-6BE37FAE8536}"/>
+                  </a:ext>
+                </a:extLst>
+              </p:cNvPr>
+              <p:cNvSpPr/>
+              <p:nvPr/>
+            </p:nvSpPr>
+            <p:spPr>
+              <a:xfrm>
+                <a:off x="6001456" y="6141741"/>
+                <a:ext cx="0" cy="21030"/>
+              </a:xfrm>
+              <a:custGeom>
+                <a:avLst/>
+                <a:gdLst/>
+                <a:ahLst/>
+                <a:cxnLst/>
+                <a:rect l="0" t="0" r="0" b="0"/>
+                <a:pathLst>
+                  <a:path h="21030">
+                    <a:moveTo>
+                      <a:pt x="0" y="0"/>
+                    </a:moveTo>
+                    <a:lnTo>
+                      <a:pt x="0" y="21030"/>
+                    </a:lnTo>
+                  </a:path>
+                </a:pathLst>
+              </a:custGeom>
+              <a:ln w="9525" cap="rnd">
+                <a:solidFill>
+                  <a:srgbClr val="000000">
+                    <a:alpha val="100000"/>
+                  </a:srgbClr>
+                </a:solidFill>
+                <a:prstDash val="solid"/>
+                <a:round/>
+              </a:ln>
+            </p:spPr>
+            <p:txBody>
+              <a:bodyPr/>
+              <a:lstStyle/>
+              <a:p>
+                <a:endParaRPr/>
+              </a:p>
+            </p:txBody>
+          </p:sp>
+          <p:sp>
+            <p:nvSpPr>
+              <p:cNvPr id="402" name="pl52">
+                <a:extLst>
+                  <a:ext uri="{FF2B5EF4-FFF2-40B4-BE49-F238E27FC236}">
+                    <a16:creationId xmlns:a16="http://schemas.microsoft.com/office/drawing/2014/main" id="{1B4B6A84-9C8D-BE43-E6E6-4277D5F4919E}"/>
+                  </a:ext>
+                </a:extLst>
+              </p:cNvPr>
+              <p:cNvSpPr/>
+              <p:nvPr/>
+            </p:nvSpPr>
+            <p:spPr>
+              <a:xfrm>
+                <a:off x="6360948" y="6141741"/>
+                <a:ext cx="0" cy="21030"/>
+              </a:xfrm>
+              <a:custGeom>
+                <a:avLst/>
+                <a:gdLst/>
+                <a:ahLst/>
+                <a:cxnLst/>
+                <a:rect l="0" t="0" r="0" b="0"/>
+                <a:pathLst>
+                  <a:path h="21030">
+                    <a:moveTo>
+                      <a:pt x="0" y="0"/>
+                    </a:moveTo>
+                    <a:lnTo>
+                      <a:pt x="0" y="21030"/>
+                    </a:lnTo>
+                  </a:path>
+                </a:pathLst>
+              </a:custGeom>
+              <a:ln w="9525" cap="rnd">
+                <a:solidFill>
+                  <a:srgbClr val="000000">
+                    <a:alpha val="100000"/>
+                  </a:srgbClr>
+                </a:solidFill>
+                <a:prstDash val="solid"/>
+                <a:round/>
+              </a:ln>
+            </p:spPr>
+            <p:txBody>
+              <a:bodyPr/>
+              <a:lstStyle/>
+              <a:p>
+                <a:endParaRPr/>
+              </a:p>
+            </p:txBody>
+          </p:sp>
+          <p:sp>
+            <p:nvSpPr>
+              <p:cNvPr id="403" name="pl53">
+                <a:extLst>
+                  <a:ext uri="{FF2B5EF4-FFF2-40B4-BE49-F238E27FC236}">
+                    <a16:creationId xmlns:a16="http://schemas.microsoft.com/office/drawing/2014/main" id="{377E4D0E-4A97-3689-22A0-37A9DBA15926}"/>
+                  </a:ext>
+                </a:extLst>
+              </p:cNvPr>
+              <p:cNvSpPr/>
+              <p:nvPr/>
+            </p:nvSpPr>
+            <p:spPr>
+              <a:xfrm>
+                <a:off x="6720440" y="6141741"/>
+                <a:ext cx="0" cy="21030"/>
+              </a:xfrm>
+              <a:custGeom>
+                <a:avLst/>
+                <a:gdLst/>
+                <a:ahLst/>
+                <a:cxnLst/>
+                <a:rect l="0" t="0" r="0" b="0"/>
+                <a:pathLst>
+                  <a:path h="21030">
+                    <a:moveTo>
+                      <a:pt x="0" y="0"/>
+                    </a:moveTo>
+                    <a:lnTo>
+                      <a:pt x="0" y="21030"/>
+                    </a:lnTo>
+                  </a:path>
+                </a:pathLst>
+              </a:custGeom>
+              <a:ln w="9525" cap="rnd">
+                <a:solidFill>
+                  <a:srgbClr val="000000">
+                    <a:alpha val="100000"/>
+                  </a:srgbClr>
+                </a:solidFill>
+                <a:prstDash val="solid"/>
+                <a:round/>
+              </a:ln>
+            </p:spPr>
+            <p:txBody>
+              <a:bodyPr/>
+              <a:lstStyle/>
+              <a:p>
+                <a:endParaRPr/>
+              </a:p>
+            </p:txBody>
+          </p:sp>
+          <p:sp>
+            <p:nvSpPr>
+              <p:cNvPr id="404" name="pl54">
+                <a:extLst>
+                  <a:ext uri="{FF2B5EF4-FFF2-40B4-BE49-F238E27FC236}">
+                    <a16:creationId xmlns:a16="http://schemas.microsoft.com/office/drawing/2014/main" id="{29DE93B4-307A-081B-9E6B-10806F029BDB}"/>
+                  </a:ext>
+                </a:extLst>
+              </p:cNvPr>
+              <p:cNvSpPr/>
+              <p:nvPr/>
+            </p:nvSpPr>
+            <p:spPr>
+              <a:xfrm>
+                <a:off x="7079932" y="6141741"/>
+                <a:ext cx="0" cy="21030"/>
+              </a:xfrm>
+              <a:custGeom>
+                <a:avLst/>
+                <a:gdLst/>
+                <a:ahLst/>
+                <a:cxnLst/>
+                <a:rect l="0" t="0" r="0" b="0"/>
+                <a:pathLst>
+                  <a:path h="21030">
+                    <a:moveTo>
+                      <a:pt x="0" y="0"/>
+                    </a:moveTo>
+                    <a:lnTo>
+                      <a:pt x="0" y="21030"/>
+                    </a:lnTo>
+                  </a:path>
+                </a:pathLst>
+              </a:custGeom>
+              <a:ln w="9525" cap="rnd">
+                <a:solidFill>
+                  <a:srgbClr val="000000">
+                    <a:alpha val="100000"/>
+                  </a:srgbClr>
+                </a:solidFill>
+                <a:prstDash val="solid"/>
+                <a:round/>
+              </a:ln>
+            </p:spPr>
+            <p:txBody>
+              <a:bodyPr/>
+              <a:lstStyle/>
+              <a:p>
+                <a:endParaRPr/>
+              </a:p>
+            </p:txBody>
+          </p:sp>
+          <p:sp>
+            <p:nvSpPr>
+              <p:cNvPr id="405" name="pl55">
+                <a:extLst>
+                  <a:ext uri="{FF2B5EF4-FFF2-40B4-BE49-F238E27FC236}">
+                    <a16:creationId xmlns:a16="http://schemas.microsoft.com/office/drawing/2014/main" id="{14985401-87CD-2E9F-C99B-9BF0E48D4E5D}"/>
+                  </a:ext>
+                </a:extLst>
+              </p:cNvPr>
+              <p:cNvSpPr/>
+              <p:nvPr/>
+            </p:nvSpPr>
+            <p:spPr>
+              <a:xfrm>
+                <a:off x="7439423" y="6141741"/>
+                <a:ext cx="0" cy="21030"/>
+              </a:xfrm>
+              <a:custGeom>
+                <a:avLst/>
+                <a:gdLst/>
+                <a:ahLst/>
+                <a:cxnLst/>
+                <a:rect l="0" t="0" r="0" b="0"/>
+                <a:pathLst>
+                  <a:path h="21030">
+                    <a:moveTo>
+                      <a:pt x="0" y="0"/>
+                    </a:moveTo>
+                    <a:lnTo>
+                      <a:pt x="0" y="21030"/>
+                    </a:lnTo>
+                  </a:path>
+                </a:pathLst>
+              </a:custGeom>
+              <a:ln w="9525" cap="rnd">
+                <a:solidFill>
+                  <a:srgbClr val="000000">
+                    <a:alpha val="100000"/>
+                  </a:srgbClr>
+                </a:solidFill>
+                <a:prstDash val="solid"/>
+                <a:round/>
+              </a:ln>
+            </p:spPr>
+            <p:txBody>
+              <a:bodyPr/>
+              <a:lstStyle/>
+              <a:p>
+                <a:endParaRPr/>
+              </a:p>
+            </p:txBody>
+          </p:sp>
+          <p:sp>
+            <p:nvSpPr>
+              <p:cNvPr id="406" name="tx56">
+                <a:extLst>
+                  <a:ext uri="{FF2B5EF4-FFF2-40B4-BE49-F238E27FC236}">
+                    <a16:creationId xmlns:a16="http://schemas.microsoft.com/office/drawing/2014/main" id="{D2D1ACE7-7C7C-B11B-D201-D73859477662}"/>
+                  </a:ext>
+                </a:extLst>
+              </p:cNvPr>
+              <p:cNvSpPr/>
+              <p:nvPr/>
+            </p:nvSpPr>
+            <p:spPr>
+              <a:xfrm>
+                <a:off x="3776750" y="6235579"/>
+                <a:ext cx="135508" cy="109537"/>
+              </a:xfrm>
+              <a:prstGeom prst="rect">
+                <a:avLst/>
+              </a:prstGeom>
+              <a:noFill/>
+            </p:spPr>
+            <p:txBody>
+              <a:bodyPr wrap="none" lIns="0" tIns="0" rIns="0" bIns="0" anchor="ctr" anchorCtr="1"/>
+              <a:lstStyle/>
+              <a:p>
+                <a:pPr marL="0" marR="0" indent="0" algn="l">
+                  <a:lnSpc>
+                    <a:spcPts val="1200"/>
+                  </a:lnSpc>
+                  <a:spcBef>
+                    <a:spcPts val="0"/>
+                  </a:spcBef>
+                  <a:spcAft>
+                    <a:spcPts val="0"/>
+                  </a:spcAft>
+                </a:pPr>
+                <a:r>
+                  <a:rPr sz="1200">
+                    <a:solidFill>
+                      <a:srgbClr val="000000">
+                        <a:alpha val="100000"/>
+                      </a:srgbClr>
+                    </a:solidFill>
+                    <a:latin typeface="Arial"/>
+                    <a:cs typeface="Arial"/>
+                  </a:rPr>
+                  <a:t>-1</a:t>
+                </a:r>
+              </a:p>
+            </p:txBody>
+          </p:sp>
+          <p:sp>
+            <p:nvSpPr>
+              <p:cNvPr id="407" name="tx57">
+                <a:extLst>
+                  <a:ext uri="{FF2B5EF4-FFF2-40B4-BE49-F238E27FC236}">
+                    <a16:creationId xmlns:a16="http://schemas.microsoft.com/office/drawing/2014/main" id="{BC17F825-E5D0-B635-98C6-964C072C5E11}"/>
+                  </a:ext>
+                </a:extLst>
+              </p:cNvPr>
+              <p:cNvSpPr/>
+              <p:nvPr/>
+            </p:nvSpPr>
+            <p:spPr>
+              <a:xfrm>
+                <a:off x="4072692" y="6233719"/>
+                <a:ext cx="262607" cy="111397"/>
+              </a:xfrm>
+              <a:prstGeom prst="rect">
+                <a:avLst/>
+              </a:prstGeom>
+              <a:noFill/>
+            </p:spPr>
+            <p:txBody>
+              <a:bodyPr wrap="none" lIns="0" tIns="0" rIns="0" bIns="0" anchor="ctr" anchorCtr="1"/>
+              <a:lstStyle/>
+              <a:p>
+                <a:pPr marL="0" marR="0" indent="0" algn="l">
+                  <a:lnSpc>
+                    <a:spcPts val="1200"/>
+                  </a:lnSpc>
+                  <a:spcBef>
+                    <a:spcPts val="0"/>
+                  </a:spcBef>
+                  <a:spcAft>
+                    <a:spcPts val="0"/>
+                  </a:spcAft>
+                </a:pPr>
+                <a:r>
+                  <a:rPr sz="1200">
+                    <a:solidFill>
+                      <a:srgbClr val="000000">
+                        <a:alpha val="100000"/>
+                      </a:srgbClr>
+                    </a:solidFill>
+                    <a:latin typeface="Arial"/>
+                    <a:cs typeface="Arial"/>
+                  </a:rPr>
+                  <a:t>-0.8</a:t>
+                </a:r>
+              </a:p>
+            </p:txBody>
+          </p:sp>
+          <p:sp>
+            <p:nvSpPr>
+              <p:cNvPr id="408" name="tx58">
+                <a:extLst>
+                  <a:ext uri="{FF2B5EF4-FFF2-40B4-BE49-F238E27FC236}">
+                    <a16:creationId xmlns:a16="http://schemas.microsoft.com/office/drawing/2014/main" id="{036D2692-24F2-C3A9-91AA-4D163E804EA8}"/>
+                  </a:ext>
+                </a:extLst>
+              </p:cNvPr>
+              <p:cNvSpPr/>
+              <p:nvPr/>
+            </p:nvSpPr>
+            <p:spPr>
+              <a:xfrm>
+                <a:off x="4432184" y="6233719"/>
+                <a:ext cx="262607" cy="111397"/>
+              </a:xfrm>
+              <a:prstGeom prst="rect">
+                <a:avLst/>
+              </a:prstGeom>
+              <a:noFill/>
+            </p:spPr>
+            <p:txBody>
+              <a:bodyPr wrap="none" lIns="0" tIns="0" rIns="0" bIns="0" anchor="ctr" anchorCtr="1"/>
+              <a:lstStyle/>
+              <a:p>
+                <a:pPr marL="0" marR="0" indent="0" algn="l">
+                  <a:lnSpc>
+                    <a:spcPts val="1200"/>
+                  </a:lnSpc>
+                  <a:spcBef>
+                    <a:spcPts val="0"/>
+                  </a:spcBef>
+                  <a:spcAft>
+                    <a:spcPts val="0"/>
+                  </a:spcAft>
+                </a:pPr>
+                <a:r>
+                  <a:rPr sz="1200">
+                    <a:solidFill>
+                      <a:srgbClr val="000000">
+                        <a:alpha val="100000"/>
+                      </a:srgbClr>
+                    </a:solidFill>
+                    <a:latin typeface="Arial"/>
+                    <a:cs typeface="Arial"/>
+                  </a:rPr>
+                  <a:t>-0.6</a:t>
+                </a:r>
+              </a:p>
+            </p:txBody>
+          </p:sp>
+          <p:sp>
+            <p:nvSpPr>
+              <p:cNvPr id="409" name="tx59">
+                <a:extLst>
+                  <a:ext uri="{FF2B5EF4-FFF2-40B4-BE49-F238E27FC236}">
+                    <a16:creationId xmlns:a16="http://schemas.microsoft.com/office/drawing/2014/main" id="{0D9D5DB4-0D40-B6B0-0D49-3AF27C71AFD5}"/>
+                  </a:ext>
+                </a:extLst>
+              </p:cNvPr>
+              <p:cNvSpPr/>
+              <p:nvPr/>
+            </p:nvSpPr>
+            <p:spPr>
+              <a:xfrm>
+                <a:off x="4791676" y="6233719"/>
+                <a:ext cx="262607" cy="111397"/>
+              </a:xfrm>
+              <a:prstGeom prst="rect">
+                <a:avLst/>
+              </a:prstGeom>
+              <a:noFill/>
+            </p:spPr>
+            <p:txBody>
+              <a:bodyPr wrap="none" lIns="0" tIns="0" rIns="0" bIns="0" anchor="ctr" anchorCtr="1"/>
+              <a:lstStyle/>
+              <a:p>
+                <a:pPr marL="0" marR="0" indent="0" algn="l">
+                  <a:lnSpc>
+                    <a:spcPts val="1200"/>
+                  </a:lnSpc>
+                  <a:spcBef>
+                    <a:spcPts val="0"/>
+                  </a:spcBef>
+                  <a:spcAft>
+                    <a:spcPts val="0"/>
+                  </a:spcAft>
+                </a:pPr>
+                <a:r>
+                  <a:rPr sz="1200">
+                    <a:solidFill>
+                      <a:srgbClr val="000000">
+                        <a:alpha val="100000"/>
+                      </a:srgbClr>
+                    </a:solidFill>
+                    <a:latin typeface="Arial"/>
+                    <a:cs typeface="Arial"/>
+                  </a:rPr>
+                  <a:t>-0.4</a:t>
+                </a:r>
+              </a:p>
+            </p:txBody>
+          </p:sp>
+          <p:sp>
+            <p:nvSpPr>
+              <p:cNvPr id="410" name="tx60">
+                <a:extLst>
+                  <a:ext uri="{FF2B5EF4-FFF2-40B4-BE49-F238E27FC236}">
+                    <a16:creationId xmlns:a16="http://schemas.microsoft.com/office/drawing/2014/main" id="{3CD597E0-EA6E-0A61-CAF7-3FD2BFD889C9}"/>
+                  </a:ext>
+                </a:extLst>
+              </p:cNvPr>
+              <p:cNvSpPr/>
+              <p:nvPr/>
+            </p:nvSpPr>
+            <p:spPr>
+              <a:xfrm>
+                <a:off x="5151168" y="6233719"/>
+                <a:ext cx="262607" cy="111397"/>
+              </a:xfrm>
+              <a:prstGeom prst="rect">
+                <a:avLst/>
+              </a:prstGeom>
+              <a:noFill/>
+            </p:spPr>
+            <p:txBody>
+              <a:bodyPr wrap="none" lIns="0" tIns="0" rIns="0" bIns="0" anchor="ctr" anchorCtr="1"/>
+              <a:lstStyle/>
+              <a:p>
+                <a:pPr marL="0" marR="0" indent="0" algn="l">
+                  <a:lnSpc>
+                    <a:spcPts val="1200"/>
+                  </a:lnSpc>
+                  <a:spcBef>
+                    <a:spcPts val="0"/>
+                  </a:spcBef>
+                  <a:spcAft>
+                    <a:spcPts val="0"/>
+                  </a:spcAft>
+                </a:pPr>
+                <a:r>
+                  <a:rPr sz="1200">
+                    <a:solidFill>
+                      <a:srgbClr val="000000">
+                        <a:alpha val="100000"/>
+                      </a:srgbClr>
+                    </a:solidFill>
+                    <a:latin typeface="Arial"/>
+                    <a:cs typeface="Arial"/>
+                  </a:rPr>
+                  <a:t>-0.2</a:t>
+                </a:r>
+              </a:p>
+            </p:txBody>
+          </p:sp>
+          <p:sp>
+            <p:nvSpPr>
+              <p:cNvPr id="411" name="tx61">
+                <a:extLst>
+                  <a:ext uri="{FF2B5EF4-FFF2-40B4-BE49-F238E27FC236}">
+                    <a16:creationId xmlns:a16="http://schemas.microsoft.com/office/drawing/2014/main" id="{ADB4FD37-F28C-EF68-EAE5-FCD561E70C03}"/>
+                  </a:ext>
+                </a:extLst>
+              </p:cNvPr>
+              <p:cNvSpPr/>
+              <p:nvPr/>
+            </p:nvSpPr>
+            <p:spPr>
+              <a:xfrm>
+                <a:off x="5599585" y="6233719"/>
+                <a:ext cx="84757" cy="111397"/>
+              </a:xfrm>
+              <a:prstGeom prst="rect">
+                <a:avLst/>
+              </a:prstGeom>
+              <a:noFill/>
+            </p:spPr>
+            <p:txBody>
+              <a:bodyPr wrap="none" lIns="0" tIns="0" rIns="0" bIns="0" anchor="ctr" anchorCtr="1"/>
+              <a:lstStyle/>
+              <a:p>
+                <a:pPr marL="0" marR="0" indent="0" algn="l">
+                  <a:lnSpc>
+                    <a:spcPts val="1200"/>
+                  </a:lnSpc>
+                  <a:spcBef>
+                    <a:spcPts val="0"/>
+                  </a:spcBef>
+                  <a:spcAft>
+                    <a:spcPts val="0"/>
+                  </a:spcAft>
+                </a:pPr>
+                <a:r>
+                  <a:rPr sz="1200">
+                    <a:solidFill>
+                      <a:srgbClr val="000000">
+                        <a:alpha val="100000"/>
+                      </a:srgbClr>
+                    </a:solidFill>
+                    <a:latin typeface="Arial"/>
+                    <a:cs typeface="Arial"/>
+                  </a:rPr>
+                  <a:t>0</a:t>
+                </a:r>
+              </a:p>
+            </p:txBody>
+          </p:sp>
+          <p:sp>
+            <p:nvSpPr>
+              <p:cNvPr id="412" name="tx62">
+                <a:extLst>
+                  <a:ext uri="{FF2B5EF4-FFF2-40B4-BE49-F238E27FC236}">
+                    <a16:creationId xmlns:a16="http://schemas.microsoft.com/office/drawing/2014/main" id="{E226569A-EF4B-AB4A-61BF-0DAF517990E7}"/>
+                  </a:ext>
+                </a:extLst>
+              </p:cNvPr>
+              <p:cNvSpPr/>
+              <p:nvPr/>
+            </p:nvSpPr>
+            <p:spPr>
+              <a:xfrm>
+                <a:off x="5895527" y="6233719"/>
+                <a:ext cx="211856" cy="111397"/>
+              </a:xfrm>
+              <a:prstGeom prst="rect">
+                <a:avLst/>
+              </a:prstGeom>
+              <a:noFill/>
+            </p:spPr>
+            <p:txBody>
+              <a:bodyPr wrap="none" lIns="0" tIns="0" rIns="0" bIns="0" anchor="ctr" anchorCtr="1"/>
+              <a:lstStyle/>
+              <a:p>
+                <a:pPr marL="0" marR="0" indent="0" algn="l">
+                  <a:lnSpc>
+                    <a:spcPts val="1200"/>
+                  </a:lnSpc>
+                  <a:spcBef>
+                    <a:spcPts val="0"/>
+                  </a:spcBef>
+                  <a:spcAft>
+                    <a:spcPts val="0"/>
+                  </a:spcAft>
+                </a:pPr>
+                <a:r>
+                  <a:rPr sz="1200">
+                    <a:solidFill>
+                      <a:srgbClr val="000000">
+                        <a:alpha val="100000"/>
+                      </a:srgbClr>
+                    </a:solidFill>
+                    <a:latin typeface="Arial"/>
+                    <a:cs typeface="Arial"/>
+                  </a:rPr>
+                  <a:t>0.2</a:t>
+                </a:r>
+              </a:p>
+            </p:txBody>
+          </p:sp>
+          <p:sp>
+            <p:nvSpPr>
+              <p:cNvPr id="413" name="tx63">
+                <a:extLst>
+                  <a:ext uri="{FF2B5EF4-FFF2-40B4-BE49-F238E27FC236}">
+                    <a16:creationId xmlns:a16="http://schemas.microsoft.com/office/drawing/2014/main" id="{CD7157CC-3AE1-E5DF-268A-5F3D96852320}"/>
+                  </a:ext>
+                </a:extLst>
+              </p:cNvPr>
+              <p:cNvSpPr/>
+              <p:nvPr/>
+            </p:nvSpPr>
+            <p:spPr>
+              <a:xfrm>
+                <a:off x="6255019" y="6233719"/>
+                <a:ext cx="211856" cy="111397"/>
+              </a:xfrm>
+              <a:prstGeom prst="rect">
+                <a:avLst/>
+              </a:prstGeom>
+              <a:noFill/>
+            </p:spPr>
+            <p:txBody>
+              <a:bodyPr wrap="none" lIns="0" tIns="0" rIns="0" bIns="0" anchor="ctr" anchorCtr="1"/>
+              <a:lstStyle/>
+              <a:p>
+                <a:pPr marL="0" marR="0" indent="0" algn="l">
+                  <a:lnSpc>
+                    <a:spcPts val="1200"/>
+                  </a:lnSpc>
+                  <a:spcBef>
+                    <a:spcPts val="0"/>
+                  </a:spcBef>
+                  <a:spcAft>
+                    <a:spcPts val="0"/>
+                  </a:spcAft>
+                </a:pPr>
+                <a:r>
+                  <a:rPr sz="1200">
+                    <a:solidFill>
+                      <a:srgbClr val="000000">
+                        <a:alpha val="100000"/>
+                      </a:srgbClr>
+                    </a:solidFill>
+                    <a:latin typeface="Arial"/>
+                    <a:cs typeface="Arial"/>
+                  </a:rPr>
+                  <a:t>0.4</a:t>
+                </a:r>
+              </a:p>
+            </p:txBody>
+          </p:sp>
+          <p:sp>
+            <p:nvSpPr>
+              <p:cNvPr id="414" name="tx64">
+                <a:extLst>
+                  <a:ext uri="{FF2B5EF4-FFF2-40B4-BE49-F238E27FC236}">
+                    <a16:creationId xmlns:a16="http://schemas.microsoft.com/office/drawing/2014/main" id="{ECA0C6F0-CF11-D6D0-56D6-CF89A5ADC85E}"/>
+                  </a:ext>
+                </a:extLst>
+              </p:cNvPr>
+              <p:cNvSpPr/>
+              <p:nvPr/>
+            </p:nvSpPr>
+            <p:spPr>
+              <a:xfrm>
+                <a:off x="6614511" y="6233719"/>
+                <a:ext cx="211856" cy="111397"/>
+              </a:xfrm>
+              <a:prstGeom prst="rect">
+                <a:avLst/>
+              </a:prstGeom>
+              <a:noFill/>
+            </p:spPr>
+            <p:txBody>
+              <a:bodyPr wrap="none" lIns="0" tIns="0" rIns="0" bIns="0" anchor="ctr" anchorCtr="1"/>
+              <a:lstStyle/>
+              <a:p>
+                <a:pPr marL="0" marR="0" indent="0" algn="l">
+                  <a:lnSpc>
+                    <a:spcPts val="1200"/>
+                  </a:lnSpc>
+                  <a:spcBef>
+                    <a:spcPts val="0"/>
+                  </a:spcBef>
+                  <a:spcAft>
+                    <a:spcPts val="0"/>
+                  </a:spcAft>
+                </a:pPr>
+                <a:r>
+                  <a:rPr sz="1200">
+                    <a:solidFill>
+                      <a:srgbClr val="000000">
+                        <a:alpha val="100000"/>
+                      </a:srgbClr>
+                    </a:solidFill>
+                    <a:latin typeface="Arial"/>
+                    <a:cs typeface="Arial"/>
+                  </a:rPr>
+                  <a:t>0.6</a:t>
+                </a:r>
+              </a:p>
+            </p:txBody>
+          </p:sp>
+          <p:sp>
+            <p:nvSpPr>
+              <p:cNvPr id="415" name="tx65">
+                <a:extLst>
+                  <a:ext uri="{FF2B5EF4-FFF2-40B4-BE49-F238E27FC236}">
+                    <a16:creationId xmlns:a16="http://schemas.microsoft.com/office/drawing/2014/main" id="{F20D7672-BD78-FFC8-2877-8854BF28A8E3}"/>
+                  </a:ext>
+                </a:extLst>
+              </p:cNvPr>
+              <p:cNvSpPr/>
+              <p:nvPr/>
+            </p:nvSpPr>
+            <p:spPr>
+              <a:xfrm>
+                <a:off x="6974003" y="6233719"/>
+                <a:ext cx="211856" cy="111397"/>
+              </a:xfrm>
+              <a:prstGeom prst="rect">
+                <a:avLst/>
+              </a:prstGeom>
+              <a:noFill/>
+            </p:spPr>
+            <p:txBody>
+              <a:bodyPr wrap="none" lIns="0" tIns="0" rIns="0" bIns="0" anchor="ctr" anchorCtr="1"/>
+              <a:lstStyle/>
+              <a:p>
+                <a:pPr marL="0" marR="0" indent="0" algn="l">
+                  <a:lnSpc>
+                    <a:spcPts val="1200"/>
+                  </a:lnSpc>
+                  <a:spcBef>
+                    <a:spcPts val="0"/>
+                  </a:spcBef>
+                  <a:spcAft>
+                    <a:spcPts val="0"/>
+                  </a:spcAft>
+                </a:pPr>
+                <a:r>
+                  <a:rPr sz="1200">
+                    <a:solidFill>
+                      <a:srgbClr val="000000">
+                        <a:alpha val="100000"/>
+                      </a:srgbClr>
+                    </a:solidFill>
+                    <a:latin typeface="Arial"/>
+                    <a:cs typeface="Arial"/>
+                  </a:rPr>
+                  <a:t>0.8</a:t>
+                </a:r>
+              </a:p>
+            </p:txBody>
+          </p:sp>
+          <p:sp>
+            <p:nvSpPr>
+              <p:cNvPr id="416" name="tx66">
+                <a:extLst>
+                  <a:ext uri="{FF2B5EF4-FFF2-40B4-BE49-F238E27FC236}">
+                    <a16:creationId xmlns:a16="http://schemas.microsoft.com/office/drawing/2014/main" id="{1D53DC12-D98D-E2EC-F537-19D86F31CFA7}"/>
+                  </a:ext>
+                </a:extLst>
+              </p:cNvPr>
+              <p:cNvSpPr/>
+              <p:nvPr/>
+            </p:nvSpPr>
+            <p:spPr>
+              <a:xfrm>
+                <a:off x="7397045" y="6235579"/>
+                <a:ext cx="84757" cy="109537"/>
+              </a:xfrm>
+              <a:prstGeom prst="rect">
+                <a:avLst/>
+              </a:prstGeom>
+              <a:noFill/>
+            </p:spPr>
+            <p:txBody>
+              <a:bodyPr wrap="none" lIns="0" tIns="0" rIns="0" bIns="0" anchor="ctr" anchorCtr="1"/>
+              <a:lstStyle/>
+              <a:p>
+                <a:pPr marL="0" marR="0" indent="0" algn="l">
+                  <a:lnSpc>
+                    <a:spcPts val="1200"/>
+                  </a:lnSpc>
+                  <a:spcBef>
+                    <a:spcPts val="0"/>
+                  </a:spcBef>
+                  <a:spcAft>
+                    <a:spcPts val="0"/>
+                  </a:spcAft>
+                </a:pPr>
+                <a:r>
+                  <a:rPr sz="1200">
+                    <a:solidFill>
+                      <a:srgbClr val="000000">
+                        <a:alpha val="100000"/>
+                      </a:srgbClr>
+                    </a:solidFill>
+                    <a:latin typeface="Arial"/>
+                    <a:cs typeface="Arial"/>
+                  </a:rPr>
+                  <a:t>1</a:t>
+                </a:r>
+              </a:p>
+            </p:txBody>
+          </p:sp>
+        </p:grpSp>
+        <p:sp>
+          <p:nvSpPr>
+            <p:cNvPr id="418" name="tx71">
+              <a:extLst>
+                <a:ext uri="{FF2B5EF4-FFF2-40B4-BE49-F238E27FC236}">
+                  <a16:creationId xmlns:a16="http://schemas.microsoft.com/office/drawing/2014/main" id="{B4E896CA-F92E-57B5-C15A-683922E151F4}"/>
+                </a:ext>
+              </a:extLst>
+            </p:cNvPr>
+            <p:cNvSpPr/>
+            <p:nvPr/>
+          </p:nvSpPr>
+          <p:spPr>
+            <a:xfrm>
+              <a:off x="761107" y="326976"/>
+              <a:ext cx="772685" cy="167253"/>
+            </a:xfrm>
+            <a:prstGeom prst="rect">
+              <a:avLst/>
+            </a:prstGeom>
+            <a:noFill/>
+          </p:spPr>
+          <p:txBody>
+            <a:bodyPr wrap="none" lIns="0" tIns="0" rIns="0" bIns="0" anchor="ctr" anchorCtr="1"/>
+            <a:lstStyle/>
+            <a:p>
+              <a:pPr marL="0" marR="0" indent="0" algn="l">
+                <a:lnSpc>
+                  <a:spcPts val="1439"/>
+                </a:lnSpc>
+                <a:spcBef>
+                  <a:spcPts val="0"/>
+                </a:spcBef>
+                <a:spcAft>
+                  <a:spcPts val="0"/>
+                </a:spcAft>
+              </a:pPr>
+              <a:r>
+                <a:rPr lang="en-CA" sz="1500" b="1" dirty="0">
+                  <a:solidFill>
+                    <a:srgbClr val="000000">
+                      <a:alpha val="100000"/>
+                    </a:srgbClr>
+                  </a:solidFill>
+                  <a:latin typeface="Arial"/>
+                  <a:cs typeface="Arial"/>
+                </a:rPr>
+                <a:t>A) Novice</a:t>
+              </a:r>
+              <a:endParaRPr sz="1500" b="1" dirty="0">
+                <a:solidFill>
+                  <a:srgbClr val="000000">
+                    <a:alpha val="100000"/>
+                  </a:srgbClr>
+                </a:solidFill>
+                <a:latin typeface="Arial"/>
+                <a:cs typeface="Arial"/>
+              </a:endParaRPr>
+            </a:p>
+          </p:txBody>
+        </p:sp>
+        <p:sp>
+          <p:nvSpPr>
+            <p:cNvPr id="420" name="tx71">
+              <a:extLst>
+                <a:ext uri="{FF2B5EF4-FFF2-40B4-BE49-F238E27FC236}">
+                  <a16:creationId xmlns:a16="http://schemas.microsoft.com/office/drawing/2014/main" id="{5F2799AA-15CD-74D1-B589-D2327EB746DB}"/>
+                </a:ext>
+              </a:extLst>
+            </p:cNvPr>
+            <p:cNvSpPr/>
+            <p:nvPr/>
+          </p:nvSpPr>
+          <p:spPr>
+            <a:xfrm>
+              <a:off x="5681116" y="326456"/>
+              <a:ext cx="772685" cy="167253"/>
+            </a:xfrm>
+            <a:prstGeom prst="rect">
+              <a:avLst/>
+            </a:prstGeom>
+            <a:noFill/>
+          </p:spPr>
+          <p:txBody>
+            <a:bodyPr wrap="none" lIns="0" tIns="0" rIns="0" bIns="0" anchor="ctr" anchorCtr="1"/>
+            <a:lstStyle/>
+            <a:p>
+              <a:pPr marL="0" marR="0" indent="0" algn="l">
+                <a:lnSpc>
+                  <a:spcPts val="1439"/>
+                </a:lnSpc>
+                <a:spcBef>
+                  <a:spcPts val="0"/>
+                </a:spcBef>
+                <a:spcAft>
+                  <a:spcPts val="0"/>
+                </a:spcAft>
+              </a:pPr>
+              <a:r>
+                <a:rPr lang="en-CA" sz="1500" b="1" dirty="0">
+                  <a:solidFill>
+                    <a:srgbClr val="000000">
+                      <a:alpha val="100000"/>
+                    </a:srgbClr>
+                  </a:solidFill>
+                  <a:latin typeface="Arial"/>
+                  <a:cs typeface="Arial"/>
+                </a:rPr>
+                <a:t>B) Advanced</a:t>
+              </a:r>
+              <a:endParaRPr sz="1500" b="1" dirty="0">
+                <a:solidFill>
+                  <a:srgbClr val="000000">
+                    <a:alpha val="100000"/>
+                  </a:srgbClr>
+                </a:solidFill>
+                <a:latin typeface="Arial"/>
+                <a:cs typeface="Arial"/>
+              </a:endParaRPr>
+            </a:p>
+          </p:txBody>
+        </p:sp>
+        <p:sp>
+          <p:nvSpPr>
+            <p:cNvPr id="4" name="tx71">
+              <a:extLst>
+                <a:ext uri="{FF2B5EF4-FFF2-40B4-BE49-F238E27FC236}">
+                  <a16:creationId xmlns:a16="http://schemas.microsoft.com/office/drawing/2014/main" id="{61B07D51-1801-6201-2E6D-59218A343DC6}"/>
+                </a:ext>
+              </a:extLst>
+            </p:cNvPr>
+            <p:cNvSpPr/>
+            <p:nvPr/>
+          </p:nvSpPr>
+          <p:spPr>
+            <a:xfrm>
+              <a:off x="1364271" y="4661780"/>
+              <a:ext cx="772685" cy="167253"/>
+            </a:xfrm>
+            <a:prstGeom prst="rect">
+              <a:avLst/>
+            </a:prstGeom>
+            <a:noFill/>
+          </p:spPr>
+          <p:txBody>
+            <a:bodyPr wrap="none" lIns="0" tIns="0" rIns="0" bIns="0" anchor="ctr" anchorCtr="1"/>
+            <a:lstStyle/>
+            <a:p>
+              <a:pPr marL="0" marR="0" indent="0" algn="l">
+                <a:lnSpc>
+                  <a:spcPts val="1439"/>
+                </a:lnSpc>
+                <a:spcBef>
+                  <a:spcPts val="0"/>
+                </a:spcBef>
+                <a:spcAft>
+                  <a:spcPts val="0"/>
+                </a:spcAft>
+              </a:pPr>
+              <a:r>
+                <a:rPr lang="en-CA" sz="1500" b="1" dirty="0">
+                  <a:solidFill>
+                    <a:srgbClr val="000000">
+                      <a:alpha val="100000"/>
+                    </a:srgbClr>
+                  </a:solidFill>
+                  <a:latin typeface="Arial"/>
+                  <a:cs typeface="Arial"/>
+                </a:rPr>
+                <a:t>C) Advanced vs novice</a:t>
+              </a:r>
+              <a:endParaRPr sz="1500" b="1" dirty="0">
+                <a:solidFill>
+                  <a:srgbClr val="000000">
+                    <a:alpha val="100000"/>
+                  </a:srgbClr>
+                </a:solidFill>
+                <a:latin typeface="Arial"/>
+                <a:cs typeface="Arial"/>
+              </a:endParaRPr>
+            </a:p>
+          </p:txBody>
+        </p:sp>
+      </p:grpSp>
+    </p:spTree>
+    <p:extLst>
+      <p:ext uri="{BB962C8B-B14F-4D97-AF65-F5344CB8AC3E}">
+        <p14:creationId xmlns:p14="http://schemas.microsoft.com/office/powerpoint/2010/main" val="1440051717"/>
+      </p:ext>
+    </p:extLst>
+  </p:cSld>
+  <p:clrMapOvr>
+    <a:masterClrMapping/>
+  </p:clrMapOvr>
+</p:sld>
+</file>
+
+<file path=ppt/slides/slide5.xml><?xml version="1.0" encoding="utf-8"?>
+<p:sld xmlns:a="http://schemas.openxmlformats.org/drawingml/2006/main" xmlns:r="http://schemas.openxmlformats.org/officeDocument/2006/relationships" xmlns:p="http://schemas.openxmlformats.org/presentationml/2006/main" show="0">
   <p:cSld>
     <p:spTree>
       <p:nvGrpSpPr>
@@ -11301,1963 +13561,6 @@
 </p:sld>
 </file>
 
-<file path=ppt/slides/slide5.xml><?xml version="1.0" encoding="utf-8"?>
-<p:sld xmlns:a="http://schemas.openxmlformats.org/drawingml/2006/main" xmlns:r="http://schemas.openxmlformats.org/officeDocument/2006/relationships" xmlns:p="http://schemas.openxmlformats.org/presentationml/2006/main">
-  <p:cSld>
-    <p:spTree>
-      <p:nvGrpSpPr>
-        <p:cNvPr id="1" name=""/>
-        <p:cNvGrpSpPr/>
-        <p:nvPr/>
-      </p:nvGrpSpPr>
-      <p:grpSpPr>
-        <a:xfrm>
-          <a:off x="0" y="0"/>
-          <a:ext cx="0" cy="0"/>
-          <a:chOff x="0" y="0"/>
-          <a:chExt cx="0" cy="0"/>
-        </a:xfrm>
-      </p:grpSpPr>
-      <p:grpSp>
-        <p:nvGrpSpPr>
-          <p:cNvPr id="436" name="Groupe 435">
-            <a:extLst>
-              <a:ext uri="{FF2B5EF4-FFF2-40B4-BE49-F238E27FC236}">
-                <a16:creationId xmlns:a16="http://schemas.microsoft.com/office/drawing/2014/main" id="{FBEEB81D-406E-2847-9C6D-08FAAF286F6A}"/>
-              </a:ext>
-            </a:extLst>
-          </p:cNvPr>
-          <p:cNvGrpSpPr/>
-          <p:nvPr/>
-        </p:nvGrpSpPr>
-        <p:grpSpPr>
-          <a:xfrm>
-            <a:off x="0" y="326456"/>
-            <a:ext cx="10698163" cy="7576055"/>
-            <a:chOff x="0" y="326456"/>
-            <a:chExt cx="10698163" cy="7576055"/>
-          </a:xfrm>
-        </p:grpSpPr>
-        <p:pic>
-          <p:nvPicPr>
-            <p:cNvPr id="433" name="Image 432">
-              <a:extLst>
-                <a:ext uri="{FF2B5EF4-FFF2-40B4-BE49-F238E27FC236}">
-                  <a16:creationId xmlns:a16="http://schemas.microsoft.com/office/drawing/2014/main" id="{06F32A87-2240-3F1D-CAC3-82824889A025}"/>
-                </a:ext>
-              </a:extLst>
-            </p:cNvPr>
-            <p:cNvPicPr>
-              <a:picLocks noChangeAspect="1"/>
-            </p:cNvPicPr>
-            <p:nvPr/>
-          </p:nvPicPr>
-          <p:blipFill>
-            <a:blip r:embed="rId2"/>
-            <a:stretch>
-              <a:fillRect/>
-            </a:stretch>
-          </p:blipFill>
-          <p:spPr>
-            <a:xfrm>
-              <a:off x="5432733" y="501946"/>
-              <a:ext cx="4630380" cy="3589377"/>
-            </a:xfrm>
-            <a:prstGeom prst="rect">
-              <a:avLst/>
-            </a:prstGeom>
-          </p:spPr>
-        </p:pic>
-        <p:pic>
-          <p:nvPicPr>
-            <p:cNvPr id="167" name="Image 166">
-              <a:extLst>
-                <a:ext uri="{FF2B5EF4-FFF2-40B4-BE49-F238E27FC236}">
-                  <a16:creationId xmlns:a16="http://schemas.microsoft.com/office/drawing/2014/main" id="{5BB2EC24-D486-819E-84A9-4019DE8F67A2}"/>
-                </a:ext>
-              </a:extLst>
-            </p:cNvPr>
-            <p:cNvPicPr>
-              <a:picLocks noChangeAspect="1"/>
-            </p:cNvPicPr>
-            <p:nvPr/>
-          </p:nvPicPr>
-          <p:blipFill>
-            <a:blip r:embed="rId3"/>
-            <a:stretch>
-              <a:fillRect/>
-            </a:stretch>
-          </p:blipFill>
-          <p:spPr>
-            <a:xfrm>
-              <a:off x="636992" y="508998"/>
-              <a:ext cx="4630380" cy="3589377"/>
-            </a:xfrm>
-            <a:prstGeom prst="rect">
-              <a:avLst/>
-            </a:prstGeom>
-          </p:spPr>
-        </p:pic>
-        <p:grpSp>
-          <p:nvGrpSpPr>
-            <p:cNvPr id="383" name="Group 41">
-              <a:extLst>
-                <a:ext uri="{FF2B5EF4-FFF2-40B4-BE49-F238E27FC236}">
-                  <a16:creationId xmlns:a16="http://schemas.microsoft.com/office/drawing/2014/main" id="{E7607B3F-5AA2-9760-B9E9-A0269988A089}"/>
-                </a:ext>
-              </a:extLst>
-            </p:cNvPr>
-            <p:cNvGrpSpPr/>
-            <p:nvPr/>
-          </p:nvGrpSpPr>
-          <p:grpSpPr>
-            <a:xfrm>
-              <a:off x="2627054" y="4171412"/>
-              <a:ext cx="5424566" cy="339380"/>
-              <a:chOff x="3776750" y="6036589"/>
-              <a:chExt cx="3705052" cy="308527"/>
-            </a:xfrm>
-          </p:grpSpPr>
-          <p:sp>
-            <p:nvSpPr>
-              <p:cNvPr id="384" name="rc34">
-                <a:extLst>
-                  <a:ext uri="{FF2B5EF4-FFF2-40B4-BE49-F238E27FC236}">
-                    <a16:creationId xmlns:a16="http://schemas.microsoft.com/office/drawing/2014/main" id="{3CB7D48F-4591-7F0F-965A-F6B0302925E1}"/>
-                  </a:ext>
-                </a:extLst>
-              </p:cNvPr>
-              <p:cNvSpPr/>
-              <p:nvPr/>
-            </p:nvSpPr>
-            <p:spPr>
-              <a:xfrm>
-                <a:off x="3844504" y="6036589"/>
-                <a:ext cx="359491" cy="105151"/>
-              </a:xfrm>
-              <a:prstGeom prst="rect">
-                <a:avLst/>
-              </a:prstGeom>
-              <a:solidFill>
-                <a:srgbClr val="67001F">
-                  <a:alpha val="100000"/>
-                </a:srgbClr>
-              </a:solidFill>
-              <a:ln w="9525" cap="rnd">
-                <a:solidFill>
-                  <a:srgbClr val="67001F">
-                    <a:alpha val="100000"/>
-                  </a:srgbClr>
-                </a:solidFill>
-                <a:prstDash val="solid"/>
-                <a:round/>
-              </a:ln>
-            </p:spPr>
-            <p:txBody>
-              <a:bodyPr/>
-              <a:lstStyle/>
-              <a:p>
-                <a:endParaRPr/>
-              </a:p>
-            </p:txBody>
-          </p:sp>
-          <p:sp>
-            <p:nvSpPr>
-              <p:cNvPr id="385" name="rc35">
-                <a:extLst>
-                  <a:ext uri="{FF2B5EF4-FFF2-40B4-BE49-F238E27FC236}">
-                    <a16:creationId xmlns:a16="http://schemas.microsoft.com/office/drawing/2014/main" id="{0FF0C3A0-B135-8F9A-777B-89412ED59509}"/>
-                  </a:ext>
-                </a:extLst>
-              </p:cNvPr>
-              <p:cNvSpPr/>
-              <p:nvPr/>
-            </p:nvSpPr>
-            <p:spPr>
-              <a:xfrm>
-                <a:off x="4203996" y="6036589"/>
-                <a:ext cx="359491" cy="105151"/>
-              </a:xfrm>
-              <a:prstGeom prst="rect">
-                <a:avLst/>
-              </a:prstGeom>
-              <a:solidFill>
-                <a:srgbClr val="B51F2E">
-                  <a:alpha val="100000"/>
-                </a:srgbClr>
-              </a:solidFill>
-              <a:ln w="9525" cap="rnd">
-                <a:solidFill>
-                  <a:srgbClr val="B51F2E">
-                    <a:alpha val="100000"/>
-                  </a:srgbClr>
-                </a:solidFill>
-                <a:prstDash val="solid"/>
-                <a:round/>
-              </a:ln>
-            </p:spPr>
-            <p:txBody>
-              <a:bodyPr/>
-              <a:lstStyle/>
-              <a:p>
-                <a:endParaRPr/>
-              </a:p>
-            </p:txBody>
-          </p:sp>
-          <p:sp>
-            <p:nvSpPr>
-              <p:cNvPr id="386" name="rc36">
-                <a:extLst>
-                  <a:ext uri="{FF2B5EF4-FFF2-40B4-BE49-F238E27FC236}">
-                    <a16:creationId xmlns:a16="http://schemas.microsoft.com/office/drawing/2014/main" id="{77A9023F-D23B-00E0-5C80-7332FEBCD97D}"/>
-                  </a:ext>
-                </a:extLst>
-              </p:cNvPr>
-              <p:cNvSpPr/>
-              <p:nvPr/>
-            </p:nvSpPr>
-            <p:spPr>
-              <a:xfrm>
-                <a:off x="4563488" y="6036589"/>
-                <a:ext cx="359491" cy="105151"/>
-              </a:xfrm>
-              <a:prstGeom prst="rect">
-                <a:avLst/>
-              </a:prstGeom>
-              <a:solidFill>
-                <a:srgbClr val="DC6F58">
-                  <a:alpha val="100000"/>
-                </a:srgbClr>
-              </a:solidFill>
-              <a:ln w="9525" cap="rnd">
-                <a:solidFill>
-                  <a:srgbClr val="DC6F58">
-                    <a:alpha val="100000"/>
-                  </a:srgbClr>
-                </a:solidFill>
-                <a:prstDash val="solid"/>
-                <a:round/>
-              </a:ln>
-            </p:spPr>
-            <p:txBody>
-              <a:bodyPr/>
-              <a:lstStyle/>
-              <a:p>
-                <a:endParaRPr/>
-              </a:p>
-            </p:txBody>
-          </p:sp>
-          <p:sp>
-            <p:nvSpPr>
-              <p:cNvPr id="387" name="rc37">
-                <a:extLst>
-                  <a:ext uri="{FF2B5EF4-FFF2-40B4-BE49-F238E27FC236}">
-                    <a16:creationId xmlns:a16="http://schemas.microsoft.com/office/drawing/2014/main" id="{253AEE2C-76F7-46A3-A2A8-A46FB17D06B2}"/>
-                  </a:ext>
-                </a:extLst>
-              </p:cNvPr>
-              <p:cNvSpPr/>
-              <p:nvPr/>
-            </p:nvSpPr>
-            <p:spPr>
-              <a:xfrm>
-                <a:off x="4922980" y="6036589"/>
-                <a:ext cx="359491" cy="105151"/>
-              </a:xfrm>
-              <a:prstGeom prst="rect">
-                <a:avLst/>
-              </a:prstGeom>
-              <a:solidFill>
-                <a:srgbClr val="F7B698">
-                  <a:alpha val="100000"/>
-                </a:srgbClr>
-              </a:solidFill>
-              <a:ln w="9525" cap="rnd">
-                <a:solidFill>
-                  <a:srgbClr val="F7B698">
-                    <a:alpha val="100000"/>
-                  </a:srgbClr>
-                </a:solidFill>
-                <a:prstDash val="solid"/>
-                <a:round/>
-              </a:ln>
-            </p:spPr>
-            <p:txBody>
-              <a:bodyPr/>
-              <a:lstStyle/>
-              <a:p>
-                <a:endParaRPr/>
-              </a:p>
-            </p:txBody>
-          </p:sp>
-          <p:sp>
-            <p:nvSpPr>
-              <p:cNvPr id="388" name="rc38">
-                <a:extLst>
-                  <a:ext uri="{FF2B5EF4-FFF2-40B4-BE49-F238E27FC236}">
-                    <a16:creationId xmlns:a16="http://schemas.microsoft.com/office/drawing/2014/main" id="{8EB7237C-5497-C75E-E003-8FBC29AA5EB3}"/>
-                  </a:ext>
-                </a:extLst>
-              </p:cNvPr>
-              <p:cNvSpPr/>
-              <p:nvPr/>
-            </p:nvSpPr>
-            <p:spPr>
-              <a:xfrm>
-                <a:off x="5282472" y="6036589"/>
-                <a:ext cx="359491" cy="105151"/>
-              </a:xfrm>
-              <a:prstGeom prst="rect">
-                <a:avLst/>
-              </a:prstGeom>
-              <a:solidFill>
-                <a:srgbClr val="FDEBDF">
-                  <a:alpha val="100000"/>
-                </a:srgbClr>
-              </a:solidFill>
-              <a:ln w="9525" cap="rnd">
-                <a:solidFill>
-                  <a:srgbClr val="FDEBDF">
-                    <a:alpha val="100000"/>
-                  </a:srgbClr>
-                </a:solidFill>
-                <a:prstDash val="solid"/>
-                <a:round/>
-              </a:ln>
-            </p:spPr>
-            <p:txBody>
-              <a:bodyPr/>
-              <a:lstStyle/>
-              <a:p>
-                <a:endParaRPr/>
-              </a:p>
-            </p:txBody>
-          </p:sp>
-          <p:sp>
-            <p:nvSpPr>
-              <p:cNvPr id="389" name="rc39">
-                <a:extLst>
-                  <a:ext uri="{FF2B5EF4-FFF2-40B4-BE49-F238E27FC236}">
-                    <a16:creationId xmlns:a16="http://schemas.microsoft.com/office/drawing/2014/main" id="{B0014424-585F-DE26-1E46-2C732C525A37}"/>
-                  </a:ext>
-                </a:extLst>
-              </p:cNvPr>
-              <p:cNvSpPr/>
-              <p:nvPr/>
-            </p:nvSpPr>
-            <p:spPr>
-              <a:xfrm>
-                <a:off x="5641964" y="6036589"/>
-                <a:ext cx="359491" cy="105151"/>
-              </a:xfrm>
-              <a:prstGeom prst="rect">
-                <a:avLst/>
-              </a:prstGeom>
-              <a:solidFill>
-                <a:srgbClr val="E5F0F6">
-                  <a:alpha val="100000"/>
-                </a:srgbClr>
-              </a:solidFill>
-              <a:ln w="9525" cap="rnd">
-                <a:solidFill>
-                  <a:srgbClr val="E5F0F6">
-                    <a:alpha val="100000"/>
-                  </a:srgbClr>
-                </a:solidFill>
-                <a:prstDash val="solid"/>
-                <a:round/>
-              </a:ln>
-            </p:spPr>
-            <p:txBody>
-              <a:bodyPr/>
-              <a:lstStyle/>
-              <a:p>
-                <a:endParaRPr/>
-              </a:p>
-            </p:txBody>
-          </p:sp>
-          <p:sp>
-            <p:nvSpPr>
-              <p:cNvPr id="390" name="rc40">
-                <a:extLst>
-                  <a:ext uri="{FF2B5EF4-FFF2-40B4-BE49-F238E27FC236}">
-                    <a16:creationId xmlns:a16="http://schemas.microsoft.com/office/drawing/2014/main" id="{CA17F5A0-A45D-AC41-4DD2-A6CCCB5A1872}"/>
-                  </a:ext>
-                </a:extLst>
-              </p:cNvPr>
-              <p:cNvSpPr/>
-              <p:nvPr/>
-            </p:nvSpPr>
-            <p:spPr>
-              <a:xfrm>
-                <a:off x="6001456" y="6036589"/>
-                <a:ext cx="359491" cy="105151"/>
-              </a:xfrm>
-              <a:prstGeom prst="rect">
-                <a:avLst/>
-              </a:prstGeom>
-              <a:solidFill>
-                <a:srgbClr val="A7CFE4">
-                  <a:alpha val="100000"/>
-                </a:srgbClr>
-              </a:solidFill>
-              <a:ln w="9525" cap="rnd">
-                <a:solidFill>
-                  <a:srgbClr val="A7CFE4">
-                    <a:alpha val="100000"/>
-                  </a:srgbClr>
-                </a:solidFill>
-                <a:prstDash val="solid"/>
-                <a:round/>
-              </a:ln>
-            </p:spPr>
-            <p:txBody>
-              <a:bodyPr/>
-              <a:lstStyle/>
-              <a:p>
-                <a:endParaRPr/>
-              </a:p>
-            </p:txBody>
-          </p:sp>
-          <p:sp>
-            <p:nvSpPr>
-              <p:cNvPr id="391" name="rc41">
-                <a:extLst>
-                  <a:ext uri="{FF2B5EF4-FFF2-40B4-BE49-F238E27FC236}">
-                    <a16:creationId xmlns:a16="http://schemas.microsoft.com/office/drawing/2014/main" id="{3C8DF9F8-789B-C3CF-1BF8-E52A3BB6BB4C}"/>
-                  </a:ext>
-                </a:extLst>
-              </p:cNvPr>
-              <p:cNvSpPr/>
-              <p:nvPr/>
-            </p:nvSpPr>
-            <p:spPr>
-              <a:xfrm>
-                <a:off x="6360948" y="6036589"/>
-                <a:ext cx="359491" cy="105151"/>
-              </a:xfrm>
-              <a:prstGeom prst="rect">
-                <a:avLst/>
-              </a:prstGeom>
-              <a:solidFill>
-                <a:srgbClr val="549EC9">
-                  <a:alpha val="100000"/>
-                </a:srgbClr>
-              </a:solidFill>
-              <a:ln w="9525" cap="rnd">
-                <a:solidFill>
-                  <a:srgbClr val="549EC9">
-                    <a:alpha val="100000"/>
-                  </a:srgbClr>
-                </a:solidFill>
-                <a:prstDash val="solid"/>
-                <a:round/>
-              </a:ln>
-            </p:spPr>
-            <p:txBody>
-              <a:bodyPr/>
-              <a:lstStyle/>
-              <a:p>
-                <a:endParaRPr/>
-              </a:p>
-            </p:txBody>
-          </p:sp>
-          <p:sp>
-            <p:nvSpPr>
-              <p:cNvPr id="392" name="rc42">
-                <a:extLst>
-                  <a:ext uri="{FF2B5EF4-FFF2-40B4-BE49-F238E27FC236}">
-                    <a16:creationId xmlns:a16="http://schemas.microsoft.com/office/drawing/2014/main" id="{681CCA30-59F3-4A86-B13A-32C6D07FFED2}"/>
-                  </a:ext>
-                </a:extLst>
-              </p:cNvPr>
-              <p:cNvSpPr/>
-              <p:nvPr/>
-            </p:nvSpPr>
-            <p:spPr>
-              <a:xfrm>
-                <a:off x="6720440" y="6036589"/>
-                <a:ext cx="359491" cy="105151"/>
-              </a:xfrm>
-              <a:prstGeom prst="rect">
-                <a:avLst/>
-              </a:prstGeom>
-              <a:solidFill>
-                <a:srgbClr val="246BAE">
-                  <a:alpha val="100000"/>
-                </a:srgbClr>
-              </a:solidFill>
-              <a:ln w="9525" cap="rnd">
-                <a:solidFill>
-                  <a:srgbClr val="246BAE">
-                    <a:alpha val="100000"/>
-                  </a:srgbClr>
-                </a:solidFill>
-                <a:prstDash val="solid"/>
-                <a:round/>
-              </a:ln>
-            </p:spPr>
-            <p:txBody>
-              <a:bodyPr/>
-              <a:lstStyle/>
-              <a:p>
-                <a:endParaRPr/>
-              </a:p>
-            </p:txBody>
-          </p:sp>
-          <p:sp>
-            <p:nvSpPr>
-              <p:cNvPr id="393" name="rc43">
-                <a:extLst>
-                  <a:ext uri="{FF2B5EF4-FFF2-40B4-BE49-F238E27FC236}">
-                    <a16:creationId xmlns:a16="http://schemas.microsoft.com/office/drawing/2014/main" id="{83245330-E4F6-B603-63E1-78FF2B0C5484}"/>
-                  </a:ext>
-                </a:extLst>
-              </p:cNvPr>
-              <p:cNvSpPr/>
-              <p:nvPr/>
-            </p:nvSpPr>
-            <p:spPr>
-              <a:xfrm>
-                <a:off x="7079932" y="6036589"/>
-                <a:ext cx="359491" cy="105151"/>
-              </a:xfrm>
-              <a:prstGeom prst="rect">
-                <a:avLst/>
-              </a:prstGeom>
-              <a:solidFill>
-                <a:srgbClr val="053061">
-                  <a:alpha val="100000"/>
-                </a:srgbClr>
-              </a:solidFill>
-              <a:ln w="9525" cap="rnd">
-                <a:solidFill>
-                  <a:srgbClr val="053061">
-                    <a:alpha val="100000"/>
-                  </a:srgbClr>
-                </a:solidFill>
-                <a:prstDash val="solid"/>
-                <a:round/>
-              </a:ln>
-            </p:spPr>
-            <p:txBody>
-              <a:bodyPr/>
-              <a:lstStyle/>
-              <a:p>
-                <a:endParaRPr/>
-              </a:p>
-            </p:txBody>
-          </p:sp>
-          <p:sp>
-            <p:nvSpPr>
-              <p:cNvPr id="394" name="rc44">
-                <a:extLst>
-                  <a:ext uri="{FF2B5EF4-FFF2-40B4-BE49-F238E27FC236}">
-                    <a16:creationId xmlns:a16="http://schemas.microsoft.com/office/drawing/2014/main" id="{B7DA36F3-A5B9-555E-7F24-7ACE44E571AB}"/>
-                  </a:ext>
-                </a:extLst>
-              </p:cNvPr>
-              <p:cNvSpPr/>
-              <p:nvPr/>
-            </p:nvSpPr>
-            <p:spPr>
-              <a:xfrm>
-                <a:off x="3844504" y="6036589"/>
-                <a:ext cx="3594919" cy="105151"/>
-              </a:xfrm>
-              <a:prstGeom prst="rect">
-                <a:avLst/>
-              </a:prstGeom>
-              <a:ln w="9525" cap="rnd">
-                <a:solidFill>
-                  <a:srgbClr val="000000">
-                    <a:alpha val="100000"/>
-                  </a:srgbClr>
-                </a:solidFill>
-                <a:prstDash val="solid"/>
-                <a:round/>
-              </a:ln>
-            </p:spPr>
-            <p:txBody>
-              <a:bodyPr/>
-              <a:lstStyle/>
-              <a:p>
-                <a:endParaRPr/>
-              </a:p>
-            </p:txBody>
-          </p:sp>
-          <p:sp>
-            <p:nvSpPr>
-              <p:cNvPr id="395" name="pl45">
-                <a:extLst>
-                  <a:ext uri="{FF2B5EF4-FFF2-40B4-BE49-F238E27FC236}">
-                    <a16:creationId xmlns:a16="http://schemas.microsoft.com/office/drawing/2014/main" id="{EB2182A0-E235-1312-863E-AFEB10F8821B}"/>
-                  </a:ext>
-                </a:extLst>
-              </p:cNvPr>
-              <p:cNvSpPr/>
-              <p:nvPr/>
-            </p:nvSpPr>
-            <p:spPr>
-              <a:xfrm>
-                <a:off x="3844504" y="6141741"/>
-                <a:ext cx="0" cy="21030"/>
-              </a:xfrm>
-              <a:custGeom>
-                <a:avLst/>
-                <a:gdLst/>
-                <a:ahLst/>
-                <a:cxnLst/>
-                <a:rect l="0" t="0" r="0" b="0"/>
-                <a:pathLst>
-                  <a:path h="21030">
-                    <a:moveTo>
-                      <a:pt x="0" y="0"/>
-                    </a:moveTo>
-                    <a:lnTo>
-                      <a:pt x="0" y="21030"/>
-                    </a:lnTo>
-                  </a:path>
-                </a:pathLst>
-              </a:custGeom>
-              <a:ln w="9525" cap="rnd">
-                <a:solidFill>
-                  <a:srgbClr val="000000">
-                    <a:alpha val="100000"/>
-                  </a:srgbClr>
-                </a:solidFill>
-                <a:prstDash val="solid"/>
-                <a:round/>
-              </a:ln>
-            </p:spPr>
-            <p:txBody>
-              <a:bodyPr/>
-              <a:lstStyle/>
-              <a:p>
-                <a:endParaRPr/>
-              </a:p>
-            </p:txBody>
-          </p:sp>
-          <p:sp>
-            <p:nvSpPr>
-              <p:cNvPr id="396" name="pl46">
-                <a:extLst>
-                  <a:ext uri="{FF2B5EF4-FFF2-40B4-BE49-F238E27FC236}">
-                    <a16:creationId xmlns:a16="http://schemas.microsoft.com/office/drawing/2014/main" id="{691A6EB0-810B-04D8-1083-95EFD0311582}"/>
-                  </a:ext>
-                </a:extLst>
-              </p:cNvPr>
-              <p:cNvSpPr/>
-              <p:nvPr/>
-            </p:nvSpPr>
-            <p:spPr>
-              <a:xfrm>
-                <a:off x="4203996" y="6141741"/>
-                <a:ext cx="0" cy="21030"/>
-              </a:xfrm>
-              <a:custGeom>
-                <a:avLst/>
-                <a:gdLst/>
-                <a:ahLst/>
-                <a:cxnLst/>
-                <a:rect l="0" t="0" r="0" b="0"/>
-                <a:pathLst>
-                  <a:path h="21030">
-                    <a:moveTo>
-                      <a:pt x="0" y="0"/>
-                    </a:moveTo>
-                    <a:lnTo>
-                      <a:pt x="0" y="21030"/>
-                    </a:lnTo>
-                  </a:path>
-                </a:pathLst>
-              </a:custGeom>
-              <a:ln w="9525" cap="rnd">
-                <a:solidFill>
-                  <a:srgbClr val="000000">
-                    <a:alpha val="100000"/>
-                  </a:srgbClr>
-                </a:solidFill>
-                <a:prstDash val="solid"/>
-                <a:round/>
-              </a:ln>
-            </p:spPr>
-            <p:txBody>
-              <a:bodyPr/>
-              <a:lstStyle/>
-              <a:p>
-                <a:endParaRPr/>
-              </a:p>
-            </p:txBody>
-          </p:sp>
-          <p:sp>
-            <p:nvSpPr>
-              <p:cNvPr id="397" name="pl47">
-                <a:extLst>
-                  <a:ext uri="{FF2B5EF4-FFF2-40B4-BE49-F238E27FC236}">
-                    <a16:creationId xmlns:a16="http://schemas.microsoft.com/office/drawing/2014/main" id="{D4B7E6B1-6BB9-93AA-78E8-5FB277A4B426}"/>
-                  </a:ext>
-                </a:extLst>
-              </p:cNvPr>
-              <p:cNvSpPr/>
-              <p:nvPr/>
-            </p:nvSpPr>
-            <p:spPr>
-              <a:xfrm>
-                <a:off x="4563488" y="6141741"/>
-                <a:ext cx="0" cy="21030"/>
-              </a:xfrm>
-              <a:custGeom>
-                <a:avLst/>
-                <a:gdLst/>
-                <a:ahLst/>
-                <a:cxnLst/>
-                <a:rect l="0" t="0" r="0" b="0"/>
-                <a:pathLst>
-                  <a:path h="21030">
-                    <a:moveTo>
-                      <a:pt x="0" y="0"/>
-                    </a:moveTo>
-                    <a:lnTo>
-                      <a:pt x="0" y="21030"/>
-                    </a:lnTo>
-                  </a:path>
-                </a:pathLst>
-              </a:custGeom>
-              <a:ln w="9525" cap="rnd">
-                <a:solidFill>
-                  <a:srgbClr val="000000">
-                    <a:alpha val="100000"/>
-                  </a:srgbClr>
-                </a:solidFill>
-                <a:prstDash val="solid"/>
-                <a:round/>
-              </a:ln>
-            </p:spPr>
-            <p:txBody>
-              <a:bodyPr/>
-              <a:lstStyle/>
-              <a:p>
-                <a:endParaRPr/>
-              </a:p>
-            </p:txBody>
-          </p:sp>
-          <p:sp>
-            <p:nvSpPr>
-              <p:cNvPr id="398" name="pl48">
-                <a:extLst>
-                  <a:ext uri="{FF2B5EF4-FFF2-40B4-BE49-F238E27FC236}">
-                    <a16:creationId xmlns:a16="http://schemas.microsoft.com/office/drawing/2014/main" id="{69ACCA75-2D7A-B342-68F6-68098EC4230D}"/>
-                  </a:ext>
-                </a:extLst>
-              </p:cNvPr>
-              <p:cNvSpPr/>
-              <p:nvPr/>
-            </p:nvSpPr>
-            <p:spPr>
-              <a:xfrm>
-                <a:off x="4922980" y="6141741"/>
-                <a:ext cx="0" cy="21030"/>
-              </a:xfrm>
-              <a:custGeom>
-                <a:avLst/>
-                <a:gdLst/>
-                <a:ahLst/>
-                <a:cxnLst/>
-                <a:rect l="0" t="0" r="0" b="0"/>
-                <a:pathLst>
-                  <a:path h="21030">
-                    <a:moveTo>
-                      <a:pt x="0" y="0"/>
-                    </a:moveTo>
-                    <a:lnTo>
-                      <a:pt x="0" y="21030"/>
-                    </a:lnTo>
-                  </a:path>
-                </a:pathLst>
-              </a:custGeom>
-              <a:ln w="9525" cap="rnd">
-                <a:solidFill>
-                  <a:srgbClr val="000000">
-                    <a:alpha val="100000"/>
-                  </a:srgbClr>
-                </a:solidFill>
-                <a:prstDash val="solid"/>
-                <a:round/>
-              </a:ln>
-            </p:spPr>
-            <p:txBody>
-              <a:bodyPr/>
-              <a:lstStyle/>
-              <a:p>
-                <a:endParaRPr/>
-              </a:p>
-            </p:txBody>
-          </p:sp>
-          <p:sp>
-            <p:nvSpPr>
-              <p:cNvPr id="399" name="pl49">
-                <a:extLst>
-                  <a:ext uri="{FF2B5EF4-FFF2-40B4-BE49-F238E27FC236}">
-                    <a16:creationId xmlns:a16="http://schemas.microsoft.com/office/drawing/2014/main" id="{8B58C62F-5EDC-9E5E-3CAB-9B8114EDDE03}"/>
-                  </a:ext>
-                </a:extLst>
-              </p:cNvPr>
-              <p:cNvSpPr/>
-              <p:nvPr/>
-            </p:nvSpPr>
-            <p:spPr>
-              <a:xfrm>
-                <a:off x="5282472" y="6141741"/>
-                <a:ext cx="0" cy="21030"/>
-              </a:xfrm>
-              <a:custGeom>
-                <a:avLst/>
-                <a:gdLst/>
-                <a:ahLst/>
-                <a:cxnLst/>
-                <a:rect l="0" t="0" r="0" b="0"/>
-                <a:pathLst>
-                  <a:path h="21030">
-                    <a:moveTo>
-                      <a:pt x="0" y="0"/>
-                    </a:moveTo>
-                    <a:lnTo>
-                      <a:pt x="0" y="21030"/>
-                    </a:lnTo>
-                  </a:path>
-                </a:pathLst>
-              </a:custGeom>
-              <a:ln w="9525" cap="rnd">
-                <a:solidFill>
-                  <a:srgbClr val="000000">
-                    <a:alpha val="100000"/>
-                  </a:srgbClr>
-                </a:solidFill>
-                <a:prstDash val="solid"/>
-                <a:round/>
-              </a:ln>
-            </p:spPr>
-            <p:txBody>
-              <a:bodyPr/>
-              <a:lstStyle/>
-              <a:p>
-                <a:endParaRPr/>
-              </a:p>
-            </p:txBody>
-          </p:sp>
-          <p:sp>
-            <p:nvSpPr>
-              <p:cNvPr id="400" name="pl50">
-                <a:extLst>
-                  <a:ext uri="{FF2B5EF4-FFF2-40B4-BE49-F238E27FC236}">
-                    <a16:creationId xmlns:a16="http://schemas.microsoft.com/office/drawing/2014/main" id="{3CE39697-06F0-5599-26F8-14354370B21E}"/>
-                  </a:ext>
-                </a:extLst>
-              </p:cNvPr>
-              <p:cNvSpPr/>
-              <p:nvPr/>
-            </p:nvSpPr>
-            <p:spPr>
-              <a:xfrm>
-                <a:off x="5641964" y="6141741"/>
-                <a:ext cx="0" cy="21030"/>
-              </a:xfrm>
-              <a:custGeom>
-                <a:avLst/>
-                <a:gdLst/>
-                <a:ahLst/>
-                <a:cxnLst/>
-                <a:rect l="0" t="0" r="0" b="0"/>
-                <a:pathLst>
-                  <a:path h="21030">
-                    <a:moveTo>
-                      <a:pt x="0" y="0"/>
-                    </a:moveTo>
-                    <a:lnTo>
-                      <a:pt x="0" y="21030"/>
-                    </a:lnTo>
-                  </a:path>
-                </a:pathLst>
-              </a:custGeom>
-              <a:ln w="9525" cap="rnd">
-                <a:solidFill>
-                  <a:srgbClr val="000000">
-                    <a:alpha val="100000"/>
-                  </a:srgbClr>
-                </a:solidFill>
-                <a:prstDash val="solid"/>
-                <a:round/>
-              </a:ln>
-            </p:spPr>
-            <p:txBody>
-              <a:bodyPr/>
-              <a:lstStyle/>
-              <a:p>
-                <a:endParaRPr/>
-              </a:p>
-            </p:txBody>
-          </p:sp>
-          <p:sp>
-            <p:nvSpPr>
-              <p:cNvPr id="401" name="pl51">
-                <a:extLst>
-                  <a:ext uri="{FF2B5EF4-FFF2-40B4-BE49-F238E27FC236}">
-                    <a16:creationId xmlns:a16="http://schemas.microsoft.com/office/drawing/2014/main" id="{9344A17C-FA2E-0121-6625-6BE37FAE8536}"/>
-                  </a:ext>
-                </a:extLst>
-              </p:cNvPr>
-              <p:cNvSpPr/>
-              <p:nvPr/>
-            </p:nvSpPr>
-            <p:spPr>
-              <a:xfrm>
-                <a:off x="6001456" y="6141741"/>
-                <a:ext cx="0" cy="21030"/>
-              </a:xfrm>
-              <a:custGeom>
-                <a:avLst/>
-                <a:gdLst/>
-                <a:ahLst/>
-                <a:cxnLst/>
-                <a:rect l="0" t="0" r="0" b="0"/>
-                <a:pathLst>
-                  <a:path h="21030">
-                    <a:moveTo>
-                      <a:pt x="0" y="0"/>
-                    </a:moveTo>
-                    <a:lnTo>
-                      <a:pt x="0" y="21030"/>
-                    </a:lnTo>
-                  </a:path>
-                </a:pathLst>
-              </a:custGeom>
-              <a:ln w="9525" cap="rnd">
-                <a:solidFill>
-                  <a:srgbClr val="000000">
-                    <a:alpha val="100000"/>
-                  </a:srgbClr>
-                </a:solidFill>
-                <a:prstDash val="solid"/>
-                <a:round/>
-              </a:ln>
-            </p:spPr>
-            <p:txBody>
-              <a:bodyPr/>
-              <a:lstStyle/>
-              <a:p>
-                <a:endParaRPr/>
-              </a:p>
-            </p:txBody>
-          </p:sp>
-          <p:sp>
-            <p:nvSpPr>
-              <p:cNvPr id="402" name="pl52">
-                <a:extLst>
-                  <a:ext uri="{FF2B5EF4-FFF2-40B4-BE49-F238E27FC236}">
-                    <a16:creationId xmlns:a16="http://schemas.microsoft.com/office/drawing/2014/main" id="{1B4B6A84-9C8D-BE43-E6E6-4277D5F4919E}"/>
-                  </a:ext>
-                </a:extLst>
-              </p:cNvPr>
-              <p:cNvSpPr/>
-              <p:nvPr/>
-            </p:nvSpPr>
-            <p:spPr>
-              <a:xfrm>
-                <a:off x="6360948" y="6141741"/>
-                <a:ext cx="0" cy="21030"/>
-              </a:xfrm>
-              <a:custGeom>
-                <a:avLst/>
-                <a:gdLst/>
-                <a:ahLst/>
-                <a:cxnLst/>
-                <a:rect l="0" t="0" r="0" b="0"/>
-                <a:pathLst>
-                  <a:path h="21030">
-                    <a:moveTo>
-                      <a:pt x="0" y="0"/>
-                    </a:moveTo>
-                    <a:lnTo>
-                      <a:pt x="0" y="21030"/>
-                    </a:lnTo>
-                  </a:path>
-                </a:pathLst>
-              </a:custGeom>
-              <a:ln w="9525" cap="rnd">
-                <a:solidFill>
-                  <a:srgbClr val="000000">
-                    <a:alpha val="100000"/>
-                  </a:srgbClr>
-                </a:solidFill>
-                <a:prstDash val="solid"/>
-                <a:round/>
-              </a:ln>
-            </p:spPr>
-            <p:txBody>
-              <a:bodyPr/>
-              <a:lstStyle/>
-              <a:p>
-                <a:endParaRPr/>
-              </a:p>
-            </p:txBody>
-          </p:sp>
-          <p:sp>
-            <p:nvSpPr>
-              <p:cNvPr id="403" name="pl53">
-                <a:extLst>
-                  <a:ext uri="{FF2B5EF4-FFF2-40B4-BE49-F238E27FC236}">
-                    <a16:creationId xmlns:a16="http://schemas.microsoft.com/office/drawing/2014/main" id="{377E4D0E-4A97-3689-22A0-37A9DBA15926}"/>
-                  </a:ext>
-                </a:extLst>
-              </p:cNvPr>
-              <p:cNvSpPr/>
-              <p:nvPr/>
-            </p:nvSpPr>
-            <p:spPr>
-              <a:xfrm>
-                <a:off x="6720440" y="6141741"/>
-                <a:ext cx="0" cy="21030"/>
-              </a:xfrm>
-              <a:custGeom>
-                <a:avLst/>
-                <a:gdLst/>
-                <a:ahLst/>
-                <a:cxnLst/>
-                <a:rect l="0" t="0" r="0" b="0"/>
-                <a:pathLst>
-                  <a:path h="21030">
-                    <a:moveTo>
-                      <a:pt x="0" y="0"/>
-                    </a:moveTo>
-                    <a:lnTo>
-                      <a:pt x="0" y="21030"/>
-                    </a:lnTo>
-                  </a:path>
-                </a:pathLst>
-              </a:custGeom>
-              <a:ln w="9525" cap="rnd">
-                <a:solidFill>
-                  <a:srgbClr val="000000">
-                    <a:alpha val="100000"/>
-                  </a:srgbClr>
-                </a:solidFill>
-                <a:prstDash val="solid"/>
-                <a:round/>
-              </a:ln>
-            </p:spPr>
-            <p:txBody>
-              <a:bodyPr/>
-              <a:lstStyle/>
-              <a:p>
-                <a:endParaRPr/>
-              </a:p>
-            </p:txBody>
-          </p:sp>
-          <p:sp>
-            <p:nvSpPr>
-              <p:cNvPr id="404" name="pl54">
-                <a:extLst>
-                  <a:ext uri="{FF2B5EF4-FFF2-40B4-BE49-F238E27FC236}">
-                    <a16:creationId xmlns:a16="http://schemas.microsoft.com/office/drawing/2014/main" id="{29DE93B4-307A-081B-9E6B-10806F029BDB}"/>
-                  </a:ext>
-                </a:extLst>
-              </p:cNvPr>
-              <p:cNvSpPr/>
-              <p:nvPr/>
-            </p:nvSpPr>
-            <p:spPr>
-              <a:xfrm>
-                <a:off x="7079932" y="6141741"/>
-                <a:ext cx="0" cy="21030"/>
-              </a:xfrm>
-              <a:custGeom>
-                <a:avLst/>
-                <a:gdLst/>
-                <a:ahLst/>
-                <a:cxnLst/>
-                <a:rect l="0" t="0" r="0" b="0"/>
-                <a:pathLst>
-                  <a:path h="21030">
-                    <a:moveTo>
-                      <a:pt x="0" y="0"/>
-                    </a:moveTo>
-                    <a:lnTo>
-                      <a:pt x="0" y="21030"/>
-                    </a:lnTo>
-                  </a:path>
-                </a:pathLst>
-              </a:custGeom>
-              <a:ln w="9525" cap="rnd">
-                <a:solidFill>
-                  <a:srgbClr val="000000">
-                    <a:alpha val="100000"/>
-                  </a:srgbClr>
-                </a:solidFill>
-                <a:prstDash val="solid"/>
-                <a:round/>
-              </a:ln>
-            </p:spPr>
-            <p:txBody>
-              <a:bodyPr/>
-              <a:lstStyle/>
-              <a:p>
-                <a:endParaRPr/>
-              </a:p>
-            </p:txBody>
-          </p:sp>
-          <p:sp>
-            <p:nvSpPr>
-              <p:cNvPr id="405" name="pl55">
-                <a:extLst>
-                  <a:ext uri="{FF2B5EF4-FFF2-40B4-BE49-F238E27FC236}">
-                    <a16:creationId xmlns:a16="http://schemas.microsoft.com/office/drawing/2014/main" id="{14985401-87CD-2E9F-C99B-9BF0E48D4E5D}"/>
-                  </a:ext>
-                </a:extLst>
-              </p:cNvPr>
-              <p:cNvSpPr/>
-              <p:nvPr/>
-            </p:nvSpPr>
-            <p:spPr>
-              <a:xfrm>
-                <a:off x="7439423" y="6141741"/>
-                <a:ext cx="0" cy="21030"/>
-              </a:xfrm>
-              <a:custGeom>
-                <a:avLst/>
-                <a:gdLst/>
-                <a:ahLst/>
-                <a:cxnLst/>
-                <a:rect l="0" t="0" r="0" b="0"/>
-                <a:pathLst>
-                  <a:path h="21030">
-                    <a:moveTo>
-                      <a:pt x="0" y="0"/>
-                    </a:moveTo>
-                    <a:lnTo>
-                      <a:pt x="0" y="21030"/>
-                    </a:lnTo>
-                  </a:path>
-                </a:pathLst>
-              </a:custGeom>
-              <a:ln w="9525" cap="rnd">
-                <a:solidFill>
-                  <a:srgbClr val="000000">
-                    <a:alpha val="100000"/>
-                  </a:srgbClr>
-                </a:solidFill>
-                <a:prstDash val="solid"/>
-                <a:round/>
-              </a:ln>
-            </p:spPr>
-            <p:txBody>
-              <a:bodyPr/>
-              <a:lstStyle/>
-              <a:p>
-                <a:endParaRPr/>
-              </a:p>
-            </p:txBody>
-          </p:sp>
-          <p:sp>
-            <p:nvSpPr>
-              <p:cNvPr id="406" name="tx56">
-                <a:extLst>
-                  <a:ext uri="{FF2B5EF4-FFF2-40B4-BE49-F238E27FC236}">
-                    <a16:creationId xmlns:a16="http://schemas.microsoft.com/office/drawing/2014/main" id="{D2D1ACE7-7C7C-B11B-D201-D73859477662}"/>
-                  </a:ext>
-                </a:extLst>
-              </p:cNvPr>
-              <p:cNvSpPr/>
-              <p:nvPr/>
-            </p:nvSpPr>
-            <p:spPr>
-              <a:xfrm>
-                <a:off x="3776750" y="6235579"/>
-                <a:ext cx="135508" cy="109537"/>
-              </a:xfrm>
-              <a:prstGeom prst="rect">
-                <a:avLst/>
-              </a:prstGeom>
-              <a:noFill/>
-            </p:spPr>
-            <p:txBody>
-              <a:bodyPr wrap="none" lIns="0" tIns="0" rIns="0" bIns="0" anchor="ctr" anchorCtr="1"/>
-              <a:lstStyle/>
-              <a:p>
-                <a:pPr marL="0" marR="0" indent="0" algn="l">
-                  <a:lnSpc>
-                    <a:spcPts val="1200"/>
-                  </a:lnSpc>
-                  <a:spcBef>
-                    <a:spcPts val="0"/>
-                  </a:spcBef>
-                  <a:spcAft>
-                    <a:spcPts val="0"/>
-                  </a:spcAft>
-                </a:pPr>
-                <a:r>
-                  <a:rPr sz="1200">
-                    <a:solidFill>
-                      <a:srgbClr val="000000">
-                        <a:alpha val="100000"/>
-                      </a:srgbClr>
-                    </a:solidFill>
-                    <a:latin typeface="Arial"/>
-                    <a:cs typeface="Arial"/>
-                  </a:rPr>
-                  <a:t>-1</a:t>
-                </a:r>
-              </a:p>
-            </p:txBody>
-          </p:sp>
-          <p:sp>
-            <p:nvSpPr>
-              <p:cNvPr id="407" name="tx57">
-                <a:extLst>
-                  <a:ext uri="{FF2B5EF4-FFF2-40B4-BE49-F238E27FC236}">
-                    <a16:creationId xmlns:a16="http://schemas.microsoft.com/office/drawing/2014/main" id="{BC17F825-E5D0-B635-98C6-964C072C5E11}"/>
-                  </a:ext>
-                </a:extLst>
-              </p:cNvPr>
-              <p:cNvSpPr/>
-              <p:nvPr/>
-            </p:nvSpPr>
-            <p:spPr>
-              <a:xfrm>
-                <a:off x="4072692" y="6233719"/>
-                <a:ext cx="262607" cy="111397"/>
-              </a:xfrm>
-              <a:prstGeom prst="rect">
-                <a:avLst/>
-              </a:prstGeom>
-              <a:noFill/>
-            </p:spPr>
-            <p:txBody>
-              <a:bodyPr wrap="none" lIns="0" tIns="0" rIns="0" bIns="0" anchor="ctr" anchorCtr="1"/>
-              <a:lstStyle/>
-              <a:p>
-                <a:pPr marL="0" marR="0" indent="0" algn="l">
-                  <a:lnSpc>
-                    <a:spcPts val="1200"/>
-                  </a:lnSpc>
-                  <a:spcBef>
-                    <a:spcPts val="0"/>
-                  </a:spcBef>
-                  <a:spcAft>
-                    <a:spcPts val="0"/>
-                  </a:spcAft>
-                </a:pPr>
-                <a:r>
-                  <a:rPr sz="1200">
-                    <a:solidFill>
-                      <a:srgbClr val="000000">
-                        <a:alpha val="100000"/>
-                      </a:srgbClr>
-                    </a:solidFill>
-                    <a:latin typeface="Arial"/>
-                    <a:cs typeface="Arial"/>
-                  </a:rPr>
-                  <a:t>-0.8</a:t>
-                </a:r>
-              </a:p>
-            </p:txBody>
-          </p:sp>
-          <p:sp>
-            <p:nvSpPr>
-              <p:cNvPr id="408" name="tx58">
-                <a:extLst>
-                  <a:ext uri="{FF2B5EF4-FFF2-40B4-BE49-F238E27FC236}">
-                    <a16:creationId xmlns:a16="http://schemas.microsoft.com/office/drawing/2014/main" id="{036D2692-24F2-C3A9-91AA-4D163E804EA8}"/>
-                  </a:ext>
-                </a:extLst>
-              </p:cNvPr>
-              <p:cNvSpPr/>
-              <p:nvPr/>
-            </p:nvSpPr>
-            <p:spPr>
-              <a:xfrm>
-                <a:off x="4432184" y="6233719"/>
-                <a:ext cx="262607" cy="111397"/>
-              </a:xfrm>
-              <a:prstGeom prst="rect">
-                <a:avLst/>
-              </a:prstGeom>
-              <a:noFill/>
-            </p:spPr>
-            <p:txBody>
-              <a:bodyPr wrap="none" lIns="0" tIns="0" rIns="0" bIns="0" anchor="ctr" anchorCtr="1"/>
-              <a:lstStyle/>
-              <a:p>
-                <a:pPr marL="0" marR="0" indent="0" algn="l">
-                  <a:lnSpc>
-                    <a:spcPts val="1200"/>
-                  </a:lnSpc>
-                  <a:spcBef>
-                    <a:spcPts val="0"/>
-                  </a:spcBef>
-                  <a:spcAft>
-                    <a:spcPts val="0"/>
-                  </a:spcAft>
-                </a:pPr>
-                <a:r>
-                  <a:rPr sz="1200">
-                    <a:solidFill>
-                      <a:srgbClr val="000000">
-                        <a:alpha val="100000"/>
-                      </a:srgbClr>
-                    </a:solidFill>
-                    <a:latin typeface="Arial"/>
-                    <a:cs typeface="Arial"/>
-                  </a:rPr>
-                  <a:t>-0.6</a:t>
-                </a:r>
-              </a:p>
-            </p:txBody>
-          </p:sp>
-          <p:sp>
-            <p:nvSpPr>
-              <p:cNvPr id="409" name="tx59">
-                <a:extLst>
-                  <a:ext uri="{FF2B5EF4-FFF2-40B4-BE49-F238E27FC236}">
-                    <a16:creationId xmlns:a16="http://schemas.microsoft.com/office/drawing/2014/main" id="{0D9D5DB4-0D40-B6B0-0D49-3AF27C71AFD5}"/>
-                  </a:ext>
-                </a:extLst>
-              </p:cNvPr>
-              <p:cNvSpPr/>
-              <p:nvPr/>
-            </p:nvSpPr>
-            <p:spPr>
-              <a:xfrm>
-                <a:off x="4791676" y="6233719"/>
-                <a:ext cx="262607" cy="111397"/>
-              </a:xfrm>
-              <a:prstGeom prst="rect">
-                <a:avLst/>
-              </a:prstGeom>
-              <a:noFill/>
-            </p:spPr>
-            <p:txBody>
-              <a:bodyPr wrap="none" lIns="0" tIns="0" rIns="0" bIns="0" anchor="ctr" anchorCtr="1"/>
-              <a:lstStyle/>
-              <a:p>
-                <a:pPr marL="0" marR="0" indent="0" algn="l">
-                  <a:lnSpc>
-                    <a:spcPts val="1200"/>
-                  </a:lnSpc>
-                  <a:spcBef>
-                    <a:spcPts val="0"/>
-                  </a:spcBef>
-                  <a:spcAft>
-                    <a:spcPts val="0"/>
-                  </a:spcAft>
-                </a:pPr>
-                <a:r>
-                  <a:rPr sz="1200">
-                    <a:solidFill>
-                      <a:srgbClr val="000000">
-                        <a:alpha val="100000"/>
-                      </a:srgbClr>
-                    </a:solidFill>
-                    <a:latin typeface="Arial"/>
-                    <a:cs typeface="Arial"/>
-                  </a:rPr>
-                  <a:t>-0.4</a:t>
-                </a:r>
-              </a:p>
-            </p:txBody>
-          </p:sp>
-          <p:sp>
-            <p:nvSpPr>
-              <p:cNvPr id="410" name="tx60">
-                <a:extLst>
-                  <a:ext uri="{FF2B5EF4-FFF2-40B4-BE49-F238E27FC236}">
-                    <a16:creationId xmlns:a16="http://schemas.microsoft.com/office/drawing/2014/main" id="{3CD597E0-EA6E-0A61-CAF7-3FD2BFD889C9}"/>
-                  </a:ext>
-                </a:extLst>
-              </p:cNvPr>
-              <p:cNvSpPr/>
-              <p:nvPr/>
-            </p:nvSpPr>
-            <p:spPr>
-              <a:xfrm>
-                <a:off x="5151168" y="6233719"/>
-                <a:ext cx="262607" cy="111397"/>
-              </a:xfrm>
-              <a:prstGeom prst="rect">
-                <a:avLst/>
-              </a:prstGeom>
-              <a:noFill/>
-            </p:spPr>
-            <p:txBody>
-              <a:bodyPr wrap="none" lIns="0" tIns="0" rIns="0" bIns="0" anchor="ctr" anchorCtr="1"/>
-              <a:lstStyle/>
-              <a:p>
-                <a:pPr marL="0" marR="0" indent="0" algn="l">
-                  <a:lnSpc>
-                    <a:spcPts val="1200"/>
-                  </a:lnSpc>
-                  <a:spcBef>
-                    <a:spcPts val="0"/>
-                  </a:spcBef>
-                  <a:spcAft>
-                    <a:spcPts val="0"/>
-                  </a:spcAft>
-                </a:pPr>
-                <a:r>
-                  <a:rPr sz="1200">
-                    <a:solidFill>
-                      <a:srgbClr val="000000">
-                        <a:alpha val="100000"/>
-                      </a:srgbClr>
-                    </a:solidFill>
-                    <a:latin typeface="Arial"/>
-                    <a:cs typeface="Arial"/>
-                  </a:rPr>
-                  <a:t>-0.2</a:t>
-                </a:r>
-              </a:p>
-            </p:txBody>
-          </p:sp>
-          <p:sp>
-            <p:nvSpPr>
-              <p:cNvPr id="411" name="tx61">
-                <a:extLst>
-                  <a:ext uri="{FF2B5EF4-FFF2-40B4-BE49-F238E27FC236}">
-                    <a16:creationId xmlns:a16="http://schemas.microsoft.com/office/drawing/2014/main" id="{ADB4FD37-F28C-EF68-EAE5-FCD561E70C03}"/>
-                  </a:ext>
-                </a:extLst>
-              </p:cNvPr>
-              <p:cNvSpPr/>
-              <p:nvPr/>
-            </p:nvSpPr>
-            <p:spPr>
-              <a:xfrm>
-                <a:off x="5599585" y="6233719"/>
-                <a:ext cx="84757" cy="111397"/>
-              </a:xfrm>
-              <a:prstGeom prst="rect">
-                <a:avLst/>
-              </a:prstGeom>
-              <a:noFill/>
-            </p:spPr>
-            <p:txBody>
-              <a:bodyPr wrap="none" lIns="0" tIns="0" rIns="0" bIns="0" anchor="ctr" anchorCtr="1"/>
-              <a:lstStyle/>
-              <a:p>
-                <a:pPr marL="0" marR="0" indent="0" algn="l">
-                  <a:lnSpc>
-                    <a:spcPts val="1200"/>
-                  </a:lnSpc>
-                  <a:spcBef>
-                    <a:spcPts val="0"/>
-                  </a:spcBef>
-                  <a:spcAft>
-                    <a:spcPts val="0"/>
-                  </a:spcAft>
-                </a:pPr>
-                <a:r>
-                  <a:rPr sz="1200">
-                    <a:solidFill>
-                      <a:srgbClr val="000000">
-                        <a:alpha val="100000"/>
-                      </a:srgbClr>
-                    </a:solidFill>
-                    <a:latin typeface="Arial"/>
-                    <a:cs typeface="Arial"/>
-                  </a:rPr>
-                  <a:t>0</a:t>
-                </a:r>
-              </a:p>
-            </p:txBody>
-          </p:sp>
-          <p:sp>
-            <p:nvSpPr>
-              <p:cNvPr id="412" name="tx62">
-                <a:extLst>
-                  <a:ext uri="{FF2B5EF4-FFF2-40B4-BE49-F238E27FC236}">
-                    <a16:creationId xmlns:a16="http://schemas.microsoft.com/office/drawing/2014/main" id="{E226569A-EF4B-AB4A-61BF-0DAF517990E7}"/>
-                  </a:ext>
-                </a:extLst>
-              </p:cNvPr>
-              <p:cNvSpPr/>
-              <p:nvPr/>
-            </p:nvSpPr>
-            <p:spPr>
-              <a:xfrm>
-                <a:off x="5895527" y="6233719"/>
-                <a:ext cx="211856" cy="111397"/>
-              </a:xfrm>
-              <a:prstGeom prst="rect">
-                <a:avLst/>
-              </a:prstGeom>
-              <a:noFill/>
-            </p:spPr>
-            <p:txBody>
-              <a:bodyPr wrap="none" lIns="0" tIns="0" rIns="0" bIns="0" anchor="ctr" anchorCtr="1"/>
-              <a:lstStyle/>
-              <a:p>
-                <a:pPr marL="0" marR="0" indent="0" algn="l">
-                  <a:lnSpc>
-                    <a:spcPts val="1200"/>
-                  </a:lnSpc>
-                  <a:spcBef>
-                    <a:spcPts val="0"/>
-                  </a:spcBef>
-                  <a:spcAft>
-                    <a:spcPts val="0"/>
-                  </a:spcAft>
-                </a:pPr>
-                <a:r>
-                  <a:rPr sz="1200">
-                    <a:solidFill>
-                      <a:srgbClr val="000000">
-                        <a:alpha val="100000"/>
-                      </a:srgbClr>
-                    </a:solidFill>
-                    <a:latin typeface="Arial"/>
-                    <a:cs typeface="Arial"/>
-                  </a:rPr>
-                  <a:t>0.2</a:t>
-                </a:r>
-              </a:p>
-            </p:txBody>
-          </p:sp>
-          <p:sp>
-            <p:nvSpPr>
-              <p:cNvPr id="413" name="tx63">
-                <a:extLst>
-                  <a:ext uri="{FF2B5EF4-FFF2-40B4-BE49-F238E27FC236}">
-                    <a16:creationId xmlns:a16="http://schemas.microsoft.com/office/drawing/2014/main" id="{CD7157CC-3AE1-E5DF-268A-5F3D96852320}"/>
-                  </a:ext>
-                </a:extLst>
-              </p:cNvPr>
-              <p:cNvSpPr/>
-              <p:nvPr/>
-            </p:nvSpPr>
-            <p:spPr>
-              <a:xfrm>
-                <a:off x="6255019" y="6233719"/>
-                <a:ext cx="211856" cy="111397"/>
-              </a:xfrm>
-              <a:prstGeom prst="rect">
-                <a:avLst/>
-              </a:prstGeom>
-              <a:noFill/>
-            </p:spPr>
-            <p:txBody>
-              <a:bodyPr wrap="none" lIns="0" tIns="0" rIns="0" bIns="0" anchor="ctr" anchorCtr="1"/>
-              <a:lstStyle/>
-              <a:p>
-                <a:pPr marL="0" marR="0" indent="0" algn="l">
-                  <a:lnSpc>
-                    <a:spcPts val="1200"/>
-                  </a:lnSpc>
-                  <a:spcBef>
-                    <a:spcPts val="0"/>
-                  </a:spcBef>
-                  <a:spcAft>
-                    <a:spcPts val="0"/>
-                  </a:spcAft>
-                </a:pPr>
-                <a:r>
-                  <a:rPr sz="1200">
-                    <a:solidFill>
-                      <a:srgbClr val="000000">
-                        <a:alpha val="100000"/>
-                      </a:srgbClr>
-                    </a:solidFill>
-                    <a:latin typeface="Arial"/>
-                    <a:cs typeface="Arial"/>
-                  </a:rPr>
-                  <a:t>0.4</a:t>
-                </a:r>
-              </a:p>
-            </p:txBody>
-          </p:sp>
-          <p:sp>
-            <p:nvSpPr>
-              <p:cNvPr id="414" name="tx64">
-                <a:extLst>
-                  <a:ext uri="{FF2B5EF4-FFF2-40B4-BE49-F238E27FC236}">
-                    <a16:creationId xmlns:a16="http://schemas.microsoft.com/office/drawing/2014/main" id="{ECA0C6F0-CF11-D6D0-56D6-CF89A5ADC85E}"/>
-                  </a:ext>
-                </a:extLst>
-              </p:cNvPr>
-              <p:cNvSpPr/>
-              <p:nvPr/>
-            </p:nvSpPr>
-            <p:spPr>
-              <a:xfrm>
-                <a:off x="6614511" y="6233719"/>
-                <a:ext cx="211856" cy="111397"/>
-              </a:xfrm>
-              <a:prstGeom prst="rect">
-                <a:avLst/>
-              </a:prstGeom>
-              <a:noFill/>
-            </p:spPr>
-            <p:txBody>
-              <a:bodyPr wrap="none" lIns="0" tIns="0" rIns="0" bIns="0" anchor="ctr" anchorCtr="1"/>
-              <a:lstStyle/>
-              <a:p>
-                <a:pPr marL="0" marR="0" indent="0" algn="l">
-                  <a:lnSpc>
-                    <a:spcPts val="1200"/>
-                  </a:lnSpc>
-                  <a:spcBef>
-                    <a:spcPts val="0"/>
-                  </a:spcBef>
-                  <a:spcAft>
-                    <a:spcPts val="0"/>
-                  </a:spcAft>
-                </a:pPr>
-                <a:r>
-                  <a:rPr sz="1200">
-                    <a:solidFill>
-                      <a:srgbClr val="000000">
-                        <a:alpha val="100000"/>
-                      </a:srgbClr>
-                    </a:solidFill>
-                    <a:latin typeface="Arial"/>
-                    <a:cs typeface="Arial"/>
-                  </a:rPr>
-                  <a:t>0.6</a:t>
-                </a:r>
-              </a:p>
-            </p:txBody>
-          </p:sp>
-          <p:sp>
-            <p:nvSpPr>
-              <p:cNvPr id="415" name="tx65">
-                <a:extLst>
-                  <a:ext uri="{FF2B5EF4-FFF2-40B4-BE49-F238E27FC236}">
-                    <a16:creationId xmlns:a16="http://schemas.microsoft.com/office/drawing/2014/main" id="{F20D7672-BD78-FFC8-2877-8854BF28A8E3}"/>
-                  </a:ext>
-                </a:extLst>
-              </p:cNvPr>
-              <p:cNvSpPr/>
-              <p:nvPr/>
-            </p:nvSpPr>
-            <p:spPr>
-              <a:xfrm>
-                <a:off x="6974003" y="6233719"/>
-                <a:ext cx="211856" cy="111397"/>
-              </a:xfrm>
-              <a:prstGeom prst="rect">
-                <a:avLst/>
-              </a:prstGeom>
-              <a:noFill/>
-            </p:spPr>
-            <p:txBody>
-              <a:bodyPr wrap="none" lIns="0" tIns="0" rIns="0" bIns="0" anchor="ctr" anchorCtr="1"/>
-              <a:lstStyle/>
-              <a:p>
-                <a:pPr marL="0" marR="0" indent="0" algn="l">
-                  <a:lnSpc>
-                    <a:spcPts val="1200"/>
-                  </a:lnSpc>
-                  <a:spcBef>
-                    <a:spcPts val="0"/>
-                  </a:spcBef>
-                  <a:spcAft>
-                    <a:spcPts val="0"/>
-                  </a:spcAft>
-                </a:pPr>
-                <a:r>
-                  <a:rPr sz="1200">
-                    <a:solidFill>
-                      <a:srgbClr val="000000">
-                        <a:alpha val="100000"/>
-                      </a:srgbClr>
-                    </a:solidFill>
-                    <a:latin typeface="Arial"/>
-                    <a:cs typeface="Arial"/>
-                  </a:rPr>
-                  <a:t>0.8</a:t>
-                </a:r>
-              </a:p>
-            </p:txBody>
-          </p:sp>
-          <p:sp>
-            <p:nvSpPr>
-              <p:cNvPr id="416" name="tx66">
-                <a:extLst>
-                  <a:ext uri="{FF2B5EF4-FFF2-40B4-BE49-F238E27FC236}">
-                    <a16:creationId xmlns:a16="http://schemas.microsoft.com/office/drawing/2014/main" id="{1D53DC12-D98D-E2EC-F537-19D86F31CFA7}"/>
-                  </a:ext>
-                </a:extLst>
-              </p:cNvPr>
-              <p:cNvSpPr/>
-              <p:nvPr/>
-            </p:nvSpPr>
-            <p:spPr>
-              <a:xfrm>
-                <a:off x="7397045" y="6235579"/>
-                <a:ext cx="84757" cy="109537"/>
-              </a:xfrm>
-              <a:prstGeom prst="rect">
-                <a:avLst/>
-              </a:prstGeom>
-              <a:noFill/>
-            </p:spPr>
-            <p:txBody>
-              <a:bodyPr wrap="none" lIns="0" tIns="0" rIns="0" bIns="0" anchor="ctr" anchorCtr="1"/>
-              <a:lstStyle/>
-              <a:p>
-                <a:pPr marL="0" marR="0" indent="0" algn="l">
-                  <a:lnSpc>
-                    <a:spcPts val="1200"/>
-                  </a:lnSpc>
-                  <a:spcBef>
-                    <a:spcPts val="0"/>
-                  </a:spcBef>
-                  <a:spcAft>
-                    <a:spcPts val="0"/>
-                  </a:spcAft>
-                </a:pPr>
-                <a:r>
-                  <a:rPr sz="1200">
-                    <a:solidFill>
-                      <a:srgbClr val="000000">
-                        <a:alpha val="100000"/>
-                      </a:srgbClr>
-                    </a:solidFill>
-                    <a:latin typeface="Arial"/>
-                    <a:cs typeface="Arial"/>
-                  </a:rPr>
-                  <a:t>1</a:t>
-                </a:r>
-              </a:p>
-            </p:txBody>
-          </p:sp>
-        </p:grpSp>
-        <p:sp>
-          <p:nvSpPr>
-            <p:cNvPr id="418" name="tx71">
-              <a:extLst>
-                <a:ext uri="{FF2B5EF4-FFF2-40B4-BE49-F238E27FC236}">
-                  <a16:creationId xmlns:a16="http://schemas.microsoft.com/office/drawing/2014/main" id="{B4E896CA-F92E-57B5-C15A-683922E151F4}"/>
-                </a:ext>
-              </a:extLst>
-            </p:cNvPr>
-            <p:cNvSpPr/>
-            <p:nvPr/>
-          </p:nvSpPr>
-          <p:spPr>
-            <a:xfrm>
-              <a:off x="761107" y="326976"/>
-              <a:ext cx="772685" cy="167253"/>
-            </a:xfrm>
-            <a:prstGeom prst="rect">
-              <a:avLst/>
-            </a:prstGeom>
-            <a:noFill/>
-          </p:spPr>
-          <p:txBody>
-            <a:bodyPr wrap="none" lIns="0" tIns="0" rIns="0" bIns="0" anchor="ctr" anchorCtr="1"/>
-            <a:lstStyle/>
-            <a:p>
-              <a:pPr marL="0" marR="0" indent="0" algn="l">
-                <a:lnSpc>
-                  <a:spcPts val="1439"/>
-                </a:lnSpc>
-                <a:spcBef>
-                  <a:spcPts val="0"/>
-                </a:spcBef>
-                <a:spcAft>
-                  <a:spcPts val="0"/>
-                </a:spcAft>
-              </a:pPr>
-              <a:r>
-                <a:rPr lang="en-CA" sz="1500" b="1" dirty="0">
-                  <a:solidFill>
-                    <a:srgbClr val="000000">
-                      <a:alpha val="100000"/>
-                    </a:srgbClr>
-                  </a:solidFill>
-                  <a:latin typeface="Arial"/>
-                  <a:cs typeface="Arial"/>
-                </a:rPr>
-                <a:t>A) Novice</a:t>
-              </a:r>
-              <a:endParaRPr sz="1500" b="1" dirty="0">
-                <a:solidFill>
-                  <a:srgbClr val="000000">
-                    <a:alpha val="100000"/>
-                  </a:srgbClr>
-                </a:solidFill>
-                <a:latin typeface="Arial"/>
-                <a:cs typeface="Arial"/>
-              </a:endParaRPr>
-            </a:p>
-          </p:txBody>
-        </p:sp>
-        <p:sp>
-          <p:nvSpPr>
-            <p:cNvPr id="420" name="tx71">
-              <a:extLst>
-                <a:ext uri="{FF2B5EF4-FFF2-40B4-BE49-F238E27FC236}">
-                  <a16:creationId xmlns:a16="http://schemas.microsoft.com/office/drawing/2014/main" id="{5F2799AA-15CD-74D1-B589-D2327EB746DB}"/>
-                </a:ext>
-              </a:extLst>
-            </p:cNvPr>
-            <p:cNvSpPr/>
-            <p:nvPr/>
-          </p:nvSpPr>
-          <p:spPr>
-            <a:xfrm>
-              <a:off x="5681116" y="326456"/>
-              <a:ext cx="772685" cy="167253"/>
-            </a:xfrm>
-            <a:prstGeom prst="rect">
-              <a:avLst/>
-            </a:prstGeom>
-            <a:noFill/>
-          </p:spPr>
-          <p:txBody>
-            <a:bodyPr wrap="none" lIns="0" tIns="0" rIns="0" bIns="0" anchor="ctr" anchorCtr="1"/>
-            <a:lstStyle/>
-            <a:p>
-              <a:pPr marL="0" marR="0" indent="0" algn="l">
-                <a:lnSpc>
-                  <a:spcPts val="1439"/>
-                </a:lnSpc>
-                <a:spcBef>
-                  <a:spcPts val="0"/>
-                </a:spcBef>
-                <a:spcAft>
-                  <a:spcPts val="0"/>
-                </a:spcAft>
-              </a:pPr>
-              <a:r>
-                <a:rPr lang="en-CA" sz="1500" b="1" dirty="0">
-                  <a:solidFill>
-                    <a:srgbClr val="000000">
-                      <a:alpha val="100000"/>
-                    </a:srgbClr>
-                  </a:solidFill>
-                  <a:latin typeface="Arial"/>
-                  <a:cs typeface="Arial"/>
-                </a:rPr>
-                <a:t>B) Advanced</a:t>
-              </a:r>
-              <a:endParaRPr sz="1500" b="1" dirty="0">
-                <a:solidFill>
-                  <a:srgbClr val="000000">
-                    <a:alpha val="100000"/>
-                  </a:srgbClr>
-                </a:solidFill>
-                <a:latin typeface="Arial"/>
-                <a:cs typeface="Arial"/>
-              </a:endParaRPr>
-            </a:p>
-          </p:txBody>
-        </p:sp>
-        <p:sp>
-          <p:nvSpPr>
-            <p:cNvPr id="4" name="tx71">
-              <a:extLst>
-                <a:ext uri="{FF2B5EF4-FFF2-40B4-BE49-F238E27FC236}">
-                  <a16:creationId xmlns:a16="http://schemas.microsoft.com/office/drawing/2014/main" id="{61B07D51-1801-6201-2E6D-59218A343DC6}"/>
-                </a:ext>
-              </a:extLst>
-            </p:cNvPr>
-            <p:cNvSpPr/>
-            <p:nvPr/>
-          </p:nvSpPr>
-          <p:spPr>
-            <a:xfrm>
-              <a:off x="1364271" y="4661780"/>
-              <a:ext cx="772685" cy="167253"/>
-            </a:xfrm>
-            <a:prstGeom prst="rect">
-              <a:avLst/>
-            </a:prstGeom>
-            <a:noFill/>
-          </p:spPr>
-          <p:txBody>
-            <a:bodyPr wrap="none" lIns="0" tIns="0" rIns="0" bIns="0" anchor="ctr" anchorCtr="1"/>
-            <a:lstStyle/>
-            <a:p>
-              <a:pPr marL="0" marR="0" indent="0" algn="l">
-                <a:lnSpc>
-                  <a:spcPts val="1439"/>
-                </a:lnSpc>
-                <a:spcBef>
-                  <a:spcPts val="0"/>
-                </a:spcBef>
-                <a:spcAft>
-                  <a:spcPts val="0"/>
-                </a:spcAft>
-              </a:pPr>
-              <a:r>
-                <a:rPr lang="en-CA" sz="1500" b="1" dirty="0">
-                  <a:solidFill>
-                    <a:srgbClr val="000000">
-                      <a:alpha val="100000"/>
-                    </a:srgbClr>
-                  </a:solidFill>
-                  <a:latin typeface="Arial"/>
-                  <a:cs typeface="Arial"/>
-                </a:rPr>
-                <a:t>C) Advanced vs novice</a:t>
-              </a:r>
-              <a:endParaRPr sz="1500" b="1" dirty="0">
-                <a:solidFill>
-                  <a:srgbClr val="000000">
-                    <a:alpha val="100000"/>
-                  </a:srgbClr>
-                </a:solidFill>
-                <a:latin typeface="Arial"/>
-                <a:cs typeface="Arial"/>
-              </a:endParaRPr>
-            </a:p>
-          </p:txBody>
-        </p:sp>
-        <p:pic>
-          <p:nvPicPr>
-            <p:cNvPr id="435" name="Image 434" descr="Une image contenant texte, ligne, diagramme, Police&#10;&#10;Description générée automatiquement">
-              <a:extLst>
-                <a:ext uri="{FF2B5EF4-FFF2-40B4-BE49-F238E27FC236}">
-                  <a16:creationId xmlns:a16="http://schemas.microsoft.com/office/drawing/2014/main" id="{EA04F709-F4D2-D700-9934-D8688868B884}"/>
-                </a:ext>
-              </a:extLst>
-            </p:cNvPr>
-            <p:cNvPicPr>
-              <a:picLocks noChangeAspect="1"/>
-            </p:cNvPicPr>
-            <p:nvPr/>
-          </p:nvPicPr>
-          <p:blipFill>
-            <a:blip r:embed="rId4"/>
-            <a:stretch>
-              <a:fillRect/>
-            </a:stretch>
-          </p:blipFill>
-          <p:spPr>
-            <a:xfrm>
-              <a:off x="0" y="4845524"/>
-              <a:ext cx="10698163" cy="3056987"/>
-            </a:xfrm>
-            <a:prstGeom prst="rect">
-              <a:avLst/>
-            </a:prstGeom>
-          </p:spPr>
-        </p:pic>
-      </p:grpSp>
-    </p:spTree>
-    <p:extLst>
-      <p:ext uri="{BB962C8B-B14F-4D97-AF65-F5344CB8AC3E}">
-        <p14:creationId xmlns:p14="http://schemas.microsoft.com/office/powerpoint/2010/main" val="1440051717"/>
-      </p:ext>
-    </p:extLst>
-  </p:cSld>
-  <p:clrMapOvr>
-    <a:masterClrMapping/>
-  </p:clrMapOvr>
-</p:sld>
-</file>
-
 <file path=ppt/theme/theme1.xml><?xml version="1.0" encoding="utf-8"?>
 <a:theme xmlns:a="http://schemas.openxmlformats.org/drawingml/2006/main" name="Office Theme">
   <a:themeElements>

--- a/outputs/04_outputs_figures/figure4-raw.pptx
+++ b/outputs/04_outputs_figures/figure4-raw.pptx
@@ -4522,7 +4522,7 @@
                 </a:spcAft>
               </a:pPr>
               <a:r>
-                <a:rPr sz="1800" b="1">
+                <a:rPr sz="1800" b="1" dirty="0">
                   <a:solidFill>
                     <a:srgbClr val="000000">
                       <a:alpha val="100000"/>
@@ -4533,6 +4533,27 @@
                 </a:rPr>
                 <a:t>-0.3</a:t>
               </a:r>
+              <a:r>
+                <a:rPr lang="en-CA" sz="1800" b="1" dirty="0">
+                  <a:solidFill>
+                    <a:srgbClr val="000000">
+                      <a:alpha val="100000"/>
+                    </a:srgbClr>
+                  </a:solidFill>
+                  <a:latin typeface="Arial"/>
+                  <a:cs typeface="Arial"/>
+                </a:rPr>
+                <a:t>0</a:t>
+              </a:r>
+              <a:endParaRPr sz="1800" b="1" dirty="0">
+                <a:solidFill>
+                  <a:srgbClr val="000000">
+                    <a:alpha val="100000"/>
+                  </a:srgbClr>
+                </a:solidFill>
+                <a:latin typeface="Arial"/>
+                <a:cs typeface="Arial"/>
+              </a:endParaRPr>
             </a:p>
           </p:txBody>
         </p:sp>
@@ -4574,7 +4595,7 @@
                 </a:spcAft>
               </a:pPr>
               <a:r>
-                <a:rPr sz="1800" b="1">
+                <a:rPr sz="1800" b="1" dirty="0">
                   <a:solidFill>
                     <a:srgbClr val="000000">
                       <a:alpha val="100000"/>
@@ -4585,6 +4606,27 @@
                 </a:rPr>
                 <a:t>-0.1</a:t>
               </a:r>
+              <a:r>
+                <a:rPr lang="en-CA" sz="1800" b="1" dirty="0">
+                  <a:solidFill>
+                    <a:srgbClr val="000000">
+                      <a:alpha val="100000"/>
+                    </a:srgbClr>
+                  </a:solidFill>
+                  <a:latin typeface="Arial"/>
+                  <a:cs typeface="Arial"/>
+                </a:rPr>
+                <a:t>0</a:t>
+              </a:r>
+              <a:endParaRPr sz="1800" b="1" dirty="0">
+                <a:solidFill>
+                  <a:srgbClr val="000000">
+                    <a:alpha val="100000"/>
+                  </a:srgbClr>
+                </a:solidFill>
+                <a:latin typeface="Arial"/>
+                <a:cs typeface="Arial"/>
+              </a:endParaRPr>
             </a:p>
           </p:txBody>
         </p:sp>
@@ -9647,10 +9689,10 @@
       </p:grpSpPr>
       <p:grpSp>
         <p:nvGrpSpPr>
-          <p:cNvPr id="439" name="Groupe 438">
+          <p:cNvPr id="53" name="Groupe 52">
             <a:extLst>
               <a:ext uri="{FF2B5EF4-FFF2-40B4-BE49-F238E27FC236}">
-                <a16:creationId xmlns:a16="http://schemas.microsoft.com/office/drawing/2014/main" id="{684993DD-1259-50FE-AFD8-7635F215123A}"/>
+                <a16:creationId xmlns:a16="http://schemas.microsoft.com/office/drawing/2014/main" id="{D3E114BF-B788-E852-D5B5-A14C1763EDDA}"/>
               </a:ext>
             </a:extLst>
           </p:cNvPr>
@@ -9667,10 +9709,10 @@
         </p:grpSpPr>
         <p:pic>
           <p:nvPicPr>
-            <p:cNvPr id="437" name="Image 436">
+            <p:cNvPr id="52" name="Image 51">
               <a:extLst>
                 <a:ext uri="{FF2B5EF4-FFF2-40B4-BE49-F238E27FC236}">
-                  <a16:creationId xmlns:a16="http://schemas.microsoft.com/office/drawing/2014/main" id="{A2804E31-230B-A013-8265-D344C4824C56}"/>
+                  <a16:creationId xmlns:a16="http://schemas.microsoft.com/office/drawing/2014/main" id="{22AFABC2-716A-0960-31C8-AC43A2D5AD5A}"/>
                 </a:ext>
               </a:extLst>
             </p:cNvPr>
@@ -9687,7 +9729,7 @@
           </p:blipFill>
           <p:spPr>
             <a:xfrm>
-              <a:off x="635050" y="498330"/>
+              <a:off x="637960" y="506213"/>
               <a:ext cx="4630380" cy="3589377"/>
             </a:xfrm>
             <a:prstGeom prst="rect">

--- a/outputs/04_outputs_figures/figure4-raw.pptx
+++ b/outputs/04_outputs_figures/figure4-raw.pptx
@@ -9689,10 +9689,10 @@
       </p:grpSpPr>
       <p:grpSp>
         <p:nvGrpSpPr>
-          <p:cNvPr id="53" name="Groupe 52">
+          <p:cNvPr id="5" name="Groupe 4">
             <a:extLst>
               <a:ext uri="{FF2B5EF4-FFF2-40B4-BE49-F238E27FC236}">
-                <a16:creationId xmlns:a16="http://schemas.microsoft.com/office/drawing/2014/main" id="{D3E114BF-B788-E852-D5B5-A14C1763EDDA}"/>
+                <a16:creationId xmlns:a16="http://schemas.microsoft.com/office/drawing/2014/main" id="{83F9B740-AB43-6A86-AE8B-34C287FEA4C0}"/>
               </a:ext>
             </a:extLst>
           </p:cNvPr>
@@ -9701,12 +9701,42 @@
         </p:nvGrpSpPr>
         <p:grpSpPr>
           <a:xfrm>
-            <a:off x="-1" y="326456"/>
-            <a:ext cx="10698163" cy="7595453"/>
-            <a:chOff x="-1" y="326456"/>
-            <a:chExt cx="10698163" cy="7595453"/>
+            <a:off x="8830" y="326456"/>
+            <a:ext cx="10698163" cy="7605280"/>
+            <a:chOff x="8830" y="326456"/>
+            <a:chExt cx="10698163" cy="7605280"/>
           </a:xfrm>
         </p:grpSpPr>
+        <p:pic>
+          <p:nvPicPr>
+            <p:cNvPr id="3" name="Image 2" descr="Une image contenant texte, ligne, diagramme, Police">
+              <a:extLst>
+                <a:ext uri="{FF2B5EF4-FFF2-40B4-BE49-F238E27FC236}">
+                  <a16:creationId xmlns:a16="http://schemas.microsoft.com/office/drawing/2014/main" id="{E8BEB9C8-733B-1682-C27F-8F3C95F32CDC}"/>
+                </a:ext>
+              </a:extLst>
+            </p:cNvPr>
+            <p:cNvPicPr>
+              <a:picLocks noChangeAspect="1"/>
+            </p:cNvPicPr>
+            <p:nvPr/>
+          </p:nvPicPr>
+          <p:blipFill>
+            <a:blip r:embed="rId2"/>
+            <a:stretch>
+              <a:fillRect/>
+            </a:stretch>
+          </p:blipFill>
+          <p:spPr>
+            <a:xfrm>
+              <a:off x="8830" y="4874749"/>
+              <a:ext cx="10698163" cy="3056987"/>
+            </a:xfrm>
+            <a:prstGeom prst="rect">
+              <a:avLst/>
+            </a:prstGeom>
+          </p:spPr>
+        </p:pic>
         <p:pic>
           <p:nvPicPr>
             <p:cNvPr id="52" name="Image 51">
@@ -9722,36 +9752,6 @@
             <p:nvPr/>
           </p:nvPicPr>
           <p:blipFill>
-            <a:blip r:embed="rId2"/>
-            <a:stretch>
-              <a:fillRect/>
-            </a:stretch>
-          </p:blipFill>
-          <p:spPr>
-            <a:xfrm>
-              <a:off x="637960" y="506213"/>
-              <a:ext cx="4630380" cy="3589377"/>
-            </a:xfrm>
-            <a:prstGeom prst="rect">
-              <a:avLst/>
-            </a:prstGeom>
-          </p:spPr>
-        </p:pic>
-        <p:pic>
-          <p:nvPicPr>
-            <p:cNvPr id="171" name="Image 170" descr="Une image contenant texte, ligne, diagramme, Police&#10;&#10;Description générée automatiquement">
-              <a:extLst>
-                <a:ext uri="{FF2B5EF4-FFF2-40B4-BE49-F238E27FC236}">
-                  <a16:creationId xmlns:a16="http://schemas.microsoft.com/office/drawing/2014/main" id="{E713BCDD-8B3A-732F-B29E-54771C9BA02E}"/>
-                </a:ext>
-              </a:extLst>
-            </p:cNvPr>
-            <p:cNvPicPr>
-              <a:picLocks noChangeAspect="1"/>
-            </p:cNvPicPr>
-            <p:nvPr/>
-          </p:nvPicPr>
-          <p:blipFill>
             <a:blip r:embed="rId3"/>
             <a:stretch>
               <a:fillRect/>
@@ -9759,8 +9759,8 @@
           </p:blipFill>
           <p:spPr>
             <a:xfrm>
-              <a:off x="-1" y="4864922"/>
-              <a:ext cx="10698163" cy="3056987"/>
+              <a:off x="637960" y="506213"/>
+              <a:ext cx="4630380" cy="3589377"/>
             </a:xfrm>
             <a:prstGeom prst="rect">
               <a:avLst/>

--- a/outputs/04_outputs_figures/figure4-raw.pptx
+++ b/outputs/04_outputs_figures/figure4-raw.pptx
@@ -4,12 +4,18 @@
   <p:sldMasterIdLst>
     <p:sldMasterId id="2147483648" r:id="rId1"/>
   </p:sldMasterIdLst>
+  <p:notesMasterIdLst>
+    <p:notesMasterId r:id="rId10"/>
+  </p:notesMasterIdLst>
   <p:sldIdLst>
     <p:sldId id="256" r:id="rId2"/>
     <p:sldId id="257" r:id="rId3"/>
     <p:sldId id="258" r:id="rId4"/>
     <p:sldId id="263" r:id="rId5"/>
-    <p:sldId id="259" r:id="rId6"/>
+    <p:sldId id="264" r:id="rId6"/>
+    <p:sldId id="266" r:id="rId7"/>
+    <p:sldId id="265" r:id="rId8"/>
+    <p:sldId id="259" r:id="rId9"/>
   </p:sldIdLst>
   <p:sldSz cx="10698163" cy="7562850"/>
   <p:notesSz cx="6858000" cy="9144000"/>
@@ -111,12 +117,12 @@
   <p:extLst>
     <p:ext uri="{EFAFB233-063F-42B5-8137-9DF3F51BA10A}">
       <p15:sldGuideLst xmlns:p15="http://schemas.microsoft.com/office/powerpoint/2012/main">
-        <p15:guide id="1" orient="horz" pos="2574" userDrawn="1">
+        <p15:guide id="1" orient="horz" pos="846" userDrawn="1">
           <p15:clr>
             <a:srgbClr val="A4A3A4"/>
           </p15:clr>
         </p15:guide>
-        <p15:guide id="2" pos="442" userDrawn="1">
+        <p15:guide id="2" pos="2986" userDrawn="1">
           <p15:clr>
             <a:srgbClr val="A4A3A4"/>
           </p15:clr>
@@ -125,6 +131,440 @@
     </p:ext>
   </p:extLst>
 </p:presentation>
+</file>
+
+<file path=ppt/notesMasters/notesMaster1.xml><?xml version="1.0" encoding="utf-8"?>
+<p:notesMaster xmlns:a="http://schemas.openxmlformats.org/drawingml/2006/main" xmlns:r="http://schemas.openxmlformats.org/officeDocument/2006/relationships" xmlns:p="http://schemas.openxmlformats.org/presentationml/2006/main">
+  <p:cSld>
+    <p:bg>
+      <p:bgRef idx="1001">
+        <a:schemeClr val="bg1"/>
+      </p:bgRef>
+    </p:bg>
+    <p:spTree>
+      <p:nvGrpSpPr>
+        <p:cNvPr id="1" name=""/>
+        <p:cNvGrpSpPr/>
+        <p:nvPr/>
+      </p:nvGrpSpPr>
+      <p:grpSpPr>
+        <a:xfrm>
+          <a:off x="0" y="0"/>
+          <a:ext cx="0" cy="0"/>
+          <a:chOff x="0" y="0"/>
+          <a:chExt cx="0" cy="0"/>
+        </a:xfrm>
+      </p:grpSpPr>
+      <p:sp>
+        <p:nvSpPr>
+          <p:cNvPr id="2" name="Header Placeholder 1"/>
+          <p:cNvSpPr>
+            <a:spLocks noGrp="1"/>
+          </p:cNvSpPr>
+          <p:nvPr>
+            <p:ph type="hdr" sz="quarter"/>
+          </p:nvPr>
+        </p:nvSpPr>
+        <p:spPr>
+          <a:xfrm>
+            <a:off x="0" y="0"/>
+            <a:ext cx="2971800" cy="458788"/>
+          </a:xfrm>
+          <a:prstGeom prst="rect">
+            <a:avLst/>
+          </a:prstGeom>
+        </p:spPr>
+        <p:txBody>
+          <a:bodyPr vert="horz" lIns="91440" tIns="45720" rIns="91440" bIns="45720" rtlCol="0"/>
+          <a:lstStyle>
+            <a:lvl1pPr algn="l">
+              <a:defRPr sz="1200"/>
+            </a:lvl1pPr>
+          </a:lstStyle>
+          <a:p>
+            <a:endParaRPr lang="en-CA"/>
+          </a:p>
+        </p:txBody>
+      </p:sp>
+      <p:sp>
+        <p:nvSpPr>
+          <p:cNvPr id="3" name="Date Placeholder 2"/>
+          <p:cNvSpPr>
+            <a:spLocks noGrp="1"/>
+          </p:cNvSpPr>
+          <p:nvPr>
+            <p:ph type="dt" idx="1"/>
+          </p:nvPr>
+        </p:nvSpPr>
+        <p:spPr>
+          <a:xfrm>
+            <a:off x="3884613" y="0"/>
+            <a:ext cx="2971800" cy="458788"/>
+          </a:xfrm>
+          <a:prstGeom prst="rect">
+            <a:avLst/>
+          </a:prstGeom>
+        </p:spPr>
+        <p:txBody>
+          <a:bodyPr vert="horz" lIns="91440" tIns="45720" rIns="91440" bIns="45720" rtlCol="0"/>
+          <a:lstStyle>
+            <a:lvl1pPr algn="r">
+              <a:defRPr sz="1200"/>
+            </a:lvl1pPr>
+          </a:lstStyle>
+          <a:p>
+            <a:fld id="{7FD10ADE-4B29-47F6-B827-46513D37ECF8}" type="datetimeFigureOut">
+              <a:rPr lang="en-CA" smtClean="0"/>
+              <a:t>2023-06-06</a:t>
+            </a:fld>
+            <a:endParaRPr lang="en-CA"/>
+          </a:p>
+        </p:txBody>
+      </p:sp>
+      <p:sp>
+        <p:nvSpPr>
+          <p:cNvPr id="4" name="Slide Image Placeholder 3"/>
+          <p:cNvSpPr>
+            <a:spLocks noGrp="1" noRot="1" noChangeAspect="1"/>
+          </p:cNvSpPr>
+          <p:nvPr>
+            <p:ph type="sldImg" idx="2"/>
+          </p:nvPr>
+        </p:nvSpPr>
+        <p:spPr>
+          <a:xfrm>
+            <a:off x="1246188" y="1143000"/>
+            <a:ext cx="4365625" cy="3086100"/>
+          </a:xfrm>
+          <a:prstGeom prst="rect">
+            <a:avLst/>
+          </a:prstGeom>
+          <a:noFill/>
+          <a:ln w="12700">
+            <a:solidFill>
+              <a:prstClr val="black"/>
+            </a:solidFill>
+          </a:ln>
+        </p:spPr>
+        <p:txBody>
+          <a:bodyPr vert="horz" lIns="91440" tIns="45720" rIns="91440" bIns="45720" rtlCol="0" anchor="ctr"/>
+          <a:lstStyle/>
+          <a:p>
+            <a:endParaRPr lang="en-CA"/>
+          </a:p>
+        </p:txBody>
+      </p:sp>
+      <p:sp>
+        <p:nvSpPr>
+          <p:cNvPr id="5" name="Notes Placeholder 4"/>
+          <p:cNvSpPr>
+            <a:spLocks noGrp="1"/>
+          </p:cNvSpPr>
+          <p:nvPr>
+            <p:ph type="body" sz="quarter" idx="3"/>
+          </p:nvPr>
+        </p:nvSpPr>
+        <p:spPr>
+          <a:xfrm>
+            <a:off x="685800" y="4400550"/>
+            <a:ext cx="5486400" cy="3600450"/>
+          </a:xfrm>
+          <a:prstGeom prst="rect">
+            <a:avLst/>
+          </a:prstGeom>
+        </p:spPr>
+        <p:txBody>
+          <a:bodyPr vert="horz" lIns="91440" tIns="45720" rIns="91440" bIns="45720" rtlCol="0"/>
+          <a:lstStyle/>
+          <a:p>
+            <a:pPr lvl="0"/>
+            <a:r>
+              <a:rPr lang="en-US"/>
+              <a:t>Click to edit Master text styles</a:t>
+            </a:r>
+          </a:p>
+          <a:p>
+            <a:pPr lvl="1"/>
+            <a:r>
+              <a:rPr lang="en-US"/>
+              <a:t>Second level</a:t>
+            </a:r>
+          </a:p>
+          <a:p>
+            <a:pPr lvl="2"/>
+            <a:r>
+              <a:rPr lang="en-US"/>
+              <a:t>Third level</a:t>
+            </a:r>
+          </a:p>
+          <a:p>
+            <a:pPr lvl="3"/>
+            <a:r>
+              <a:rPr lang="en-US"/>
+              <a:t>Fourth level</a:t>
+            </a:r>
+          </a:p>
+          <a:p>
+            <a:pPr lvl="4"/>
+            <a:r>
+              <a:rPr lang="en-US"/>
+              <a:t>Fifth level</a:t>
+            </a:r>
+            <a:endParaRPr lang="en-CA"/>
+          </a:p>
+        </p:txBody>
+      </p:sp>
+      <p:sp>
+        <p:nvSpPr>
+          <p:cNvPr id="6" name="Footer Placeholder 5"/>
+          <p:cNvSpPr>
+            <a:spLocks noGrp="1"/>
+          </p:cNvSpPr>
+          <p:nvPr>
+            <p:ph type="ftr" sz="quarter" idx="4"/>
+          </p:nvPr>
+        </p:nvSpPr>
+        <p:spPr>
+          <a:xfrm>
+            <a:off x="0" y="8685213"/>
+            <a:ext cx="2971800" cy="458787"/>
+          </a:xfrm>
+          <a:prstGeom prst="rect">
+            <a:avLst/>
+          </a:prstGeom>
+        </p:spPr>
+        <p:txBody>
+          <a:bodyPr vert="horz" lIns="91440" tIns="45720" rIns="91440" bIns="45720" rtlCol="0" anchor="b"/>
+          <a:lstStyle>
+            <a:lvl1pPr algn="l">
+              <a:defRPr sz="1200"/>
+            </a:lvl1pPr>
+          </a:lstStyle>
+          <a:p>
+            <a:endParaRPr lang="en-CA"/>
+          </a:p>
+        </p:txBody>
+      </p:sp>
+      <p:sp>
+        <p:nvSpPr>
+          <p:cNvPr id="7" name="Slide Number Placeholder 6"/>
+          <p:cNvSpPr>
+            <a:spLocks noGrp="1"/>
+          </p:cNvSpPr>
+          <p:nvPr>
+            <p:ph type="sldNum" sz="quarter" idx="5"/>
+          </p:nvPr>
+        </p:nvSpPr>
+        <p:spPr>
+          <a:xfrm>
+            <a:off x="3884613" y="8685213"/>
+            <a:ext cx="2971800" cy="458787"/>
+          </a:xfrm>
+          <a:prstGeom prst="rect">
+            <a:avLst/>
+          </a:prstGeom>
+        </p:spPr>
+        <p:txBody>
+          <a:bodyPr vert="horz" lIns="91440" tIns="45720" rIns="91440" bIns="45720" rtlCol="0" anchor="b"/>
+          <a:lstStyle>
+            <a:lvl1pPr algn="r">
+              <a:defRPr sz="1200"/>
+            </a:lvl1pPr>
+          </a:lstStyle>
+          <a:p>
+            <a:fld id="{8D064995-1E26-4796-A957-2315B64399ED}" type="slidenum">
+              <a:rPr lang="en-CA" smtClean="0"/>
+              <a:t>‹#›</a:t>
+            </a:fld>
+            <a:endParaRPr lang="en-CA"/>
+          </a:p>
+        </p:txBody>
+      </p:sp>
+    </p:spTree>
+    <p:extLst>
+      <p:ext uri="{BB962C8B-B14F-4D97-AF65-F5344CB8AC3E}">
+        <p14:creationId xmlns:p14="http://schemas.microsoft.com/office/powerpoint/2010/main" val="3441702704"/>
+      </p:ext>
+    </p:extLst>
+  </p:cSld>
+  <p:clrMap bg1="lt1" tx1="dk1" bg2="lt2" tx2="dk2" accent1="accent1" accent2="accent2" accent3="accent3" accent4="accent4" accent5="accent5" accent6="accent6" hlink="hlink" folHlink="folHlink"/>
+  <p:notesStyle>
+    <a:lvl1pPr marL="0" algn="l" defTabSz="914400" rtl="0" eaLnBrk="1" latinLnBrk="0" hangingPunct="1">
+      <a:defRPr sz="1200" kern="1200">
+        <a:solidFill>
+          <a:schemeClr val="tx1"/>
+        </a:solidFill>
+        <a:latin typeface="+mn-lt"/>
+        <a:ea typeface="+mn-ea"/>
+        <a:cs typeface="+mn-cs"/>
+      </a:defRPr>
+    </a:lvl1pPr>
+    <a:lvl2pPr marL="457200" algn="l" defTabSz="914400" rtl="0" eaLnBrk="1" latinLnBrk="0" hangingPunct="1">
+      <a:defRPr sz="1200" kern="1200">
+        <a:solidFill>
+          <a:schemeClr val="tx1"/>
+        </a:solidFill>
+        <a:latin typeface="+mn-lt"/>
+        <a:ea typeface="+mn-ea"/>
+        <a:cs typeface="+mn-cs"/>
+      </a:defRPr>
+    </a:lvl2pPr>
+    <a:lvl3pPr marL="914400" algn="l" defTabSz="914400" rtl="0" eaLnBrk="1" latinLnBrk="0" hangingPunct="1">
+      <a:defRPr sz="1200" kern="1200">
+        <a:solidFill>
+          <a:schemeClr val="tx1"/>
+        </a:solidFill>
+        <a:latin typeface="+mn-lt"/>
+        <a:ea typeface="+mn-ea"/>
+        <a:cs typeface="+mn-cs"/>
+      </a:defRPr>
+    </a:lvl3pPr>
+    <a:lvl4pPr marL="1371600" algn="l" defTabSz="914400" rtl="0" eaLnBrk="1" latinLnBrk="0" hangingPunct="1">
+      <a:defRPr sz="1200" kern="1200">
+        <a:solidFill>
+          <a:schemeClr val="tx1"/>
+        </a:solidFill>
+        <a:latin typeface="+mn-lt"/>
+        <a:ea typeface="+mn-ea"/>
+        <a:cs typeface="+mn-cs"/>
+      </a:defRPr>
+    </a:lvl4pPr>
+    <a:lvl5pPr marL="1828800" algn="l" defTabSz="914400" rtl="0" eaLnBrk="1" latinLnBrk="0" hangingPunct="1">
+      <a:defRPr sz="1200" kern="1200">
+        <a:solidFill>
+          <a:schemeClr val="tx1"/>
+        </a:solidFill>
+        <a:latin typeface="+mn-lt"/>
+        <a:ea typeface="+mn-ea"/>
+        <a:cs typeface="+mn-cs"/>
+      </a:defRPr>
+    </a:lvl5pPr>
+    <a:lvl6pPr marL="2286000" algn="l" defTabSz="914400" rtl="0" eaLnBrk="1" latinLnBrk="0" hangingPunct="1">
+      <a:defRPr sz="1200" kern="1200">
+        <a:solidFill>
+          <a:schemeClr val="tx1"/>
+        </a:solidFill>
+        <a:latin typeface="+mn-lt"/>
+        <a:ea typeface="+mn-ea"/>
+        <a:cs typeface="+mn-cs"/>
+      </a:defRPr>
+    </a:lvl6pPr>
+    <a:lvl7pPr marL="2743200" algn="l" defTabSz="914400" rtl="0" eaLnBrk="1" latinLnBrk="0" hangingPunct="1">
+      <a:defRPr sz="1200" kern="1200">
+        <a:solidFill>
+          <a:schemeClr val="tx1"/>
+        </a:solidFill>
+        <a:latin typeface="+mn-lt"/>
+        <a:ea typeface="+mn-ea"/>
+        <a:cs typeface="+mn-cs"/>
+      </a:defRPr>
+    </a:lvl7pPr>
+    <a:lvl8pPr marL="3200400" algn="l" defTabSz="914400" rtl="0" eaLnBrk="1" latinLnBrk="0" hangingPunct="1">
+      <a:defRPr sz="1200" kern="1200">
+        <a:solidFill>
+          <a:schemeClr val="tx1"/>
+        </a:solidFill>
+        <a:latin typeface="+mn-lt"/>
+        <a:ea typeface="+mn-ea"/>
+        <a:cs typeface="+mn-cs"/>
+      </a:defRPr>
+    </a:lvl8pPr>
+    <a:lvl9pPr marL="3657600" algn="l" defTabSz="914400" rtl="0" eaLnBrk="1" latinLnBrk="0" hangingPunct="1">
+      <a:defRPr sz="1200" kern="1200">
+        <a:solidFill>
+          <a:schemeClr val="tx1"/>
+        </a:solidFill>
+        <a:latin typeface="+mn-lt"/>
+        <a:ea typeface="+mn-ea"/>
+        <a:cs typeface="+mn-cs"/>
+      </a:defRPr>
+    </a:lvl9pPr>
+  </p:notesStyle>
+</p:notesMaster>
+</file>
+
+<file path=ppt/notesSlides/notesSlide1.xml><?xml version="1.0" encoding="utf-8"?>
+<p:notes xmlns:a="http://schemas.openxmlformats.org/drawingml/2006/main" xmlns:r="http://schemas.openxmlformats.org/officeDocument/2006/relationships" xmlns:p="http://schemas.openxmlformats.org/presentationml/2006/main">
+  <p:cSld>
+    <p:spTree>
+      <p:nvGrpSpPr>
+        <p:cNvPr id="1" name=""/>
+        <p:cNvGrpSpPr/>
+        <p:nvPr/>
+      </p:nvGrpSpPr>
+      <p:grpSpPr>
+        <a:xfrm>
+          <a:off x="0" y="0"/>
+          <a:ext cx="0" cy="0"/>
+          <a:chOff x="0" y="0"/>
+          <a:chExt cx="0" cy="0"/>
+        </a:xfrm>
+      </p:grpSpPr>
+      <p:sp>
+        <p:nvSpPr>
+          <p:cNvPr id="2" name="Slide Image Placeholder 1"/>
+          <p:cNvSpPr>
+            <a:spLocks noGrp="1" noRot="1" noChangeAspect="1"/>
+          </p:cNvSpPr>
+          <p:nvPr>
+            <p:ph type="sldImg"/>
+          </p:nvPr>
+        </p:nvSpPr>
+        <p:spPr/>
+      </p:sp>
+      <p:sp>
+        <p:nvSpPr>
+          <p:cNvPr id="3" name="Notes Placeholder 2"/>
+          <p:cNvSpPr>
+            <a:spLocks noGrp="1"/>
+          </p:cNvSpPr>
+          <p:nvPr>
+            <p:ph type="body" idx="1"/>
+          </p:nvPr>
+        </p:nvSpPr>
+        <p:spPr/>
+        <p:txBody>
+          <a:bodyPr/>
+          <a:lstStyle/>
+          <a:p>
+            <a:endParaRPr lang="en-CA" dirty="0"/>
+          </a:p>
+        </p:txBody>
+      </p:sp>
+      <p:sp>
+        <p:nvSpPr>
+          <p:cNvPr id="4" name="Slide Number Placeholder 3"/>
+          <p:cNvSpPr>
+            <a:spLocks noGrp="1"/>
+          </p:cNvSpPr>
+          <p:nvPr>
+            <p:ph type="sldNum" sz="quarter" idx="5"/>
+          </p:nvPr>
+        </p:nvSpPr>
+        <p:spPr/>
+        <p:txBody>
+          <a:bodyPr/>
+          <a:lstStyle/>
+          <a:p>
+            <a:fld id="{8D064995-1E26-4796-A957-2315B64399ED}" type="slidenum">
+              <a:rPr lang="en-CA" smtClean="0"/>
+              <a:t>5</a:t>
+            </a:fld>
+            <a:endParaRPr lang="en-CA"/>
+          </a:p>
+        </p:txBody>
+      </p:sp>
+    </p:spTree>
+    <p:extLst>
+      <p:ext uri="{BB962C8B-B14F-4D97-AF65-F5344CB8AC3E}">
+        <p14:creationId xmlns:p14="http://schemas.microsoft.com/office/powerpoint/2010/main" val="884775582"/>
+      </p:ext>
+    </p:extLst>
+  </p:cSld>
+  <p:clrMapOvr>
+    <a:masterClrMapping/>
+  </p:clrMapOvr>
+</p:notes>
 </file>
 
 <file path=ppt/slideLayouts/slideLayout1.xml><?xml version="1.0" encoding="utf-8"?>
@@ -308,7 +748,7 @@
           <a:p>
             <a:fld id="{6BA5D40C-A8DC-479A-A5D3-E7B4936A184B}" type="datetimeFigureOut">
               <a:rPr lang="en-GB" smtClean="0"/>
-              <a:t>31/05/2023</a:t>
+              <a:t>06/06/2023</a:t>
             </a:fld>
             <a:endParaRPr lang="en-GB"/>
           </a:p>
@@ -350,7 +790,7 @@
           <a:p>
             <a:fld id="{52235FAC-C7EA-4164-B888-497B3F49A53C}" type="slidenum">
               <a:rPr lang="en-GB" smtClean="0"/>
-              <a:t>‹N°›</a:t>
+              <a:t>‹#›</a:t>
             </a:fld>
             <a:endParaRPr lang="en-GB"/>
           </a:p>
@@ -478,7 +918,7 @@
           <a:p>
             <a:fld id="{6BA5D40C-A8DC-479A-A5D3-E7B4936A184B}" type="datetimeFigureOut">
               <a:rPr lang="en-GB" smtClean="0"/>
-              <a:t>31/05/2023</a:t>
+              <a:t>06/06/2023</a:t>
             </a:fld>
             <a:endParaRPr lang="en-GB"/>
           </a:p>
@@ -520,7 +960,7 @@
           <a:p>
             <a:fld id="{52235FAC-C7EA-4164-B888-497B3F49A53C}" type="slidenum">
               <a:rPr lang="en-GB" smtClean="0"/>
-              <a:t>‹N°›</a:t>
+              <a:t>‹#›</a:t>
             </a:fld>
             <a:endParaRPr lang="en-GB"/>
           </a:p>
@@ -658,7 +1098,7 @@
           <a:p>
             <a:fld id="{6BA5D40C-A8DC-479A-A5D3-E7B4936A184B}" type="datetimeFigureOut">
               <a:rPr lang="en-GB" smtClean="0"/>
-              <a:t>31/05/2023</a:t>
+              <a:t>06/06/2023</a:t>
             </a:fld>
             <a:endParaRPr lang="en-GB"/>
           </a:p>
@@ -700,7 +1140,7 @@
           <a:p>
             <a:fld id="{52235FAC-C7EA-4164-B888-497B3F49A53C}" type="slidenum">
               <a:rPr lang="en-GB" smtClean="0"/>
-              <a:t>‹N°›</a:t>
+              <a:t>‹#›</a:t>
             </a:fld>
             <a:endParaRPr lang="en-GB"/>
           </a:p>
@@ -828,7 +1268,7 @@
           <a:p>
             <a:fld id="{6BA5D40C-A8DC-479A-A5D3-E7B4936A184B}" type="datetimeFigureOut">
               <a:rPr lang="en-GB" smtClean="0"/>
-              <a:t>31/05/2023</a:t>
+              <a:t>06/06/2023</a:t>
             </a:fld>
             <a:endParaRPr lang="en-GB"/>
           </a:p>
@@ -870,7 +1310,7 @@
           <a:p>
             <a:fld id="{52235FAC-C7EA-4164-B888-497B3F49A53C}" type="slidenum">
               <a:rPr lang="en-GB" smtClean="0"/>
-              <a:t>‹N°›</a:t>
+              <a:t>‹#›</a:t>
             </a:fld>
             <a:endParaRPr lang="en-GB"/>
           </a:p>
@@ -1074,7 +1514,7 @@
           <a:p>
             <a:fld id="{6BA5D40C-A8DC-479A-A5D3-E7B4936A184B}" type="datetimeFigureOut">
               <a:rPr lang="en-GB" smtClean="0"/>
-              <a:t>31/05/2023</a:t>
+              <a:t>06/06/2023</a:t>
             </a:fld>
             <a:endParaRPr lang="en-GB"/>
           </a:p>
@@ -1116,7 +1556,7 @@
           <a:p>
             <a:fld id="{52235FAC-C7EA-4164-B888-497B3F49A53C}" type="slidenum">
               <a:rPr lang="en-GB" smtClean="0"/>
-              <a:t>‹N°›</a:t>
+              <a:t>‹#›</a:t>
             </a:fld>
             <a:endParaRPr lang="en-GB"/>
           </a:p>
@@ -1362,7 +1802,7 @@
           <a:p>
             <a:fld id="{6BA5D40C-A8DC-479A-A5D3-E7B4936A184B}" type="datetimeFigureOut">
               <a:rPr lang="en-GB" smtClean="0"/>
-              <a:t>31/05/2023</a:t>
+              <a:t>06/06/2023</a:t>
             </a:fld>
             <a:endParaRPr lang="en-GB"/>
           </a:p>
@@ -1404,7 +1844,7 @@
           <a:p>
             <a:fld id="{52235FAC-C7EA-4164-B888-497B3F49A53C}" type="slidenum">
               <a:rPr lang="en-GB" smtClean="0"/>
-              <a:t>‹N°›</a:t>
+              <a:t>‹#›</a:t>
             </a:fld>
             <a:endParaRPr lang="en-GB"/>
           </a:p>
@@ -1789,7 +2229,7 @@
           <a:p>
             <a:fld id="{6BA5D40C-A8DC-479A-A5D3-E7B4936A184B}" type="datetimeFigureOut">
               <a:rPr lang="en-GB" smtClean="0"/>
-              <a:t>31/05/2023</a:t>
+              <a:t>06/06/2023</a:t>
             </a:fld>
             <a:endParaRPr lang="en-GB"/>
           </a:p>
@@ -1831,7 +2271,7 @@
           <a:p>
             <a:fld id="{52235FAC-C7EA-4164-B888-497B3F49A53C}" type="slidenum">
               <a:rPr lang="en-GB" smtClean="0"/>
-              <a:t>‹N°›</a:t>
+              <a:t>‹#›</a:t>
             </a:fld>
             <a:endParaRPr lang="en-GB"/>
           </a:p>
@@ -1907,7 +2347,7 @@
           <a:p>
             <a:fld id="{6BA5D40C-A8DC-479A-A5D3-E7B4936A184B}" type="datetimeFigureOut">
               <a:rPr lang="en-GB" smtClean="0"/>
-              <a:t>31/05/2023</a:t>
+              <a:t>06/06/2023</a:t>
             </a:fld>
             <a:endParaRPr lang="en-GB"/>
           </a:p>
@@ -1949,7 +2389,7 @@
           <a:p>
             <a:fld id="{52235FAC-C7EA-4164-B888-497B3F49A53C}" type="slidenum">
               <a:rPr lang="en-GB" smtClean="0"/>
-              <a:t>‹N°›</a:t>
+              <a:t>‹#›</a:t>
             </a:fld>
             <a:endParaRPr lang="en-GB"/>
           </a:p>
@@ -2002,7 +2442,7 @@
           <a:p>
             <a:fld id="{6BA5D40C-A8DC-479A-A5D3-E7B4936A184B}" type="datetimeFigureOut">
               <a:rPr lang="en-GB" smtClean="0"/>
-              <a:t>31/05/2023</a:t>
+              <a:t>06/06/2023</a:t>
             </a:fld>
             <a:endParaRPr lang="en-GB"/>
           </a:p>
@@ -2044,7 +2484,7 @@
           <a:p>
             <a:fld id="{52235FAC-C7EA-4164-B888-497B3F49A53C}" type="slidenum">
               <a:rPr lang="en-GB" smtClean="0"/>
-              <a:t>‹N°›</a:t>
+              <a:t>‹#›</a:t>
             </a:fld>
             <a:endParaRPr lang="en-GB"/>
           </a:p>
@@ -2279,7 +2719,7 @@
           <a:p>
             <a:fld id="{6BA5D40C-A8DC-479A-A5D3-E7B4936A184B}" type="datetimeFigureOut">
               <a:rPr lang="en-GB" smtClean="0"/>
-              <a:t>31/05/2023</a:t>
+              <a:t>06/06/2023</a:t>
             </a:fld>
             <a:endParaRPr lang="en-GB"/>
           </a:p>
@@ -2321,7 +2761,7 @@
           <a:p>
             <a:fld id="{52235FAC-C7EA-4164-B888-497B3F49A53C}" type="slidenum">
               <a:rPr lang="en-GB" smtClean="0"/>
-              <a:t>‹N°›</a:t>
+              <a:t>‹#›</a:t>
             </a:fld>
             <a:endParaRPr lang="en-GB"/>
           </a:p>
@@ -2532,7 +2972,7 @@
           <a:p>
             <a:fld id="{6BA5D40C-A8DC-479A-A5D3-E7B4936A184B}" type="datetimeFigureOut">
               <a:rPr lang="en-GB" smtClean="0"/>
-              <a:t>31/05/2023</a:t>
+              <a:t>06/06/2023</a:t>
             </a:fld>
             <a:endParaRPr lang="en-GB"/>
           </a:p>
@@ -2574,7 +3014,7 @@
           <a:p>
             <a:fld id="{52235FAC-C7EA-4164-B888-497B3F49A53C}" type="slidenum">
               <a:rPr lang="en-GB" smtClean="0"/>
-              <a:t>‹N°›</a:t>
+              <a:t>‹#›</a:t>
             </a:fld>
             <a:endParaRPr lang="en-GB"/>
           </a:p>
@@ -2745,7 +3185,7 @@
           <a:p>
             <a:fld id="{6BA5D40C-A8DC-479A-A5D3-E7B4936A184B}" type="datetimeFigureOut">
               <a:rPr lang="en-GB" smtClean="0"/>
-              <a:t>31/05/2023</a:t>
+              <a:t>06/06/2023</a:t>
             </a:fld>
             <a:endParaRPr lang="en-GB"/>
           </a:p>
@@ -2823,7 +3263,7 @@
           <a:p>
             <a:fld id="{52235FAC-C7EA-4164-B888-497B3F49A53C}" type="slidenum">
               <a:rPr lang="en-GB" smtClean="0"/>
-              <a:t>‹N°›</a:t>
+              <a:t>‹#›</a:t>
             </a:fld>
             <a:endParaRPr lang="en-GB"/>
           </a:p>
@@ -11628,6 +12068,7295 @@
 </file>
 
 <file path=ppt/slides/slide5.xml><?xml version="1.0" encoding="utf-8"?>
+<p:sld xmlns:a="http://schemas.openxmlformats.org/drawingml/2006/main" xmlns:r="http://schemas.openxmlformats.org/officeDocument/2006/relationships" xmlns:p="http://schemas.openxmlformats.org/presentationml/2006/main">
+  <p:cSld>
+    <p:spTree>
+      <p:nvGrpSpPr>
+        <p:cNvPr id="1" name=""/>
+        <p:cNvGrpSpPr/>
+        <p:nvPr/>
+      </p:nvGrpSpPr>
+      <p:grpSpPr>
+        <a:xfrm>
+          <a:off x="0" y="0"/>
+          <a:ext cx="0" cy="0"/>
+          <a:chOff x="0" y="0"/>
+          <a:chExt cx="0" cy="0"/>
+        </a:xfrm>
+      </p:grpSpPr>
+      <p:grpSp>
+        <p:nvGrpSpPr>
+          <p:cNvPr id="149" name="Groupe 148">
+            <a:extLst>
+              <a:ext uri="{FF2B5EF4-FFF2-40B4-BE49-F238E27FC236}">
+                <a16:creationId xmlns:a16="http://schemas.microsoft.com/office/drawing/2014/main" id="{A0A8EB50-CBCB-47F2-4724-716CA8201E5E}"/>
+              </a:ext>
+            </a:extLst>
+          </p:cNvPr>
+          <p:cNvGrpSpPr/>
+          <p:nvPr/>
+        </p:nvGrpSpPr>
+        <p:grpSpPr>
+          <a:xfrm>
+            <a:off x="1700313" y="1316595"/>
+            <a:ext cx="6571373" cy="4647319"/>
+            <a:chOff x="1700313" y="1316595"/>
+            <a:chExt cx="6571373" cy="4647319"/>
+          </a:xfrm>
+        </p:grpSpPr>
+        <p:sp>
+          <p:nvSpPr>
+            <p:cNvPr id="150" name="rc4">
+              <a:extLst>
+                <a:ext uri="{FF2B5EF4-FFF2-40B4-BE49-F238E27FC236}">
+                  <a16:creationId xmlns:a16="http://schemas.microsoft.com/office/drawing/2014/main" id="{DA55FD76-A124-BC5E-4D56-B9B58ACA7099}"/>
+                </a:ext>
+              </a:extLst>
+            </p:cNvPr>
+            <p:cNvSpPr/>
+            <p:nvPr/>
+          </p:nvSpPr>
+          <p:spPr>
+            <a:xfrm>
+              <a:off x="3539869" y="1955185"/>
+              <a:ext cx="1002182" cy="1002182"/>
+            </a:xfrm>
+            <a:prstGeom prst="rect">
+              <a:avLst/>
+            </a:prstGeom>
+            <a:solidFill>
+              <a:srgbClr val="FFFFFF">
+                <a:alpha val="100000"/>
+              </a:srgbClr>
+            </a:solidFill>
+            <a:ln w="9525" cap="rnd">
+              <a:solidFill>
+                <a:srgbClr val="FFFFFF">
+                  <a:alpha val="100000"/>
+                </a:srgbClr>
+              </a:solidFill>
+              <a:prstDash val="solid"/>
+              <a:round/>
+            </a:ln>
+          </p:spPr>
+          <p:txBody>
+            <a:bodyPr/>
+            <a:lstStyle/>
+            <a:p>
+              <a:endParaRPr/>
+            </a:p>
+          </p:txBody>
+        </p:sp>
+        <p:sp>
+          <p:nvSpPr>
+            <p:cNvPr id="151" name="rc5">
+              <a:extLst>
+                <a:ext uri="{FF2B5EF4-FFF2-40B4-BE49-F238E27FC236}">
+                  <a16:creationId xmlns:a16="http://schemas.microsoft.com/office/drawing/2014/main" id="{4A8A9CE3-385D-D75B-9D41-C4744F423E7B}"/>
+                </a:ext>
+              </a:extLst>
+            </p:cNvPr>
+            <p:cNvSpPr/>
+            <p:nvPr/>
+          </p:nvSpPr>
+          <p:spPr>
+            <a:xfrm>
+              <a:off x="3539869" y="2957367"/>
+              <a:ext cx="1002182" cy="1002182"/>
+            </a:xfrm>
+            <a:prstGeom prst="rect">
+              <a:avLst/>
+            </a:prstGeom>
+            <a:solidFill>
+              <a:srgbClr val="FFFFFF">
+                <a:alpha val="100000"/>
+              </a:srgbClr>
+            </a:solidFill>
+            <a:ln w="9525" cap="rnd">
+              <a:solidFill>
+                <a:srgbClr val="FFFFFF">
+                  <a:alpha val="100000"/>
+                </a:srgbClr>
+              </a:solidFill>
+              <a:prstDash val="solid"/>
+              <a:round/>
+            </a:ln>
+          </p:spPr>
+          <p:txBody>
+            <a:bodyPr/>
+            <a:lstStyle/>
+            <a:p>
+              <a:endParaRPr/>
+            </a:p>
+          </p:txBody>
+        </p:sp>
+        <p:sp>
+          <p:nvSpPr>
+            <p:cNvPr id="152" name="rc6">
+              <a:extLst>
+                <a:ext uri="{FF2B5EF4-FFF2-40B4-BE49-F238E27FC236}">
+                  <a16:creationId xmlns:a16="http://schemas.microsoft.com/office/drawing/2014/main" id="{6CF27160-4663-602D-0753-32F785A2F1BF}"/>
+                </a:ext>
+              </a:extLst>
+            </p:cNvPr>
+            <p:cNvSpPr/>
+            <p:nvPr/>
+          </p:nvSpPr>
+          <p:spPr>
+            <a:xfrm>
+              <a:off x="3539869" y="3959550"/>
+              <a:ext cx="1002182" cy="1002182"/>
+            </a:xfrm>
+            <a:prstGeom prst="rect">
+              <a:avLst/>
+            </a:prstGeom>
+            <a:solidFill>
+              <a:srgbClr val="FFFFFF">
+                <a:alpha val="100000"/>
+              </a:srgbClr>
+            </a:solidFill>
+            <a:ln w="9525" cap="rnd">
+              <a:solidFill>
+                <a:srgbClr val="FFFFFF">
+                  <a:alpha val="100000"/>
+                </a:srgbClr>
+              </a:solidFill>
+              <a:prstDash val="solid"/>
+              <a:round/>
+            </a:ln>
+          </p:spPr>
+          <p:txBody>
+            <a:bodyPr/>
+            <a:lstStyle/>
+            <a:p>
+              <a:endParaRPr/>
+            </a:p>
+          </p:txBody>
+        </p:sp>
+        <p:sp>
+          <p:nvSpPr>
+            <p:cNvPr id="153" name="rc7">
+              <a:extLst>
+                <a:ext uri="{FF2B5EF4-FFF2-40B4-BE49-F238E27FC236}">
+                  <a16:creationId xmlns:a16="http://schemas.microsoft.com/office/drawing/2014/main" id="{F85D5EC1-86F4-0E9C-1CF5-A3E385D3D046}"/>
+                </a:ext>
+              </a:extLst>
+            </p:cNvPr>
+            <p:cNvSpPr/>
+            <p:nvPr/>
+          </p:nvSpPr>
+          <p:spPr>
+            <a:xfrm>
+              <a:off x="3539869" y="4961732"/>
+              <a:ext cx="1002182" cy="1002182"/>
+            </a:xfrm>
+            <a:prstGeom prst="rect">
+              <a:avLst/>
+            </a:prstGeom>
+            <a:solidFill>
+              <a:srgbClr val="FFFFFF">
+                <a:alpha val="100000"/>
+              </a:srgbClr>
+            </a:solidFill>
+            <a:ln w="9525" cap="rnd">
+              <a:solidFill>
+                <a:srgbClr val="FFFFFF">
+                  <a:alpha val="100000"/>
+                </a:srgbClr>
+              </a:solidFill>
+              <a:prstDash val="solid"/>
+              <a:round/>
+            </a:ln>
+          </p:spPr>
+          <p:txBody>
+            <a:bodyPr/>
+            <a:lstStyle/>
+            <a:p>
+              <a:endParaRPr/>
+            </a:p>
+          </p:txBody>
+        </p:sp>
+        <p:sp>
+          <p:nvSpPr>
+            <p:cNvPr id="154" name="rc8">
+              <a:extLst>
+                <a:ext uri="{FF2B5EF4-FFF2-40B4-BE49-F238E27FC236}">
+                  <a16:creationId xmlns:a16="http://schemas.microsoft.com/office/drawing/2014/main" id="{2B4E8365-2B81-40B0-9A07-A83DD422946A}"/>
+                </a:ext>
+              </a:extLst>
+            </p:cNvPr>
+            <p:cNvSpPr/>
+            <p:nvPr/>
+          </p:nvSpPr>
+          <p:spPr>
+            <a:xfrm>
+              <a:off x="4542052" y="2957367"/>
+              <a:ext cx="1002182" cy="1002182"/>
+            </a:xfrm>
+            <a:prstGeom prst="rect">
+              <a:avLst/>
+            </a:prstGeom>
+            <a:solidFill>
+              <a:srgbClr val="FFFFFF">
+                <a:alpha val="100000"/>
+              </a:srgbClr>
+            </a:solidFill>
+            <a:ln w="9525" cap="rnd">
+              <a:solidFill>
+                <a:srgbClr val="FFFFFF">
+                  <a:alpha val="100000"/>
+                </a:srgbClr>
+              </a:solidFill>
+              <a:prstDash val="solid"/>
+              <a:round/>
+            </a:ln>
+          </p:spPr>
+          <p:txBody>
+            <a:bodyPr/>
+            <a:lstStyle/>
+            <a:p>
+              <a:endParaRPr/>
+            </a:p>
+          </p:txBody>
+        </p:sp>
+        <p:sp>
+          <p:nvSpPr>
+            <p:cNvPr id="155" name="rc9">
+              <a:extLst>
+                <a:ext uri="{FF2B5EF4-FFF2-40B4-BE49-F238E27FC236}">
+                  <a16:creationId xmlns:a16="http://schemas.microsoft.com/office/drawing/2014/main" id="{55BE86B8-341A-3850-E35C-42E18A3D8128}"/>
+                </a:ext>
+              </a:extLst>
+            </p:cNvPr>
+            <p:cNvSpPr/>
+            <p:nvPr/>
+          </p:nvSpPr>
+          <p:spPr>
+            <a:xfrm>
+              <a:off x="4542052" y="3959550"/>
+              <a:ext cx="1002182" cy="1002182"/>
+            </a:xfrm>
+            <a:prstGeom prst="rect">
+              <a:avLst/>
+            </a:prstGeom>
+            <a:solidFill>
+              <a:srgbClr val="FFFFFF">
+                <a:alpha val="100000"/>
+              </a:srgbClr>
+            </a:solidFill>
+            <a:ln w="9525" cap="rnd">
+              <a:solidFill>
+                <a:srgbClr val="FFFFFF">
+                  <a:alpha val="100000"/>
+                </a:srgbClr>
+              </a:solidFill>
+              <a:prstDash val="solid"/>
+              <a:round/>
+            </a:ln>
+          </p:spPr>
+          <p:txBody>
+            <a:bodyPr/>
+            <a:lstStyle/>
+            <a:p>
+              <a:endParaRPr/>
+            </a:p>
+          </p:txBody>
+        </p:sp>
+        <p:sp>
+          <p:nvSpPr>
+            <p:cNvPr id="156" name="rc10">
+              <a:extLst>
+                <a:ext uri="{FF2B5EF4-FFF2-40B4-BE49-F238E27FC236}">
+                  <a16:creationId xmlns:a16="http://schemas.microsoft.com/office/drawing/2014/main" id="{527A271C-8CA5-D872-C30F-27003CD438E0}"/>
+                </a:ext>
+              </a:extLst>
+            </p:cNvPr>
+            <p:cNvSpPr/>
+            <p:nvPr/>
+          </p:nvSpPr>
+          <p:spPr>
+            <a:xfrm>
+              <a:off x="4542052" y="4961732"/>
+              <a:ext cx="1002182" cy="1002182"/>
+            </a:xfrm>
+            <a:prstGeom prst="rect">
+              <a:avLst/>
+            </a:prstGeom>
+            <a:solidFill>
+              <a:srgbClr val="FFFFFF">
+                <a:alpha val="100000"/>
+              </a:srgbClr>
+            </a:solidFill>
+            <a:ln w="9525" cap="rnd">
+              <a:solidFill>
+                <a:srgbClr val="FFFFFF">
+                  <a:alpha val="100000"/>
+                </a:srgbClr>
+              </a:solidFill>
+              <a:prstDash val="solid"/>
+              <a:round/>
+            </a:ln>
+          </p:spPr>
+          <p:txBody>
+            <a:bodyPr/>
+            <a:lstStyle/>
+            <a:p>
+              <a:endParaRPr/>
+            </a:p>
+          </p:txBody>
+        </p:sp>
+        <p:sp>
+          <p:nvSpPr>
+            <p:cNvPr id="157" name="rc11">
+              <a:extLst>
+                <a:ext uri="{FF2B5EF4-FFF2-40B4-BE49-F238E27FC236}">
+                  <a16:creationId xmlns:a16="http://schemas.microsoft.com/office/drawing/2014/main" id="{D5EEE9EE-D113-DC9F-DA15-377DF00E83F2}"/>
+                </a:ext>
+              </a:extLst>
+            </p:cNvPr>
+            <p:cNvSpPr/>
+            <p:nvPr/>
+          </p:nvSpPr>
+          <p:spPr>
+            <a:xfrm>
+              <a:off x="5544234" y="3959550"/>
+              <a:ext cx="1002182" cy="1002182"/>
+            </a:xfrm>
+            <a:prstGeom prst="rect">
+              <a:avLst/>
+            </a:prstGeom>
+            <a:solidFill>
+              <a:srgbClr val="FFFFFF">
+                <a:alpha val="100000"/>
+              </a:srgbClr>
+            </a:solidFill>
+            <a:ln w="9525" cap="rnd">
+              <a:solidFill>
+                <a:srgbClr val="FFFFFF">
+                  <a:alpha val="100000"/>
+                </a:srgbClr>
+              </a:solidFill>
+              <a:prstDash val="solid"/>
+              <a:round/>
+            </a:ln>
+          </p:spPr>
+          <p:txBody>
+            <a:bodyPr/>
+            <a:lstStyle/>
+            <a:p>
+              <a:endParaRPr/>
+            </a:p>
+          </p:txBody>
+        </p:sp>
+        <p:sp>
+          <p:nvSpPr>
+            <p:cNvPr id="158" name="rc12">
+              <a:extLst>
+                <a:ext uri="{FF2B5EF4-FFF2-40B4-BE49-F238E27FC236}">
+                  <a16:creationId xmlns:a16="http://schemas.microsoft.com/office/drawing/2014/main" id="{3D957287-1304-8ADB-9929-E0F6587A409B}"/>
+                </a:ext>
+              </a:extLst>
+            </p:cNvPr>
+            <p:cNvSpPr/>
+            <p:nvPr/>
+          </p:nvSpPr>
+          <p:spPr>
+            <a:xfrm>
+              <a:off x="5544234" y="4961732"/>
+              <a:ext cx="1002182" cy="1002182"/>
+            </a:xfrm>
+            <a:prstGeom prst="rect">
+              <a:avLst/>
+            </a:prstGeom>
+            <a:solidFill>
+              <a:srgbClr val="FFFFFF">
+                <a:alpha val="100000"/>
+              </a:srgbClr>
+            </a:solidFill>
+            <a:ln w="9525" cap="rnd">
+              <a:solidFill>
+                <a:srgbClr val="FFFFFF">
+                  <a:alpha val="100000"/>
+                </a:srgbClr>
+              </a:solidFill>
+              <a:prstDash val="solid"/>
+              <a:round/>
+            </a:ln>
+          </p:spPr>
+          <p:txBody>
+            <a:bodyPr/>
+            <a:lstStyle/>
+            <a:p>
+              <a:endParaRPr/>
+            </a:p>
+          </p:txBody>
+        </p:sp>
+        <p:sp>
+          <p:nvSpPr>
+            <p:cNvPr id="159" name="rc13">
+              <a:extLst>
+                <a:ext uri="{FF2B5EF4-FFF2-40B4-BE49-F238E27FC236}">
+                  <a16:creationId xmlns:a16="http://schemas.microsoft.com/office/drawing/2014/main" id="{AB1CCBCC-DB68-0050-1F40-6969DE60F3C1}"/>
+                </a:ext>
+              </a:extLst>
+            </p:cNvPr>
+            <p:cNvSpPr/>
+            <p:nvPr/>
+          </p:nvSpPr>
+          <p:spPr>
+            <a:xfrm>
+              <a:off x="6546417" y="4961732"/>
+              <a:ext cx="1002182" cy="1002182"/>
+            </a:xfrm>
+            <a:prstGeom prst="rect">
+              <a:avLst/>
+            </a:prstGeom>
+            <a:solidFill>
+              <a:srgbClr val="FFFFFF">
+                <a:alpha val="100000"/>
+              </a:srgbClr>
+            </a:solidFill>
+            <a:ln w="9525" cap="rnd">
+              <a:solidFill>
+                <a:srgbClr val="FFFFFF">
+                  <a:alpha val="100000"/>
+                </a:srgbClr>
+              </a:solidFill>
+              <a:prstDash val="solid"/>
+              <a:round/>
+            </a:ln>
+          </p:spPr>
+          <p:txBody>
+            <a:bodyPr/>
+            <a:lstStyle/>
+            <a:p>
+              <a:endParaRPr/>
+            </a:p>
+          </p:txBody>
+        </p:sp>
+        <p:sp>
+          <p:nvSpPr>
+            <p:cNvPr id="160" name="pt14">
+              <a:extLst>
+                <a:ext uri="{FF2B5EF4-FFF2-40B4-BE49-F238E27FC236}">
+                  <a16:creationId xmlns:a16="http://schemas.microsoft.com/office/drawing/2014/main" id="{9AAFD478-9E52-BC72-D043-7FD0F49FD8BF}"/>
+                </a:ext>
+              </a:extLst>
+            </p:cNvPr>
+            <p:cNvSpPr/>
+            <p:nvPr/>
+          </p:nvSpPr>
+          <p:spPr>
+            <a:xfrm>
+              <a:off x="3685801" y="2101117"/>
+              <a:ext cx="710317" cy="710317"/>
+            </a:xfrm>
+            <a:prstGeom prst="ellipse">
+              <a:avLst/>
+            </a:prstGeom>
+            <a:solidFill>
+              <a:srgbClr val="B51F2E">
+                <a:alpha val="100000"/>
+              </a:srgbClr>
+            </a:solidFill>
+            <a:ln w="9525" cap="rnd">
+              <a:solidFill>
+                <a:srgbClr val="B51F2E">
+                  <a:alpha val="100000"/>
+                </a:srgbClr>
+              </a:solidFill>
+              <a:prstDash val="solid"/>
+              <a:round/>
+            </a:ln>
+          </p:spPr>
+          <p:txBody>
+            <a:bodyPr/>
+            <a:lstStyle/>
+            <a:p>
+              <a:endParaRPr/>
+            </a:p>
+          </p:txBody>
+        </p:sp>
+        <p:sp>
+          <p:nvSpPr>
+            <p:cNvPr id="161" name="pt15">
+              <a:extLst>
+                <a:ext uri="{FF2B5EF4-FFF2-40B4-BE49-F238E27FC236}">
+                  <a16:creationId xmlns:a16="http://schemas.microsoft.com/office/drawing/2014/main" id="{9658942A-1C5F-7C36-8C1B-631C8515EFA0}"/>
+                </a:ext>
+              </a:extLst>
+            </p:cNvPr>
+            <p:cNvSpPr/>
+            <p:nvPr/>
+          </p:nvSpPr>
+          <p:spPr>
+            <a:xfrm>
+              <a:off x="3806433" y="3223931"/>
+              <a:ext cx="469055" cy="469055"/>
+            </a:xfrm>
+            <a:prstGeom prst="ellipse">
+              <a:avLst/>
+            </a:prstGeom>
+            <a:solidFill>
+              <a:srgbClr val="A7CFE4">
+                <a:alpha val="100000"/>
+              </a:srgbClr>
+            </a:solidFill>
+            <a:ln w="9525" cap="rnd">
+              <a:solidFill>
+                <a:srgbClr val="A7CFE4">
+                  <a:alpha val="100000"/>
+                </a:srgbClr>
+              </a:solidFill>
+              <a:prstDash val="solid"/>
+              <a:round/>
+            </a:ln>
+          </p:spPr>
+          <p:txBody>
+            <a:bodyPr/>
+            <a:lstStyle/>
+            <a:p>
+              <a:endParaRPr/>
+            </a:p>
+          </p:txBody>
+        </p:sp>
+        <p:sp>
+          <p:nvSpPr>
+            <p:cNvPr id="162" name="pt16">
+              <a:extLst>
+                <a:ext uri="{FF2B5EF4-FFF2-40B4-BE49-F238E27FC236}">
+                  <a16:creationId xmlns:a16="http://schemas.microsoft.com/office/drawing/2014/main" id="{E72D7E79-E4D1-1C75-891B-DC6F7507E2EC}"/>
+                </a:ext>
+              </a:extLst>
+            </p:cNvPr>
+            <p:cNvSpPr/>
+            <p:nvPr/>
+          </p:nvSpPr>
+          <p:spPr>
+            <a:xfrm>
+              <a:off x="3795251" y="4214932"/>
+              <a:ext cx="491417" cy="491417"/>
+            </a:xfrm>
+            <a:prstGeom prst="ellipse">
+              <a:avLst/>
+            </a:prstGeom>
+            <a:solidFill>
+              <a:srgbClr val="F7B698">
+                <a:alpha val="100000"/>
+              </a:srgbClr>
+            </a:solidFill>
+            <a:ln w="9525" cap="rnd">
+              <a:solidFill>
+                <a:srgbClr val="F7B698">
+                  <a:alpha val="100000"/>
+                </a:srgbClr>
+              </a:solidFill>
+              <a:prstDash val="solid"/>
+              <a:round/>
+            </a:ln>
+          </p:spPr>
+          <p:txBody>
+            <a:bodyPr/>
+            <a:lstStyle/>
+            <a:p>
+              <a:endParaRPr/>
+            </a:p>
+          </p:txBody>
+        </p:sp>
+        <p:sp>
+          <p:nvSpPr>
+            <p:cNvPr id="163" name="pt17">
+              <a:extLst>
+                <a:ext uri="{FF2B5EF4-FFF2-40B4-BE49-F238E27FC236}">
+                  <a16:creationId xmlns:a16="http://schemas.microsoft.com/office/drawing/2014/main" id="{F0FE6503-A69D-95CB-35DC-A87BC111BBD2}"/>
+                </a:ext>
+              </a:extLst>
+            </p:cNvPr>
+            <p:cNvSpPr/>
+            <p:nvPr/>
+          </p:nvSpPr>
+          <p:spPr>
+            <a:xfrm>
+              <a:off x="3897575" y="5319438"/>
+              <a:ext cx="286770" cy="286770"/>
+            </a:xfrm>
+            <a:prstGeom prst="ellipse">
+              <a:avLst/>
+            </a:prstGeom>
+            <a:solidFill>
+              <a:srgbClr val="FDEBDF">
+                <a:alpha val="100000"/>
+              </a:srgbClr>
+            </a:solidFill>
+            <a:ln w="9525" cap="rnd">
+              <a:solidFill>
+                <a:srgbClr val="FDEBDF">
+                  <a:alpha val="100000"/>
+                </a:srgbClr>
+              </a:solidFill>
+              <a:prstDash val="solid"/>
+              <a:round/>
+            </a:ln>
+          </p:spPr>
+          <p:txBody>
+            <a:bodyPr/>
+            <a:lstStyle/>
+            <a:p>
+              <a:endParaRPr/>
+            </a:p>
+          </p:txBody>
+        </p:sp>
+        <p:sp>
+          <p:nvSpPr>
+            <p:cNvPr id="164" name="pt18">
+              <a:extLst>
+                <a:ext uri="{FF2B5EF4-FFF2-40B4-BE49-F238E27FC236}">
+                  <a16:creationId xmlns:a16="http://schemas.microsoft.com/office/drawing/2014/main" id="{72D00C83-EA7C-269C-811B-845239279C00}"/>
+                </a:ext>
+              </a:extLst>
+            </p:cNvPr>
+            <p:cNvSpPr/>
+            <p:nvPr/>
+          </p:nvSpPr>
+          <p:spPr>
+            <a:xfrm>
+              <a:off x="4988066" y="3403382"/>
+              <a:ext cx="110152" cy="110152"/>
+            </a:xfrm>
+            <a:prstGeom prst="ellipse">
+              <a:avLst/>
+            </a:prstGeom>
+            <a:solidFill>
+              <a:srgbClr val="FDEBDF">
+                <a:alpha val="100000"/>
+              </a:srgbClr>
+            </a:solidFill>
+            <a:ln w="9525" cap="rnd">
+              <a:solidFill>
+                <a:srgbClr val="FDEBDF">
+                  <a:alpha val="100000"/>
+                </a:srgbClr>
+              </a:solidFill>
+              <a:prstDash val="solid"/>
+              <a:round/>
+            </a:ln>
+          </p:spPr>
+          <p:txBody>
+            <a:bodyPr/>
+            <a:lstStyle/>
+            <a:p>
+              <a:endParaRPr/>
+            </a:p>
+          </p:txBody>
+        </p:sp>
+        <p:sp>
+          <p:nvSpPr>
+            <p:cNvPr id="165" name="pt19">
+              <a:extLst>
+                <a:ext uri="{FF2B5EF4-FFF2-40B4-BE49-F238E27FC236}">
+                  <a16:creationId xmlns:a16="http://schemas.microsoft.com/office/drawing/2014/main" id="{D14B327D-9EAC-C1C4-3D93-44289086DA31}"/>
+                </a:ext>
+              </a:extLst>
+            </p:cNvPr>
+            <p:cNvSpPr/>
+            <p:nvPr/>
+          </p:nvSpPr>
+          <p:spPr>
+            <a:xfrm>
+              <a:off x="4810087" y="4227585"/>
+              <a:ext cx="466111" cy="466111"/>
+            </a:xfrm>
+            <a:prstGeom prst="ellipse">
+              <a:avLst/>
+            </a:prstGeom>
+            <a:solidFill>
+              <a:srgbClr val="A7CFE4">
+                <a:alpha val="100000"/>
+              </a:srgbClr>
+            </a:solidFill>
+            <a:ln w="9525" cap="rnd">
+              <a:solidFill>
+                <a:srgbClr val="A7CFE4">
+                  <a:alpha val="100000"/>
+                </a:srgbClr>
+              </a:solidFill>
+              <a:prstDash val="solid"/>
+              <a:round/>
+            </a:ln>
+          </p:spPr>
+          <p:txBody>
+            <a:bodyPr/>
+            <a:lstStyle/>
+            <a:p>
+              <a:endParaRPr/>
+            </a:p>
+          </p:txBody>
+        </p:sp>
+        <p:sp>
+          <p:nvSpPr>
+            <p:cNvPr id="166" name="pt20">
+              <a:extLst>
+                <a:ext uri="{FF2B5EF4-FFF2-40B4-BE49-F238E27FC236}">
+                  <a16:creationId xmlns:a16="http://schemas.microsoft.com/office/drawing/2014/main" id="{5B2AB273-75EA-7736-AD4D-6786317CDCA0}"/>
+                </a:ext>
+              </a:extLst>
+            </p:cNvPr>
+            <p:cNvSpPr/>
+            <p:nvPr/>
+          </p:nvSpPr>
+          <p:spPr>
+            <a:xfrm>
+              <a:off x="4852860" y="5272541"/>
+              <a:ext cx="380564" cy="380564"/>
+            </a:xfrm>
+            <a:prstGeom prst="ellipse">
+              <a:avLst/>
+            </a:prstGeom>
+            <a:solidFill>
+              <a:srgbClr val="FDEBDF">
+                <a:alpha val="100000"/>
+              </a:srgbClr>
+            </a:solidFill>
+            <a:ln w="9525" cap="rnd">
+              <a:solidFill>
+                <a:srgbClr val="FDEBDF">
+                  <a:alpha val="100000"/>
+                </a:srgbClr>
+              </a:solidFill>
+              <a:prstDash val="solid"/>
+              <a:round/>
+            </a:ln>
+          </p:spPr>
+          <p:txBody>
+            <a:bodyPr/>
+            <a:lstStyle/>
+            <a:p>
+              <a:endParaRPr/>
+            </a:p>
+          </p:txBody>
+        </p:sp>
+        <p:sp>
+          <p:nvSpPr>
+            <p:cNvPr id="167" name="pt21">
+              <a:extLst>
+                <a:ext uri="{FF2B5EF4-FFF2-40B4-BE49-F238E27FC236}">
+                  <a16:creationId xmlns:a16="http://schemas.microsoft.com/office/drawing/2014/main" id="{0F3EFB1C-042F-B188-96C7-FEC830A1FDDE}"/>
+                </a:ext>
+              </a:extLst>
+            </p:cNvPr>
+            <p:cNvSpPr/>
+            <p:nvPr/>
+          </p:nvSpPr>
+          <p:spPr>
+            <a:xfrm>
+              <a:off x="5738088" y="4153404"/>
+              <a:ext cx="614474" cy="614474"/>
+            </a:xfrm>
+            <a:prstGeom prst="ellipse">
+              <a:avLst/>
+            </a:prstGeom>
+            <a:solidFill>
+              <a:srgbClr val="DC6F58">
+                <a:alpha val="100000"/>
+              </a:srgbClr>
+            </a:solidFill>
+            <a:ln w="9525" cap="rnd">
+              <a:solidFill>
+                <a:srgbClr val="DC6F58">
+                  <a:alpha val="100000"/>
+                </a:srgbClr>
+              </a:solidFill>
+              <a:prstDash val="solid"/>
+              <a:round/>
+            </a:ln>
+          </p:spPr>
+          <p:txBody>
+            <a:bodyPr/>
+            <a:lstStyle/>
+            <a:p>
+              <a:endParaRPr/>
+            </a:p>
+          </p:txBody>
+        </p:sp>
+        <p:sp>
+          <p:nvSpPr>
+            <p:cNvPr id="168" name="pt22">
+              <a:extLst>
+                <a:ext uri="{FF2B5EF4-FFF2-40B4-BE49-F238E27FC236}">
+                  <a16:creationId xmlns:a16="http://schemas.microsoft.com/office/drawing/2014/main" id="{32B38FF5-E163-957C-742B-5C3281365015}"/>
+                </a:ext>
+              </a:extLst>
+            </p:cNvPr>
+            <p:cNvSpPr/>
+            <p:nvPr/>
+          </p:nvSpPr>
+          <p:spPr>
+            <a:xfrm>
+              <a:off x="5743675" y="5161173"/>
+              <a:ext cx="603300" cy="603300"/>
+            </a:xfrm>
+            <a:prstGeom prst="ellipse">
+              <a:avLst/>
+            </a:prstGeom>
+            <a:solidFill>
+              <a:srgbClr val="DC6F58">
+                <a:alpha val="100000"/>
+              </a:srgbClr>
+            </a:solidFill>
+            <a:ln w="9525" cap="rnd">
+              <a:solidFill>
+                <a:srgbClr val="DC6F58">
+                  <a:alpha val="100000"/>
+                </a:srgbClr>
+              </a:solidFill>
+              <a:prstDash val="solid"/>
+              <a:round/>
+            </a:ln>
+          </p:spPr>
+          <p:txBody>
+            <a:bodyPr/>
+            <a:lstStyle/>
+            <a:p>
+              <a:endParaRPr/>
+            </a:p>
+          </p:txBody>
+        </p:sp>
+        <p:sp>
+          <p:nvSpPr>
+            <p:cNvPr id="169" name="pt23">
+              <a:extLst>
+                <a:ext uri="{FF2B5EF4-FFF2-40B4-BE49-F238E27FC236}">
+                  <a16:creationId xmlns:a16="http://schemas.microsoft.com/office/drawing/2014/main" id="{4F609DA2-5053-E9AF-89C2-137A5CF4CB13}"/>
+                </a:ext>
+              </a:extLst>
+            </p:cNvPr>
+            <p:cNvSpPr/>
+            <p:nvPr/>
+          </p:nvSpPr>
+          <p:spPr>
+            <a:xfrm>
+              <a:off x="6775592" y="5190908"/>
+              <a:ext cx="543831" cy="543831"/>
+            </a:xfrm>
+            <a:prstGeom prst="ellipse">
+              <a:avLst/>
+            </a:prstGeom>
+            <a:solidFill>
+              <a:srgbClr val="A7CFE4">
+                <a:alpha val="100000"/>
+              </a:srgbClr>
+            </a:solidFill>
+            <a:ln w="9525" cap="rnd">
+              <a:solidFill>
+                <a:srgbClr val="A7CFE4">
+                  <a:alpha val="100000"/>
+                </a:srgbClr>
+              </a:solidFill>
+              <a:prstDash val="solid"/>
+              <a:round/>
+            </a:ln>
+          </p:spPr>
+          <p:txBody>
+            <a:bodyPr/>
+            <a:lstStyle/>
+            <a:p>
+              <a:endParaRPr/>
+            </a:p>
+          </p:txBody>
+        </p:sp>
+        <p:sp>
+          <p:nvSpPr>
+            <p:cNvPr id="170" name="rc24">
+              <a:extLst>
+                <a:ext uri="{FF2B5EF4-FFF2-40B4-BE49-F238E27FC236}">
+                  <a16:creationId xmlns:a16="http://schemas.microsoft.com/office/drawing/2014/main" id="{0C9D1F47-61A1-6AC0-FA5B-C841C00EB65F}"/>
+                </a:ext>
+              </a:extLst>
+            </p:cNvPr>
+            <p:cNvSpPr/>
+            <p:nvPr/>
+          </p:nvSpPr>
+          <p:spPr>
+            <a:xfrm>
+              <a:off x="3539869" y="1955185"/>
+              <a:ext cx="1002182" cy="1002182"/>
+            </a:xfrm>
+            <a:prstGeom prst="rect">
+              <a:avLst/>
+            </a:prstGeom>
+            <a:ln w="9525" cap="rnd">
+              <a:solidFill>
+                <a:srgbClr val="BEBEBE">
+                  <a:alpha val="100000"/>
+                </a:srgbClr>
+              </a:solidFill>
+              <a:prstDash val="solid"/>
+              <a:round/>
+            </a:ln>
+          </p:spPr>
+          <p:txBody>
+            <a:bodyPr/>
+            <a:lstStyle/>
+            <a:p>
+              <a:endParaRPr/>
+            </a:p>
+          </p:txBody>
+        </p:sp>
+        <p:sp>
+          <p:nvSpPr>
+            <p:cNvPr id="171" name="rc25">
+              <a:extLst>
+                <a:ext uri="{FF2B5EF4-FFF2-40B4-BE49-F238E27FC236}">
+                  <a16:creationId xmlns:a16="http://schemas.microsoft.com/office/drawing/2014/main" id="{8294391B-2425-0801-4F24-FED5542B2E80}"/>
+                </a:ext>
+              </a:extLst>
+            </p:cNvPr>
+            <p:cNvSpPr/>
+            <p:nvPr/>
+          </p:nvSpPr>
+          <p:spPr>
+            <a:xfrm>
+              <a:off x="3539869" y="2957367"/>
+              <a:ext cx="1002182" cy="1002182"/>
+            </a:xfrm>
+            <a:prstGeom prst="rect">
+              <a:avLst/>
+            </a:prstGeom>
+            <a:ln w="9525" cap="rnd">
+              <a:solidFill>
+                <a:srgbClr val="BEBEBE">
+                  <a:alpha val="100000"/>
+                </a:srgbClr>
+              </a:solidFill>
+              <a:prstDash val="solid"/>
+              <a:round/>
+            </a:ln>
+          </p:spPr>
+          <p:txBody>
+            <a:bodyPr/>
+            <a:lstStyle/>
+            <a:p>
+              <a:endParaRPr/>
+            </a:p>
+          </p:txBody>
+        </p:sp>
+        <p:sp>
+          <p:nvSpPr>
+            <p:cNvPr id="172" name="rc26">
+              <a:extLst>
+                <a:ext uri="{FF2B5EF4-FFF2-40B4-BE49-F238E27FC236}">
+                  <a16:creationId xmlns:a16="http://schemas.microsoft.com/office/drawing/2014/main" id="{A9B66897-28D9-0918-E42F-77EAD4C8A412}"/>
+                </a:ext>
+              </a:extLst>
+            </p:cNvPr>
+            <p:cNvSpPr/>
+            <p:nvPr/>
+          </p:nvSpPr>
+          <p:spPr>
+            <a:xfrm>
+              <a:off x="3539869" y="3959550"/>
+              <a:ext cx="1002182" cy="1002182"/>
+            </a:xfrm>
+            <a:prstGeom prst="rect">
+              <a:avLst/>
+            </a:prstGeom>
+            <a:ln w="9525" cap="rnd">
+              <a:solidFill>
+                <a:srgbClr val="BEBEBE">
+                  <a:alpha val="100000"/>
+                </a:srgbClr>
+              </a:solidFill>
+              <a:prstDash val="solid"/>
+              <a:round/>
+            </a:ln>
+          </p:spPr>
+          <p:txBody>
+            <a:bodyPr/>
+            <a:lstStyle/>
+            <a:p>
+              <a:endParaRPr/>
+            </a:p>
+          </p:txBody>
+        </p:sp>
+        <p:sp>
+          <p:nvSpPr>
+            <p:cNvPr id="173" name="rc27">
+              <a:extLst>
+                <a:ext uri="{FF2B5EF4-FFF2-40B4-BE49-F238E27FC236}">
+                  <a16:creationId xmlns:a16="http://schemas.microsoft.com/office/drawing/2014/main" id="{62BCB153-EB4A-A688-7E2C-D1178F51E466}"/>
+                </a:ext>
+              </a:extLst>
+            </p:cNvPr>
+            <p:cNvSpPr/>
+            <p:nvPr/>
+          </p:nvSpPr>
+          <p:spPr>
+            <a:xfrm>
+              <a:off x="3539869" y="4961732"/>
+              <a:ext cx="1002182" cy="1002182"/>
+            </a:xfrm>
+            <a:prstGeom prst="rect">
+              <a:avLst/>
+            </a:prstGeom>
+            <a:ln w="9525" cap="rnd">
+              <a:solidFill>
+                <a:srgbClr val="BEBEBE">
+                  <a:alpha val="100000"/>
+                </a:srgbClr>
+              </a:solidFill>
+              <a:prstDash val="solid"/>
+              <a:round/>
+            </a:ln>
+          </p:spPr>
+          <p:txBody>
+            <a:bodyPr/>
+            <a:lstStyle/>
+            <a:p>
+              <a:endParaRPr/>
+            </a:p>
+          </p:txBody>
+        </p:sp>
+        <p:sp>
+          <p:nvSpPr>
+            <p:cNvPr id="174" name="rc28">
+              <a:extLst>
+                <a:ext uri="{FF2B5EF4-FFF2-40B4-BE49-F238E27FC236}">
+                  <a16:creationId xmlns:a16="http://schemas.microsoft.com/office/drawing/2014/main" id="{36A0B099-6BBF-30BB-2212-0C930685D447}"/>
+                </a:ext>
+              </a:extLst>
+            </p:cNvPr>
+            <p:cNvSpPr/>
+            <p:nvPr/>
+          </p:nvSpPr>
+          <p:spPr>
+            <a:xfrm>
+              <a:off x="4542052" y="2957367"/>
+              <a:ext cx="1002182" cy="1002182"/>
+            </a:xfrm>
+            <a:prstGeom prst="rect">
+              <a:avLst/>
+            </a:prstGeom>
+            <a:ln w="9525" cap="rnd">
+              <a:solidFill>
+                <a:srgbClr val="BEBEBE">
+                  <a:alpha val="100000"/>
+                </a:srgbClr>
+              </a:solidFill>
+              <a:prstDash val="solid"/>
+              <a:round/>
+            </a:ln>
+          </p:spPr>
+          <p:txBody>
+            <a:bodyPr/>
+            <a:lstStyle/>
+            <a:p>
+              <a:endParaRPr/>
+            </a:p>
+          </p:txBody>
+        </p:sp>
+        <p:sp>
+          <p:nvSpPr>
+            <p:cNvPr id="175" name="rc29">
+              <a:extLst>
+                <a:ext uri="{FF2B5EF4-FFF2-40B4-BE49-F238E27FC236}">
+                  <a16:creationId xmlns:a16="http://schemas.microsoft.com/office/drawing/2014/main" id="{199C2398-C471-D58F-7139-5943267155B2}"/>
+                </a:ext>
+              </a:extLst>
+            </p:cNvPr>
+            <p:cNvSpPr/>
+            <p:nvPr/>
+          </p:nvSpPr>
+          <p:spPr>
+            <a:xfrm>
+              <a:off x="4542052" y="3959550"/>
+              <a:ext cx="1002182" cy="1002182"/>
+            </a:xfrm>
+            <a:prstGeom prst="rect">
+              <a:avLst/>
+            </a:prstGeom>
+            <a:ln w="9525" cap="rnd">
+              <a:solidFill>
+                <a:srgbClr val="BEBEBE">
+                  <a:alpha val="100000"/>
+                </a:srgbClr>
+              </a:solidFill>
+              <a:prstDash val="solid"/>
+              <a:round/>
+            </a:ln>
+          </p:spPr>
+          <p:txBody>
+            <a:bodyPr/>
+            <a:lstStyle/>
+            <a:p>
+              <a:endParaRPr/>
+            </a:p>
+          </p:txBody>
+        </p:sp>
+        <p:sp>
+          <p:nvSpPr>
+            <p:cNvPr id="176" name="rc30">
+              <a:extLst>
+                <a:ext uri="{FF2B5EF4-FFF2-40B4-BE49-F238E27FC236}">
+                  <a16:creationId xmlns:a16="http://schemas.microsoft.com/office/drawing/2014/main" id="{A2B3D72F-8AAC-23C8-0496-AFC674DCEE81}"/>
+                </a:ext>
+              </a:extLst>
+            </p:cNvPr>
+            <p:cNvSpPr/>
+            <p:nvPr/>
+          </p:nvSpPr>
+          <p:spPr>
+            <a:xfrm>
+              <a:off x="4542052" y="4961732"/>
+              <a:ext cx="1002182" cy="1002182"/>
+            </a:xfrm>
+            <a:prstGeom prst="rect">
+              <a:avLst/>
+            </a:prstGeom>
+            <a:ln w="9525" cap="rnd">
+              <a:solidFill>
+                <a:srgbClr val="BEBEBE">
+                  <a:alpha val="100000"/>
+                </a:srgbClr>
+              </a:solidFill>
+              <a:prstDash val="solid"/>
+              <a:round/>
+            </a:ln>
+          </p:spPr>
+          <p:txBody>
+            <a:bodyPr/>
+            <a:lstStyle/>
+            <a:p>
+              <a:endParaRPr/>
+            </a:p>
+          </p:txBody>
+        </p:sp>
+        <p:sp>
+          <p:nvSpPr>
+            <p:cNvPr id="177" name="rc31">
+              <a:extLst>
+                <a:ext uri="{FF2B5EF4-FFF2-40B4-BE49-F238E27FC236}">
+                  <a16:creationId xmlns:a16="http://schemas.microsoft.com/office/drawing/2014/main" id="{0EE9D1C3-9970-5BB3-DE1D-CBD0FC9B68B5}"/>
+                </a:ext>
+              </a:extLst>
+            </p:cNvPr>
+            <p:cNvSpPr/>
+            <p:nvPr/>
+          </p:nvSpPr>
+          <p:spPr>
+            <a:xfrm>
+              <a:off x="5544234" y="3959550"/>
+              <a:ext cx="1002182" cy="1002182"/>
+            </a:xfrm>
+            <a:prstGeom prst="rect">
+              <a:avLst/>
+            </a:prstGeom>
+            <a:ln w="9525" cap="rnd">
+              <a:solidFill>
+                <a:srgbClr val="BEBEBE">
+                  <a:alpha val="100000"/>
+                </a:srgbClr>
+              </a:solidFill>
+              <a:prstDash val="solid"/>
+              <a:round/>
+            </a:ln>
+          </p:spPr>
+          <p:txBody>
+            <a:bodyPr/>
+            <a:lstStyle/>
+            <a:p>
+              <a:endParaRPr/>
+            </a:p>
+          </p:txBody>
+        </p:sp>
+        <p:sp>
+          <p:nvSpPr>
+            <p:cNvPr id="178" name="rc32">
+              <a:extLst>
+                <a:ext uri="{FF2B5EF4-FFF2-40B4-BE49-F238E27FC236}">
+                  <a16:creationId xmlns:a16="http://schemas.microsoft.com/office/drawing/2014/main" id="{213EA5B8-BAEF-65AF-471B-416D3FC0916A}"/>
+                </a:ext>
+              </a:extLst>
+            </p:cNvPr>
+            <p:cNvSpPr/>
+            <p:nvPr/>
+          </p:nvSpPr>
+          <p:spPr>
+            <a:xfrm>
+              <a:off x="5544234" y="4961732"/>
+              <a:ext cx="1002182" cy="1002182"/>
+            </a:xfrm>
+            <a:prstGeom prst="rect">
+              <a:avLst/>
+            </a:prstGeom>
+            <a:ln w="9525" cap="rnd">
+              <a:solidFill>
+                <a:srgbClr val="BEBEBE">
+                  <a:alpha val="100000"/>
+                </a:srgbClr>
+              </a:solidFill>
+              <a:prstDash val="solid"/>
+              <a:round/>
+            </a:ln>
+          </p:spPr>
+          <p:txBody>
+            <a:bodyPr/>
+            <a:lstStyle/>
+            <a:p>
+              <a:endParaRPr/>
+            </a:p>
+          </p:txBody>
+        </p:sp>
+        <p:sp>
+          <p:nvSpPr>
+            <p:cNvPr id="179" name="rc33">
+              <a:extLst>
+                <a:ext uri="{FF2B5EF4-FFF2-40B4-BE49-F238E27FC236}">
+                  <a16:creationId xmlns:a16="http://schemas.microsoft.com/office/drawing/2014/main" id="{F9C1C553-A443-48A7-95C7-B1ACC186348E}"/>
+                </a:ext>
+              </a:extLst>
+            </p:cNvPr>
+            <p:cNvSpPr/>
+            <p:nvPr/>
+          </p:nvSpPr>
+          <p:spPr>
+            <a:xfrm>
+              <a:off x="6546417" y="4961732"/>
+              <a:ext cx="1002182" cy="1002182"/>
+            </a:xfrm>
+            <a:prstGeom prst="rect">
+              <a:avLst/>
+            </a:prstGeom>
+            <a:ln w="9525" cap="rnd">
+              <a:solidFill>
+                <a:srgbClr val="BEBEBE">
+                  <a:alpha val="100000"/>
+                </a:srgbClr>
+              </a:solidFill>
+              <a:prstDash val="solid"/>
+              <a:round/>
+            </a:ln>
+          </p:spPr>
+          <p:txBody>
+            <a:bodyPr/>
+            <a:lstStyle/>
+            <a:p>
+              <a:endParaRPr/>
+            </a:p>
+          </p:txBody>
+        </p:sp>
+        <p:sp>
+          <p:nvSpPr>
+            <p:cNvPr id="180" name="tx34">
+              <a:extLst>
+                <a:ext uri="{FF2B5EF4-FFF2-40B4-BE49-F238E27FC236}">
+                  <a16:creationId xmlns:a16="http://schemas.microsoft.com/office/drawing/2014/main" id="{FCB03BB0-A50C-28B7-113E-516A3F1A9C70}"/>
+                </a:ext>
+              </a:extLst>
+            </p:cNvPr>
+            <p:cNvSpPr/>
+            <p:nvPr/>
+          </p:nvSpPr>
+          <p:spPr>
+            <a:xfrm>
+              <a:off x="3780437" y="2369937"/>
+              <a:ext cx="521047" cy="167096"/>
+            </a:xfrm>
+            <a:prstGeom prst="rect">
+              <a:avLst/>
+            </a:prstGeom>
+            <a:noFill/>
+          </p:spPr>
+          <p:txBody>
+            <a:bodyPr wrap="none" lIns="0" tIns="0" rIns="0" bIns="0" anchor="ctr" anchorCtr="1"/>
+            <a:lstStyle/>
+            <a:p>
+              <a:pPr marL="0" marR="0" indent="0" algn="ctr">
+                <a:lnSpc>
+                  <a:spcPts val="1800"/>
+                </a:lnSpc>
+                <a:spcBef>
+                  <a:spcPts val="0"/>
+                </a:spcBef>
+                <a:spcAft>
+                  <a:spcPts val="0"/>
+                </a:spcAft>
+              </a:pPr>
+              <a:r>
+                <a:rPr sz="1300" b="1" dirty="0">
+                  <a:solidFill>
+                    <a:srgbClr val="000000">
+                      <a:alpha val="100000"/>
+                    </a:srgbClr>
+                  </a:solidFill>
+                  <a:latin typeface="Arial"/>
+                  <a:cs typeface="Arial"/>
+                </a:rPr>
+                <a:t>-0.62</a:t>
+              </a:r>
+              <a:endParaRPr lang="en-US" sz="1300" b="1" dirty="0">
+                <a:solidFill>
+                  <a:srgbClr val="000000">
+                    <a:alpha val="100000"/>
+                  </a:srgbClr>
+                </a:solidFill>
+                <a:latin typeface="Arial"/>
+                <a:cs typeface="Arial"/>
+              </a:endParaRPr>
+            </a:p>
+            <a:p>
+              <a:pPr marL="0" marR="0" indent="0" algn="ctr">
+                <a:lnSpc>
+                  <a:spcPts val="1800"/>
+                </a:lnSpc>
+                <a:spcBef>
+                  <a:spcPts val="0"/>
+                </a:spcBef>
+                <a:spcAft>
+                  <a:spcPts val="0"/>
+                </a:spcAft>
+              </a:pPr>
+              <a:r>
+                <a:rPr lang="en-US" sz="1300" b="1" dirty="0">
+                  <a:solidFill>
+                    <a:srgbClr val="000000">
+                      <a:alpha val="100000"/>
+                    </a:srgbClr>
+                  </a:solidFill>
+                  <a:latin typeface="Arial"/>
+                  <a:cs typeface="Arial"/>
+                </a:rPr>
+                <a:t>(-0.70,-0.55)</a:t>
+              </a:r>
+              <a:endParaRPr sz="1300" b="1" dirty="0">
+                <a:solidFill>
+                  <a:srgbClr val="000000">
+                    <a:alpha val="100000"/>
+                  </a:srgbClr>
+                </a:solidFill>
+                <a:latin typeface="Arial"/>
+                <a:cs typeface="Arial"/>
+              </a:endParaRPr>
+            </a:p>
+          </p:txBody>
+        </p:sp>
+        <p:sp>
+          <p:nvSpPr>
+            <p:cNvPr id="181" name="tx35">
+              <a:extLst>
+                <a:ext uri="{FF2B5EF4-FFF2-40B4-BE49-F238E27FC236}">
+                  <a16:creationId xmlns:a16="http://schemas.microsoft.com/office/drawing/2014/main" id="{4A397A11-4636-C634-76E5-C4A1046C94FA}"/>
+                </a:ext>
+              </a:extLst>
+            </p:cNvPr>
+            <p:cNvSpPr/>
+            <p:nvPr/>
+          </p:nvSpPr>
+          <p:spPr>
+            <a:xfrm>
+              <a:off x="3818499" y="3372120"/>
+              <a:ext cx="444921" cy="167096"/>
+            </a:xfrm>
+            <a:prstGeom prst="rect">
+              <a:avLst/>
+            </a:prstGeom>
+            <a:noFill/>
+          </p:spPr>
+          <p:txBody>
+            <a:bodyPr wrap="none" lIns="0" tIns="0" rIns="0" bIns="0" anchor="ctr" anchorCtr="1"/>
+            <a:lstStyle/>
+            <a:p>
+              <a:pPr marL="0" marR="0" indent="0" algn="ctr">
+                <a:lnSpc>
+                  <a:spcPts val="1800"/>
+                </a:lnSpc>
+                <a:spcBef>
+                  <a:spcPts val="0"/>
+                </a:spcBef>
+                <a:spcAft>
+                  <a:spcPts val="0"/>
+                </a:spcAft>
+              </a:pPr>
+              <a:r>
+                <a:rPr sz="1300" b="1" dirty="0">
+                  <a:solidFill>
+                    <a:srgbClr val="000000">
+                      <a:alpha val="100000"/>
+                    </a:srgbClr>
+                  </a:solidFill>
+                  <a:latin typeface="Arial"/>
+                  <a:cs typeface="Arial"/>
+                </a:rPr>
+                <a:t>0.27</a:t>
+              </a:r>
+              <a:endParaRPr lang="en-US" sz="1300" b="1" dirty="0">
+                <a:solidFill>
+                  <a:srgbClr val="000000">
+                    <a:alpha val="100000"/>
+                  </a:srgbClr>
+                </a:solidFill>
+                <a:latin typeface="Arial"/>
+                <a:cs typeface="Arial"/>
+              </a:endParaRPr>
+            </a:p>
+            <a:p>
+              <a:pPr marL="0" marR="0" indent="0" algn="ctr">
+                <a:lnSpc>
+                  <a:spcPts val="1800"/>
+                </a:lnSpc>
+                <a:spcBef>
+                  <a:spcPts val="0"/>
+                </a:spcBef>
+                <a:spcAft>
+                  <a:spcPts val="0"/>
+                </a:spcAft>
+              </a:pPr>
+              <a:r>
+                <a:rPr lang="en-US" sz="1300" b="1" dirty="0">
+                  <a:solidFill>
+                    <a:srgbClr val="000000">
+                      <a:alpha val="100000"/>
+                    </a:srgbClr>
+                  </a:solidFill>
+                  <a:latin typeface="Arial"/>
+                  <a:cs typeface="Arial"/>
+                </a:rPr>
+                <a:t>(0.15, 0.38)</a:t>
+              </a:r>
+              <a:endParaRPr sz="1300" b="1" dirty="0">
+                <a:solidFill>
+                  <a:srgbClr val="000000">
+                    <a:alpha val="100000"/>
+                  </a:srgbClr>
+                </a:solidFill>
+                <a:latin typeface="Arial"/>
+                <a:cs typeface="Arial"/>
+              </a:endParaRPr>
+            </a:p>
+          </p:txBody>
+        </p:sp>
+        <p:sp>
+          <p:nvSpPr>
+            <p:cNvPr id="182" name="tx36">
+              <a:extLst>
+                <a:ext uri="{FF2B5EF4-FFF2-40B4-BE49-F238E27FC236}">
+                  <a16:creationId xmlns:a16="http://schemas.microsoft.com/office/drawing/2014/main" id="{838FB4E9-236D-7BFA-482F-394392F5523B}"/>
+                </a:ext>
+              </a:extLst>
+            </p:cNvPr>
+            <p:cNvSpPr/>
+            <p:nvPr/>
+          </p:nvSpPr>
+          <p:spPr>
+            <a:xfrm>
+              <a:off x="3844005" y="4374302"/>
+              <a:ext cx="393910" cy="167096"/>
+            </a:xfrm>
+            <a:prstGeom prst="rect">
+              <a:avLst/>
+            </a:prstGeom>
+            <a:noFill/>
+          </p:spPr>
+          <p:txBody>
+            <a:bodyPr wrap="none" lIns="0" tIns="0" rIns="0" bIns="0" anchor="ctr" anchorCtr="1"/>
+            <a:lstStyle/>
+            <a:p>
+              <a:pPr marL="0" marR="0" indent="0" algn="ctr">
+                <a:lnSpc>
+                  <a:spcPts val="1800"/>
+                </a:lnSpc>
+                <a:spcBef>
+                  <a:spcPts val="0"/>
+                </a:spcBef>
+                <a:spcAft>
+                  <a:spcPts val="0"/>
+                </a:spcAft>
+              </a:pPr>
+              <a:r>
+                <a:rPr sz="1300" b="1" dirty="0">
+                  <a:solidFill>
+                    <a:srgbClr val="000000">
+                      <a:alpha val="100000"/>
+                    </a:srgbClr>
+                  </a:solidFill>
+                  <a:latin typeface="Arial"/>
+                  <a:cs typeface="Arial"/>
+                </a:rPr>
+                <a:t>-0.3</a:t>
+              </a:r>
+              <a:r>
+                <a:rPr lang="en-CA" sz="1300" b="1" dirty="0">
+                  <a:solidFill>
+                    <a:srgbClr val="000000">
+                      <a:alpha val="100000"/>
+                    </a:srgbClr>
+                  </a:solidFill>
+                  <a:latin typeface="Arial"/>
+                  <a:cs typeface="Arial"/>
+                </a:rPr>
+                <a:t>0</a:t>
+              </a:r>
+            </a:p>
+            <a:p>
+              <a:pPr marL="0" marR="0" indent="0" algn="ctr">
+                <a:lnSpc>
+                  <a:spcPts val="1800"/>
+                </a:lnSpc>
+                <a:spcBef>
+                  <a:spcPts val="0"/>
+                </a:spcBef>
+                <a:spcAft>
+                  <a:spcPts val="0"/>
+                </a:spcAft>
+              </a:pPr>
+              <a:r>
+                <a:rPr lang="en-CA" sz="1300" b="1" dirty="0">
+                  <a:solidFill>
+                    <a:srgbClr val="000000">
+                      <a:alpha val="100000"/>
+                    </a:srgbClr>
+                  </a:solidFill>
+                  <a:latin typeface="Arial"/>
+                  <a:cs typeface="Arial"/>
+                </a:rPr>
+                <a:t>(-0.49,-0.13)</a:t>
+              </a:r>
+              <a:endParaRPr sz="1300" b="1" dirty="0">
+                <a:solidFill>
+                  <a:srgbClr val="000000">
+                    <a:alpha val="100000"/>
+                  </a:srgbClr>
+                </a:solidFill>
+                <a:latin typeface="Arial"/>
+                <a:cs typeface="Arial"/>
+              </a:endParaRPr>
+            </a:p>
+          </p:txBody>
+        </p:sp>
+        <p:sp>
+          <p:nvSpPr>
+            <p:cNvPr id="183" name="tx37">
+              <a:extLst>
+                <a:ext uri="{FF2B5EF4-FFF2-40B4-BE49-F238E27FC236}">
+                  <a16:creationId xmlns:a16="http://schemas.microsoft.com/office/drawing/2014/main" id="{D4C4B6E5-285B-6D4B-5034-68277F206878}"/>
+                </a:ext>
+              </a:extLst>
+            </p:cNvPr>
+            <p:cNvSpPr/>
+            <p:nvPr/>
+          </p:nvSpPr>
+          <p:spPr>
+            <a:xfrm>
+              <a:off x="3844005" y="5376485"/>
+              <a:ext cx="393910" cy="167096"/>
+            </a:xfrm>
+            <a:prstGeom prst="rect">
+              <a:avLst/>
+            </a:prstGeom>
+            <a:noFill/>
+          </p:spPr>
+          <p:txBody>
+            <a:bodyPr wrap="none" lIns="0" tIns="0" rIns="0" bIns="0" anchor="ctr" anchorCtr="1"/>
+            <a:lstStyle/>
+            <a:p>
+              <a:pPr marL="0" marR="0" indent="0" algn="ctr">
+                <a:lnSpc>
+                  <a:spcPts val="1800"/>
+                </a:lnSpc>
+                <a:spcBef>
+                  <a:spcPts val="0"/>
+                </a:spcBef>
+                <a:spcAft>
+                  <a:spcPts val="0"/>
+                </a:spcAft>
+              </a:pPr>
+              <a:r>
+                <a:rPr sz="1300" b="1" dirty="0">
+                  <a:solidFill>
+                    <a:srgbClr val="000000">
+                      <a:alpha val="100000"/>
+                    </a:srgbClr>
+                  </a:solidFill>
+                  <a:latin typeface="Arial"/>
+                  <a:cs typeface="Arial"/>
+                </a:rPr>
+                <a:t>-0.1</a:t>
+              </a:r>
+              <a:r>
+                <a:rPr lang="en-CA" sz="1300" b="1" dirty="0">
+                  <a:solidFill>
+                    <a:srgbClr val="000000">
+                      <a:alpha val="100000"/>
+                    </a:srgbClr>
+                  </a:solidFill>
+                  <a:latin typeface="Arial"/>
+                  <a:cs typeface="Arial"/>
+                </a:rPr>
+                <a:t>0</a:t>
+              </a:r>
+            </a:p>
+            <a:p>
+              <a:pPr marL="0" marR="0" indent="0" algn="ctr">
+                <a:lnSpc>
+                  <a:spcPts val="1800"/>
+                </a:lnSpc>
+                <a:spcBef>
+                  <a:spcPts val="0"/>
+                </a:spcBef>
+                <a:spcAft>
+                  <a:spcPts val="0"/>
+                </a:spcAft>
+              </a:pPr>
+              <a:r>
+                <a:rPr lang="en-CA" sz="1300" b="1" dirty="0">
+                  <a:solidFill>
+                    <a:srgbClr val="000000">
+                      <a:alpha val="100000"/>
+                    </a:srgbClr>
+                  </a:solidFill>
+                  <a:latin typeface="Arial"/>
+                  <a:cs typeface="Arial"/>
+                </a:rPr>
+                <a:t>(-0.22, 0.01)</a:t>
+              </a:r>
+              <a:endParaRPr sz="1300" b="1" dirty="0">
+                <a:solidFill>
+                  <a:srgbClr val="000000">
+                    <a:alpha val="100000"/>
+                  </a:srgbClr>
+                </a:solidFill>
+                <a:latin typeface="Arial"/>
+                <a:cs typeface="Arial"/>
+              </a:endParaRPr>
+            </a:p>
+          </p:txBody>
+        </p:sp>
+        <p:sp>
+          <p:nvSpPr>
+            <p:cNvPr id="184" name="tx38">
+              <a:extLst>
+                <a:ext uri="{FF2B5EF4-FFF2-40B4-BE49-F238E27FC236}">
+                  <a16:creationId xmlns:a16="http://schemas.microsoft.com/office/drawing/2014/main" id="{5C441622-1D2E-746B-A6E1-70C8A76AED70}"/>
+                </a:ext>
+              </a:extLst>
+            </p:cNvPr>
+            <p:cNvSpPr/>
+            <p:nvPr/>
+          </p:nvSpPr>
+          <p:spPr>
+            <a:xfrm>
+              <a:off x="4782619" y="3372120"/>
+              <a:ext cx="521047" cy="167096"/>
+            </a:xfrm>
+            <a:prstGeom prst="rect">
+              <a:avLst/>
+            </a:prstGeom>
+            <a:noFill/>
+          </p:spPr>
+          <p:txBody>
+            <a:bodyPr wrap="none" lIns="0" tIns="0" rIns="0" bIns="0" anchor="ctr" anchorCtr="1"/>
+            <a:lstStyle/>
+            <a:p>
+              <a:pPr marL="0" marR="0" indent="0" algn="ctr">
+                <a:lnSpc>
+                  <a:spcPts val="1800"/>
+                </a:lnSpc>
+                <a:spcBef>
+                  <a:spcPts val="0"/>
+                </a:spcBef>
+                <a:spcAft>
+                  <a:spcPts val="0"/>
+                </a:spcAft>
+              </a:pPr>
+              <a:r>
+                <a:rPr sz="1300" b="1" dirty="0">
+                  <a:solidFill>
+                    <a:srgbClr val="000000">
+                      <a:alpha val="100000"/>
+                    </a:srgbClr>
+                  </a:solidFill>
+                  <a:latin typeface="Arial"/>
+                  <a:cs typeface="Arial"/>
+                </a:rPr>
+                <a:t>-0.0</a:t>
+              </a:r>
+              <a:r>
+                <a:rPr lang="en-US" sz="1300" b="1" dirty="0">
+                  <a:solidFill>
+                    <a:srgbClr val="000000">
+                      <a:alpha val="100000"/>
+                    </a:srgbClr>
+                  </a:solidFill>
+                  <a:latin typeface="Arial"/>
+                  <a:cs typeface="Arial"/>
+                </a:rPr>
+                <a:t>2</a:t>
+              </a:r>
+            </a:p>
+            <a:p>
+              <a:pPr marL="0" marR="0" indent="0" algn="ctr">
+                <a:lnSpc>
+                  <a:spcPts val="1800"/>
+                </a:lnSpc>
+                <a:spcBef>
+                  <a:spcPts val="0"/>
+                </a:spcBef>
+                <a:spcAft>
+                  <a:spcPts val="0"/>
+                </a:spcAft>
+              </a:pPr>
+              <a:r>
+                <a:rPr lang="en-US" sz="1300" b="1" dirty="0">
+                  <a:solidFill>
+                    <a:srgbClr val="000000">
+                      <a:alpha val="100000"/>
+                    </a:srgbClr>
+                  </a:solidFill>
+                  <a:latin typeface="Arial"/>
+                  <a:cs typeface="Arial"/>
+                </a:rPr>
+                <a:t>(-0.14, 0.10)</a:t>
+              </a:r>
+              <a:endParaRPr sz="1300" b="1" dirty="0">
+                <a:solidFill>
+                  <a:srgbClr val="000000">
+                    <a:alpha val="100000"/>
+                  </a:srgbClr>
+                </a:solidFill>
+                <a:latin typeface="Arial"/>
+                <a:cs typeface="Arial"/>
+              </a:endParaRPr>
+            </a:p>
+          </p:txBody>
+        </p:sp>
+        <p:sp>
+          <p:nvSpPr>
+            <p:cNvPr id="185" name="tx39">
+              <a:extLst>
+                <a:ext uri="{FF2B5EF4-FFF2-40B4-BE49-F238E27FC236}">
+                  <a16:creationId xmlns:a16="http://schemas.microsoft.com/office/drawing/2014/main" id="{DEC12665-FD6C-0620-16EC-9BF4572EFCEF}"/>
+                </a:ext>
+              </a:extLst>
+            </p:cNvPr>
+            <p:cNvSpPr/>
+            <p:nvPr/>
+          </p:nvSpPr>
+          <p:spPr>
+            <a:xfrm>
+              <a:off x="4820682" y="4374302"/>
+              <a:ext cx="444921" cy="167096"/>
+            </a:xfrm>
+            <a:prstGeom prst="rect">
+              <a:avLst/>
+            </a:prstGeom>
+            <a:noFill/>
+          </p:spPr>
+          <p:txBody>
+            <a:bodyPr wrap="none" lIns="0" tIns="0" rIns="0" bIns="0" anchor="ctr" anchorCtr="1"/>
+            <a:lstStyle/>
+            <a:p>
+              <a:pPr marL="0" marR="0" indent="0" algn="ctr">
+                <a:lnSpc>
+                  <a:spcPts val="1800"/>
+                </a:lnSpc>
+                <a:spcBef>
+                  <a:spcPts val="0"/>
+                </a:spcBef>
+                <a:spcAft>
+                  <a:spcPts val="0"/>
+                </a:spcAft>
+              </a:pPr>
+              <a:r>
+                <a:rPr sz="1300" b="1" dirty="0">
+                  <a:solidFill>
+                    <a:srgbClr val="000000">
+                      <a:alpha val="100000"/>
+                    </a:srgbClr>
+                  </a:solidFill>
+                  <a:latin typeface="Arial"/>
+                  <a:cs typeface="Arial"/>
+                </a:rPr>
+                <a:t>0.27</a:t>
+              </a:r>
+              <a:endParaRPr lang="en-US" sz="1300" b="1" dirty="0">
+                <a:solidFill>
+                  <a:srgbClr val="000000">
+                    <a:alpha val="100000"/>
+                  </a:srgbClr>
+                </a:solidFill>
+                <a:latin typeface="Arial"/>
+                <a:cs typeface="Arial"/>
+              </a:endParaRPr>
+            </a:p>
+            <a:p>
+              <a:pPr marL="0" marR="0" indent="0" algn="ctr">
+                <a:lnSpc>
+                  <a:spcPts val="1800"/>
+                </a:lnSpc>
+                <a:spcBef>
+                  <a:spcPts val="0"/>
+                </a:spcBef>
+                <a:spcAft>
+                  <a:spcPts val="0"/>
+                </a:spcAft>
+              </a:pPr>
+              <a:r>
+                <a:rPr lang="en-CA" sz="1300" b="1" dirty="0">
+                  <a:solidFill>
+                    <a:srgbClr val="000000">
+                      <a:alpha val="100000"/>
+                    </a:srgbClr>
+                  </a:solidFill>
+                  <a:latin typeface="Arial"/>
+                  <a:cs typeface="Arial"/>
+                </a:rPr>
+                <a:t>(0.11, 0.49)</a:t>
+              </a:r>
+              <a:endParaRPr sz="1300" b="1" dirty="0">
+                <a:solidFill>
+                  <a:srgbClr val="000000">
+                    <a:alpha val="100000"/>
+                  </a:srgbClr>
+                </a:solidFill>
+                <a:latin typeface="Arial"/>
+                <a:cs typeface="Arial"/>
+              </a:endParaRPr>
+            </a:p>
+          </p:txBody>
+        </p:sp>
+        <p:sp>
+          <p:nvSpPr>
+            <p:cNvPr id="186" name="tx40">
+              <a:extLst>
+                <a:ext uri="{FF2B5EF4-FFF2-40B4-BE49-F238E27FC236}">
+                  <a16:creationId xmlns:a16="http://schemas.microsoft.com/office/drawing/2014/main" id="{CC08D9A6-2E27-FE42-A895-476A04A4040D}"/>
+                </a:ext>
+              </a:extLst>
+            </p:cNvPr>
+            <p:cNvSpPr/>
+            <p:nvPr/>
+          </p:nvSpPr>
+          <p:spPr>
+            <a:xfrm>
+              <a:off x="4782619" y="5376317"/>
+              <a:ext cx="521047" cy="167208"/>
+            </a:xfrm>
+            <a:prstGeom prst="rect">
+              <a:avLst/>
+            </a:prstGeom>
+            <a:noFill/>
+          </p:spPr>
+          <p:txBody>
+            <a:bodyPr wrap="none" lIns="0" tIns="0" rIns="0" bIns="0" anchor="ctr" anchorCtr="1"/>
+            <a:lstStyle/>
+            <a:p>
+              <a:pPr marL="0" marR="0" indent="0" algn="ctr">
+                <a:lnSpc>
+                  <a:spcPts val="1800"/>
+                </a:lnSpc>
+                <a:spcBef>
+                  <a:spcPts val="0"/>
+                </a:spcBef>
+                <a:spcAft>
+                  <a:spcPts val="0"/>
+                </a:spcAft>
+              </a:pPr>
+              <a:r>
+                <a:rPr sz="1300" b="1" dirty="0">
+                  <a:solidFill>
+                    <a:srgbClr val="000000">
+                      <a:alpha val="100000"/>
+                    </a:srgbClr>
+                  </a:solidFill>
+                  <a:latin typeface="Arial"/>
+                  <a:cs typeface="Arial"/>
+                </a:rPr>
+                <a:t>-0.18</a:t>
+              </a:r>
+              <a:endParaRPr lang="en-US" sz="1300" b="1" dirty="0">
+                <a:solidFill>
+                  <a:srgbClr val="000000">
+                    <a:alpha val="100000"/>
+                  </a:srgbClr>
+                </a:solidFill>
+                <a:latin typeface="Arial"/>
+                <a:cs typeface="Arial"/>
+              </a:endParaRPr>
+            </a:p>
+            <a:p>
+              <a:pPr marL="0" marR="0" indent="0" algn="ctr">
+                <a:lnSpc>
+                  <a:spcPts val="1800"/>
+                </a:lnSpc>
+                <a:spcBef>
+                  <a:spcPts val="0"/>
+                </a:spcBef>
+                <a:spcAft>
+                  <a:spcPts val="0"/>
+                </a:spcAft>
+              </a:pPr>
+              <a:r>
+                <a:rPr lang="en-CA" sz="1300" b="1" dirty="0">
+                  <a:solidFill>
+                    <a:srgbClr val="000000">
+                      <a:alpha val="100000"/>
+                    </a:srgbClr>
+                  </a:solidFill>
+                  <a:latin typeface="Arial"/>
+                  <a:cs typeface="Arial"/>
+                </a:rPr>
+                <a:t>(-0.29,-0.07)</a:t>
+              </a:r>
+              <a:endParaRPr sz="1300" b="1" dirty="0">
+                <a:solidFill>
+                  <a:srgbClr val="000000">
+                    <a:alpha val="100000"/>
+                  </a:srgbClr>
+                </a:solidFill>
+                <a:latin typeface="Arial"/>
+                <a:cs typeface="Arial"/>
+              </a:endParaRPr>
+            </a:p>
+          </p:txBody>
+        </p:sp>
+        <p:sp>
+          <p:nvSpPr>
+            <p:cNvPr id="187" name="tx41">
+              <a:extLst>
+                <a:ext uri="{FF2B5EF4-FFF2-40B4-BE49-F238E27FC236}">
+                  <a16:creationId xmlns:a16="http://schemas.microsoft.com/office/drawing/2014/main" id="{F4FB13FC-2AA2-715F-1C7B-5F190B5B553C}"/>
+                </a:ext>
+              </a:extLst>
+            </p:cNvPr>
+            <p:cNvSpPr/>
+            <p:nvPr/>
+          </p:nvSpPr>
+          <p:spPr>
+            <a:xfrm>
+              <a:off x="5784802" y="4374302"/>
+              <a:ext cx="521047" cy="167096"/>
+            </a:xfrm>
+            <a:prstGeom prst="rect">
+              <a:avLst/>
+            </a:prstGeom>
+            <a:noFill/>
+          </p:spPr>
+          <p:txBody>
+            <a:bodyPr wrap="none" lIns="0" tIns="0" rIns="0" bIns="0" anchor="ctr" anchorCtr="1"/>
+            <a:lstStyle/>
+            <a:p>
+              <a:pPr marL="0" marR="0" indent="0" algn="ctr">
+                <a:lnSpc>
+                  <a:spcPts val="1800"/>
+                </a:lnSpc>
+                <a:spcBef>
+                  <a:spcPts val="0"/>
+                </a:spcBef>
+                <a:spcAft>
+                  <a:spcPts val="0"/>
+                </a:spcAft>
+              </a:pPr>
+              <a:r>
+                <a:rPr sz="1300" b="1" dirty="0">
+                  <a:solidFill>
+                    <a:srgbClr val="000000">
+                      <a:alpha val="100000"/>
+                    </a:srgbClr>
+                  </a:solidFill>
+                  <a:latin typeface="Arial"/>
+                  <a:cs typeface="Arial"/>
+                </a:rPr>
+                <a:t>-0.4</a:t>
+              </a:r>
+              <a:r>
+                <a:rPr lang="en-US" sz="1300" b="1" dirty="0">
+                  <a:solidFill>
+                    <a:srgbClr val="000000">
+                      <a:alpha val="100000"/>
+                    </a:srgbClr>
+                  </a:solidFill>
+                  <a:latin typeface="Arial"/>
+                  <a:cs typeface="Arial"/>
+                </a:rPr>
+                <a:t>7</a:t>
+              </a:r>
+            </a:p>
+            <a:p>
+              <a:pPr marL="0" marR="0" indent="0" algn="ctr">
+                <a:lnSpc>
+                  <a:spcPts val="1800"/>
+                </a:lnSpc>
+                <a:spcBef>
+                  <a:spcPts val="0"/>
+                </a:spcBef>
+                <a:spcAft>
+                  <a:spcPts val="0"/>
+                </a:spcAft>
+              </a:pPr>
+              <a:r>
+                <a:rPr lang="en-CA" sz="1300" b="1" dirty="0">
+                  <a:solidFill>
+                    <a:srgbClr val="000000">
+                      <a:alpha val="100000"/>
+                    </a:srgbClr>
+                  </a:solidFill>
+                  <a:latin typeface="Arial"/>
+                  <a:cs typeface="Arial"/>
+                </a:rPr>
+                <a:t>(-0.64,-0.30)</a:t>
+              </a:r>
+              <a:endParaRPr sz="1300" b="1" dirty="0">
+                <a:solidFill>
+                  <a:srgbClr val="000000">
+                    <a:alpha val="100000"/>
+                  </a:srgbClr>
+                </a:solidFill>
+                <a:latin typeface="Arial"/>
+                <a:cs typeface="Arial"/>
+              </a:endParaRPr>
+            </a:p>
+          </p:txBody>
+        </p:sp>
+        <p:sp>
+          <p:nvSpPr>
+            <p:cNvPr id="188" name="tx42">
+              <a:extLst>
+                <a:ext uri="{FF2B5EF4-FFF2-40B4-BE49-F238E27FC236}">
+                  <a16:creationId xmlns:a16="http://schemas.microsoft.com/office/drawing/2014/main" id="{BA19C897-DF87-5372-293B-0B2D1D7D2A11}"/>
+                </a:ext>
+              </a:extLst>
+            </p:cNvPr>
+            <p:cNvSpPr/>
+            <p:nvPr/>
+          </p:nvSpPr>
+          <p:spPr>
+            <a:xfrm>
+              <a:off x="5784802" y="5376485"/>
+              <a:ext cx="521047" cy="167096"/>
+            </a:xfrm>
+            <a:prstGeom prst="rect">
+              <a:avLst/>
+            </a:prstGeom>
+            <a:noFill/>
+          </p:spPr>
+          <p:txBody>
+            <a:bodyPr wrap="none" lIns="0" tIns="0" rIns="0" bIns="0" anchor="ctr" anchorCtr="1"/>
+            <a:lstStyle/>
+            <a:p>
+              <a:pPr marL="0" marR="0" indent="0" algn="ctr">
+                <a:lnSpc>
+                  <a:spcPts val="1800"/>
+                </a:lnSpc>
+                <a:spcBef>
+                  <a:spcPts val="0"/>
+                </a:spcBef>
+                <a:spcAft>
+                  <a:spcPts val="0"/>
+                </a:spcAft>
+              </a:pPr>
+              <a:r>
+                <a:rPr sz="1300" b="1" dirty="0">
+                  <a:solidFill>
+                    <a:srgbClr val="000000">
+                      <a:alpha val="100000"/>
+                    </a:srgbClr>
+                  </a:solidFill>
+                  <a:latin typeface="Arial"/>
+                  <a:cs typeface="Arial"/>
+                </a:rPr>
+                <a:t>-0.45</a:t>
+              </a:r>
+              <a:endParaRPr lang="en-US" sz="1300" b="1" dirty="0">
+                <a:solidFill>
+                  <a:srgbClr val="000000">
+                    <a:alpha val="100000"/>
+                  </a:srgbClr>
+                </a:solidFill>
+                <a:latin typeface="Arial"/>
+                <a:cs typeface="Arial"/>
+              </a:endParaRPr>
+            </a:p>
+            <a:p>
+              <a:pPr marL="0" marR="0" indent="0" algn="ctr">
+                <a:lnSpc>
+                  <a:spcPts val="1800"/>
+                </a:lnSpc>
+                <a:spcBef>
+                  <a:spcPts val="0"/>
+                </a:spcBef>
+                <a:spcAft>
+                  <a:spcPts val="0"/>
+                </a:spcAft>
+              </a:pPr>
+              <a:r>
+                <a:rPr lang="en-CA" sz="1300" b="1" dirty="0">
+                  <a:solidFill>
+                    <a:srgbClr val="000000">
+                      <a:alpha val="100000"/>
+                    </a:srgbClr>
+                  </a:solidFill>
+                  <a:latin typeface="Arial"/>
+                  <a:cs typeface="Arial"/>
+                </a:rPr>
+                <a:t>(-0.55,-0.35)</a:t>
+              </a:r>
+              <a:endParaRPr sz="1300" b="1" dirty="0">
+                <a:solidFill>
+                  <a:srgbClr val="000000">
+                    <a:alpha val="100000"/>
+                  </a:srgbClr>
+                </a:solidFill>
+                <a:latin typeface="Arial"/>
+                <a:cs typeface="Arial"/>
+              </a:endParaRPr>
+            </a:p>
+          </p:txBody>
+        </p:sp>
+        <p:sp>
+          <p:nvSpPr>
+            <p:cNvPr id="189" name="tx43">
+              <a:extLst>
+                <a:ext uri="{FF2B5EF4-FFF2-40B4-BE49-F238E27FC236}">
+                  <a16:creationId xmlns:a16="http://schemas.microsoft.com/office/drawing/2014/main" id="{8332DE10-6DAE-4B51-C0BB-E20E05B837E8}"/>
+                </a:ext>
+              </a:extLst>
+            </p:cNvPr>
+            <p:cNvSpPr/>
+            <p:nvPr/>
+          </p:nvSpPr>
+          <p:spPr>
+            <a:xfrm>
+              <a:off x="6825047" y="5376485"/>
+              <a:ext cx="444921" cy="167096"/>
+            </a:xfrm>
+            <a:prstGeom prst="rect">
+              <a:avLst/>
+            </a:prstGeom>
+            <a:noFill/>
+          </p:spPr>
+          <p:txBody>
+            <a:bodyPr wrap="none" lIns="0" tIns="0" rIns="0" bIns="0" anchor="ctr" anchorCtr="1"/>
+            <a:lstStyle/>
+            <a:p>
+              <a:pPr marL="0" marR="0" indent="0" algn="ctr">
+                <a:lnSpc>
+                  <a:spcPts val="1800"/>
+                </a:lnSpc>
+                <a:spcBef>
+                  <a:spcPts val="0"/>
+                </a:spcBef>
+                <a:spcAft>
+                  <a:spcPts val="0"/>
+                </a:spcAft>
+              </a:pPr>
+              <a:r>
+                <a:rPr sz="1300" b="1" dirty="0">
+                  <a:solidFill>
+                    <a:srgbClr val="000000">
+                      <a:alpha val="100000"/>
+                    </a:srgbClr>
+                  </a:solidFill>
+                  <a:latin typeface="Arial"/>
+                  <a:cs typeface="Arial"/>
+                </a:rPr>
+                <a:t>0.3</a:t>
+              </a:r>
+              <a:r>
+                <a:rPr lang="en-US" sz="1300" b="1" dirty="0">
+                  <a:solidFill>
+                    <a:srgbClr val="000000">
+                      <a:alpha val="100000"/>
+                    </a:srgbClr>
+                  </a:solidFill>
+                  <a:latin typeface="Arial"/>
+                  <a:cs typeface="Arial"/>
+                </a:rPr>
+                <a:t>7</a:t>
+              </a:r>
+            </a:p>
+            <a:p>
+              <a:pPr marL="0" marR="0" indent="0" algn="ctr">
+                <a:lnSpc>
+                  <a:spcPts val="1800"/>
+                </a:lnSpc>
+                <a:spcBef>
+                  <a:spcPts val="0"/>
+                </a:spcBef>
+                <a:spcAft>
+                  <a:spcPts val="0"/>
+                </a:spcAft>
+              </a:pPr>
+              <a:r>
+                <a:rPr lang="en-CA" sz="1300" b="1" dirty="0">
+                  <a:solidFill>
+                    <a:srgbClr val="000000">
+                      <a:alpha val="100000"/>
+                    </a:srgbClr>
+                  </a:solidFill>
+                  <a:latin typeface="Arial"/>
+                  <a:cs typeface="Arial"/>
+                </a:rPr>
+                <a:t>(0.20, 0.56)</a:t>
+              </a:r>
+              <a:endParaRPr sz="1300" b="1" dirty="0">
+                <a:solidFill>
+                  <a:srgbClr val="000000">
+                    <a:alpha val="100000"/>
+                  </a:srgbClr>
+                </a:solidFill>
+                <a:latin typeface="Arial"/>
+                <a:cs typeface="Arial"/>
+              </a:endParaRPr>
+            </a:p>
+          </p:txBody>
+        </p:sp>
+        <p:sp>
+          <p:nvSpPr>
+            <p:cNvPr id="190" name="tx77">
+              <a:extLst>
+                <a:ext uri="{FF2B5EF4-FFF2-40B4-BE49-F238E27FC236}">
+                  <a16:creationId xmlns:a16="http://schemas.microsoft.com/office/drawing/2014/main" id="{15BAD0C0-4839-21E0-CCAF-B10C50511BF5}"/>
+                </a:ext>
+              </a:extLst>
+            </p:cNvPr>
+            <p:cNvSpPr/>
+            <p:nvPr/>
+          </p:nvSpPr>
+          <p:spPr>
+            <a:xfrm rot="18900000">
+              <a:off x="3824578" y="1316595"/>
+              <a:ext cx="1258192" cy="209066"/>
+            </a:xfrm>
+            <a:prstGeom prst="rect">
+              <a:avLst/>
+            </a:prstGeom>
+            <a:noFill/>
+          </p:spPr>
+          <p:txBody>
+            <a:bodyPr wrap="none" lIns="0" tIns="0" rIns="0" bIns="0" anchor="ctr" anchorCtr="1"/>
+            <a:lstStyle/>
+            <a:p>
+              <a:pPr marL="0" marR="0" indent="0" algn="l">
+                <a:lnSpc>
+                  <a:spcPts val="1800"/>
+                </a:lnSpc>
+                <a:spcBef>
+                  <a:spcPts val="0"/>
+                </a:spcBef>
+                <a:spcAft>
+                  <a:spcPts val="0"/>
+                </a:spcAft>
+              </a:pPr>
+              <a:r>
+                <a:rPr sz="1800">
+                  <a:solidFill>
+                    <a:srgbClr val="000000">
+                      <a:alpha val="100000"/>
+                    </a:srgbClr>
+                  </a:solidFill>
+                  <a:latin typeface="Arial"/>
+                  <a:cs typeface="Arial"/>
+                </a:rPr>
+                <a:t>mean speed</a:t>
+              </a:r>
+            </a:p>
+          </p:txBody>
+        </p:sp>
+        <p:sp>
+          <p:nvSpPr>
+            <p:cNvPr id="191" name="tx78">
+              <a:extLst>
+                <a:ext uri="{FF2B5EF4-FFF2-40B4-BE49-F238E27FC236}">
+                  <a16:creationId xmlns:a16="http://schemas.microsoft.com/office/drawing/2014/main" id="{5BDD2316-95D7-03B4-6CBC-45E4C7B67219}"/>
+                </a:ext>
+              </a:extLst>
+            </p:cNvPr>
+            <p:cNvSpPr/>
+            <p:nvPr/>
+          </p:nvSpPr>
+          <p:spPr>
+            <a:xfrm rot="18900000">
+              <a:off x="4869573" y="2422134"/>
+              <a:ext cx="965857" cy="209066"/>
+            </a:xfrm>
+            <a:prstGeom prst="rect">
+              <a:avLst/>
+            </a:prstGeom>
+            <a:noFill/>
+          </p:spPr>
+          <p:txBody>
+            <a:bodyPr wrap="none" lIns="0" tIns="0" rIns="0" bIns="0" anchor="ctr" anchorCtr="1"/>
+            <a:lstStyle/>
+            <a:p>
+              <a:pPr marL="0" marR="0" indent="0" algn="l">
+                <a:lnSpc>
+                  <a:spcPts val="1800"/>
+                </a:lnSpc>
+                <a:spcBef>
+                  <a:spcPts val="0"/>
+                </a:spcBef>
+                <a:spcAft>
+                  <a:spcPts val="0"/>
+                </a:spcAft>
+              </a:pPr>
+              <a:r>
+                <a:rPr sz="1800">
+                  <a:solidFill>
+                    <a:srgbClr val="000000">
+                      <a:alpha val="100000"/>
+                    </a:srgbClr>
+                  </a:solidFill>
+                  <a:latin typeface="Arial"/>
+                  <a:cs typeface="Arial"/>
+                </a:rPr>
+                <a:t>IIV speed</a:t>
+              </a:r>
+            </a:p>
+          </p:txBody>
+        </p:sp>
+        <p:sp>
+          <p:nvSpPr>
+            <p:cNvPr id="192" name="tx79">
+              <a:extLst>
+                <a:ext uri="{FF2B5EF4-FFF2-40B4-BE49-F238E27FC236}">
+                  <a16:creationId xmlns:a16="http://schemas.microsoft.com/office/drawing/2014/main" id="{0C8207E1-2C9A-3CF1-D008-1B32427E7EC1}"/>
+                </a:ext>
+              </a:extLst>
+            </p:cNvPr>
+            <p:cNvSpPr/>
+            <p:nvPr/>
+          </p:nvSpPr>
+          <p:spPr>
+            <a:xfrm rot="18900000">
+              <a:off x="5752623" y="3138047"/>
+              <a:ext cx="1766403" cy="211745"/>
+            </a:xfrm>
+            <a:prstGeom prst="rect">
+              <a:avLst/>
+            </a:prstGeom>
+            <a:noFill/>
+          </p:spPr>
+          <p:txBody>
+            <a:bodyPr wrap="none" lIns="0" tIns="0" rIns="0" bIns="0" anchor="ctr" anchorCtr="1"/>
+            <a:lstStyle/>
+            <a:p>
+              <a:pPr marL="0" marR="0" indent="0" algn="l">
+                <a:lnSpc>
+                  <a:spcPts val="1800"/>
+                </a:lnSpc>
+                <a:spcBef>
+                  <a:spcPts val="0"/>
+                </a:spcBef>
+                <a:spcAft>
+                  <a:spcPts val="0"/>
+                </a:spcAft>
+              </a:pPr>
+              <a:r>
+                <a:rPr sz="1800">
+                  <a:solidFill>
+                    <a:srgbClr val="000000">
+                      <a:alpha val="100000"/>
+                    </a:srgbClr>
+                  </a:solidFill>
+                  <a:latin typeface="Arial"/>
+                  <a:cs typeface="Arial"/>
+                </a:rPr>
+                <a:t>mean prey speed</a:t>
+              </a:r>
+            </a:p>
+          </p:txBody>
+        </p:sp>
+        <p:sp>
+          <p:nvSpPr>
+            <p:cNvPr id="193" name="tx80">
+              <a:extLst>
+                <a:ext uri="{FF2B5EF4-FFF2-40B4-BE49-F238E27FC236}">
+                  <a16:creationId xmlns:a16="http://schemas.microsoft.com/office/drawing/2014/main" id="{479CAB3B-086B-6485-9DA3-C9EBABD15241}"/>
+                </a:ext>
+              </a:extLst>
+            </p:cNvPr>
+            <p:cNvSpPr/>
+            <p:nvPr/>
+          </p:nvSpPr>
+          <p:spPr>
+            <a:xfrm rot="18900000">
+              <a:off x="6797618" y="4243586"/>
+              <a:ext cx="1474068" cy="211745"/>
+            </a:xfrm>
+            <a:prstGeom prst="rect">
+              <a:avLst/>
+            </a:prstGeom>
+            <a:noFill/>
+          </p:spPr>
+          <p:txBody>
+            <a:bodyPr wrap="none" lIns="0" tIns="0" rIns="0" bIns="0" anchor="ctr" anchorCtr="1"/>
+            <a:lstStyle/>
+            <a:p>
+              <a:pPr marL="0" marR="0" indent="0" algn="l">
+                <a:lnSpc>
+                  <a:spcPts val="1800"/>
+                </a:lnSpc>
+                <a:spcBef>
+                  <a:spcPts val="0"/>
+                </a:spcBef>
+                <a:spcAft>
+                  <a:spcPts val="0"/>
+                </a:spcAft>
+              </a:pPr>
+              <a:r>
+                <a:rPr sz="1800">
+                  <a:solidFill>
+                    <a:srgbClr val="000000">
+                      <a:alpha val="100000"/>
+                    </a:srgbClr>
+                  </a:solidFill>
+                  <a:latin typeface="Arial"/>
+                  <a:cs typeface="Arial"/>
+                </a:rPr>
+                <a:t>IIV prey speed</a:t>
+              </a:r>
+            </a:p>
+          </p:txBody>
+        </p:sp>
+        <p:sp>
+          <p:nvSpPr>
+            <p:cNvPr id="194" name="tx81">
+              <a:extLst>
+                <a:ext uri="{FF2B5EF4-FFF2-40B4-BE49-F238E27FC236}">
+                  <a16:creationId xmlns:a16="http://schemas.microsoft.com/office/drawing/2014/main" id="{EE9654B4-BE63-0D98-0474-90615FD686B9}"/>
+                </a:ext>
+              </a:extLst>
+            </p:cNvPr>
+            <p:cNvSpPr/>
+            <p:nvPr/>
+          </p:nvSpPr>
+          <p:spPr>
+            <a:xfrm>
+              <a:off x="2500860" y="2301750"/>
+              <a:ext cx="965857" cy="209066"/>
+            </a:xfrm>
+            <a:prstGeom prst="rect">
+              <a:avLst/>
+            </a:prstGeom>
+            <a:noFill/>
+          </p:spPr>
+          <p:txBody>
+            <a:bodyPr wrap="none" lIns="0" tIns="0" rIns="0" bIns="0" anchor="ctr" anchorCtr="1"/>
+            <a:lstStyle/>
+            <a:p>
+              <a:pPr marL="0" marR="0" indent="0" algn="l">
+                <a:lnSpc>
+                  <a:spcPts val="1800"/>
+                </a:lnSpc>
+                <a:spcBef>
+                  <a:spcPts val="0"/>
+                </a:spcBef>
+                <a:spcAft>
+                  <a:spcPts val="0"/>
+                </a:spcAft>
+              </a:pPr>
+              <a:r>
+                <a:rPr sz="1800">
+                  <a:solidFill>
+                    <a:srgbClr val="000000">
+                      <a:alpha val="100000"/>
+                    </a:srgbClr>
+                  </a:solidFill>
+                  <a:latin typeface="Arial"/>
+                  <a:cs typeface="Arial"/>
+                </a:rPr>
+                <a:t>IIV speed</a:t>
+              </a:r>
+            </a:p>
+          </p:txBody>
+        </p:sp>
+        <p:sp>
+          <p:nvSpPr>
+            <p:cNvPr id="195" name="tx82">
+              <a:extLst>
+                <a:ext uri="{FF2B5EF4-FFF2-40B4-BE49-F238E27FC236}">
+                  <a16:creationId xmlns:a16="http://schemas.microsoft.com/office/drawing/2014/main" id="{64BABC5C-3EC2-3D83-B6C0-02FE7A5710A1}"/>
+                </a:ext>
+              </a:extLst>
+            </p:cNvPr>
+            <p:cNvSpPr/>
+            <p:nvPr/>
+          </p:nvSpPr>
+          <p:spPr>
+            <a:xfrm>
+              <a:off x="1700313" y="3301253"/>
+              <a:ext cx="1766403" cy="211745"/>
+            </a:xfrm>
+            <a:prstGeom prst="rect">
+              <a:avLst/>
+            </a:prstGeom>
+            <a:noFill/>
+          </p:spPr>
+          <p:txBody>
+            <a:bodyPr wrap="none" lIns="0" tIns="0" rIns="0" bIns="0" anchor="ctr" anchorCtr="1"/>
+            <a:lstStyle/>
+            <a:p>
+              <a:pPr marL="0" marR="0" indent="0" algn="l">
+                <a:lnSpc>
+                  <a:spcPts val="1800"/>
+                </a:lnSpc>
+                <a:spcBef>
+                  <a:spcPts val="0"/>
+                </a:spcBef>
+                <a:spcAft>
+                  <a:spcPts val="0"/>
+                </a:spcAft>
+              </a:pPr>
+              <a:r>
+                <a:rPr sz="1800">
+                  <a:solidFill>
+                    <a:srgbClr val="000000">
+                      <a:alpha val="100000"/>
+                    </a:srgbClr>
+                  </a:solidFill>
+                  <a:latin typeface="Arial"/>
+                  <a:cs typeface="Arial"/>
+                </a:rPr>
+                <a:t>mean prey speed</a:t>
+              </a:r>
+            </a:p>
+          </p:txBody>
+        </p:sp>
+        <p:sp>
+          <p:nvSpPr>
+            <p:cNvPr id="196" name="tx83">
+              <a:extLst>
+                <a:ext uri="{FF2B5EF4-FFF2-40B4-BE49-F238E27FC236}">
+                  <a16:creationId xmlns:a16="http://schemas.microsoft.com/office/drawing/2014/main" id="{B46EF047-1D39-26B1-25C2-CA65D345143F}"/>
+                </a:ext>
+              </a:extLst>
+            </p:cNvPr>
+            <p:cNvSpPr/>
+            <p:nvPr/>
+          </p:nvSpPr>
+          <p:spPr>
+            <a:xfrm>
+              <a:off x="1992649" y="4303436"/>
+              <a:ext cx="1474068" cy="211745"/>
+            </a:xfrm>
+            <a:prstGeom prst="rect">
+              <a:avLst/>
+            </a:prstGeom>
+            <a:noFill/>
+          </p:spPr>
+          <p:txBody>
+            <a:bodyPr wrap="none" lIns="0" tIns="0" rIns="0" bIns="0" anchor="ctr" anchorCtr="1"/>
+            <a:lstStyle/>
+            <a:p>
+              <a:pPr marL="0" marR="0" indent="0" algn="l">
+                <a:lnSpc>
+                  <a:spcPts val="1800"/>
+                </a:lnSpc>
+                <a:spcBef>
+                  <a:spcPts val="0"/>
+                </a:spcBef>
+                <a:spcAft>
+                  <a:spcPts val="0"/>
+                </a:spcAft>
+              </a:pPr>
+              <a:r>
+                <a:rPr sz="1800">
+                  <a:solidFill>
+                    <a:srgbClr val="000000">
+                      <a:alpha val="100000"/>
+                    </a:srgbClr>
+                  </a:solidFill>
+                  <a:latin typeface="Arial"/>
+                  <a:cs typeface="Arial"/>
+                </a:rPr>
+                <a:t>IIV prey speed</a:t>
+              </a:r>
+            </a:p>
+          </p:txBody>
+        </p:sp>
+        <p:sp>
+          <p:nvSpPr>
+            <p:cNvPr id="197" name="tx84">
+              <a:extLst>
+                <a:ext uri="{FF2B5EF4-FFF2-40B4-BE49-F238E27FC236}">
+                  <a16:creationId xmlns:a16="http://schemas.microsoft.com/office/drawing/2014/main" id="{6E9DF8B6-958A-7742-CDBB-C54E4A0EB4B7}"/>
+                </a:ext>
+              </a:extLst>
+            </p:cNvPr>
+            <p:cNvSpPr/>
+            <p:nvPr/>
+          </p:nvSpPr>
+          <p:spPr>
+            <a:xfrm>
+              <a:off x="2005597" y="5393464"/>
+              <a:ext cx="1461120" cy="123899"/>
+            </a:xfrm>
+            <a:prstGeom prst="rect">
+              <a:avLst/>
+            </a:prstGeom>
+            <a:noFill/>
+          </p:spPr>
+          <p:txBody>
+            <a:bodyPr wrap="none" lIns="0" tIns="0" rIns="0" bIns="0" anchor="ctr" anchorCtr="1"/>
+            <a:lstStyle/>
+            <a:p>
+              <a:pPr marL="0" marR="0" indent="0" algn="l">
+                <a:lnSpc>
+                  <a:spcPts val="1800"/>
+                </a:lnSpc>
+                <a:spcBef>
+                  <a:spcPts val="0"/>
+                </a:spcBef>
+                <a:spcAft>
+                  <a:spcPts val="0"/>
+                </a:spcAft>
+              </a:pPr>
+              <a:r>
+                <a:rPr sz="1800">
+                  <a:solidFill>
+                    <a:srgbClr val="000000">
+                      <a:alpha val="100000"/>
+                    </a:srgbClr>
+                  </a:solidFill>
+                  <a:latin typeface="Arial"/>
+                  <a:cs typeface="Arial"/>
+                </a:rPr>
+                <a:t>mean success</a:t>
+              </a:r>
+            </a:p>
+          </p:txBody>
+        </p:sp>
+      </p:grpSp>
+    </p:spTree>
+    <p:extLst>
+      <p:ext uri="{BB962C8B-B14F-4D97-AF65-F5344CB8AC3E}">
+        <p14:creationId xmlns:p14="http://schemas.microsoft.com/office/powerpoint/2010/main" val="3764979274"/>
+      </p:ext>
+    </p:extLst>
+  </p:cSld>
+  <p:clrMapOvr>
+    <a:masterClrMapping/>
+  </p:clrMapOvr>
+</p:sld>
+</file>
+
+<file path=ppt/slides/slide6.xml><?xml version="1.0" encoding="utf-8"?>
+<p:sld xmlns:a="http://schemas.openxmlformats.org/drawingml/2006/main" xmlns:r="http://schemas.openxmlformats.org/officeDocument/2006/relationships" xmlns:p="http://schemas.openxmlformats.org/presentationml/2006/main">
+  <p:cSld>
+    <p:spTree>
+      <p:nvGrpSpPr>
+        <p:cNvPr id="1" name=""/>
+        <p:cNvGrpSpPr/>
+        <p:nvPr/>
+      </p:nvGrpSpPr>
+      <p:grpSpPr>
+        <a:xfrm>
+          <a:off x="0" y="0"/>
+          <a:ext cx="0" cy="0"/>
+          <a:chOff x="0" y="0"/>
+          <a:chExt cx="0" cy="0"/>
+        </a:xfrm>
+      </p:grpSpPr>
+      <p:grpSp>
+        <p:nvGrpSpPr>
+          <p:cNvPr id="2" name="Groupe 1">
+            <a:extLst>
+              <a:ext uri="{FF2B5EF4-FFF2-40B4-BE49-F238E27FC236}">
+                <a16:creationId xmlns:a16="http://schemas.microsoft.com/office/drawing/2014/main" id="{32FE325B-DF1E-6B2D-00EC-FC506ACA5D49}"/>
+              </a:ext>
+            </a:extLst>
+          </p:cNvPr>
+          <p:cNvGrpSpPr/>
+          <p:nvPr/>
+        </p:nvGrpSpPr>
+        <p:grpSpPr>
+          <a:xfrm>
+            <a:off x="1700313" y="1316595"/>
+            <a:ext cx="6571373" cy="4647319"/>
+            <a:chOff x="1700313" y="1316595"/>
+            <a:chExt cx="6571373" cy="4647319"/>
+          </a:xfrm>
+        </p:grpSpPr>
+        <p:sp>
+          <p:nvSpPr>
+            <p:cNvPr id="3" name="rc4">
+              <a:extLst>
+                <a:ext uri="{FF2B5EF4-FFF2-40B4-BE49-F238E27FC236}">
+                  <a16:creationId xmlns:a16="http://schemas.microsoft.com/office/drawing/2014/main" id="{B0F867B1-490B-5CA9-4D46-A78FFB468AA7}"/>
+                </a:ext>
+              </a:extLst>
+            </p:cNvPr>
+            <p:cNvSpPr/>
+            <p:nvPr/>
+          </p:nvSpPr>
+          <p:spPr>
+            <a:xfrm>
+              <a:off x="3539869" y="1955185"/>
+              <a:ext cx="1002182" cy="1002182"/>
+            </a:xfrm>
+            <a:prstGeom prst="rect">
+              <a:avLst/>
+            </a:prstGeom>
+            <a:solidFill>
+              <a:srgbClr val="FFFFFF">
+                <a:alpha val="100000"/>
+              </a:srgbClr>
+            </a:solidFill>
+            <a:ln w="9525" cap="rnd">
+              <a:solidFill>
+                <a:srgbClr val="FFFFFF">
+                  <a:alpha val="100000"/>
+                </a:srgbClr>
+              </a:solidFill>
+              <a:prstDash val="solid"/>
+              <a:round/>
+            </a:ln>
+          </p:spPr>
+          <p:txBody>
+            <a:bodyPr/>
+            <a:lstStyle/>
+            <a:p>
+              <a:endParaRPr/>
+            </a:p>
+          </p:txBody>
+        </p:sp>
+        <p:sp>
+          <p:nvSpPr>
+            <p:cNvPr id="44" name="rc5">
+              <a:extLst>
+                <a:ext uri="{FF2B5EF4-FFF2-40B4-BE49-F238E27FC236}">
+                  <a16:creationId xmlns:a16="http://schemas.microsoft.com/office/drawing/2014/main" id="{9432113A-D50F-CDDF-A277-122A55A8D98E}"/>
+                </a:ext>
+              </a:extLst>
+            </p:cNvPr>
+            <p:cNvSpPr/>
+            <p:nvPr/>
+          </p:nvSpPr>
+          <p:spPr>
+            <a:xfrm>
+              <a:off x="3539869" y="2957367"/>
+              <a:ext cx="1002182" cy="1002182"/>
+            </a:xfrm>
+            <a:prstGeom prst="rect">
+              <a:avLst/>
+            </a:prstGeom>
+            <a:solidFill>
+              <a:srgbClr val="FFFFFF">
+                <a:alpha val="100000"/>
+              </a:srgbClr>
+            </a:solidFill>
+            <a:ln w="9525" cap="rnd">
+              <a:solidFill>
+                <a:srgbClr val="FFFFFF">
+                  <a:alpha val="100000"/>
+                </a:srgbClr>
+              </a:solidFill>
+              <a:prstDash val="solid"/>
+              <a:round/>
+            </a:ln>
+          </p:spPr>
+          <p:txBody>
+            <a:bodyPr/>
+            <a:lstStyle/>
+            <a:p>
+              <a:endParaRPr/>
+            </a:p>
+          </p:txBody>
+        </p:sp>
+        <p:sp>
+          <p:nvSpPr>
+            <p:cNvPr id="45" name="rc6">
+              <a:extLst>
+                <a:ext uri="{FF2B5EF4-FFF2-40B4-BE49-F238E27FC236}">
+                  <a16:creationId xmlns:a16="http://schemas.microsoft.com/office/drawing/2014/main" id="{38DF5AE3-2553-088E-FAF3-AAE65008F348}"/>
+                </a:ext>
+              </a:extLst>
+            </p:cNvPr>
+            <p:cNvSpPr/>
+            <p:nvPr/>
+          </p:nvSpPr>
+          <p:spPr>
+            <a:xfrm>
+              <a:off x="3539869" y="3959550"/>
+              <a:ext cx="1002182" cy="1002182"/>
+            </a:xfrm>
+            <a:prstGeom prst="rect">
+              <a:avLst/>
+            </a:prstGeom>
+            <a:solidFill>
+              <a:srgbClr val="FFFFFF">
+                <a:alpha val="100000"/>
+              </a:srgbClr>
+            </a:solidFill>
+            <a:ln w="9525" cap="rnd">
+              <a:solidFill>
+                <a:srgbClr val="FFFFFF">
+                  <a:alpha val="100000"/>
+                </a:srgbClr>
+              </a:solidFill>
+              <a:prstDash val="solid"/>
+              <a:round/>
+            </a:ln>
+          </p:spPr>
+          <p:txBody>
+            <a:bodyPr/>
+            <a:lstStyle/>
+            <a:p>
+              <a:endParaRPr/>
+            </a:p>
+          </p:txBody>
+        </p:sp>
+        <p:sp>
+          <p:nvSpPr>
+            <p:cNvPr id="46" name="rc7">
+              <a:extLst>
+                <a:ext uri="{FF2B5EF4-FFF2-40B4-BE49-F238E27FC236}">
+                  <a16:creationId xmlns:a16="http://schemas.microsoft.com/office/drawing/2014/main" id="{217D16AC-CB97-DD92-C7C2-7E9FEC3C25BA}"/>
+                </a:ext>
+              </a:extLst>
+            </p:cNvPr>
+            <p:cNvSpPr/>
+            <p:nvPr/>
+          </p:nvSpPr>
+          <p:spPr>
+            <a:xfrm>
+              <a:off x="3539869" y="4961732"/>
+              <a:ext cx="1002182" cy="1002182"/>
+            </a:xfrm>
+            <a:prstGeom prst="rect">
+              <a:avLst/>
+            </a:prstGeom>
+            <a:solidFill>
+              <a:srgbClr val="FFFFFF">
+                <a:alpha val="100000"/>
+              </a:srgbClr>
+            </a:solidFill>
+            <a:ln w="9525" cap="rnd">
+              <a:solidFill>
+                <a:srgbClr val="FFFFFF">
+                  <a:alpha val="100000"/>
+                </a:srgbClr>
+              </a:solidFill>
+              <a:prstDash val="solid"/>
+              <a:round/>
+            </a:ln>
+          </p:spPr>
+          <p:txBody>
+            <a:bodyPr/>
+            <a:lstStyle/>
+            <a:p>
+              <a:endParaRPr/>
+            </a:p>
+          </p:txBody>
+        </p:sp>
+        <p:sp>
+          <p:nvSpPr>
+            <p:cNvPr id="47" name="rc8">
+              <a:extLst>
+                <a:ext uri="{FF2B5EF4-FFF2-40B4-BE49-F238E27FC236}">
+                  <a16:creationId xmlns:a16="http://schemas.microsoft.com/office/drawing/2014/main" id="{A901E559-D4C2-5A2B-66A7-6C088988B018}"/>
+                </a:ext>
+              </a:extLst>
+            </p:cNvPr>
+            <p:cNvSpPr/>
+            <p:nvPr/>
+          </p:nvSpPr>
+          <p:spPr>
+            <a:xfrm>
+              <a:off x="4542052" y="2957367"/>
+              <a:ext cx="1002182" cy="1002182"/>
+            </a:xfrm>
+            <a:prstGeom prst="rect">
+              <a:avLst/>
+            </a:prstGeom>
+            <a:solidFill>
+              <a:srgbClr val="FFFFFF">
+                <a:alpha val="100000"/>
+              </a:srgbClr>
+            </a:solidFill>
+            <a:ln w="9525" cap="rnd">
+              <a:solidFill>
+                <a:srgbClr val="FFFFFF">
+                  <a:alpha val="100000"/>
+                </a:srgbClr>
+              </a:solidFill>
+              <a:prstDash val="solid"/>
+              <a:round/>
+            </a:ln>
+          </p:spPr>
+          <p:txBody>
+            <a:bodyPr/>
+            <a:lstStyle/>
+            <a:p>
+              <a:endParaRPr/>
+            </a:p>
+          </p:txBody>
+        </p:sp>
+        <p:sp>
+          <p:nvSpPr>
+            <p:cNvPr id="48" name="rc9">
+              <a:extLst>
+                <a:ext uri="{FF2B5EF4-FFF2-40B4-BE49-F238E27FC236}">
+                  <a16:creationId xmlns:a16="http://schemas.microsoft.com/office/drawing/2014/main" id="{6724D27C-C2AC-08D9-973A-AA61D796759A}"/>
+                </a:ext>
+              </a:extLst>
+            </p:cNvPr>
+            <p:cNvSpPr/>
+            <p:nvPr/>
+          </p:nvSpPr>
+          <p:spPr>
+            <a:xfrm>
+              <a:off x="4542052" y="3959550"/>
+              <a:ext cx="1002182" cy="1002182"/>
+            </a:xfrm>
+            <a:prstGeom prst="rect">
+              <a:avLst/>
+            </a:prstGeom>
+            <a:solidFill>
+              <a:srgbClr val="FFFFFF">
+                <a:alpha val="100000"/>
+              </a:srgbClr>
+            </a:solidFill>
+            <a:ln w="9525" cap="rnd">
+              <a:solidFill>
+                <a:srgbClr val="FFFFFF">
+                  <a:alpha val="100000"/>
+                </a:srgbClr>
+              </a:solidFill>
+              <a:prstDash val="solid"/>
+              <a:round/>
+            </a:ln>
+          </p:spPr>
+          <p:txBody>
+            <a:bodyPr/>
+            <a:lstStyle/>
+            <a:p>
+              <a:endParaRPr/>
+            </a:p>
+          </p:txBody>
+        </p:sp>
+        <p:sp>
+          <p:nvSpPr>
+            <p:cNvPr id="49" name="rc10">
+              <a:extLst>
+                <a:ext uri="{FF2B5EF4-FFF2-40B4-BE49-F238E27FC236}">
+                  <a16:creationId xmlns:a16="http://schemas.microsoft.com/office/drawing/2014/main" id="{2A604371-6CF8-F1D8-A1C3-7FE0715112A0}"/>
+                </a:ext>
+              </a:extLst>
+            </p:cNvPr>
+            <p:cNvSpPr/>
+            <p:nvPr/>
+          </p:nvSpPr>
+          <p:spPr>
+            <a:xfrm>
+              <a:off x="4542052" y="4961732"/>
+              <a:ext cx="1002182" cy="1002182"/>
+            </a:xfrm>
+            <a:prstGeom prst="rect">
+              <a:avLst/>
+            </a:prstGeom>
+            <a:solidFill>
+              <a:srgbClr val="FFFFFF">
+                <a:alpha val="100000"/>
+              </a:srgbClr>
+            </a:solidFill>
+            <a:ln w="9525" cap="rnd">
+              <a:solidFill>
+                <a:srgbClr val="FFFFFF">
+                  <a:alpha val="100000"/>
+                </a:srgbClr>
+              </a:solidFill>
+              <a:prstDash val="solid"/>
+              <a:round/>
+            </a:ln>
+          </p:spPr>
+          <p:txBody>
+            <a:bodyPr/>
+            <a:lstStyle/>
+            <a:p>
+              <a:endParaRPr/>
+            </a:p>
+          </p:txBody>
+        </p:sp>
+        <p:sp>
+          <p:nvSpPr>
+            <p:cNvPr id="50" name="rc11">
+              <a:extLst>
+                <a:ext uri="{FF2B5EF4-FFF2-40B4-BE49-F238E27FC236}">
+                  <a16:creationId xmlns:a16="http://schemas.microsoft.com/office/drawing/2014/main" id="{27D0A839-F52C-D6D7-C54D-9B52D75AB645}"/>
+                </a:ext>
+              </a:extLst>
+            </p:cNvPr>
+            <p:cNvSpPr/>
+            <p:nvPr/>
+          </p:nvSpPr>
+          <p:spPr>
+            <a:xfrm>
+              <a:off x="5544234" y="3959550"/>
+              <a:ext cx="1002182" cy="1002182"/>
+            </a:xfrm>
+            <a:prstGeom prst="rect">
+              <a:avLst/>
+            </a:prstGeom>
+            <a:solidFill>
+              <a:srgbClr val="FFFFFF">
+                <a:alpha val="100000"/>
+              </a:srgbClr>
+            </a:solidFill>
+            <a:ln w="9525" cap="rnd">
+              <a:solidFill>
+                <a:srgbClr val="FFFFFF">
+                  <a:alpha val="100000"/>
+                </a:srgbClr>
+              </a:solidFill>
+              <a:prstDash val="solid"/>
+              <a:round/>
+            </a:ln>
+          </p:spPr>
+          <p:txBody>
+            <a:bodyPr/>
+            <a:lstStyle/>
+            <a:p>
+              <a:endParaRPr/>
+            </a:p>
+          </p:txBody>
+        </p:sp>
+        <p:sp>
+          <p:nvSpPr>
+            <p:cNvPr id="51" name="rc12">
+              <a:extLst>
+                <a:ext uri="{FF2B5EF4-FFF2-40B4-BE49-F238E27FC236}">
+                  <a16:creationId xmlns:a16="http://schemas.microsoft.com/office/drawing/2014/main" id="{D5EB32D3-1A28-11FD-7935-633A350A85FB}"/>
+                </a:ext>
+              </a:extLst>
+            </p:cNvPr>
+            <p:cNvSpPr/>
+            <p:nvPr/>
+          </p:nvSpPr>
+          <p:spPr>
+            <a:xfrm>
+              <a:off x="5544234" y="4961732"/>
+              <a:ext cx="1002182" cy="1002182"/>
+            </a:xfrm>
+            <a:prstGeom prst="rect">
+              <a:avLst/>
+            </a:prstGeom>
+            <a:solidFill>
+              <a:srgbClr val="FFFFFF">
+                <a:alpha val="100000"/>
+              </a:srgbClr>
+            </a:solidFill>
+            <a:ln w="9525" cap="rnd">
+              <a:solidFill>
+                <a:srgbClr val="FFFFFF">
+                  <a:alpha val="100000"/>
+                </a:srgbClr>
+              </a:solidFill>
+              <a:prstDash val="solid"/>
+              <a:round/>
+            </a:ln>
+          </p:spPr>
+          <p:txBody>
+            <a:bodyPr/>
+            <a:lstStyle/>
+            <a:p>
+              <a:endParaRPr/>
+            </a:p>
+          </p:txBody>
+        </p:sp>
+        <p:sp>
+          <p:nvSpPr>
+            <p:cNvPr id="52" name="rc13">
+              <a:extLst>
+                <a:ext uri="{FF2B5EF4-FFF2-40B4-BE49-F238E27FC236}">
+                  <a16:creationId xmlns:a16="http://schemas.microsoft.com/office/drawing/2014/main" id="{BAF63FB5-A174-A3B4-86FB-CF0A59AAE486}"/>
+                </a:ext>
+              </a:extLst>
+            </p:cNvPr>
+            <p:cNvSpPr/>
+            <p:nvPr/>
+          </p:nvSpPr>
+          <p:spPr>
+            <a:xfrm>
+              <a:off x="6546417" y="4961732"/>
+              <a:ext cx="1002182" cy="1002182"/>
+            </a:xfrm>
+            <a:prstGeom prst="rect">
+              <a:avLst/>
+            </a:prstGeom>
+            <a:solidFill>
+              <a:srgbClr val="FFFFFF">
+                <a:alpha val="100000"/>
+              </a:srgbClr>
+            </a:solidFill>
+            <a:ln w="9525" cap="rnd">
+              <a:solidFill>
+                <a:srgbClr val="FFFFFF">
+                  <a:alpha val="100000"/>
+                </a:srgbClr>
+              </a:solidFill>
+              <a:prstDash val="solid"/>
+              <a:round/>
+            </a:ln>
+          </p:spPr>
+          <p:txBody>
+            <a:bodyPr/>
+            <a:lstStyle/>
+            <a:p>
+              <a:endParaRPr/>
+            </a:p>
+          </p:txBody>
+        </p:sp>
+        <p:sp>
+          <p:nvSpPr>
+            <p:cNvPr id="53" name="pt14">
+              <a:extLst>
+                <a:ext uri="{FF2B5EF4-FFF2-40B4-BE49-F238E27FC236}">
+                  <a16:creationId xmlns:a16="http://schemas.microsoft.com/office/drawing/2014/main" id="{5B2D3D62-EAFB-56F2-A3CB-2AF292F636BF}"/>
+                </a:ext>
+              </a:extLst>
+            </p:cNvPr>
+            <p:cNvSpPr/>
+            <p:nvPr/>
+          </p:nvSpPr>
+          <p:spPr>
+            <a:xfrm>
+              <a:off x="3643133" y="2058449"/>
+              <a:ext cx="795653" cy="795653"/>
+            </a:xfrm>
+            <a:prstGeom prst="ellipse">
+              <a:avLst/>
+            </a:prstGeom>
+            <a:solidFill>
+              <a:srgbClr val="B51F2E">
+                <a:alpha val="100000"/>
+              </a:srgbClr>
+            </a:solidFill>
+            <a:ln w="9525" cap="rnd">
+              <a:solidFill>
+                <a:srgbClr val="B51F2E">
+                  <a:alpha val="100000"/>
+                </a:srgbClr>
+              </a:solidFill>
+              <a:prstDash val="solid"/>
+              <a:round/>
+            </a:ln>
+          </p:spPr>
+          <p:txBody>
+            <a:bodyPr/>
+            <a:lstStyle/>
+            <a:p>
+              <a:endParaRPr/>
+            </a:p>
+          </p:txBody>
+        </p:sp>
+        <p:sp>
+          <p:nvSpPr>
+            <p:cNvPr id="54" name="pt15">
+              <a:extLst>
+                <a:ext uri="{FF2B5EF4-FFF2-40B4-BE49-F238E27FC236}">
+                  <a16:creationId xmlns:a16="http://schemas.microsoft.com/office/drawing/2014/main" id="{53E519CB-D4AC-616B-EAE5-5A64E3A5B652}"/>
+                </a:ext>
+              </a:extLst>
+            </p:cNvPr>
+            <p:cNvSpPr/>
+            <p:nvPr/>
+          </p:nvSpPr>
+          <p:spPr>
+            <a:xfrm>
+              <a:off x="3808991" y="3226489"/>
+              <a:ext cx="463938" cy="463938"/>
+            </a:xfrm>
+            <a:prstGeom prst="ellipse">
+              <a:avLst/>
+            </a:prstGeom>
+            <a:solidFill>
+              <a:srgbClr val="A7CFE4">
+                <a:alpha val="100000"/>
+              </a:srgbClr>
+            </a:solidFill>
+            <a:ln w="9525" cap="rnd">
+              <a:solidFill>
+                <a:srgbClr val="A7CFE4">
+                  <a:alpha val="100000"/>
+                </a:srgbClr>
+              </a:solidFill>
+              <a:prstDash val="solid"/>
+              <a:round/>
+            </a:ln>
+          </p:spPr>
+          <p:txBody>
+            <a:bodyPr/>
+            <a:lstStyle/>
+            <a:p>
+              <a:endParaRPr/>
+            </a:p>
+          </p:txBody>
+        </p:sp>
+        <p:sp>
+          <p:nvSpPr>
+            <p:cNvPr id="55" name="pt16">
+              <a:extLst>
+                <a:ext uri="{FF2B5EF4-FFF2-40B4-BE49-F238E27FC236}">
+                  <a16:creationId xmlns:a16="http://schemas.microsoft.com/office/drawing/2014/main" id="{BDC09F34-246C-24FB-E453-CDBD8AB7A9EE}"/>
+                </a:ext>
+              </a:extLst>
+            </p:cNvPr>
+            <p:cNvSpPr/>
+            <p:nvPr/>
+          </p:nvSpPr>
+          <p:spPr>
+            <a:xfrm>
+              <a:off x="3759299" y="4178979"/>
+              <a:ext cx="563323" cy="563323"/>
+            </a:xfrm>
+            <a:prstGeom prst="ellipse">
+              <a:avLst/>
+            </a:prstGeom>
+            <a:solidFill>
+              <a:srgbClr val="F7B698">
+                <a:alpha val="100000"/>
+              </a:srgbClr>
+            </a:solidFill>
+            <a:ln w="9525" cap="rnd">
+              <a:solidFill>
+                <a:srgbClr val="F7B698">
+                  <a:alpha val="100000"/>
+                </a:srgbClr>
+              </a:solidFill>
+              <a:prstDash val="solid"/>
+              <a:round/>
+            </a:ln>
+          </p:spPr>
+          <p:txBody>
+            <a:bodyPr/>
+            <a:lstStyle/>
+            <a:p>
+              <a:endParaRPr/>
+            </a:p>
+          </p:txBody>
+        </p:sp>
+        <p:sp>
+          <p:nvSpPr>
+            <p:cNvPr id="56" name="pt17">
+              <a:extLst>
+                <a:ext uri="{FF2B5EF4-FFF2-40B4-BE49-F238E27FC236}">
+                  <a16:creationId xmlns:a16="http://schemas.microsoft.com/office/drawing/2014/main" id="{FBF18FC2-B1BD-8EFC-CE5F-E7EEF38404B3}"/>
+                </a:ext>
+              </a:extLst>
+            </p:cNvPr>
+            <p:cNvSpPr/>
+            <p:nvPr/>
+          </p:nvSpPr>
+          <p:spPr>
+            <a:xfrm>
+              <a:off x="3941281" y="5363144"/>
+              <a:ext cx="199358" cy="199358"/>
+            </a:xfrm>
+            <a:prstGeom prst="ellipse">
+              <a:avLst/>
+            </a:prstGeom>
+            <a:solidFill>
+              <a:srgbClr val="E5F0F6">
+                <a:alpha val="100000"/>
+              </a:srgbClr>
+            </a:solidFill>
+            <a:ln w="9525" cap="rnd">
+              <a:solidFill>
+                <a:srgbClr val="E5F0F6">
+                  <a:alpha val="100000"/>
+                </a:srgbClr>
+              </a:solidFill>
+              <a:prstDash val="solid"/>
+              <a:round/>
+            </a:ln>
+          </p:spPr>
+          <p:txBody>
+            <a:bodyPr/>
+            <a:lstStyle/>
+            <a:p>
+              <a:endParaRPr/>
+            </a:p>
+          </p:txBody>
+        </p:sp>
+        <p:sp>
+          <p:nvSpPr>
+            <p:cNvPr id="57" name="pt18">
+              <a:extLst>
+                <a:ext uri="{FF2B5EF4-FFF2-40B4-BE49-F238E27FC236}">
+                  <a16:creationId xmlns:a16="http://schemas.microsoft.com/office/drawing/2014/main" id="{BB0545CA-60CE-C66C-C1A3-08725700328E}"/>
+                </a:ext>
+              </a:extLst>
+            </p:cNvPr>
+            <p:cNvSpPr/>
+            <p:nvPr/>
+          </p:nvSpPr>
+          <p:spPr>
+            <a:xfrm>
+              <a:off x="4861224" y="3276539"/>
+              <a:ext cx="363838" cy="363838"/>
+            </a:xfrm>
+            <a:prstGeom prst="ellipse">
+              <a:avLst/>
+            </a:prstGeom>
+            <a:solidFill>
+              <a:srgbClr val="FDEBDF">
+                <a:alpha val="100000"/>
+              </a:srgbClr>
+            </a:solidFill>
+            <a:ln w="9525" cap="rnd">
+              <a:solidFill>
+                <a:srgbClr val="FDEBDF">
+                  <a:alpha val="100000"/>
+                </a:srgbClr>
+              </a:solidFill>
+              <a:prstDash val="solid"/>
+              <a:round/>
+            </a:ln>
+          </p:spPr>
+          <p:txBody>
+            <a:bodyPr/>
+            <a:lstStyle/>
+            <a:p>
+              <a:endParaRPr/>
+            </a:p>
+          </p:txBody>
+        </p:sp>
+        <p:sp>
+          <p:nvSpPr>
+            <p:cNvPr id="58" name="pt19">
+              <a:extLst>
+                <a:ext uri="{FF2B5EF4-FFF2-40B4-BE49-F238E27FC236}">
+                  <a16:creationId xmlns:a16="http://schemas.microsoft.com/office/drawing/2014/main" id="{7C027F5A-F045-A101-5CF1-DBE52D094456}"/>
+                </a:ext>
+              </a:extLst>
+            </p:cNvPr>
+            <p:cNvSpPr/>
+            <p:nvPr/>
+          </p:nvSpPr>
+          <p:spPr>
+            <a:xfrm>
+              <a:off x="4779776" y="4197274"/>
+              <a:ext cx="526734" cy="526734"/>
+            </a:xfrm>
+            <a:prstGeom prst="ellipse">
+              <a:avLst/>
+            </a:prstGeom>
+            <a:solidFill>
+              <a:srgbClr val="A7CFE4">
+                <a:alpha val="100000"/>
+              </a:srgbClr>
+            </a:solidFill>
+            <a:ln w="9525" cap="rnd">
+              <a:solidFill>
+                <a:srgbClr val="A7CFE4">
+                  <a:alpha val="100000"/>
+                </a:srgbClr>
+              </a:solidFill>
+              <a:prstDash val="solid"/>
+              <a:round/>
+            </a:ln>
+          </p:spPr>
+          <p:txBody>
+            <a:bodyPr/>
+            <a:lstStyle/>
+            <a:p>
+              <a:endParaRPr/>
+            </a:p>
+          </p:txBody>
+        </p:sp>
+        <p:sp>
+          <p:nvSpPr>
+            <p:cNvPr id="59" name="pt20">
+              <a:extLst>
+                <a:ext uri="{FF2B5EF4-FFF2-40B4-BE49-F238E27FC236}">
+                  <a16:creationId xmlns:a16="http://schemas.microsoft.com/office/drawing/2014/main" id="{6F5F073A-4A13-E0A2-816C-6EB4108AC7B2}"/>
+                </a:ext>
+              </a:extLst>
+            </p:cNvPr>
+            <p:cNvSpPr/>
+            <p:nvPr/>
+          </p:nvSpPr>
+          <p:spPr>
+            <a:xfrm>
+              <a:off x="4822262" y="5241943"/>
+              <a:ext cx="441761" cy="441761"/>
+            </a:xfrm>
+            <a:prstGeom prst="ellipse">
+              <a:avLst/>
+            </a:prstGeom>
+            <a:solidFill>
+              <a:srgbClr val="F7B698">
+                <a:alpha val="100000"/>
+              </a:srgbClr>
+            </a:solidFill>
+            <a:ln w="9525" cap="rnd">
+              <a:solidFill>
+                <a:srgbClr val="F7B698">
+                  <a:alpha val="100000"/>
+                </a:srgbClr>
+              </a:solidFill>
+              <a:prstDash val="solid"/>
+              <a:round/>
+            </a:ln>
+          </p:spPr>
+          <p:txBody>
+            <a:bodyPr/>
+            <a:lstStyle/>
+            <a:p>
+              <a:endParaRPr/>
+            </a:p>
+          </p:txBody>
+        </p:sp>
+        <p:sp>
+          <p:nvSpPr>
+            <p:cNvPr id="60" name="pt21">
+              <a:extLst>
+                <a:ext uri="{FF2B5EF4-FFF2-40B4-BE49-F238E27FC236}">
+                  <a16:creationId xmlns:a16="http://schemas.microsoft.com/office/drawing/2014/main" id="{FE4912EE-0C87-0BDB-30B1-9A356D39C74E}"/>
+                </a:ext>
+              </a:extLst>
+            </p:cNvPr>
+            <p:cNvSpPr/>
+            <p:nvPr/>
+          </p:nvSpPr>
+          <p:spPr>
+            <a:xfrm>
+              <a:off x="5703215" y="4118531"/>
+              <a:ext cx="684220" cy="684220"/>
+            </a:xfrm>
+            <a:prstGeom prst="ellipse">
+              <a:avLst/>
+            </a:prstGeom>
+            <a:solidFill>
+              <a:srgbClr val="DC6F58">
+                <a:alpha val="100000"/>
+              </a:srgbClr>
+            </a:solidFill>
+            <a:ln w="9525" cap="rnd">
+              <a:solidFill>
+                <a:srgbClr val="DC6F58">
+                  <a:alpha val="100000"/>
+                </a:srgbClr>
+              </a:solidFill>
+              <a:prstDash val="solid"/>
+              <a:round/>
+            </a:ln>
+          </p:spPr>
+          <p:txBody>
+            <a:bodyPr/>
+            <a:lstStyle/>
+            <a:p>
+              <a:endParaRPr/>
+            </a:p>
+          </p:txBody>
+        </p:sp>
+        <p:sp>
+          <p:nvSpPr>
+            <p:cNvPr id="61" name="pt22">
+              <a:extLst>
+                <a:ext uri="{FF2B5EF4-FFF2-40B4-BE49-F238E27FC236}">
+                  <a16:creationId xmlns:a16="http://schemas.microsoft.com/office/drawing/2014/main" id="{FB012BC9-22C6-E907-4E36-8FCE9C9059F1}"/>
+                </a:ext>
+              </a:extLst>
+            </p:cNvPr>
+            <p:cNvSpPr/>
+            <p:nvPr/>
+          </p:nvSpPr>
+          <p:spPr>
+            <a:xfrm>
+              <a:off x="5733976" y="5151474"/>
+              <a:ext cx="622698" cy="622698"/>
+            </a:xfrm>
+            <a:prstGeom prst="ellipse">
+              <a:avLst/>
+            </a:prstGeom>
+            <a:solidFill>
+              <a:srgbClr val="DC6F58">
+                <a:alpha val="100000"/>
+              </a:srgbClr>
+            </a:solidFill>
+            <a:ln w="9525" cap="rnd">
+              <a:solidFill>
+                <a:srgbClr val="DC6F58">
+                  <a:alpha val="100000"/>
+                </a:srgbClr>
+              </a:solidFill>
+              <a:prstDash val="solid"/>
+              <a:round/>
+            </a:ln>
+          </p:spPr>
+          <p:txBody>
+            <a:bodyPr/>
+            <a:lstStyle/>
+            <a:p>
+              <a:endParaRPr sz="1300"/>
+            </a:p>
+          </p:txBody>
+        </p:sp>
+        <p:sp>
+          <p:nvSpPr>
+            <p:cNvPr id="62" name="pt23">
+              <a:extLst>
+                <a:ext uri="{FF2B5EF4-FFF2-40B4-BE49-F238E27FC236}">
+                  <a16:creationId xmlns:a16="http://schemas.microsoft.com/office/drawing/2014/main" id="{1D2E7CDD-7934-475E-9CED-704DB5C61853}"/>
+                </a:ext>
+              </a:extLst>
+            </p:cNvPr>
+            <p:cNvSpPr/>
+            <p:nvPr/>
+          </p:nvSpPr>
+          <p:spPr>
+            <a:xfrm>
+              <a:off x="6818275" y="5233591"/>
+              <a:ext cx="458465" cy="458465"/>
+            </a:xfrm>
+            <a:prstGeom prst="ellipse">
+              <a:avLst/>
+            </a:prstGeom>
+            <a:solidFill>
+              <a:srgbClr val="A7CFE4">
+                <a:alpha val="100000"/>
+              </a:srgbClr>
+            </a:solidFill>
+            <a:ln w="9525" cap="rnd">
+              <a:solidFill>
+                <a:srgbClr val="A7CFE4">
+                  <a:alpha val="100000"/>
+                </a:srgbClr>
+              </a:solidFill>
+              <a:prstDash val="solid"/>
+              <a:round/>
+            </a:ln>
+          </p:spPr>
+          <p:txBody>
+            <a:bodyPr/>
+            <a:lstStyle/>
+            <a:p>
+              <a:endParaRPr/>
+            </a:p>
+          </p:txBody>
+        </p:sp>
+        <p:sp>
+          <p:nvSpPr>
+            <p:cNvPr id="63" name="rc24">
+              <a:extLst>
+                <a:ext uri="{FF2B5EF4-FFF2-40B4-BE49-F238E27FC236}">
+                  <a16:creationId xmlns:a16="http://schemas.microsoft.com/office/drawing/2014/main" id="{BE84C303-69FD-F249-EDCF-31528EE29332}"/>
+                </a:ext>
+              </a:extLst>
+            </p:cNvPr>
+            <p:cNvSpPr/>
+            <p:nvPr/>
+          </p:nvSpPr>
+          <p:spPr>
+            <a:xfrm>
+              <a:off x="3539869" y="1955185"/>
+              <a:ext cx="1002182" cy="1002182"/>
+            </a:xfrm>
+            <a:prstGeom prst="rect">
+              <a:avLst/>
+            </a:prstGeom>
+            <a:ln w="9525" cap="rnd">
+              <a:solidFill>
+                <a:srgbClr val="BEBEBE">
+                  <a:alpha val="100000"/>
+                </a:srgbClr>
+              </a:solidFill>
+              <a:prstDash val="solid"/>
+              <a:round/>
+            </a:ln>
+          </p:spPr>
+          <p:txBody>
+            <a:bodyPr/>
+            <a:lstStyle/>
+            <a:p>
+              <a:endParaRPr/>
+            </a:p>
+          </p:txBody>
+        </p:sp>
+        <p:sp>
+          <p:nvSpPr>
+            <p:cNvPr id="64" name="rc25">
+              <a:extLst>
+                <a:ext uri="{FF2B5EF4-FFF2-40B4-BE49-F238E27FC236}">
+                  <a16:creationId xmlns:a16="http://schemas.microsoft.com/office/drawing/2014/main" id="{9322BB68-9C04-9FE8-DEF0-2ECD6F1AE1C0}"/>
+                </a:ext>
+              </a:extLst>
+            </p:cNvPr>
+            <p:cNvSpPr/>
+            <p:nvPr/>
+          </p:nvSpPr>
+          <p:spPr>
+            <a:xfrm>
+              <a:off x="3539869" y="2957367"/>
+              <a:ext cx="1002182" cy="1002182"/>
+            </a:xfrm>
+            <a:prstGeom prst="rect">
+              <a:avLst/>
+            </a:prstGeom>
+            <a:ln w="9525" cap="rnd">
+              <a:solidFill>
+                <a:srgbClr val="BEBEBE">
+                  <a:alpha val="100000"/>
+                </a:srgbClr>
+              </a:solidFill>
+              <a:prstDash val="solid"/>
+              <a:round/>
+            </a:ln>
+          </p:spPr>
+          <p:txBody>
+            <a:bodyPr/>
+            <a:lstStyle/>
+            <a:p>
+              <a:endParaRPr/>
+            </a:p>
+          </p:txBody>
+        </p:sp>
+        <p:sp>
+          <p:nvSpPr>
+            <p:cNvPr id="65" name="rc26">
+              <a:extLst>
+                <a:ext uri="{FF2B5EF4-FFF2-40B4-BE49-F238E27FC236}">
+                  <a16:creationId xmlns:a16="http://schemas.microsoft.com/office/drawing/2014/main" id="{18C2E0E3-D1D6-3BF1-E459-279EF6E987D2}"/>
+                </a:ext>
+              </a:extLst>
+            </p:cNvPr>
+            <p:cNvSpPr/>
+            <p:nvPr/>
+          </p:nvSpPr>
+          <p:spPr>
+            <a:xfrm>
+              <a:off x="3539869" y="3959550"/>
+              <a:ext cx="1002182" cy="1002182"/>
+            </a:xfrm>
+            <a:prstGeom prst="rect">
+              <a:avLst/>
+            </a:prstGeom>
+            <a:ln w="9525" cap="rnd">
+              <a:solidFill>
+                <a:srgbClr val="BEBEBE">
+                  <a:alpha val="100000"/>
+                </a:srgbClr>
+              </a:solidFill>
+              <a:prstDash val="solid"/>
+              <a:round/>
+            </a:ln>
+          </p:spPr>
+          <p:txBody>
+            <a:bodyPr/>
+            <a:lstStyle/>
+            <a:p>
+              <a:endParaRPr/>
+            </a:p>
+          </p:txBody>
+        </p:sp>
+        <p:sp>
+          <p:nvSpPr>
+            <p:cNvPr id="66" name="rc27">
+              <a:extLst>
+                <a:ext uri="{FF2B5EF4-FFF2-40B4-BE49-F238E27FC236}">
+                  <a16:creationId xmlns:a16="http://schemas.microsoft.com/office/drawing/2014/main" id="{AF13CF3E-D798-2125-EB7C-3AAE27A3B224}"/>
+                </a:ext>
+              </a:extLst>
+            </p:cNvPr>
+            <p:cNvSpPr/>
+            <p:nvPr/>
+          </p:nvSpPr>
+          <p:spPr>
+            <a:xfrm>
+              <a:off x="3539869" y="4961732"/>
+              <a:ext cx="1002182" cy="1002182"/>
+            </a:xfrm>
+            <a:prstGeom prst="rect">
+              <a:avLst/>
+            </a:prstGeom>
+            <a:ln w="9525" cap="rnd">
+              <a:solidFill>
+                <a:srgbClr val="BEBEBE">
+                  <a:alpha val="100000"/>
+                </a:srgbClr>
+              </a:solidFill>
+              <a:prstDash val="solid"/>
+              <a:round/>
+            </a:ln>
+          </p:spPr>
+          <p:txBody>
+            <a:bodyPr/>
+            <a:lstStyle/>
+            <a:p>
+              <a:endParaRPr/>
+            </a:p>
+          </p:txBody>
+        </p:sp>
+        <p:sp>
+          <p:nvSpPr>
+            <p:cNvPr id="67" name="rc28">
+              <a:extLst>
+                <a:ext uri="{FF2B5EF4-FFF2-40B4-BE49-F238E27FC236}">
+                  <a16:creationId xmlns:a16="http://schemas.microsoft.com/office/drawing/2014/main" id="{98CACCD8-0F81-A390-A67F-761DDE4D3254}"/>
+                </a:ext>
+              </a:extLst>
+            </p:cNvPr>
+            <p:cNvSpPr/>
+            <p:nvPr/>
+          </p:nvSpPr>
+          <p:spPr>
+            <a:xfrm>
+              <a:off x="4542052" y="2957367"/>
+              <a:ext cx="1002182" cy="1002182"/>
+            </a:xfrm>
+            <a:prstGeom prst="rect">
+              <a:avLst/>
+            </a:prstGeom>
+            <a:ln w="9525" cap="rnd">
+              <a:solidFill>
+                <a:srgbClr val="BEBEBE">
+                  <a:alpha val="100000"/>
+                </a:srgbClr>
+              </a:solidFill>
+              <a:prstDash val="solid"/>
+              <a:round/>
+            </a:ln>
+          </p:spPr>
+          <p:txBody>
+            <a:bodyPr/>
+            <a:lstStyle/>
+            <a:p>
+              <a:endParaRPr/>
+            </a:p>
+          </p:txBody>
+        </p:sp>
+        <p:sp>
+          <p:nvSpPr>
+            <p:cNvPr id="68" name="rc29">
+              <a:extLst>
+                <a:ext uri="{FF2B5EF4-FFF2-40B4-BE49-F238E27FC236}">
+                  <a16:creationId xmlns:a16="http://schemas.microsoft.com/office/drawing/2014/main" id="{EC6D4B8A-E86E-2617-455A-397255093F84}"/>
+                </a:ext>
+              </a:extLst>
+            </p:cNvPr>
+            <p:cNvSpPr/>
+            <p:nvPr/>
+          </p:nvSpPr>
+          <p:spPr>
+            <a:xfrm>
+              <a:off x="4542052" y="3959550"/>
+              <a:ext cx="1002182" cy="1002182"/>
+            </a:xfrm>
+            <a:prstGeom prst="rect">
+              <a:avLst/>
+            </a:prstGeom>
+            <a:ln w="9525" cap="rnd">
+              <a:solidFill>
+                <a:srgbClr val="BEBEBE">
+                  <a:alpha val="100000"/>
+                </a:srgbClr>
+              </a:solidFill>
+              <a:prstDash val="solid"/>
+              <a:round/>
+            </a:ln>
+          </p:spPr>
+          <p:txBody>
+            <a:bodyPr/>
+            <a:lstStyle/>
+            <a:p>
+              <a:endParaRPr/>
+            </a:p>
+          </p:txBody>
+        </p:sp>
+        <p:sp>
+          <p:nvSpPr>
+            <p:cNvPr id="69" name="rc30">
+              <a:extLst>
+                <a:ext uri="{FF2B5EF4-FFF2-40B4-BE49-F238E27FC236}">
+                  <a16:creationId xmlns:a16="http://schemas.microsoft.com/office/drawing/2014/main" id="{842DCB59-6DB5-9E1D-6E85-D018A70D30C6}"/>
+                </a:ext>
+              </a:extLst>
+            </p:cNvPr>
+            <p:cNvSpPr/>
+            <p:nvPr/>
+          </p:nvSpPr>
+          <p:spPr>
+            <a:xfrm>
+              <a:off x="4542052" y="4961732"/>
+              <a:ext cx="1002182" cy="1002182"/>
+            </a:xfrm>
+            <a:prstGeom prst="rect">
+              <a:avLst/>
+            </a:prstGeom>
+            <a:ln w="9525" cap="rnd">
+              <a:solidFill>
+                <a:srgbClr val="BEBEBE">
+                  <a:alpha val="100000"/>
+                </a:srgbClr>
+              </a:solidFill>
+              <a:prstDash val="solid"/>
+              <a:round/>
+            </a:ln>
+          </p:spPr>
+          <p:txBody>
+            <a:bodyPr/>
+            <a:lstStyle/>
+            <a:p>
+              <a:endParaRPr/>
+            </a:p>
+          </p:txBody>
+        </p:sp>
+        <p:sp>
+          <p:nvSpPr>
+            <p:cNvPr id="70" name="rc31">
+              <a:extLst>
+                <a:ext uri="{FF2B5EF4-FFF2-40B4-BE49-F238E27FC236}">
+                  <a16:creationId xmlns:a16="http://schemas.microsoft.com/office/drawing/2014/main" id="{18D04C29-0097-9889-5521-EC1A7D01FD3D}"/>
+                </a:ext>
+              </a:extLst>
+            </p:cNvPr>
+            <p:cNvSpPr/>
+            <p:nvPr/>
+          </p:nvSpPr>
+          <p:spPr>
+            <a:xfrm>
+              <a:off x="5544234" y="3959550"/>
+              <a:ext cx="1002182" cy="1002182"/>
+            </a:xfrm>
+            <a:prstGeom prst="rect">
+              <a:avLst/>
+            </a:prstGeom>
+            <a:ln w="9525" cap="rnd">
+              <a:solidFill>
+                <a:srgbClr val="BEBEBE">
+                  <a:alpha val="100000"/>
+                </a:srgbClr>
+              </a:solidFill>
+              <a:prstDash val="solid"/>
+              <a:round/>
+            </a:ln>
+          </p:spPr>
+          <p:txBody>
+            <a:bodyPr/>
+            <a:lstStyle/>
+            <a:p>
+              <a:endParaRPr/>
+            </a:p>
+          </p:txBody>
+        </p:sp>
+        <p:sp>
+          <p:nvSpPr>
+            <p:cNvPr id="71" name="rc32">
+              <a:extLst>
+                <a:ext uri="{FF2B5EF4-FFF2-40B4-BE49-F238E27FC236}">
+                  <a16:creationId xmlns:a16="http://schemas.microsoft.com/office/drawing/2014/main" id="{81CCFB9F-2C22-6C73-F8FC-A885B28C8E75}"/>
+                </a:ext>
+              </a:extLst>
+            </p:cNvPr>
+            <p:cNvSpPr/>
+            <p:nvPr/>
+          </p:nvSpPr>
+          <p:spPr>
+            <a:xfrm>
+              <a:off x="5544234" y="4961732"/>
+              <a:ext cx="1002182" cy="1002182"/>
+            </a:xfrm>
+            <a:prstGeom prst="rect">
+              <a:avLst/>
+            </a:prstGeom>
+            <a:ln w="9525" cap="rnd">
+              <a:solidFill>
+                <a:srgbClr val="BEBEBE">
+                  <a:alpha val="100000"/>
+                </a:srgbClr>
+              </a:solidFill>
+              <a:prstDash val="solid"/>
+              <a:round/>
+            </a:ln>
+          </p:spPr>
+          <p:txBody>
+            <a:bodyPr/>
+            <a:lstStyle/>
+            <a:p>
+              <a:endParaRPr/>
+            </a:p>
+          </p:txBody>
+        </p:sp>
+        <p:sp>
+          <p:nvSpPr>
+            <p:cNvPr id="72" name="rc33">
+              <a:extLst>
+                <a:ext uri="{FF2B5EF4-FFF2-40B4-BE49-F238E27FC236}">
+                  <a16:creationId xmlns:a16="http://schemas.microsoft.com/office/drawing/2014/main" id="{3A0733A0-2FCC-5D84-077D-E0C72A324326}"/>
+                </a:ext>
+              </a:extLst>
+            </p:cNvPr>
+            <p:cNvSpPr/>
+            <p:nvPr/>
+          </p:nvSpPr>
+          <p:spPr>
+            <a:xfrm>
+              <a:off x="6546417" y="4961732"/>
+              <a:ext cx="1002182" cy="1002182"/>
+            </a:xfrm>
+            <a:prstGeom prst="rect">
+              <a:avLst/>
+            </a:prstGeom>
+            <a:ln w="9525" cap="rnd">
+              <a:solidFill>
+                <a:srgbClr val="BEBEBE">
+                  <a:alpha val="100000"/>
+                </a:srgbClr>
+              </a:solidFill>
+              <a:prstDash val="solid"/>
+              <a:round/>
+            </a:ln>
+          </p:spPr>
+          <p:txBody>
+            <a:bodyPr/>
+            <a:lstStyle/>
+            <a:p>
+              <a:endParaRPr/>
+            </a:p>
+          </p:txBody>
+        </p:sp>
+        <p:sp>
+          <p:nvSpPr>
+            <p:cNvPr id="73" name="tx34">
+              <a:extLst>
+                <a:ext uri="{FF2B5EF4-FFF2-40B4-BE49-F238E27FC236}">
+                  <a16:creationId xmlns:a16="http://schemas.microsoft.com/office/drawing/2014/main" id="{663CC362-C468-4851-D7DF-B23F2EE3F734}"/>
+                </a:ext>
+              </a:extLst>
+            </p:cNvPr>
+            <p:cNvSpPr/>
+            <p:nvPr/>
+          </p:nvSpPr>
+          <p:spPr>
+            <a:xfrm>
+              <a:off x="3780437" y="2369770"/>
+              <a:ext cx="521047" cy="167208"/>
+            </a:xfrm>
+            <a:prstGeom prst="rect">
+              <a:avLst/>
+            </a:prstGeom>
+            <a:noFill/>
+          </p:spPr>
+          <p:txBody>
+            <a:bodyPr wrap="none" lIns="0" tIns="0" rIns="0" bIns="0" anchor="ctr" anchorCtr="1"/>
+            <a:lstStyle/>
+            <a:p>
+              <a:pPr marL="0" marR="0" indent="0" algn="ctr">
+                <a:lnSpc>
+                  <a:spcPts val="1800"/>
+                </a:lnSpc>
+                <a:spcBef>
+                  <a:spcPts val="0"/>
+                </a:spcBef>
+                <a:spcAft>
+                  <a:spcPts val="0"/>
+                </a:spcAft>
+              </a:pPr>
+              <a:r>
+                <a:rPr sz="1300" b="1" dirty="0">
+                  <a:solidFill>
+                    <a:srgbClr val="000000">
+                      <a:alpha val="100000"/>
+                    </a:srgbClr>
+                  </a:solidFill>
+                  <a:latin typeface="Arial"/>
+                  <a:cs typeface="Arial"/>
+                </a:rPr>
+                <a:t>-0.78</a:t>
+              </a:r>
+              <a:endParaRPr lang="en-US" sz="1300" b="1" dirty="0">
+                <a:solidFill>
+                  <a:srgbClr val="000000">
+                    <a:alpha val="100000"/>
+                  </a:srgbClr>
+                </a:solidFill>
+                <a:latin typeface="Arial"/>
+                <a:cs typeface="Arial"/>
+              </a:endParaRPr>
+            </a:p>
+            <a:p>
+              <a:pPr marL="0" marR="0" indent="0" algn="ctr">
+                <a:lnSpc>
+                  <a:spcPts val="1800"/>
+                </a:lnSpc>
+                <a:spcBef>
+                  <a:spcPts val="0"/>
+                </a:spcBef>
+                <a:spcAft>
+                  <a:spcPts val="0"/>
+                </a:spcAft>
+              </a:pPr>
+              <a:r>
+                <a:rPr lang="en-CA" sz="1300" b="1" dirty="0">
+                  <a:solidFill>
+                    <a:srgbClr val="000000">
+                      <a:alpha val="100000"/>
+                    </a:srgbClr>
+                  </a:solidFill>
+                  <a:latin typeface="Arial"/>
+                  <a:cs typeface="Arial"/>
+                </a:rPr>
+                <a:t>(-0.83,-0.72)</a:t>
+              </a:r>
+              <a:endParaRPr sz="1300" b="1" dirty="0">
+                <a:solidFill>
+                  <a:srgbClr val="000000">
+                    <a:alpha val="100000"/>
+                  </a:srgbClr>
+                </a:solidFill>
+                <a:latin typeface="Arial"/>
+                <a:cs typeface="Arial"/>
+              </a:endParaRPr>
+            </a:p>
+          </p:txBody>
+        </p:sp>
+        <p:sp>
+          <p:nvSpPr>
+            <p:cNvPr id="74" name="tx35">
+              <a:extLst>
+                <a:ext uri="{FF2B5EF4-FFF2-40B4-BE49-F238E27FC236}">
+                  <a16:creationId xmlns:a16="http://schemas.microsoft.com/office/drawing/2014/main" id="{FB064727-14D9-55D7-C583-AB64E89D78EE}"/>
+                </a:ext>
+              </a:extLst>
+            </p:cNvPr>
+            <p:cNvSpPr/>
+            <p:nvPr/>
+          </p:nvSpPr>
+          <p:spPr>
+            <a:xfrm>
+              <a:off x="3818499" y="3372120"/>
+              <a:ext cx="444921" cy="167096"/>
+            </a:xfrm>
+            <a:prstGeom prst="rect">
+              <a:avLst/>
+            </a:prstGeom>
+            <a:noFill/>
+          </p:spPr>
+          <p:txBody>
+            <a:bodyPr wrap="none" lIns="0" tIns="0" rIns="0" bIns="0" anchor="ctr" anchorCtr="1"/>
+            <a:lstStyle/>
+            <a:p>
+              <a:pPr marL="0" marR="0" indent="0" algn="ctr">
+                <a:lnSpc>
+                  <a:spcPts val="1800"/>
+                </a:lnSpc>
+                <a:spcBef>
+                  <a:spcPts val="0"/>
+                </a:spcBef>
+                <a:spcAft>
+                  <a:spcPts val="0"/>
+                </a:spcAft>
+              </a:pPr>
+              <a:r>
+                <a:rPr sz="1300" b="1" dirty="0">
+                  <a:solidFill>
+                    <a:srgbClr val="000000">
+                      <a:alpha val="100000"/>
+                    </a:srgbClr>
+                  </a:solidFill>
+                  <a:latin typeface="Arial"/>
+                  <a:cs typeface="Arial"/>
+                </a:rPr>
+                <a:t>0.26</a:t>
+              </a:r>
+              <a:endParaRPr lang="en-US" sz="1300" b="1" dirty="0">
+                <a:solidFill>
+                  <a:srgbClr val="000000">
+                    <a:alpha val="100000"/>
+                  </a:srgbClr>
+                </a:solidFill>
+                <a:latin typeface="Arial"/>
+                <a:cs typeface="Arial"/>
+              </a:endParaRPr>
+            </a:p>
+            <a:p>
+              <a:pPr marL="0" marR="0" indent="0" algn="ctr">
+                <a:lnSpc>
+                  <a:spcPts val="1800"/>
+                </a:lnSpc>
+                <a:spcBef>
+                  <a:spcPts val="0"/>
+                </a:spcBef>
+                <a:spcAft>
+                  <a:spcPts val="0"/>
+                </a:spcAft>
+              </a:pPr>
+              <a:r>
+                <a:rPr lang="en-CA" sz="1300" b="1" dirty="0">
+                  <a:solidFill>
+                    <a:srgbClr val="000000">
+                      <a:alpha val="100000"/>
+                    </a:srgbClr>
+                  </a:solidFill>
+                  <a:latin typeface="Arial"/>
+                  <a:cs typeface="Arial"/>
+                </a:rPr>
+                <a:t>(0.16, 0.38)</a:t>
+              </a:r>
+              <a:endParaRPr sz="1300" b="1" dirty="0">
+                <a:solidFill>
+                  <a:srgbClr val="000000">
+                    <a:alpha val="100000"/>
+                  </a:srgbClr>
+                </a:solidFill>
+                <a:latin typeface="Arial"/>
+                <a:cs typeface="Arial"/>
+              </a:endParaRPr>
+            </a:p>
+          </p:txBody>
+        </p:sp>
+        <p:sp>
+          <p:nvSpPr>
+            <p:cNvPr id="75" name="tx36">
+              <a:extLst>
+                <a:ext uri="{FF2B5EF4-FFF2-40B4-BE49-F238E27FC236}">
+                  <a16:creationId xmlns:a16="http://schemas.microsoft.com/office/drawing/2014/main" id="{FEEB4C7B-4F2B-8302-ECE7-7EF775C9D465}"/>
+                </a:ext>
+              </a:extLst>
+            </p:cNvPr>
+            <p:cNvSpPr/>
+            <p:nvPr/>
+          </p:nvSpPr>
+          <p:spPr>
+            <a:xfrm>
+              <a:off x="3780437" y="4374135"/>
+              <a:ext cx="521047" cy="167208"/>
+            </a:xfrm>
+            <a:prstGeom prst="rect">
+              <a:avLst/>
+            </a:prstGeom>
+            <a:noFill/>
+          </p:spPr>
+          <p:txBody>
+            <a:bodyPr wrap="none" lIns="0" tIns="0" rIns="0" bIns="0" anchor="ctr" anchorCtr="1"/>
+            <a:lstStyle/>
+            <a:p>
+              <a:pPr marL="0" marR="0" indent="0" algn="ctr">
+                <a:lnSpc>
+                  <a:spcPts val="1800"/>
+                </a:lnSpc>
+                <a:spcBef>
+                  <a:spcPts val="0"/>
+                </a:spcBef>
+                <a:spcAft>
+                  <a:spcPts val="0"/>
+                </a:spcAft>
+              </a:pPr>
+              <a:r>
+                <a:rPr sz="1300" b="1" dirty="0">
+                  <a:solidFill>
+                    <a:srgbClr val="000000">
+                      <a:alpha val="100000"/>
+                    </a:srgbClr>
+                  </a:solidFill>
+                  <a:latin typeface="Arial"/>
+                  <a:cs typeface="Arial"/>
+                </a:rPr>
+                <a:t>-0.39</a:t>
+              </a:r>
+              <a:endParaRPr lang="en-US" sz="1300" b="1" dirty="0">
+                <a:solidFill>
+                  <a:srgbClr val="000000">
+                    <a:alpha val="100000"/>
+                  </a:srgbClr>
+                </a:solidFill>
+                <a:latin typeface="Arial"/>
+                <a:cs typeface="Arial"/>
+              </a:endParaRPr>
+            </a:p>
+            <a:p>
+              <a:pPr marL="0" marR="0" indent="0" algn="ctr">
+                <a:lnSpc>
+                  <a:spcPts val="1800"/>
+                </a:lnSpc>
+                <a:spcBef>
+                  <a:spcPts val="0"/>
+                </a:spcBef>
+                <a:spcAft>
+                  <a:spcPts val="0"/>
+                </a:spcAft>
+              </a:pPr>
+              <a:r>
+                <a:rPr lang="en-CA" sz="1300" b="1" dirty="0">
+                  <a:solidFill>
+                    <a:srgbClr val="000000">
+                      <a:alpha val="100000"/>
+                    </a:srgbClr>
+                  </a:solidFill>
+                  <a:latin typeface="Arial"/>
+                  <a:cs typeface="Arial"/>
+                </a:rPr>
+                <a:t>(-0.52,-0.26)</a:t>
+              </a:r>
+              <a:endParaRPr sz="1300" b="1" dirty="0">
+                <a:solidFill>
+                  <a:srgbClr val="000000">
+                    <a:alpha val="100000"/>
+                  </a:srgbClr>
+                </a:solidFill>
+                <a:latin typeface="Arial"/>
+                <a:cs typeface="Arial"/>
+              </a:endParaRPr>
+            </a:p>
+          </p:txBody>
+        </p:sp>
+        <p:sp>
+          <p:nvSpPr>
+            <p:cNvPr id="76" name="tx37">
+              <a:extLst>
+                <a:ext uri="{FF2B5EF4-FFF2-40B4-BE49-F238E27FC236}">
+                  <a16:creationId xmlns:a16="http://schemas.microsoft.com/office/drawing/2014/main" id="{7410421D-D374-4C37-79C6-74DEF2F51344}"/>
+                </a:ext>
+              </a:extLst>
+            </p:cNvPr>
+            <p:cNvSpPr/>
+            <p:nvPr/>
+          </p:nvSpPr>
+          <p:spPr>
+            <a:xfrm>
+              <a:off x="3818499" y="5376485"/>
+              <a:ext cx="444921" cy="167096"/>
+            </a:xfrm>
+            <a:prstGeom prst="rect">
+              <a:avLst/>
+            </a:prstGeom>
+            <a:noFill/>
+          </p:spPr>
+          <p:txBody>
+            <a:bodyPr wrap="none" lIns="0" tIns="0" rIns="0" bIns="0" anchor="ctr" anchorCtr="1"/>
+            <a:lstStyle/>
+            <a:p>
+              <a:pPr marL="0" marR="0" indent="0" algn="ctr">
+                <a:lnSpc>
+                  <a:spcPts val="1800"/>
+                </a:lnSpc>
+                <a:spcBef>
+                  <a:spcPts val="0"/>
+                </a:spcBef>
+                <a:spcAft>
+                  <a:spcPts val="0"/>
+                </a:spcAft>
+              </a:pPr>
+              <a:r>
+                <a:rPr sz="1300" b="1" dirty="0">
+                  <a:solidFill>
+                    <a:srgbClr val="000000">
+                      <a:alpha val="100000"/>
+                    </a:srgbClr>
+                  </a:solidFill>
+                  <a:latin typeface="Arial"/>
+                  <a:cs typeface="Arial"/>
+                </a:rPr>
+                <a:t>0.05</a:t>
+              </a:r>
+              <a:endParaRPr lang="en-US" sz="1300" b="1" dirty="0">
+                <a:solidFill>
+                  <a:srgbClr val="000000">
+                    <a:alpha val="100000"/>
+                  </a:srgbClr>
+                </a:solidFill>
+                <a:latin typeface="Arial"/>
+                <a:cs typeface="Arial"/>
+              </a:endParaRPr>
+            </a:p>
+            <a:p>
+              <a:pPr marL="0" marR="0" indent="0" algn="ctr">
+                <a:lnSpc>
+                  <a:spcPts val="1800"/>
+                </a:lnSpc>
+                <a:spcBef>
+                  <a:spcPts val="0"/>
+                </a:spcBef>
+                <a:spcAft>
+                  <a:spcPts val="0"/>
+                </a:spcAft>
+              </a:pPr>
+              <a:r>
+                <a:rPr lang="en-CA" sz="1300" b="1" dirty="0">
+                  <a:solidFill>
+                    <a:srgbClr val="000000">
+                      <a:alpha val="100000"/>
+                    </a:srgbClr>
+                  </a:solidFill>
+                  <a:latin typeface="Arial"/>
+                  <a:cs typeface="Arial"/>
+                </a:rPr>
+                <a:t>(-0.06, 0.16)</a:t>
+              </a:r>
+              <a:endParaRPr sz="1300" b="1" dirty="0">
+                <a:solidFill>
+                  <a:srgbClr val="000000">
+                    <a:alpha val="100000"/>
+                  </a:srgbClr>
+                </a:solidFill>
+                <a:latin typeface="Arial"/>
+                <a:cs typeface="Arial"/>
+              </a:endParaRPr>
+            </a:p>
+          </p:txBody>
+        </p:sp>
+        <p:sp>
+          <p:nvSpPr>
+            <p:cNvPr id="86" name="tx38">
+              <a:extLst>
+                <a:ext uri="{FF2B5EF4-FFF2-40B4-BE49-F238E27FC236}">
+                  <a16:creationId xmlns:a16="http://schemas.microsoft.com/office/drawing/2014/main" id="{EC66674C-089F-BD81-C2F8-6EC44B25084B}"/>
+                </a:ext>
+              </a:extLst>
+            </p:cNvPr>
+            <p:cNvSpPr/>
+            <p:nvPr/>
+          </p:nvSpPr>
+          <p:spPr>
+            <a:xfrm>
+              <a:off x="4782619" y="3372120"/>
+              <a:ext cx="521047" cy="167096"/>
+            </a:xfrm>
+            <a:prstGeom prst="rect">
+              <a:avLst/>
+            </a:prstGeom>
+            <a:noFill/>
+          </p:spPr>
+          <p:txBody>
+            <a:bodyPr wrap="none" lIns="0" tIns="0" rIns="0" bIns="0" anchor="ctr" anchorCtr="1"/>
+            <a:lstStyle/>
+            <a:p>
+              <a:pPr marL="0" marR="0" indent="0" algn="ctr">
+                <a:lnSpc>
+                  <a:spcPts val="1800"/>
+                </a:lnSpc>
+                <a:spcBef>
+                  <a:spcPts val="0"/>
+                </a:spcBef>
+                <a:spcAft>
+                  <a:spcPts val="0"/>
+                </a:spcAft>
+              </a:pPr>
+              <a:r>
+                <a:rPr sz="1300" b="1" dirty="0">
+                  <a:solidFill>
+                    <a:srgbClr val="000000">
+                      <a:alpha val="100000"/>
+                    </a:srgbClr>
+                  </a:solidFill>
+                  <a:latin typeface="Arial"/>
+                  <a:cs typeface="Arial"/>
+                </a:rPr>
+                <a:t>-0.16</a:t>
+              </a:r>
+              <a:endParaRPr lang="en-US" sz="1300" b="1" dirty="0">
+                <a:solidFill>
+                  <a:srgbClr val="000000">
+                    <a:alpha val="100000"/>
+                  </a:srgbClr>
+                </a:solidFill>
+                <a:latin typeface="Arial"/>
+                <a:cs typeface="Arial"/>
+              </a:endParaRPr>
+            </a:p>
+            <a:p>
+              <a:pPr marL="0" marR="0" indent="0" algn="ctr">
+                <a:lnSpc>
+                  <a:spcPts val="1800"/>
+                </a:lnSpc>
+                <a:spcBef>
+                  <a:spcPts val="0"/>
+                </a:spcBef>
+                <a:spcAft>
+                  <a:spcPts val="0"/>
+                </a:spcAft>
+              </a:pPr>
+              <a:r>
+                <a:rPr lang="en-CA" sz="1300" b="1" dirty="0">
+                  <a:solidFill>
+                    <a:srgbClr val="000000">
+                      <a:alpha val="100000"/>
+                    </a:srgbClr>
+                  </a:solidFill>
+                  <a:latin typeface="Arial"/>
+                  <a:cs typeface="Arial"/>
+                </a:rPr>
+                <a:t>(-0.27,-0.04)</a:t>
+              </a:r>
+              <a:endParaRPr sz="1300" b="1" dirty="0">
+                <a:solidFill>
+                  <a:srgbClr val="000000">
+                    <a:alpha val="100000"/>
+                  </a:srgbClr>
+                </a:solidFill>
+                <a:latin typeface="Arial"/>
+                <a:cs typeface="Arial"/>
+              </a:endParaRPr>
+            </a:p>
+          </p:txBody>
+        </p:sp>
+        <p:sp>
+          <p:nvSpPr>
+            <p:cNvPr id="87" name="tx39">
+              <a:extLst>
+                <a:ext uri="{FF2B5EF4-FFF2-40B4-BE49-F238E27FC236}">
+                  <a16:creationId xmlns:a16="http://schemas.microsoft.com/office/drawing/2014/main" id="{95C9AFCD-5E86-11D0-6634-B4FDB9A24A0B}"/>
+                </a:ext>
+              </a:extLst>
+            </p:cNvPr>
+            <p:cNvSpPr/>
+            <p:nvPr/>
+          </p:nvSpPr>
+          <p:spPr>
+            <a:xfrm>
+              <a:off x="4820682" y="4374302"/>
+              <a:ext cx="444921" cy="167096"/>
+            </a:xfrm>
+            <a:prstGeom prst="rect">
+              <a:avLst/>
+            </a:prstGeom>
+            <a:noFill/>
+          </p:spPr>
+          <p:txBody>
+            <a:bodyPr wrap="none" lIns="0" tIns="0" rIns="0" bIns="0" anchor="ctr" anchorCtr="1"/>
+            <a:lstStyle/>
+            <a:p>
+              <a:pPr marL="0" marR="0" indent="0" algn="ctr">
+                <a:lnSpc>
+                  <a:spcPts val="1800"/>
+                </a:lnSpc>
+                <a:spcBef>
+                  <a:spcPts val="0"/>
+                </a:spcBef>
+                <a:spcAft>
+                  <a:spcPts val="0"/>
+                </a:spcAft>
+              </a:pPr>
+              <a:r>
+                <a:rPr sz="1300" b="1" dirty="0">
+                  <a:solidFill>
+                    <a:srgbClr val="000000">
+                      <a:alpha val="100000"/>
+                    </a:srgbClr>
+                  </a:solidFill>
+                  <a:latin typeface="Arial"/>
+                  <a:cs typeface="Arial"/>
+                </a:rPr>
+                <a:t>0.3</a:t>
+              </a:r>
+              <a:r>
+                <a:rPr lang="en-US" sz="1300" b="1" dirty="0">
+                  <a:solidFill>
+                    <a:srgbClr val="000000">
+                      <a:alpha val="100000"/>
+                    </a:srgbClr>
+                  </a:solidFill>
+                  <a:latin typeface="Arial"/>
+                  <a:cs typeface="Arial"/>
+                </a:rPr>
+                <a:t>5</a:t>
+              </a:r>
+            </a:p>
+            <a:p>
+              <a:pPr marL="0" marR="0" indent="0" algn="ctr">
+                <a:lnSpc>
+                  <a:spcPts val="1800"/>
+                </a:lnSpc>
+                <a:spcBef>
+                  <a:spcPts val="0"/>
+                </a:spcBef>
+                <a:spcAft>
+                  <a:spcPts val="0"/>
+                </a:spcAft>
+              </a:pPr>
+              <a:r>
+                <a:rPr lang="en-US" sz="1300" b="1" dirty="0">
+                  <a:solidFill>
+                    <a:srgbClr val="000000">
+                      <a:alpha val="100000"/>
+                    </a:srgbClr>
+                  </a:solidFill>
+                  <a:latin typeface="Arial"/>
+                  <a:cs typeface="Arial"/>
+                </a:rPr>
+                <a:t>(0.21, 0.47)</a:t>
+              </a:r>
+              <a:endParaRPr sz="1300" b="1" dirty="0">
+                <a:solidFill>
+                  <a:srgbClr val="000000">
+                    <a:alpha val="100000"/>
+                  </a:srgbClr>
+                </a:solidFill>
+                <a:latin typeface="Arial"/>
+                <a:cs typeface="Arial"/>
+              </a:endParaRPr>
+            </a:p>
+          </p:txBody>
+        </p:sp>
+        <p:sp>
+          <p:nvSpPr>
+            <p:cNvPr id="88" name="tx40">
+              <a:extLst>
+                <a:ext uri="{FF2B5EF4-FFF2-40B4-BE49-F238E27FC236}">
+                  <a16:creationId xmlns:a16="http://schemas.microsoft.com/office/drawing/2014/main" id="{34B7AE00-E86F-0C1A-1335-586430801467}"/>
+                </a:ext>
+              </a:extLst>
+            </p:cNvPr>
+            <p:cNvSpPr/>
+            <p:nvPr/>
+          </p:nvSpPr>
+          <p:spPr>
+            <a:xfrm>
+              <a:off x="4782619" y="5376485"/>
+              <a:ext cx="521047" cy="167096"/>
+            </a:xfrm>
+            <a:prstGeom prst="rect">
+              <a:avLst/>
+            </a:prstGeom>
+            <a:noFill/>
+          </p:spPr>
+          <p:txBody>
+            <a:bodyPr wrap="none" lIns="0" tIns="0" rIns="0" bIns="0" anchor="ctr" anchorCtr="1"/>
+            <a:lstStyle/>
+            <a:p>
+              <a:pPr marL="0" marR="0" indent="0" algn="ctr">
+                <a:lnSpc>
+                  <a:spcPts val="1800"/>
+                </a:lnSpc>
+                <a:spcBef>
+                  <a:spcPts val="0"/>
+                </a:spcBef>
+                <a:spcAft>
+                  <a:spcPts val="0"/>
+                </a:spcAft>
+              </a:pPr>
+              <a:r>
+                <a:rPr sz="1300" b="1" dirty="0">
+                  <a:solidFill>
+                    <a:srgbClr val="000000">
+                      <a:alpha val="100000"/>
+                    </a:srgbClr>
+                  </a:solidFill>
+                  <a:latin typeface="Arial"/>
+                  <a:cs typeface="Arial"/>
+                </a:rPr>
+                <a:t>-0.24</a:t>
+              </a:r>
+              <a:endParaRPr lang="en-US" sz="1300" b="1" dirty="0">
+                <a:solidFill>
+                  <a:srgbClr val="000000">
+                    <a:alpha val="100000"/>
+                  </a:srgbClr>
+                </a:solidFill>
+                <a:latin typeface="Arial"/>
+                <a:cs typeface="Arial"/>
+              </a:endParaRPr>
+            </a:p>
+            <a:p>
+              <a:pPr marL="0" marR="0" indent="0" algn="ctr">
+                <a:lnSpc>
+                  <a:spcPts val="1800"/>
+                </a:lnSpc>
+                <a:spcBef>
+                  <a:spcPts val="0"/>
+                </a:spcBef>
+                <a:spcAft>
+                  <a:spcPts val="0"/>
+                </a:spcAft>
+              </a:pPr>
+              <a:r>
+                <a:rPr lang="en-US" sz="1300" b="1" dirty="0">
+                  <a:solidFill>
+                    <a:srgbClr val="000000">
+                      <a:alpha val="100000"/>
+                    </a:srgbClr>
+                  </a:solidFill>
+                  <a:latin typeface="Arial"/>
+                  <a:cs typeface="Arial"/>
+                </a:rPr>
+                <a:t>(-0.35,-0.14)</a:t>
+              </a:r>
+              <a:endParaRPr sz="1300" b="1" dirty="0">
+                <a:solidFill>
+                  <a:srgbClr val="000000">
+                    <a:alpha val="100000"/>
+                  </a:srgbClr>
+                </a:solidFill>
+                <a:latin typeface="Arial"/>
+                <a:cs typeface="Arial"/>
+              </a:endParaRPr>
+            </a:p>
+          </p:txBody>
+        </p:sp>
+        <p:sp>
+          <p:nvSpPr>
+            <p:cNvPr id="89" name="tx41">
+              <a:extLst>
+                <a:ext uri="{FF2B5EF4-FFF2-40B4-BE49-F238E27FC236}">
+                  <a16:creationId xmlns:a16="http://schemas.microsoft.com/office/drawing/2014/main" id="{3AA6766C-E1F0-699D-2FD6-52A48FEA3A85}"/>
+                </a:ext>
+              </a:extLst>
+            </p:cNvPr>
+            <p:cNvSpPr/>
+            <p:nvPr/>
+          </p:nvSpPr>
+          <p:spPr>
+            <a:xfrm>
+              <a:off x="5784802" y="4374135"/>
+              <a:ext cx="521047" cy="167208"/>
+            </a:xfrm>
+            <a:prstGeom prst="rect">
+              <a:avLst/>
+            </a:prstGeom>
+            <a:noFill/>
+          </p:spPr>
+          <p:txBody>
+            <a:bodyPr wrap="none" lIns="0" tIns="0" rIns="0" bIns="0" anchor="ctr" anchorCtr="1"/>
+            <a:lstStyle/>
+            <a:p>
+              <a:pPr marL="0" marR="0" indent="0" algn="ctr">
+                <a:lnSpc>
+                  <a:spcPts val="1800"/>
+                </a:lnSpc>
+                <a:spcBef>
+                  <a:spcPts val="0"/>
+                </a:spcBef>
+                <a:spcAft>
+                  <a:spcPts val="0"/>
+                </a:spcAft>
+              </a:pPr>
+              <a:r>
+                <a:rPr sz="1300" b="1" dirty="0">
+                  <a:solidFill>
+                    <a:srgbClr val="000000">
+                      <a:alpha val="100000"/>
+                    </a:srgbClr>
+                  </a:solidFill>
+                  <a:latin typeface="Arial"/>
+                  <a:cs typeface="Arial"/>
+                </a:rPr>
+                <a:t>-0.58</a:t>
+              </a:r>
+              <a:endParaRPr lang="en-US" sz="1300" b="1" dirty="0">
+                <a:solidFill>
+                  <a:srgbClr val="000000">
+                    <a:alpha val="100000"/>
+                  </a:srgbClr>
+                </a:solidFill>
+                <a:latin typeface="Arial"/>
+                <a:cs typeface="Arial"/>
+              </a:endParaRPr>
+            </a:p>
+            <a:p>
+              <a:pPr marL="0" marR="0" indent="0" algn="ctr">
+                <a:lnSpc>
+                  <a:spcPts val="1800"/>
+                </a:lnSpc>
+                <a:spcBef>
+                  <a:spcPts val="0"/>
+                </a:spcBef>
+                <a:spcAft>
+                  <a:spcPts val="0"/>
+                </a:spcAft>
+              </a:pPr>
+              <a:r>
+                <a:rPr lang="en-US" sz="1300" b="1" dirty="0">
+                  <a:solidFill>
+                    <a:srgbClr val="000000">
+                      <a:alpha val="100000"/>
+                    </a:srgbClr>
+                  </a:solidFill>
+                  <a:latin typeface="Arial"/>
+                  <a:cs typeface="Arial"/>
+                </a:rPr>
+                <a:t>(-0.69,-0.45)</a:t>
+              </a:r>
+              <a:endParaRPr sz="1300" b="1" dirty="0">
+                <a:solidFill>
+                  <a:srgbClr val="000000">
+                    <a:alpha val="100000"/>
+                  </a:srgbClr>
+                </a:solidFill>
+                <a:latin typeface="Arial"/>
+                <a:cs typeface="Arial"/>
+              </a:endParaRPr>
+            </a:p>
+          </p:txBody>
+        </p:sp>
+        <p:sp>
+          <p:nvSpPr>
+            <p:cNvPr id="90" name="tx42">
+              <a:extLst>
+                <a:ext uri="{FF2B5EF4-FFF2-40B4-BE49-F238E27FC236}">
+                  <a16:creationId xmlns:a16="http://schemas.microsoft.com/office/drawing/2014/main" id="{C0304BCA-83CD-EC32-437B-9B7CE541D589}"/>
+                </a:ext>
+              </a:extLst>
+            </p:cNvPr>
+            <p:cNvSpPr/>
+            <p:nvPr/>
+          </p:nvSpPr>
+          <p:spPr>
+            <a:xfrm>
+              <a:off x="5784802" y="5376317"/>
+              <a:ext cx="521047" cy="167208"/>
+            </a:xfrm>
+            <a:prstGeom prst="rect">
+              <a:avLst/>
+            </a:prstGeom>
+            <a:noFill/>
+          </p:spPr>
+          <p:txBody>
+            <a:bodyPr wrap="none" lIns="0" tIns="0" rIns="0" bIns="0" anchor="ctr" anchorCtr="1"/>
+            <a:lstStyle/>
+            <a:p>
+              <a:pPr marL="0" marR="0" indent="0" algn="ctr">
+                <a:lnSpc>
+                  <a:spcPts val="1800"/>
+                </a:lnSpc>
+                <a:spcBef>
+                  <a:spcPts val="0"/>
+                </a:spcBef>
+                <a:spcAft>
+                  <a:spcPts val="0"/>
+                </a:spcAft>
+              </a:pPr>
+              <a:r>
+                <a:rPr sz="1200" b="1" dirty="0">
+                  <a:solidFill>
+                    <a:srgbClr val="000000">
+                      <a:alpha val="100000"/>
+                    </a:srgbClr>
+                  </a:solidFill>
+                  <a:latin typeface="Arial"/>
+                  <a:cs typeface="Arial"/>
+                </a:rPr>
+                <a:t>-0.48</a:t>
+              </a:r>
+              <a:endParaRPr lang="en-US" sz="1200" b="1" dirty="0">
+                <a:solidFill>
+                  <a:srgbClr val="000000">
+                    <a:alpha val="100000"/>
+                  </a:srgbClr>
+                </a:solidFill>
+                <a:latin typeface="Arial"/>
+                <a:cs typeface="Arial"/>
+              </a:endParaRPr>
+            </a:p>
+            <a:p>
+              <a:pPr marL="0" marR="0" indent="0" algn="ctr">
+                <a:lnSpc>
+                  <a:spcPts val="1800"/>
+                </a:lnSpc>
+                <a:spcBef>
+                  <a:spcPts val="0"/>
+                </a:spcBef>
+                <a:spcAft>
+                  <a:spcPts val="0"/>
+                </a:spcAft>
+              </a:pPr>
+              <a:r>
+                <a:rPr lang="en-CA" sz="1200" b="1" dirty="0">
+                  <a:solidFill>
+                    <a:srgbClr val="000000">
+                      <a:alpha val="100000"/>
+                    </a:srgbClr>
+                  </a:solidFill>
+                  <a:latin typeface="Arial"/>
+                  <a:cs typeface="Arial"/>
+                </a:rPr>
+                <a:t>(-0.57,-0.38)</a:t>
+              </a:r>
+              <a:endParaRPr sz="1200" b="1" dirty="0">
+                <a:solidFill>
+                  <a:srgbClr val="000000">
+                    <a:alpha val="100000"/>
+                  </a:srgbClr>
+                </a:solidFill>
+                <a:latin typeface="Arial"/>
+                <a:cs typeface="Arial"/>
+              </a:endParaRPr>
+            </a:p>
+          </p:txBody>
+        </p:sp>
+        <p:sp>
+          <p:nvSpPr>
+            <p:cNvPr id="91" name="tx43">
+              <a:extLst>
+                <a:ext uri="{FF2B5EF4-FFF2-40B4-BE49-F238E27FC236}">
+                  <a16:creationId xmlns:a16="http://schemas.microsoft.com/office/drawing/2014/main" id="{A17806C8-4D79-3277-4966-9BEE12BFCEE0}"/>
+                </a:ext>
+              </a:extLst>
+            </p:cNvPr>
+            <p:cNvSpPr/>
+            <p:nvPr/>
+          </p:nvSpPr>
+          <p:spPr>
+            <a:xfrm>
+              <a:off x="6825047" y="5376485"/>
+              <a:ext cx="444921" cy="167096"/>
+            </a:xfrm>
+            <a:prstGeom prst="rect">
+              <a:avLst/>
+            </a:prstGeom>
+            <a:noFill/>
+          </p:spPr>
+          <p:txBody>
+            <a:bodyPr wrap="none" lIns="0" tIns="0" rIns="0" bIns="0" anchor="ctr" anchorCtr="1"/>
+            <a:lstStyle/>
+            <a:p>
+              <a:pPr marL="0" marR="0" indent="0" algn="ctr">
+                <a:lnSpc>
+                  <a:spcPts val="1800"/>
+                </a:lnSpc>
+                <a:spcBef>
+                  <a:spcPts val="0"/>
+                </a:spcBef>
+                <a:spcAft>
+                  <a:spcPts val="0"/>
+                </a:spcAft>
+              </a:pPr>
+              <a:r>
+                <a:rPr sz="1300" b="1" dirty="0">
+                  <a:solidFill>
+                    <a:srgbClr val="000000">
+                      <a:alpha val="100000"/>
+                    </a:srgbClr>
+                  </a:solidFill>
+                  <a:latin typeface="Arial"/>
+                  <a:cs typeface="Arial"/>
+                </a:rPr>
+                <a:t>0.26</a:t>
+              </a:r>
+              <a:endParaRPr lang="en-US" sz="1300" b="1" dirty="0">
+                <a:solidFill>
+                  <a:srgbClr val="000000">
+                    <a:alpha val="100000"/>
+                  </a:srgbClr>
+                </a:solidFill>
+                <a:latin typeface="Arial"/>
+                <a:cs typeface="Arial"/>
+              </a:endParaRPr>
+            </a:p>
+            <a:p>
+              <a:pPr marL="0" marR="0" indent="0" algn="ctr">
+                <a:lnSpc>
+                  <a:spcPts val="1800"/>
+                </a:lnSpc>
+                <a:spcBef>
+                  <a:spcPts val="0"/>
+                </a:spcBef>
+                <a:spcAft>
+                  <a:spcPts val="0"/>
+                </a:spcAft>
+              </a:pPr>
+              <a:r>
+                <a:rPr lang="en-US" sz="1300" b="1" dirty="0">
+                  <a:solidFill>
+                    <a:srgbClr val="000000">
+                      <a:alpha val="100000"/>
+                    </a:srgbClr>
+                  </a:solidFill>
+                  <a:latin typeface="Arial"/>
+                  <a:cs typeface="Arial"/>
+                </a:rPr>
+                <a:t>(0.13, 0.41)</a:t>
+              </a:r>
+              <a:endParaRPr sz="1300" b="1" dirty="0">
+                <a:solidFill>
+                  <a:srgbClr val="000000">
+                    <a:alpha val="100000"/>
+                  </a:srgbClr>
+                </a:solidFill>
+                <a:latin typeface="Arial"/>
+                <a:cs typeface="Arial"/>
+              </a:endParaRPr>
+            </a:p>
+          </p:txBody>
+        </p:sp>
+        <p:sp>
+          <p:nvSpPr>
+            <p:cNvPr id="92" name="tx77">
+              <a:extLst>
+                <a:ext uri="{FF2B5EF4-FFF2-40B4-BE49-F238E27FC236}">
+                  <a16:creationId xmlns:a16="http://schemas.microsoft.com/office/drawing/2014/main" id="{CB1BD280-0ADA-F7DA-394A-E449AF76EAA9}"/>
+                </a:ext>
+              </a:extLst>
+            </p:cNvPr>
+            <p:cNvSpPr/>
+            <p:nvPr/>
+          </p:nvSpPr>
+          <p:spPr>
+            <a:xfrm rot="18900000">
+              <a:off x="3824578" y="1316595"/>
+              <a:ext cx="1258192" cy="209066"/>
+            </a:xfrm>
+            <a:prstGeom prst="rect">
+              <a:avLst/>
+            </a:prstGeom>
+            <a:noFill/>
+          </p:spPr>
+          <p:txBody>
+            <a:bodyPr wrap="none" lIns="0" tIns="0" rIns="0" bIns="0" anchor="ctr" anchorCtr="1"/>
+            <a:lstStyle/>
+            <a:p>
+              <a:pPr marL="0" marR="0" indent="0" algn="l">
+                <a:lnSpc>
+                  <a:spcPts val="1800"/>
+                </a:lnSpc>
+                <a:spcBef>
+                  <a:spcPts val="0"/>
+                </a:spcBef>
+                <a:spcAft>
+                  <a:spcPts val="0"/>
+                </a:spcAft>
+              </a:pPr>
+              <a:r>
+                <a:rPr sz="1800">
+                  <a:solidFill>
+                    <a:srgbClr val="000000">
+                      <a:alpha val="100000"/>
+                    </a:srgbClr>
+                  </a:solidFill>
+                  <a:latin typeface="Arial"/>
+                  <a:cs typeface="Arial"/>
+                </a:rPr>
+                <a:t>mean speed</a:t>
+              </a:r>
+            </a:p>
+          </p:txBody>
+        </p:sp>
+        <p:sp>
+          <p:nvSpPr>
+            <p:cNvPr id="93" name="tx78">
+              <a:extLst>
+                <a:ext uri="{FF2B5EF4-FFF2-40B4-BE49-F238E27FC236}">
+                  <a16:creationId xmlns:a16="http://schemas.microsoft.com/office/drawing/2014/main" id="{B0475758-0BDE-D470-FE70-510A6BF4F027}"/>
+                </a:ext>
+              </a:extLst>
+            </p:cNvPr>
+            <p:cNvSpPr/>
+            <p:nvPr/>
+          </p:nvSpPr>
+          <p:spPr>
+            <a:xfrm rot="18900000">
+              <a:off x="4869573" y="2422134"/>
+              <a:ext cx="965857" cy="209066"/>
+            </a:xfrm>
+            <a:prstGeom prst="rect">
+              <a:avLst/>
+            </a:prstGeom>
+            <a:noFill/>
+          </p:spPr>
+          <p:txBody>
+            <a:bodyPr wrap="none" lIns="0" tIns="0" rIns="0" bIns="0" anchor="ctr" anchorCtr="1"/>
+            <a:lstStyle/>
+            <a:p>
+              <a:pPr marL="0" marR="0" indent="0" algn="l">
+                <a:lnSpc>
+                  <a:spcPts val="1800"/>
+                </a:lnSpc>
+                <a:spcBef>
+                  <a:spcPts val="0"/>
+                </a:spcBef>
+                <a:spcAft>
+                  <a:spcPts val="0"/>
+                </a:spcAft>
+              </a:pPr>
+              <a:r>
+                <a:rPr sz="1800">
+                  <a:solidFill>
+                    <a:srgbClr val="000000">
+                      <a:alpha val="100000"/>
+                    </a:srgbClr>
+                  </a:solidFill>
+                  <a:latin typeface="Arial"/>
+                  <a:cs typeface="Arial"/>
+                </a:rPr>
+                <a:t>IIV speed</a:t>
+              </a:r>
+            </a:p>
+          </p:txBody>
+        </p:sp>
+        <p:sp>
+          <p:nvSpPr>
+            <p:cNvPr id="94" name="tx79">
+              <a:extLst>
+                <a:ext uri="{FF2B5EF4-FFF2-40B4-BE49-F238E27FC236}">
+                  <a16:creationId xmlns:a16="http://schemas.microsoft.com/office/drawing/2014/main" id="{AF1E99F7-63C0-823D-AA7F-572B8410B7D9}"/>
+                </a:ext>
+              </a:extLst>
+            </p:cNvPr>
+            <p:cNvSpPr/>
+            <p:nvPr/>
+          </p:nvSpPr>
+          <p:spPr>
+            <a:xfrm rot="18900000">
+              <a:off x="5752623" y="3138047"/>
+              <a:ext cx="1766403" cy="211745"/>
+            </a:xfrm>
+            <a:prstGeom prst="rect">
+              <a:avLst/>
+            </a:prstGeom>
+            <a:noFill/>
+          </p:spPr>
+          <p:txBody>
+            <a:bodyPr wrap="none" lIns="0" tIns="0" rIns="0" bIns="0" anchor="ctr" anchorCtr="1"/>
+            <a:lstStyle/>
+            <a:p>
+              <a:pPr marL="0" marR="0" indent="0" algn="l">
+                <a:lnSpc>
+                  <a:spcPts val="1800"/>
+                </a:lnSpc>
+                <a:spcBef>
+                  <a:spcPts val="0"/>
+                </a:spcBef>
+                <a:spcAft>
+                  <a:spcPts val="0"/>
+                </a:spcAft>
+              </a:pPr>
+              <a:r>
+                <a:rPr sz="1800">
+                  <a:solidFill>
+                    <a:srgbClr val="000000">
+                      <a:alpha val="100000"/>
+                    </a:srgbClr>
+                  </a:solidFill>
+                  <a:latin typeface="Arial"/>
+                  <a:cs typeface="Arial"/>
+                </a:rPr>
+                <a:t>mean prey speed</a:t>
+              </a:r>
+            </a:p>
+          </p:txBody>
+        </p:sp>
+        <p:sp>
+          <p:nvSpPr>
+            <p:cNvPr id="95" name="tx80">
+              <a:extLst>
+                <a:ext uri="{FF2B5EF4-FFF2-40B4-BE49-F238E27FC236}">
+                  <a16:creationId xmlns:a16="http://schemas.microsoft.com/office/drawing/2014/main" id="{EF9601C3-CCA8-507F-9F04-0DF8FE44457C}"/>
+                </a:ext>
+              </a:extLst>
+            </p:cNvPr>
+            <p:cNvSpPr/>
+            <p:nvPr/>
+          </p:nvSpPr>
+          <p:spPr>
+            <a:xfrm rot="18900000">
+              <a:off x="6797618" y="4243586"/>
+              <a:ext cx="1474068" cy="211745"/>
+            </a:xfrm>
+            <a:prstGeom prst="rect">
+              <a:avLst/>
+            </a:prstGeom>
+            <a:noFill/>
+          </p:spPr>
+          <p:txBody>
+            <a:bodyPr wrap="none" lIns="0" tIns="0" rIns="0" bIns="0" anchor="ctr" anchorCtr="1"/>
+            <a:lstStyle/>
+            <a:p>
+              <a:pPr marL="0" marR="0" indent="0" algn="l">
+                <a:lnSpc>
+                  <a:spcPts val="1800"/>
+                </a:lnSpc>
+                <a:spcBef>
+                  <a:spcPts val="0"/>
+                </a:spcBef>
+                <a:spcAft>
+                  <a:spcPts val="0"/>
+                </a:spcAft>
+              </a:pPr>
+              <a:r>
+                <a:rPr sz="1800">
+                  <a:solidFill>
+                    <a:srgbClr val="000000">
+                      <a:alpha val="100000"/>
+                    </a:srgbClr>
+                  </a:solidFill>
+                  <a:latin typeface="Arial"/>
+                  <a:cs typeface="Arial"/>
+                </a:rPr>
+                <a:t>IIV prey speed</a:t>
+              </a:r>
+            </a:p>
+          </p:txBody>
+        </p:sp>
+        <p:sp>
+          <p:nvSpPr>
+            <p:cNvPr id="96" name="tx81">
+              <a:extLst>
+                <a:ext uri="{FF2B5EF4-FFF2-40B4-BE49-F238E27FC236}">
+                  <a16:creationId xmlns:a16="http://schemas.microsoft.com/office/drawing/2014/main" id="{B6940946-A290-EEFA-9F3C-B80C1A363AA2}"/>
+                </a:ext>
+              </a:extLst>
+            </p:cNvPr>
+            <p:cNvSpPr/>
+            <p:nvPr/>
+          </p:nvSpPr>
+          <p:spPr>
+            <a:xfrm>
+              <a:off x="2500860" y="2301750"/>
+              <a:ext cx="965857" cy="209066"/>
+            </a:xfrm>
+            <a:prstGeom prst="rect">
+              <a:avLst/>
+            </a:prstGeom>
+            <a:noFill/>
+          </p:spPr>
+          <p:txBody>
+            <a:bodyPr wrap="none" lIns="0" tIns="0" rIns="0" bIns="0" anchor="ctr" anchorCtr="1"/>
+            <a:lstStyle/>
+            <a:p>
+              <a:pPr marL="0" marR="0" indent="0" algn="l">
+                <a:lnSpc>
+                  <a:spcPts val="1800"/>
+                </a:lnSpc>
+                <a:spcBef>
+                  <a:spcPts val="0"/>
+                </a:spcBef>
+                <a:spcAft>
+                  <a:spcPts val="0"/>
+                </a:spcAft>
+              </a:pPr>
+              <a:r>
+                <a:rPr sz="1800">
+                  <a:solidFill>
+                    <a:srgbClr val="000000">
+                      <a:alpha val="100000"/>
+                    </a:srgbClr>
+                  </a:solidFill>
+                  <a:latin typeface="Arial"/>
+                  <a:cs typeface="Arial"/>
+                </a:rPr>
+                <a:t>IIV speed</a:t>
+              </a:r>
+            </a:p>
+          </p:txBody>
+        </p:sp>
+        <p:sp>
+          <p:nvSpPr>
+            <p:cNvPr id="97" name="tx82">
+              <a:extLst>
+                <a:ext uri="{FF2B5EF4-FFF2-40B4-BE49-F238E27FC236}">
+                  <a16:creationId xmlns:a16="http://schemas.microsoft.com/office/drawing/2014/main" id="{17D6A255-0F17-5130-0647-D4E9CF15468C}"/>
+                </a:ext>
+              </a:extLst>
+            </p:cNvPr>
+            <p:cNvSpPr/>
+            <p:nvPr/>
+          </p:nvSpPr>
+          <p:spPr>
+            <a:xfrm>
+              <a:off x="1700313" y="3301253"/>
+              <a:ext cx="1766403" cy="211745"/>
+            </a:xfrm>
+            <a:prstGeom prst="rect">
+              <a:avLst/>
+            </a:prstGeom>
+            <a:noFill/>
+          </p:spPr>
+          <p:txBody>
+            <a:bodyPr wrap="none" lIns="0" tIns="0" rIns="0" bIns="0" anchor="ctr" anchorCtr="1"/>
+            <a:lstStyle/>
+            <a:p>
+              <a:pPr marL="0" marR="0" indent="0" algn="l">
+                <a:lnSpc>
+                  <a:spcPts val="1800"/>
+                </a:lnSpc>
+                <a:spcBef>
+                  <a:spcPts val="0"/>
+                </a:spcBef>
+                <a:spcAft>
+                  <a:spcPts val="0"/>
+                </a:spcAft>
+              </a:pPr>
+              <a:r>
+                <a:rPr sz="1800">
+                  <a:solidFill>
+                    <a:srgbClr val="000000">
+                      <a:alpha val="100000"/>
+                    </a:srgbClr>
+                  </a:solidFill>
+                  <a:latin typeface="Arial"/>
+                  <a:cs typeface="Arial"/>
+                </a:rPr>
+                <a:t>mean prey speed</a:t>
+              </a:r>
+            </a:p>
+          </p:txBody>
+        </p:sp>
+        <p:sp>
+          <p:nvSpPr>
+            <p:cNvPr id="98" name="tx83">
+              <a:extLst>
+                <a:ext uri="{FF2B5EF4-FFF2-40B4-BE49-F238E27FC236}">
+                  <a16:creationId xmlns:a16="http://schemas.microsoft.com/office/drawing/2014/main" id="{B66200D5-09DF-C5C5-7357-DC867B1A8A90}"/>
+                </a:ext>
+              </a:extLst>
+            </p:cNvPr>
+            <p:cNvSpPr/>
+            <p:nvPr/>
+          </p:nvSpPr>
+          <p:spPr>
+            <a:xfrm>
+              <a:off x="1992649" y="4303436"/>
+              <a:ext cx="1474068" cy="211745"/>
+            </a:xfrm>
+            <a:prstGeom prst="rect">
+              <a:avLst/>
+            </a:prstGeom>
+            <a:noFill/>
+          </p:spPr>
+          <p:txBody>
+            <a:bodyPr wrap="none" lIns="0" tIns="0" rIns="0" bIns="0" anchor="ctr" anchorCtr="1"/>
+            <a:lstStyle/>
+            <a:p>
+              <a:pPr marL="0" marR="0" indent="0" algn="l">
+                <a:lnSpc>
+                  <a:spcPts val="1800"/>
+                </a:lnSpc>
+                <a:spcBef>
+                  <a:spcPts val="0"/>
+                </a:spcBef>
+                <a:spcAft>
+                  <a:spcPts val="0"/>
+                </a:spcAft>
+              </a:pPr>
+              <a:r>
+                <a:rPr sz="1800">
+                  <a:solidFill>
+                    <a:srgbClr val="000000">
+                      <a:alpha val="100000"/>
+                    </a:srgbClr>
+                  </a:solidFill>
+                  <a:latin typeface="Arial"/>
+                  <a:cs typeface="Arial"/>
+                </a:rPr>
+                <a:t>IIV prey speed</a:t>
+              </a:r>
+            </a:p>
+          </p:txBody>
+        </p:sp>
+        <p:sp>
+          <p:nvSpPr>
+            <p:cNvPr id="99" name="tx84">
+              <a:extLst>
+                <a:ext uri="{FF2B5EF4-FFF2-40B4-BE49-F238E27FC236}">
+                  <a16:creationId xmlns:a16="http://schemas.microsoft.com/office/drawing/2014/main" id="{D5338D86-79C4-1B45-9806-965C5C6A19A9}"/>
+                </a:ext>
+              </a:extLst>
+            </p:cNvPr>
+            <p:cNvSpPr/>
+            <p:nvPr/>
+          </p:nvSpPr>
+          <p:spPr>
+            <a:xfrm>
+              <a:off x="2005597" y="5393464"/>
+              <a:ext cx="1461120" cy="123899"/>
+            </a:xfrm>
+            <a:prstGeom prst="rect">
+              <a:avLst/>
+            </a:prstGeom>
+            <a:noFill/>
+          </p:spPr>
+          <p:txBody>
+            <a:bodyPr wrap="none" lIns="0" tIns="0" rIns="0" bIns="0" anchor="ctr" anchorCtr="1"/>
+            <a:lstStyle/>
+            <a:p>
+              <a:pPr marL="0" marR="0" indent="0" algn="l">
+                <a:lnSpc>
+                  <a:spcPts val="1800"/>
+                </a:lnSpc>
+                <a:spcBef>
+                  <a:spcPts val="0"/>
+                </a:spcBef>
+                <a:spcAft>
+                  <a:spcPts val="0"/>
+                </a:spcAft>
+              </a:pPr>
+              <a:r>
+                <a:rPr sz="1800">
+                  <a:solidFill>
+                    <a:srgbClr val="000000">
+                      <a:alpha val="100000"/>
+                    </a:srgbClr>
+                  </a:solidFill>
+                  <a:latin typeface="Arial"/>
+                  <a:cs typeface="Arial"/>
+                </a:rPr>
+                <a:t>mean success</a:t>
+              </a:r>
+            </a:p>
+          </p:txBody>
+        </p:sp>
+      </p:grpSp>
+    </p:spTree>
+    <p:extLst>
+      <p:ext uri="{BB962C8B-B14F-4D97-AF65-F5344CB8AC3E}">
+        <p14:creationId xmlns:p14="http://schemas.microsoft.com/office/powerpoint/2010/main" val="720085766"/>
+      </p:ext>
+    </p:extLst>
+  </p:cSld>
+  <p:clrMapOvr>
+    <a:masterClrMapping/>
+  </p:clrMapOvr>
+</p:sld>
+</file>
+
+<file path=ppt/slides/slide7.xml><?xml version="1.0" encoding="utf-8"?>
+<p:sld xmlns:a="http://schemas.openxmlformats.org/drawingml/2006/main" xmlns:r="http://schemas.openxmlformats.org/officeDocument/2006/relationships" xmlns:p="http://schemas.openxmlformats.org/presentationml/2006/main">
+  <p:cSld>
+    <p:spTree>
+      <p:nvGrpSpPr>
+        <p:cNvPr id="1" name=""/>
+        <p:cNvGrpSpPr/>
+        <p:nvPr/>
+      </p:nvGrpSpPr>
+      <p:grpSpPr>
+        <a:xfrm>
+          <a:off x="0" y="0"/>
+          <a:ext cx="0" cy="0"/>
+          <a:chOff x="0" y="0"/>
+          <a:chExt cx="0" cy="0"/>
+        </a:xfrm>
+      </p:grpSpPr>
+      <p:grpSp>
+        <p:nvGrpSpPr>
+          <p:cNvPr id="349" name="Group 348">
+            <a:extLst>
+              <a:ext uri="{FF2B5EF4-FFF2-40B4-BE49-F238E27FC236}">
+                <a16:creationId xmlns:a16="http://schemas.microsoft.com/office/drawing/2014/main" id="{E0EF4937-1438-41E7-4232-6D3F1342FB72}"/>
+              </a:ext>
+            </a:extLst>
+          </p:cNvPr>
+          <p:cNvGrpSpPr/>
+          <p:nvPr/>
+        </p:nvGrpSpPr>
+        <p:grpSpPr>
+          <a:xfrm>
+            <a:off x="8830" y="326456"/>
+            <a:ext cx="10698163" cy="7605280"/>
+            <a:chOff x="8830" y="326456"/>
+            <a:chExt cx="10698163" cy="7605280"/>
+          </a:xfrm>
+        </p:grpSpPr>
+        <p:pic>
+          <p:nvPicPr>
+            <p:cNvPr id="348" name="Picture 347">
+              <a:extLst>
+                <a:ext uri="{FF2B5EF4-FFF2-40B4-BE49-F238E27FC236}">
+                  <a16:creationId xmlns:a16="http://schemas.microsoft.com/office/drawing/2014/main" id="{506C4355-5F57-C315-E1A9-E51ADF234EFE}"/>
+                </a:ext>
+              </a:extLst>
+            </p:cNvPr>
+            <p:cNvPicPr>
+              <a:picLocks noChangeAspect="1"/>
+            </p:cNvPicPr>
+            <p:nvPr/>
+          </p:nvPicPr>
+          <p:blipFill>
+            <a:blip r:embed="rId2"/>
+            <a:stretch>
+              <a:fillRect/>
+            </a:stretch>
+          </p:blipFill>
+          <p:spPr>
+            <a:xfrm>
+              <a:off x="5432733" y="503992"/>
+              <a:ext cx="4630380" cy="3589377"/>
+            </a:xfrm>
+            <a:prstGeom prst="rect">
+              <a:avLst/>
+            </a:prstGeom>
+          </p:spPr>
+        </p:pic>
+        <p:pic>
+          <p:nvPicPr>
+            <p:cNvPr id="170" name="Picture 169">
+              <a:extLst>
+                <a:ext uri="{FF2B5EF4-FFF2-40B4-BE49-F238E27FC236}">
+                  <a16:creationId xmlns:a16="http://schemas.microsoft.com/office/drawing/2014/main" id="{52CA0DB5-379F-BD3D-819E-81360E045307}"/>
+                </a:ext>
+              </a:extLst>
+            </p:cNvPr>
+            <p:cNvPicPr>
+              <a:picLocks noChangeAspect="1"/>
+            </p:cNvPicPr>
+            <p:nvPr/>
+          </p:nvPicPr>
+          <p:blipFill>
+            <a:blip r:embed="rId3"/>
+            <a:stretch>
+              <a:fillRect/>
+            </a:stretch>
+          </p:blipFill>
+          <p:spPr>
+            <a:xfrm>
+              <a:off x="633358" y="509510"/>
+              <a:ext cx="4630380" cy="3589377"/>
+            </a:xfrm>
+            <a:prstGeom prst="rect">
+              <a:avLst/>
+            </a:prstGeom>
+          </p:spPr>
+        </p:pic>
+        <p:pic>
+          <p:nvPicPr>
+            <p:cNvPr id="3" name="Image 2" descr="Une image contenant texte, ligne, diagramme, Police">
+              <a:extLst>
+                <a:ext uri="{FF2B5EF4-FFF2-40B4-BE49-F238E27FC236}">
+                  <a16:creationId xmlns:a16="http://schemas.microsoft.com/office/drawing/2014/main" id="{E8BEB9C8-733B-1682-C27F-8F3C95F32CDC}"/>
+                </a:ext>
+              </a:extLst>
+            </p:cNvPr>
+            <p:cNvPicPr>
+              <a:picLocks noChangeAspect="1"/>
+            </p:cNvPicPr>
+            <p:nvPr/>
+          </p:nvPicPr>
+          <p:blipFill>
+            <a:blip r:embed="rId4"/>
+            <a:stretch>
+              <a:fillRect/>
+            </a:stretch>
+          </p:blipFill>
+          <p:spPr>
+            <a:xfrm>
+              <a:off x="8830" y="4874749"/>
+              <a:ext cx="10698163" cy="3056987"/>
+            </a:xfrm>
+            <a:prstGeom prst="rect">
+              <a:avLst/>
+            </a:prstGeom>
+          </p:spPr>
+        </p:pic>
+        <p:grpSp>
+          <p:nvGrpSpPr>
+            <p:cNvPr id="383" name="Group 41">
+              <a:extLst>
+                <a:ext uri="{FF2B5EF4-FFF2-40B4-BE49-F238E27FC236}">
+                  <a16:creationId xmlns:a16="http://schemas.microsoft.com/office/drawing/2014/main" id="{E7607B3F-5AA2-9760-B9E9-A0269988A089}"/>
+                </a:ext>
+              </a:extLst>
+            </p:cNvPr>
+            <p:cNvGrpSpPr/>
+            <p:nvPr/>
+          </p:nvGrpSpPr>
+          <p:grpSpPr>
+            <a:xfrm>
+              <a:off x="2627054" y="4171412"/>
+              <a:ext cx="5424566" cy="339380"/>
+              <a:chOff x="3776750" y="6036589"/>
+              <a:chExt cx="3705052" cy="308527"/>
+            </a:xfrm>
+          </p:grpSpPr>
+          <p:sp>
+            <p:nvSpPr>
+              <p:cNvPr id="384" name="rc34">
+                <a:extLst>
+                  <a:ext uri="{FF2B5EF4-FFF2-40B4-BE49-F238E27FC236}">
+                    <a16:creationId xmlns:a16="http://schemas.microsoft.com/office/drawing/2014/main" id="{3CB7D48F-4591-7F0F-965A-F6B0302925E1}"/>
+                  </a:ext>
+                </a:extLst>
+              </p:cNvPr>
+              <p:cNvSpPr/>
+              <p:nvPr/>
+            </p:nvSpPr>
+            <p:spPr>
+              <a:xfrm>
+                <a:off x="3844504" y="6036589"/>
+                <a:ext cx="359491" cy="105151"/>
+              </a:xfrm>
+              <a:prstGeom prst="rect">
+                <a:avLst/>
+              </a:prstGeom>
+              <a:solidFill>
+                <a:srgbClr val="67001F">
+                  <a:alpha val="100000"/>
+                </a:srgbClr>
+              </a:solidFill>
+              <a:ln w="9525" cap="rnd">
+                <a:solidFill>
+                  <a:srgbClr val="67001F">
+                    <a:alpha val="100000"/>
+                  </a:srgbClr>
+                </a:solidFill>
+                <a:prstDash val="solid"/>
+                <a:round/>
+              </a:ln>
+            </p:spPr>
+            <p:txBody>
+              <a:bodyPr/>
+              <a:lstStyle/>
+              <a:p>
+                <a:endParaRPr/>
+              </a:p>
+            </p:txBody>
+          </p:sp>
+          <p:sp>
+            <p:nvSpPr>
+              <p:cNvPr id="385" name="rc35">
+                <a:extLst>
+                  <a:ext uri="{FF2B5EF4-FFF2-40B4-BE49-F238E27FC236}">
+                    <a16:creationId xmlns:a16="http://schemas.microsoft.com/office/drawing/2014/main" id="{0FF0C3A0-B135-8F9A-777B-89412ED59509}"/>
+                  </a:ext>
+                </a:extLst>
+              </p:cNvPr>
+              <p:cNvSpPr/>
+              <p:nvPr/>
+            </p:nvSpPr>
+            <p:spPr>
+              <a:xfrm>
+                <a:off x="4203996" y="6036589"/>
+                <a:ext cx="359491" cy="105151"/>
+              </a:xfrm>
+              <a:prstGeom prst="rect">
+                <a:avLst/>
+              </a:prstGeom>
+              <a:solidFill>
+                <a:srgbClr val="B51F2E">
+                  <a:alpha val="100000"/>
+                </a:srgbClr>
+              </a:solidFill>
+              <a:ln w="9525" cap="rnd">
+                <a:solidFill>
+                  <a:srgbClr val="B51F2E">
+                    <a:alpha val="100000"/>
+                  </a:srgbClr>
+                </a:solidFill>
+                <a:prstDash val="solid"/>
+                <a:round/>
+              </a:ln>
+            </p:spPr>
+            <p:txBody>
+              <a:bodyPr/>
+              <a:lstStyle/>
+              <a:p>
+                <a:endParaRPr/>
+              </a:p>
+            </p:txBody>
+          </p:sp>
+          <p:sp>
+            <p:nvSpPr>
+              <p:cNvPr id="386" name="rc36">
+                <a:extLst>
+                  <a:ext uri="{FF2B5EF4-FFF2-40B4-BE49-F238E27FC236}">
+                    <a16:creationId xmlns:a16="http://schemas.microsoft.com/office/drawing/2014/main" id="{77A9023F-D23B-00E0-5C80-7332FEBCD97D}"/>
+                  </a:ext>
+                </a:extLst>
+              </p:cNvPr>
+              <p:cNvSpPr/>
+              <p:nvPr/>
+            </p:nvSpPr>
+            <p:spPr>
+              <a:xfrm>
+                <a:off x="4563488" y="6036589"/>
+                <a:ext cx="359491" cy="105151"/>
+              </a:xfrm>
+              <a:prstGeom prst="rect">
+                <a:avLst/>
+              </a:prstGeom>
+              <a:solidFill>
+                <a:srgbClr val="DC6F58">
+                  <a:alpha val="100000"/>
+                </a:srgbClr>
+              </a:solidFill>
+              <a:ln w="9525" cap="rnd">
+                <a:solidFill>
+                  <a:srgbClr val="DC6F58">
+                    <a:alpha val="100000"/>
+                  </a:srgbClr>
+                </a:solidFill>
+                <a:prstDash val="solid"/>
+                <a:round/>
+              </a:ln>
+            </p:spPr>
+            <p:txBody>
+              <a:bodyPr/>
+              <a:lstStyle/>
+              <a:p>
+                <a:endParaRPr/>
+              </a:p>
+            </p:txBody>
+          </p:sp>
+          <p:sp>
+            <p:nvSpPr>
+              <p:cNvPr id="387" name="rc37">
+                <a:extLst>
+                  <a:ext uri="{FF2B5EF4-FFF2-40B4-BE49-F238E27FC236}">
+                    <a16:creationId xmlns:a16="http://schemas.microsoft.com/office/drawing/2014/main" id="{253AEE2C-76F7-46A3-A2A8-A46FB17D06B2}"/>
+                  </a:ext>
+                </a:extLst>
+              </p:cNvPr>
+              <p:cNvSpPr/>
+              <p:nvPr/>
+            </p:nvSpPr>
+            <p:spPr>
+              <a:xfrm>
+                <a:off x="4922980" y="6036589"/>
+                <a:ext cx="359491" cy="105151"/>
+              </a:xfrm>
+              <a:prstGeom prst="rect">
+                <a:avLst/>
+              </a:prstGeom>
+              <a:solidFill>
+                <a:srgbClr val="F7B698">
+                  <a:alpha val="100000"/>
+                </a:srgbClr>
+              </a:solidFill>
+              <a:ln w="9525" cap="rnd">
+                <a:solidFill>
+                  <a:srgbClr val="F7B698">
+                    <a:alpha val="100000"/>
+                  </a:srgbClr>
+                </a:solidFill>
+                <a:prstDash val="solid"/>
+                <a:round/>
+              </a:ln>
+            </p:spPr>
+            <p:txBody>
+              <a:bodyPr/>
+              <a:lstStyle/>
+              <a:p>
+                <a:endParaRPr/>
+              </a:p>
+            </p:txBody>
+          </p:sp>
+          <p:sp>
+            <p:nvSpPr>
+              <p:cNvPr id="388" name="rc38">
+                <a:extLst>
+                  <a:ext uri="{FF2B5EF4-FFF2-40B4-BE49-F238E27FC236}">
+                    <a16:creationId xmlns:a16="http://schemas.microsoft.com/office/drawing/2014/main" id="{8EB7237C-5497-C75E-E003-8FBC29AA5EB3}"/>
+                  </a:ext>
+                </a:extLst>
+              </p:cNvPr>
+              <p:cNvSpPr/>
+              <p:nvPr/>
+            </p:nvSpPr>
+            <p:spPr>
+              <a:xfrm>
+                <a:off x="5282472" y="6036589"/>
+                <a:ext cx="359491" cy="105151"/>
+              </a:xfrm>
+              <a:prstGeom prst="rect">
+                <a:avLst/>
+              </a:prstGeom>
+              <a:solidFill>
+                <a:srgbClr val="FDEBDF">
+                  <a:alpha val="100000"/>
+                </a:srgbClr>
+              </a:solidFill>
+              <a:ln w="9525" cap="rnd">
+                <a:solidFill>
+                  <a:srgbClr val="FDEBDF">
+                    <a:alpha val="100000"/>
+                  </a:srgbClr>
+                </a:solidFill>
+                <a:prstDash val="solid"/>
+                <a:round/>
+              </a:ln>
+            </p:spPr>
+            <p:txBody>
+              <a:bodyPr/>
+              <a:lstStyle/>
+              <a:p>
+                <a:endParaRPr/>
+              </a:p>
+            </p:txBody>
+          </p:sp>
+          <p:sp>
+            <p:nvSpPr>
+              <p:cNvPr id="389" name="rc39">
+                <a:extLst>
+                  <a:ext uri="{FF2B5EF4-FFF2-40B4-BE49-F238E27FC236}">
+                    <a16:creationId xmlns:a16="http://schemas.microsoft.com/office/drawing/2014/main" id="{B0014424-585F-DE26-1E46-2C732C525A37}"/>
+                  </a:ext>
+                </a:extLst>
+              </p:cNvPr>
+              <p:cNvSpPr/>
+              <p:nvPr/>
+            </p:nvSpPr>
+            <p:spPr>
+              <a:xfrm>
+                <a:off x="5641964" y="6036589"/>
+                <a:ext cx="359491" cy="105151"/>
+              </a:xfrm>
+              <a:prstGeom prst="rect">
+                <a:avLst/>
+              </a:prstGeom>
+              <a:solidFill>
+                <a:srgbClr val="E5F0F6">
+                  <a:alpha val="100000"/>
+                </a:srgbClr>
+              </a:solidFill>
+              <a:ln w="9525" cap="rnd">
+                <a:solidFill>
+                  <a:srgbClr val="E5F0F6">
+                    <a:alpha val="100000"/>
+                  </a:srgbClr>
+                </a:solidFill>
+                <a:prstDash val="solid"/>
+                <a:round/>
+              </a:ln>
+            </p:spPr>
+            <p:txBody>
+              <a:bodyPr/>
+              <a:lstStyle/>
+              <a:p>
+                <a:endParaRPr/>
+              </a:p>
+            </p:txBody>
+          </p:sp>
+          <p:sp>
+            <p:nvSpPr>
+              <p:cNvPr id="390" name="rc40">
+                <a:extLst>
+                  <a:ext uri="{FF2B5EF4-FFF2-40B4-BE49-F238E27FC236}">
+                    <a16:creationId xmlns:a16="http://schemas.microsoft.com/office/drawing/2014/main" id="{CA17F5A0-A45D-AC41-4DD2-A6CCCB5A1872}"/>
+                  </a:ext>
+                </a:extLst>
+              </p:cNvPr>
+              <p:cNvSpPr/>
+              <p:nvPr/>
+            </p:nvSpPr>
+            <p:spPr>
+              <a:xfrm>
+                <a:off x="6001456" y="6036589"/>
+                <a:ext cx="359491" cy="105151"/>
+              </a:xfrm>
+              <a:prstGeom prst="rect">
+                <a:avLst/>
+              </a:prstGeom>
+              <a:solidFill>
+                <a:srgbClr val="A7CFE4">
+                  <a:alpha val="100000"/>
+                </a:srgbClr>
+              </a:solidFill>
+              <a:ln w="9525" cap="rnd">
+                <a:solidFill>
+                  <a:srgbClr val="A7CFE4">
+                    <a:alpha val="100000"/>
+                  </a:srgbClr>
+                </a:solidFill>
+                <a:prstDash val="solid"/>
+                <a:round/>
+              </a:ln>
+            </p:spPr>
+            <p:txBody>
+              <a:bodyPr/>
+              <a:lstStyle/>
+              <a:p>
+                <a:endParaRPr/>
+              </a:p>
+            </p:txBody>
+          </p:sp>
+          <p:sp>
+            <p:nvSpPr>
+              <p:cNvPr id="391" name="rc41">
+                <a:extLst>
+                  <a:ext uri="{FF2B5EF4-FFF2-40B4-BE49-F238E27FC236}">
+                    <a16:creationId xmlns:a16="http://schemas.microsoft.com/office/drawing/2014/main" id="{3C8DF9F8-789B-C3CF-1BF8-E52A3BB6BB4C}"/>
+                  </a:ext>
+                </a:extLst>
+              </p:cNvPr>
+              <p:cNvSpPr/>
+              <p:nvPr/>
+            </p:nvSpPr>
+            <p:spPr>
+              <a:xfrm>
+                <a:off x="6360948" y="6036589"/>
+                <a:ext cx="359491" cy="105151"/>
+              </a:xfrm>
+              <a:prstGeom prst="rect">
+                <a:avLst/>
+              </a:prstGeom>
+              <a:solidFill>
+                <a:srgbClr val="549EC9">
+                  <a:alpha val="100000"/>
+                </a:srgbClr>
+              </a:solidFill>
+              <a:ln w="9525" cap="rnd">
+                <a:solidFill>
+                  <a:srgbClr val="549EC9">
+                    <a:alpha val="100000"/>
+                  </a:srgbClr>
+                </a:solidFill>
+                <a:prstDash val="solid"/>
+                <a:round/>
+              </a:ln>
+            </p:spPr>
+            <p:txBody>
+              <a:bodyPr/>
+              <a:lstStyle/>
+              <a:p>
+                <a:endParaRPr/>
+              </a:p>
+            </p:txBody>
+          </p:sp>
+          <p:sp>
+            <p:nvSpPr>
+              <p:cNvPr id="392" name="rc42">
+                <a:extLst>
+                  <a:ext uri="{FF2B5EF4-FFF2-40B4-BE49-F238E27FC236}">
+                    <a16:creationId xmlns:a16="http://schemas.microsoft.com/office/drawing/2014/main" id="{681CCA30-59F3-4A86-B13A-32C6D07FFED2}"/>
+                  </a:ext>
+                </a:extLst>
+              </p:cNvPr>
+              <p:cNvSpPr/>
+              <p:nvPr/>
+            </p:nvSpPr>
+            <p:spPr>
+              <a:xfrm>
+                <a:off x="6720440" y="6036589"/>
+                <a:ext cx="359491" cy="105151"/>
+              </a:xfrm>
+              <a:prstGeom prst="rect">
+                <a:avLst/>
+              </a:prstGeom>
+              <a:solidFill>
+                <a:srgbClr val="246BAE">
+                  <a:alpha val="100000"/>
+                </a:srgbClr>
+              </a:solidFill>
+              <a:ln w="9525" cap="rnd">
+                <a:solidFill>
+                  <a:srgbClr val="246BAE">
+                    <a:alpha val="100000"/>
+                  </a:srgbClr>
+                </a:solidFill>
+                <a:prstDash val="solid"/>
+                <a:round/>
+              </a:ln>
+            </p:spPr>
+            <p:txBody>
+              <a:bodyPr/>
+              <a:lstStyle/>
+              <a:p>
+                <a:endParaRPr/>
+              </a:p>
+            </p:txBody>
+          </p:sp>
+          <p:sp>
+            <p:nvSpPr>
+              <p:cNvPr id="393" name="rc43">
+                <a:extLst>
+                  <a:ext uri="{FF2B5EF4-FFF2-40B4-BE49-F238E27FC236}">
+                    <a16:creationId xmlns:a16="http://schemas.microsoft.com/office/drawing/2014/main" id="{83245330-E4F6-B603-63E1-78FF2B0C5484}"/>
+                  </a:ext>
+                </a:extLst>
+              </p:cNvPr>
+              <p:cNvSpPr/>
+              <p:nvPr/>
+            </p:nvSpPr>
+            <p:spPr>
+              <a:xfrm>
+                <a:off x="7079932" y="6036589"/>
+                <a:ext cx="359491" cy="105151"/>
+              </a:xfrm>
+              <a:prstGeom prst="rect">
+                <a:avLst/>
+              </a:prstGeom>
+              <a:solidFill>
+                <a:srgbClr val="053061">
+                  <a:alpha val="100000"/>
+                </a:srgbClr>
+              </a:solidFill>
+              <a:ln w="9525" cap="rnd">
+                <a:solidFill>
+                  <a:srgbClr val="053061">
+                    <a:alpha val="100000"/>
+                  </a:srgbClr>
+                </a:solidFill>
+                <a:prstDash val="solid"/>
+                <a:round/>
+              </a:ln>
+            </p:spPr>
+            <p:txBody>
+              <a:bodyPr/>
+              <a:lstStyle/>
+              <a:p>
+                <a:endParaRPr/>
+              </a:p>
+            </p:txBody>
+          </p:sp>
+          <p:sp>
+            <p:nvSpPr>
+              <p:cNvPr id="394" name="rc44">
+                <a:extLst>
+                  <a:ext uri="{FF2B5EF4-FFF2-40B4-BE49-F238E27FC236}">
+                    <a16:creationId xmlns:a16="http://schemas.microsoft.com/office/drawing/2014/main" id="{B7DA36F3-A5B9-555E-7F24-7ACE44E571AB}"/>
+                  </a:ext>
+                </a:extLst>
+              </p:cNvPr>
+              <p:cNvSpPr/>
+              <p:nvPr/>
+            </p:nvSpPr>
+            <p:spPr>
+              <a:xfrm>
+                <a:off x="3844504" y="6036589"/>
+                <a:ext cx="3594919" cy="105151"/>
+              </a:xfrm>
+              <a:prstGeom prst="rect">
+                <a:avLst/>
+              </a:prstGeom>
+              <a:ln w="9525" cap="rnd">
+                <a:solidFill>
+                  <a:srgbClr val="000000">
+                    <a:alpha val="100000"/>
+                  </a:srgbClr>
+                </a:solidFill>
+                <a:prstDash val="solid"/>
+                <a:round/>
+              </a:ln>
+            </p:spPr>
+            <p:txBody>
+              <a:bodyPr/>
+              <a:lstStyle/>
+              <a:p>
+                <a:endParaRPr/>
+              </a:p>
+            </p:txBody>
+          </p:sp>
+          <p:sp>
+            <p:nvSpPr>
+              <p:cNvPr id="395" name="pl45">
+                <a:extLst>
+                  <a:ext uri="{FF2B5EF4-FFF2-40B4-BE49-F238E27FC236}">
+                    <a16:creationId xmlns:a16="http://schemas.microsoft.com/office/drawing/2014/main" id="{EB2182A0-E235-1312-863E-AFEB10F8821B}"/>
+                  </a:ext>
+                </a:extLst>
+              </p:cNvPr>
+              <p:cNvSpPr/>
+              <p:nvPr/>
+            </p:nvSpPr>
+            <p:spPr>
+              <a:xfrm>
+                <a:off x="3844504" y="6141741"/>
+                <a:ext cx="0" cy="21030"/>
+              </a:xfrm>
+              <a:custGeom>
+                <a:avLst/>
+                <a:gdLst/>
+                <a:ahLst/>
+                <a:cxnLst/>
+                <a:rect l="0" t="0" r="0" b="0"/>
+                <a:pathLst>
+                  <a:path h="21030">
+                    <a:moveTo>
+                      <a:pt x="0" y="0"/>
+                    </a:moveTo>
+                    <a:lnTo>
+                      <a:pt x="0" y="21030"/>
+                    </a:lnTo>
+                  </a:path>
+                </a:pathLst>
+              </a:custGeom>
+              <a:ln w="9525" cap="rnd">
+                <a:solidFill>
+                  <a:srgbClr val="000000">
+                    <a:alpha val="100000"/>
+                  </a:srgbClr>
+                </a:solidFill>
+                <a:prstDash val="solid"/>
+                <a:round/>
+              </a:ln>
+            </p:spPr>
+            <p:txBody>
+              <a:bodyPr/>
+              <a:lstStyle/>
+              <a:p>
+                <a:endParaRPr/>
+              </a:p>
+            </p:txBody>
+          </p:sp>
+          <p:sp>
+            <p:nvSpPr>
+              <p:cNvPr id="396" name="pl46">
+                <a:extLst>
+                  <a:ext uri="{FF2B5EF4-FFF2-40B4-BE49-F238E27FC236}">
+                    <a16:creationId xmlns:a16="http://schemas.microsoft.com/office/drawing/2014/main" id="{691A6EB0-810B-04D8-1083-95EFD0311582}"/>
+                  </a:ext>
+                </a:extLst>
+              </p:cNvPr>
+              <p:cNvSpPr/>
+              <p:nvPr/>
+            </p:nvSpPr>
+            <p:spPr>
+              <a:xfrm>
+                <a:off x="4203996" y="6141741"/>
+                <a:ext cx="0" cy="21030"/>
+              </a:xfrm>
+              <a:custGeom>
+                <a:avLst/>
+                <a:gdLst/>
+                <a:ahLst/>
+                <a:cxnLst/>
+                <a:rect l="0" t="0" r="0" b="0"/>
+                <a:pathLst>
+                  <a:path h="21030">
+                    <a:moveTo>
+                      <a:pt x="0" y="0"/>
+                    </a:moveTo>
+                    <a:lnTo>
+                      <a:pt x="0" y="21030"/>
+                    </a:lnTo>
+                  </a:path>
+                </a:pathLst>
+              </a:custGeom>
+              <a:ln w="9525" cap="rnd">
+                <a:solidFill>
+                  <a:srgbClr val="000000">
+                    <a:alpha val="100000"/>
+                  </a:srgbClr>
+                </a:solidFill>
+                <a:prstDash val="solid"/>
+                <a:round/>
+              </a:ln>
+            </p:spPr>
+            <p:txBody>
+              <a:bodyPr/>
+              <a:lstStyle/>
+              <a:p>
+                <a:endParaRPr/>
+              </a:p>
+            </p:txBody>
+          </p:sp>
+          <p:sp>
+            <p:nvSpPr>
+              <p:cNvPr id="397" name="pl47">
+                <a:extLst>
+                  <a:ext uri="{FF2B5EF4-FFF2-40B4-BE49-F238E27FC236}">
+                    <a16:creationId xmlns:a16="http://schemas.microsoft.com/office/drawing/2014/main" id="{D4B7E6B1-6BB9-93AA-78E8-5FB277A4B426}"/>
+                  </a:ext>
+                </a:extLst>
+              </p:cNvPr>
+              <p:cNvSpPr/>
+              <p:nvPr/>
+            </p:nvSpPr>
+            <p:spPr>
+              <a:xfrm>
+                <a:off x="4563488" y="6141741"/>
+                <a:ext cx="0" cy="21030"/>
+              </a:xfrm>
+              <a:custGeom>
+                <a:avLst/>
+                <a:gdLst/>
+                <a:ahLst/>
+                <a:cxnLst/>
+                <a:rect l="0" t="0" r="0" b="0"/>
+                <a:pathLst>
+                  <a:path h="21030">
+                    <a:moveTo>
+                      <a:pt x="0" y="0"/>
+                    </a:moveTo>
+                    <a:lnTo>
+                      <a:pt x="0" y="21030"/>
+                    </a:lnTo>
+                  </a:path>
+                </a:pathLst>
+              </a:custGeom>
+              <a:ln w="9525" cap="rnd">
+                <a:solidFill>
+                  <a:srgbClr val="000000">
+                    <a:alpha val="100000"/>
+                  </a:srgbClr>
+                </a:solidFill>
+                <a:prstDash val="solid"/>
+                <a:round/>
+              </a:ln>
+            </p:spPr>
+            <p:txBody>
+              <a:bodyPr/>
+              <a:lstStyle/>
+              <a:p>
+                <a:endParaRPr/>
+              </a:p>
+            </p:txBody>
+          </p:sp>
+          <p:sp>
+            <p:nvSpPr>
+              <p:cNvPr id="398" name="pl48">
+                <a:extLst>
+                  <a:ext uri="{FF2B5EF4-FFF2-40B4-BE49-F238E27FC236}">
+                    <a16:creationId xmlns:a16="http://schemas.microsoft.com/office/drawing/2014/main" id="{69ACCA75-2D7A-B342-68F6-68098EC4230D}"/>
+                  </a:ext>
+                </a:extLst>
+              </p:cNvPr>
+              <p:cNvSpPr/>
+              <p:nvPr/>
+            </p:nvSpPr>
+            <p:spPr>
+              <a:xfrm>
+                <a:off x="4922980" y="6141741"/>
+                <a:ext cx="0" cy="21030"/>
+              </a:xfrm>
+              <a:custGeom>
+                <a:avLst/>
+                <a:gdLst/>
+                <a:ahLst/>
+                <a:cxnLst/>
+                <a:rect l="0" t="0" r="0" b="0"/>
+                <a:pathLst>
+                  <a:path h="21030">
+                    <a:moveTo>
+                      <a:pt x="0" y="0"/>
+                    </a:moveTo>
+                    <a:lnTo>
+                      <a:pt x="0" y="21030"/>
+                    </a:lnTo>
+                  </a:path>
+                </a:pathLst>
+              </a:custGeom>
+              <a:ln w="9525" cap="rnd">
+                <a:solidFill>
+                  <a:srgbClr val="000000">
+                    <a:alpha val="100000"/>
+                  </a:srgbClr>
+                </a:solidFill>
+                <a:prstDash val="solid"/>
+                <a:round/>
+              </a:ln>
+            </p:spPr>
+            <p:txBody>
+              <a:bodyPr/>
+              <a:lstStyle/>
+              <a:p>
+                <a:endParaRPr/>
+              </a:p>
+            </p:txBody>
+          </p:sp>
+          <p:sp>
+            <p:nvSpPr>
+              <p:cNvPr id="399" name="pl49">
+                <a:extLst>
+                  <a:ext uri="{FF2B5EF4-FFF2-40B4-BE49-F238E27FC236}">
+                    <a16:creationId xmlns:a16="http://schemas.microsoft.com/office/drawing/2014/main" id="{8B58C62F-5EDC-9E5E-3CAB-9B8114EDDE03}"/>
+                  </a:ext>
+                </a:extLst>
+              </p:cNvPr>
+              <p:cNvSpPr/>
+              <p:nvPr/>
+            </p:nvSpPr>
+            <p:spPr>
+              <a:xfrm>
+                <a:off x="5282472" y="6141741"/>
+                <a:ext cx="0" cy="21030"/>
+              </a:xfrm>
+              <a:custGeom>
+                <a:avLst/>
+                <a:gdLst/>
+                <a:ahLst/>
+                <a:cxnLst/>
+                <a:rect l="0" t="0" r="0" b="0"/>
+                <a:pathLst>
+                  <a:path h="21030">
+                    <a:moveTo>
+                      <a:pt x="0" y="0"/>
+                    </a:moveTo>
+                    <a:lnTo>
+                      <a:pt x="0" y="21030"/>
+                    </a:lnTo>
+                  </a:path>
+                </a:pathLst>
+              </a:custGeom>
+              <a:ln w="9525" cap="rnd">
+                <a:solidFill>
+                  <a:srgbClr val="000000">
+                    <a:alpha val="100000"/>
+                  </a:srgbClr>
+                </a:solidFill>
+                <a:prstDash val="solid"/>
+                <a:round/>
+              </a:ln>
+            </p:spPr>
+            <p:txBody>
+              <a:bodyPr/>
+              <a:lstStyle/>
+              <a:p>
+                <a:endParaRPr/>
+              </a:p>
+            </p:txBody>
+          </p:sp>
+          <p:sp>
+            <p:nvSpPr>
+              <p:cNvPr id="400" name="pl50">
+                <a:extLst>
+                  <a:ext uri="{FF2B5EF4-FFF2-40B4-BE49-F238E27FC236}">
+                    <a16:creationId xmlns:a16="http://schemas.microsoft.com/office/drawing/2014/main" id="{3CE39697-06F0-5599-26F8-14354370B21E}"/>
+                  </a:ext>
+                </a:extLst>
+              </p:cNvPr>
+              <p:cNvSpPr/>
+              <p:nvPr/>
+            </p:nvSpPr>
+            <p:spPr>
+              <a:xfrm>
+                <a:off x="5641964" y="6141741"/>
+                <a:ext cx="0" cy="21030"/>
+              </a:xfrm>
+              <a:custGeom>
+                <a:avLst/>
+                <a:gdLst/>
+                <a:ahLst/>
+                <a:cxnLst/>
+                <a:rect l="0" t="0" r="0" b="0"/>
+                <a:pathLst>
+                  <a:path h="21030">
+                    <a:moveTo>
+                      <a:pt x="0" y="0"/>
+                    </a:moveTo>
+                    <a:lnTo>
+                      <a:pt x="0" y="21030"/>
+                    </a:lnTo>
+                  </a:path>
+                </a:pathLst>
+              </a:custGeom>
+              <a:ln w="9525" cap="rnd">
+                <a:solidFill>
+                  <a:srgbClr val="000000">
+                    <a:alpha val="100000"/>
+                  </a:srgbClr>
+                </a:solidFill>
+                <a:prstDash val="solid"/>
+                <a:round/>
+              </a:ln>
+            </p:spPr>
+            <p:txBody>
+              <a:bodyPr/>
+              <a:lstStyle/>
+              <a:p>
+                <a:endParaRPr/>
+              </a:p>
+            </p:txBody>
+          </p:sp>
+          <p:sp>
+            <p:nvSpPr>
+              <p:cNvPr id="401" name="pl51">
+                <a:extLst>
+                  <a:ext uri="{FF2B5EF4-FFF2-40B4-BE49-F238E27FC236}">
+                    <a16:creationId xmlns:a16="http://schemas.microsoft.com/office/drawing/2014/main" id="{9344A17C-FA2E-0121-6625-6BE37FAE8536}"/>
+                  </a:ext>
+                </a:extLst>
+              </p:cNvPr>
+              <p:cNvSpPr/>
+              <p:nvPr/>
+            </p:nvSpPr>
+            <p:spPr>
+              <a:xfrm>
+                <a:off x="6001456" y="6141741"/>
+                <a:ext cx="0" cy="21030"/>
+              </a:xfrm>
+              <a:custGeom>
+                <a:avLst/>
+                <a:gdLst/>
+                <a:ahLst/>
+                <a:cxnLst/>
+                <a:rect l="0" t="0" r="0" b="0"/>
+                <a:pathLst>
+                  <a:path h="21030">
+                    <a:moveTo>
+                      <a:pt x="0" y="0"/>
+                    </a:moveTo>
+                    <a:lnTo>
+                      <a:pt x="0" y="21030"/>
+                    </a:lnTo>
+                  </a:path>
+                </a:pathLst>
+              </a:custGeom>
+              <a:ln w="9525" cap="rnd">
+                <a:solidFill>
+                  <a:srgbClr val="000000">
+                    <a:alpha val="100000"/>
+                  </a:srgbClr>
+                </a:solidFill>
+                <a:prstDash val="solid"/>
+                <a:round/>
+              </a:ln>
+            </p:spPr>
+            <p:txBody>
+              <a:bodyPr/>
+              <a:lstStyle/>
+              <a:p>
+                <a:endParaRPr/>
+              </a:p>
+            </p:txBody>
+          </p:sp>
+          <p:sp>
+            <p:nvSpPr>
+              <p:cNvPr id="402" name="pl52">
+                <a:extLst>
+                  <a:ext uri="{FF2B5EF4-FFF2-40B4-BE49-F238E27FC236}">
+                    <a16:creationId xmlns:a16="http://schemas.microsoft.com/office/drawing/2014/main" id="{1B4B6A84-9C8D-BE43-E6E6-4277D5F4919E}"/>
+                  </a:ext>
+                </a:extLst>
+              </p:cNvPr>
+              <p:cNvSpPr/>
+              <p:nvPr/>
+            </p:nvSpPr>
+            <p:spPr>
+              <a:xfrm>
+                <a:off x="6360948" y="6141741"/>
+                <a:ext cx="0" cy="21030"/>
+              </a:xfrm>
+              <a:custGeom>
+                <a:avLst/>
+                <a:gdLst/>
+                <a:ahLst/>
+                <a:cxnLst/>
+                <a:rect l="0" t="0" r="0" b="0"/>
+                <a:pathLst>
+                  <a:path h="21030">
+                    <a:moveTo>
+                      <a:pt x="0" y="0"/>
+                    </a:moveTo>
+                    <a:lnTo>
+                      <a:pt x="0" y="21030"/>
+                    </a:lnTo>
+                  </a:path>
+                </a:pathLst>
+              </a:custGeom>
+              <a:ln w="9525" cap="rnd">
+                <a:solidFill>
+                  <a:srgbClr val="000000">
+                    <a:alpha val="100000"/>
+                  </a:srgbClr>
+                </a:solidFill>
+                <a:prstDash val="solid"/>
+                <a:round/>
+              </a:ln>
+            </p:spPr>
+            <p:txBody>
+              <a:bodyPr/>
+              <a:lstStyle/>
+              <a:p>
+                <a:endParaRPr/>
+              </a:p>
+            </p:txBody>
+          </p:sp>
+          <p:sp>
+            <p:nvSpPr>
+              <p:cNvPr id="403" name="pl53">
+                <a:extLst>
+                  <a:ext uri="{FF2B5EF4-FFF2-40B4-BE49-F238E27FC236}">
+                    <a16:creationId xmlns:a16="http://schemas.microsoft.com/office/drawing/2014/main" id="{377E4D0E-4A97-3689-22A0-37A9DBA15926}"/>
+                  </a:ext>
+                </a:extLst>
+              </p:cNvPr>
+              <p:cNvSpPr/>
+              <p:nvPr/>
+            </p:nvSpPr>
+            <p:spPr>
+              <a:xfrm>
+                <a:off x="6720440" y="6141741"/>
+                <a:ext cx="0" cy="21030"/>
+              </a:xfrm>
+              <a:custGeom>
+                <a:avLst/>
+                <a:gdLst/>
+                <a:ahLst/>
+                <a:cxnLst/>
+                <a:rect l="0" t="0" r="0" b="0"/>
+                <a:pathLst>
+                  <a:path h="21030">
+                    <a:moveTo>
+                      <a:pt x="0" y="0"/>
+                    </a:moveTo>
+                    <a:lnTo>
+                      <a:pt x="0" y="21030"/>
+                    </a:lnTo>
+                  </a:path>
+                </a:pathLst>
+              </a:custGeom>
+              <a:ln w="9525" cap="rnd">
+                <a:solidFill>
+                  <a:srgbClr val="000000">
+                    <a:alpha val="100000"/>
+                  </a:srgbClr>
+                </a:solidFill>
+                <a:prstDash val="solid"/>
+                <a:round/>
+              </a:ln>
+            </p:spPr>
+            <p:txBody>
+              <a:bodyPr/>
+              <a:lstStyle/>
+              <a:p>
+                <a:endParaRPr/>
+              </a:p>
+            </p:txBody>
+          </p:sp>
+          <p:sp>
+            <p:nvSpPr>
+              <p:cNvPr id="404" name="pl54">
+                <a:extLst>
+                  <a:ext uri="{FF2B5EF4-FFF2-40B4-BE49-F238E27FC236}">
+                    <a16:creationId xmlns:a16="http://schemas.microsoft.com/office/drawing/2014/main" id="{29DE93B4-307A-081B-9E6B-10806F029BDB}"/>
+                  </a:ext>
+                </a:extLst>
+              </p:cNvPr>
+              <p:cNvSpPr/>
+              <p:nvPr/>
+            </p:nvSpPr>
+            <p:spPr>
+              <a:xfrm>
+                <a:off x="7079932" y="6141741"/>
+                <a:ext cx="0" cy="21030"/>
+              </a:xfrm>
+              <a:custGeom>
+                <a:avLst/>
+                <a:gdLst/>
+                <a:ahLst/>
+                <a:cxnLst/>
+                <a:rect l="0" t="0" r="0" b="0"/>
+                <a:pathLst>
+                  <a:path h="21030">
+                    <a:moveTo>
+                      <a:pt x="0" y="0"/>
+                    </a:moveTo>
+                    <a:lnTo>
+                      <a:pt x="0" y="21030"/>
+                    </a:lnTo>
+                  </a:path>
+                </a:pathLst>
+              </a:custGeom>
+              <a:ln w="9525" cap="rnd">
+                <a:solidFill>
+                  <a:srgbClr val="000000">
+                    <a:alpha val="100000"/>
+                  </a:srgbClr>
+                </a:solidFill>
+                <a:prstDash val="solid"/>
+                <a:round/>
+              </a:ln>
+            </p:spPr>
+            <p:txBody>
+              <a:bodyPr/>
+              <a:lstStyle/>
+              <a:p>
+                <a:endParaRPr/>
+              </a:p>
+            </p:txBody>
+          </p:sp>
+          <p:sp>
+            <p:nvSpPr>
+              <p:cNvPr id="405" name="pl55">
+                <a:extLst>
+                  <a:ext uri="{FF2B5EF4-FFF2-40B4-BE49-F238E27FC236}">
+                    <a16:creationId xmlns:a16="http://schemas.microsoft.com/office/drawing/2014/main" id="{14985401-87CD-2E9F-C99B-9BF0E48D4E5D}"/>
+                  </a:ext>
+                </a:extLst>
+              </p:cNvPr>
+              <p:cNvSpPr/>
+              <p:nvPr/>
+            </p:nvSpPr>
+            <p:spPr>
+              <a:xfrm>
+                <a:off x="7439423" y="6141741"/>
+                <a:ext cx="0" cy="21030"/>
+              </a:xfrm>
+              <a:custGeom>
+                <a:avLst/>
+                <a:gdLst/>
+                <a:ahLst/>
+                <a:cxnLst/>
+                <a:rect l="0" t="0" r="0" b="0"/>
+                <a:pathLst>
+                  <a:path h="21030">
+                    <a:moveTo>
+                      <a:pt x="0" y="0"/>
+                    </a:moveTo>
+                    <a:lnTo>
+                      <a:pt x="0" y="21030"/>
+                    </a:lnTo>
+                  </a:path>
+                </a:pathLst>
+              </a:custGeom>
+              <a:ln w="9525" cap="rnd">
+                <a:solidFill>
+                  <a:srgbClr val="000000">
+                    <a:alpha val="100000"/>
+                  </a:srgbClr>
+                </a:solidFill>
+                <a:prstDash val="solid"/>
+                <a:round/>
+              </a:ln>
+            </p:spPr>
+            <p:txBody>
+              <a:bodyPr/>
+              <a:lstStyle/>
+              <a:p>
+                <a:endParaRPr/>
+              </a:p>
+            </p:txBody>
+          </p:sp>
+          <p:sp>
+            <p:nvSpPr>
+              <p:cNvPr id="406" name="tx56">
+                <a:extLst>
+                  <a:ext uri="{FF2B5EF4-FFF2-40B4-BE49-F238E27FC236}">
+                    <a16:creationId xmlns:a16="http://schemas.microsoft.com/office/drawing/2014/main" id="{D2D1ACE7-7C7C-B11B-D201-D73859477662}"/>
+                  </a:ext>
+                </a:extLst>
+              </p:cNvPr>
+              <p:cNvSpPr/>
+              <p:nvPr/>
+            </p:nvSpPr>
+            <p:spPr>
+              <a:xfrm>
+                <a:off x="3776750" y="6235579"/>
+                <a:ext cx="135508" cy="109537"/>
+              </a:xfrm>
+              <a:prstGeom prst="rect">
+                <a:avLst/>
+              </a:prstGeom>
+              <a:noFill/>
+            </p:spPr>
+            <p:txBody>
+              <a:bodyPr wrap="none" lIns="0" tIns="0" rIns="0" bIns="0" anchor="ctr" anchorCtr="1"/>
+              <a:lstStyle/>
+              <a:p>
+                <a:pPr marL="0" marR="0" indent="0" algn="l">
+                  <a:lnSpc>
+                    <a:spcPts val="1200"/>
+                  </a:lnSpc>
+                  <a:spcBef>
+                    <a:spcPts val="0"/>
+                  </a:spcBef>
+                  <a:spcAft>
+                    <a:spcPts val="0"/>
+                  </a:spcAft>
+                </a:pPr>
+                <a:r>
+                  <a:rPr sz="1200">
+                    <a:solidFill>
+                      <a:srgbClr val="000000">
+                        <a:alpha val="100000"/>
+                      </a:srgbClr>
+                    </a:solidFill>
+                    <a:latin typeface="Arial"/>
+                    <a:cs typeface="Arial"/>
+                  </a:rPr>
+                  <a:t>-1</a:t>
+                </a:r>
+              </a:p>
+            </p:txBody>
+          </p:sp>
+          <p:sp>
+            <p:nvSpPr>
+              <p:cNvPr id="407" name="tx57">
+                <a:extLst>
+                  <a:ext uri="{FF2B5EF4-FFF2-40B4-BE49-F238E27FC236}">
+                    <a16:creationId xmlns:a16="http://schemas.microsoft.com/office/drawing/2014/main" id="{BC17F825-E5D0-B635-98C6-964C072C5E11}"/>
+                  </a:ext>
+                </a:extLst>
+              </p:cNvPr>
+              <p:cNvSpPr/>
+              <p:nvPr/>
+            </p:nvSpPr>
+            <p:spPr>
+              <a:xfrm>
+                <a:off x="4072692" y="6233719"/>
+                <a:ext cx="262607" cy="111397"/>
+              </a:xfrm>
+              <a:prstGeom prst="rect">
+                <a:avLst/>
+              </a:prstGeom>
+              <a:noFill/>
+            </p:spPr>
+            <p:txBody>
+              <a:bodyPr wrap="none" lIns="0" tIns="0" rIns="0" bIns="0" anchor="ctr" anchorCtr="1"/>
+              <a:lstStyle/>
+              <a:p>
+                <a:pPr marL="0" marR="0" indent="0" algn="l">
+                  <a:lnSpc>
+                    <a:spcPts val="1200"/>
+                  </a:lnSpc>
+                  <a:spcBef>
+                    <a:spcPts val="0"/>
+                  </a:spcBef>
+                  <a:spcAft>
+                    <a:spcPts val="0"/>
+                  </a:spcAft>
+                </a:pPr>
+                <a:r>
+                  <a:rPr sz="1200">
+                    <a:solidFill>
+                      <a:srgbClr val="000000">
+                        <a:alpha val="100000"/>
+                      </a:srgbClr>
+                    </a:solidFill>
+                    <a:latin typeface="Arial"/>
+                    <a:cs typeface="Arial"/>
+                  </a:rPr>
+                  <a:t>-0.8</a:t>
+                </a:r>
+              </a:p>
+            </p:txBody>
+          </p:sp>
+          <p:sp>
+            <p:nvSpPr>
+              <p:cNvPr id="408" name="tx58">
+                <a:extLst>
+                  <a:ext uri="{FF2B5EF4-FFF2-40B4-BE49-F238E27FC236}">
+                    <a16:creationId xmlns:a16="http://schemas.microsoft.com/office/drawing/2014/main" id="{036D2692-24F2-C3A9-91AA-4D163E804EA8}"/>
+                  </a:ext>
+                </a:extLst>
+              </p:cNvPr>
+              <p:cNvSpPr/>
+              <p:nvPr/>
+            </p:nvSpPr>
+            <p:spPr>
+              <a:xfrm>
+                <a:off x="4432184" y="6233719"/>
+                <a:ext cx="262607" cy="111397"/>
+              </a:xfrm>
+              <a:prstGeom prst="rect">
+                <a:avLst/>
+              </a:prstGeom>
+              <a:noFill/>
+            </p:spPr>
+            <p:txBody>
+              <a:bodyPr wrap="none" lIns="0" tIns="0" rIns="0" bIns="0" anchor="ctr" anchorCtr="1"/>
+              <a:lstStyle/>
+              <a:p>
+                <a:pPr marL="0" marR="0" indent="0" algn="l">
+                  <a:lnSpc>
+                    <a:spcPts val="1200"/>
+                  </a:lnSpc>
+                  <a:spcBef>
+                    <a:spcPts val="0"/>
+                  </a:spcBef>
+                  <a:spcAft>
+                    <a:spcPts val="0"/>
+                  </a:spcAft>
+                </a:pPr>
+                <a:r>
+                  <a:rPr sz="1200">
+                    <a:solidFill>
+                      <a:srgbClr val="000000">
+                        <a:alpha val="100000"/>
+                      </a:srgbClr>
+                    </a:solidFill>
+                    <a:latin typeface="Arial"/>
+                    <a:cs typeface="Arial"/>
+                  </a:rPr>
+                  <a:t>-0.6</a:t>
+                </a:r>
+              </a:p>
+            </p:txBody>
+          </p:sp>
+          <p:sp>
+            <p:nvSpPr>
+              <p:cNvPr id="409" name="tx59">
+                <a:extLst>
+                  <a:ext uri="{FF2B5EF4-FFF2-40B4-BE49-F238E27FC236}">
+                    <a16:creationId xmlns:a16="http://schemas.microsoft.com/office/drawing/2014/main" id="{0D9D5DB4-0D40-B6B0-0D49-3AF27C71AFD5}"/>
+                  </a:ext>
+                </a:extLst>
+              </p:cNvPr>
+              <p:cNvSpPr/>
+              <p:nvPr/>
+            </p:nvSpPr>
+            <p:spPr>
+              <a:xfrm>
+                <a:off x="4791676" y="6233719"/>
+                <a:ext cx="262607" cy="111397"/>
+              </a:xfrm>
+              <a:prstGeom prst="rect">
+                <a:avLst/>
+              </a:prstGeom>
+              <a:noFill/>
+            </p:spPr>
+            <p:txBody>
+              <a:bodyPr wrap="none" lIns="0" tIns="0" rIns="0" bIns="0" anchor="ctr" anchorCtr="1"/>
+              <a:lstStyle/>
+              <a:p>
+                <a:pPr marL="0" marR="0" indent="0" algn="l">
+                  <a:lnSpc>
+                    <a:spcPts val="1200"/>
+                  </a:lnSpc>
+                  <a:spcBef>
+                    <a:spcPts val="0"/>
+                  </a:spcBef>
+                  <a:spcAft>
+                    <a:spcPts val="0"/>
+                  </a:spcAft>
+                </a:pPr>
+                <a:r>
+                  <a:rPr sz="1200">
+                    <a:solidFill>
+                      <a:srgbClr val="000000">
+                        <a:alpha val="100000"/>
+                      </a:srgbClr>
+                    </a:solidFill>
+                    <a:latin typeface="Arial"/>
+                    <a:cs typeface="Arial"/>
+                  </a:rPr>
+                  <a:t>-0.4</a:t>
+                </a:r>
+              </a:p>
+            </p:txBody>
+          </p:sp>
+          <p:sp>
+            <p:nvSpPr>
+              <p:cNvPr id="410" name="tx60">
+                <a:extLst>
+                  <a:ext uri="{FF2B5EF4-FFF2-40B4-BE49-F238E27FC236}">
+                    <a16:creationId xmlns:a16="http://schemas.microsoft.com/office/drawing/2014/main" id="{3CD597E0-EA6E-0A61-CAF7-3FD2BFD889C9}"/>
+                  </a:ext>
+                </a:extLst>
+              </p:cNvPr>
+              <p:cNvSpPr/>
+              <p:nvPr/>
+            </p:nvSpPr>
+            <p:spPr>
+              <a:xfrm>
+                <a:off x="5151168" y="6233719"/>
+                <a:ext cx="262607" cy="111397"/>
+              </a:xfrm>
+              <a:prstGeom prst="rect">
+                <a:avLst/>
+              </a:prstGeom>
+              <a:noFill/>
+            </p:spPr>
+            <p:txBody>
+              <a:bodyPr wrap="none" lIns="0" tIns="0" rIns="0" bIns="0" anchor="ctr" anchorCtr="1"/>
+              <a:lstStyle/>
+              <a:p>
+                <a:pPr marL="0" marR="0" indent="0" algn="l">
+                  <a:lnSpc>
+                    <a:spcPts val="1200"/>
+                  </a:lnSpc>
+                  <a:spcBef>
+                    <a:spcPts val="0"/>
+                  </a:spcBef>
+                  <a:spcAft>
+                    <a:spcPts val="0"/>
+                  </a:spcAft>
+                </a:pPr>
+                <a:r>
+                  <a:rPr sz="1200">
+                    <a:solidFill>
+                      <a:srgbClr val="000000">
+                        <a:alpha val="100000"/>
+                      </a:srgbClr>
+                    </a:solidFill>
+                    <a:latin typeface="Arial"/>
+                    <a:cs typeface="Arial"/>
+                  </a:rPr>
+                  <a:t>-0.2</a:t>
+                </a:r>
+              </a:p>
+            </p:txBody>
+          </p:sp>
+          <p:sp>
+            <p:nvSpPr>
+              <p:cNvPr id="411" name="tx61">
+                <a:extLst>
+                  <a:ext uri="{FF2B5EF4-FFF2-40B4-BE49-F238E27FC236}">
+                    <a16:creationId xmlns:a16="http://schemas.microsoft.com/office/drawing/2014/main" id="{ADB4FD37-F28C-EF68-EAE5-FCD561E70C03}"/>
+                  </a:ext>
+                </a:extLst>
+              </p:cNvPr>
+              <p:cNvSpPr/>
+              <p:nvPr/>
+            </p:nvSpPr>
+            <p:spPr>
+              <a:xfrm>
+                <a:off x="5599585" y="6233719"/>
+                <a:ext cx="84757" cy="111397"/>
+              </a:xfrm>
+              <a:prstGeom prst="rect">
+                <a:avLst/>
+              </a:prstGeom>
+              <a:noFill/>
+            </p:spPr>
+            <p:txBody>
+              <a:bodyPr wrap="none" lIns="0" tIns="0" rIns="0" bIns="0" anchor="ctr" anchorCtr="1"/>
+              <a:lstStyle/>
+              <a:p>
+                <a:pPr marL="0" marR="0" indent="0" algn="l">
+                  <a:lnSpc>
+                    <a:spcPts val="1200"/>
+                  </a:lnSpc>
+                  <a:spcBef>
+                    <a:spcPts val="0"/>
+                  </a:spcBef>
+                  <a:spcAft>
+                    <a:spcPts val="0"/>
+                  </a:spcAft>
+                </a:pPr>
+                <a:r>
+                  <a:rPr sz="1200">
+                    <a:solidFill>
+                      <a:srgbClr val="000000">
+                        <a:alpha val="100000"/>
+                      </a:srgbClr>
+                    </a:solidFill>
+                    <a:latin typeface="Arial"/>
+                    <a:cs typeface="Arial"/>
+                  </a:rPr>
+                  <a:t>0</a:t>
+                </a:r>
+              </a:p>
+            </p:txBody>
+          </p:sp>
+          <p:sp>
+            <p:nvSpPr>
+              <p:cNvPr id="412" name="tx62">
+                <a:extLst>
+                  <a:ext uri="{FF2B5EF4-FFF2-40B4-BE49-F238E27FC236}">
+                    <a16:creationId xmlns:a16="http://schemas.microsoft.com/office/drawing/2014/main" id="{E226569A-EF4B-AB4A-61BF-0DAF517990E7}"/>
+                  </a:ext>
+                </a:extLst>
+              </p:cNvPr>
+              <p:cNvSpPr/>
+              <p:nvPr/>
+            </p:nvSpPr>
+            <p:spPr>
+              <a:xfrm>
+                <a:off x="5895527" y="6233719"/>
+                <a:ext cx="211856" cy="111397"/>
+              </a:xfrm>
+              <a:prstGeom prst="rect">
+                <a:avLst/>
+              </a:prstGeom>
+              <a:noFill/>
+            </p:spPr>
+            <p:txBody>
+              <a:bodyPr wrap="none" lIns="0" tIns="0" rIns="0" bIns="0" anchor="ctr" anchorCtr="1"/>
+              <a:lstStyle/>
+              <a:p>
+                <a:pPr marL="0" marR="0" indent="0" algn="l">
+                  <a:lnSpc>
+                    <a:spcPts val="1200"/>
+                  </a:lnSpc>
+                  <a:spcBef>
+                    <a:spcPts val="0"/>
+                  </a:spcBef>
+                  <a:spcAft>
+                    <a:spcPts val="0"/>
+                  </a:spcAft>
+                </a:pPr>
+                <a:r>
+                  <a:rPr sz="1200">
+                    <a:solidFill>
+                      <a:srgbClr val="000000">
+                        <a:alpha val="100000"/>
+                      </a:srgbClr>
+                    </a:solidFill>
+                    <a:latin typeface="Arial"/>
+                    <a:cs typeface="Arial"/>
+                  </a:rPr>
+                  <a:t>0.2</a:t>
+                </a:r>
+              </a:p>
+            </p:txBody>
+          </p:sp>
+          <p:sp>
+            <p:nvSpPr>
+              <p:cNvPr id="413" name="tx63">
+                <a:extLst>
+                  <a:ext uri="{FF2B5EF4-FFF2-40B4-BE49-F238E27FC236}">
+                    <a16:creationId xmlns:a16="http://schemas.microsoft.com/office/drawing/2014/main" id="{CD7157CC-3AE1-E5DF-268A-5F3D96852320}"/>
+                  </a:ext>
+                </a:extLst>
+              </p:cNvPr>
+              <p:cNvSpPr/>
+              <p:nvPr/>
+            </p:nvSpPr>
+            <p:spPr>
+              <a:xfrm>
+                <a:off x="6255019" y="6233719"/>
+                <a:ext cx="211856" cy="111397"/>
+              </a:xfrm>
+              <a:prstGeom prst="rect">
+                <a:avLst/>
+              </a:prstGeom>
+              <a:noFill/>
+            </p:spPr>
+            <p:txBody>
+              <a:bodyPr wrap="none" lIns="0" tIns="0" rIns="0" bIns="0" anchor="ctr" anchorCtr="1"/>
+              <a:lstStyle/>
+              <a:p>
+                <a:pPr marL="0" marR="0" indent="0" algn="l">
+                  <a:lnSpc>
+                    <a:spcPts val="1200"/>
+                  </a:lnSpc>
+                  <a:spcBef>
+                    <a:spcPts val="0"/>
+                  </a:spcBef>
+                  <a:spcAft>
+                    <a:spcPts val="0"/>
+                  </a:spcAft>
+                </a:pPr>
+                <a:r>
+                  <a:rPr sz="1200">
+                    <a:solidFill>
+                      <a:srgbClr val="000000">
+                        <a:alpha val="100000"/>
+                      </a:srgbClr>
+                    </a:solidFill>
+                    <a:latin typeface="Arial"/>
+                    <a:cs typeface="Arial"/>
+                  </a:rPr>
+                  <a:t>0.4</a:t>
+                </a:r>
+              </a:p>
+            </p:txBody>
+          </p:sp>
+          <p:sp>
+            <p:nvSpPr>
+              <p:cNvPr id="414" name="tx64">
+                <a:extLst>
+                  <a:ext uri="{FF2B5EF4-FFF2-40B4-BE49-F238E27FC236}">
+                    <a16:creationId xmlns:a16="http://schemas.microsoft.com/office/drawing/2014/main" id="{ECA0C6F0-CF11-D6D0-56D6-CF89A5ADC85E}"/>
+                  </a:ext>
+                </a:extLst>
+              </p:cNvPr>
+              <p:cNvSpPr/>
+              <p:nvPr/>
+            </p:nvSpPr>
+            <p:spPr>
+              <a:xfrm>
+                <a:off x="6614511" y="6233719"/>
+                <a:ext cx="211856" cy="111397"/>
+              </a:xfrm>
+              <a:prstGeom prst="rect">
+                <a:avLst/>
+              </a:prstGeom>
+              <a:noFill/>
+            </p:spPr>
+            <p:txBody>
+              <a:bodyPr wrap="none" lIns="0" tIns="0" rIns="0" bIns="0" anchor="ctr" anchorCtr="1"/>
+              <a:lstStyle/>
+              <a:p>
+                <a:pPr marL="0" marR="0" indent="0" algn="l">
+                  <a:lnSpc>
+                    <a:spcPts val="1200"/>
+                  </a:lnSpc>
+                  <a:spcBef>
+                    <a:spcPts val="0"/>
+                  </a:spcBef>
+                  <a:spcAft>
+                    <a:spcPts val="0"/>
+                  </a:spcAft>
+                </a:pPr>
+                <a:r>
+                  <a:rPr sz="1200">
+                    <a:solidFill>
+                      <a:srgbClr val="000000">
+                        <a:alpha val="100000"/>
+                      </a:srgbClr>
+                    </a:solidFill>
+                    <a:latin typeface="Arial"/>
+                    <a:cs typeface="Arial"/>
+                  </a:rPr>
+                  <a:t>0.6</a:t>
+                </a:r>
+              </a:p>
+            </p:txBody>
+          </p:sp>
+          <p:sp>
+            <p:nvSpPr>
+              <p:cNvPr id="415" name="tx65">
+                <a:extLst>
+                  <a:ext uri="{FF2B5EF4-FFF2-40B4-BE49-F238E27FC236}">
+                    <a16:creationId xmlns:a16="http://schemas.microsoft.com/office/drawing/2014/main" id="{F20D7672-BD78-FFC8-2877-8854BF28A8E3}"/>
+                  </a:ext>
+                </a:extLst>
+              </p:cNvPr>
+              <p:cNvSpPr/>
+              <p:nvPr/>
+            </p:nvSpPr>
+            <p:spPr>
+              <a:xfrm>
+                <a:off x="6974003" y="6233719"/>
+                <a:ext cx="211856" cy="111397"/>
+              </a:xfrm>
+              <a:prstGeom prst="rect">
+                <a:avLst/>
+              </a:prstGeom>
+              <a:noFill/>
+            </p:spPr>
+            <p:txBody>
+              <a:bodyPr wrap="none" lIns="0" tIns="0" rIns="0" bIns="0" anchor="ctr" anchorCtr="1"/>
+              <a:lstStyle/>
+              <a:p>
+                <a:pPr marL="0" marR="0" indent="0" algn="l">
+                  <a:lnSpc>
+                    <a:spcPts val="1200"/>
+                  </a:lnSpc>
+                  <a:spcBef>
+                    <a:spcPts val="0"/>
+                  </a:spcBef>
+                  <a:spcAft>
+                    <a:spcPts val="0"/>
+                  </a:spcAft>
+                </a:pPr>
+                <a:r>
+                  <a:rPr sz="1200">
+                    <a:solidFill>
+                      <a:srgbClr val="000000">
+                        <a:alpha val="100000"/>
+                      </a:srgbClr>
+                    </a:solidFill>
+                    <a:latin typeface="Arial"/>
+                    <a:cs typeface="Arial"/>
+                  </a:rPr>
+                  <a:t>0.8</a:t>
+                </a:r>
+              </a:p>
+            </p:txBody>
+          </p:sp>
+          <p:sp>
+            <p:nvSpPr>
+              <p:cNvPr id="416" name="tx66">
+                <a:extLst>
+                  <a:ext uri="{FF2B5EF4-FFF2-40B4-BE49-F238E27FC236}">
+                    <a16:creationId xmlns:a16="http://schemas.microsoft.com/office/drawing/2014/main" id="{1D53DC12-D98D-E2EC-F537-19D86F31CFA7}"/>
+                  </a:ext>
+                </a:extLst>
+              </p:cNvPr>
+              <p:cNvSpPr/>
+              <p:nvPr/>
+            </p:nvSpPr>
+            <p:spPr>
+              <a:xfrm>
+                <a:off x="7397045" y="6235579"/>
+                <a:ext cx="84757" cy="109537"/>
+              </a:xfrm>
+              <a:prstGeom prst="rect">
+                <a:avLst/>
+              </a:prstGeom>
+              <a:noFill/>
+            </p:spPr>
+            <p:txBody>
+              <a:bodyPr wrap="none" lIns="0" tIns="0" rIns="0" bIns="0" anchor="ctr" anchorCtr="1"/>
+              <a:lstStyle/>
+              <a:p>
+                <a:pPr marL="0" marR="0" indent="0" algn="l">
+                  <a:lnSpc>
+                    <a:spcPts val="1200"/>
+                  </a:lnSpc>
+                  <a:spcBef>
+                    <a:spcPts val="0"/>
+                  </a:spcBef>
+                  <a:spcAft>
+                    <a:spcPts val="0"/>
+                  </a:spcAft>
+                </a:pPr>
+                <a:r>
+                  <a:rPr sz="1200">
+                    <a:solidFill>
+                      <a:srgbClr val="000000">
+                        <a:alpha val="100000"/>
+                      </a:srgbClr>
+                    </a:solidFill>
+                    <a:latin typeface="Arial"/>
+                    <a:cs typeface="Arial"/>
+                  </a:rPr>
+                  <a:t>1</a:t>
+                </a:r>
+              </a:p>
+            </p:txBody>
+          </p:sp>
+        </p:grpSp>
+        <p:sp>
+          <p:nvSpPr>
+            <p:cNvPr id="418" name="tx71">
+              <a:extLst>
+                <a:ext uri="{FF2B5EF4-FFF2-40B4-BE49-F238E27FC236}">
+                  <a16:creationId xmlns:a16="http://schemas.microsoft.com/office/drawing/2014/main" id="{B4E896CA-F92E-57B5-C15A-683922E151F4}"/>
+                </a:ext>
+              </a:extLst>
+            </p:cNvPr>
+            <p:cNvSpPr/>
+            <p:nvPr/>
+          </p:nvSpPr>
+          <p:spPr>
+            <a:xfrm>
+              <a:off x="761107" y="326976"/>
+              <a:ext cx="772685" cy="167253"/>
+            </a:xfrm>
+            <a:prstGeom prst="rect">
+              <a:avLst/>
+            </a:prstGeom>
+            <a:noFill/>
+          </p:spPr>
+          <p:txBody>
+            <a:bodyPr wrap="none" lIns="0" tIns="0" rIns="0" bIns="0" anchor="ctr" anchorCtr="1"/>
+            <a:lstStyle/>
+            <a:p>
+              <a:pPr marL="0" marR="0" indent="0" algn="l">
+                <a:lnSpc>
+                  <a:spcPts val="1439"/>
+                </a:lnSpc>
+                <a:spcBef>
+                  <a:spcPts val="0"/>
+                </a:spcBef>
+                <a:spcAft>
+                  <a:spcPts val="0"/>
+                </a:spcAft>
+              </a:pPr>
+              <a:r>
+                <a:rPr lang="en-CA" sz="1500" b="1" dirty="0">
+                  <a:solidFill>
+                    <a:srgbClr val="000000">
+                      <a:alpha val="100000"/>
+                    </a:srgbClr>
+                  </a:solidFill>
+                  <a:latin typeface="Arial"/>
+                  <a:cs typeface="Arial"/>
+                </a:rPr>
+                <a:t>A) Novice</a:t>
+              </a:r>
+              <a:endParaRPr sz="1500" b="1" dirty="0">
+                <a:solidFill>
+                  <a:srgbClr val="000000">
+                    <a:alpha val="100000"/>
+                  </a:srgbClr>
+                </a:solidFill>
+                <a:latin typeface="Arial"/>
+                <a:cs typeface="Arial"/>
+              </a:endParaRPr>
+            </a:p>
+          </p:txBody>
+        </p:sp>
+        <p:sp>
+          <p:nvSpPr>
+            <p:cNvPr id="420" name="tx71">
+              <a:extLst>
+                <a:ext uri="{FF2B5EF4-FFF2-40B4-BE49-F238E27FC236}">
+                  <a16:creationId xmlns:a16="http://schemas.microsoft.com/office/drawing/2014/main" id="{5F2799AA-15CD-74D1-B589-D2327EB746DB}"/>
+                </a:ext>
+              </a:extLst>
+            </p:cNvPr>
+            <p:cNvSpPr/>
+            <p:nvPr/>
+          </p:nvSpPr>
+          <p:spPr>
+            <a:xfrm>
+              <a:off x="5681116" y="326456"/>
+              <a:ext cx="772685" cy="167253"/>
+            </a:xfrm>
+            <a:prstGeom prst="rect">
+              <a:avLst/>
+            </a:prstGeom>
+            <a:noFill/>
+          </p:spPr>
+          <p:txBody>
+            <a:bodyPr wrap="none" lIns="0" tIns="0" rIns="0" bIns="0" anchor="ctr" anchorCtr="1"/>
+            <a:lstStyle/>
+            <a:p>
+              <a:pPr marL="0" marR="0" indent="0" algn="l">
+                <a:lnSpc>
+                  <a:spcPts val="1439"/>
+                </a:lnSpc>
+                <a:spcBef>
+                  <a:spcPts val="0"/>
+                </a:spcBef>
+                <a:spcAft>
+                  <a:spcPts val="0"/>
+                </a:spcAft>
+              </a:pPr>
+              <a:r>
+                <a:rPr lang="en-CA" sz="1500" b="1" dirty="0">
+                  <a:solidFill>
+                    <a:srgbClr val="000000">
+                      <a:alpha val="100000"/>
+                    </a:srgbClr>
+                  </a:solidFill>
+                  <a:latin typeface="Arial"/>
+                  <a:cs typeface="Arial"/>
+                </a:rPr>
+                <a:t>B) Advanced</a:t>
+              </a:r>
+              <a:endParaRPr sz="1500" b="1" dirty="0">
+                <a:solidFill>
+                  <a:srgbClr val="000000">
+                    <a:alpha val="100000"/>
+                  </a:srgbClr>
+                </a:solidFill>
+                <a:latin typeface="Arial"/>
+                <a:cs typeface="Arial"/>
+              </a:endParaRPr>
+            </a:p>
+          </p:txBody>
+        </p:sp>
+        <p:sp>
+          <p:nvSpPr>
+            <p:cNvPr id="4" name="tx71">
+              <a:extLst>
+                <a:ext uri="{FF2B5EF4-FFF2-40B4-BE49-F238E27FC236}">
+                  <a16:creationId xmlns:a16="http://schemas.microsoft.com/office/drawing/2014/main" id="{61B07D51-1801-6201-2E6D-59218A343DC6}"/>
+                </a:ext>
+              </a:extLst>
+            </p:cNvPr>
+            <p:cNvSpPr/>
+            <p:nvPr/>
+          </p:nvSpPr>
+          <p:spPr>
+            <a:xfrm>
+              <a:off x="1364271" y="4661780"/>
+              <a:ext cx="772685" cy="167253"/>
+            </a:xfrm>
+            <a:prstGeom prst="rect">
+              <a:avLst/>
+            </a:prstGeom>
+            <a:noFill/>
+          </p:spPr>
+          <p:txBody>
+            <a:bodyPr wrap="none" lIns="0" tIns="0" rIns="0" bIns="0" anchor="ctr" anchorCtr="1"/>
+            <a:lstStyle/>
+            <a:p>
+              <a:pPr marL="0" marR="0" indent="0" algn="l">
+                <a:lnSpc>
+                  <a:spcPts val="1439"/>
+                </a:lnSpc>
+                <a:spcBef>
+                  <a:spcPts val="0"/>
+                </a:spcBef>
+                <a:spcAft>
+                  <a:spcPts val="0"/>
+                </a:spcAft>
+              </a:pPr>
+              <a:r>
+                <a:rPr lang="en-CA" sz="1500" b="1" dirty="0">
+                  <a:solidFill>
+                    <a:srgbClr val="000000">
+                      <a:alpha val="100000"/>
+                    </a:srgbClr>
+                  </a:solidFill>
+                  <a:latin typeface="Arial"/>
+                  <a:cs typeface="Arial"/>
+                </a:rPr>
+                <a:t>C) Advanced vs novice</a:t>
+              </a:r>
+              <a:endParaRPr sz="1500" b="1" dirty="0">
+                <a:solidFill>
+                  <a:srgbClr val="000000">
+                    <a:alpha val="100000"/>
+                  </a:srgbClr>
+                </a:solidFill>
+                <a:latin typeface="Arial"/>
+                <a:cs typeface="Arial"/>
+              </a:endParaRPr>
+            </a:p>
+          </p:txBody>
+        </p:sp>
+      </p:grpSp>
+    </p:spTree>
+    <p:extLst>
+      <p:ext uri="{BB962C8B-B14F-4D97-AF65-F5344CB8AC3E}">
+        <p14:creationId xmlns:p14="http://schemas.microsoft.com/office/powerpoint/2010/main" val="572004031"/>
+      </p:ext>
+    </p:extLst>
+  </p:cSld>
+  <p:clrMapOvr>
+    <a:masterClrMapping/>
+  </p:clrMapOvr>
+</p:sld>
+</file>
+
+<file path=ppt/slides/slide8.xml><?xml version="1.0" encoding="utf-8"?>
 <p:sld xmlns:a="http://schemas.openxmlformats.org/drawingml/2006/main" xmlns:r="http://schemas.openxmlformats.org/officeDocument/2006/relationships" xmlns:p="http://schemas.openxmlformats.org/presentationml/2006/main" show="0">
   <p:cSld>
     <p:spTree>
@@ -13886,4 +21615,299 @@
   <a:objectDefaults/>
   <a:extraClrSchemeLst/>
 </a:theme>
+</file>
+
+<file path=ppt/theme/theme2.xml><?xml version="1.0" encoding="utf-8"?>
+<a:theme xmlns:a="http://schemas.openxmlformats.org/drawingml/2006/main" name="Office Theme">
+  <a:themeElements>
+    <a:clrScheme name="Office">
+      <a:dk1>
+        <a:sysClr val="windowText" lastClr="000000"/>
+      </a:dk1>
+      <a:lt1>
+        <a:sysClr val="window" lastClr="FFFFFF"/>
+      </a:lt1>
+      <a:dk2>
+        <a:srgbClr val="44546A"/>
+      </a:dk2>
+      <a:lt2>
+        <a:srgbClr val="E7E6E6"/>
+      </a:lt2>
+      <a:accent1>
+        <a:srgbClr val="4472C4"/>
+      </a:accent1>
+      <a:accent2>
+        <a:srgbClr val="ED7D31"/>
+      </a:accent2>
+      <a:accent3>
+        <a:srgbClr val="A5A5A5"/>
+      </a:accent3>
+      <a:accent4>
+        <a:srgbClr val="FFC000"/>
+      </a:accent4>
+      <a:accent5>
+        <a:srgbClr val="5B9BD5"/>
+      </a:accent5>
+      <a:accent6>
+        <a:srgbClr val="70AD47"/>
+      </a:accent6>
+      <a:hlink>
+        <a:srgbClr val="0563C1"/>
+      </a:hlink>
+      <a:folHlink>
+        <a:srgbClr val="954F72"/>
+      </a:folHlink>
+    </a:clrScheme>
+    <a:fontScheme name="Office">
+      <a:majorFont>
+        <a:latin typeface="Calibri Light" panose="020F0302020204030204"/>
+        <a:ea typeface=""/>
+        <a:cs typeface=""/>
+        <a:font script="Jpan" typeface="游ゴシック Light"/>
+        <a:font script="Hang" typeface="맑은 고딕"/>
+        <a:font script="Hans" typeface="等线 Light"/>
+        <a:font script="Hant" typeface="新細明體"/>
+        <a:font script="Arab" typeface="Times New Roman"/>
+        <a:font script="Hebr" typeface="Times New Roman"/>
+        <a:font script="Thai" typeface="Angsana New"/>
+        <a:font script="Ethi" typeface="Nyala"/>
+        <a:font script="Beng" typeface="Vrinda"/>
+        <a:font script="Gujr" typeface="Shruti"/>
+        <a:font script="Khmr" typeface="MoolBoran"/>
+        <a:font script="Knda" typeface="Tunga"/>
+        <a:font script="Guru" typeface="Raavi"/>
+        <a:font script="Cans" typeface="Euphemia"/>
+        <a:font script="Cher" typeface="Plantagenet Cherokee"/>
+        <a:font script="Yiii" typeface="Microsoft Yi Baiti"/>
+        <a:font script="Tibt" typeface="Microsoft Himalaya"/>
+        <a:font script="Thaa" typeface="MV Boli"/>
+        <a:font script="Deva" typeface="Mangal"/>
+        <a:font script="Telu" typeface="Gautami"/>
+        <a:font script="Taml" typeface="Latha"/>
+        <a:font script="Syrc" typeface="Estrangelo Edessa"/>
+        <a:font script="Orya" typeface="Kalinga"/>
+        <a:font script="Mlym" typeface="Kartika"/>
+        <a:font script="Laoo" typeface="DokChampa"/>
+        <a:font script="Sinh" typeface="Iskoola Pota"/>
+        <a:font script="Mong" typeface="Mongolian Baiti"/>
+        <a:font script="Viet" typeface="Times New Roman"/>
+        <a:font script="Uigh" typeface="Microsoft Uighur"/>
+        <a:font script="Geor" typeface="Sylfaen"/>
+        <a:font script="Armn" typeface="Arial"/>
+        <a:font script="Bugi" typeface="Leelawadee UI"/>
+        <a:font script="Bopo" typeface="Microsoft JhengHei"/>
+        <a:font script="Java" typeface="Javanese Text"/>
+        <a:font script="Lisu" typeface="Segoe UI"/>
+        <a:font script="Mymr" typeface="Myanmar Text"/>
+        <a:font script="Nkoo" typeface="Ebrima"/>
+        <a:font script="Olck" typeface="Nirmala UI"/>
+        <a:font script="Osma" typeface="Ebrima"/>
+        <a:font script="Phag" typeface="Phagspa"/>
+        <a:font script="Syrn" typeface="Estrangelo Edessa"/>
+        <a:font script="Syrj" typeface="Estrangelo Edessa"/>
+        <a:font script="Syre" typeface="Estrangelo Edessa"/>
+        <a:font script="Sora" typeface="Nirmala UI"/>
+        <a:font script="Tale" typeface="Microsoft Tai Le"/>
+        <a:font script="Talu" typeface="Microsoft New Tai Lue"/>
+        <a:font script="Tfng" typeface="Ebrima"/>
+      </a:majorFont>
+      <a:minorFont>
+        <a:latin typeface="Calibri" panose="020F0502020204030204"/>
+        <a:ea typeface=""/>
+        <a:cs typeface=""/>
+        <a:font script="Jpan" typeface="游ゴシック"/>
+        <a:font script="Hang" typeface="맑은 고딕"/>
+        <a:font script="Hans" typeface="等线"/>
+        <a:font script="Hant" typeface="新細明體"/>
+        <a:font script="Arab" typeface="Arial"/>
+        <a:font script="Hebr" typeface="Arial"/>
+        <a:font script="Thai" typeface="Cordia New"/>
+        <a:font script="Ethi" typeface="Nyala"/>
+        <a:font script="Beng" typeface="Vrinda"/>
+        <a:font script="Gujr" typeface="Shruti"/>
+        <a:font script="Khmr" typeface="DaunPenh"/>
+        <a:font script="Knda" typeface="Tunga"/>
+        <a:font script="Guru" typeface="Raavi"/>
+        <a:font script="Cans" typeface="Euphemia"/>
+        <a:font script="Cher" typeface="Plantagenet Cherokee"/>
+        <a:font script="Yiii" typeface="Microsoft Yi Baiti"/>
+        <a:font script="Tibt" typeface="Microsoft Himalaya"/>
+        <a:font script="Thaa" typeface="MV Boli"/>
+        <a:font script="Deva" typeface="Mangal"/>
+        <a:font script="Telu" typeface="Gautami"/>
+        <a:font script="Taml" typeface="Latha"/>
+        <a:font script="Syrc" typeface="Estrangelo Edessa"/>
+        <a:font script="Orya" typeface="Kalinga"/>
+        <a:font script="Mlym" typeface="Kartika"/>
+        <a:font script="Laoo" typeface="DokChampa"/>
+        <a:font script="Sinh" typeface="Iskoola Pota"/>
+        <a:font script="Mong" typeface="Mongolian Baiti"/>
+        <a:font script="Viet" typeface="Arial"/>
+        <a:font script="Uigh" typeface="Microsoft Uighur"/>
+        <a:font script="Geor" typeface="Sylfaen"/>
+        <a:font script="Armn" typeface="Arial"/>
+        <a:font script="Bugi" typeface="Leelawadee UI"/>
+        <a:font script="Bopo" typeface="Microsoft JhengHei"/>
+        <a:font script="Java" typeface="Javanese Text"/>
+        <a:font script="Lisu" typeface="Segoe UI"/>
+        <a:font script="Mymr" typeface="Myanmar Text"/>
+        <a:font script="Nkoo" typeface="Ebrima"/>
+        <a:font script="Olck" typeface="Nirmala UI"/>
+        <a:font script="Osma" typeface="Ebrima"/>
+        <a:font script="Phag" typeface="Phagspa"/>
+        <a:font script="Syrn" typeface="Estrangelo Edessa"/>
+        <a:font script="Syrj" typeface="Estrangelo Edessa"/>
+        <a:font script="Syre" typeface="Estrangelo Edessa"/>
+        <a:font script="Sora" typeface="Nirmala UI"/>
+        <a:font script="Tale" typeface="Microsoft Tai Le"/>
+        <a:font script="Talu" typeface="Microsoft New Tai Lue"/>
+        <a:font script="Tfng" typeface="Ebrima"/>
+      </a:minorFont>
+    </a:fontScheme>
+    <a:fmtScheme name="Office">
+      <a:fillStyleLst>
+        <a:solidFill>
+          <a:schemeClr val="phClr"/>
+        </a:solidFill>
+        <a:gradFill rotWithShape="1">
+          <a:gsLst>
+            <a:gs pos="0">
+              <a:schemeClr val="phClr">
+                <a:lumMod val="110000"/>
+                <a:satMod val="105000"/>
+                <a:tint val="67000"/>
+              </a:schemeClr>
+            </a:gs>
+            <a:gs pos="50000">
+              <a:schemeClr val="phClr">
+                <a:lumMod val="105000"/>
+                <a:satMod val="103000"/>
+                <a:tint val="73000"/>
+              </a:schemeClr>
+            </a:gs>
+            <a:gs pos="100000">
+              <a:schemeClr val="phClr">
+                <a:lumMod val="105000"/>
+                <a:satMod val="109000"/>
+                <a:tint val="81000"/>
+              </a:schemeClr>
+            </a:gs>
+          </a:gsLst>
+          <a:lin ang="5400000" scaled="0"/>
+        </a:gradFill>
+        <a:gradFill rotWithShape="1">
+          <a:gsLst>
+            <a:gs pos="0">
+              <a:schemeClr val="phClr">
+                <a:satMod val="103000"/>
+                <a:lumMod val="102000"/>
+                <a:tint val="94000"/>
+              </a:schemeClr>
+            </a:gs>
+            <a:gs pos="50000">
+              <a:schemeClr val="phClr">
+                <a:satMod val="110000"/>
+                <a:lumMod val="100000"/>
+                <a:shade val="100000"/>
+              </a:schemeClr>
+            </a:gs>
+            <a:gs pos="100000">
+              <a:schemeClr val="phClr">
+                <a:lumMod val="99000"/>
+                <a:satMod val="120000"/>
+                <a:shade val="78000"/>
+              </a:schemeClr>
+            </a:gs>
+          </a:gsLst>
+          <a:lin ang="5400000" scaled="0"/>
+        </a:gradFill>
+      </a:fillStyleLst>
+      <a:lnStyleLst>
+        <a:ln w="6350" cap="flat" cmpd="sng" algn="ctr">
+          <a:solidFill>
+            <a:schemeClr val="phClr"/>
+          </a:solidFill>
+          <a:prstDash val="solid"/>
+          <a:miter lim="800000"/>
+        </a:ln>
+        <a:ln w="12700" cap="flat" cmpd="sng" algn="ctr">
+          <a:solidFill>
+            <a:schemeClr val="phClr"/>
+          </a:solidFill>
+          <a:prstDash val="solid"/>
+          <a:miter lim="800000"/>
+        </a:ln>
+        <a:ln w="19050" cap="flat" cmpd="sng" algn="ctr">
+          <a:solidFill>
+            <a:schemeClr val="phClr"/>
+          </a:solidFill>
+          <a:prstDash val="solid"/>
+          <a:miter lim="800000"/>
+        </a:ln>
+      </a:lnStyleLst>
+      <a:effectStyleLst>
+        <a:effectStyle>
+          <a:effectLst/>
+        </a:effectStyle>
+        <a:effectStyle>
+          <a:effectLst/>
+        </a:effectStyle>
+        <a:effectStyle>
+          <a:effectLst>
+            <a:outerShdw blurRad="57150" dist="19050" dir="5400000" algn="ctr" rotWithShape="0">
+              <a:srgbClr val="000000">
+                <a:alpha val="63000"/>
+              </a:srgbClr>
+            </a:outerShdw>
+          </a:effectLst>
+        </a:effectStyle>
+      </a:effectStyleLst>
+      <a:bgFillStyleLst>
+        <a:solidFill>
+          <a:schemeClr val="phClr"/>
+        </a:solidFill>
+        <a:solidFill>
+          <a:schemeClr val="phClr">
+            <a:tint val="95000"/>
+            <a:satMod val="170000"/>
+          </a:schemeClr>
+        </a:solidFill>
+        <a:gradFill rotWithShape="1">
+          <a:gsLst>
+            <a:gs pos="0">
+              <a:schemeClr val="phClr">
+                <a:tint val="93000"/>
+                <a:satMod val="150000"/>
+                <a:shade val="98000"/>
+                <a:lumMod val="102000"/>
+              </a:schemeClr>
+            </a:gs>
+            <a:gs pos="50000">
+              <a:schemeClr val="phClr">
+                <a:tint val="98000"/>
+                <a:satMod val="130000"/>
+                <a:shade val="90000"/>
+                <a:lumMod val="103000"/>
+              </a:schemeClr>
+            </a:gs>
+            <a:gs pos="100000">
+              <a:schemeClr val="phClr">
+                <a:shade val="63000"/>
+                <a:satMod val="120000"/>
+              </a:schemeClr>
+            </a:gs>
+          </a:gsLst>
+          <a:lin ang="5400000" scaled="0"/>
+        </a:gradFill>
+      </a:bgFillStyleLst>
+    </a:fmtScheme>
+  </a:themeElements>
+  <a:objectDefaults/>
+  <a:extraClrSchemeLst/>
+  <a:extLst>
+    <a:ext uri="{05A4C25C-085E-4340-85A3-A5531E510DB2}">
+      <thm15:themeFamily xmlns:thm15="http://schemas.microsoft.com/office/thememl/2012/main" name="Office Theme" id="{62F939B6-93AF-4DB8-9C6B-D6C7DFDC589F}" vid="{4A3C46E8-61CC-4603-A589-7422A47A8E4A}"/>
+    </a:ext>
+  </a:extLst>
+</a:theme>
 </file>
--- a/outputs/04_outputs_figures/figure4-raw.pptx
+++ b/outputs/04_outputs_figures/figure4-raw.pptx
@@ -215,7 +215,7 @@
           <a:p>
             <a:fld id="{7FD10ADE-4B29-47F6-B827-46513D37ECF8}" type="datetimeFigureOut">
               <a:rPr lang="en-CA" smtClean="0"/>
-              <a:t>2023-06-06</a:t>
+              <a:t>2023-06-19</a:t>
             </a:fld>
             <a:endParaRPr lang="en-CA"/>
           </a:p>
@@ -748,7 +748,7 @@
           <a:p>
             <a:fld id="{6BA5D40C-A8DC-479A-A5D3-E7B4936A184B}" type="datetimeFigureOut">
               <a:rPr lang="en-GB" smtClean="0"/>
-              <a:t>06/06/2023</a:t>
+              <a:t>19/06/2023</a:t>
             </a:fld>
             <a:endParaRPr lang="en-GB"/>
           </a:p>
@@ -918,7 +918,7 @@
           <a:p>
             <a:fld id="{6BA5D40C-A8DC-479A-A5D3-E7B4936A184B}" type="datetimeFigureOut">
               <a:rPr lang="en-GB" smtClean="0"/>
-              <a:t>06/06/2023</a:t>
+              <a:t>19/06/2023</a:t>
             </a:fld>
             <a:endParaRPr lang="en-GB"/>
           </a:p>
@@ -1098,7 +1098,7 @@
           <a:p>
             <a:fld id="{6BA5D40C-A8DC-479A-A5D3-E7B4936A184B}" type="datetimeFigureOut">
               <a:rPr lang="en-GB" smtClean="0"/>
-              <a:t>06/06/2023</a:t>
+              <a:t>19/06/2023</a:t>
             </a:fld>
             <a:endParaRPr lang="en-GB"/>
           </a:p>
@@ -1268,7 +1268,7 @@
           <a:p>
             <a:fld id="{6BA5D40C-A8DC-479A-A5D3-E7B4936A184B}" type="datetimeFigureOut">
               <a:rPr lang="en-GB" smtClean="0"/>
-              <a:t>06/06/2023</a:t>
+              <a:t>19/06/2023</a:t>
             </a:fld>
             <a:endParaRPr lang="en-GB"/>
           </a:p>
@@ -1514,7 +1514,7 @@
           <a:p>
             <a:fld id="{6BA5D40C-A8DC-479A-A5D3-E7B4936A184B}" type="datetimeFigureOut">
               <a:rPr lang="en-GB" smtClean="0"/>
-              <a:t>06/06/2023</a:t>
+              <a:t>19/06/2023</a:t>
             </a:fld>
             <a:endParaRPr lang="en-GB"/>
           </a:p>
@@ -1802,7 +1802,7 @@
           <a:p>
             <a:fld id="{6BA5D40C-A8DC-479A-A5D3-E7B4936A184B}" type="datetimeFigureOut">
               <a:rPr lang="en-GB" smtClean="0"/>
-              <a:t>06/06/2023</a:t>
+              <a:t>19/06/2023</a:t>
             </a:fld>
             <a:endParaRPr lang="en-GB"/>
           </a:p>
@@ -2229,7 +2229,7 @@
           <a:p>
             <a:fld id="{6BA5D40C-A8DC-479A-A5D3-E7B4936A184B}" type="datetimeFigureOut">
               <a:rPr lang="en-GB" smtClean="0"/>
-              <a:t>06/06/2023</a:t>
+              <a:t>19/06/2023</a:t>
             </a:fld>
             <a:endParaRPr lang="en-GB"/>
           </a:p>
@@ -2347,7 +2347,7 @@
           <a:p>
             <a:fld id="{6BA5D40C-A8DC-479A-A5D3-E7B4936A184B}" type="datetimeFigureOut">
               <a:rPr lang="en-GB" smtClean="0"/>
-              <a:t>06/06/2023</a:t>
+              <a:t>19/06/2023</a:t>
             </a:fld>
             <a:endParaRPr lang="en-GB"/>
           </a:p>
@@ -2442,7 +2442,7 @@
           <a:p>
             <a:fld id="{6BA5D40C-A8DC-479A-A5D3-E7B4936A184B}" type="datetimeFigureOut">
               <a:rPr lang="en-GB" smtClean="0"/>
-              <a:t>06/06/2023</a:t>
+              <a:t>19/06/2023</a:t>
             </a:fld>
             <a:endParaRPr lang="en-GB"/>
           </a:p>
@@ -2719,7 +2719,7 @@
           <a:p>
             <a:fld id="{6BA5D40C-A8DC-479A-A5D3-E7B4936A184B}" type="datetimeFigureOut">
               <a:rPr lang="en-GB" smtClean="0"/>
-              <a:t>06/06/2023</a:t>
+              <a:t>19/06/2023</a:t>
             </a:fld>
             <a:endParaRPr lang="en-GB"/>
           </a:p>
@@ -2972,7 +2972,7 @@
           <a:p>
             <a:fld id="{6BA5D40C-A8DC-479A-A5D3-E7B4936A184B}" type="datetimeFigureOut">
               <a:rPr lang="en-GB" smtClean="0"/>
-              <a:t>06/06/2023</a:t>
+              <a:t>19/06/2023</a:t>
             </a:fld>
             <a:endParaRPr lang="en-GB"/>
           </a:p>
@@ -3185,7 +3185,7 @@
           <a:p>
             <a:fld id="{6BA5D40C-A8DC-479A-A5D3-E7B4936A184B}" type="datetimeFigureOut">
               <a:rPr lang="en-GB" smtClean="0"/>
-              <a:t>06/06/2023</a:t>
+              <a:t>19/06/2023</a:t>
             </a:fld>
             <a:endParaRPr lang="en-GB"/>
           </a:p>
@@ -17418,10 +17418,10 @@
       </p:grpSpPr>
       <p:grpSp>
         <p:nvGrpSpPr>
-          <p:cNvPr id="349" name="Group 348">
+          <p:cNvPr id="11" name="Group 10">
             <a:extLst>
               <a:ext uri="{FF2B5EF4-FFF2-40B4-BE49-F238E27FC236}">
-                <a16:creationId xmlns:a16="http://schemas.microsoft.com/office/drawing/2014/main" id="{E0EF4937-1438-41E7-4232-6D3F1342FB72}"/>
+                <a16:creationId xmlns:a16="http://schemas.microsoft.com/office/drawing/2014/main" id="{FE5A9DCD-C8D3-9F42-220A-44111BDE278F}"/>
               </a:ext>
             </a:extLst>
           </p:cNvPr>
@@ -17430,9 +17430,9 @@
         </p:nvGrpSpPr>
         <p:grpSpPr>
           <a:xfrm>
-            <a:off x="8830" y="326456"/>
+            <a:off x="-8830" y="326456"/>
             <a:ext cx="10698163" cy="7605280"/>
-            <a:chOff x="8830" y="326456"/>
+            <a:chOff x="-8830" y="326456"/>
             <a:chExt cx="10698163" cy="7605280"/>
           </a:xfrm>
         </p:grpSpPr>
@@ -17490,36 +17490,6 @@
             <a:xfrm>
               <a:off x="633358" y="509510"/>
               <a:ext cx="4630380" cy="3589377"/>
-            </a:xfrm>
-            <a:prstGeom prst="rect">
-              <a:avLst/>
-            </a:prstGeom>
-          </p:spPr>
-        </p:pic>
-        <p:pic>
-          <p:nvPicPr>
-            <p:cNvPr id="3" name="Image 2" descr="Une image contenant texte, ligne, diagramme, Police">
-              <a:extLst>
-                <a:ext uri="{FF2B5EF4-FFF2-40B4-BE49-F238E27FC236}">
-                  <a16:creationId xmlns:a16="http://schemas.microsoft.com/office/drawing/2014/main" id="{E8BEB9C8-733B-1682-C27F-8F3C95F32CDC}"/>
-                </a:ext>
-              </a:extLst>
-            </p:cNvPr>
-            <p:cNvPicPr>
-              <a:picLocks noChangeAspect="1"/>
-            </p:cNvPicPr>
-            <p:nvPr/>
-          </p:nvPicPr>
-          <p:blipFill>
-            <a:blip r:embed="rId4"/>
-            <a:stretch>
-              <a:fillRect/>
-            </a:stretch>
-          </p:blipFill>
-          <p:spPr>
-            <a:xfrm>
-              <a:off x="8830" y="4874749"/>
-              <a:ext cx="10698163" cy="3056987"/>
             </a:xfrm>
             <a:prstGeom prst="rect">
               <a:avLst/>
@@ -19342,6 +19312,36 @@
             </a:p>
           </p:txBody>
         </p:sp>
+        <p:pic>
+          <p:nvPicPr>
+            <p:cNvPr id="10" name="Picture 9">
+              <a:extLst>
+                <a:ext uri="{FF2B5EF4-FFF2-40B4-BE49-F238E27FC236}">
+                  <a16:creationId xmlns:a16="http://schemas.microsoft.com/office/drawing/2014/main" id="{C92B8402-D46B-24CC-A771-4FA4AF2027AF}"/>
+                </a:ext>
+              </a:extLst>
+            </p:cNvPr>
+            <p:cNvPicPr>
+              <a:picLocks noChangeAspect="1"/>
+            </p:cNvPicPr>
+            <p:nvPr/>
+          </p:nvPicPr>
+          <p:blipFill>
+            <a:blip r:embed="rId4"/>
+            <a:stretch>
+              <a:fillRect/>
+            </a:stretch>
+          </p:blipFill>
+          <p:spPr>
+            <a:xfrm>
+              <a:off x="-8830" y="4874748"/>
+              <a:ext cx="10698163" cy="3056988"/>
+            </a:xfrm>
+            <a:prstGeom prst="rect">
+              <a:avLst/>
+            </a:prstGeom>
+          </p:spPr>
+        </p:pic>
       </p:grpSp>
     </p:spTree>
     <p:extLst>
